--- a/Presentation/TypeScriptFundamentals.pptx
+++ b/Presentation/TypeScriptFundamentals.pptx
@@ -7,6 +7,26 @@
   <p:sldIdLst>
     <p:sldId id="256" r:id="rId2"/>
     <p:sldId id="257" r:id="rId3"/>
+    <p:sldId id="258" r:id="rId4"/>
+    <p:sldId id="259" r:id="rId5"/>
+    <p:sldId id="260" r:id="rId6"/>
+    <p:sldId id="263" r:id="rId7"/>
+    <p:sldId id="261" r:id="rId8"/>
+    <p:sldId id="262" r:id="rId9"/>
+    <p:sldId id="264" r:id="rId10"/>
+    <p:sldId id="265" r:id="rId11"/>
+    <p:sldId id="266" r:id="rId12"/>
+    <p:sldId id="267" r:id="rId13"/>
+    <p:sldId id="268" r:id="rId14"/>
+    <p:sldId id="269" r:id="rId15"/>
+    <p:sldId id="270" r:id="rId16"/>
+    <p:sldId id="271" r:id="rId17"/>
+    <p:sldId id="272" r:id="rId18"/>
+    <p:sldId id="273" r:id="rId19"/>
+    <p:sldId id="274" r:id="rId20"/>
+    <p:sldId id="276" r:id="rId21"/>
+    <p:sldId id="277" r:id="rId22"/>
+    <p:sldId id="278" r:id="rId23"/>
   </p:sldIdLst>
   <p:sldSz cx="12192000" cy="6858000"/>
   <p:notesSz cx="6858000" cy="9144000"/>
@@ -105,6 +125,49 @@
       </a:defRPr>
     </a:lvl9pPr>
   </p:defaultTextStyle>
+  <p:extLst>
+    <p:ext uri="{521415D9-36F7-43E2-AB2F-B90AF26B5E84}">
+      <p14:sectionLst xmlns:p14="http://schemas.microsoft.com/office/powerpoint/2010/main">
+        <p14:section name="Intro" id="{67537DF2-151D-4DA8-BA51-101A900A9FBC}">
+          <p14:sldIdLst>
+            <p14:sldId id="256"/>
+            <p14:sldId id="257"/>
+            <p14:sldId id="258"/>
+            <p14:sldId id="259"/>
+            <p14:sldId id="260"/>
+            <p14:sldId id="263"/>
+            <p14:sldId id="261"/>
+            <p14:sldId id="262"/>
+            <p14:sldId id="264"/>
+          </p14:sldIdLst>
+        </p14:section>
+        <p14:section name="MyFirstApp" id="{E6FD44C1-DEE6-439E-9C5F-D9C1F0436DC6}">
+          <p14:sldIdLst>
+            <p14:sldId id="265"/>
+            <p14:sldId id="266"/>
+          </p14:sldIdLst>
+        </p14:section>
+        <p14:section name="JavaScript OO" id="{9CCC3303-2B43-482B-8BE0-75BC81C4EC24}">
+          <p14:sldIdLst>
+            <p14:sldId id="267"/>
+            <p14:sldId id="268"/>
+            <p14:sldId id="269"/>
+            <p14:sldId id="270"/>
+            <p14:sldId id="271"/>
+            <p14:sldId id="272"/>
+            <p14:sldId id="273"/>
+            <p14:sldId id="274"/>
+            <p14:sldId id="276"/>
+            <p14:sldId id="277"/>
+            <p14:sldId id="278"/>
+          </p14:sldIdLst>
+        </p14:section>
+      </p14:sectionLst>
+    </p:ext>
+    <p:ext uri="{EFAFB233-063F-42B5-8137-9DF3F51BA10A}">
+      <p15:sldGuideLst xmlns:p15="http://schemas.microsoft.com/office/powerpoint/2012/main"/>
+    </p:ext>
+  </p:extLst>
 </p:presentation>
 </file>
 
@@ -830,7 +893,7 @@
           <a:p>
             <a:fld id="{974B815D-6AFA-4040-8EC9-7F4094DEB064}" type="datetimeFigureOut">
               <a:rPr lang="en-US" smtClean="0"/>
-              <a:t>9/18/2014</a:t>
+              <a:t>10/8/2014</a:t>
             </a:fld>
             <a:endParaRPr lang="en-US"/>
           </a:p>
@@ -1081,7 +1144,7 @@
           <a:p>
             <a:fld id="{974B815D-6AFA-4040-8EC9-7F4094DEB064}" type="datetimeFigureOut">
               <a:rPr lang="en-US" smtClean="0"/>
-              <a:t>9/18/2014</a:t>
+              <a:t>10/8/2014</a:t>
             </a:fld>
             <a:endParaRPr lang="en-US"/>
           </a:p>
@@ -1395,7 +1458,7 @@
           <a:p>
             <a:fld id="{974B815D-6AFA-4040-8EC9-7F4094DEB064}" type="datetimeFigureOut">
               <a:rPr lang="en-US" smtClean="0"/>
-              <a:t>9/18/2014</a:t>
+              <a:t>10/8/2014</a:t>
             </a:fld>
             <a:endParaRPr lang="en-US"/>
           </a:p>
@@ -1736,7 +1799,7 @@
           <a:p>
             <a:fld id="{974B815D-6AFA-4040-8EC9-7F4094DEB064}" type="datetimeFigureOut">
               <a:rPr lang="en-US" smtClean="0"/>
-              <a:t>9/18/2014</a:t>
+              <a:t>10/8/2014</a:t>
             </a:fld>
             <a:endParaRPr lang="en-US"/>
           </a:p>
@@ -2050,7 +2113,7 @@
           <a:p>
             <a:fld id="{974B815D-6AFA-4040-8EC9-7F4094DEB064}" type="datetimeFigureOut">
               <a:rPr lang="en-US" smtClean="0"/>
-              <a:t>9/18/2014</a:t>
+              <a:t>10/8/2014</a:t>
             </a:fld>
             <a:endParaRPr lang="en-US"/>
           </a:p>
@@ -2443,7 +2506,7 @@
           <a:p>
             <a:fld id="{974B815D-6AFA-4040-8EC9-7F4094DEB064}" type="datetimeFigureOut">
               <a:rPr lang="en-US" smtClean="0"/>
-              <a:t>9/18/2014</a:t>
+              <a:t>10/8/2014</a:t>
             </a:fld>
             <a:endParaRPr lang="en-US"/>
           </a:p>
@@ -2613,7 +2676,7 @@
           <a:p>
             <a:fld id="{974B815D-6AFA-4040-8EC9-7F4094DEB064}" type="datetimeFigureOut">
               <a:rPr lang="en-US" smtClean="0"/>
-              <a:t>9/18/2014</a:t>
+              <a:t>10/8/2014</a:t>
             </a:fld>
             <a:endParaRPr lang="en-US"/>
           </a:p>
@@ -2793,7 +2856,7 @@
           <a:p>
             <a:fld id="{974B815D-6AFA-4040-8EC9-7F4094DEB064}" type="datetimeFigureOut">
               <a:rPr lang="en-US" smtClean="0"/>
-              <a:t>9/18/2014</a:t>
+              <a:t>10/8/2014</a:t>
             </a:fld>
             <a:endParaRPr lang="en-US"/>
           </a:p>
@@ -2969,7 +3032,7 @@
           <a:p>
             <a:fld id="{974B815D-6AFA-4040-8EC9-7F4094DEB064}" type="datetimeFigureOut">
               <a:rPr lang="en-US" smtClean="0"/>
-              <a:t>9/18/2014</a:t>
+              <a:t>10/8/2014</a:t>
             </a:fld>
             <a:endParaRPr lang="en-US"/>
           </a:p>
@@ -3216,7 +3279,7 @@
           <a:p>
             <a:fld id="{974B815D-6AFA-4040-8EC9-7F4094DEB064}" type="datetimeFigureOut">
               <a:rPr lang="en-US" smtClean="0"/>
-              <a:t>9/18/2014</a:t>
+              <a:t>10/8/2014</a:t>
             </a:fld>
             <a:endParaRPr lang="en-US"/>
           </a:p>
@@ -3448,7 +3511,7 @@
           <a:p>
             <a:fld id="{974B815D-6AFA-4040-8EC9-7F4094DEB064}" type="datetimeFigureOut">
               <a:rPr lang="en-US" smtClean="0"/>
-              <a:t>9/18/2014</a:t>
+              <a:t>10/8/2014</a:t>
             </a:fld>
             <a:endParaRPr lang="en-US"/>
           </a:p>
@@ -3822,7 +3885,7 @@
           <a:p>
             <a:fld id="{974B815D-6AFA-4040-8EC9-7F4094DEB064}" type="datetimeFigureOut">
               <a:rPr lang="en-US" smtClean="0"/>
-              <a:t>9/18/2014</a:t>
+              <a:t>10/8/2014</a:t>
             </a:fld>
             <a:endParaRPr lang="en-US"/>
           </a:p>
@@ -3945,7 +4008,7 @@
           <a:p>
             <a:fld id="{974B815D-6AFA-4040-8EC9-7F4094DEB064}" type="datetimeFigureOut">
               <a:rPr lang="en-US" smtClean="0"/>
-              <a:t>9/18/2014</a:t>
+              <a:t>10/8/2014</a:t>
             </a:fld>
             <a:endParaRPr lang="en-US"/>
           </a:p>
@@ -4040,7 +4103,7 @@
           <a:p>
             <a:fld id="{974B815D-6AFA-4040-8EC9-7F4094DEB064}" type="datetimeFigureOut">
               <a:rPr lang="en-US" smtClean="0"/>
-              <a:t>9/18/2014</a:t>
+              <a:t>10/8/2014</a:t>
             </a:fld>
             <a:endParaRPr lang="en-US"/>
           </a:p>
@@ -4295,7 +4358,7 @@
           <a:p>
             <a:fld id="{974B815D-6AFA-4040-8EC9-7F4094DEB064}" type="datetimeFigureOut">
               <a:rPr lang="en-US" smtClean="0"/>
-              <a:t>9/18/2014</a:t>
+              <a:t>10/8/2014</a:t>
             </a:fld>
             <a:endParaRPr lang="en-US"/>
           </a:p>
@@ -4558,7 +4621,7 @@
           <a:p>
             <a:fld id="{974B815D-6AFA-4040-8EC9-7F4094DEB064}" type="datetimeFigureOut">
               <a:rPr lang="en-US" smtClean="0"/>
-              <a:t>9/18/2014</a:t>
+              <a:t>10/8/2014</a:t>
             </a:fld>
             <a:endParaRPr lang="en-US"/>
           </a:p>
@@ -5301,7 +5364,7 @@
           <a:p>
             <a:fld id="{974B815D-6AFA-4040-8EC9-7F4094DEB064}" type="datetimeFigureOut">
               <a:rPr lang="en-US" smtClean="0"/>
-              <a:t>9/18/2014</a:t>
+              <a:t>10/8/2014</a:t>
             </a:fld>
             <a:endParaRPr lang="en-US"/>
           </a:p>
@@ -5869,7 +5932,9 @@
         </p:nvSpPr>
         <p:spPr/>
         <p:txBody>
-          <a:bodyPr/>
+          <a:bodyPr>
+            <a:normAutofit lnSpcReduction="10000"/>
+          </a:bodyPr>
           <a:lstStyle/>
           <a:p>
             <a:r>
@@ -5879,6 +5944,16 @@
             <a:r>
               <a:rPr lang="en-US" dirty="0" err="1" smtClean="0"/>
               <a:t>TypeScript</a:t>
+            </a:r>
+            <a:endParaRPr lang="en-US" dirty="0" smtClean="0"/>
+          </a:p>
+          <a:p>
+            <a:endParaRPr lang="en-US" dirty="0"/>
+          </a:p>
+          <a:p>
+            <a:r>
+              <a:rPr lang="en-US" dirty="0" smtClean="0"/>
+              <a:t>By: Danil Mariovich Flores</a:t>
             </a:r>
             <a:endParaRPr lang="en-US" dirty="0"/>
           </a:p>
@@ -5894,6 +5969,3137 @@
   <p:clrMapOvr>
     <a:masterClrMapping/>
   </p:clrMapOvr>
+  <p:timing>
+    <p:tnLst>
+      <p:par>
+        <p:cTn id="1" dur="indefinite" restart="never" nodeType="tmRoot"/>
+      </p:par>
+    </p:tnLst>
+  </p:timing>
+</p:sld>
+</file>
+
+<file path=ppt/slides/slide10.xml><?xml version="1.0" encoding="utf-8"?>
+<p:sld xmlns:a="http://schemas.openxmlformats.org/drawingml/2006/main" xmlns:r="http://schemas.openxmlformats.org/officeDocument/2006/relationships" xmlns:p="http://schemas.openxmlformats.org/presentationml/2006/main">
+  <p:cSld>
+    <p:spTree>
+      <p:nvGrpSpPr>
+        <p:cNvPr id="1" name=""/>
+        <p:cNvGrpSpPr/>
+        <p:nvPr/>
+      </p:nvGrpSpPr>
+      <p:grpSpPr>
+        <a:xfrm>
+          <a:off x="0" y="0"/>
+          <a:ext cx="0" cy="0"/>
+          <a:chOff x="0" y="0"/>
+          <a:chExt cx="0" cy="0"/>
+        </a:xfrm>
+      </p:grpSpPr>
+      <p:sp>
+        <p:nvSpPr>
+          <p:cNvPr id="2" name="Title 1"/>
+          <p:cNvSpPr>
+            <a:spLocks noGrp="1"/>
+          </p:cNvSpPr>
+          <p:nvPr>
+            <p:ph type="title"/>
+          </p:nvPr>
+        </p:nvSpPr>
+        <p:spPr/>
+        <p:txBody>
+          <a:bodyPr/>
+          <a:lstStyle/>
+          <a:p>
+            <a:r>
+              <a:rPr lang="en-US" dirty="0" smtClean="0"/>
+              <a:t>Let’s build our first TS app!</a:t>
+            </a:r>
+            <a:endParaRPr lang="en-US" dirty="0"/>
+          </a:p>
+        </p:txBody>
+      </p:sp>
+      <p:sp>
+        <p:nvSpPr>
+          <p:cNvPr id="5" name="Text Placeholder 4"/>
+          <p:cNvSpPr>
+            <a:spLocks noGrp="1"/>
+          </p:cNvSpPr>
+          <p:nvPr>
+            <p:ph type="body" idx="1"/>
+          </p:nvPr>
+        </p:nvSpPr>
+        <p:spPr/>
+        <p:txBody>
+          <a:bodyPr/>
+          <a:lstStyle/>
+          <a:p>
+            <a:endParaRPr lang="en-US" dirty="0"/>
+          </a:p>
+        </p:txBody>
+      </p:sp>
+    </p:spTree>
+    <p:extLst>
+      <p:ext uri="{BB962C8B-B14F-4D97-AF65-F5344CB8AC3E}">
+        <p14:creationId xmlns:p14="http://schemas.microsoft.com/office/powerpoint/2010/main" val="1278170937"/>
+      </p:ext>
+    </p:extLst>
+  </p:cSld>
+  <p:clrMapOvr>
+    <a:masterClrMapping/>
+  </p:clrMapOvr>
+</p:sld>
+</file>
+
+<file path=ppt/slides/slide11.xml><?xml version="1.0" encoding="utf-8"?>
+<p:sld xmlns:a="http://schemas.openxmlformats.org/drawingml/2006/main" xmlns:r="http://schemas.openxmlformats.org/officeDocument/2006/relationships" xmlns:p="http://schemas.openxmlformats.org/presentationml/2006/main">
+  <p:cSld>
+    <p:spTree>
+      <p:nvGrpSpPr>
+        <p:cNvPr id="1" name=""/>
+        <p:cNvGrpSpPr/>
+        <p:nvPr/>
+      </p:nvGrpSpPr>
+      <p:grpSpPr>
+        <a:xfrm>
+          <a:off x="0" y="0"/>
+          <a:ext cx="0" cy="0"/>
+          <a:chOff x="0" y="0"/>
+          <a:chExt cx="0" cy="0"/>
+        </a:xfrm>
+      </p:grpSpPr>
+      <p:sp>
+        <p:nvSpPr>
+          <p:cNvPr id="4" name="Title 3"/>
+          <p:cNvSpPr>
+            <a:spLocks noGrp="1"/>
+          </p:cNvSpPr>
+          <p:nvPr>
+            <p:ph type="title"/>
+          </p:nvPr>
+        </p:nvSpPr>
+        <p:spPr/>
+        <p:txBody>
+          <a:bodyPr/>
+          <a:lstStyle/>
+          <a:p>
+            <a:r>
+              <a:rPr lang="en-US" dirty="0" err="1" smtClean="0"/>
+              <a:t>TypeScript</a:t>
+            </a:r>
+            <a:r>
+              <a:rPr lang="en-US" dirty="0" smtClean="0"/>
+              <a:t> ⊃ JavaScript </a:t>
+            </a:r>
+            <a:endParaRPr lang="en-US" dirty="0"/>
+          </a:p>
+        </p:txBody>
+      </p:sp>
+      <p:sp>
+        <p:nvSpPr>
+          <p:cNvPr id="5" name="Content Placeholder 4"/>
+          <p:cNvSpPr>
+            <a:spLocks noGrp="1"/>
+          </p:cNvSpPr>
+          <p:nvPr>
+            <p:ph idx="1"/>
+          </p:nvPr>
+        </p:nvSpPr>
+        <p:spPr/>
+        <p:txBody>
+          <a:bodyPr/>
+          <a:lstStyle/>
+          <a:p>
+            <a:r>
+              <a:rPr lang="en-US" dirty="0" smtClean="0"/>
+              <a:t>All valid JS files are valid TS files</a:t>
+            </a:r>
+            <a:r>
+              <a:rPr lang="en-US" i="1" dirty="0" smtClean="0"/>
+              <a:t>(</a:t>
+            </a:r>
+            <a:r>
+              <a:rPr lang="en-US" i="1" dirty="0" err="1" smtClean="0"/>
+              <a:t>ish</a:t>
+            </a:r>
+            <a:r>
+              <a:rPr lang="en-US" i="1" dirty="0" smtClean="0"/>
+              <a:t>)</a:t>
+            </a:r>
+          </a:p>
+          <a:p>
+            <a:pPr lvl="1"/>
+            <a:r>
+              <a:rPr lang="en-US" dirty="0" smtClean="0"/>
+              <a:t>May need to include type headers first</a:t>
+            </a:r>
+            <a:endParaRPr lang="en-US" dirty="0"/>
+          </a:p>
+          <a:p>
+            <a:endParaRPr lang="en-US" i="1" dirty="0" smtClean="0"/>
+          </a:p>
+          <a:p>
+            <a:r>
+              <a:rPr lang="en-US" dirty="0" smtClean="0"/>
+              <a:t>Begin using TS type annotations for maximum productivity</a:t>
+            </a:r>
+          </a:p>
+          <a:p>
+            <a:endParaRPr lang="en-US" dirty="0"/>
+          </a:p>
+          <a:p>
+            <a:r>
+              <a:rPr lang="en-US" dirty="0" smtClean="0"/>
+              <a:t>Use TS OOP constructs for even better benefit</a:t>
+            </a:r>
+            <a:endParaRPr lang="en-US" dirty="0"/>
+          </a:p>
+        </p:txBody>
+      </p:sp>
+    </p:spTree>
+    <p:extLst>
+      <p:ext uri="{BB962C8B-B14F-4D97-AF65-F5344CB8AC3E}">
+        <p14:creationId xmlns:p14="http://schemas.microsoft.com/office/powerpoint/2010/main" val="2520750565"/>
+      </p:ext>
+    </p:extLst>
+  </p:cSld>
+  <p:clrMapOvr>
+    <a:masterClrMapping/>
+  </p:clrMapOvr>
+</p:sld>
+</file>
+
+<file path=ppt/slides/slide12.xml><?xml version="1.0" encoding="utf-8"?>
+<p:sld xmlns:a="http://schemas.openxmlformats.org/drawingml/2006/main" xmlns:r="http://schemas.openxmlformats.org/officeDocument/2006/relationships" xmlns:p="http://schemas.openxmlformats.org/presentationml/2006/main">
+  <p:cSld>
+    <p:spTree>
+      <p:nvGrpSpPr>
+        <p:cNvPr id="1" name=""/>
+        <p:cNvGrpSpPr/>
+        <p:nvPr/>
+      </p:nvGrpSpPr>
+      <p:grpSpPr>
+        <a:xfrm>
+          <a:off x="0" y="0"/>
+          <a:ext cx="0" cy="0"/>
+          <a:chOff x="0" y="0"/>
+          <a:chExt cx="0" cy="0"/>
+        </a:xfrm>
+      </p:grpSpPr>
+      <p:sp>
+        <p:nvSpPr>
+          <p:cNvPr id="2" name="Title 1"/>
+          <p:cNvSpPr>
+            <a:spLocks noGrp="1"/>
+          </p:cNvSpPr>
+          <p:nvPr>
+            <p:ph type="title"/>
+          </p:nvPr>
+        </p:nvSpPr>
+        <p:spPr/>
+        <p:txBody>
+          <a:bodyPr/>
+          <a:lstStyle/>
+          <a:p>
+            <a:r>
+              <a:rPr lang="en-US" dirty="0" smtClean="0"/>
+              <a:t>Object-Oriented JavaScript</a:t>
+            </a:r>
+            <a:endParaRPr lang="en-US" dirty="0"/>
+          </a:p>
+        </p:txBody>
+      </p:sp>
+      <p:sp>
+        <p:nvSpPr>
+          <p:cNvPr id="4" name="Text Placeholder 3"/>
+          <p:cNvSpPr>
+            <a:spLocks noGrp="1"/>
+          </p:cNvSpPr>
+          <p:nvPr>
+            <p:ph type="body" idx="1"/>
+          </p:nvPr>
+        </p:nvSpPr>
+        <p:spPr/>
+        <p:txBody>
+          <a:bodyPr/>
+          <a:lstStyle/>
+          <a:p>
+            <a:endParaRPr lang="en-US" dirty="0"/>
+          </a:p>
+        </p:txBody>
+      </p:sp>
+    </p:spTree>
+    <p:extLst>
+      <p:ext uri="{BB962C8B-B14F-4D97-AF65-F5344CB8AC3E}">
+        <p14:creationId xmlns:p14="http://schemas.microsoft.com/office/powerpoint/2010/main" val="553747936"/>
+      </p:ext>
+    </p:extLst>
+  </p:cSld>
+  <p:clrMapOvr>
+    <a:masterClrMapping/>
+  </p:clrMapOvr>
+</p:sld>
+</file>
+
+<file path=ppt/slides/slide13.xml><?xml version="1.0" encoding="utf-8"?>
+<p:sld xmlns:a="http://schemas.openxmlformats.org/drawingml/2006/main" xmlns:r="http://schemas.openxmlformats.org/officeDocument/2006/relationships" xmlns:p="http://schemas.openxmlformats.org/presentationml/2006/main">
+  <p:cSld>
+    <p:spTree>
+      <p:nvGrpSpPr>
+        <p:cNvPr id="1" name=""/>
+        <p:cNvGrpSpPr/>
+        <p:nvPr/>
+      </p:nvGrpSpPr>
+      <p:grpSpPr>
+        <a:xfrm>
+          <a:off x="0" y="0"/>
+          <a:ext cx="0" cy="0"/>
+          <a:chOff x="0" y="0"/>
+          <a:chExt cx="0" cy="0"/>
+        </a:xfrm>
+      </p:grpSpPr>
+      <p:sp>
+        <p:nvSpPr>
+          <p:cNvPr id="6" name="Title 5"/>
+          <p:cNvSpPr>
+            <a:spLocks noGrp="1"/>
+          </p:cNvSpPr>
+          <p:nvPr>
+            <p:ph type="title"/>
+          </p:nvPr>
+        </p:nvSpPr>
+        <p:spPr/>
+        <p:txBody>
+          <a:bodyPr/>
+          <a:lstStyle/>
+          <a:p>
+            <a:r>
+              <a:rPr lang="en-US" dirty="0" smtClean="0"/>
+              <a:t>Modules</a:t>
+            </a:r>
+            <a:endParaRPr lang="en-US" dirty="0"/>
+          </a:p>
+        </p:txBody>
+      </p:sp>
+      <p:sp>
+        <p:nvSpPr>
+          <p:cNvPr id="7" name="Content Placeholder 6"/>
+          <p:cNvSpPr>
+            <a:spLocks noGrp="1"/>
+          </p:cNvSpPr>
+          <p:nvPr>
+            <p:ph idx="1"/>
+          </p:nvPr>
+        </p:nvSpPr>
+        <p:spPr/>
+        <p:txBody>
+          <a:bodyPr/>
+          <a:lstStyle/>
+          <a:p>
+            <a:r>
+              <a:rPr lang="en-US" dirty="0" smtClean="0"/>
+              <a:t>aka namespaces, closures, etc.</a:t>
+            </a:r>
+          </a:p>
+          <a:p>
+            <a:endParaRPr lang="en-US" dirty="0"/>
+          </a:p>
+          <a:p>
+            <a:r>
+              <a:rPr lang="en-US" dirty="0" smtClean="0"/>
+              <a:t>Protects you from the outside world (aka </a:t>
+            </a:r>
+            <a:r>
+              <a:rPr lang="en-US" altLang="en-US" dirty="0" smtClean="0">
+                <a:solidFill>
+                  <a:srgbClr val="000000"/>
+                </a:solidFill>
+                <a:latin typeface="Consolas" panose="020B0609020204030204" pitchFamily="49" charset="0"/>
+                <a:cs typeface="Consolas" panose="020B0609020204030204" pitchFamily="49" charset="0"/>
+              </a:rPr>
+              <a:t>window</a:t>
+            </a:r>
+            <a:r>
+              <a:rPr lang="en-US" dirty="0" smtClean="0"/>
+              <a:t>)</a:t>
+            </a:r>
+          </a:p>
+          <a:p>
+            <a:endParaRPr lang="en-US" dirty="0"/>
+          </a:p>
+          <a:p>
+            <a:r>
+              <a:rPr lang="en-US" dirty="0" smtClean="0"/>
+              <a:t>DO NOT POLLUTE THE GLOBAL NAMESPACE</a:t>
+            </a:r>
+          </a:p>
+          <a:p>
+            <a:pPr lvl="1"/>
+            <a:r>
+              <a:rPr lang="en-US" dirty="0" smtClean="0"/>
+              <a:t>Memory leaks</a:t>
+            </a:r>
+          </a:p>
+          <a:p>
+            <a:pPr lvl="1"/>
+            <a:r>
+              <a:rPr lang="en-US" dirty="0" smtClean="0"/>
+              <a:t>Performance</a:t>
+            </a:r>
+          </a:p>
+          <a:p>
+            <a:pPr lvl="1"/>
+            <a:r>
+              <a:rPr lang="en-US" dirty="0" smtClean="0"/>
+              <a:t>Namespace collisions</a:t>
+            </a:r>
+            <a:endParaRPr lang="en-US" dirty="0"/>
+          </a:p>
+        </p:txBody>
+      </p:sp>
+    </p:spTree>
+    <p:extLst>
+      <p:ext uri="{BB962C8B-B14F-4D97-AF65-F5344CB8AC3E}">
+        <p14:creationId xmlns:p14="http://schemas.microsoft.com/office/powerpoint/2010/main" val="564698043"/>
+      </p:ext>
+    </p:extLst>
+  </p:cSld>
+  <p:clrMapOvr>
+    <a:masterClrMapping/>
+  </p:clrMapOvr>
+</p:sld>
+</file>
+
+<file path=ppt/slides/slide14.xml><?xml version="1.0" encoding="utf-8"?>
+<p:sld xmlns:a="http://schemas.openxmlformats.org/drawingml/2006/main" xmlns:r="http://schemas.openxmlformats.org/officeDocument/2006/relationships" xmlns:p="http://schemas.openxmlformats.org/presentationml/2006/main">
+  <p:cSld>
+    <p:spTree>
+      <p:nvGrpSpPr>
+        <p:cNvPr id="1" name=""/>
+        <p:cNvGrpSpPr/>
+        <p:nvPr/>
+      </p:nvGrpSpPr>
+      <p:grpSpPr>
+        <a:xfrm>
+          <a:off x="0" y="0"/>
+          <a:ext cx="0" cy="0"/>
+          <a:chOff x="0" y="0"/>
+          <a:chExt cx="0" cy="0"/>
+        </a:xfrm>
+      </p:grpSpPr>
+      <p:sp>
+        <p:nvSpPr>
+          <p:cNvPr id="2" name="Title 1"/>
+          <p:cNvSpPr>
+            <a:spLocks noGrp="1"/>
+          </p:cNvSpPr>
+          <p:nvPr>
+            <p:ph type="title"/>
+          </p:nvPr>
+        </p:nvSpPr>
+        <p:spPr/>
+        <p:txBody>
+          <a:bodyPr/>
+          <a:lstStyle/>
+          <a:p>
+            <a:r>
+              <a:rPr lang="en-US" dirty="0"/>
+              <a:t>Modules</a:t>
+            </a:r>
+          </a:p>
+        </p:txBody>
+      </p:sp>
+      <p:sp>
+        <p:nvSpPr>
+          <p:cNvPr id="3" name="Content Placeholder 2"/>
+          <p:cNvSpPr>
+            <a:spLocks noGrp="1"/>
+          </p:cNvSpPr>
+          <p:nvPr>
+            <p:ph idx="1"/>
+          </p:nvPr>
+        </p:nvSpPr>
+        <p:spPr>
+          <a:xfrm>
+            <a:off x="677334" y="1304925"/>
+            <a:ext cx="8596668" cy="4736437"/>
+          </a:xfrm>
+        </p:spPr>
+        <p:txBody>
+          <a:bodyPr/>
+          <a:lstStyle/>
+          <a:p>
+            <a:endParaRPr lang="en-US" dirty="0" smtClean="0"/>
+          </a:p>
+          <a:p>
+            <a:endParaRPr lang="en-US" dirty="0"/>
+          </a:p>
+          <a:p>
+            <a:endParaRPr lang="en-US" dirty="0" smtClean="0"/>
+          </a:p>
+          <a:p>
+            <a:endParaRPr lang="en-US" dirty="0"/>
+          </a:p>
+          <a:p>
+            <a:r>
+              <a:rPr lang="en-US" dirty="0" smtClean="0"/>
+              <a:t>Compiles to:</a:t>
+            </a:r>
+          </a:p>
+        </p:txBody>
+      </p:sp>
+      <p:sp>
+        <p:nvSpPr>
+          <p:cNvPr id="10" name="Rectangle 9"/>
+          <p:cNvSpPr/>
+          <p:nvPr/>
+        </p:nvSpPr>
+        <p:spPr>
+          <a:xfrm>
+            <a:off x="1019175" y="3297546"/>
+            <a:ext cx="7467600" cy="3352328"/>
+          </a:xfrm>
+          <a:prstGeom prst="rect">
+            <a:avLst/>
+          </a:prstGeom>
+        </p:spPr>
+        <p:txBody>
+          <a:bodyPr wrap="square">
+            <a:spAutoFit/>
+          </a:bodyPr>
+          <a:lstStyle/>
+          <a:p>
+            <a:pPr>
+              <a:lnSpc>
+                <a:spcPct val="107000"/>
+              </a:lnSpc>
+              <a:tabLst>
+                <a:tab pos="581660" algn="l"/>
+                <a:tab pos="1163320" algn="l"/>
+                <a:tab pos="1744980" algn="l"/>
+                <a:tab pos="2326640" algn="l"/>
+                <a:tab pos="2908300" algn="l"/>
+                <a:tab pos="3489960" algn="l"/>
+                <a:tab pos="4071620" algn="l"/>
+                <a:tab pos="4653280" algn="l"/>
+                <a:tab pos="5234940" algn="l"/>
+                <a:tab pos="5816600" algn="l"/>
+                <a:tab pos="6398260" algn="l"/>
+                <a:tab pos="6979920" algn="l"/>
+                <a:tab pos="7561580" algn="l"/>
+                <a:tab pos="8143240" algn="l"/>
+                <a:tab pos="8724900" algn="l"/>
+                <a:tab pos="9306560" algn="l"/>
+              </a:tabLst>
+            </a:pPr>
+            <a:r>
+              <a:rPr lang="en-US" dirty="0" err="1">
+                <a:solidFill>
+                  <a:srgbClr val="0000FF"/>
+                </a:solidFill>
+                <a:latin typeface="Consolas" panose="020B0609020204030204" pitchFamily="49" charset="0"/>
+                <a:ea typeface="Times New Roman" panose="02020603050405020304" pitchFamily="18" charset="0"/>
+                <a:cs typeface="Times New Roman" panose="02020603050405020304" pitchFamily="18" charset="0"/>
+              </a:rPr>
+              <a:t>var</a:t>
+            </a:r>
+            <a:r>
+              <a:rPr lang="en-US" dirty="0">
+                <a:solidFill>
+                  <a:srgbClr val="000000"/>
+                </a:solidFill>
+                <a:latin typeface="Consolas" panose="020B0609020204030204" pitchFamily="49" charset="0"/>
+                <a:ea typeface="Times New Roman" panose="02020603050405020304" pitchFamily="18" charset="0"/>
+                <a:cs typeface="Times New Roman" panose="02020603050405020304" pitchFamily="18" charset="0"/>
+              </a:rPr>
+              <a:t> app;</a:t>
+            </a:r>
+            <a:endParaRPr lang="en-US" sz="2400" dirty="0">
+              <a:latin typeface="Calibri" panose="020F0502020204030204" pitchFamily="34" charset="0"/>
+              <a:ea typeface="Calibri" panose="020F0502020204030204" pitchFamily="34" charset="0"/>
+              <a:cs typeface="Times New Roman" panose="02020603050405020304" pitchFamily="18" charset="0"/>
+            </a:endParaRPr>
+          </a:p>
+          <a:p>
+            <a:pPr>
+              <a:lnSpc>
+                <a:spcPct val="107000"/>
+              </a:lnSpc>
+              <a:tabLst>
+                <a:tab pos="581660" algn="l"/>
+                <a:tab pos="1163320" algn="l"/>
+                <a:tab pos="1744980" algn="l"/>
+                <a:tab pos="2326640" algn="l"/>
+                <a:tab pos="2908300" algn="l"/>
+                <a:tab pos="3489960" algn="l"/>
+                <a:tab pos="4071620" algn="l"/>
+                <a:tab pos="4653280" algn="l"/>
+                <a:tab pos="5234940" algn="l"/>
+                <a:tab pos="5816600" algn="l"/>
+                <a:tab pos="6398260" algn="l"/>
+                <a:tab pos="6979920" algn="l"/>
+                <a:tab pos="7561580" algn="l"/>
+                <a:tab pos="8143240" algn="l"/>
+                <a:tab pos="8724900" algn="l"/>
+                <a:tab pos="9306560" algn="l"/>
+              </a:tabLst>
+            </a:pPr>
+            <a:r>
+              <a:rPr lang="en-US" dirty="0">
+                <a:solidFill>
+                  <a:srgbClr val="000000"/>
+                </a:solidFill>
+                <a:latin typeface="Consolas" panose="020B0609020204030204" pitchFamily="49" charset="0"/>
+                <a:ea typeface="Times New Roman" panose="02020603050405020304" pitchFamily="18" charset="0"/>
+                <a:cs typeface="Times New Roman" panose="02020603050405020304" pitchFamily="18" charset="0"/>
+              </a:rPr>
+              <a:t>(</a:t>
+            </a:r>
+            <a:r>
+              <a:rPr lang="en-US" dirty="0">
+                <a:solidFill>
+                  <a:srgbClr val="0000FF"/>
+                </a:solidFill>
+                <a:latin typeface="Consolas" panose="020B0609020204030204" pitchFamily="49" charset="0"/>
+                <a:ea typeface="Times New Roman" panose="02020603050405020304" pitchFamily="18" charset="0"/>
+                <a:cs typeface="Times New Roman" panose="02020603050405020304" pitchFamily="18" charset="0"/>
+              </a:rPr>
+              <a:t>function</a:t>
+            </a:r>
+            <a:r>
+              <a:rPr lang="en-US" dirty="0">
+                <a:solidFill>
+                  <a:srgbClr val="000000"/>
+                </a:solidFill>
+                <a:latin typeface="Consolas" panose="020B0609020204030204" pitchFamily="49" charset="0"/>
+                <a:ea typeface="Times New Roman" panose="02020603050405020304" pitchFamily="18" charset="0"/>
+                <a:cs typeface="Times New Roman" panose="02020603050405020304" pitchFamily="18" charset="0"/>
+              </a:rPr>
+              <a:t> (app) {</a:t>
+            </a:r>
+            <a:endParaRPr lang="en-US" sz="2400" dirty="0">
+              <a:latin typeface="Calibri" panose="020F0502020204030204" pitchFamily="34" charset="0"/>
+              <a:ea typeface="Calibri" panose="020F0502020204030204" pitchFamily="34" charset="0"/>
+              <a:cs typeface="Times New Roman" panose="02020603050405020304" pitchFamily="18" charset="0"/>
+            </a:endParaRPr>
+          </a:p>
+          <a:p>
+            <a:pPr>
+              <a:lnSpc>
+                <a:spcPct val="107000"/>
+              </a:lnSpc>
+              <a:tabLst>
+                <a:tab pos="581660" algn="l"/>
+                <a:tab pos="1163320" algn="l"/>
+                <a:tab pos="1744980" algn="l"/>
+                <a:tab pos="2326640" algn="l"/>
+                <a:tab pos="2908300" algn="l"/>
+                <a:tab pos="3489960" algn="l"/>
+                <a:tab pos="4071620" algn="l"/>
+                <a:tab pos="4653280" algn="l"/>
+                <a:tab pos="5234940" algn="l"/>
+                <a:tab pos="5816600" algn="l"/>
+                <a:tab pos="6398260" algn="l"/>
+                <a:tab pos="6979920" algn="l"/>
+                <a:tab pos="7561580" algn="l"/>
+                <a:tab pos="8143240" algn="l"/>
+                <a:tab pos="8724900" algn="l"/>
+                <a:tab pos="9306560" algn="l"/>
+              </a:tabLst>
+            </a:pPr>
+            <a:r>
+              <a:rPr lang="en-US" dirty="0">
+                <a:solidFill>
+                  <a:srgbClr val="000000"/>
+                </a:solidFill>
+                <a:latin typeface="Consolas" panose="020B0609020204030204" pitchFamily="49" charset="0"/>
+                <a:ea typeface="Times New Roman" panose="02020603050405020304" pitchFamily="18" charset="0"/>
+                <a:cs typeface="Times New Roman" panose="02020603050405020304" pitchFamily="18" charset="0"/>
+              </a:rPr>
+              <a:t>    (</a:t>
+            </a:r>
+            <a:r>
+              <a:rPr lang="en-US" dirty="0">
+                <a:solidFill>
+                  <a:srgbClr val="0000FF"/>
+                </a:solidFill>
+                <a:latin typeface="Consolas" panose="020B0609020204030204" pitchFamily="49" charset="0"/>
+                <a:ea typeface="Times New Roman" panose="02020603050405020304" pitchFamily="18" charset="0"/>
+                <a:cs typeface="Times New Roman" panose="02020603050405020304" pitchFamily="18" charset="0"/>
+              </a:rPr>
+              <a:t>function</a:t>
+            </a:r>
+            <a:r>
+              <a:rPr lang="en-US" dirty="0">
+                <a:solidFill>
+                  <a:srgbClr val="000000"/>
+                </a:solidFill>
+                <a:latin typeface="Consolas" panose="020B0609020204030204" pitchFamily="49" charset="0"/>
+                <a:ea typeface="Times New Roman" panose="02020603050405020304" pitchFamily="18" charset="0"/>
+                <a:cs typeface="Times New Roman" panose="02020603050405020304" pitchFamily="18" charset="0"/>
+              </a:rPr>
+              <a:t> (some) {</a:t>
+            </a:r>
+            <a:endParaRPr lang="en-US" sz="2400" dirty="0">
+              <a:latin typeface="Calibri" panose="020F0502020204030204" pitchFamily="34" charset="0"/>
+              <a:ea typeface="Calibri" panose="020F0502020204030204" pitchFamily="34" charset="0"/>
+              <a:cs typeface="Times New Roman" panose="02020603050405020304" pitchFamily="18" charset="0"/>
+            </a:endParaRPr>
+          </a:p>
+          <a:p>
+            <a:pPr>
+              <a:lnSpc>
+                <a:spcPct val="107000"/>
+              </a:lnSpc>
+              <a:tabLst>
+                <a:tab pos="581660" algn="l"/>
+                <a:tab pos="1163320" algn="l"/>
+                <a:tab pos="1744980" algn="l"/>
+                <a:tab pos="2326640" algn="l"/>
+                <a:tab pos="2908300" algn="l"/>
+                <a:tab pos="3489960" algn="l"/>
+                <a:tab pos="4071620" algn="l"/>
+                <a:tab pos="4653280" algn="l"/>
+                <a:tab pos="5234940" algn="l"/>
+                <a:tab pos="5816600" algn="l"/>
+                <a:tab pos="6398260" algn="l"/>
+                <a:tab pos="6979920" algn="l"/>
+                <a:tab pos="7561580" algn="l"/>
+                <a:tab pos="8143240" algn="l"/>
+                <a:tab pos="8724900" algn="l"/>
+                <a:tab pos="9306560" algn="l"/>
+              </a:tabLst>
+            </a:pPr>
+            <a:r>
+              <a:rPr lang="en-US" dirty="0">
+                <a:solidFill>
+                  <a:srgbClr val="000000"/>
+                </a:solidFill>
+                <a:latin typeface="Consolas" panose="020B0609020204030204" pitchFamily="49" charset="0"/>
+                <a:ea typeface="Times New Roman" panose="02020603050405020304" pitchFamily="18" charset="0"/>
+                <a:cs typeface="Times New Roman" panose="02020603050405020304" pitchFamily="18" charset="0"/>
+              </a:rPr>
+              <a:t>        (</a:t>
+            </a:r>
+            <a:r>
+              <a:rPr lang="en-US" dirty="0">
+                <a:solidFill>
+                  <a:srgbClr val="0000FF"/>
+                </a:solidFill>
+                <a:latin typeface="Consolas" panose="020B0609020204030204" pitchFamily="49" charset="0"/>
+                <a:ea typeface="Times New Roman" panose="02020603050405020304" pitchFamily="18" charset="0"/>
+                <a:cs typeface="Times New Roman" panose="02020603050405020304" pitchFamily="18" charset="0"/>
+              </a:rPr>
+              <a:t>function</a:t>
+            </a:r>
+            <a:r>
+              <a:rPr lang="en-US" dirty="0">
+                <a:solidFill>
+                  <a:srgbClr val="000000"/>
+                </a:solidFill>
+                <a:latin typeface="Consolas" panose="020B0609020204030204" pitchFamily="49" charset="0"/>
+                <a:ea typeface="Times New Roman" panose="02020603050405020304" pitchFamily="18" charset="0"/>
+                <a:cs typeface="Times New Roman" panose="02020603050405020304" pitchFamily="18" charset="0"/>
+              </a:rPr>
+              <a:t> (namespace) {</a:t>
+            </a:r>
+            <a:endParaRPr lang="en-US" sz="2400" dirty="0">
+              <a:latin typeface="Calibri" panose="020F0502020204030204" pitchFamily="34" charset="0"/>
+              <a:ea typeface="Calibri" panose="020F0502020204030204" pitchFamily="34" charset="0"/>
+              <a:cs typeface="Times New Roman" panose="02020603050405020304" pitchFamily="18" charset="0"/>
+            </a:endParaRPr>
+          </a:p>
+          <a:p>
+            <a:pPr>
+              <a:lnSpc>
+                <a:spcPct val="107000"/>
+              </a:lnSpc>
+              <a:tabLst>
+                <a:tab pos="581660" algn="l"/>
+                <a:tab pos="1163320" algn="l"/>
+                <a:tab pos="1744980" algn="l"/>
+                <a:tab pos="2326640" algn="l"/>
+                <a:tab pos="2908300" algn="l"/>
+                <a:tab pos="3489960" algn="l"/>
+                <a:tab pos="4071620" algn="l"/>
+                <a:tab pos="4653280" algn="l"/>
+                <a:tab pos="5234940" algn="l"/>
+                <a:tab pos="5816600" algn="l"/>
+                <a:tab pos="6398260" algn="l"/>
+                <a:tab pos="6979920" algn="l"/>
+                <a:tab pos="7561580" algn="l"/>
+                <a:tab pos="8143240" algn="l"/>
+                <a:tab pos="8724900" algn="l"/>
+                <a:tab pos="9306560" algn="l"/>
+              </a:tabLst>
+            </a:pPr>
+            <a:r>
+              <a:rPr lang="en-US" dirty="0">
+                <a:solidFill>
+                  <a:srgbClr val="000000"/>
+                </a:solidFill>
+                <a:latin typeface="Consolas" panose="020B0609020204030204" pitchFamily="49" charset="0"/>
+                <a:ea typeface="Times New Roman" panose="02020603050405020304" pitchFamily="18" charset="0"/>
+                <a:cs typeface="Times New Roman" panose="02020603050405020304" pitchFamily="18" charset="0"/>
+              </a:rPr>
+              <a:t>            </a:t>
+            </a:r>
+            <a:r>
+              <a:rPr lang="en-US" dirty="0">
+                <a:solidFill>
+                  <a:srgbClr val="008000"/>
+                </a:solidFill>
+                <a:latin typeface="Consolas" panose="020B0609020204030204" pitchFamily="49" charset="0"/>
+                <a:ea typeface="Times New Roman" panose="02020603050405020304" pitchFamily="18" charset="0"/>
+                <a:cs typeface="Times New Roman" panose="02020603050405020304" pitchFamily="18" charset="0"/>
+              </a:rPr>
+              <a:t>// Stuff goes here</a:t>
+            </a:r>
+            <a:endParaRPr lang="en-US" sz="2400" dirty="0">
+              <a:latin typeface="Calibri" panose="020F0502020204030204" pitchFamily="34" charset="0"/>
+              <a:ea typeface="Calibri" panose="020F0502020204030204" pitchFamily="34" charset="0"/>
+              <a:cs typeface="Times New Roman" panose="02020603050405020304" pitchFamily="18" charset="0"/>
+            </a:endParaRPr>
+          </a:p>
+          <a:p>
+            <a:pPr>
+              <a:lnSpc>
+                <a:spcPct val="107000"/>
+              </a:lnSpc>
+              <a:tabLst>
+                <a:tab pos="581660" algn="l"/>
+                <a:tab pos="1163320" algn="l"/>
+                <a:tab pos="1744980" algn="l"/>
+                <a:tab pos="2326640" algn="l"/>
+                <a:tab pos="2908300" algn="l"/>
+                <a:tab pos="3489960" algn="l"/>
+                <a:tab pos="4071620" algn="l"/>
+                <a:tab pos="4653280" algn="l"/>
+                <a:tab pos="5234940" algn="l"/>
+                <a:tab pos="5816600" algn="l"/>
+                <a:tab pos="6398260" algn="l"/>
+                <a:tab pos="6979920" algn="l"/>
+                <a:tab pos="7561580" algn="l"/>
+                <a:tab pos="8143240" algn="l"/>
+                <a:tab pos="8724900" algn="l"/>
+                <a:tab pos="9306560" algn="l"/>
+              </a:tabLst>
+            </a:pPr>
+            <a:r>
+              <a:rPr lang="en-US" dirty="0">
+                <a:solidFill>
+                  <a:srgbClr val="000000"/>
+                </a:solidFill>
+                <a:latin typeface="Consolas" panose="020B0609020204030204" pitchFamily="49" charset="0"/>
+                <a:ea typeface="Times New Roman" panose="02020603050405020304" pitchFamily="18" charset="0"/>
+                <a:cs typeface="Times New Roman" panose="02020603050405020304" pitchFamily="18" charset="0"/>
+              </a:rPr>
+              <a:t>            console.log(</a:t>
+            </a:r>
+            <a:r>
+              <a:rPr lang="en-US" dirty="0">
+                <a:solidFill>
+                  <a:srgbClr val="A31515"/>
+                </a:solidFill>
+                <a:latin typeface="Consolas" panose="020B0609020204030204" pitchFamily="49" charset="0"/>
+                <a:ea typeface="Times New Roman" panose="02020603050405020304" pitchFamily="18" charset="0"/>
+                <a:cs typeface="Times New Roman" panose="02020603050405020304" pitchFamily="18" charset="0"/>
+              </a:rPr>
+              <a:t>"I'm a module!"</a:t>
+            </a:r>
+            <a:r>
+              <a:rPr lang="en-US" dirty="0">
+                <a:solidFill>
+                  <a:srgbClr val="000000"/>
+                </a:solidFill>
+                <a:latin typeface="Consolas" panose="020B0609020204030204" pitchFamily="49" charset="0"/>
+                <a:ea typeface="Times New Roman" panose="02020603050405020304" pitchFamily="18" charset="0"/>
+                <a:cs typeface="Times New Roman" panose="02020603050405020304" pitchFamily="18" charset="0"/>
+              </a:rPr>
+              <a:t>);</a:t>
+            </a:r>
+            <a:endParaRPr lang="en-US" sz="2400" dirty="0">
+              <a:latin typeface="Calibri" panose="020F0502020204030204" pitchFamily="34" charset="0"/>
+              <a:ea typeface="Calibri" panose="020F0502020204030204" pitchFamily="34" charset="0"/>
+              <a:cs typeface="Times New Roman" panose="02020603050405020304" pitchFamily="18" charset="0"/>
+            </a:endParaRPr>
+          </a:p>
+          <a:p>
+            <a:pPr>
+              <a:lnSpc>
+                <a:spcPct val="107000"/>
+              </a:lnSpc>
+              <a:tabLst>
+                <a:tab pos="581660" algn="l"/>
+                <a:tab pos="1163320" algn="l"/>
+                <a:tab pos="1744980" algn="l"/>
+                <a:tab pos="2326640" algn="l"/>
+                <a:tab pos="2908300" algn="l"/>
+                <a:tab pos="3489960" algn="l"/>
+                <a:tab pos="4071620" algn="l"/>
+                <a:tab pos="4653280" algn="l"/>
+                <a:tab pos="5234940" algn="l"/>
+                <a:tab pos="5816600" algn="l"/>
+                <a:tab pos="6398260" algn="l"/>
+                <a:tab pos="6979920" algn="l"/>
+                <a:tab pos="7561580" algn="l"/>
+                <a:tab pos="8143240" algn="l"/>
+                <a:tab pos="8724900" algn="l"/>
+                <a:tab pos="9306560" algn="l"/>
+              </a:tabLst>
+            </a:pPr>
+            <a:r>
+              <a:rPr lang="en-US" dirty="0">
+                <a:solidFill>
+                  <a:srgbClr val="000000"/>
+                </a:solidFill>
+                <a:latin typeface="Consolas" panose="020B0609020204030204" pitchFamily="49" charset="0"/>
+                <a:ea typeface="Times New Roman" panose="02020603050405020304" pitchFamily="18" charset="0"/>
+                <a:cs typeface="Times New Roman" panose="02020603050405020304" pitchFamily="18" charset="0"/>
+              </a:rPr>
+              <a:t>        })(</a:t>
+            </a:r>
+            <a:r>
+              <a:rPr lang="en-US" dirty="0" err="1">
+                <a:solidFill>
+                  <a:srgbClr val="000000"/>
+                </a:solidFill>
+                <a:latin typeface="Consolas" panose="020B0609020204030204" pitchFamily="49" charset="0"/>
+                <a:ea typeface="Times New Roman" panose="02020603050405020304" pitchFamily="18" charset="0"/>
+                <a:cs typeface="Times New Roman" panose="02020603050405020304" pitchFamily="18" charset="0"/>
+              </a:rPr>
+              <a:t>some.namespace</a:t>
+            </a:r>
+            <a:r>
+              <a:rPr lang="en-US" dirty="0">
+                <a:solidFill>
+                  <a:srgbClr val="000000"/>
+                </a:solidFill>
+                <a:latin typeface="Consolas" panose="020B0609020204030204" pitchFamily="49" charset="0"/>
+                <a:ea typeface="Times New Roman" panose="02020603050405020304" pitchFamily="18" charset="0"/>
+                <a:cs typeface="Times New Roman" panose="02020603050405020304" pitchFamily="18" charset="0"/>
+              </a:rPr>
+              <a:t> || (</a:t>
+            </a:r>
+            <a:r>
+              <a:rPr lang="en-US" dirty="0" err="1">
+                <a:solidFill>
+                  <a:srgbClr val="000000"/>
+                </a:solidFill>
+                <a:latin typeface="Consolas" panose="020B0609020204030204" pitchFamily="49" charset="0"/>
+                <a:ea typeface="Times New Roman" panose="02020603050405020304" pitchFamily="18" charset="0"/>
+                <a:cs typeface="Times New Roman" panose="02020603050405020304" pitchFamily="18" charset="0"/>
+              </a:rPr>
+              <a:t>some.namespace</a:t>
+            </a:r>
+            <a:r>
+              <a:rPr lang="en-US" dirty="0">
+                <a:solidFill>
+                  <a:srgbClr val="000000"/>
+                </a:solidFill>
+                <a:latin typeface="Consolas" panose="020B0609020204030204" pitchFamily="49" charset="0"/>
+                <a:ea typeface="Times New Roman" panose="02020603050405020304" pitchFamily="18" charset="0"/>
+                <a:cs typeface="Times New Roman" panose="02020603050405020304" pitchFamily="18" charset="0"/>
+              </a:rPr>
+              <a:t> = {}));</a:t>
+            </a:r>
+            <a:endParaRPr lang="en-US" sz="2400" dirty="0">
+              <a:latin typeface="Calibri" panose="020F0502020204030204" pitchFamily="34" charset="0"/>
+              <a:ea typeface="Calibri" panose="020F0502020204030204" pitchFamily="34" charset="0"/>
+              <a:cs typeface="Times New Roman" panose="02020603050405020304" pitchFamily="18" charset="0"/>
+            </a:endParaRPr>
+          </a:p>
+          <a:p>
+            <a:pPr>
+              <a:lnSpc>
+                <a:spcPct val="107000"/>
+              </a:lnSpc>
+              <a:tabLst>
+                <a:tab pos="581660" algn="l"/>
+                <a:tab pos="1163320" algn="l"/>
+                <a:tab pos="1744980" algn="l"/>
+                <a:tab pos="2326640" algn="l"/>
+                <a:tab pos="2908300" algn="l"/>
+                <a:tab pos="3489960" algn="l"/>
+                <a:tab pos="4071620" algn="l"/>
+                <a:tab pos="4653280" algn="l"/>
+                <a:tab pos="5234940" algn="l"/>
+                <a:tab pos="5816600" algn="l"/>
+                <a:tab pos="6398260" algn="l"/>
+                <a:tab pos="6979920" algn="l"/>
+                <a:tab pos="7561580" algn="l"/>
+                <a:tab pos="8143240" algn="l"/>
+                <a:tab pos="8724900" algn="l"/>
+                <a:tab pos="9306560" algn="l"/>
+              </a:tabLst>
+            </a:pPr>
+            <a:r>
+              <a:rPr lang="en-US" dirty="0">
+                <a:solidFill>
+                  <a:srgbClr val="000000"/>
+                </a:solidFill>
+                <a:latin typeface="Consolas" panose="020B0609020204030204" pitchFamily="49" charset="0"/>
+                <a:ea typeface="Times New Roman" panose="02020603050405020304" pitchFamily="18" charset="0"/>
+                <a:cs typeface="Times New Roman" panose="02020603050405020304" pitchFamily="18" charset="0"/>
+              </a:rPr>
+              <a:t>        </a:t>
+            </a:r>
+            <a:r>
+              <a:rPr lang="en-US" dirty="0" err="1">
+                <a:solidFill>
+                  <a:srgbClr val="0000FF"/>
+                </a:solidFill>
+                <a:latin typeface="Consolas" panose="020B0609020204030204" pitchFamily="49" charset="0"/>
+                <a:ea typeface="Times New Roman" panose="02020603050405020304" pitchFamily="18" charset="0"/>
+                <a:cs typeface="Times New Roman" panose="02020603050405020304" pitchFamily="18" charset="0"/>
+              </a:rPr>
+              <a:t>var</a:t>
+            </a:r>
+            <a:r>
+              <a:rPr lang="en-US" dirty="0">
+                <a:solidFill>
+                  <a:srgbClr val="000000"/>
+                </a:solidFill>
+                <a:latin typeface="Consolas" panose="020B0609020204030204" pitchFamily="49" charset="0"/>
+                <a:ea typeface="Times New Roman" panose="02020603050405020304" pitchFamily="18" charset="0"/>
+                <a:cs typeface="Times New Roman" panose="02020603050405020304" pitchFamily="18" charset="0"/>
+              </a:rPr>
+              <a:t> namespace = </a:t>
+            </a:r>
+            <a:r>
+              <a:rPr lang="en-US" dirty="0" err="1">
+                <a:solidFill>
+                  <a:srgbClr val="000000"/>
+                </a:solidFill>
+                <a:latin typeface="Consolas" panose="020B0609020204030204" pitchFamily="49" charset="0"/>
+                <a:ea typeface="Times New Roman" panose="02020603050405020304" pitchFamily="18" charset="0"/>
+                <a:cs typeface="Times New Roman" panose="02020603050405020304" pitchFamily="18" charset="0"/>
+              </a:rPr>
+              <a:t>some.namespace</a:t>
+            </a:r>
+            <a:r>
+              <a:rPr lang="en-US" dirty="0">
+                <a:solidFill>
+                  <a:srgbClr val="000000"/>
+                </a:solidFill>
+                <a:latin typeface="Consolas" panose="020B0609020204030204" pitchFamily="49" charset="0"/>
+                <a:ea typeface="Times New Roman" panose="02020603050405020304" pitchFamily="18" charset="0"/>
+                <a:cs typeface="Times New Roman" panose="02020603050405020304" pitchFamily="18" charset="0"/>
+              </a:rPr>
+              <a:t>;</a:t>
+            </a:r>
+            <a:endParaRPr lang="en-US" sz="2400" dirty="0">
+              <a:latin typeface="Calibri" panose="020F0502020204030204" pitchFamily="34" charset="0"/>
+              <a:ea typeface="Calibri" panose="020F0502020204030204" pitchFamily="34" charset="0"/>
+              <a:cs typeface="Times New Roman" panose="02020603050405020304" pitchFamily="18" charset="0"/>
+            </a:endParaRPr>
+          </a:p>
+          <a:p>
+            <a:pPr>
+              <a:lnSpc>
+                <a:spcPct val="107000"/>
+              </a:lnSpc>
+              <a:tabLst>
+                <a:tab pos="581660" algn="l"/>
+                <a:tab pos="1163320" algn="l"/>
+                <a:tab pos="1744980" algn="l"/>
+                <a:tab pos="2326640" algn="l"/>
+                <a:tab pos="2908300" algn="l"/>
+                <a:tab pos="3489960" algn="l"/>
+                <a:tab pos="4071620" algn="l"/>
+                <a:tab pos="4653280" algn="l"/>
+                <a:tab pos="5234940" algn="l"/>
+                <a:tab pos="5816600" algn="l"/>
+                <a:tab pos="6398260" algn="l"/>
+                <a:tab pos="6979920" algn="l"/>
+                <a:tab pos="7561580" algn="l"/>
+                <a:tab pos="8143240" algn="l"/>
+                <a:tab pos="8724900" algn="l"/>
+                <a:tab pos="9306560" algn="l"/>
+              </a:tabLst>
+            </a:pPr>
+            <a:r>
+              <a:rPr lang="en-US" dirty="0">
+                <a:solidFill>
+                  <a:srgbClr val="000000"/>
+                </a:solidFill>
+                <a:latin typeface="Consolas" panose="020B0609020204030204" pitchFamily="49" charset="0"/>
+                <a:ea typeface="Times New Roman" panose="02020603050405020304" pitchFamily="18" charset="0"/>
+                <a:cs typeface="Times New Roman" panose="02020603050405020304" pitchFamily="18" charset="0"/>
+              </a:rPr>
+              <a:t>    })(</a:t>
+            </a:r>
+            <a:r>
+              <a:rPr lang="en-US" dirty="0" err="1">
+                <a:solidFill>
+                  <a:srgbClr val="000000"/>
+                </a:solidFill>
+                <a:latin typeface="Consolas" panose="020B0609020204030204" pitchFamily="49" charset="0"/>
+                <a:ea typeface="Times New Roman" panose="02020603050405020304" pitchFamily="18" charset="0"/>
+                <a:cs typeface="Times New Roman" panose="02020603050405020304" pitchFamily="18" charset="0"/>
+              </a:rPr>
+              <a:t>app.some</a:t>
+            </a:r>
+            <a:r>
+              <a:rPr lang="en-US" dirty="0">
+                <a:solidFill>
+                  <a:srgbClr val="000000"/>
+                </a:solidFill>
+                <a:latin typeface="Consolas" panose="020B0609020204030204" pitchFamily="49" charset="0"/>
+                <a:ea typeface="Times New Roman" panose="02020603050405020304" pitchFamily="18" charset="0"/>
+                <a:cs typeface="Times New Roman" panose="02020603050405020304" pitchFamily="18" charset="0"/>
+              </a:rPr>
+              <a:t> || (</a:t>
+            </a:r>
+            <a:r>
+              <a:rPr lang="en-US" dirty="0" err="1">
+                <a:solidFill>
+                  <a:srgbClr val="000000"/>
+                </a:solidFill>
+                <a:latin typeface="Consolas" panose="020B0609020204030204" pitchFamily="49" charset="0"/>
+                <a:ea typeface="Times New Roman" panose="02020603050405020304" pitchFamily="18" charset="0"/>
+                <a:cs typeface="Times New Roman" panose="02020603050405020304" pitchFamily="18" charset="0"/>
+              </a:rPr>
+              <a:t>app.some</a:t>
+            </a:r>
+            <a:r>
+              <a:rPr lang="en-US" dirty="0">
+                <a:solidFill>
+                  <a:srgbClr val="000000"/>
+                </a:solidFill>
+                <a:latin typeface="Consolas" panose="020B0609020204030204" pitchFamily="49" charset="0"/>
+                <a:ea typeface="Times New Roman" panose="02020603050405020304" pitchFamily="18" charset="0"/>
+                <a:cs typeface="Times New Roman" panose="02020603050405020304" pitchFamily="18" charset="0"/>
+              </a:rPr>
+              <a:t> = {}));</a:t>
+            </a:r>
+            <a:endParaRPr lang="en-US" sz="2400" dirty="0">
+              <a:latin typeface="Calibri" panose="020F0502020204030204" pitchFamily="34" charset="0"/>
+              <a:ea typeface="Calibri" panose="020F0502020204030204" pitchFamily="34" charset="0"/>
+              <a:cs typeface="Times New Roman" panose="02020603050405020304" pitchFamily="18" charset="0"/>
+            </a:endParaRPr>
+          </a:p>
+          <a:p>
+            <a:pPr>
+              <a:lnSpc>
+                <a:spcPct val="107000"/>
+              </a:lnSpc>
+              <a:tabLst>
+                <a:tab pos="581660" algn="l"/>
+                <a:tab pos="1163320" algn="l"/>
+                <a:tab pos="1744980" algn="l"/>
+                <a:tab pos="2326640" algn="l"/>
+                <a:tab pos="2908300" algn="l"/>
+                <a:tab pos="3489960" algn="l"/>
+                <a:tab pos="4071620" algn="l"/>
+                <a:tab pos="4653280" algn="l"/>
+                <a:tab pos="5234940" algn="l"/>
+                <a:tab pos="5816600" algn="l"/>
+                <a:tab pos="6398260" algn="l"/>
+                <a:tab pos="6979920" algn="l"/>
+                <a:tab pos="7561580" algn="l"/>
+                <a:tab pos="8143240" algn="l"/>
+                <a:tab pos="8724900" algn="l"/>
+                <a:tab pos="9306560" algn="l"/>
+              </a:tabLst>
+            </a:pPr>
+            <a:r>
+              <a:rPr lang="en-US" dirty="0">
+                <a:solidFill>
+                  <a:srgbClr val="000000"/>
+                </a:solidFill>
+                <a:latin typeface="Consolas" panose="020B0609020204030204" pitchFamily="49" charset="0"/>
+                <a:ea typeface="Times New Roman" panose="02020603050405020304" pitchFamily="18" charset="0"/>
+                <a:cs typeface="Times New Roman" panose="02020603050405020304" pitchFamily="18" charset="0"/>
+              </a:rPr>
+              <a:t>    </a:t>
+            </a:r>
+            <a:r>
+              <a:rPr lang="en-US" dirty="0" err="1">
+                <a:solidFill>
+                  <a:srgbClr val="0000FF"/>
+                </a:solidFill>
+                <a:latin typeface="Consolas" panose="020B0609020204030204" pitchFamily="49" charset="0"/>
+                <a:ea typeface="Times New Roman" panose="02020603050405020304" pitchFamily="18" charset="0"/>
+                <a:cs typeface="Times New Roman" panose="02020603050405020304" pitchFamily="18" charset="0"/>
+              </a:rPr>
+              <a:t>var</a:t>
+            </a:r>
+            <a:r>
+              <a:rPr lang="en-US" dirty="0">
+                <a:solidFill>
+                  <a:srgbClr val="000000"/>
+                </a:solidFill>
+                <a:latin typeface="Consolas" panose="020B0609020204030204" pitchFamily="49" charset="0"/>
+                <a:ea typeface="Times New Roman" panose="02020603050405020304" pitchFamily="18" charset="0"/>
+                <a:cs typeface="Times New Roman" panose="02020603050405020304" pitchFamily="18" charset="0"/>
+              </a:rPr>
+              <a:t> some = </a:t>
+            </a:r>
+            <a:r>
+              <a:rPr lang="en-US" dirty="0" err="1">
+                <a:solidFill>
+                  <a:srgbClr val="000000"/>
+                </a:solidFill>
+                <a:latin typeface="Consolas" panose="020B0609020204030204" pitchFamily="49" charset="0"/>
+                <a:ea typeface="Times New Roman" panose="02020603050405020304" pitchFamily="18" charset="0"/>
+                <a:cs typeface="Times New Roman" panose="02020603050405020304" pitchFamily="18" charset="0"/>
+              </a:rPr>
+              <a:t>app.some</a:t>
+            </a:r>
+            <a:r>
+              <a:rPr lang="en-US" dirty="0">
+                <a:solidFill>
+                  <a:srgbClr val="000000"/>
+                </a:solidFill>
+                <a:latin typeface="Consolas" panose="020B0609020204030204" pitchFamily="49" charset="0"/>
+                <a:ea typeface="Times New Roman" panose="02020603050405020304" pitchFamily="18" charset="0"/>
+                <a:cs typeface="Times New Roman" panose="02020603050405020304" pitchFamily="18" charset="0"/>
+              </a:rPr>
+              <a:t>;</a:t>
+            </a:r>
+            <a:endParaRPr lang="en-US" sz="2400" dirty="0">
+              <a:latin typeface="Calibri" panose="020F0502020204030204" pitchFamily="34" charset="0"/>
+              <a:ea typeface="Calibri" panose="020F0502020204030204" pitchFamily="34" charset="0"/>
+              <a:cs typeface="Times New Roman" panose="02020603050405020304" pitchFamily="18" charset="0"/>
+            </a:endParaRPr>
+          </a:p>
+          <a:p>
+            <a:pPr>
+              <a:lnSpc>
+                <a:spcPct val="107000"/>
+              </a:lnSpc>
+              <a:tabLst>
+                <a:tab pos="581660" algn="l"/>
+                <a:tab pos="1163320" algn="l"/>
+                <a:tab pos="1744980" algn="l"/>
+                <a:tab pos="2326640" algn="l"/>
+                <a:tab pos="2908300" algn="l"/>
+                <a:tab pos="3489960" algn="l"/>
+                <a:tab pos="4071620" algn="l"/>
+                <a:tab pos="4653280" algn="l"/>
+                <a:tab pos="5234940" algn="l"/>
+                <a:tab pos="5816600" algn="l"/>
+                <a:tab pos="6398260" algn="l"/>
+                <a:tab pos="6979920" algn="l"/>
+                <a:tab pos="7561580" algn="l"/>
+                <a:tab pos="8143240" algn="l"/>
+                <a:tab pos="8724900" algn="l"/>
+                <a:tab pos="9306560" algn="l"/>
+              </a:tabLst>
+            </a:pPr>
+            <a:r>
+              <a:rPr lang="en-US" dirty="0">
+                <a:solidFill>
+                  <a:srgbClr val="000000"/>
+                </a:solidFill>
+                <a:latin typeface="Consolas" panose="020B0609020204030204" pitchFamily="49" charset="0"/>
+                <a:ea typeface="Times New Roman" panose="02020603050405020304" pitchFamily="18" charset="0"/>
+                <a:cs typeface="Times New Roman" panose="02020603050405020304" pitchFamily="18" charset="0"/>
+              </a:rPr>
+              <a:t>})(app || (app = {}));</a:t>
+            </a:r>
+            <a:endParaRPr lang="en-US" sz="2400" dirty="0">
+              <a:effectLst/>
+              <a:latin typeface="Calibri" panose="020F0502020204030204" pitchFamily="34" charset="0"/>
+              <a:ea typeface="Calibri" panose="020F0502020204030204" pitchFamily="34" charset="0"/>
+              <a:cs typeface="Times New Roman" panose="02020603050405020304" pitchFamily="18" charset="0"/>
+            </a:endParaRPr>
+          </a:p>
+        </p:txBody>
+      </p:sp>
+      <p:sp>
+        <p:nvSpPr>
+          <p:cNvPr id="17" name="Rectangle 16"/>
+          <p:cNvSpPr/>
+          <p:nvPr/>
+        </p:nvSpPr>
+        <p:spPr>
+          <a:xfrm>
+            <a:off x="677334" y="1295400"/>
+            <a:ext cx="6096000" cy="1574149"/>
+          </a:xfrm>
+          <a:prstGeom prst="rect">
+            <a:avLst/>
+          </a:prstGeom>
+        </p:spPr>
+        <p:txBody>
+          <a:bodyPr>
+            <a:spAutoFit/>
+          </a:bodyPr>
+          <a:lstStyle/>
+          <a:p>
+            <a:pPr>
+              <a:lnSpc>
+                <a:spcPct val="107000"/>
+              </a:lnSpc>
+              <a:tabLst>
+                <a:tab pos="581660" algn="l"/>
+                <a:tab pos="1163320" algn="l"/>
+                <a:tab pos="1744980" algn="l"/>
+                <a:tab pos="2326640" algn="l"/>
+                <a:tab pos="2908300" algn="l"/>
+                <a:tab pos="3489960" algn="l"/>
+                <a:tab pos="4071620" algn="l"/>
+                <a:tab pos="4653280" algn="l"/>
+                <a:tab pos="5234940" algn="l"/>
+                <a:tab pos="5816600" algn="l"/>
+                <a:tab pos="6398260" algn="l"/>
+                <a:tab pos="6979920" algn="l"/>
+                <a:tab pos="7561580" algn="l"/>
+                <a:tab pos="8143240" algn="l"/>
+                <a:tab pos="8724900" algn="l"/>
+                <a:tab pos="9306560" algn="l"/>
+              </a:tabLst>
+            </a:pPr>
+            <a:r>
+              <a:rPr lang="en-US" dirty="0">
+                <a:solidFill>
+                  <a:srgbClr val="0000FF"/>
+                </a:solidFill>
+                <a:latin typeface="Consolas" panose="020B0609020204030204" pitchFamily="49" charset="0"/>
+                <a:ea typeface="Times New Roman" panose="02020603050405020304" pitchFamily="18" charset="0"/>
+                <a:cs typeface="Times New Roman" panose="02020603050405020304" pitchFamily="18" charset="0"/>
+              </a:rPr>
+              <a:t>module</a:t>
+            </a:r>
+            <a:r>
+              <a:rPr lang="en-US" dirty="0">
+                <a:solidFill>
+                  <a:srgbClr val="000000"/>
+                </a:solidFill>
+                <a:latin typeface="Consolas" panose="020B0609020204030204" pitchFamily="49" charset="0"/>
+                <a:ea typeface="Times New Roman" panose="02020603050405020304" pitchFamily="18" charset="0"/>
+                <a:cs typeface="Times New Roman" panose="02020603050405020304" pitchFamily="18" charset="0"/>
+              </a:rPr>
+              <a:t> </a:t>
+            </a:r>
+            <a:r>
+              <a:rPr lang="en-US" dirty="0" err="1">
+                <a:solidFill>
+                  <a:srgbClr val="000000"/>
+                </a:solidFill>
+                <a:latin typeface="Consolas" panose="020B0609020204030204" pitchFamily="49" charset="0"/>
+                <a:ea typeface="Times New Roman" panose="02020603050405020304" pitchFamily="18" charset="0"/>
+                <a:cs typeface="Times New Roman" panose="02020603050405020304" pitchFamily="18" charset="0"/>
+              </a:rPr>
+              <a:t>app.some.namespace</a:t>
+            </a:r>
+            <a:r>
+              <a:rPr lang="en-US" dirty="0">
+                <a:solidFill>
+                  <a:srgbClr val="000000"/>
+                </a:solidFill>
+                <a:latin typeface="Consolas" panose="020B0609020204030204" pitchFamily="49" charset="0"/>
+                <a:ea typeface="Times New Roman" panose="02020603050405020304" pitchFamily="18" charset="0"/>
+                <a:cs typeface="Times New Roman" panose="02020603050405020304" pitchFamily="18" charset="0"/>
+              </a:rPr>
+              <a:t> {</a:t>
+            </a:r>
+            <a:endParaRPr lang="en-US" sz="2400" dirty="0">
+              <a:latin typeface="Calibri" panose="020F0502020204030204" pitchFamily="34" charset="0"/>
+              <a:ea typeface="Calibri" panose="020F0502020204030204" pitchFamily="34" charset="0"/>
+              <a:cs typeface="Times New Roman" panose="02020603050405020304" pitchFamily="18" charset="0"/>
+            </a:endParaRPr>
+          </a:p>
+          <a:p>
+            <a:pPr>
+              <a:lnSpc>
+                <a:spcPct val="107000"/>
+              </a:lnSpc>
+              <a:tabLst>
+                <a:tab pos="581660" algn="l"/>
+                <a:tab pos="1163320" algn="l"/>
+                <a:tab pos="1744980" algn="l"/>
+                <a:tab pos="2326640" algn="l"/>
+                <a:tab pos="2908300" algn="l"/>
+                <a:tab pos="3489960" algn="l"/>
+                <a:tab pos="4071620" algn="l"/>
+                <a:tab pos="4653280" algn="l"/>
+                <a:tab pos="5234940" algn="l"/>
+                <a:tab pos="5816600" algn="l"/>
+                <a:tab pos="6398260" algn="l"/>
+                <a:tab pos="6979920" algn="l"/>
+                <a:tab pos="7561580" algn="l"/>
+                <a:tab pos="8143240" algn="l"/>
+                <a:tab pos="8724900" algn="l"/>
+                <a:tab pos="9306560" algn="l"/>
+              </a:tabLst>
+            </a:pPr>
+            <a:r>
+              <a:rPr lang="en-US" dirty="0">
+                <a:solidFill>
+                  <a:srgbClr val="000000"/>
+                </a:solidFill>
+                <a:latin typeface="Consolas" panose="020B0609020204030204" pitchFamily="49" charset="0"/>
+                <a:ea typeface="Times New Roman" panose="02020603050405020304" pitchFamily="18" charset="0"/>
+                <a:cs typeface="Times New Roman" panose="02020603050405020304" pitchFamily="18" charset="0"/>
+              </a:rPr>
+              <a:t> </a:t>
+            </a:r>
+            <a:endParaRPr lang="en-US" sz="2400" dirty="0">
+              <a:latin typeface="Calibri" panose="020F0502020204030204" pitchFamily="34" charset="0"/>
+              <a:ea typeface="Calibri" panose="020F0502020204030204" pitchFamily="34" charset="0"/>
+              <a:cs typeface="Times New Roman" panose="02020603050405020304" pitchFamily="18" charset="0"/>
+            </a:endParaRPr>
+          </a:p>
+          <a:p>
+            <a:pPr>
+              <a:lnSpc>
+                <a:spcPct val="107000"/>
+              </a:lnSpc>
+              <a:tabLst>
+                <a:tab pos="581660" algn="l"/>
+                <a:tab pos="1163320" algn="l"/>
+                <a:tab pos="1744980" algn="l"/>
+                <a:tab pos="2326640" algn="l"/>
+                <a:tab pos="2908300" algn="l"/>
+                <a:tab pos="3489960" algn="l"/>
+                <a:tab pos="4071620" algn="l"/>
+                <a:tab pos="4653280" algn="l"/>
+                <a:tab pos="5234940" algn="l"/>
+                <a:tab pos="5816600" algn="l"/>
+                <a:tab pos="6398260" algn="l"/>
+                <a:tab pos="6979920" algn="l"/>
+                <a:tab pos="7561580" algn="l"/>
+                <a:tab pos="8143240" algn="l"/>
+                <a:tab pos="8724900" algn="l"/>
+                <a:tab pos="9306560" algn="l"/>
+              </a:tabLst>
+            </a:pPr>
+            <a:r>
+              <a:rPr lang="en-US" dirty="0">
+                <a:solidFill>
+                  <a:srgbClr val="000000"/>
+                </a:solidFill>
+                <a:latin typeface="Consolas" panose="020B0609020204030204" pitchFamily="49" charset="0"/>
+                <a:ea typeface="Times New Roman" panose="02020603050405020304" pitchFamily="18" charset="0"/>
+                <a:cs typeface="Times New Roman" panose="02020603050405020304" pitchFamily="18" charset="0"/>
+              </a:rPr>
+              <a:t>    </a:t>
+            </a:r>
+            <a:r>
+              <a:rPr lang="en-US" dirty="0">
+                <a:solidFill>
+                  <a:srgbClr val="008000"/>
+                </a:solidFill>
+                <a:latin typeface="Consolas" panose="020B0609020204030204" pitchFamily="49" charset="0"/>
+                <a:ea typeface="Times New Roman" panose="02020603050405020304" pitchFamily="18" charset="0"/>
+                <a:cs typeface="Times New Roman" panose="02020603050405020304" pitchFamily="18" charset="0"/>
+              </a:rPr>
+              <a:t>// Stuff goes here</a:t>
+            </a:r>
+            <a:endParaRPr lang="en-US" sz="2400" dirty="0">
+              <a:latin typeface="Calibri" panose="020F0502020204030204" pitchFamily="34" charset="0"/>
+              <a:ea typeface="Calibri" panose="020F0502020204030204" pitchFamily="34" charset="0"/>
+              <a:cs typeface="Times New Roman" panose="02020603050405020304" pitchFamily="18" charset="0"/>
+            </a:endParaRPr>
+          </a:p>
+          <a:p>
+            <a:pPr>
+              <a:lnSpc>
+                <a:spcPct val="107000"/>
+              </a:lnSpc>
+              <a:tabLst>
+                <a:tab pos="581660" algn="l"/>
+                <a:tab pos="1163320" algn="l"/>
+                <a:tab pos="1744980" algn="l"/>
+                <a:tab pos="2326640" algn="l"/>
+                <a:tab pos="2908300" algn="l"/>
+                <a:tab pos="3489960" algn="l"/>
+                <a:tab pos="4071620" algn="l"/>
+                <a:tab pos="4653280" algn="l"/>
+                <a:tab pos="5234940" algn="l"/>
+                <a:tab pos="5816600" algn="l"/>
+                <a:tab pos="6398260" algn="l"/>
+                <a:tab pos="6979920" algn="l"/>
+                <a:tab pos="7561580" algn="l"/>
+                <a:tab pos="8143240" algn="l"/>
+                <a:tab pos="8724900" algn="l"/>
+                <a:tab pos="9306560" algn="l"/>
+              </a:tabLst>
+            </a:pPr>
+            <a:r>
+              <a:rPr lang="en-US" dirty="0">
+                <a:solidFill>
+                  <a:srgbClr val="000000"/>
+                </a:solidFill>
+                <a:latin typeface="Consolas" panose="020B0609020204030204" pitchFamily="49" charset="0"/>
+                <a:ea typeface="Times New Roman" panose="02020603050405020304" pitchFamily="18" charset="0"/>
+                <a:cs typeface="Times New Roman" panose="02020603050405020304" pitchFamily="18" charset="0"/>
+              </a:rPr>
+              <a:t>    console.log(</a:t>
+            </a:r>
+            <a:r>
+              <a:rPr lang="en-US" dirty="0">
+                <a:solidFill>
+                  <a:srgbClr val="A31515"/>
+                </a:solidFill>
+                <a:latin typeface="Consolas" panose="020B0609020204030204" pitchFamily="49" charset="0"/>
+                <a:ea typeface="Times New Roman" panose="02020603050405020304" pitchFamily="18" charset="0"/>
+                <a:cs typeface="Times New Roman" panose="02020603050405020304" pitchFamily="18" charset="0"/>
+              </a:rPr>
+              <a:t>"I'm a module!"</a:t>
+            </a:r>
+            <a:r>
+              <a:rPr lang="en-US" dirty="0">
+                <a:solidFill>
+                  <a:srgbClr val="000000"/>
+                </a:solidFill>
+                <a:latin typeface="Consolas" panose="020B0609020204030204" pitchFamily="49" charset="0"/>
+                <a:ea typeface="Times New Roman" panose="02020603050405020304" pitchFamily="18" charset="0"/>
+                <a:cs typeface="Times New Roman" panose="02020603050405020304" pitchFamily="18" charset="0"/>
+              </a:rPr>
+              <a:t>);</a:t>
+            </a:r>
+            <a:endParaRPr lang="en-US" sz="2400" dirty="0">
+              <a:latin typeface="Calibri" panose="020F0502020204030204" pitchFamily="34" charset="0"/>
+              <a:ea typeface="Calibri" panose="020F0502020204030204" pitchFamily="34" charset="0"/>
+              <a:cs typeface="Times New Roman" panose="02020603050405020304" pitchFamily="18" charset="0"/>
+            </a:endParaRPr>
+          </a:p>
+          <a:p>
+            <a:pPr>
+              <a:lnSpc>
+                <a:spcPct val="107000"/>
+              </a:lnSpc>
+              <a:tabLst>
+                <a:tab pos="581660" algn="l"/>
+                <a:tab pos="1163320" algn="l"/>
+                <a:tab pos="1744980" algn="l"/>
+                <a:tab pos="2326640" algn="l"/>
+                <a:tab pos="2908300" algn="l"/>
+                <a:tab pos="3489960" algn="l"/>
+                <a:tab pos="4071620" algn="l"/>
+                <a:tab pos="4653280" algn="l"/>
+                <a:tab pos="5234940" algn="l"/>
+                <a:tab pos="5816600" algn="l"/>
+                <a:tab pos="6398260" algn="l"/>
+                <a:tab pos="6979920" algn="l"/>
+                <a:tab pos="7561580" algn="l"/>
+                <a:tab pos="8143240" algn="l"/>
+                <a:tab pos="8724900" algn="l"/>
+                <a:tab pos="9306560" algn="l"/>
+              </a:tabLst>
+            </a:pPr>
+            <a:r>
+              <a:rPr lang="en-US" dirty="0">
+                <a:solidFill>
+                  <a:srgbClr val="000000"/>
+                </a:solidFill>
+                <a:latin typeface="Consolas" panose="020B0609020204030204" pitchFamily="49" charset="0"/>
+                <a:ea typeface="Times New Roman" panose="02020603050405020304" pitchFamily="18" charset="0"/>
+                <a:cs typeface="Times New Roman" panose="02020603050405020304" pitchFamily="18" charset="0"/>
+              </a:rPr>
+              <a:t>}</a:t>
+            </a:r>
+            <a:endParaRPr lang="en-US" sz="2400" dirty="0">
+              <a:effectLst/>
+              <a:latin typeface="Calibri" panose="020F0502020204030204" pitchFamily="34" charset="0"/>
+              <a:ea typeface="Calibri" panose="020F0502020204030204" pitchFamily="34" charset="0"/>
+              <a:cs typeface="Times New Roman" panose="02020603050405020304" pitchFamily="18" charset="0"/>
+            </a:endParaRPr>
+          </a:p>
+        </p:txBody>
+      </p:sp>
+    </p:spTree>
+    <p:extLst>
+      <p:ext uri="{BB962C8B-B14F-4D97-AF65-F5344CB8AC3E}">
+        <p14:creationId xmlns:p14="http://schemas.microsoft.com/office/powerpoint/2010/main" val="2571719019"/>
+      </p:ext>
+    </p:extLst>
+  </p:cSld>
+  <p:clrMapOvr>
+    <a:masterClrMapping/>
+  </p:clrMapOvr>
+</p:sld>
+</file>
+
+<file path=ppt/slides/slide15.xml><?xml version="1.0" encoding="utf-8"?>
+<p:sld xmlns:a="http://schemas.openxmlformats.org/drawingml/2006/main" xmlns:r="http://schemas.openxmlformats.org/officeDocument/2006/relationships" xmlns:p="http://schemas.openxmlformats.org/presentationml/2006/main">
+  <p:cSld>
+    <p:spTree>
+      <p:nvGrpSpPr>
+        <p:cNvPr id="1" name=""/>
+        <p:cNvGrpSpPr/>
+        <p:nvPr/>
+      </p:nvGrpSpPr>
+      <p:grpSpPr>
+        <a:xfrm>
+          <a:off x="0" y="0"/>
+          <a:ext cx="0" cy="0"/>
+          <a:chOff x="0" y="0"/>
+          <a:chExt cx="0" cy="0"/>
+        </a:xfrm>
+      </p:grpSpPr>
+      <p:sp>
+        <p:nvSpPr>
+          <p:cNvPr id="2" name="Title 1"/>
+          <p:cNvSpPr>
+            <a:spLocks noGrp="1"/>
+          </p:cNvSpPr>
+          <p:nvPr>
+            <p:ph type="title"/>
+          </p:nvPr>
+        </p:nvSpPr>
+        <p:spPr/>
+        <p:txBody>
+          <a:bodyPr/>
+          <a:lstStyle/>
+          <a:p>
+            <a:r>
+              <a:rPr lang="en-US" dirty="0" smtClean="0"/>
+              <a:t>Modules</a:t>
+            </a:r>
+            <a:endParaRPr lang="en-US" dirty="0"/>
+          </a:p>
+        </p:txBody>
+      </p:sp>
+      <p:sp>
+        <p:nvSpPr>
+          <p:cNvPr id="3" name="Content Placeholder 2"/>
+          <p:cNvSpPr>
+            <a:spLocks noGrp="1"/>
+          </p:cNvSpPr>
+          <p:nvPr>
+            <p:ph idx="1"/>
+          </p:nvPr>
+        </p:nvSpPr>
+        <p:spPr/>
+        <p:txBody>
+          <a:bodyPr/>
+          <a:lstStyle/>
+          <a:p>
+            <a:r>
+              <a:rPr lang="en-US" dirty="0" smtClean="0"/>
+              <a:t>Everything in a module is private by default</a:t>
+            </a:r>
+          </a:p>
+          <a:p>
+            <a:endParaRPr lang="en-US" dirty="0"/>
+          </a:p>
+          <a:p>
+            <a:r>
+              <a:rPr lang="en-US" dirty="0" smtClean="0"/>
+              <a:t>Import stuff into module</a:t>
+            </a:r>
+          </a:p>
+          <a:p>
+            <a:endParaRPr lang="en-US" dirty="0"/>
+          </a:p>
+          <a:p>
+            <a:r>
+              <a:rPr lang="en-US" dirty="0" smtClean="0"/>
+              <a:t>Export stuff from modules</a:t>
+            </a:r>
+            <a:endParaRPr lang="en-US" dirty="0"/>
+          </a:p>
+        </p:txBody>
+      </p:sp>
+    </p:spTree>
+    <p:extLst>
+      <p:ext uri="{BB962C8B-B14F-4D97-AF65-F5344CB8AC3E}">
+        <p14:creationId xmlns:p14="http://schemas.microsoft.com/office/powerpoint/2010/main" val="1734979036"/>
+      </p:ext>
+    </p:extLst>
+  </p:cSld>
+  <p:clrMapOvr>
+    <a:masterClrMapping/>
+  </p:clrMapOvr>
+</p:sld>
+</file>
+
+<file path=ppt/slides/slide16.xml><?xml version="1.0" encoding="utf-8"?>
+<p:sld xmlns:a="http://schemas.openxmlformats.org/drawingml/2006/main" xmlns:r="http://schemas.openxmlformats.org/officeDocument/2006/relationships" xmlns:p="http://schemas.openxmlformats.org/presentationml/2006/main">
+  <p:cSld>
+    <p:spTree>
+      <p:nvGrpSpPr>
+        <p:cNvPr id="1" name=""/>
+        <p:cNvGrpSpPr/>
+        <p:nvPr/>
+      </p:nvGrpSpPr>
+      <p:grpSpPr>
+        <a:xfrm>
+          <a:off x="0" y="0"/>
+          <a:ext cx="0" cy="0"/>
+          <a:chOff x="0" y="0"/>
+          <a:chExt cx="0" cy="0"/>
+        </a:xfrm>
+      </p:grpSpPr>
+      <p:sp>
+        <p:nvSpPr>
+          <p:cNvPr id="2" name="Title 1"/>
+          <p:cNvSpPr>
+            <a:spLocks noGrp="1"/>
+          </p:cNvSpPr>
+          <p:nvPr>
+            <p:ph type="title"/>
+          </p:nvPr>
+        </p:nvSpPr>
+        <p:spPr/>
+        <p:txBody>
+          <a:bodyPr/>
+          <a:lstStyle/>
+          <a:p>
+            <a:r>
+              <a:rPr lang="en-US" dirty="0" smtClean="0"/>
+              <a:t>Interfaces</a:t>
+            </a:r>
+            <a:endParaRPr lang="en-US" dirty="0"/>
+          </a:p>
+        </p:txBody>
+      </p:sp>
+      <p:sp>
+        <p:nvSpPr>
+          <p:cNvPr id="3" name="Content Placeholder 2"/>
+          <p:cNvSpPr>
+            <a:spLocks noGrp="1"/>
+          </p:cNvSpPr>
+          <p:nvPr>
+            <p:ph idx="1"/>
+          </p:nvPr>
+        </p:nvSpPr>
+        <p:spPr/>
+        <p:txBody>
+          <a:bodyPr/>
+          <a:lstStyle/>
+          <a:p>
+            <a:r>
+              <a:rPr lang="en-US" dirty="0" smtClean="0"/>
+              <a:t>Specifies properties/methods exposed by an object</a:t>
+            </a:r>
+          </a:p>
+          <a:p>
+            <a:endParaRPr lang="en-US" dirty="0"/>
+          </a:p>
+          <a:p>
+            <a:r>
+              <a:rPr lang="en-US" dirty="0" smtClean="0"/>
+              <a:t>Annotate with type information</a:t>
+            </a:r>
+          </a:p>
+          <a:p>
+            <a:endParaRPr lang="en-US" dirty="0"/>
+          </a:p>
+          <a:p>
+            <a:r>
+              <a:rPr lang="en-US" dirty="0" smtClean="0"/>
+              <a:t>Purely for static type info</a:t>
+            </a:r>
+          </a:p>
+          <a:p>
+            <a:pPr lvl="1"/>
+            <a:r>
+              <a:rPr lang="en-US" dirty="0" smtClean="0"/>
+              <a:t>Erased on compilation</a:t>
+            </a:r>
+          </a:p>
+          <a:p>
+            <a:pPr lvl="1"/>
+            <a:endParaRPr lang="en-US" dirty="0"/>
+          </a:p>
+          <a:p>
+            <a:r>
+              <a:rPr lang="en-US" dirty="0" smtClean="0"/>
+              <a:t>Open-ended</a:t>
+            </a:r>
+          </a:p>
+          <a:p>
+            <a:pPr lvl="1"/>
+            <a:r>
+              <a:rPr lang="en-US" dirty="0" smtClean="0"/>
+              <a:t>Can be extended elsewhere</a:t>
+            </a:r>
+          </a:p>
+        </p:txBody>
+      </p:sp>
+    </p:spTree>
+    <p:extLst>
+      <p:ext uri="{BB962C8B-B14F-4D97-AF65-F5344CB8AC3E}">
+        <p14:creationId xmlns:p14="http://schemas.microsoft.com/office/powerpoint/2010/main" val="387180861"/>
+      </p:ext>
+    </p:extLst>
+  </p:cSld>
+  <p:clrMapOvr>
+    <a:masterClrMapping/>
+  </p:clrMapOvr>
+</p:sld>
+</file>
+
+<file path=ppt/slides/slide17.xml><?xml version="1.0" encoding="utf-8"?>
+<p:sld xmlns:a="http://schemas.openxmlformats.org/drawingml/2006/main" xmlns:r="http://schemas.openxmlformats.org/officeDocument/2006/relationships" xmlns:p="http://schemas.openxmlformats.org/presentationml/2006/main">
+  <p:cSld>
+    <p:spTree>
+      <p:nvGrpSpPr>
+        <p:cNvPr id="1" name=""/>
+        <p:cNvGrpSpPr/>
+        <p:nvPr/>
+      </p:nvGrpSpPr>
+      <p:grpSpPr>
+        <a:xfrm>
+          <a:off x="0" y="0"/>
+          <a:ext cx="0" cy="0"/>
+          <a:chOff x="0" y="0"/>
+          <a:chExt cx="0" cy="0"/>
+        </a:xfrm>
+      </p:grpSpPr>
+      <p:sp>
+        <p:nvSpPr>
+          <p:cNvPr id="2" name="Title 1"/>
+          <p:cNvSpPr>
+            <a:spLocks noGrp="1"/>
+          </p:cNvSpPr>
+          <p:nvPr>
+            <p:ph type="title"/>
+          </p:nvPr>
+        </p:nvSpPr>
+        <p:spPr/>
+        <p:txBody>
+          <a:bodyPr/>
+          <a:lstStyle/>
+          <a:p>
+            <a:r>
+              <a:rPr lang="en-US" dirty="0"/>
+              <a:t>Interfaces</a:t>
+            </a:r>
+          </a:p>
+        </p:txBody>
+      </p:sp>
+      <p:sp>
+        <p:nvSpPr>
+          <p:cNvPr id="3" name="Content Placeholder 2"/>
+          <p:cNvSpPr>
+            <a:spLocks noGrp="1"/>
+          </p:cNvSpPr>
+          <p:nvPr>
+            <p:ph idx="1"/>
+          </p:nvPr>
+        </p:nvSpPr>
+        <p:spPr/>
+        <p:txBody>
+          <a:bodyPr/>
+          <a:lstStyle/>
+          <a:p>
+            <a:r>
+              <a:rPr lang="en-US" dirty="0" smtClean="0"/>
+              <a:t>Declared as follows:</a:t>
+            </a:r>
+            <a:endParaRPr lang="en-US" dirty="0"/>
+          </a:p>
+        </p:txBody>
+      </p:sp>
+      <p:sp>
+        <p:nvSpPr>
+          <p:cNvPr id="4" name="Rectangle 3"/>
+          <p:cNvSpPr/>
+          <p:nvPr/>
+        </p:nvSpPr>
+        <p:spPr>
+          <a:xfrm>
+            <a:off x="1057275" y="2687771"/>
+            <a:ext cx="6096000" cy="1672958"/>
+          </a:xfrm>
+          <a:prstGeom prst="rect">
+            <a:avLst/>
+          </a:prstGeom>
+        </p:spPr>
+        <p:txBody>
+          <a:bodyPr>
+            <a:spAutoFit/>
+          </a:bodyPr>
+          <a:lstStyle/>
+          <a:p>
+            <a:pPr>
+              <a:lnSpc>
+                <a:spcPct val="107000"/>
+              </a:lnSpc>
+              <a:tabLst>
+                <a:tab pos="581660" algn="l"/>
+                <a:tab pos="1163320" algn="l"/>
+                <a:tab pos="1744980" algn="l"/>
+                <a:tab pos="2326640" algn="l"/>
+                <a:tab pos="2908300" algn="l"/>
+                <a:tab pos="3489960" algn="l"/>
+                <a:tab pos="4071620" algn="l"/>
+                <a:tab pos="4653280" algn="l"/>
+                <a:tab pos="5234940" algn="l"/>
+                <a:tab pos="5816600" algn="l"/>
+                <a:tab pos="6398260" algn="l"/>
+                <a:tab pos="6979920" algn="l"/>
+                <a:tab pos="7561580" algn="l"/>
+                <a:tab pos="8143240" algn="l"/>
+                <a:tab pos="8724900" algn="l"/>
+                <a:tab pos="9306560" algn="l"/>
+              </a:tabLst>
+            </a:pPr>
+            <a:r>
+              <a:rPr lang="en-US" dirty="0">
+                <a:solidFill>
+                  <a:srgbClr val="0000FF"/>
+                </a:solidFill>
+                <a:latin typeface="Consolas" panose="020B0609020204030204" pitchFamily="49" charset="0"/>
+                <a:ea typeface="Times New Roman" panose="02020603050405020304" pitchFamily="18" charset="0"/>
+                <a:cs typeface="Times New Roman" panose="02020603050405020304" pitchFamily="18" charset="0"/>
+              </a:rPr>
+              <a:t>export</a:t>
+            </a:r>
+            <a:r>
+              <a:rPr lang="en-US" dirty="0">
+                <a:solidFill>
+                  <a:srgbClr val="000000"/>
+                </a:solidFill>
+                <a:latin typeface="Consolas" panose="020B0609020204030204" pitchFamily="49" charset="0"/>
+                <a:ea typeface="Times New Roman" panose="02020603050405020304" pitchFamily="18" charset="0"/>
+                <a:cs typeface="Times New Roman" panose="02020603050405020304" pitchFamily="18" charset="0"/>
+              </a:rPr>
+              <a:t> </a:t>
+            </a:r>
+            <a:r>
+              <a:rPr lang="en-US" dirty="0">
+                <a:solidFill>
+                  <a:srgbClr val="0000FF"/>
+                </a:solidFill>
+                <a:latin typeface="Consolas" panose="020B0609020204030204" pitchFamily="49" charset="0"/>
+                <a:ea typeface="Times New Roman" panose="02020603050405020304" pitchFamily="18" charset="0"/>
+                <a:cs typeface="Times New Roman" panose="02020603050405020304" pitchFamily="18" charset="0"/>
+              </a:rPr>
+              <a:t>interface</a:t>
+            </a:r>
+            <a:r>
+              <a:rPr lang="en-US" dirty="0">
+                <a:solidFill>
+                  <a:srgbClr val="000000"/>
+                </a:solidFill>
+                <a:latin typeface="Consolas" panose="020B0609020204030204" pitchFamily="49" charset="0"/>
+                <a:ea typeface="Times New Roman" panose="02020603050405020304" pitchFamily="18" charset="0"/>
+                <a:cs typeface="Times New Roman" panose="02020603050405020304" pitchFamily="18" charset="0"/>
+              </a:rPr>
+              <a:t> </a:t>
+            </a:r>
+            <a:r>
+              <a:rPr lang="en-US" dirty="0" err="1">
+                <a:solidFill>
+                  <a:srgbClr val="000000"/>
+                </a:solidFill>
+                <a:latin typeface="Consolas" panose="020B0609020204030204" pitchFamily="49" charset="0"/>
+                <a:ea typeface="Times New Roman" panose="02020603050405020304" pitchFamily="18" charset="0"/>
+                <a:cs typeface="Times New Roman" panose="02020603050405020304" pitchFamily="18" charset="0"/>
+              </a:rPr>
+              <a:t>IMyInterface</a:t>
+            </a:r>
+            <a:r>
+              <a:rPr lang="en-US" dirty="0">
+                <a:solidFill>
+                  <a:srgbClr val="000000"/>
+                </a:solidFill>
+                <a:latin typeface="Consolas" panose="020B0609020204030204" pitchFamily="49" charset="0"/>
+                <a:ea typeface="Times New Roman" panose="02020603050405020304" pitchFamily="18" charset="0"/>
+                <a:cs typeface="Times New Roman" panose="02020603050405020304" pitchFamily="18" charset="0"/>
+              </a:rPr>
+              <a:t> {</a:t>
+            </a:r>
+            <a:endParaRPr lang="en-US" sz="2400" dirty="0">
+              <a:latin typeface="Calibri" panose="020F0502020204030204" pitchFamily="34" charset="0"/>
+              <a:ea typeface="Calibri" panose="020F0502020204030204" pitchFamily="34" charset="0"/>
+              <a:cs typeface="Times New Roman" panose="02020603050405020304" pitchFamily="18" charset="0"/>
+            </a:endParaRPr>
+          </a:p>
+          <a:p>
+            <a:pPr>
+              <a:lnSpc>
+                <a:spcPct val="107000"/>
+              </a:lnSpc>
+              <a:tabLst>
+                <a:tab pos="581660" algn="l"/>
+                <a:tab pos="1163320" algn="l"/>
+                <a:tab pos="1744980" algn="l"/>
+                <a:tab pos="2326640" algn="l"/>
+                <a:tab pos="2908300" algn="l"/>
+                <a:tab pos="3489960" algn="l"/>
+                <a:tab pos="4071620" algn="l"/>
+                <a:tab pos="4653280" algn="l"/>
+                <a:tab pos="5234940" algn="l"/>
+                <a:tab pos="5816600" algn="l"/>
+                <a:tab pos="6398260" algn="l"/>
+                <a:tab pos="6979920" algn="l"/>
+                <a:tab pos="7561580" algn="l"/>
+                <a:tab pos="8143240" algn="l"/>
+                <a:tab pos="8724900" algn="l"/>
+                <a:tab pos="9306560" algn="l"/>
+              </a:tabLst>
+            </a:pPr>
+            <a:r>
+              <a:rPr lang="en-US" dirty="0">
+                <a:solidFill>
+                  <a:srgbClr val="000000"/>
+                </a:solidFill>
+                <a:latin typeface="Consolas" panose="020B0609020204030204" pitchFamily="49" charset="0"/>
+                <a:ea typeface="Times New Roman" panose="02020603050405020304" pitchFamily="18" charset="0"/>
+                <a:cs typeface="Times New Roman" panose="02020603050405020304" pitchFamily="18" charset="0"/>
+              </a:rPr>
+              <a:t> </a:t>
+            </a:r>
+            <a:endParaRPr lang="en-US" sz="2400" dirty="0">
+              <a:latin typeface="Calibri" panose="020F0502020204030204" pitchFamily="34" charset="0"/>
+              <a:ea typeface="Calibri" panose="020F0502020204030204" pitchFamily="34" charset="0"/>
+              <a:cs typeface="Times New Roman" panose="02020603050405020304" pitchFamily="18" charset="0"/>
+            </a:endParaRPr>
+          </a:p>
+          <a:p>
+            <a:pPr>
+              <a:lnSpc>
+                <a:spcPct val="107000"/>
+              </a:lnSpc>
+              <a:tabLst>
+                <a:tab pos="581660" algn="l"/>
+                <a:tab pos="1163320" algn="l"/>
+                <a:tab pos="1744980" algn="l"/>
+                <a:tab pos="2326640" algn="l"/>
+                <a:tab pos="2908300" algn="l"/>
+                <a:tab pos="3489960" algn="l"/>
+                <a:tab pos="4071620" algn="l"/>
+                <a:tab pos="4653280" algn="l"/>
+                <a:tab pos="5234940" algn="l"/>
+                <a:tab pos="5816600" algn="l"/>
+                <a:tab pos="6398260" algn="l"/>
+                <a:tab pos="6979920" algn="l"/>
+                <a:tab pos="7561580" algn="l"/>
+                <a:tab pos="8143240" algn="l"/>
+                <a:tab pos="8724900" algn="l"/>
+                <a:tab pos="9306560" algn="l"/>
+              </a:tabLst>
+            </a:pPr>
+            <a:r>
+              <a:rPr lang="en-US" dirty="0">
+                <a:solidFill>
+                  <a:srgbClr val="000000"/>
+                </a:solidFill>
+                <a:latin typeface="Consolas" panose="020B0609020204030204" pitchFamily="49" charset="0"/>
+                <a:ea typeface="Times New Roman" panose="02020603050405020304" pitchFamily="18" charset="0"/>
+                <a:cs typeface="Times New Roman" panose="02020603050405020304" pitchFamily="18" charset="0"/>
+              </a:rPr>
+              <a:t>    </a:t>
+            </a:r>
+            <a:r>
+              <a:rPr lang="en-US" dirty="0">
+                <a:solidFill>
+                  <a:srgbClr val="008000"/>
+                </a:solidFill>
+                <a:latin typeface="Consolas" panose="020B0609020204030204" pitchFamily="49" charset="0"/>
+                <a:ea typeface="Times New Roman" panose="02020603050405020304" pitchFamily="18" charset="0"/>
+                <a:cs typeface="Times New Roman" panose="02020603050405020304" pitchFamily="18" charset="0"/>
+              </a:rPr>
+              <a:t>// Definitions go here</a:t>
+            </a:r>
+            <a:endParaRPr lang="en-US" sz="2400" dirty="0">
+              <a:latin typeface="Calibri" panose="020F0502020204030204" pitchFamily="34" charset="0"/>
+              <a:ea typeface="Calibri" panose="020F0502020204030204" pitchFamily="34" charset="0"/>
+              <a:cs typeface="Times New Roman" panose="02020603050405020304" pitchFamily="18" charset="0"/>
+            </a:endParaRPr>
+          </a:p>
+          <a:p>
+            <a:pPr>
+              <a:lnSpc>
+                <a:spcPct val="107000"/>
+              </a:lnSpc>
+              <a:tabLst>
+                <a:tab pos="581660" algn="l"/>
+                <a:tab pos="1163320" algn="l"/>
+                <a:tab pos="1744980" algn="l"/>
+                <a:tab pos="2326640" algn="l"/>
+                <a:tab pos="2908300" algn="l"/>
+                <a:tab pos="3489960" algn="l"/>
+                <a:tab pos="4071620" algn="l"/>
+                <a:tab pos="4653280" algn="l"/>
+                <a:tab pos="5234940" algn="l"/>
+                <a:tab pos="5816600" algn="l"/>
+                <a:tab pos="6398260" algn="l"/>
+                <a:tab pos="6979920" algn="l"/>
+                <a:tab pos="7561580" algn="l"/>
+                <a:tab pos="8143240" algn="l"/>
+                <a:tab pos="8724900" algn="l"/>
+                <a:tab pos="9306560" algn="l"/>
+              </a:tabLst>
+            </a:pPr>
+            <a:r>
+              <a:rPr lang="en-US" dirty="0">
+                <a:solidFill>
+                  <a:srgbClr val="000000"/>
+                </a:solidFill>
+                <a:latin typeface="Consolas" panose="020B0609020204030204" pitchFamily="49" charset="0"/>
+                <a:ea typeface="Times New Roman" panose="02020603050405020304" pitchFamily="18" charset="0"/>
+                <a:cs typeface="Times New Roman" panose="02020603050405020304" pitchFamily="18" charset="0"/>
+              </a:rPr>
+              <a:t>}</a:t>
+            </a:r>
+            <a:endParaRPr lang="en-US" sz="2400" dirty="0">
+              <a:latin typeface="Calibri" panose="020F0502020204030204" pitchFamily="34" charset="0"/>
+              <a:ea typeface="Calibri" panose="020F0502020204030204" pitchFamily="34" charset="0"/>
+              <a:cs typeface="Times New Roman" panose="02020603050405020304" pitchFamily="18" charset="0"/>
+            </a:endParaRPr>
+          </a:p>
+          <a:p>
+            <a:pPr>
+              <a:lnSpc>
+                <a:spcPct val="107000"/>
+              </a:lnSpc>
+              <a:spcAft>
+                <a:spcPts val="800"/>
+              </a:spcAft>
+            </a:pPr>
+            <a:r>
+              <a:rPr lang="en-US" sz="2400" dirty="0">
+                <a:latin typeface="Calibri" panose="020F0502020204030204" pitchFamily="34" charset="0"/>
+                <a:ea typeface="Calibri" panose="020F0502020204030204" pitchFamily="34" charset="0"/>
+                <a:cs typeface="Times New Roman" panose="02020603050405020304" pitchFamily="18" charset="0"/>
+              </a:rPr>
+              <a:t> </a:t>
+            </a:r>
+            <a:endParaRPr lang="en-US" sz="2400" dirty="0">
+              <a:effectLst/>
+              <a:latin typeface="Calibri" panose="020F0502020204030204" pitchFamily="34" charset="0"/>
+              <a:ea typeface="Calibri" panose="020F0502020204030204" pitchFamily="34" charset="0"/>
+              <a:cs typeface="Times New Roman" panose="02020603050405020304" pitchFamily="18" charset="0"/>
+            </a:endParaRPr>
+          </a:p>
+        </p:txBody>
+      </p:sp>
+    </p:spTree>
+    <p:extLst>
+      <p:ext uri="{BB962C8B-B14F-4D97-AF65-F5344CB8AC3E}">
+        <p14:creationId xmlns:p14="http://schemas.microsoft.com/office/powerpoint/2010/main" val="991513682"/>
+      </p:ext>
+    </p:extLst>
+  </p:cSld>
+  <p:clrMapOvr>
+    <a:masterClrMapping/>
+  </p:clrMapOvr>
+</p:sld>
+</file>
+
+<file path=ppt/slides/slide18.xml><?xml version="1.0" encoding="utf-8"?>
+<p:sld xmlns:a="http://schemas.openxmlformats.org/drawingml/2006/main" xmlns:r="http://schemas.openxmlformats.org/officeDocument/2006/relationships" xmlns:p="http://schemas.openxmlformats.org/presentationml/2006/main">
+  <p:cSld>
+    <p:spTree>
+      <p:nvGrpSpPr>
+        <p:cNvPr id="1" name=""/>
+        <p:cNvGrpSpPr/>
+        <p:nvPr/>
+      </p:nvGrpSpPr>
+      <p:grpSpPr>
+        <a:xfrm>
+          <a:off x="0" y="0"/>
+          <a:ext cx="0" cy="0"/>
+          <a:chOff x="0" y="0"/>
+          <a:chExt cx="0" cy="0"/>
+        </a:xfrm>
+      </p:grpSpPr>
+      <p:sp>
+        <p:nvSpPr>
+          <p:cNvPr id="2" name="Title 1"/>
+          <p:cNvSpPr>
+            <a:spLocks noGrp="1"/>
+          </p:cNvSpPr>
+          <p:nvPr>
+            <p:ph type="title"/>
+          </p:nvPr>
+        </p:nvSpPr>
+        <p:spPr/>
+        <p:txBody>
+          <a:bodyPr/>
+          <a:lstStyle/>
+          <a:p>
+            <a:r>
+              <a:rPr lang="en-US" dirty="0" smtClean="0"/>
+              <a:t>Classes</a:t>
+            </a:r>
+            <a:endParaRPr lang="en-US" dirty="0"/>
+          </a:p>
+        </p:txBody>
+      </p:sp>
+      <p:sp>
+        <p:nvSpPr>
+          <p:cNvPr id="3" name="Content Placeholder 2"/>
+          <p:cNvSpPr>
+            <a:spLocks noGrp="1"/>
+          </p:cNvSpPr>
+          <p:nvPr>
+            <p:ph idx="1"/>
+          </p:nvPr>
+        </p:nvSpPr>
+        <p:spPr/>
+        <p:txBody>
+          <a:bodyPr/>
+          <a:lstStyle/>
+          <a:p>
+            <a:r>
+              <a:rPr lang="en-US" dirty="0" smtClean="0"/>
+              <a:t>JavaScript syntax for classes </a:t>
+            </a:r>
+            <a:r>
+              <a:rPr lang="en-US" dirty="0" err="1" smtClean="0"/>
+              <a:t>kinda</a:t>
+            </a:r>
+            <a:r>
+              <a:rPr lang="en-US" dirty="0" smtClean="0"/>
+              <a:t> sucks…</a:t>
+            </a:r>
+            <a:endParaRPr lang="en-US" dirty="0"/>
+          </a:p>
+        </p:txBody>
+      </p:sp>
+      <p:sp>
+        <p:nvSpPr>
+          <p:cNvPr id="9" name="Rectangle 8"/>
+          <p:cNvSpPr/>
+          <p:nvPr/>
+        </p:nvSpPr>
+        <p:spPr>
+          <a:xfrm>
+            <a:off x="847725" y="2711993"/>
+            <a:ext cx="6096000" cy="3648691"/>
+          </a:xfrm>
+          <a:prstGeom prst="rect">
+            <a:avLst/>
+          </a:prstGeom>
+        </p:spPr>
+        <p:txBody>
+          <a:bodyPr>
+            <a:spAutoFit/>
+          </a:bodyPr>
+          <a:lstStyle/>
+          <a:p>
+            <a:pPr>
+              <a:lnSpc>
+                <a:spcPct val="107000"/>
+              </a:lnSpc>
+              <a:tabLst>
+                <a:tab pos="581660" algn="l"/>
+                <a:tab pos="1163320" algn="l"/>
+                <a:tab pos="1744980" algn="l"/>
+                <a:tab pos="2326640" algn="l"/>
+                <a:tab pos="2908300" algn="l"/>
+                <a:tab pos="3489960" algn="l"/>
+                <a:tab pos="4071620" algn="l"/>
+                <a:tab pos="4653280" algn="l"/>
+                <a:tab pos="5234940" algn="l"/>
+                <a:tab pos="5816600" algn="l"/>
+                <a:tab pos="6398260" algn="l"/>
+                <a:tab pos="6979920" algn="l"/>
+                <a:tab pos="7561580" algn="l"/>
+                <a:tab pos="8143240" algn="l"/>
+                <a:tab pos="8724900" algn="l"/>
+                <a:tab pos="9306560" algn="l"/>
+              </a:tabLst>
+            </a:pPr>
+            <a:r>
+              <a:rPr lang="en-US" dirty="0">
+                <a:solidFill>
+                  <a:srgbClr val="0000FF"/>
+                </a:solidFill>
+                <a:latin typeface="Consolas" panose="020B0609020204030204" pitchFamily="49" charset="0"/>
+                <a:ea typeface="Times New Roman" panose="02020603050405020304" pitchFamily="18" charset="0"/>
+                <a:cs typeface="Times New Roman" panose="02020603050405020304" pitchFamily="18" charset="0"/>
+              </a:rPr>
+              <a:t> </a:t>
+            </a:r>
+            <a:r>
+              <a:rPr lang="en-US" dirty="0" smtClean="0">
+                <a:solidFill>
+                  <a:srgbClr val="0000FF"/>
+                </a:solidFill>
+                <a:latin typeface="Consolas" panose="020B0609020204030204" pitchFamily="49" charset="0"/>
+                <a:ea typeface="Times New Roman" panose="02020603050405020304" pitchFamily="18" charset="0"/>
+                <a:cs typeface="Times New Roman" panose="02020603050405020304" pitchFamily="18" charset="0"/>
+              </a:rPr>
+              <a:t>   function</a:t>
+            </a:r>
+            <a:r>
+              <a:rPr lang="en-US" dirty="0">
+                <a:solidFill>
+                  <a:srgbClr val="000000"/>
+                </a:solidFill>
+                <a:latin typeface="Consolas" panose="020B0609020204030204" pitchFamily="49" charset="0"/>
+                <a:ea typeface="Times New Roman" panose="02020603050405020304" pitchFamily="18" charset="0"/>
+                <a:cs typeface="Times New Roman" panose="02020603050405020304" pitchFamily="18" charset="0"/>
+              </a:rPr>
+              <a:t> Point(x: </a:t>
+            </a:r>
+            <a:r>
+              <a:rPr lang="en-US" dirty="0">
+                <a:solidFill>
+                  <a:srgbClr val="0000FF"/>
+                </a:solidFill>
+                <a:latin typeface="Consolas" panose="020B0609020204030204" pitchFamily="49" charset="0"/>
+                <a:ea typeface="Times New Roman" panose="02020603050405020304" pitchFamily="18" charset="0"/>
+                <a:cs typeface="Times New Roman" panose="02020603050405020304" pitchFamily="18" charset="0"/>
+              </a:rPr>
+              <a:t>number</a:t>
+            </a:r>
+            <a:r>
+              <a:rPr lang="en-US" dirty="0">
+                <a:solidFill>
+                  <a:srgbClr val="000000"/>
+                </a:solidFill>
+                <a:latin typeface="Consolas" panose="020B0609020204030204" pitchFamily="49" charset="0"/>
+                <a:ea typeface="Times New Roman" panose="02020603050405020304" pitchFamily="18" charset="0"/>
+                <a:cs typeface="Times New Roman" panose="02020603050405020304" pitchFamily="18" charset="0"/>
+              </a:rPr>
+              <a:t>, y: </a:t>
+            </a:r>
+            <a:r>
+              <a:rPr lang="en-US" dirty="0">
+                <a:solidFill>
+                  <a:srgbClr val="0000FF"/>
+                </a:solidFill>
+                <a:latin typeface="Consolas" panose="020B0609020204030204" pitchFamily="49" charset="0"/>
+                <a:ea typeface="Times New Roman" panose="02020603050405020304" pitchFamily="18" charset="0"/>
+                <a:cs typeface="Times New Roman" panose="02020603050405020304" pitchFamily="18" charset="0"/>
+              </a:rPr>
+              <a:t>number</a:t>
+            </a:r>
+            <a:r>
+              <a:rPr lang="en-US" dirty="0">
+                <a:solidFill>
+                  <a:srgbClr val="000000"/>
+                </a:solidFill>
+                <a:latin typeface="Consolas" panose="020B0609020204030204" pitchFamily="49" charset="0"/>
+                <a:ea typeface="Times New Roman" panose="02020603050405020304" pitchFamily="18" charset="0"/>
+                <a:cs typeface="Times New Roman" panose="02020603050405020304" pitchFamily="18" charset="0"/>
+              </a:rPr>
+              <a:t>) {</a:t>
+            </a:r>
+            <a:endParaRPr lang="en-US" sz="2400" dirty="0">
+              <a:latin typeface="Calibri" panose="020F0502020204030204" pitchFamily="34" charset="0"/>
+              <a:ea typeface="Calibri" panose="020F0502020204030204" pitchFamily="34" charset="0"/>
+              <a:cs typeface="Times New Roman" panose="02020603050405020304" pitchFamily="18" charset="0"/>
+            </a:endParaRPr>
+          </a:p>
+          <a:p>
+            <a:pPr>
+              <a:lnSpc>
+                <a:spcPct val="107000"/>
+              </a:lnSpc>
+              <a:tabLst>
+                <a:tab pos="581660" algn="l"/>
+                <a:tab pos="1163320" algn="l"/>
+                <a:tab pos="1744980" algn="l"/>
+                <a:tab pos="2326640" algn="l"/>
+                <a:tab pos="2908300" algn="l"/>
+                <a:tab pos="3489960" algn="l"/>
+                <a:tab pos="4071620" algn="l"/>
+                <a:tab pos="4653280" algn="l"/>
+                <a:tab pos="5234940" algn="l"/>
+                <a:tab pos="5816600" algn="l"/>
+                <a:tab pos="6398260" algn="l"/>
+                <a:tab pos="6979920" algn="l"/>
+                <a:tab pos="7561580" algn="l"/>
+                <a:tab pos="8143240" algn="l"/>
+                <a:tab pos="8724900" algn="l"/>
+                <a:tab pos="9306560" algn="l"/>
+              </a:tabLst>
+            </a:pPr>
+            <a:r>
+              <a:rPr lang="en-US" dirty="0">
+                <a:solidFill>
+                  <a:srgbClr val="000000"/>
+                </a:solidFill>
+                <a:latin typeface="Consolas" panose="020B0609020204030204" pitchFamily="49" charset="0"/>
+                <a:ea typeface="Times New Roman" panose="02020603050405020304" pitchFamily="18" charset="0"/>
+                <a:cs typeface="Times New Roman" panose="02020603050405020304" pitchFamily="18" charset="0"/>
+              </a:rPr>
+              <a:t>        </a:t>
+            </a:r>
+            <a:r>
+              <a:rPr lang="en-US" dirty="0" err="1">
+                <a:solidFill>
+                  <a:srgbClr val="0000FF"/>
+                </a:solidFill>
+                <a:latin typeface="Consolas" panose="020B0609020204030204" pitchFamily="49" charset="0"/>
+                <a:ea typeface="Times New Roman" panose="02020603050405020304" pitchFamily="18" charset="0"/>
+                <a:cs typeface="Times New Roman" panose="02020603050405020304" pitchFamily="18" charset="0"/>
+              </a:rPr>
+              <a:t>this</a:t>
+            </a:r>
+            <a:r>
+              <a:rPr lang="en-US" dirty="0" err="1">
+                <a:solidFill>
+                  <a:srgbClr val="000000"/>
+                </a:solidFill>
+                <a:latin typeface="Consolas" panose="020B0609020204030204" pitchFamily="49" charset="0"/>
+                <a:ea typeface="Times New Roman" panose="02020603050405020304" pitchFamily="18" charset="0"/>
+                <a:cs typeface="Times New Roman" panose="02020603050405020304" pitchFamily="18" charset="0"/>
+              </a:rPr>
+              <a:t>.x</a:t>
+            </a:r>
+            <a:r>
+              <a:rPr lang="en-US" dirty="0">
+                <a:solidFill>
+                  <a:srgbClr val="000000"/>
+                </a:solidFill>
+                <a:latin typeface="Consolas" panose="020B0609020204030204" pitchFamily="49" charset="0"/>
+                <a:ea typeface="Times New Roman" panose="02020603050405020304" pitchFamily="18" charset="0"/>
+                <a:cs typeface="Times New Roman" panose="02020603050405020304" pitchFamily="18" charset="0"/>
+              </a:rPr>
+              <a:t> = x;</a:t>
+            </a:r>
+            <a:endParaRPr lang="en-US" sz="2400" dirty="0">
+              <a:latin typeface="Calibri" panose="020F0502020204030204" pitchFamily="34" charset="0"/>
+              <a:ea typeface="Calibri" panose="020F0502020204030204" pitchFamily="34" charset="0"/>
+              <a:cs typeface="Times New Roman" panose="02020603050405020304" pitchFamily="18" charset="0"/>
+            </a:endParaRPr>
+          </a:p>
+          <a:p>
+            <a:pPr>
+              <a:lnSpc>
+                <a:spcPct val="107000"/>
+              </a:lnSpc>
+              <a:tabLst>
+                <a:tab pos="581660" algn="l"/>
+                <a:tab pos="1163320" algn="l"/>
+                <a:tab pos="1744980" algn="l"/>
+                <a:tab pos="2326640" algn="l"/>
+                <a:tab pos="2908300" algn="l"/>
+                <a:tab pos="3489960" algn="l"/>
+                <a:tab pos="4071620" algn="l"/>
+                <a:tab pos="4653280" algn="l"/>
+                <a:tab pos="5234940" algn="l"/>
+                <a:tab pos="5816600" algn="l"/>
+                <a:tab pos="6398260" algn="l"/>
+                <a:tab pos="6979920" algn="l"/>
+                <a:tab pos="7561580" algn="l"/>
+                <a:tab pos="8143240" algn="l"/>
+                <a:tab pos="8724900" algn="l"/>
+                <a:tab pos="9306560" algn="l"/>
+              </a:tabLst>
+            </a:pPr>
+            <a:r>
+              <a:rPr lang="en-US" dirty="0">
+                <a:solidFill>
+                  <a:srgbClr val="000000"/>
+                </a:solidFill>
+                <a:latin typeface="Consolas" panose="020B0609020204030204" pitchFamily="49" charset="0"/>
+                <a:ea typeface="Times New Roman" panose="02020603050405020304" pitchFamily="18" charset="0"/>
+                <a:cs typeface="Times New Roman" panose="02020603050405020304" pitchFamily="18" charset="0"/>
+              </a:rPr>
+              <a:t>        </a:t>
+            </a:r>
+            <a:r>
+              <a:rPr lang="en-US" dirty="0" err="1">
+                <a:solidFill>
+                  <a:srgbClr val="0000FF"/>
+                </a:solidFill>
+                <a:latin typeface="Consolas" panose="020B0609020204030204" pitchFamily="49" charset="0"/>
+                <a:ea typeface="Times New Roman" panose="02020603050405020304" pitchFamily="18" charset="0"/>
+                <a:cs typeface="Times New Roman" panose="02020603050405020304" pitchFamily="18" charset="0"/>
+              </a:rPr>
+              <a:t>this</a:t>
+            </a:r>
+            <a:r>
+              <a:rPr lang="en-US" dirty="0" err="1">
+                <a:solidFill>
+                  <a:srgbClr val="000000"/>
+                </a:solidFill>
+                <a:latin typeface="Consolas" panose="020B0609020204030204" pitchFamily="49" charset="0"/>
+                <a:ea typeface="Times New Roman" panose="02020603050405020304" pitchFamily="18" charset="0"/>
+                <a:cs typeface="Times New Roman" panose="02020603050405020304" pitchFamily="18" charset="0"/>
+              </a:rPr>
+              <a:t>.y</a:t>
+            </a:r>
+            <a:r>
+              <a:rPr lang="en-US" dirty="0">
+                <a:solidFill>
+                  <a:srgbClr val="000000"/>
+                </a:solidFill>
+                <a:latin typeface="Consolas" panose="020B0609020204030204" pitchFamily="49" charset="0"/>
+                <a:ea typeface="Times New Roman" panose="02020603050405020304" pitchFamily="18" charset="0"/>
+                <a:cs typeface="Times New Roman" panose="02020603050405020304" pitchFamily="18" charset="0"/>
+              </a:rPr>
+              <a:t> = y;</a:t>
+            </a:r>
+            <a:endParaRPr lang="en-US" sz="2400" dirty="0">
+              <a:latin typeface="Calibri" panose="020F0502020204030204" pitchFamily="34" charset="0"/>
+              <a:ea typeface="Calibri" panose="020F0502020204030204" pitchFamily="34" charset="0"/>
+              <a:cs typeface="Times New Roman" panose="02020603050405020304" pitchFamily="18" charset="0"/>
+            </a:endParaRPr>
+          </a:p>
+          <a:p>
+            <a:pPr>
+              <a:lnSpc>
+                <a:spcPct val="107000"/>
+              </a:lnSpc>
+              <a:tabLst>
+                <a:tab pos="581660" algn="l"/>
+                <a:tab pos="1163320" algn="l"/>
+                <a:tab pos="1744980" algn="l"/>
+                <a:tab pos="2326640" algn="l"/>
+                <a:tab pos="2908300" algn="l"/>
+                <a:tab pos="3489960" algn="l"/>
+                <a:tab pos="4071620" algn="l"/>
+                <a:tab pos="4653280" algn="l"/>
+                <a:tab pos="5234940" algn="l"/>
+                <a:tab pos="5816600" algn="l"/>
+                <a:tab pos="6398260" algn="l"/>
+                <a:tab pos="6979920" algn="l"/>
+                <a:tab pos="7561580" algn="l"/>
+                <a:tab pos="8143240" algn="l"/>
+                <a:tab pos="8724900" algn="l"/>
+                <a:tab pos="9306560" algn="l"/>
+              </a:tabLst>
+            </a:pPr>
+            <a:r>
+              <a:rPr lang="en-US" dirty="0">
+                <a:solidFill>
+                  <a:srgbClr val="000000"/>
+                </a:solidFill>
+                <a:latin typeface="Consolas" panose="020B0609020204030204" pitchFamily="49" charset="0"/>
+                <a:ea typeface="Times New Roman" panose="02020603050405020304" pitchFamily="18" charset="0"/>
+                <a:cs typeface="Times New Roman" panose="02020603050405020304" pitchFamily="18" charset="0"/>
+              </a:rPr>
+              <a:t>    }</a:t>
+            </a:r>
+            <a:endParaRPr lang="en-US" sz="2400" dirty="0">
+              <a:latin typeface="Calibri" panose="020F0502020204030204" pitchFamily="34" charset="0"/>
+              <a:ea typeface="Calibri" panose="020F0502020204030204" pitchFamily="34" charset="0"/>
+              <a:cs typeface="Times New Roman" panose="02020603050405020304" pitchFamily="18" charset="0"/>
+            </a:endParaRPr>
+          </a:p>
+          <a:p>
+            <a:pPr>
+              <a:lnSpc>
+                <a:spcPct val="107000"/>
+              </a:lnSpc>
+              <a:tabLst>
+                <a:tab pos="581660" algn="l"/>
+                <a:tab pos="1163320" algn="l"/>
+                <a:tab pos="1744980" algn="l"/>
+                <a:tab pos="2326640" algn="l"/>
+                <a:tab pos="2908300" algn="l"/>
+                <a:tab pos="3489960" algn="l"/>
+                <a:tab pos="4071620" algn="l"/>
+                <a:tab pos="4653280" algn="l"/>
+                <a:tab pos="5234940" algn="l"/>
+                <a:tab pos="5816600" algn="l"/>
+                <a:tab pos="6398260" algn="l"/>
+                <a:tab pos="6979920" algn="l"/>
+                <a:tab pos="7561580" algn="l"/>
+                <a:tab pos="8143240" algn="l"/>
+                <a:tab pos="8724900" algn="l"/>
+                <a:tab pos="9306560" algn="l"/>
+              </a:tabLst>
+            </a:pPr>
+            <a:r>
+              <a:rPr lang="en-US" dirty="0">
+                <a:solidFill>
+                  <a:srgbClr val="000000"/>
+                </a:solidFill>
+                <a:latin typeface="Consolas" panose="020B0609020204030204" pitchFamily="49" charset="0"/>
+                <a:ea typeface="Times New Roman" panose="02020603050405020304" pitchFamily="18" charset="0"/>
+                <a:cs typeface="Times New Roman" panose="02020603050405020304" pitchFamily="18" charset="0"/>
+              </a:rPr>
+              <a:t> </a:t>
+            </a:r>
+            <a:endParaRPr lang="en-US" sz="2400" dirty="0">
+              <a:latin typeface="Calibri" panose="020F0502020204030204" pitchFamily="34" charset="0"/>
+              <a:ea typeface="Calibri" panose="020F0502020204030204" pitchFamily="34" charset="0"/>
+              <a:cs typeface="Times New Roman" panose="02020603050405020304" pitchFamily="18" charset="0"/>
+            </a:endParaRPr>
+          </a:p>
+          <a:p>
+            <a:pPr>
+              <a:lnSpc>
+                <a:spcPct val="107000"/>
+              </a:lnSpc>
+              <a:tabLst>
+                <a:tab pos="581660" algn="l"/>
+                <a:tab pos="1163320" algn="l"/>
+                <a:tab pos="1744980" algn="l"/>
+                <a:tab pos="2326640" algn="l"/>
+                <a:tab pos="2908300" algn="l"/>
+                <a:tab pos="3489960" algn="l"/>
+                <a:tab pos="4071620" algn="l"/>
+                <a:tab pos="4653280" algn="l"/>
+                <a:tab pos="5234940" algn="l"/>
+                <a:tab pos="5816600" algn="l"/>
+                <a:tab pos="6398260" algn="l"/>
+                <a:tab pos="6979920" algn="l"/>
+                <a:tab pos="7561580" algn="l"/>
+                <a:tab pos="8143240" algn="l"/>
+                <a:tab pos="8724900" algn="l"/>
+                <a:tab pos="9306560" algn="l"/>
+              </a:tabLst>
+            </a:pPr>
+            <a:r>
+              <a:rPr lang="en-US" dirty="0">
+                <a:solidFill>
+                  <a:srgbClr val="000000"/>
+                </a:solidFill>
+                <a:latin typeface="Consolas" panose="020B0609020204030204" pitchFamily="49" charset="0"/>
+                <a:ea typeface="Times New Roman" panose="02020603050405020304" pitchFamily="18" charset="0"/>
+                <a:cs typeface="Times New Roman" panose="02020603050405020304" pitchFamily="18" charset="0"/>
+              </a:rPr>
+              <a:t>    </a:t>
+            </a:r>
+            <a:r>
+              <a:rPr lang="en-US" dirty="0" err="1">
+                <a:solidFill>
+                  <a:srgbClr val="000000"/>
+                </a:solidFill>
+                <a:latin typeface="Consolas" panose="020B0609020204030204" pitchFamily="49" charset="0"/>
+                <a:ea typeface="Times New Roman" panose="02020603050405020304" pitchFamily="18" charset="0"/>
+                <a:cs typeface="Times New Roman" panose="02020603050405020304" pitchFamily="18" charset="0"/>
+              </a:rPr>
+              <a:t>Point.prototype</a:t>
+            </a:r>
+            <a:r>
+              <a:rPr lang="en-US" dirty="0">
+                <a:solidFill>
+                  <a:srgbClr val="000000"/>
+                </a:solidFill>
+                <a:latin typeface="Consolas" panose="020B0609020204030204" pitchFamily="49" charset="0"/>
+                <a:ea typeface="Times New Roman" panose="02020603050405020304" pitchFamily="18" charset="0"/>
+                <a:cs typeface="Times New Roman" panose="02020603050405020304" pitchFamily="18" charset="0"/>
+              </a:rPr>
+              <a:t> = {</a:t>
+            </a:r>
+            <a:endParaRPr lang="en-US" sz="2400" dirty="0">
+              <a:latin typeface="Calibri" panose="020F0502020204030204" pitchFamily="34" charset="0"/>
+              <a:ea typeface="Calibri" panose="020F0502020204030204" pitchFamily="34" charset="0"/>
+              <a:cs typeface="Times New Roman" panose="02020603050405020304" pitchFamily="18" charset="0"/>
+            </a:endParaRPr>
+          </a:p>
+          <a:p>
+            <a:pPr>
+              <a:lnSpc>
+                <a:spcPct val="107000"/>
+              </a:lnSpc>
+              <a:tabLst>
+                <a:tab pos="581660" algn="l"/>
+                <a:tab pos="1163320" algn="l"/>
+                <a:tab pos="1744980" algn="l"/>
+                <a:tab pos="2326640" algn="l"/>
+                <a:tab pos="2908300" algn="l"/>
+                <a:tab pos="3489960" algn="l"/>
+                <a:tab pos="4071620" algn="l"/>
+                <a:tab pos="4653280" algn="l"/>
+                <a:tab pos="5234940" algn="l"/>
+                <a:tab pos="5816600" algn="l"/>
+                <a:tab pos="6398260" algn="l"/>
+                <a:tab pos="6979920" algn="l"/>
+                <a:tab pos="7561580" algn="l"/>
+                <a:tab pos="8143240" algn="l"/>
+                <a:tab pos="8724900" algn="l"/>
+                <a:tab pos="9306560" algn="l"/>
+              </a:tabLst>
+            </a:pPr>
+            <a:r>
+              <a:rPr lang="en-US" dirty="0">
+                <a:solidFill>
+                  <a:srgbClr val="000000"/>
+                </a:solidFill>
+                <a:latin typeface="Consolas" panose="020B0609020204030204" pitchFamily="49" charset="0"/>
+                <a:ea typeface="Times New Roman" panose="02020603050405020304" pitchFamily="18" charset="0"/>
+                <a:cs typeface="Times New Roman" panose="02020603050405020304" pitchFamily="18" charset="0"/>
+              </a:rPr>
+              <a:t> </a:t>
+            </a:r>
+            <a:endParaRPr lang="en-US" sz="2400" dirty="0">
+              <a:latin typeface="Calibri" panose="020F0502020204030204" pitchFamily="34" charset="0"/>
+              <a:ea typeface="Calibri" panose="020F0502020204030204" pitchFamily="34" charset="0"/>
+              <a:cs typeface="Times New Roman" panose="02020603050405020304" pitchFamily="18" charset="0"/>
+            </a:endParaRPr>
+          </a:p>
+          <a:p>
+            <a:pPr>
+              <a:lnSpc>
+                <a:spcPct val="107000"/>
+              </a:lnSpc>
+              <a:tabLst>
+                <a:tab pos="581660" algn="l"/>
+                <a:tab pos="1163320" algn="l"/>
+                <a:tab pos="1744980" algn="l"/>
+                <a:tab pos="2326640" algn="l"/>
+                <a:tab pos="2908300" algn="l"/>
+                <a:tab pos="3489960" algn="l"/>
+                <a:tab pos="4071620" algn="l"/>
+                <a:tab pos="4653280" algn="l"/>
+                <a:tab pos="5234940" algn="l"/>
+                <a:tab pos="5816600" algn="l"/>
+                <a:tab pos="6398260" algn="l"/>
+                <a:tab pos="6979920" algn="l"/>
+                <a:tab pos="7561580" algn="l"/>
+                <a:tab pos="8143240" algn="l"/>
+                <a:tab pos="8724900" algn="l"/>
+                <a:tab pos="9306560" algn="l"/>
+              </a:tabLst>
+            </a:pPr>
+            <a:r>
+              <a:rPr lang="en-US" dirty="0">
+                <a:solidFill>
+                  <a:srgbClr val="000000"/>
+                </a:solidFill>
+                <a:latin typeface="Consolas" panose="020B0609020204030204" pitchFamily="49" charset="0"/>
+                <a:ea typeface="Times New Roman" panose="02020603050405020304" pitchFamily="18" charset="0"/>
+                <a:cs typeface="Times New Roman" panose="02020603050405020304" pitchFamily="18" charset="0"/>
+              </a:rPr>
+              <a:t>        add: </a:t>
+            </a:r>
+            <a:r>
+              <a:rPr lang="en-US" dirty="0">
+                <a:solidFill>
+                  <a:srgbClr val="0000FF"/>
+                </a:solidFill>
+                <a:latin typeface="Consolas" panose="020B0609020204030204" pitchFamily="49" charset="0"/>
+                <a:ea typeface="Times New Roman" panose="02020603050405020304" pitchFamily="18" charset="0"/>
+                <a:cs typeface="Times New Roman" panose="02020603050405020304" pitchFamily="18" charset="0"/>
+              </a:rPr>
+              <a:t>function</a:t>
+            </a:r>
+            <a:r>
+              <a:rPr lang="en-US" dirty="0">
+                <a:solidFill>
+                  <a:srgbClr val="000000"/>
+                </a:solidFill>
+                <a:latin typeface="Consolas" panose="020B0609020204030204" pitchFamily="49" charset="0"/>
+                <a:ea typeface="Times New Roman" panose="02020603050405020304" pitchFamily="18" charset="0"/>
+                <a:cs typeface="Times New Roman" panose="02020603050405020304" pitchFamily="18" charset="0"/>
+              </a:rPr>
+              <a:t> (x: </a:t>
+            </a:r>
+            <a:r>
+              <a:rPr lang="en-US" dirty="0">
+                <a:solidFill>
+                  <a:srgbClr val="0000FF"/>
+                </a:solidFill>
+                <a:latin typeface="Consolas" panose="020B0609020204030204" pitchFamily="49" charset="0"/>
+                <a:ea typeface="Times New Roman" panose="02020603050405020304" pitchFamily="18" charset="0"/>
+                <a:cs typeface="Times New Roman" panose="02020603050405020304" pitchFamily="18" charset="0"/>
+              </a:rPr>
+              <a:t>number</a:t>
+            </a:r>
+            <a:r>
+              <a:rPr lang="en-US" dirty="0">
+                <a:solidFill>
+                  <a:srgbClr val="000000"/>
+                </a:solidFill>
+                <a:latin typeface="Consolas" panose="020B0609020204030204" pitchFamily="49" charset="0"/>
+                <a:ea typeface="Times New Roman" panose="02020603050405020304" pitchFamily="18" charset="0"/>
+                <a:cs typeface="Times New Roman" panose="02020603050405020304" pitchFamily="18" charset="0"/>
+              </a:rPr>
+              <a:t>, y: </a:t>
+            </a:r>
+            <a:r>
+              <a:rPr lang="en-US" dirty="0">
+                <a:solidFill>
+                  <a:srgbClr val="0000FF"/>
+                </a:solidFill>
+                <a:latin typeface="Consolas" panose="020B0609020204030204" pitchFamily="49" charset="0"/>
+                <a:ea typeface="Times New Roman" panose="02020603050405020304" pitchFamily="18" charset="0"/>
+                <a:cs typeface="Times New Roman" panose="02020603050405020304" pitchFamily="18" charset="0"/>
+              </a:rPr>
+              <a:t>number</a:t>
+            </a:r>
+            <a:r>
+              <a:rPr lang="en-US" dirty="0">
+                <a:solidFill>
+                  <a:srgbClr val="000000"/>
+                </a:solidFill>
+                <a:latin typeface="Consolas" panose="020B0609020204030204" pitchFamily="49" charset="0"/>
+                <a:ea typeface="Times New Roman" panose="02020603050405020304" pitchFamily="18" charset="0"/>
+                <a:cs typeface="Times New Roman" panose="02020603050405020304" pitchFamily="18" charset="0"/>
+              </a:rPr>
+              <a:t>) {</a:t>
+            </a:r>
+            <a:endParaRPr lang="en-US" sz="2400" dirty="0">
+              <a:latin typeface="Calibri" panose="020F0502020204030204" pitchFamily="34" charset="0"/>
+              <a:ea typeface="Calibri" panose="020F0502020204030204" pitchFamily="34" charset="0"/>
+              <a:cs typeface="Times New Roman" panose="02020603050405020304" pitchFamily="18" charset="0"/>
+            </a:endParaRPr>
+          </a:p>
+          <a:p>
+            <a:pPr>
+              <a:lnSpc>
+                <a:spcPct val="107000"/>
+              </a:lnSpc>
+              <a:tabLst>
+                <a:tab pos="581660" algn="l"/>
+                <a:tab pos="1163320" algn="l"/>
+                <a:tab pos="1744980" algn="l"/>
+                <a:tab pos="2326640" algn="l"/>
+                <a:tab pos="2908300" algn="l"/>
+                <a:tab pos="3489960" algn="l"/>
+                <a:tab pos="4071620" algn="l"/>
+                <a:tab pos="4653280" algn="l"/>
+                <a:tab pos="5234940" algn="l"/>
+                <a:tab pos="5816600" algn="l"/>
+                <a:tab pos="6398260" algn="l"/>
+                <a:tab pos="6979920" algn="l"/>
+                <a:tab pos="7561580" algn="l"/>
+                <a:tab pos="8143240" algn="l"/>
+                <a:tab pos="8724900" algn="l"/>
+                <a:tab pos="9306560" algn="l"/>
+              </a:tabLst>
+            </a:pPr>
+            <a:r>
+              <a:rPr lang="en-US" dirty="0">
+                <a:solidFill>
+                  <a:srgbClr val="000000"/>
+                </a:solidFill>
+                <a:latin typeface="Consolas" panose="020B0609020204030204" pitchFamily="49" charset="0"/>
+                <a:ea typeface="Times New Roman" panose="02020603050405020304" pitchFamily="18" charset="0"/>
+                <a:cs typeface="Times New Roman" panose="02020603050405020304" pitchFamily="18" charset="0"/>
+              </a:rPr>
+              <a:t>            </a:t>
+            </a:r>
+            <a:r>
+              <a:rPr lang="en-US" dirty="0" err="1">
+                <a:solidFill>
+                  <a:srgbClr val="0000FF"/>
+                </a:solidFill>
+                <a:latin typeface="Consolas" panose="020B0609020204030204" pitchFamily="49" charset="0"/>
+                <a:ea typeface="Times New Roman" panose="02020603050405020304" pitchFamily="18" charset="0"/>
+                <a:cs typeface="Times New Roman" panose="02020603050405020304" pitchFamily="18" charset="0"/>
+              </a:rPr>
+              <a:t>this</a:t>
+            </a:r>
+            <a:r>
+              <a:rPr lang="en-US" dirty="0" err="1">
+                <a:solidFill>
+                  <a:srgbClr val="000000"/>
+                </a:solidFill>
+                <a:latin typeface="Consolas" panose="020B0609020204030204" pitchFamily="49" charset="0"/>
+                <a:ea typeface="Times New Roman" panose="02020603050405020304" pitchFamily="18" charset="0"/>
+                <a:cs typeface="Times New Roman" panose="02020603050405020304" pitchFamily="18" charset="0"/>
+              </a:rPr>
+              <a:t>.x</a:t>
+            </a:r>
+            <a:r>
+              <a:rPr lang="en-US" dirty="0">
+                <a:solidFill>
+                  <a:srgbClr val="000000"/>
+                </a:solidFill>
+                <a:latin typeface="Consolas" panose="020B0609020204030204" pitchFamily="49" charset="0"/>
+                <a:ea typeface="Times New Roman" panose="02020603050405020304" pitchFamily="18" charset="0"/>
+                <a:cs typeface="Times New Roman" panose="02020603050405020304" pitchFamily="18" charset="0"/>
+              </a:rPr>
+              <a:t> += x;</a:t>
+            </a:r>
+            <a:endParaRPr lang="en-US" sz="2400" dirty="0">
+              <a:latin typeface="Calibri" panose="020F0502020204030204" pitchFamily="34" charset="0"/>
+              <a:ea typeface="Calibri" panose="020F0502020204030204" pitchFamily="34" charset="0"/>
+              <a:cs typeface="Times New Roman" panose="02020603050405020304" pitchFamily="18" charset="0"/>
+            </a:endParaRPr>
+          </a:p>
+          <a:p>
+            <a:pPr>
+              <a:lnSpc>
+                <a:spcPct val="107000"/>
+              </a:lnSpc>
+              <a:tabLst>
+                <a:tab pos="581660" algn="l"/>
+                <a:tab pos="1163320" algn="l"/>
+                <a:tab pos="1744980" algn="l"/>
+                <a:tab pos="2326640" algn="l"/>
+                <a:tab pos="2908300" algn="l"/>
+                <a:tab pos="3489960" algn="l"/>
+                <a:tab pos="4071620" algn="l"/>
+                <a:tab pos="4653280" algn="l"/>
+                <a:tab pos="5234940" algn="l"/>
+                <a:tab pos="5816600" algn="l"/>
+                <a:tab pos="6398260" algn="l"/>
+                <a:tab pos="6979920" algn="l"/>
+                <a:tab pos="7561580" algn="l"/>
+                <a:tab pos="8143240" algn="l"/>
+                <a:tab pos="8724900" algn="l"/>
+                <a:tab pos="9306560" algn="l"/>
+              </a:tabLst>
+            </a:pPr>
+            <a:r>
+              <a:rPr lang="en-US" dirty="0">
+                <a:solidFill>
+                  <a:srgbClr val="000000"/>
+                </a:solidFill>
+                <a:latin typeface="Consolas" panose="020B0609020204030204" pitchFamily="49" charset="0"/>
+                <a:ea typeface="Times New Roman" panose="02020603050405020304" pitchFamily="18" charset="0"/>
+                <a:cs typeface="Times New Roman" panose="02020603050405020304" pitchFamily="18" charset="0"/>
+              </a:rPr>
+              <a:t>            </a:t>
+            </a:r>
+            <a:r>
+              <a:rPr lang="en-US" dirty="0" err="1">
+                <a:solidFill>
+                  <a:srgbClr val="0000FF"/>
+                </a:solidFill>
+                <a:latin typeface="Consolas" panose="020B0609020204030204" pitchFamily="49" charset="0"/>
+                <a:ea typeface="Times New Roman" panose="02020603050405020304" pitchFamily="18" charset="0"/>
+                <a:cs typeface="Times New Roman" panose="02020603050405020304" pitchFamily="18" charset="0"/>
+              </a:rPr>
+              <a:t>this</a:t>
+            </a:r>
+            <a:r>
+              <a:rPr lang="en-US" dirty="0" err="1">
+                <a:solidFill>
+                  <a:srgbClr val="000000"/>
+                </a:solidFill>
+                <a:latin typeface="Consolas" panose="020B0609020204030204" pitchFamily="49" charset="0"/>
+                <a:ea typeface="Times New Roman" panose="02020603050405020304" pitchFamily="18" charset="0"/>
+                <a:cs typeface="Times New Roman" panose="02020603050405020304" pitchFamily="18" charset="0"/>
+              </a:rPr>
+              <a:t>.y</a:t>
+            </a:r>
+            <a:r>
+              <a:rPr lang="en-US" dirty="0">
+                <a:solidFill>
+                  <a:srgbClr val="000000"/>
+                </a:solidFill>
+                <a:latin typeface="Consolas" panose="020B0609020204030204" pitchFamily="49" charset="0"/>
+                <a:ea typeface="Times New Roman" panose="02020603050405020304" pitchFamily="18" charset="0"/>
+                <a:cs typeface="Times New Roman" panose="02020603050405020304" pitchFamily="18" charset="0"/>
+              </a:rPr>
+              <a:t> += y;</a:t>
+            </a:r>
+            <a:endParaRPr lang="en-US" sz="2400" dirty="0">
+              <a:latin typeface="Calibri" panose="020F0502020204030204" pitchFamily="34" charset="0"/>
+              <a:ea typeface="Calibri" panose="020F0502020204030204" pitchFamily="34" charset="0"/>
+              <a:cs typeface="Times New Roman" panose="02020603050405020304" pitchFamily="18" charset="0"/>
+            </a:endParaRPr>
+          </a:p>
+          <a:p>
+            <a:pPr>
+              <a:lnSpc>
+                <a:spcPct val="107000"/>
+              </a:lnSpc>
+              <a:tabLst>
+                <a:tab pos="581660" algn="l"/>
+                <a:tab pos="1163320" algn="l"/>
+                <a:tab pos="1744980" algn="l"/>
+                <a:tab pos="2326640" algn="l"/>
+                <a:tab pos="2908300" algn="l"/>
+                <a:tab pos="3489960" algn="l"/>
+                <a:tab pos="4071620" algn="l"/>
+                <a:tab pos="4653280" algn="l"/>
+                <a:tab pos="5234940" algn="l"/>
+                <a:tab pos="5816600" algn="l"/>
+                <a:tab pos="6398260" algn="l"/>
+                <a:tab pos="6979920" algn="l"/>
+                <a:tab pos="7561580" algn="l"/>
+                <a:tab pos="8143240" algn="l"/>
+                <a:tab pos="8724900" algn="l"/>
+                <a:tab pos="9306560" algn="l"/>
+              </a:tabLst>
+            </a:pPr>
+            <a:r>
+              <a:rPr lang="en-US" dirty="0">
+                <a:solidFill>
+                  <a:srgbClr val="000000"/>
+                </a:solidFill>
+                <a:latin typeface="Consolas" panose="020B0609020204030204" pitchFamily="49" charset="0"/>
+                <a:ea typeface="Times New Roman" panose="02020603050405020304" pitchFamily="18" charset="0"/>
+                <a:cs typeface="Times New Roman" panose="02020603050405020304" pitchFamily="18" charset="0"/>
+              </a:rPr>
+              <a:t>        }</a:t>
+            </a:r>
+            <a:endParaRPr lang="en-US" sz="2400" dirty="0">
+              <a:latin typeface="Calibri" panose="020F0502020204030204" pitchFamily="34" charset="0"/>
+              <a:ea typeface="Calibri" panose="020F0502020204030204" pitchFamily="34" charset="0"/>
+              <a:cs typeface="Times New Roman" panose="02020603050405020304" pitchFamily="18" charset="0"/>
+            </a:endParaRPr>
+          </a:p>
+          <a:p>
+            <a:pPr>
+              <a:lnSpc>
+                <a:spcPct val="107000"/>
+              </a:lnSpc>
+              <a:tabLst>
+                <a:tab pos="581660" algn="l"/>
+                <a:tab pos="1163320" algn="l"/>
+                <a:tab pos="1744980" algn="l"/>
+                <a:tab pos="2326640" algn="l"/>
+                <a:tab pos="2908300" algn="l"/>
+                <a:tab pos="3489960" algn="l"/>
+                <a:tab pos="4071620" algn="l"/>
+                <a:tab pos="4653280" algn="l"/>
+                <a:tab pos="5234940" algn="l"/>
+                <a:tab pos="5816600" algn="l"/>
+                <a:tab pos="6398260" algn="l"/>
+                <a:tab pos="6979920" algn="l"/>
+                <a:tab pos="7561580" algn="l"/>
+                <a:tab pos="8143240" algn="l"/>
+                <a:tab pos="8724900" algn="l"/>
+                <a:tab pos="9306560" algn="l"/>
+              </a:tabLst>
+            </a:pPr>
+            <a:r>
+              <a:rPr lang="en-US" dirty="0">
+                <a:solidFill>
+                  <a:srgbClr val="000000"/>
+                </a:solidFill>
+                <a:latin typeface="Consolas" panose="020B0609020204030204" pitchFamily="49" charset="0"/>
+                <a:ea typeface="Times New Roman" panose="02020603050405020304" pitchFamily="18" charset="0"/>
+                <a:cs typeface="Times New Roman" panose="02020603050405020304" pitchFamily="18" charset="0"/>
+              </a:rPr>
+              <a:t>    </a:t>
+            </a:r>
+            <a:r>
+              <a:rPr lang="en-US" dirty="0" smtClean="0">
+                <a:solidFill>
+                  <a:srgbClr val="000000"/>
+                </a:solidFill>
+                <a:latin typeface="Consolas" panose="020B0609020204030204" pitchFamily="49" charset="0"/>
+                <a:ea typeface="Times New Roman" panose="02020603050405020304" pitchFamily="18" charset="0"/>
+                <a:cs typeface="Times New Roman" panose="02020603050405020304" pitchFamily="18" charset="0"/>
+              </a:rPr>
+              <a:t>};</a:t>
+            </a:r>
+            <a:endParaRPr lang="en-US" sz="2400" dirty="0">
+              <a:latin typeface="Calibri" panose="020F0502020204030204" pitchFamily="34" charset="0"/>
+              <a:ea typeface="Calibri" panose="020F0502020204030204" pitchFamily="34" charset="0"/>
+              <a:cs typeface="Times New Roman" panose="02020603050405020304" pitchFamily="18" charset="0"/>
+            </a:endParaRPr>
+          </a:p>
+        </p:txBody>
+      </p:sp>
+    </p:spTree>
+    <p:extLst>
+      <p:ext uri="{BB962C8B-B14F-4D97-AF65-F5344CB8AC3E}">
+        <p14:creationId xmlns:p14="http://schemas.microsoft.com/office/powerpoint/2010/main" val="3452529678"/>
+      </p:ext>
+    </p:extLst>
+  </p:cSld>
+  <p:clrMapOvr>
+    <a:masterClrMapping/>
+  </p:clrMapOvr>
+</p:sld>
+</file>
+
+<file path=ppt/slides/slide19.xml><?xml version="1.0" encoding="utf-8"?>
+<p:sld xmlns:a="http://schemas.openxmlformats.org/drawingml/2006/main" xmlns:r="http://schemas.openxmlformats.org/officeDocument/2006/relationships" xmlns:p="http://schemas.openxmlformats.org/presentationml/2006/main">
+  <p:cSld>
+    <p:spTree>
+      <p:nvGrpSpPr>
+        <p:cNvPr id="1" name=""/>
+        <p:cNvGrpSpPr/>
+        <p:nvPr/>
+      </p:nvGrpSpPr>
+      <p:grpSpPr>
+        <a:xfrm>
+          <a:off x="0" y="0"/>
+          <a:ext cx="0" cy="0"/>
+          <a:chOff x="0" y="0"/>
+          <a:chExt cx="0" cy="0"/>
+        </a:xfrm>
+      </p:grpSpPr>
+      <p:sp>
+        <p:nvSpPr>
+          <p:cNvPr id="2" name="Title 1"/>
+          <p:cNvSpPr>
+            <a:spLocks noGrp="1"/>
+          </p:cNvSpPr>
+          <p:nvPr>
+            <p:ph type="title"/>
+          </p:nvPr>
+        </p:nvSpPr>
+        <p:spPr/>
+        <p:txBody>
+          <a:bodyPr/>
+          <a:lstStyle/>
+          <a:p>
+            <a:r>
+              <a:rPr lang="en-US" dirty="0" smtClean="0"/>
+              <a:t>Classes</a:t>
+            </a:r>
+            <a:endParaRPr lang="en-US" dirty="0"/>
+          </a:p>
+        </p:txBody>
+      </p:sp>
+      <p:sp>
+        <p:nvSpPr>
+          <p:cNvPr id="3" name="Content Placeholder 2"/>
+          <p:cNvSpPr>
+            <a:spLocks noGrp="1"/>
+          </p:cNvSpPr>
+          <p:nvPr>
+            <p:ph idx="1"/>
+          </p:nvPr>
+        </p:nvSpPr>
+        <p:spPr/>
+        <p:txBody>
+          <a:bodyPr/>
+          <a:lstStyle/>
+          <a:p>
+            <a:r>
+              <a:rPr lang="en-US" dirty="0" smtClean="0"/>
+              <a:t>Prototypes + </a:t>
+            </a:r>
+            <a:r>
+              <a:rPr lang="en-US" altLang="en-US" dirty="0" smtClean="0">
+                <a:solidFill>
+                  <a:srgbClr val="0000FF"/>
+                </a:solidFill>
+                <a:latin typeface="Consolas" panose="020B0609020204030204" pitchFamily="49" charset="0"/>
+                <a:cs typeface="Consolas" panose="020B0609020204030204" pitchFamily="49" charset="0"/>
+              </a:rPr>
+              <a:t>new</a:t>
+            </a:r>
+            <a:r>
+              <a:rPr lang="en-US" dirty="0" smtClean="0"/>
+              <a:t> keyword perform best in JavaScript:</a:t>
+            </a:r>
+          </a:p>
+          <a:p>
+            <a:pPr lvl="1"/>
+            <a:r>
+              <a:rPr lang="en-US" dirty="0">
+                <a:hlinkClick r:id="rId2"/>
+              </a:rPr>
+              <a:t>http://</a:t>
+            </a:r>
+            <a:r>
+              <a:rPr lang="en-US" dirty="0" smtClean="0">
+                <a:hlinkClick r:id="rId2"/>
+              </a:rPr>
+              <a:t>jsperf.com/performance-of-prototypes</a:t>
+            </a:r>
+            <a:endParaRPr lang="en-US" dirty="0" smtClean="0"/>
+          </a:p>
+          <a:p>
+            <a:endParaRPr lang="en-US" dirty="0"/>
+          </a:p>
+          <a:p>
+            <a:r>
+              <a:rPr lang="en-US" dirty="0" smtClean="0"/>
+              <a:t>Critical for JS-heavy apps (aka everything since 2010)</a:t>
+            </a:r>
+          </a:p>
+          <a:p>
+            <a:endParaRPr lang="en-US" dirty="0"/>
+          </a:p>
+          <a:p>
+            <a:r>
+              <a:rPr lang="en-US" dirty="0" smtClean="0"/>
+              <a:t>Especially critical for Single Page Apps</a:t>
+            </a:r>
+            <a:endParaRPr lang="en-US" dirty="0"/>
+          </a:p>
+        </p:txBody>
+      </p:sp>
+    </p:spTree>
+    <p:extLst>
+      <p:ext uri="{BB962C8B-B14F-4D97-AF65-F5344CB8AC3E}">
+        <p14:creationId xmlns:p14="http://schemas.microsoft.com/office/powerpoint/2010/main" val="4276462166"/>
+      </p:ext>
+    </p:extLst>
+  </p:cSld>
+  <p:clrMapOvr>
+    <a:masterClrMapping/>
+  </p:clrMapOvr>
+  <p:timing>
+    <p:tnLst>
+      <p:par>
+        <p:cTn id="1" dur="indefinite" restart="never" nodeType="tmRoot"/>
+      </p:par>
+    </p:tnLst>
+  </p:timing>
 </p:sld>
 </file>
 
@@ -5929,7 +9135,15 @@
           <a:bodyPr/>
           <a:lstStyle/>
           <a:p>
-            <a:endParaRPr lang="en-US"/>
+            <a:r>
+              <a:rPr lang="en-US" dirty="0" smtClean="0"/>
+              <a:t>What is </a:t>
+            </a:r>
+            <a:r>
+              <a:rPr lang="en-US" smtClean="0"/>
+              <a:t>TypeScript?</a:t>
+            </a:r>
+            <a:endParaRPr lang="en-US" dirty="0"/>
           </a:p>
         </p:txBody>
       </p:sp>
@@ -5948,14 +9162,4520 @@
           <a:bodyPr/>
           <a:lstStyle/>
           <a:p>
-            <a:endParaRPr lang="en-US"/>
-          </a:p>
-        </p:txBody>
-      </p:sp>
+            <a:r>
+              <a:rPr lang="en-US" dirty="0" smtClean="0"/>
+              <a:t>Superset of JavaScript</a:t>
+            </a:r>
+          </a:p>
+          <a:p>
+            <a:endParaRPr lang="en-US" dirty="0"/>
+          </a:p>
+          <a:p>
+            <a:r>
+              <a:rPr lang="en-US" dirty="0" smtClean="0"/>
+              <a:t>Language compiled to JavaScript</a:t>
+            </a:r>
+          </a:p>
+          <a:p>
+            <a:endParaRPr lang="en-US" dirty="0"/>
+          </a:p>
+          <a:p>
+            <a:r>
+              <a:rPr lang="en-US" dirty="0" smtClean="0"/>
+              <a:t>One of many:</a:t>
+            </a:r>
+            <a:endParaRPr lang="en-US" dirty="0"/>
+          </a:p>
+        </p:txBody>
+      </p:sp>
+      <p:pic>
+        <p:nvPicPr>
+          <p:cNvPr id="4" name="Picture 3"/>
+          <p:cNvPicPr>
+            <a:picLocks noChangeAspect="1"/>
+          </p:cNvPicPr>
+          <p:nvPr/>
+        </p:nvPicPr>
+        <p:blipFill>
+          <a:blip r:embed="rId2"/>
+          <a:stretch>
+            <a:fillRect/>
+          </a:stretch>
+        </p:blipFill>
+        <p:spPr>
+          <a:xfrm>
+            <a:off x="3356713" y="3834746"/>
+            <a:ext cx="2447925" cy="895350"/>
+          </a:xfrm>
+          <a:prstGeom prst="rect">
+            <a:avLst/>
+          </a:prstGeom>
+        </p:spPr>
+      </p:pic>
+      <p:pic>
+        <p:nvPicPr>
+          <p:cNvPr id="1026" name="Picture 2" descr="http://coffeescript.org/documentation/images/logo.png"/>
+          <p:cNvPicPr>
+            <a:picLocks noChangeAspect="1" noChangeArrowheads="1"/>
+          </p:cNvPicPr>
+          <p:nvPr/>
+        </p:nvPicPr>
+        <p:blipFill>
+          <a:blip r:embed="rId3">
+            <a:extLst>
+              <a:ext uri="{28A0092B-C50C-407E-A947-70E740481C1C}">
+                <a14:useLocalDpi xmlns:a14="http://schemas.microsoft.com/office/drawing/2010/main" val="0"/>
+              </a:ext>
+            </a:extLst>
+          </a:blip>
+          <a:srcRect/>
+          <a:stretch>
+            <a:fillRect/>
+          </a:stretch>
+        </p:blipFill>
+        <p:spPr bwMode="auto">
+          <a:xfrm>
+            <a:off x="6248819" y="4794721"/>
+            <a:ext cx="2846229" cy="487022"/>
+          </a:xfrm>
+          <a:prstGeom prst="rect">
+            <a:avLst/>
+          </a:prstGeom>
+          <a:noFill/>
+          <a:extLst>
+            <a:ext uri="{909E8E84-426E-40DD-AFC4-6F175D3DCCD1}">
+              <a14:hiddenFill xmlns:a14="http://schemas.microsoft.com/office/drawing/2010/main">
+                <a:solidFill>
+                  <a:srgbClr val="FFFFFF"/>
+                </a:solidFill>
+              </a14:hiddenFill>
+            </a:ext>
+          </a:extLst>
+        </p:spPr>
+      </p:pic>
+      <p:pic>
+        <p:nvPicPr>
+          <p:cNvPr id="1030" name="Picture 6" descr="https://www.dartlang.org/logos/dart-logo-wordmark.png"/>
+          <p:cNvPicPr>
+            <a:picLocks noChangeAspect="1" noChangeArrowheads="1"/>
+          </p:cNvPicPr>
+          <p:nvPr/>
+        </p:nvPicPr>
+        <p:blipFill>
+          <a:blip r:embed="rId4" cstate="print">
+            <a:extLst>
+              <a:ext uri="{28A0092B-C50C-407E-A947-70E740481C1C}">
+                <a14:useLocalDpi xmlns:a14="http://schemas.microsoft.com/office/drawing/2010/main" val="0"/>
+              </a:ext>
+            </a:extLst>
+          </a:blip>
+          <a:srcRect/>
+          <a:stretch>
+            <a:fillRect/>
+          </a:stretch>
+        </p:blipFill>
+        <p:spPr bwMode="auto">
+          <a:xfrm>
+            <a:off x="4120169" y="5619403"/>
+            <a:ext cx="1586237" cy="421959"/>
+          </a:xfrm>
+          <a:prstGeom prst="rect">
+            <a:avLst/>
+          </a:prstGeom>
+          <a:noFill/>
+          <a:extLst>
+            <a:ext uri="{909E8E84-426E-40DD-AFC4-6F175D3DCCD1}">
+              <a14:hiddenFill xmlns:a14="http://schemas.microsoft.com/office/drawing/2010/main">
+                <a:solidFill>
+                  <a:srgbClr val="FFFFFF"/>
+                </a:solidFill>
+              </a14:hiddenFill>
+            </a:ext>
+          </a:extLst>
+        </p:spPr>
+      </p:pic>
+      <p:pic>
+        <p:nvPicPr>
+          <p:cNvPr id="1036" name="Picture 12" descr="http://www.sciweavers.org/upload/Tex2Img_1412737968/render.png"/>
+          <p:cNvPicPr>
+            <a:picLocks noChangeAspect="1" noChangeArrowheads="1"/>
+          </p:cNvPicPr>
+          <p:nvPr/>
+        </p:nvPicPr>
+        <p:blipFill>
+          <a:blip r:embed="rId5">
+            <a:extLst>
+              <a:ext uri="{28A0092B-C50C-407E-A947-70E740481C1C}">
+                <a14:useLocalDpi xmlns:a14="http://schemas.microsoft.com/office/drawing/2010/main" val="0"/>
+              </a:ext>
+            </a:extLst>
+          </a:blip>
+          <a:srcRect/>
+          <a:stretch>
+            <a:fillRect/>
+          </a:stretch>
+        </p:blipFill>
+        <p:spPr bwMode="auto">
+          <a:xfrm>
+            <a:off x="1480288" y="2597439"/>
+            <a:ext cx="1876425" cy="161925"/>
+          </a:xfrm>
+          <a:prstGeom prst="rect">
+            <a:avLst/>
+          </a:prstGeom>
+          <a:noFill/>
+          <a:extLst>
+            <a:ext uri="{909E8E84-426E-40DD-AFC4-6F175D3DCCD1}">
+              <a14:hiddenFill xmlns:a14="http://schemas.microsoft.com/office/drawing/2010/main">
+                <a:solidFill>
+                  <a:srgbClr val="FFFFFF"/>
+                </a:solidFill>
+              </a14:hiddenFill>
+            </a:ext>
+          </a:extLst>
+        </p:spPr>
+      </p:pic>
     </p:spTree>
     <p:extLst>
       <p:ext uri="{BB962C8B-B14F-4D97-AF65-F5344CB8AC3E}">
         <p14:creationId xmlns:p14="http://schemas.microsoft.com/office/powerpoint/2010/main" val="932930259"/>
+      </p:ext>
+    </p:extLst>
+  </p:cSld>
+  <p:clrMapOvr>
+    <a:masterClrMapping/>
+  </p:clrMapOvr>
+  <p:timing>
+    <p:tnLst>
+      <p:par>
+        <p:cTn id="1" dur="indefinite" restart="never" nodeType="tmRoot"/>
+      </p:par>
+    </p:tnLst>
+  </p:timing>
+</p:sld>
+</file>
+
+<file path=ppt/slides/slide20.xml><?xml version="1.0" encoding="utf-8"?>
+<p:sld xmlns:a="http://schemas.openxmlformats.org/drawingml/2006/main" xmlns:r="http://schemas.openxmlformats.org/officeDocument/2006/relationships" xmlns:p="http://schemas.openxmlformats.org/presentationml/2006/main">
+  <p:cSld>
+    <p:spTree>
+      <p:nvGrpSpPr>
+        <p:cNvPr id="1" name=""/>
+        <p:cNvGrpSpPr/>
+        <p:nvPr/>
+      </p:nvGrpSpPr>
+      <p:grpSpPr>
+        <a:xfrm>
+          <a:off x="0" y="0"/>
+          <a:ext cx="0" cy="0"/>
+          <a:chOff x="0" y="0"/>
+          <a:chExt cx="0" cy="0"/>
+        </a:xfrm>
+      </p:grpSpPr>
+      <p:sp>
+        <p:nvSpPr>
+          <p:cNvPr id="2" name="Title 1"/>
+          <p:cNvSpPr>
+            <a:spLocks noGrp="1"/>
+          </p:cNvSpPr>
+          <p:nvPr>
+            <p:ph type="title"/>
+          </p:nvPr>
+        </p:nvSpPr>
+        <p:spPr/>
+        <p:txBody>
+          <a:bodyPr/>
+          <a:lstStyle/>
+          <a:p>
+            <a:r>
+              <a:rPr lang="en-US" dirty="0" smtClean="0"/>
+              <a:t>Classes</a:t>
+            </a:r>
+            <a:endParaRPr lang="en-US" dirty="0"/>
+          </a:p>
+        </p:txBody>
+      </p:sp>
+      <p:sp>
+        <p:nvSpPr>
+          <p:cNvPr id="3" name="Content Placeholder 2"/>
+          <p:cNvSpPr>
+            <a:spLocks noGrp="1"/>
+          </p:cNvSpPr>
+          <p:nvPr>
+            <p:ph idx="1"/>
+          </p:nvPr>
+        </p:nvSpPr>
+        <p:spPr/>
+        <p:txBody>
+          <a:bodyPr/>
+          <a:lstStyle/>
+          <a:p>
+            <a:r>
+              <a:rPr lang="en-US" dirty="0" smtClean="0"/>
+              <a:t>Avoid:</a:t>
+            </a:r>
+            <a:endParaRPr lang="en-US" dirty="0"/>
+          </a:p>
+        </p:txBody>
+      </p:sp>
+      <p:sp>
+        <p:nvSpPr>
+          <p:cNvPr id="4" name="Rectangle 3"/>
+          <p:cNvSpPr/>
+          <p:nvPr/>
+        </p:nvSpPr>
+        <p:spPr>
+          <a:xfrm>
+            <a:off x="677334" y="2521493"/>
+            <a:ext cx="8333316" cy="3352328"/>
+          </a:xfrm>
+          <a:prstGeom prst="rect">
+            <a:avLst/>
+          </a:prstGeom>
+        </p:spPr>
+        <p:txBody>
+          <a:bodyPr wrap="square">
+            <a:spAutoFit/>
+          </a:bodyPr>
+          <a:lstStyle/>
+          <a:p>
+            <a:pPr>
+              <a:lnSpc>
+                <a:spcPct val="107000"/>
+              </a:lnSpc>
+              <a:tabLst>
+                <a:tab pos="581660" algn="l"/>
+                <a:tab pos="1163320" algn="l"/>
+                <a:tab pos="1744980" algn="l"/>
+                <a:tab pos="2326640" algn="l"/>
+                <a:tab pos="2908300" algn="l"/>
+                <a:tab pos="3489960" algn="l"/>
+                <a:tab pos="4071620" algn="l"/>
+                <a:tab pos="4653280" algn="l"/>
+                <a:tab pos="5234940" algn="l"/>
+                <a:tab pos="5816600" algn="l"/>
+                <a:tab pos="6398260" algn="l"/>
+                <a:tab pos="6979920" algn="l"/>
+                <a:tab pos="7561580" algn="l"/>
+                <a:tab pos="8143240" algn="l"/>
+                <a:tab pos="8724900" algn="l"/>
+                <a:tab pos="9306560" algn="l"/>
+              </a:tabLst>
+            </a:pPr>
+            <a:r>
+              <a:rPr lang="en-US" dirty="0">
+                <a:solidFill>
+                  <a:srgbClr val="0000FF"/>
+                </a:solidFill>
+                <a:latin typeface="Consolas" panose="020B0609020204030204" pitchFamily="49" charset="0"/>
+                <a:ea typeface="Times New Roman" panose="02020603050405020304" pitchFamily="18" charset="0"/>
+                <a:cs typeface="Times New Roman" panose="02020603050405020304" pitchFamily="18" charset="0"/>
+              </a:rPr>
+              <a:t>function</a:t>
+            </a:r>
+            <a:r>
+              <a:rPr lang="en-US" dirty="0">
+                <a:solidFill>
+                  <a:srgbClr val="000000"/>
+                </a:solidFill>
+                <a:latin typeface="Consolas" panose="020B0609020204030204" pitchFamily="49" charset="0"/>
+                <a:ea typeface="Times New Roman" panose="02020603050405020304" pitchFamily="18" charset="0"/>
+                <a:cs typeface="Times New Roman" panose="02020603050405020304" pitchFamily="18" charset="0"/>
+              </a:rPr>
+              <a:t> </a:t>
+            </a:r>
+            <a:r>
+              <a:rPr lang="en-US" dirty="0" err="1">
+                <a:solidFill>
+                  <a:srgbClr val="000000"/>
+                </a:solidFill>
+                <a:latin typeface="Consolas" panose="020B0609020204030204" pitchFamily="49" charset="0"/>
+                <a:ea typeface="Times New Roman" panose="02020603050405020304" pitchFamily="18" charset="0"/>
+                <a:cs typeface="Times New Roman" panose="02020603050405020304" pitchFamily="18" charset="0"/>
+              </a:rPr>
+              <a:t>MyClass</a:t>
+            </a:r>
+            <a:r>
+              <a:rPr lang="en-US" dirty="0">
+                <a:solidFill>
+                  <a:srgbClr val="000000"/>
+                </a:solidFill>
+                <a:latin typeface="Consolas" panose="020B0609020204030204" pitchFamily="49" charset="0"/>
+                <a:ea typeface="Times New Roman" panose="02020603050405020304" pitchFamily="18" charset="0"/>
+                <a:cs typeface="Times New Roman" panose="02020603050405020304" pitchFamily="18" charset="0"/>
+              </a:rPr>
+              <a:t>() {</a:t>
+            </a:r>
+            <a:endParaRPr lang="en-US" sz="2400" dirty="0">
+              <a:latin typeface="Calibri" panose="020F0502020204030204" pitchFamily="34" charset="0"/>
+              <a:ea typeface="Calibri" panose="020F0502020204030204" pitchFamily="34" charset="0"/>
+              <a:cs typeface="Times New Roman" panose="02020603050405020304" pitchFamily="18" charset="0"/>
+            </a:endParaRPr>
+          </a:p>
+          <a:p>
+            <a:pPr>
+              <a:lnSpc>
+                <a:spcPct val="107000"/>
+              </a:lnSpc>
+              <a:tabLst>
+                <a:tab pos="581660" algn="l"/>
+                <a:tab pos="1163320" algn="l"/>
+                <a:tab pos="1744980" algn="l"/>
+                <a:tab pos="2326640" algn="l"/>
+                <a:tab pos="2908300" algn="l"/>
+                <a:tab pos="3489960" algn="l"/>
+                <a:tab pos="4071620" algn="l"/>
+                <a:tab pos="4653280" algn="l"/>
+                <a:tab pos="5234940" algn="l"/>
+                <a:tab pos="5816600" algn="l"/>
+                <a:tab pos="6398260" algn="l"/>
+                <a:tab pos="6979920" algn="l"/>
+                <a:tab pos="7561580" algn="l"/>
+                <a:tab pos="8143240" algn="l"/>
+                <a:tab pos="8724900" algn="l"/>
+                <a:tab pos="9306560" algn="l"/>
+              </a:tabLst>
+            </a:pPr>
+            <a:r>
+              <a:rPr lang="en-US" dirty="0">
+                <a:solidFill>
+                  <a:srgbClr val="000000"/>
+                </a:solidFill>
+                <a:latin typeface="Consolas" panose="020B0609020204030204" pitchFamily="49" charset="0"/>
+                <a:ea typeface="Times New Roman" panose="02020603050405020304" pitchFamily="18" charset="0"/>
+                <a:cs typeface="Times New Roman" panose="02020603050405020304" pitchFamily="18" charset="0"/>
+              </a:rPr>
+              <a:t>    </a:t>
+            </a:r>
+            <a:r>
+              <a:rPr lang="en-US" dirty="0" err="1">
+                <a:solidFill>
+                  <a:srgbClr val="0000FF"/>
+                </a:solidFill>
+                <a:latin typeface="Consolas" panose="020B0609020204030204" pitchFamily="49" charset="0"/>
+                <a:ea typeface="Times New Roman" panose="02020603050405020304" pitchFamily="18" charset="0"/>
+                <a:cs typeface="Times New Roman" panose="02020603050405020304" pitchFamily="18" charset="0"/>
+              </a:rPr>
+              <a:t>var</a:t>
+            </a:r>
+            <a:r>
+              <a:rPr lang="en-US" dirty="0">
+                <a:solidFill>
+                  <a:srgbClr val="000000"/>
+                </a:solidFill>
+                <a:latin typeface="Consolas" panose="020B0609020204030204" pitchFamily="49" charset="0"/>
+                <a:ea typeface="Times New Roman" panose="02020603050405020304" pitchFamily="18" charset="0"/>
+                <a:cs typeface="Times New Roman" panose="02020603050405020304" pitchFamily="18" charset="0"/>
+              </a:rPr>
+              <a:t> prop1 = 1,</a:t>
+            </a:r>
+            <a:endParaRPr lang="en-US" sz="2400" dirty="0">
+              <a:latin typeface="Calibri" panose="020F0502020204030204" pitchFamily="34" charset="0"/>
+              <a:ea typeface="Calibri" panose="020F0502020204030204" pitchFamily="34" charset="0"/>
+              <a:cs typeface="Times New Roman" panose="02020603050405020304" pitchFamily="18" charset="0"/>
+            </a:endParaRPr>
+          </a:p>
+          <a:p>
+            <a:pPr>
+              <a:lnSpc>
+                <a:spcPct val="107000"/>
+              </a:lnSpc>
+              <a:tabLst>
+                <a:tab pos="581660" algn="l"/>
+                <a:tab pos="1163320" algn="l"/>
+                <a:tab pos="1744980" algn="l"/>
+                <a:tab pos="2326640" algn="l"/>
+                <a:tab pos="2908300" algn="l"/>
+                <a:tab pos="3489960" algn="l"/>
+                <a:tab pos="4071620" algn="l"/>
+                <a:tab pos="4653280" algn="l"/>
+                <a:tab pos="5234940" algn="l"/>
+                <a:tab pos="5816600" algn="l"/>
+                <a:tab pos="6398260" algn="l"/>
+                <a:tab pos="6979920" algn="l"/>
+                <a:tab pos="7561580" algn="l"/>
+                <a:tab pos="8143240" algn="l"/>
+                <a:tab pos="8724900" algn="l"/>
+                <a:tab pos="9306560" algn="l"/>
+              </a:tabLst>
+            </a:pPr>
+            <a:r>
+              <a:rPr lang="en-US" dirty="0">
+                <a:solidFill>
+                  <a:srgbClr val="000000"/>
+                </a:solidFill>
+                <a:latin typeface="Consolas" panose="020B0609020204030204" pitchFamily="49" charset="0"/>
+                <a:ea typeface="Times New Roman" panose="02020603050405020304" pitchFamily="18" charset="0"/>
+                <a:cs typeface="Times New Roman" panose="02020603050405020304" pitchFamily="18" charset="0"/>
+              </a:rPr>
+              <a:t>        prop2 = 2;</a:t>
+            </a:r>
+            <a:endParaRPr lang="en-US" sz="2400" dirty="0">
+              <a:latin typeface="Calibri" panose="020F0502020204030204" pitchFamily="34" charset="0"/>
+              <a:ea typeface="Calibri" panose="020F0502020204030204" pitchFamily="34" charset="0"/>
+              <a:cs typeface="Times New Roman" panose="02020603050405020304" pitchFamily="18" charset="0"/>
+            </a:endParaRPr>
+          </a:p>
+          <a:p>
+            <a:pPr>
+              <a:lnSpc>
+                <a:spcPct val="107000"/>
+              </a:lnSpc>
+              <a:tabLst>
+                <a:tab pos="581660" algn="l"/>
+                <a:tab pos="1163320" algn="l"/>
+                <a:tab pos="1744980" algn="l"/>
+                <a:tab pos="2326640" algn="l"/>
+                <a:tab pos="2908300" algn="l"/>
+                <a:tab pos="3489960" algn="l"/>
+                <a:tab pos="4071620" algn="l"/>
+                <a:tab pos="4653280" algn="l"/>
+                <a:tab pos="5234940" algn="l"/>
+                <a:tab pos="5816600" algn="l"/>
+                <a:tab pos="6398260" algn="l"/>
+                <a:tab pos="6979920" algn="l"/>
+                <a:tab pos="7561580" algn="l"/>
+                <a:tab pos="8143240" algn="l"/>
+                <a:tab pos="8724900" algn="l"/>
+                <a:tab pos="9306560" algn="l"/>
+              </a:tabLst>
+            </a:pPr>
+            <a:r>
+              <a:rPr lang="en-US" dirty="0">
+                <a:solidFill>
+                  <a:srgbClr val="000000"/>
+                </a:solidFill>
+                <a:latin typeface="Consolas" panose="020B0609020204030204" pitchFamily="49" charset="0"/>
+                <a:ea typeface="Times New Roman" panose="02020603050405020304" pitchFamily="18" charset="0"/>
+                <a:cs typeface="Times New Roman" panose="02020603050405020304" pitchFamily="18" charset="0"/>
+              </a:rPr>
+              <a:t> </a:t>
+            </a:r>
+            <a:endParaRPr lang="en-US" sz="2400" dirty="0">
+              <a:latin typeface="Calibri" panose="020F0502020204030204" pitchFamily="34" charset="0"/>
+              <a:ea typeface="Calibri" panose="020F0502020204030204" pitchFamily="34" charset="0"/>
+              <a:cs typeface="Times New Roman" panose="02020603050405020304" pitchFamily="18" charset="0"/>
+            </a:endParaRPr>
+          </a:p>
+          <a:p>
+            <a:pPr>
+              <a:lnSpc>
+                <a:spcPct val="107000"/>
+              </a:lnSpc>
+              <a:tabLst>
+                <a:tab pos="581660" algn="l"/>
+                <a:tab pos="1163320" algn="l"/>
+                <a:tab pos="1744980" algn="l"/>
+                <a:tab pos="2326640" algn="l"/>
+                <a:tab pos="2908300" algn="l"/>
+                <a:tab pos="3489960" algn="l"/>
+                <a:tab pos="4071620" algn="l"/>
+                <a:tab pos="4653280" algn="l"/>
+                <a:tab pos="5234940" algn="l"/>
+                <a:tab pos="5816600" algn="l"/>
+                <a:tab pos="6398260" algn="l"/>
+                <a:tab pos="6979920" algn="l"/>
+                <a:tab pos="7561580" algn="l"/>
+                <a:tab pos="8143240" algn="l"/>
+                <a:tab pos="8724900" algn="l"/>
+                <a:tab pos="9306560" algn="l"/>
+              </a:tabLst>
+            </a:pPr>
+            <a:r>
+              <a:rPr lang="en-US" dirty="0">
+                <a:solidFill>
+                  <a:srgbClr val="000000"/>
+                </a:solidFill>
+                <a:latin typeface="Consolas" panose="020B0609020204030204" pitchFamily="49" charset="0"/>
+                <a:ea typeface="Times New Roman" panose="02020603050405020304" pitchFamily="18" charset="0"/>
+                <a:cs typeface="Times New Roman" panose="02020603050405020304" pitchFamily="18" charset="0"/>
+              </a:rPr>
+              <a:t>    </a:t>
+            </a:r>
+            <a:r>
+              <a:rPr lang="en-US" dirty="0">
+                <a:solidFill>
+                  <a:srgbClr val="0000FF"/>
+                </a:solidFill>
+                <a:latin typeface="Consolas" panose="020B0609020204030204" pitchFamily="49" charset="0"/>
+                <a:ea typeface="Times New Roman" panose="02020603050405020304" pitchFamily="18" charset="0"/>
+                <a:cs typeface="Times New Roman" panose="02020603050405020304" pitchFamily="18" charset="0"/>
+              </a:rPr>
+              <a:t>return</a:t>
+            </a:r>
+            <a:r>
+              <a:rPr lang="en-US" dirty="0">
+                <a:solidFill>
+                  <a:srgbClr val="000000"/>
+                </a:solidFill>
+                <a:latin typeface="Consolas" panose="020B0609020204030204" pitchFamily="49" charset="0"/>
+                <a:ea typeface="Times New Roman" panose="02020603050405020304" pitchFamily="18" charset="0"/>
+                <a:cs typeface="Times New Roman" panose="02020603050405020304" pitchFamily="18" charset="0"/>
+              </a:rPr>
+              <a:t> {</a:t>
+            </a:r>
+            <a:endParaRPr lang="en-US" sz="2400" dirty="0">
+              <a:latin typeface="Calibri" panose="020F0502020204030204" pitchFamily="34" charset="0"/>
+              <a:ea typeface="Calibri" panose="020F0502020204030204" pitchFamily="34" charset="0"/>
+              <a:cs typeface="Times New Roman" panose="02020603050405020304" pitchFamily="18" charset="0"/>
+            </a:endParaRPr>
+          </a:p>
+          <a:p>
+            <a:pPr>
+              <a:lnSpc>
+                <a:spcPct val="107000"/>
+              </a:lnSpc>
+              <a:tabLst>
+                <a:tab pos="581660" algn="l"/>
+                <a:tab pos="1163320" algn="l"/>
+                <a:tab pos="1744980" algn="l"/>
+                <a:tab pos="2326640" algn="l"/>
+                <a:tab pos="2908300" algn="l"/>
+                <a:tab pos="3489960" algn="l"/>
+                <a:tab pos="4071620" algn="l"/>
+                <a:tab pos="4653280" algn="l"/>
+                <a:tab pos="5234940" algn="l"/>
+                <a:tab pos="5816600" algn="l"/>
+                <a:tab pos="6398260" algn="l"/>
+                <a:tab pos="6979920" algn="l"/>
+                <a:tab pos="7561580" algn="l"/>
+                <a:tab pos="8143240" algn="l"/>
+                <a:tab pos="8724900" algn="l"/>
+                <a:tab pos="9306560" algn="l"/>
+              </a:tabLst>
+            </a:pPr>
+            <a:r>
+              <a:rPr lang="en-US" dirty="0">
+                <a:solidFill>
+                  <a:srgbClr val="000000"/>
+                </a:solidFill>
+                <a:latin typeface="Consolas" panose="020B0609020204030204" pitchFamily="49" charset="0"/>
+                <a:ea typeface="Times New Roman" panose="02020603050405020304" pitchFamily="18" charset="0"/>
+                <a:cs typeface="Times New Roman" panose="02020603050405020304" pitchFamily="18" charset="0"/>
+              </a:rPr>
+              <a:t>        getProp1: </a:t>
+            </a:r>
+            <a:r>
+              <a:rPr lang="en-US" dirty="0">
+                <a:solidFill>
+                  <a:srgbClr val="0000FF"/>
+                </a:solidFill>
+                <a:latin typeface="Consolas" panose="020B0609020204030204" pitchFamily="49" charset="0"/>
+                <a:ea typeface="Times New Roman" panose="02020603050405020304" pitchFamily="18" charset="0"/>
+                <a:cs typeface="Times New Roman" panose="02020603050405020304" pitchFamily="18" charset="0"/>
+              </a:rPr>
+              <a:t>function</a:t>
+            </a:r>
+            <a:r>
+              <a:rPr lang="en-US" dirty="0">
+                <a:solidFill>
+                  <a:srgbClr val="000000"/>
+                </a:solidFill>
+                <a:latin typeface="Consolas" panose="020B0609020204030204" pitchFamily="49" charset="0"/>
+                <a:ea typeface="Times New Roman" panose="02020603050405020304" pitchFamily="18" charset="0"/>
+                <a:cs typeface="Times New Roman" panose="02020603050405020304" pitchFamily="18" charset="0"/>
+              </a:rPr>
+              <a:t> () { </a:t>
+            </a:r>
+            <a:r>
+              <a:rPr lang="en-US" dirty="0">
+                <a:solidFill>
+                  <a:srgbClr val="0000FF"/>
+                </a:solidFill>
+                <a:latin typeface="Consolas" panose="020B0609020204030204" pitchFamily="49" charset="0"/>
+                <a:ea typeface="Times New Roman" panose="02020603050405020304" pitchFamily="18" charset="0"/>
+                <a:cs typeface="Times New Roman" panose="02020603050405020304" pitchFamily="18" charset="0"/>
+              </a:rPr>
+              <a:t>return</a:t>
+            </a:r>
+            <a:r>
+              <a:rPr lang="en-US" dirty="0">
+                <a:solidFill>
+                  <a:srgbClr val="000000"/>
+                </a:solidFill>
+                <a:latin typeface="Consolas" panose="020B0609020204030204" pitchFamily="49" charset="0"/>
+                <a:ea typeface="Times New Roman" panose="02020603050405020304" pitchFamily="18" charset="0"/>
+                <a:cs typeface="Times New Roman" panose="02020603050405020304" pitchFamily="18" charset="0"/>
+              </a:rPr>
+              <a:t> prop1; },</a:t>
+            </a:r>
+            <a:endParaRPr lang="en-US" sz="2400" dirty="0">
+              <a:latin typeface="Calibri" panose="020F0502020204030204" pitchFamily="34" charset="0"/>
+              <a:ea typeface="Calibri" panose="020F0502020204030204" pitchFamily="34" charset="0"/>
+              <a:cs typeface="Times New Roman" panose="02020603050405020304" pitchFamily="18" charset="0"/>
+            </a:endParaRPr>
+          </a:p>
+          <a:p>
+            <a:pPr>
+              <a:lnSpc>
+                <a:spcPct val="107000"/>
+              </a:lnSpc>
+              <a:tabLst>
+                <a:tab pos="581660" algn="l"/>
+                <a:tab pos="1163320" algn="l"/>
+                <a:tab pos="1744980" algn="l"/>
+                <a:tab pos="2326640" algn="l"/>
+                <a:tab pos="2908300" algn="l"/>
+                <a:tab pos="3489960" algn="l"/>
+                <a:tab pos="4071620" algn="l"/>
+                <a:tab pos="4653280" algn="l"/>
+                <a:tab pos="5234940" algn="l"/>
+                <a:tab pos="5816600" algn="l"/>
+                <a:tab pos="6398260" algn="l"/>
+                <a:tab pos="6979920" algn="l"/>
+                <a:tab pos="7561580" algn="l"/>
+                <a:tab pos="8143240" algn="l"/>
+                <a:tab pos="8724900" algn="l"/>
+                <a:tab pos="9306560" algn="l"/>
+              </a:tabLst>
+            </a:pPr>
+            <a:r>
+              <a:rPr lang="en-US" dirty="0">
+                <a:solidFill>
+                  <a:srgbClr val="000000"/>
+                </a:solidFill>
+                <a:latin typeface="Consolas" panose="020B0609020204030204" pitchFamily="49" charset="0"/>
+                <a:ea typeface="Times New Roman" panose="02020603050405020304" pitchFamily="18" charset="0"/>
+                <a:cs typeface="Times New Roman" panose="02020603050405020304" pitchFamily="18" charset="0"/>
+              </a:rPr>
+              <a:t>        getProp2: </a:t>
+            </a:r>
+            <a:r>
+              <a:rPr lang="en-US" dirty="0">
+                <a:solidFill>
+                  <a:srgbClr val="0000FF"/>
+                </a:solidFill>
+                <a:latin typeface="Consolas" panose="020B0609020204030204" pitchFamily="49" charset="0"/>
+                <a:ea typeface="Times New Roman" panose="02020603050405020304" pitchFamily="18" charset="0"/>
+                <a:cs typeface="Times New Roman" panose="02020603050405020304" pitchFamily="18" charset="0"/>
+              </a:rPr>
+              <a:t>function</a:t>
+            </a:r>
+            <a:r>
+              <a:rPr lang="en-US" dirty="0">
+                <a:solidFill>
+                  <a:srgbClr val="000000"/>
+                </a:solidFill>
+                <a:latin typeface="Consolas" panose="020B0609020204030204" pitchFamily="49" charset="0"/>
+                <a:ea typeface="Times New Roman" panose="02020603050405020304" pitchFamily="18" charset="0"/>
+                <a:cs typeface="Times New Roman" panose="02020603050405020304" pitchFamily="18" charset="0"/>
+              </a:rPr>
+              <a:t> () { </a:t>
+            </a:r>
+            <a:r>
+              <a:rPr lang="en-US" dirty="0">
+                <a:solidFill>
+                  <a:srgbClr val="0000FF"/>
+                </a:solidFill>
+                <a:latin typeface="Consolas" panose="020B0609020204030204" pitchFamily="49" charset="0"/>
+                <a:ea typeface="Times New Roman" panose="02020603050405020304" pitchFamily="18" charset="0"/>
+                <a:cs typeface="Times New Roman" panose="02020603050405020304" pitchFamily="18" charset="0"/>
+              </a:rPr>
+              <a:t>return</a:t>
+            </a:r>
+            <a:r>
+              <a:rPr lang="en-US" dirty="0">
+                <a:solidFill>
+                  <a:srgbClr val="000000"/>
+                </a:solidFill>
+                <a:latin typeface="Consolas" panose="020B0609020204030204" pitchFamily="49" charset="0"/>
+                <a:ea typeface="Times New Roman" panose="02020603050405020304" pitchFamily="18" charset="0"/>
+                <a:cs typeface="Times New Roman" panose="02020603050405020304" pitchFamily="18" charset="0"/>
+              </a:rPr>
+              <a:t> prop2; }</a:t>
+            </a:r>
+            <a:endParaRPr lang="en-US" sz="2400" dirty="0">
+              <a:latin typeface="Calibri" panose="020F0502020204030204" pitchFamily="34" charset="0"/>
+              <a:ea typeface="Calibri" panose="020F0502020204030204" pitchFamily="34" charset="0"/>
+              <a:cs typeface="Times New Roman" panose="02020603050405020304" pitchFamily="18" charset="0"/>
+            </a:endParaRPr>
+          </a:p>
+          <a:p>
+            <a:pPr>
+              <a:lnSpc>
+                <a:spcPct val="107000"/>
+              </a:lnSpc>
+              <a:tabLst>
+                <a:tab pos="581660" algn="l"/>
+                <a:tab pos="1163320" algn="l"/>
+                <a:tab pos="1744980" algn="l"/>
+                <a:tab pos="2326640" algn="l"/>
+                <a:tab pos="2908300" algn="l"/>
+                <a:tab pos="3489960" algn="l"/>
+                <a:tab pos="4071620" algn="l"/>
+                <a:tab pos="4653280" algn="l"/>
+                <a:tab pos="5234940" algn="l"/>
+                <a:tab pos="5816600" algn="l"/>
+                <a:tab pos="6398260" algn="l"/>
+                <a:tab pos="6979920" algn="l"/>
+                <a:tab pos="7561580" algn="l"/>
+                <a:tab pos="8143240" algn="l"/>
+                <a:tab pos="8724900" algn="l"/>
+                <a:tab pos="9306560" algn="l"/>
+              </a:tabLst>
+            </a:pPr>
+            <a:r>
+              <a:rPr lang="en-US" dirty="0">
+                <a:solidFill>
+                  <a:srgbClr val="000000"/>
+                </a:solidFill>
+                <a:latin typeface="Consolas" panose="020B0609020204030204" pitchFamily="49" charset="0"/>
+                <a:ea typeface="Times New Roman" panose="02020603050405020304" pitchFamily="18" charset="0"/>
+                <a:cs typeface="Times New Roman" panose="02020603050405020304" pitchFamily="18" charset="0"/>
+              </a:rPr>
+              <a:t>    };</a:t>
+            </a:r>
+            <a:endParaRPr lang="en-US" sz="2400" dirty="0">
+              <a:latin typeface="Calibri" panose="020F0502020204030204" pitchFamily="34" charset="0"/>
+              <a:ea typeface="Calibri" panose="020F0502020204030204" pitchFamily="34" charset="0"/>
+              <a:cs typeface="Times New Roman" panose="02020603050405020304" pitchFamily="18" charset="0"/>
+            </a:endParaRPr>
+          </a:p>
+          <a:p>
+            <a:pPr>
+              <a:lnSpc>
+                <a:spcPct val="107000"/>
+              </a:lnSpc>
+              <a:tabLst>
+                <a:tab pos="581660" algn="l"/>
+                <a:tab pos="1163320" algn="l"/>
+                <a:tab pos="1744980" algn="l"/>
+                <a:tab pos="2326640" algn="l"/>
+                <a:tab pos="2908300" algn="l"/>
+                <a:tab pos="3489960" algn="l"/>
+                <a:tab pos="4071620" algn="l"/>
+                <a:tab pos="4653280" algn="l"/>
+                <a:tab pos="5234940" algn="l"/>
+                <a:tab pos="5816600" algn="l"/>
+                <a:tab pos="6398260" algn="l"/>
+                <a:tab pos="6979920" algn="l"/>
+                <a:tab pos="7561580" algn="l"/>
+                <a:tab pos="8143240" algn="l"/>
+                <a:tab pos="8724900" algn="l"/>
+                <a:tab pos="9306560" algn="l"/>
+              </a:tabLst>
+            </a:pPr>
+            <a:r>
+              <a:rPr lang="en-US" dirty="0">
+                <a:solidFill>
+                  <a:srgbClr val="000000"/>
+                </a:solidFill>
+                <a:latin typeface="Consolas" panose="020B0609020204030204" pitchFamily="49" charset="0"/>
+                <a:ea typeface="Times New Roman" panose="02020603050405020304" pitchFamily="18" charset="0"/>
+                <a:cs typeface="Times New Roman" panose="02020603050405020304" pitchFamily="18" charset="0"/>
+              </a:rPr>
+              <a:t>}</a:t>
+            </a:r>
+            <a:endParaRPr lang="en-US" sz="2400" dirty="0">
+              <a:latin typeface="Calibri" panose="020F0502020204030204" pitchFamily="34" charset="0"/>
+              <a:ea typeface="Calibri" panose="020F0502020204030204" pitchFamily="34" charset="0"/>
+              <a:cs typeface="Times New Roman" panose="02020603050405020304" pitchFamily="18" charset="0"/>
+            </a:endParaRPr>
+          </a:p>
+          <a:p>
+            <a:pPr>
+              <a:lnSpc>
+                <a:spcPct val="107000"/>
+              </a:lnSpc>
+              <a:tabLst>
+                <a:tab pos="581660" algn="l"/>
+                <a:tab pos="1163320" algn="l"/>
+                <a:tab pos="1744980" algn="l"/>
+                <a:tab pos="2326640" algn="l"/>
+                <a:tab pos="2908300" algn="l"/>
+                <a:tab pos="3489960" algn="l"/>
+                <a:tab pos="4071620" algn="l"/>
+                <a:tab pos="4653280" algn="l"/>
+                <a:tab pos="5234940" algn="l"/>
+                <a:tab pos="5816600" algn="l"/>
+                <a:tab pos="6398260" algn="l"/>
+                <a:tab pos="6979920" algn="l"/>
+                <a:tab pos="7561580" algn="l"/>
+                <a:tab pos="8143240" algn="l"/>
+                <a:tab pos="8724900" algn="l"/>
+                <a:tab pos="9306560" algn="l"/>
+              </a:tabLst>
+            </a:pPr>
+            <a:r>
+              <a:rPr lang="en-US" dirty="0">
+                <a:solidFill>
+                  <a:srgbClr val="000000"/>
+                </a:solidFill>
+                <a:latin typeface="Consolas" panose="020B0609020204030204" pitchFamily="49" charset="0"/>
+                <a:ea typeface="Times New Roman" panose="02020603050405020304" pitchFamily="18" charset="0"/>
+                <a:cs typeface="Times New Roman" panose="02020603050405020304" pitchFamily="18" charset="0"/>
+              </a:rPr>
+              <a:t> </a:t>
+            </a:r>
+            <a:endParaRPr lang="en-US" sz="2400" dirty="0">
+              <a:latin typeface="Calibri" panose="020F0502020204030204" pitchFamily="34" charset="0"/>
+              <a:ea typeface="Calibri" panose="020F0502020204030204" pitchFamily="34" charset="0"/>
+              <a:cs typeface="Times New Roman" panose="02020603050405020304" pitchFamily="18" charset="0"/>
+            </a:endParaRPr>
+          </a:p>
+          <a:p>
+            <a:pPr>
+              <a:lnSpc>
+                <a:spcPct val="107000"/>
+              </a:lnSpc>
+              <a:tabLst>
+                <a:tab pos="581660" algn="l"/>
+                <a:tab pos="1163320" algn="l"/>
+                <a:tab pos="1744980" algn="l"/>
+                <a:tab pos="2326640" algn="l"/>
+                <a:tab pos="2908300" algn="l"/>
+                <a:tab pos="3489960" algn="l"/>
+                <a:tab pos="4071620" algn="l"/>
+                <a:tab pos="4653280" algn="l"/>
+                <a:tab pos="5234940" algn="l"/>
+                <a:tab pos="5816600" algn="l"/>
+                <a:tab pos="6398260" algn="l"/>
+                <a:tab pos="6979920" algn="l"/>
+                <a:tab pos="7561580" algn="l"/>
+                <a:tab pos="8143240" algn="l"/>
+                <a:tab pos="8724900" algn="l"/>
+                <a:tab pos="9306560" algn="l"/>
+              </a:tabLst>
+            </a:pPr>
+            <a:r>
+              <a:rPr lang="en-US" dirty="0" err="1">
+                <a:solidFill>
+                  <a:srgbClr val="0000FF"/>
+                </a:solidFill>
+                <a:latin typeface="Consolas" panose="020B0609020204030204" pitchFamily="49" charset="0"/>
+                <a:ea typeface="Times New Roman" panose="02020603050405020304" pitchFamily="18" charset="0"/>
+                <a:cs typeface="Times New Roman" panose="02020603050405020304" pitchFamily="18" charset="0"/>
+              </a:rPr>
+              <a:t>var</a:t>
+            </a:r>
+            <a:r>
+              <a:rPr lang="en-US" dirty="0">
+                <a:solidFill>
+                  <a:srgbClr val="000000"/>
+                </a:solidFill>
+                <a:latin typeface="Consolas" panose="020B0609020204030204" pitchFamily="49" charset="0"/>
+                <a:ea typeface="Times New Roman" panose="02020603050405020304" pitchFamily="18" charset="0"/>
+                <a:cs typeface="Times New Roman" panose="02020603050405020304" pitchFamily="18" charset="0"/>
+              </a:rPr>
+              <a:t> instance = </a:t>
+            </a:r>
+            <a:r>
+              <a:rPr lang="en-US" dirty="0" err="1">
+                <a:solidFill>
+                  <a:srgbClr val="000000"/>
+                </a:solidFill>
+                <a:latin typeface="Consolas" panose="020B0609020204030204" pitchFamily="49" charset="0"/>
+                <a:ea typeface="Times New Roman" panose="02020603050405020304" pitchFamily="18" charset="0"/>
+                <a:cs typeface="Times New Roman" panose="02020603050405020304" pitchFamily="18" charset="0"/>
+              </a:rPr>
+              <a:t>MyClass</a:t>
+            </a:r>
+            <a:r>
+              <a:rPr lang="en-US" dirty="0" smtClean="0">
+                <a:solidFill>
+                  <a:srgbClr val="000000"/>
+                </a:solidFill>
+                <a:latin typeface="Consolas" panose="020B0609020204030204" pitchFamily="49" charset="0"/>
+                <a:ea typeface="Times New Roman" panose="02020603050405020304" pitchFamily="18" charset="0"/>
+                <a:cs typeface="Times New Roman" panose="02020603050405020304" pitchFamily="18" charset="0"/>
+              </a:rPr>
+              <a:t>();</a:t>
+            </a:r>
+            <a:endParaRPr lang="en-US" sz="2400" dirty="0">
+              <a:latin typeface="Calibri" panose="020F0502020204030204" pitchFamily="34" charset="0"/>
+              <a:ea typeface="Calibri" panose="020F0502020204030204" pitchFamily="34" charset="0"/>
+              <a:cs typeface="Times New Roman" panose="02020603050405020304" pitchFamily="18" charset="0"/>
+            </a:endParaRPr>
+          </a:p>
+        </p:txBody>
+      </p:sp>
+    </p:spTree>
+    <p:extLst>
+      <p:ext uri="{BB962C8B-B14F-4D97-AF65-F5344CB8AC3E}">
+        <p14:creationId xmlns:p14="http://schemas.microsoft.com/office/powerpoint/2010/main" val="1694118131"/>
+      </p:ext>
+    </p:extLst>
+  </p:cSld>
+  <p:clrMapOvr>
+    <a:masterClrMapping/>
+  </p:clrMapOvr>
+  <p:timing>
+    <p:tnLst>
+      <p:par>
+        <p:cTn id="1" dur="indefinite" restart="never" nodeType="tmRoot"/>
+      </p:par>
+    </p:tnLst>
+  </p:timing>
+</p:sld>
+</file>
+
+<file path=ppt/slides/slide21.xml><?xml version="1.0" encoding="utf-8"?>
+<p:sld xmlns:a="http://schemas.openxmlformats.org/drawingml/2006/main" xmlns:r="http://schemas.openxmlformats.org/officeDocument/2006/relationships" xmlns:p="http://schemas.openxmlformats.org/presentationml/2006/main">
+  <p:cSld>
+    <p:spTree>
+      <p:nvGrpSpPr>
+        <p:cNvPr id="1" name=""/>
+        <p:cNvGrpSpPr/>
+        <p:nvPr/>
+      </p:nvGrpSpPr>
+      <p:grpSpPr>
+        <a:xfrm>
+          <a:off x="0" y="0"/>
+          <a:ext cx="0" cy="0"/>
+          <a:chOff x="0" y="0"/>
+          <a:chExt cx="0" cy="0"/>
+        </a:xfrm>
+      </p:grpSpPr>
+      <p:sp>
+        <p:nvSpPr>
+          <p:cNvPr id="2" name="Title 1"/>
+          <p:cNvSpPr>
+            <a:spLocks noGrp="1"/>
+          </p:cNvSpPr>
+          <p:nvPr>
+            <p:ph type="title"/>
+          </p:nvPr>
+        </p:nvSpPr>
+        <p:spPr/>
+        <p:txBody>
+          <a:bodyPr/>
+          <a:lstStyle/>
+          <a:p>
+            <a:r>
+              <a:rPr lang="en-US" dirty="0" smtClean="0"/>
+              <a:t>Classes</a:t>
+            </a:r>
+            <a:endParaRPr lang="en-US" dirty="0"/>
+          </a:p>
+        </p:txBody>
+      </p:sp>
+      <p:sp>
+        <p:nvSpPr>
+          <p:cNvPr id="3" name="Content Placeholder 2"/>
+          <p:cNvSpPr>
+            <a:spLocks noGrp="1"/>
+          </p:cNvSpPr>
+          <p:nvPr>
+            <p:ph idx="1"/>
+          </p:nvPr>
+        </p:nvSpPr>
+        <p:spPr>
+          <a:xfrm>
+            <a:off x="677334" y="1695451"/>
+            <a:ext cx="8596668" cy="4345912"/>
+          </a:xfrm>
+        </p:spPr>
+        <p:txBody>
+          <a:bodyPr/>
+          <a:lstStyle/>
+          <a:p>
+            <a:r>
+              <a:rPr lang="en-US" dirty="0" err="1" smtClean="0"/>
+              <a:t>TypeScript</a:t>
+            </a:r>
+            <a:r>
+              <a:rPr lang="en-US" dirty="0" smtClean="0"/>
+              <a:t> classes much simpler!</a:t>
+            </a:r>
+            <a:endParaRPr lang="en-US" dirty="0"/>
+          </a:p>
+        </p:txBody>
+      </p:sp>
+      <p:sp>
+        <p:nvSpPr>
+          <p:cNvPr id="7" name="Rectangle 6"/>
+          <p:cNvSpPr/>
+          <p:nvPr/>
+        </p:nvSpPr>
+        <p:spPr>
+          <a:xfrm>
+            <a:off x="1047750" y="2194261"/>
+            <a:ext cx="6096000" cy="4932953"/>
+          </a:xfrm>
+          <a:prstGeom prst="rect">
+            <a:avLst/>
+          </a:prstGeom>
+        </p:spPr>
+        <p:txBody>
+          <a:bodyPr>
+            <a:spAutoFit/>
+          </a:bodyPr>
+          <a:lstStyle/>
+          <a:p>
+            <a:pPr>
+              <a:lnSpc>
+                <a:spcPct val="107000"/>
+              </a:lnSpc>
+              <a:tabLst>
+                <a:tab pos="581660" algn="l"/>
+                <a:tab pos="1163320" algn="l"/>
+                <a:tab pos="1744980" algn="l"/>
+                <a:tab pos="2326640" algn="l"/>
+                <a:tab pos="2908300" algn="l"/>
+                <a:tab pos="3489960" algn="l"/>
+                <a:tab pos="4071620" algn="l"/>
+                <a:tab pos="4653280" algn="l"/>
+                <a:tab pos="5234940" algn="l"/>
+                <a:tab pos="5816600" algn="l"/>
+                <a:tab pos="6398260" algn="l"/>
+                <a:tab pos="6979920" algn="l"/>
+                <a:tab pos="7561580" algn="l"/>
+                <a:tab pos="8143240" algn="l"/>
+                <a:tab pos="8724900" algn="l"/>
+                <a:tab pos="9306560" algn="l"/>
+              </a:tabLst>
+            </a:pPr>
+            <a:r>
+              <a:rPr lang="en-US" dirty="0">
+                <a:solidFill>
+                  <a:srgbClr val="0000FF"/>
+                </a:solidFill>
+                <a:latin typeface="Consolas" panose="020B0609020204030204" pitchFamily="49" charset="0"/>
+                <a:ea typeface="Times New Roman" panose="02020603050405020304" pitchFamily="18" charset="0"/>
+                <a:cs typeface="Times New Roman" panose="02020603050405020304" pitchFamily="18" charset="0"/>
+              </a:rPr>
+              <a:t>module</a:t>
+            </a:r>
+            <a:r>
+              <a:rPr lang="en-US" dirty="0">
+                <a:solidFill>
+                  <a:srgbClr val="000000"/>
+                </a:solidFill>
+                <a:latin typeface="Consolas" panose="020B0609020204030204" pitchFamily="49" charset="0"/>
+                <a:ea typeface="Times New Roman" panose="02020603050405020304" pitchFamily="18" charset="0"/>
+                <a:cs typeface="Times New Roman" panose="02020603050405020304" pitchFamily="18" charset="0"/>
+              </a:rPr>
+              <a:t> a {</a:t>
+            </a:r>
+            <a:endParaRPr lang="en-US" sz="2400" dirty="0">
+              <a:latin typeface="Calibri" panose="020F0502020204030204" pitchFamily="34" charset="0"/>
+              <a:ea typeface="Calibri" panose="020F0502020204030204" pitchFamily="34" charset="0"/>
+              <a:cs typeface="Times New Roman" panose="02020603050405020304" pitchFamily="18" charset="0"/>
+            </a:endParaRPr>
+          </a:p>
+          <a:p>
+            <a:pPr>
+              <a:lnSpc>
+                <a:spcPct val="107000"/>
+              </a:lnSpc>
+              <a:tabLst>
+                <a:tab pos="581660" algn="l"/>
+                <a:tab pos="1163320" algn="l"/>
+                <a:tab pos="1744980" algn="l"/>
+                <a:tab pos="2326640" algn="l"/>
+                <a:tab pos="2908300" algn="l"/>
+                <a:tab pos="3489960" algn="l"/>
+                <a:tab pos="4071620" algn="l"/>
+                <a:tab pos="4653280" algn="l"/>
+                <a:tab pos="5234940" algn="l"/>
+                <a:tab pos="5816600" algn="l"/>
+                <a:tab pos="6398260" algn="l"/>
+                <a:tab pos="6979920" algn="l"/>
+                <a:tab pos="7561580" algn="l"/>
+                <a:tab pos="8143240" algn="l"/>
+                <a:tab pos="8724900" algn="l"/>
+                <a:tab pos="9306560" algn="l"/>
+              </a:tabLst>
+            </a:pPr>
+            <a:r>
+              <a:rPr lang="en-US" dirty="0">
+                <a:solidFill>
+                  <a:srgbClr val="000000"/>
+                </a:solidFill>
+                <a:latin typeface="Consolas" panose="020B0609020204030204" pitchFamily="49" charset="0"/>
+                <a:ea typeface="Times New Roman" panose="02020603050405020304" pitchFamily="18" charset="0"/>
+                <a:cs typeface="Times New Roman" panose="02020603050405020304" pitchFamily="18" charset="0"/>
+              </a:rPr>
+              <a:t>    </a:t>
+            </a:r>
+            <a:r>
+              <a:rPr lang="en-US" dirty="0">
+                <a:solidFill>
+                  <a:srgbClr val="0000FF"/>
+                </a:solidFill>
+                <a:latin typeface="Consolas" panose="020B0609020204030204" pitchFamily="49" charset="0"/>
+                <a:ea typeface="Times New Roman" panose="02020603050405020304" pitchFamily="18" charset="0"/>
+                <a:cs typeface="Times New Roman" panose="02020603050405020304" pitchFamily="18" charset="0"/>
+              </a:rPr>
+              <a:t>export</a:t>
+            </a:r>
+            <a:r>
+              <a:rPr lang="en-US" dirty="0">
+                <a:solidFill>
+                  <a:srgbClr val="000000"/>
+                </a:solidFill>
+                <a:latin typeface="Consolas" panose="020B0609020204030204" pitchFamily="49" charset="0"/>
+                <a:ea typeface="Times New Roman" panose="02020603050405020304" pitchFamily="18" charset="0"/>
+                <a:cs typeface="Times New Roman" panose="02020603050405020304" pitchFamily="18" charset="0"/>
+              </a:rPr>
+              <a:t> </a:t>
+            </a:r>
+            <a:r>
+              <a:rPr lang="en-US" dirty="0">
+                <a:solidFill>
+                  <a:srgbClr val="0000FF"/>
+                </a:solidFill>
+                <a:latin typeface="Consolas" panose="020B0609020204030204" pitchFamily="49" charset="0"/>
+                <a:ea typeface="Times New Roman" panose="02020603050405020304" pitchFamily="18" charset="0"/>
+                <a:cs typeface="Times New Roman" panose="02020603050405020304" pitchFamily="18" charset="0"/>
+              </a:rPr>
+              <a:t>class</a:t>
+            </a:r>
+            <a:r>
+              <a:rPr lang="en-US" dirty="0">
+                <a:solidFill>
+                  <a:srgbClr val="000000"/>
+                </a:solidFill>
+                <a:latin typeface="Consolas" panose="020B0609020204030204" pitchFamily="49" charset="0"/>
+                <a:ea typeface="Times New Roman" panose="02020603050405020304" pitchFamily="18" charset="0"/>
+                <a:cs typeface="Times New Roman" panose="02020603050405020304" pitchFamily="18" charset="0"/>
+              </a:rPr>
+              <a:t> </a:t>
+            </a:r>
+            <a:r>
+              <a:rPr lang="en-US" dirty="0" err="1">
+                <a:solidFill>
+                  <a:srgbClr val="000000"/>
+                </a:solidFill>
+                <a:latin typeface="Consolas" panose="020B0609020204030204" pitchFamily="49" charset="0"/>
+                <a:ea typeface="Times New Roman" panose="02020603050405020304" pitchFamily="18" charset="0"/>
+                <a:cs typeface="Times New Roman" panose="02020603050405020304" pitchFamily="18" charset="0"/>
+              </a:rPr>
+              <a:t>MyClass</a:t>
+            </a:r>
+            <a:r>
+              <a:rPr lang="en-US" dirty="0">
+                <a:solidFill>
+                  <a:srgbClr val="000000"/>
+                </a:solidFill>
+                <a:latin typeface="Consolas" panose="020B0609020204030204" pitchFamily="49" charset="0"/>
+                <a:ea typeface="Times New Roman" panose="02020603050405020304" pitchFamily="18" charset="0"/>
+                <a:cs typeface="Times New Roman" panose="02020603050405020304" pitchFamily="18" charset="0"/>
+              </a:rPr>
+              <a:t> {</a:t>
+            </a:r>
+            <a:endParaRPr lang="en-US" sz="2400" dirty="0">
+              <a:latin typeface="Calibri" panose="020F0502020204030204" pitchFamily="34" charset="0"/>
+              <a:ea typeface="Calibri" panose="020F0502020204030204" pitchFamily="34" charset="0"/>
+              <a:cs typeface="Times New Roman" panose="02020603050405020304" pitchFamily="18" charset="0"/>
+            </a:endParaRPr>
+          </a:p>
+          <a:p>
+            <a:pPr>
+              <a:lnSpc>
+                <a:spcPct val="107000"/>
+              </a:lnSpc>
+              <a:tabLst>
+                <a:tab pos="581660" algn="l"/>
+                <a:tab pos="1163320" algn="l"/>
+                <a:tab pos="1744980" algn="l"/>
+                <a:tab pos="2326640" algn="l"/>
+                <a:tab pos="2908300" algn="l"/>
+                <a:tab pos="3489960" algn="l"/>
+                <a:tab pos="4071620" algn="l"/>
+                <a:tab pos="4653280" algn="l"/>
+                <a:tab pos="5234940" algn="l"/>
+                <a:tab pos="5816600" algn="l"/>
+                <a:tab pos="6398260" algn="l"/>
+                <a:tab pos="6979920" algn="l"/>
+                <a:tab pos="7561580" algn="l"/>
+                <a:tab pos="8143240" algn="l"/>
+                <a:tab pos="8724900" algn="l"/>
+                <a:tab pos="9306560" algn="l"/>
+              </a:tabLst>
+            </a:pPr>
+            <a:r>
+              <a:rPr lang="en-US" dirty="0">
+                <a:solidFill>
+                  <a:srgbClr val="000000"/>
+                </a:solidFill>
+                <a:latin typeface="Consolas" panose="020B0609020204030204" pitchFamily="49" charset="0"/>
+                <a:ea typeface="Times New Roman" panose="02020603050405020304" pitchFamily="18" charset="0"/>
+                <a:cs typeface="Times New Roman" panose="02020603050405020304" pitchFamily="18" charset="0"/>
+              </a:rPr>
+              <a:t>        </a:t>
+            </a:r>
+            <a:r>
+              <a:rPr lang="en-US" dirty="0">
+                <a:solidFill>
+                  <a:srgbClr val="008000"/>
+                </a:solidFill>
+                <a:latin typeface="Consolas" panose="020B0609020204030204" pitchFamily="49" charset="0"/>
+                <a:ea typeface="Times New Roman" panose="02020603050405020304" pitchFamily="18" charset="0"/>
+                <a:cs typeface="Times New Roman" panose="02020603050405020304" pitchFamily="18" charset="0"/>
+              </a:rPr>
+              <a:t>// Declare fields</a:t>
+            </a:r>
+            <a:endParaRPr lang="en-US" sz="2400" dirty="0">
+              <a:latin typeface="Calibri" panose="020F0502020204030204" pitchFamily="34" charset="0"/>
+              <a:ea typeface="Calibri" panose="020F0502020204030204" pitchFamily="34" charset="0"/>
+              <a:cs typeface="Times New Roman" panose="02020603050405020304" pitchFamily="18" charset="0"/>
+            </a:endParaRPr>
+          </a:p>
+          <a:p>
+            <a:pPr>
+              <a:lnSpc>
+                <a:spcPct val="107000"/>
+              </a:lnSpc>
+              <a:tabLst>
+                <a:tab pos="581660" algn="l"/>
+                <a:tab pos="1163320" algn="l"/>
+                <a:tab pos="1744980" algn="l"/>
+                <a:tab pos="2326640" algn="l"/>
+                <a:tab pos="2908300" algn="l"/>
+                <a:tab pos="3489960" algn="l"/>
+                <a:tab pos="4071620" algn="l"/>
+                <a:tab pos="4653280" algn="l"/>
+                <a:tab pos="5234940" algn="l"/>
+                <a:tab pos="5816600" algn="l"/>
+                <a:tab pos="6398260" algn="l"/>
+                <a:tab pos="6979920" algn="l"/>
+                <a:tab pos="7561580" algn="l"/>
+                <a:tab pos="8143240" algn="l"/>
+                <a:tab pos="8724900" algn="l"/>
+                <a:tab pos="9306560" algn="l"/>
+              </a:tabLst>
+            </a:pPr>
+            <a:r>
+              <a:rPr lang="en-US" dirty="0">
+                <a:solidFill>
+                  <a:srgbClr val="000000"/>
+                </a:solidFill>
+                <a:latin typeface="Consolas" panose="020B0609020204030204" pitchFamily="49" charset="0"/>
+                <a:ea typeface="Times New Roman" panose="02020603050405020304" pitchFamily="18" charset="0"/>
+                <a:cs typeface="Times New Roman" panose="02020603050405020304" pitchFamily="18" charset="0"/>
+              </a:rPr>
+              <a:t>        foo = </a:t>
+            </a:r>
+            <a:r>
+              <a:rPr lang="en-US" dirty="0">
+                <a:solidFill>
+                  <a:srgbClr val="A31515"/>
+                </a:solidFill>
+                <a:latin typeface="Consolas" panose="020B0609020204030204" pitchFamily="49" charset="0"/>
+                <a:ea typeface="Times New Roman" panose="02020603050405020304" pitchFamily="18" charset="0"/>
+                <a:cs typeface="Times New Roman" panose="02020603050405020304" pitchFamily="18" charset="0"/>
+              </a:rPr>
+              <a:t>'bar'</a:t>
+            </a:r>
+            <a:r>
+              <a:rPr lang="en-US" dirty="0">
+                <a:solidFill>
+                  <a:srgbClr val="000000"/>
+                </a:solidFill>
+                <a:latin typeface="Consolas" panose="020B0609020204030204" pitchFamily="49" charset="0"/>
+                <a:ea typeface="Times New Roman" panose="02020603050405020304" pitchFamily="18" charset="0"/>
+                <a:cs typeface="Times New Roman" panose="02020603050405020304" pitchFamily="18" charset="0"/>
+              </a:rPr>
+              <a:t>;</a:t>
+            </a:r>
+            <a:endParaRPr lang="en-US" sz="2400" dirty="0">
+              <a:latin typeface="Calibri" panose="020F0502020204030204" pitchFamily="34" charset="0"/>
+              <a:ea typeface="Calibri" panose="020F0502020204030204" pitchFamily="34" charset="0"/>
+              <a:cs typeface="Times New Roman" panose="02020603050405020304" pitchFamily="18" charset="0"/>
+            </a:endParaRPr>
+          </a:p>
+          <a:p>
+            <a:pPr>
+              <a:lnSpc>
+                <a:spcPct val="107000"/>
+              </a:lnSpc>
+              <a:tabLst>
+                <a:tab pos="581660" algn="l"/>
+                <a:tab pos="1163320" algn="l"/>
+                <a:tab pos="1744980" algn="l"/>
+                <a:tab pos="2326640" algn="l"/>
+                <a:tab pos="2908300" algn="l"/>
+                <a:tab pos="3489960" algn="l"/>
+                <a:tab pos="4071620" algn="l"/>
+                <a:tab pos="4653280" algn="l"/>
+                <a:tab pos="5234940" algn="l"/>
+                <a:tab pos="5816600" algn="l"/>
+                <a:tab pos="6398260" algn="l"/>
+                <a:tab pos="6979920" algn="l"/>
+                <a:tab pos="7561580" algn="l"/>
+                <a:tab pos="8143240" algn="l"/>
+                <a:tab pos="8724900" algn="l"/>
+                <a:tab pos="9306560" algn="l"/>
+              </a:tabLst>
+            </a:pPr>
+            <a:r>
+              <a:rPr lang="en-US" dirty="0">
+                <a:solidFill>
+                  <a:srgbClr val="000000"/>
+                </a:solidFill>
+                <a:latin typeface="Consolas" panose="020B0609020204030204" pitchFamily="49" charset="0"/>
+                <a:ea typeface="Times New Roman" panose="02020603050405020304" pitchFamily="18" charset="0"/>
+                <a:cs typeface="Times New Roman" panose="02020603050405020304" pitchFamily="18" charset="0"/>
+              </a:rPr>
+              <a:t> </a:t>
+            </a:r>
+            <a:endParaRPr lang="en-US" sz="2400" dirty="0">
+              <a:latin typeface="Calibri" panose="020F0502020204030204" pitchFamily="34" charset="0"/>
+              <a:ea typeface="Calibri" panose="020F0502020204030204" pitchFamily="34" charset="0"/>
+              <a:cs typeface="Times New Roman" panose="02020603050405020304" pitchFamily="18" charset="0"/>
+            </a:endParaRPr>
+          </a:p>
+          <a:p>
+            <a:pPr>
+              <a:lnSpc>
+                <a:spcPct val="107000"/>
+              </a:lnSpc>
+              <a:tabLst>
+                <a:tab pos="581660" algn="l"/>
+                <a:tab pos="1163320" algn="l"/>
+                <a:tab pos="1744980" algn="l"/>
+                <a:tab pos="2326640" algn="l"/>
+                <a:tab pos="2908300" algn="l"/>
+                <a:tab pos="3489960" algn="l"/>
+                <a:tab pos="4071620" algn="l"/>
+                <a:tab pos="4653280" algn="l"/>
+                <a:tab pos="5234940" algn="l"/>
+                <a:tab pos="5816600" algn="l"/>
+                <a:tab pos="6398260" algn="l"/>
+                <a:tab pos="6979920" algn="l"/>
+                <a:tab pos="7561580" algn="l"/>
+                <a:tab pos="8143240" algn="l"/>
+                <a:tab pos="8724900" algn="l"/>
+                <a:tab pos="9306560" algn="l"/>
+              </a:tabLst>
+            </a:pPr>
+            <a:r>
+              <a:rPr lang="en-US" dirty="0">
+                <a:solidFill>
+                  <a:srgbClr val="000000"/>
+                </a:solidFill>
+                <a:latin typeface="Consolas" panose="020B0609020204030204" pitchFamily="49" charset="0"/>
+                <a:ea typeface="Times New Roman" panose="02020603050405020304" pitchFamily="18" charset="0"/>
+                <a:cs typeface="Times New Roman" panose="02020603050405020304" pitchFamily="18" charset="0"/>
+              </a:rPr>
+              <a:t>        </a:t>
+            </a:r>
+            <a:r>
+              <a:rPr lang="en-US" dirty="0">
+                <a:solidFill>
+                  <a:srgbClr val="0000FF"/>
+                </a:solidFill>
+                <a:latin typeface="Consolas" panose="020B0609020204030204" pitchFamily="49" charset="0"/>
+                <a:ea typeface="Times New Roman" panose="02020603050405020304" pitchFamily="18" charset="0"/>
+                <a:cs typeface="Times New Roman" panose="02020603050405020304" pitchFamily="18" charset="0"/>
+              </a:rPr>
+              <a:t>constructor</a:t>
+            </a:r>
+            <a:r>
+              <a:rPr lang="en-US" dirty="0">
+                <a:solidFill>
+                  <a:srgbClr val="000000"/>
+                </a:solidFill>
+                <a:latin typeface="Consolas" panose="020B0609020204030204" pitchFamily="49" charset="0"/>
+                <a:ea typeface="Times New Roman" panose="02020603050405020304" pitchFamily="18" charset="0"/>
+                <a:cs typeface="Times New Roman" panose="02020603050405020304" pitchFamily="18" charset="0"/>
+              </a:rPr>
+              <a:t>(</a:t>
+            </a:r>
+            <a:r>
+              <a:rPr lang="en-US" dirty="0" err="1">
+                <a:solidFill>
+                  <a:srgbClr val="000000"/>
+                </a:solidFill>
+                <a:latin typeface="Consolas" panose="020B0609020204030204" pitchFamily="49" charset="0"/>
+                <a:ea typeface="Times New Roman" panose="02020603050405020304" pitchFamily="18" charset="0"/>
+                <a:cs typeface="Times New Roman" panose="02020603050405020304" pitchFamily="18" charset="0"/>
+              </a:rPr>
+              <a:t>param</a:t>
+            </a:r>
+            <a:r>
+              <a:rPr lang="en-US" dirty="0">
+                <a:solidFill>
+                  <a:srgbClr val="000000"/>
+                </a:solidFill>
+                <a:latin typeface="Consolas" panose="020B0609020204030204" pitchFamily="49" charset="0"/>
+                <a:ea typeface="Times New Roman" panose="02020603050405020304" pitchFamily="18" charset="0"/>
+                <a:cs typeface="Times New Roman" panose="02020603050405020304" pitchFamily="18" charset="0"/>
+              </a:rPr>
+              <a:t>: </a:t>
+            </a:r>
+            <a:r>
+              <a:rPr lang="en-US" dirty="0">
+                <a:solidFill>
+                  <a:srgbClr val="0000FF"/>
+                </a:solidFill>
+                <a:latin typeface="Consolas" panose="020B0609020204030204" pitchFamily="49" charset="0"/>
+                <a:ea typeface="Times New Roman" panose="02020603050405020304" pitchFamily="18" charset="0"/>
+                <a:cs typeface="Times New Roman" panose="02020603050405020304" pitchFamily="18" charset="0"/>
+              </a:rPr>
+              <a:t>string</a:t>
+            </a:r>
+            <a:r>
+              <a:rPr lang="en-US" dirty="0">
+                <a:solidFill>
+                  <a:srgbClr val="000000"/>
+                </a:solidFill>
+                <a:latin typeface="Consolas" panose="020B0609020204030204" pitchFamily="49" charset="0"/>
+                <a:ea typeface="Times New Roman" panose="02020603050405020304" pitchFamily="18" charset="0"/>
+                <a:cs typeface="Times New Roman" panose="02020603050405020304" pitchFamily="18" charset="0"/>
+              </a:rPr>
+              <a:t>) {</a:t>
+            </a:r>
+            <a:endParaRPr lang="en-US" sz="2400" dirty="0">
+              <a:latin typeface="Calibri" panose="020F0502020204030204" pitchFamily="34" charset="0"/>
+              <a:ea typeface="Calibri" panose="020F0502020204030204" pitchFamily="34" charset="0"/>
+              <a:cs typeface="Times New Roman" panose="02020603050405020304" pitchFamily="18" charset="0"/>
+            </a:endParaRPr>
+          </a:p>
+          <a:p>
+            <a:pPr>
+              <a:lnSpc>
+                <a:spcPct val="107000"/>
+              </a:lnSpc>
+              <a:tabLst>
+                <a:tab pos="581660" algn="l"/>
+                <a:tab pos="1163320" algn="l"/>
+                <a:tab pos="1744980" algn="l"/>
+                <a:tab pos="2326640" algn="l"/>
+                <a:tab pos="2908300" algn="l"/>
+                <a:tab pos="3489960" algn="l"/>
+                <a:tab pos="4071620" algn="l"/>
+                <a:tab pos="4653280" algn="l"/>
+                <a:tab pos="5234940" algn="l"/>
+                <a:tab pos="5816600" algn="l"/>
+                <a:tab pos="6398260" algn="l"/>
+                <a:tab pos="6979920" algn="l"/>
+                <a:tab pos="7561580" algn="l"/>
+                <a:tab pos="8143240" algn="l"/>
+                <a:tab pos="8724900" algn="l"/>
+                <a:tab pos="9306560" algn="l"/>
+              </a:tabLst>
+            </a:pPr>
+            <a:r>
+              <a:rPr lang="en-US" dirty="0">
+                <a:solidFill>
+                  <a:srgbClr val="000000"/>
+                </a:solidFill>
+                <a:latin typeface="Consolas" panose="020B0609020204030204" pitchFamily="49" charset="0"/>
+                <a:ea typeface="Times New Roman" panose="02020603050405020304" pitchFamily="18" charset="0"/>
+                <a:cs typeface="Times New Roman" panose="02020603050405020304" pitchFamily="18" charset="0"/>
+              </a:rPr>
+              <a:t>            </a:t>
+            </a:r>
+            <a:r>
+              <a:rPr lang="en-US" dirty="0">
+                <a:solidFill>
+                  <a:srgbClr val="008000"/>
+                </a:solidFill>
+                <a:latin typeface="Consolas" panose="020B0609020204030204" pitchFamily="49" charset="0"/>
+                <a:ea typeface="Times New Roman" panose="02020603050405020304" pitchFamily="18" charset="0"/>
+                <a:cs typeface="Times New Roman" panose="02020603050405020304" pitchFamily="18" charset="0"/>
+              </a:rPr>
+              <a:t>// Initialize the object</a:t>
+            </a:r>
+            <a:endParaRPr lang="en-US" sz="2400" dirty="0">
+              <a:latin typeface="Calibri" panose="020F0502020204030204" pitchFamily="34" charset="0"/>
+              <a:ea typeface="Calibri" panose="020F0502020204030204" pitchFamily="34" charset="0"/>
+              <a:cs typeface="Times New Roman" panose="02020603050405020304" pitchFamily="18" charset="0"/>
+            </a:endParaRPr>
+          </a:p>
+          <a:p>
+            <a:pPr>
+              <a:lnSpc>
+                <a:spcPct val="107000"/>
+              </a:lnSpc>
+              <a:tabLst>
+                <a:tab pos="581660" algn="l"/>
+                <a:tab pos="1163320" algn="l"/>
+                <a:tab pos="1744980" algn="l"/>
+                <a:tab pos="2326640" algn="l"/>
+                <a:tab pos="2908300" algn="l"/>
+                <a:tab pos="3489960" algn="l"/>
+                <a:tab pos="4071620" algn="l"/>
+                <a:tab pos="4653280" algn="l"/>
+                <a:tab pos="5234940" algn="l"/>
+                <a:tab pos="5816600" algn="l"/>
+                <a:tab pos="6398260" algn="l"/>
+                <a:tab pos="6979920" algn="l"/>
+                <a:tab pos="7561580" algn="l"/>
+                <a:tab pos="8143240" algn="l"/>
+                <a:tab pos="8724900" algn="l"/>
+                <a:tab pos="9306560" algn="l"/>
+              </a:tabLst>
+            </a:pPr>
+            <a:r>
+              <a:rPr lang="en-US" dirty="0">
+                <a:solidFill>
+                  <a:srgbClr val="000000"/>
+                </a:solidFill>
+                <a:latin typeface="Consolas" panose="020B0609020204030204" pitchFamily="49" charset="0"/>
+                <a:ea typeface="Times New Roman" panose="02020603050405020304" pitchFamily="18" charset="0"/>
+                <a:cs typeface="Times New Roman" panose="02020603050405020304" pitchFamily="18" charset="0"/>
+              </a:rPr>
+              <a:t>        }</a:t>
+            </a:r>
+            <a:endParaRPr lang="en-US" sz="2400" dirty="0">
+              <a:latin typeface="Calibri" panose="020F0502020204030204" pitchFamily="34" charset="0"/>
+              <a:ea typeface="Calibri" panose="020F0502020204030204" pitchFamily="34" charset="0"/>
+              <a:cs typeface="Times New Roman" panose="02020603050405020304" pitchFamily="18" charset="0"/>
+            </a:endParaRPr>
+          </a:p>
+          <a:p>
+            <a:pPr>
+              <a:lnSpc>
+                <a:spcPct val="107000"/>
+              </a:lnSpc>
+              <a:tabLst>
+                <a:tab pos="581660" algn="l"/>
+                <a:tab pos="1163320" algn="l"/>
+                <a:tab pos="1744980" algn="l"/>
+                <a:tab pos="2326640" algn="l"/>
+                <a:tab pos="2908300" algn="l"/>
+                <a:tab pos="3489960" algn="l"/>
+                <a:tab pos="4071620" algn="l"/>
+                <a:tab pos="4653280" algn="l"/>
+                <a:tab pos="5234940" algn="l"/>
+                <a:tab pos="5816600" algn="l"/>
+                <a:tab pos="6398260" algn="l"/>
+                <a:tab pos="6979920" algn="l"/>
+                <a:tab pos="7561580" algn="l"/>
+                <a:tab pos="8143240" algn="l"/>
+                <a:tab pos="8724900" algn="l"/>
+                <a:tab pos="9306560" algn="l"/>
+              </a:tabLst>
+            </a:pPr>
+            <a:r>
+              <a:rPr lang="en-US" dirty="0">
+                <a:solidFill>
+                  <a:srgbClr val="000000"/>
+                </a:solidFill>
+                <a:latin typeface="Consolas" panose="020B0609020204030204" pitchFamily="49" charset="0"/>
+                <a:ea typeface="Times New Roman" panose="02020603050405020304" pitchFamily="18" charset="0"/>
+                <a:cs typeface="Times New Roman" panose="02020603050405020304" pitchFamily="18" charset="0"/>
+              </a:rPr>
+              <a:t> </a:t>
+            </a:r>
+            <a:endParaRPr lang="en-US" sz="2400" dirty="0">
+              <a:latin typeface="Calibri" panose="020F0502020204030204" pitchFamily="34" charset="0"/>
+              <a:ea typeface="Calibri" panose="020F0502020204030204" pitchFamily="34" charset="0"/>
+              <a:cs typeface="Times New Roman" panose="02020603050405020304" pitchFamily="18" charset="0"/>
+            </a:endParaRPr>
+          </a:p>
+          <a:p>
+            <a:pPr>
+              <a:lnSpc>
+                <a:spcPct val="107000"/>
+              </a:lnSpc>
+              <a:tabLst>
+                <a:tab pos="581660" algn="l"/>
+                <a:tab pos="1163320" algn="l"/>
+                <a:tab pos="1744980" algn="l"/>
+                <a:tab pos="2326640" algn="l"/>
+                <a:tab pos="2908300" algn="l"/>
+                <a:tab pos="3489960" algn="l"/>
+                <a:tab pos="4071620" algn="l"/>
+                <a:tab pos="4653280" algn="l"/>
+                <a:tab pos="5234940" algn="l"/>
+                <a:tab pos="5816600" algn="l"/>
+                <a:tab pos="6398260" algn="l"/>
+                <a:tab pos="6979920" algn="l"/>
+                <a:tab pos="7561580" algn="l"/>
+                <a:tab pos="8143240" algn="l"/>
+                <a:tab pos="8724900" algn="l"/>
+                <a:tab pos="9306560" algn="l"/>
+              </a:tabLst>
+            </a:pPr>
+            <a:r>
+              <a:rPr lang="en-US" dirty="0">
+                <a:solidFill>
+                  <a:srgbClr val="000000"/>
+                </a:solidFill>
+                <a:latin typeface="Consolas" panose="020B0609020204030204" pitchFamily="49" charset="0"/>
+                <a:ea typeface="Times New Roman" panose="02020603050405020304" pitchFamily="18" charset="0"/>
+                <a:cs typeface="Times New Roman" panose="02020603050405020304" pitchFamily="18" charset="0"/>
+              </a:rPr>
+              <a:t>        </a:t>
+            </a:r>
+            <a:r>
+              <a:rPr lang="en-US" dirty="0">
+                <a:solidFill>
+                  <a:srgbClr val="008000"/>
+                </a:solidFill>
+                <a:latin typeface="Consolas" panose="020B0609020204030204" pitchFamily="49" charset="0"/>
+                <a:ea typeface="Times New Roman" panose="02020603050405020304" pitchFamily="18" charset="0"/>
+                <a:cs typeface="Times New Roman" panose="02020603050405020304" pitchFamily="18" charset="0"/>
+              </a:rPr>
+              <a:t>// Declare methods</a:t>
+            </a:r>
+            <a:endParaRPr lang="en-US" sz="2400" dirty="0">
+              <a:latin typeface="Calibri" panose="020F0502020204030204" pitchFamily="34" charset="0"/>
+              <a:ea typeface="Calibri" panose="020F0502020204030204" pitchFamily="34" charset="0"/>
+              <a:cs typeface="Times New Roman" panose="02020603050405020304" pitchFamily="18" charset="0"/>
+            </a:endParaRPr>
+          </a:p>
+          <a:p>
+            <a:pPr>
+              <a:lnSpc>
+                <a:spcPct val="107000"/>
+              </a:lnSpc>
+              <a:tabLst>
+                <a:tab pos="581660" algn="l"/>
+                <a:tab pos="1163320" algn="l"/>
+                <a:tab pos="1744980" algn="l"/>
+                <a:tab pos="2326640" algn="l"/>
+                <a:tab pos="2908300" algn="l"/>
+                <a:tab pos="3489960" algn="l"/>
+                <a:tab pos="4071620" algn="l"/>
+                <a:tab pos="4653280" algn="l"/>
+                <a:tab pos="5234940" algn="l"/>
+                <a:tab pos="5816600" algn="l"/>
+                <a:tab pos="6398260" algn="l"/>
+                <a:tab pos="6979920" algn="l"/>
+                <a:tab pos="7561580" algn="l"/>
+                <a:tab pos="8143240" algn="l"/>
+                <a:tab pos="8724900" algn="l"/>
+                <a:tab pos="9306560" algn="l"/>
+              </a:tabLst>
+            </a:pPr>
+            <a:r>
+              <a:rPr lang="en-US" dirty="0">
+                <a:solidFill>
+                  <a:srgbClr val="000000"/>
+                </a:solidFill>
+                <a:latin typeface="Consolas" panose="020B0609020204030204" pitchFamily="49" charset="0"/>
+                <a:ea typeface="Times New Roman" panose="02020603050405020304" pitchFamily="18" charset="0"/>
+                <a:cs typeface="Times New Roman" panose="02020603050405020304" pitchFamily="18" charset="0"/>
+              </a:rPr>
+              <a:t>        </a:t>
+            </a:r>
+            <a:r>
+              <a:rPr lang="en-US" dirty="0" err="1">
+                <a:solidFill>
+                  <a:srgbClr val="000000"/>
+                </a:solidFill>
+                <a:latin typeface="Consolas" panose="020B0609020204030204" pitchFamily="49" charset="0"/>
+                <a:ea typeface="Times New Roman" panose="02020603050405020304" pitchFamily="18" charset="0"/>
+                <a:cs typeface="Times New Roman" panose="02020603050405020304" pitchFamily="18" charset="0"/>
+              </a:rPr>
+              <a:t>getFoo</a:t>
+            </a:r>
+            <a:r>
+              <a:rPr lang="en-US" dirty="0">
+                <a:solidFill>
+                  <a:srgbClr val="000000"/>
+                </a:solidFill>
+                <a:latin typeface="Consolas" panose="020B0609020204030204" pitchFamily="49" charset="0"/>
+                <a:ea typeface="Times New Roman" panose="02020603050405020304" pitchFamily="18" charset="0"/>
+                <a:cs typeface="Times New Roman" panose="02020603050405020304" pitchFamily="18" charset="0"/>
+              </a:rPr>
+              <a:t>(): </a:t>
+            </a:r>
+            <a:r>
+              <a:rPr lang="en-US" dirty="0">
+                <a:solidFill>
+                  <a:srgbClr val="0000FF"/>
+                </a:solidFill>
+                <a:latin typeface="Consolas" panose="020B0609020204030204" pitchFamily="49" charset="0"/>
+                <a:ea typeface="Times New Roman" panose="02020603050405020304" pitchFamily="18" charset="0"/>
+                <a:cs typeface="Times New Roman" panose="02020603050405020304" pitchFamily="18" charset="0"/>
+              </a:rPr>
+              <a:t>string</a:t>
+            </a:r>
+            <a:r>
+              <a:rPr lang="en-US" dirty="0">
+                <a:solidFill>
+                  <a:srgbClr val="000000"/>
+                </a:solidFill>
+                <a:latin typeface="Consolas" panose="020B0609020204030204" pitchFamily="49" charset="0"/>
+                <a:ea typeface="Times New Roman" panose="02020603050405020304" pitchFamily="18" charset="0"/>
+                <a:cs typeface="Times New Roman" panose="02020603050405020304" pitchFamily="18" charset="0"/>
+              </a:rPr>
+              <a:t> {</a:t>
+            </a:r>
+            <a:endParaRPr lang="en-US" sz="2400" dirty="0">
+              <a:latin typeface="Calibri" panose="020F0502020204030204" pitchFamily="34" charset="0"/>
+              <a:ea typeface="Calibri" panose="020F0502020204030204" pitchFamily="34" charset="0"/>
+              <a:cs typeface="Times New Roman" panose="02020603050405020304" pitchFamily="18" charset="0"/>
+            </a:endParaRPr>
+          </a:p>
+          <a:p>
+            <a:pPr>
+              <a:lnSpc>
+                <a:spcPct val="107000"/>
+              </a:lnSpc>
+              <a:tabLst>
+                <a:tab pos="581660" algn="l"/>
+                <a:tab pos="1163320" algn="l"/>
+                <a:tab pos="1744980" algn="l"/>
+                <a:tab pos="2326640" algn="l"/>
+                <a:tab pos="2908300" algn="l"/>
+                <a:tab pos="3489960" algn="l"/>
+                <a:tab pos="4071620" algn="l"/>
+                <a:tab pos="4653280" algn="l"/>
+                <a:tab pos="5234940" algn="l"/>
+                <a:tab pos="5816600" algn="l"/>
+                <a:tab pos="6398260" algn="l"/>
+                <a:tab pos="6979920" algn="l"/>
+                <a:tab pos="7561580" algn="l"/>
+                <a:tab pos="8143240" algn="l"/>
+                <a:tab pos="8724900" algn="l"/>
+                <a:tab pos="9306560" algn="l"/>
+              </a:tabLst>
+            </a:pPr>
+            <a:r>
+              <a:rPr lang="en-US" dirty="0">
+                <a:solidFill>
+                  <a:srgbClr val="000000"/>
+                </a:solidFill>
+                <a:latin typeface="Consolas" panose="020B0609020204030204" pitchFamily="49" charset="0"/>
+                <a:ea typeface="Times New Roman" panose="02020603050405020304" pitchFamily="18" charset="0"/>
+                <a:cs typeface="Times New Roman" panose="02020603050405020304" pitchFamily="18" charset="0"/>
+              </a:rPr>
+              <a:t>            </a:t>
+            </a:r>
+            <a:r>
+              <a:rPr lang="en-US" dirty="0">
+                <a:solidFill>
+                  <a:srgbClr val="0000FF"/>
+                </a:solidFill>
+                <a:latin typeface="Consolas" panose="020B0609020204030204" pitchFamily="49" charset="0"/>
+                <a:ea typeface="Times New Roman" panose="02020603050405020304" pitchFamily="18" charset="0"/>
+                <a:cs typeface="Times New Roman" panose="02020603050405020304" pitchFamily="18" charset="0"/>
+              </a:rPr>
+              <a:t>return</a:t>
+            </a:r>
+            <a:r>
+              <a:rPr lang="en-US" dirty="0">
+                <a:solidFill>
+                  <a:srgbClr val="000000"/>
+                </a:solidFill>
+                <a:latin typeface="Consolas" panose="020B0609020204030204" pitchFamily="49" charset="0"/>
+                <a:ea typeface="Times New Roman" panose="02020603050405020304" pitchFamily="18" charset="0"/>
+                <a:cs typeface="Times New Roman" panose="02020603050405020304" pitchFamily="18" charset="0"/>
+              </a:rPr>
+              <a:t> </a:t>
+            </a:r>
+            <a:r>
+              <a:rPr lang="en-US" dirty="0" err="1">
+                <a:solidFill>
+                  <a:srgbClr val="0000FF"/>
+                </a:solidFill>
+                <a:latin typeface="Consolas" panose="020B0609020204030204" pitchFamily="49" charset="0"/>
+                <a:ea typeface="Times New Roman" panose="02020603050405020304" pitchFamily="18" charset="0"/>
+                <a:cs typeface="Times New Roman" panose="02020603050405020304" pitchFamily="18" charset="0"/>
+              </a:rPr>
+              <a:t>this</a:t>
+            </a:r>
+            <a:r>
+              <a:rPr lang="en-US" dirty="0" err="1">
+                <a:solidFill>
+                  <a:srgbClr val="000000"/>
+                </a:solidFill>
+                <a:latin typeface="Consolas" panose="020B0609020204030204" pitchFamily="49" charset="0"/>
+                <a:ea typeface="Times New Roman" panose="02020603050405020304" pitchFamily="18" charset="0"/>
+                <a:cs typeface="Times New Roman" panose="02020603050405020304" pitchFamily="18" charset="0"/>
+              </a:rPr>
+              <a:t>.foo</a:t>
+            </a:r>
+            <a:r>
+              <a:rPr lang="en-US" dirty="0">
+                <a:solidFill>
+                  <a:srgbClr val="000000"/>
+                </a:solidFill>
+                <a:latin typeface="Consolas" panose="020B0609020204030204" pitchFamily="49" charset="0"/>
+                <a:ea typeface="Times New Roman" panose="02020603050405020304" pitchFamily="18" charset="0"/>
+                <a:cs typeface="Times New Roman" panose="02020603050405020304" pitchFamily="18" charset="0"/>
+              </a:rPr>
+              <a:t>;</a:t>
+            </a:r>
+            <a:endParaRPr lang="en-US" sz="2400" dirty="0">
+              <a:latin typeface="Calibri" panose="020F0502020204030204" pitchFamily="34" charset="0"/>
+              <a:ea typeface="Calibri" panose="020F0502020204030204" pitchFamily="34" charset="0"/>
+              <a:cs typeface="Times New Roman" panose="02020603050405020304" pitchFamily="18" charset="0"/>
+            </a:endParaRPr>
+          </a:p>
+          <a:p>
+            <a:pPr>
+              <a:lnSpc>
+                <a:spcPct val="107000"/>
+              </a:lnSpc>
+              <a:tabLst>
+                <a:tab pos="581660" algn="l"/>
+                <a:tab pos="1163320" algn="l"/>
+                <a:tab pos="1744980" algn="l"/>
+                <a:tab pos="2326640" algn="l"/>
+                <a:tab pos="2908300" algn="l"/>
+                <a:tab pos="3489960" algn="l"/>
+                <a:tab pos="4071620" algn="l"/>
+                <a:tab pos="4653280" algn="l"/>
+                <a:tab pos="5234940" algn="l"/>
+                <a:tab pos="5816600" algn="l"/>
+                <a:tab pos="6398260" algn="l"/>
+                <a:tab pos="6979920" algn="l"/>
+                <a:tab pos="7561580" algn="l"/>
+                <a:tab pos="8143240" algn="l"/>
+                <a:tab pos="8724900" algn="l"/>
+                <a:tab pos="9306560" algn="l"/>
+              </a:tabLst>
+            </a:pPr>
+            <a:r>
+              <a:rPr lang="en-US" dirty="0">
+                <a:solidFill>
+                  <a:srgbClr val="000000"/>
+                </a:solidFill>
+                <a:latin typeface="Consolas" panose="020B0609020204030204" pitchFamily="49" charset="0"/>
+                <a:ea typeface="Times New Roman" panose="02020603050405020304" pitchFamily="18" charset="0"/>
+                <a:cs typeface="Times New Roman" panose="02020603050405020304" pitchFamily="18" charset="0"/>
+              </a:rPr>
+              <a:t>        }</a:t>
+            </a:r>
+            <a:endParaRPr lang="en-US" sz="2400" dirty="0">
+              <a:latin typeface="Calibri" panose="020F0502020204030204" pitchFamily="34" charset="0"/>
+              <a:ea typeface="Calibri" panose="020F0502020204030204" pitchFamily="34" charset="0"/>
+              <a:cs typeface="Times New Roman" panose="02020603050405020304" pitchFamily="18" charset="0"/>
+            </a:endParaRPr>
+          </a:p>
+          <a:p>
+            <a:pPr>
+              <a:lnSpc>
+                <a:spcPct val="107000"/>
+              </a:lnSpc>
+              <a:tabLst>
+                <a:tab pos="581660" algn="l"/>
+                <a:tab pos="1163320" algn="l"/>
+                <a:tab pos="1744980" algn="l"/>
+                <a:tab pos="2326640" algn="l"/>
+                <a:tab pos="2908300" algn="l"/>
+                <a:tab pos="3489960" algn="l"/>
+                <a:tab pos="4071620" algn="l"/>
+                <a:tab pos="4653280" algn="l"/>
+                <a:tab pos="5234940" algn="l"/>
+                <a:tab pos="5816600" algn="l"/>
+                <a:tab pos="6398260" algn="l"/>
+                <a:tab pos="6979920" algn="l"/>
+                <a:tab pos="7561580" algn="l"/>
+                <a:tab pos="8143240" algn="l"/>
+                <a:tab pos="8724900" algn="l"/>
+                <a:tab pos="9306560" algn="l"/>
+              </a:tabLst>
+            </a:pPr>
+            <a:r>
+              <a:rPr lang="en-US" dirty="0">
+                <a:solidFill>
+                  <a:srgbClr val="000000"/>
+                </a:solidFill>
+                <a:latin typeface="Consolas" panose="020B0609020204030204" pitchFamily="49" charset="0"/>
+                <a:ea typeface="Times New Roman" panose="02020603050405020304" pitchFamily="18" charset="0"/>
+                <a:cs typeface="Times New Roman" panose="02020603050405020304" pitchFamily="18" charset="0"/>
+              </a:rPr>
+              <a:t>    }</a:t>
+            </a:r>
+            <a:endParaRPr lang="en-US" sz="2400" dirty="0">
+              <a:latin typeface="Calibri" panose="020F0502020204030204" pitchFamily="34" charset="0"/>
+              <a:ea typeface="Calibri" panose="020F0502020204030204" pitchFamily="34" charset="0"/>
+              <a:cs typeface="Times New Roman" panose="02020603050405020304" pitchFamily="18" charset="0"/>
+            </a:endParaRPr>
+          </a:p>
+          <a:p>
+            <a:pPr>
+              <a:lnSpc>
+                <a:spcPct val="107000"/>
+              </a:lnSpc>
+              <a:tabLst>
+                <a:tab pos="581660" algn="l"/>
+                <a:tab pos="1163320" algn="l"/>
+                <a:tab pos="1744980" algn="l"/>
+                <a:tab pos="2326640" algn="l"/>
+                <a:tab pos="2908300" algn="l"/>
+                <a:tab pos="3489960" algn="l"/>
+                <a:tab pos="4071620" algn="l"/>
+                <a:tab pos="4653280" algn="l"/>
+                <a:tab pos="5234940" algn="l"/>
+                <a:tab pos="5816600" algn="l"/>
+                <a:tab pos="6398260" algn="l"/>
+                <a:tab pos="6979920" algn="l"/>
+                <a:tab pos="7561580" algn="l"/>
+                <a:tab pos="8143240" algn="l"/>
+                <a:tab pos="8724900" algn="l"/>
+                <a:tab pos="9306560" algn="l"/>
+              </a:tabLst>
+            </a:pPr>
+            <a:r>
+              <a:rPr lang="en-US" dirty="0">
+                <a:solidFill>
+                  <a:srgbClr val="000000"/>
+                </a:solidFill>
+                <a:latin typeface="Consolas" panose="020B0609020204030204" pitchFamily="49" charset="0"/>
+                <a:ea typeface="Times New Roman" panose="02020603050405020304" pitchFamily="18" charset="0"/>
+                <a:cs typeface="Times New Roman" panose="02020603050405020304" pitchFamily="18" charset="0"/>
+              </a:rPr>
+              <a:t>}</a:t>
+            </a:r>
+            <a:endParaRPr lang="en-US" sz="2400" dirty="0">
+              <a:latin typeface="Calibri" panose="020F0502020204030204" pitchFamily="34" charset="0"/>
+              <a:ea typeface="Calibri" panose="020F0502020204030204" pitchFamily="34" charset="0"/>
+              <a:cs typeface="Times New Roman" panose="02020603050405020304" pitchFamily="18" charset="0"/>
+            </a:endParaRPr>
+          </a:p>
+          <a:p>
+            <a:pPr>
+              <a:lnSpc>
+                <a:spcPct val="107000"/>
+              </a:lnSpc>
+              <a:spcAft>
+                <a:spcPts val="800"/>
+              </a:spcAft>
+            </a:pPr>
+            <a:r>
+              <a:rPr lang="en-US" sz="2400" dirty="0">
+                <a:latin typeface="Calibri" panose="020F0502020204030204" pitchFamily="34" charset="0"/>
+                <a:ea typeface="Calibri" panose="020F0502020204030204" pitchFamily="34" charset="0"/>
+                <a:cs typeface="Times New Roman" panose="02020603050405020304" pitchFamily="18" charset="0"/>
+              </a:rPr>
+              <a:t> </a:t>
+            </a:r>
+            <a:endParaRPr lang="en-US" sz="2400" dirty="0">
+              <a:effectLst/>
+              <a:latin typeface="Calibri" panose="020F0502020204030204" pitchFamily="34" charset="0"/>
+              <a:ea typeface="Calibri" panose="020F0502020204030204" pitchFamily="34" charset="0"/>
+              <a:cs typeface="Times New Roman" panose="02020603050405020304" pitchFamily="18" charset="0"/>
+            </a:endParaRPr>
+          </a:p>
+        </p:txBody>
+      </p:sp>
+    </p:spTree>
+    <p:extLst>
+      <p:ext uri="{BB962C8B-B14F-4D97-AF65-F5344CB8AC3E}">
+        <p14:creationId xmlns:p14="http://schemas.microsoft.com/office/powerpoint/2010/main" val="3491719615"/>
+      </p:ext>
+    </p:extLst>
+  </p:cSld>
+  <p:clrMapOvr>
+    <a:masterClrMapping/>
+  </p:clrMapOvr>
+</p:sld>
+</file>
+
+<file path=ppt/slides/slide22.xml><?xml version="1.0" encoding="utf-8"?>
+<p:sld xmlns:a="http://schemas.openxmlformats.org/drawingml/2006/main" xmlns:r="http://schemas.openxmlformats.org/officeDocument/2006/relationships" xmlns:p="http://schemas.openxmlformats.org/presentationml/2006/main">
+  <p:cSld>
+    <p:spTree>
+      <p:nvGrpSpPr>
+        <p:cNvPr id="1" name=""/>
+        <p:cNvGrpSpPr/>
+        <p:nvPr/>
+      </p:nvGrpSpPr>
+      <p:grpSpPr>
+        <a:xfrm>
+          <a:off x="0" y="0"/>
+          <a:ext cx="0" cy="0"/>
+          <a:chOff x="0" y="0"/>
+          <a:chExt cx="0" cy="0"/>
+        </a:xfrm>
+      </p:grpSpPr>
+      <p:sp>
+        <p:nvSpPr>
+          <p:cNvPr id="2" name="Title 1"/>
+          <p:cNvSpPr>
+            <a:spLocks noGrp="1"/>
+          </p:cNvSpPr>
+          <p:nvPr>
+            <p:ph type="title"/>
+          </p:nvPr>
+        </p:nvSpPr>
+        <p:spPr/>
+        <p:txBody>
+          <a:bodyPr/>
+          <a:lstStyle/>
+          <a:p>
+            <a:r>
+              <a:rPr lang="en-US" dirty="0" smtClean="0"/>
+              <a:t>Classes</a:t>
+            </a:r>
+            <a:endParaRPr lang="en-US" dirty="0"/>
+          </a:p>
+        </p:txBody>
+      </p:sp>
+      <p:sp>
+        <p:nvSpPr>
+          <p:cNvPr id="3" name="Content Placeholder 2"/>
+          <p:cNvSpPr>
+            <a:spLocks noGrp="1"/>
+          </p:cNvSpPr>
+          <p:nvPr>
+            <p:ph idx="1"/>
+          </p:nvPr>
+        </p:nvSpPr>
+        <p:spPr>
+          <a:xfrm>
+            <a:off x="677334" y="1600201"/>
+            <a:ext cx="8596668" cy="4441162"/>
+          </a:xfrm>
+        </p:spPr>
+        <p:txBody>
+          <a:bodyPr/>
+          <a:lstStyle/>
+          <a:p>
+            <a:r>
+              <a:rPr lang="en-US" dirty="0" smtClean="0"/>
+              <a:t>Compiles to:</a:t>
+            </a:r>
+            <a:endParaRPr lang="en-US" dirty="0"/>
+          </a:p>
+        </p:txBody>
+      </p:sp>
+      <p:sp>
+        <p:nvSpPr>
+          <p:cNvPr id="6" name="Rectangle 5"/>
+          <p:cNvSpPr/>
+          <p:nvPr/>
+        </p:nvSpPr>
+        <p:spPr>
+          <a:xfrm>
+            <a:off x="933450" y="1930400"/>
+            <a:ext cx="7905750" cy="4834144"/>
+          </a:xfrm>
+          <a:prstGeom prst="rect">
+            <a:avLst/>
+          </a:prstGeom>
+        </p:spPr>
+        <p:txBody>
+          <a:bodyPr wrap="square">
+            <a:spAutoFit/>
+          </a:bodyPr>
+          <a:lstStyle/>
+          <a:p>
+            <a:pPr>
+              <a:lnSpc>
+                <a:spcPct val="107000"/>
+              </a:lnSpc>
+              <a:tabLst>
+                <a:tab pos="581660" algn="l"/>
+                <a:tab pos="1163320" algn="l"/>
+                <a:tab pos="1744980" algn="l"/>
+                <a:tab pos="2326640" algn="l"/>
+                <a:tab pos="2908300" algn="l"/>
+                <a:tab pos="3489960" algn="l"/>
+                <a:tab pos="4071620" algn="l"/>
+                <a:tab pos="4653280" algn="l"/>
+                <a:tab pos="5234940" algn="l"/>
+                <a:tab pos="5816600" algn="l"/>
+                <a:tab pos="6398260" algn="l"/>
+                <a:tab pos="6979920" algn="l"/>
+                <a:tab pos="7561580" algn="l"/>
+                <a:tab pos="8143240" algn="l"/>
+                <a:tab pos="8724900" algn="l"/>
+                <a:tab pos="9306560" algn="l"/>
+              </a:tabLst>
+            </a:pPr>
+            <a:r>
+              <a:rPr lang="en-US" dirty="0" err="1">
+                <a:solidFill>
+                  <a:srgbClr val="0000FF"/>
+                </a:solidFill>
+                <a:latin typeface="Consolas" panose="020B0609020204030204" pitchFamily="49" charset="0"/>
+                <a:ea typeface="Times New Roman" panose="02020603050405020304" pitchFamily="18" charset="0"/>
+                <a:cs typeface="Times New Roman" panose="02020603050405020304" pitchFamily="18" charset="0"/>
+              </a:rPr>
+              <a:t>var</a:t>
+            </a:r>
+            <a:r>
+              <a:rPr lang="en-US" dirty="0">
+                <a:solidFill>
+                  <a:srgbClr val="000000"/>
+                </a:solidFill>
+                <a:latin typeface="Consolas" panose="020B0609020204030204" pitchFamily="49" charset="0"/>
+                <a:ea typeface="Times New Roman" panose="02020603050405020304" pitchFamily="18" charset="0"/>
+                <a:cs typeface="Times New Roman" panose="02020603050405020304" pitchFamily="18" charset="0"/>
+              </a:rPr>
+              <a:t> a;</a:t>
+            </a:r>
+            <a:endParaRPr lang="en-US" sz="2400" dirty="0">
+              <a:latin typeface="Calibri" panose="020F0502020204030204" pitchFamily="34" charset="0"/>
+              <a:ea typeface="Calibri" panose="020F0502020204030204" pitchFamily="34" charset="0"/>
+              <a:cs typeface="Times New Roman" panose="02020603050405020304" pitchFamily="18" charset="0"/>
+            </a:endParaRPr>
+          </a:p>
+          <a:p>
+            <a:pPr>
+              <a:lnSpc>
+                <a:spcPct val="107000"/>
+              </a:lnSpc>
+              <a:tabLst>
+                <a:tab pos="581660" algn="l"/>
+                <a:tab pos="1163320" algn="l"/>
+                <a:tab pos="1744980" algn="l"/>
+                <a:tab pos="2326640" algn="l"/>
+                <a:tab pos="2908300" algn="l"/>
+                <a:tab pos="3489960" algn="l"/>
+                <a:tab pos="4071620" algn="l"/>
+                <a:tab pos="4653280" algn="l"/>
+                <a:tab pos="5234940" algn="l"/>
+                <a:tab pos="5816600" algn="l"/>
+                <a:tab pos="6398260" algn="l"/>
+                <a:tab pos="6979920" algn="l"/>
+                <a:tab pos="7561580" algn="l"/>
+                <a:tab pos="8143240" algn="l"/>
+                <a:tab pos="8724900" algn="l"/>
+                <a:tab pos="9306560" algn="l"/>
+              </a:tabLst>
+            </a:pPr>
+            <a:r>
+              <a:rPr lang="en-US" dirty="0">
+                <a:solidFill>
+                  <a:srgbClr val="000000"/>
+                </a:solidFill>
+                <a:latin typeface="Consolas" panose="020B0609020204030204" pitchFamily="49" charset="0"/>
+                <a:ea typeface="Times New Roman" panose="02020603050405020304" pitchFamily="18" charset="0"/>
+                <a:cs typeface="Times New Roman" panose="02020603050405020304" pitchFamily="18" charset="0"/>
+              </a:rPr>
+              <a:t>(</a:t>
+            </a:r>
+            <a:r>
+              <a:rPr lang="en-US" dirty="0">
+                <a:solidFill>
+                  <a:srgbClr val="0000FF"/>
+                </a:solidFill>
+                <a:latin typeface="Consolas" panose="020B0609020204030204" pitchFamily="49" charset="0"/>
+                <a:ea typeface="Times New Roman" panose="02020603050405020304" pitchFamily="18" charset="0"/>
+                <a:cs typeface="Times New Roman" panose="02020603050405020304" pitchFamily="18" charset="0"/>
+              </a:rPr>
+              <a:t>function</a:t>
+            </a:r>
+            <a:r>
+              <a:rPr lang="en-US" dirty="0">
+                <a:solidFill>
+                  <a:srgbClr val="000000"/>
+                </a:solidFill>
+                <a:latin typeface="Consolas" panose="020B0609020204030204" pitchFamily="49" charset="0"/>
+                <a:ea typeface="Times New Roman" panose="02020603050405020304" pitchFamily="18" charset="0"/>
+                <a:cs typeface="Times New Roman" panose="02020603050405020304" pitchFamily="18" charset="0"/>
+              </a:rPr>
+              <a:t> (a) {</a:t>
+            </a:r>
+            <a:endParaRPr lang="en-US" sz="2400" dirty="0">
+              <a:latin typeface="Calibri" panose="020F0502020204030204" pitchFamily="34" charset="0"/>
+              <a:ea typeface="Calibri" panose="020F0502020204030204" pitchFamily="34" charset="0"/>
+              <a:cs typeface="Times New Roman" panose="02020603050405020304" pitchFamily="18" charset="0"/>
+            </a:endParaRPr>
+          </a:p>
+          <a:p>
+            <a:pPr>
+              <a:lnSpc>
+                <a:spcPct val="107000"/>
+              </a:lnSpc>
+              <a:tabLst>
+                <a:tab pos="581660" algn="l"/>
+                <a:tab pos="1163320" algn="l"/>
+                <a:tab pos="1744980" algn="l"/>
+                <a:tab pos="2326640" algn="l"/>
+                <a:tab pos="2908300" algn="l"/>
+                <a:tab pos="3489960" algn="l"/>
+                <a:tab pos="4071620" algn="l"/>
+                <a:tab pos="4653280" algn="l"/>
+                <a:tab pos="5234940" algn="l"/>
+                <a:tab pos="5816600" algn="l"/>
+                <a:tab pos="6398260" algn="l"/>
+                <a:tab pos="6979920" algn="l"/>
+                <a:tab pos="7561580" algn="l"/>
+                <a:tab pos="8143240" algn="l"/>
+                <a:tab pos="8724900" algn="l"/>
+                <a:tab pos="9306560" algn="l"/>
+              </a:tabLst>
+            </a:pPr>
+            <a:r>
+              <a:rPr lang="en-US" dirty="0">
+                <a:solidFill>
+                  <a:srgbClr val="000000"/>
+                </a:solidFill>
+                <a:latin typeface="Consolas" panose="020B0609020204030204" pitchFamily="49" charset="0"/>
+                <a:ea typeface="Times New Roman" panose="02020603050405020304" pitchFamily="18" charset="0"/>
+                <a:cs typeface="Times New Roman" panose="02020603050405020304" pitchFamily="18" charset="0"/>
+              </a:rPr>
+              <a:t>    </a:t>
+            </a:r>
+            <a:r>
+              <a:rPr lang="en-US" dirty="0" err="1">
+                <a:solidFill>
+                  <a:srgbClr val="0000FF"/>
+                </a:solidFill>
+                <a:latin typeface="Consolas" panose="020B0609020204030204" pitchFamily="49" charset="0"/>
+                <a:ea typeface="Times New Roman" panose="02020603050405020304" pitchFamily="18" charset="0"/>
+                <a:cs typeface="Times New Roman" panose="02020603050405020304" pitchFamily="18" charset="0"/>
+              </a:rPr>
+              <a:t>var</a:t>
+            </a:r>
+            <a:r>
+              <a:rPr lang="en-US" dirty="0">
+                <a:solidFill>
+                  <a:srgbClr val="000000"/>
+                </a:solidFill>
+                <a:latin typeface="Consolas" panose="020B0609020204030204" pitchFamily="49" charset="0"/>
+                <a:ea typeface="Times New Roman" panose="02020603050405020304" pitchFamily="18" charset="0"/>
+                <a:cs typeface="Times New Roman" panose="02020603050405020304" pitchFamily="18" charset="0"/>
+              </a:rPr>
+              <a:t> </a:t>
+            </a:r>
+            <a:r>
+              <a:rPr lang="en-US" dirty="0" err="1">
+                <a:solidFill>
+                  <a:srgbClr val="000000"/>
+                </a:solidFill>
+                <a:latin typeface="Consolas" panose="020B0609020204030204" pitchFamily="49" charset="0"/>
+                <a:ea typeface="Times New Roman" panose="02020603050405020304" pitchFamily="18" charset="0"/>
+                <a:cs typeface="Times New Roman" panose="02020603050405020304" pitchFamily="18" charset="0"/>
+              </a:rPr>
+              <a:t>MyClass</a:t>
+            </a:r>
+            <a:r>
+              <a:rPr lang="en-US" dirty="0">
+                <a:solidFill>
+                  <a:srgbClr val="000000"/>
+                </a:solidFill>
+                <a:latin typeface="Consolas" panose="020B0609020204030204" pitchFamily="49" charset="0"/>
+                <a:ea typeface="Times New Roman" panose="02020603050405020304" pitchFamily="18" charset="0"/>
+                <a:cs typeface="Times New Roman" panose="02020603050405020304" pitchFamily="18" charset="0"/>
+              </a:rPr>
+              <a:t> = (</a:t>
+            </a:r>
+            <a:r>
+              <a:rPr lang="en-US" dirty="0">
+                <a:solidFill>
+                  <a:srgbClr val="0000FF"/>
+                </a:solidFill>
+                <a:latin typeface="Consolas" panose="020B0609020204030204" pitchFamily="49" charset="0"/>
+                <a:ea typeface="Times New Roman" panose="02020603050405020304" pitchFamily="18" charset="0"/>
+                <a:cs typeface="Times New Roman" panose="02020603050405020304" pitchFamily="18" charset="0"/>
+              </a:rPr>
+              <a:t>function</a:t>
+            </a:r>
+            <a:r>
+              <a:rPr lang="en-US" dirty="0">
+                <a:solidFill>
+                  <a:srgbClr val="000000"/>
+                </a:solidFill>
+                <a:latin typeface="Consolas" panose="020B0609020204030204" pitchFamily="49" charset="0"/>
+                <a:ea typeface="Times New Roman" panose="02020603050405020304" pitchFamily="18" charset="0"/>
+                <a:cs typeface="Times New Roman" panose="02020603050405020304" pitchFamily="18" charset="0"/>
+              </a:rPr>
+              <a:t> () {</a:t>
+            </a:r>
+            <a:endParaRPr lang="en-US" sz="2400" dirty="0">
+              <a:latin typeface="Calibri" panose="020F0502020204030204" pitchFamily="34" charset="0"/>
+              <a:ea typeface="Calibri" panose="020F0502020204030204" pitchFamily="34" charset="0"/>
+              <a:cs typeface="Times New Roman" panose="02020603050405020304" pitchFamily="18" charset="0"/>
+            </a:endParaRPr>
+          </a:p>
+          <a:p>
+            <a:pPr>
+              <a:lnSpc>
+                <a:spcPct val="107000"/>
+              </a:lnSpc>
+              <a:tabLst>
+                <a:tab pos="581660" algn="l"/>
+                <a:tab pos="1163320" algn="l"/>
+                <a:tab pos="1744980" algn="l"/>
+                <a:tab pos="2326640" algn="l"/>
+                <a:tab pos="2908300" algn="l"/>
+                <a:tab pos="3489960" algn="l"/>
+                <a:tab pos="4071620" algn="l"/>
+                <a:tab pos="4653280" algn="l"/>
+                <a:tab pos="5234940" algn="l"/>
+                <a:tab pos="5816600" algn="l"/>
+                <a:tab pos="6398260" algn="l"/>
+                <a:tab pos="6979920" algn="l"/>
+                <a:tab pos="7561580" algn="l"/>
+                <a:tab pos="8143240" algn="l"/>
+                <a:tab pos="8724900" algn="l"/>
+                <a:tab pos="9306560" algn="l"/>
+              </a:tabLst>
+            </a:pPr>
+            <a:r>
+              <a:rPr lang="en-US" dirty="0">
+                <a:solidFill>
+                  <a:srgbClr val="000000"/>
+                </a:solidFill>
+                <a:latin typeface="Consolas" panose="020B0609020204030204" pitchFamily="49" charset="0"/>
+                <a:ea typeface="Times New Roman" panose="02020603050405020304" pitchFamily="18" charset="0"/>
+                <a:cs typeface="Times New Roman" panose="02020603050405020304" pitchFamily="18" charset="0"/>
+              </a:rPr>
+              <a:t>        </a:t>
+            </a:r>
+            <a:r>
+              <a:rPr lang="en-US" dirty="0">
+                <a:solidFill>
+                  <a:srgbClr val="0000FF"/>
+                </a:solidFill>
+                <a:latin typeface="Consolas" panose="020B0609020204030204" pitchFamily="49" charset="0"/>
+                <a:ea typeface="Times New Roman" panose="02020603050405020304" pitchFamily="18" charset="0"/>
+                <a:cs typeface="Times New Roman" panose="02020603050405020304" pitchFamily="18" charset="0"/>
+              </a:rPr>
+              <a:t>function</a:t>
+            </a:r>
+            <a:r>
+              <a:rPr lang="en-US" dirty="0">
+                <a:solidFill>
+                  <a:srgbClr val="000000"/>
+                </a:solidFill>
+                <a:latin typeface="Consolas" panose="020B0609020204030204" pitchFamily="49" charset="0"/>
+                <a:ea typeface="Times New Roman" panose="02020603050405020304" pitchFamily="18" charset="0"/>
+                <a:cs typeface="Times New Roman" panose="02020603050405020304" pitchFamily="18" charset="0"/>
+              </a:rPr>
+              <a:t> </a:t>
+            </a:r>
+            <a:r>
+              <a:rPr lang="en-US" dirty="0" err="1">
+                <a:solidFill>
+                  <a:srgbClr val="000000"/>
+                </a:solidFill>
+                <a:latin typeface="Consolas" panose="020B0609020204030204" pitchFamily="49" charset="0"/>
+                <a:ea typeface="Times New Roman" panose="02020603050405020304" pitchFamily="18" charset="0"/>
+                <a:cs typeface="Times New Roman" panose="02020603050405020304" pitchFamily="18" charset="0"/>
+              </a:rPr>
+              <a:t>MyClass</a:t>
+            </a:r>
+            <a:r>
+              <a:rPr lang="en-US" dirty="0">
+                <a:solidFill>
+                  <a:srgbClr val="000000"/>
+                </a:solidFill>
+                <a:latin typeface="Consolas" panose="020B0609020204030204" pitchFamily="49" charset="0"/>
+                <a:ea typeface="Times New Roman" panose="02020603050405020304" pitchFamily="18" charset="0"/>
+                <a:cs typeface="Times New Roman" panose="02020603050405020304" pitchFamily="18" charset="0"/>
+              </a:rPr>
+              <a:t>(</a:t>
+            </a:r>
+            <a:r>
+              <a:rPr lang="en-US" dirty="0" err="1">
+                <a:solidFill>
+                  <a:srgbClr val="000000"/>
+                </a:solidFill>
+                <a:latin typeface="Consolas" panose="020B0609020204030204" pitchFamily="49" charset="0"/>
+                <a:ea typeface="Times New Roman" panose="02020603050405020304" pitchFamily="18" charset="0"/>
+                <a:cs typeface="Times New Roman" panose="02020603050405020304" pitchFamily="18" charset="0"/>
+              </a:rPr>
+              <a:t>param</a:t>
+            </a:r>
+            <a:r>
+              <a:rPr lang="en-US" dirty="0">
+                <a:solidFill>
+                  <a:srgbClr val="000000"/>
+                </a:solidFill>
+                <a:latin typeface="Consolas" panose="020B0609020204030204" pitchFamily="49" charset="0"/>
+                <a:ea typeface="Times New Roman" panose="02020603050405020304" pitchFamily="18" charset="0"/>
+                <a:cs typeface="Times New Roman" panose="02020603050405020304" pitchFamily="18" charset="0"/>
+              </a:rPr>
+              <a:t>) {</a:t>
+            </a:r>
+            <a:endParaRPr lang="en-US" sz="2400" dirty="0">
+              <a:latin typeface="Calibri" panose="020F0502020204030204" pitchFamily="34" charset="0"/>
+              <a:ea typeface="Calibri" panose="020F0502020204030204" pitchFamily="34" charset="0"/>
+              <a:cs typeface="Times New Roman" panose="02020603050405020304" pitchFamily="18" charset="0"/>
+            </a:endParaRPr>
+          </a:p>
+          <a:p>
+            <a:pPr>
+              <a:lnSpc>
+                <a:spcPct val="107000"/>
+              </a:lnSpc>
+              <a:tabLst>
+                <a:tab pos="581660" algn="l"/>
+                <a:tab pos="1163320" algn="l"/>
+                <a:tab pos="1744980" algn="l"/>
+                <a:tab pos="2326640" algn="l"/>
+                <a:tab pos="2908300" algn="l"/>
+                <a:tab pos="3489960" algn="l"/>
+                <a:tab pos="4071620" algn="l"/>
+                <a:tab pos="4653280" algn="l"/>
+                <a:tab pos="5234940" algn="l"/>
+                <a:tab pos="5816600" algn="l"/>
+                <a:tab pos="6398260" algn="l"/>
+                <a:tab pos="6979920" algn="l"/>
+                <a:tab pos="7561580" algn="l"/>
+                <a:tab pos="8143240" algn="l"/>
+                <a:tab pos="8724900" algn="l"/>
+                <a:tab pos="9306560" algn="l"/>
+              </a:tabLst>
+            </a:pPr>
+            <a:r>
+              <a:rPr lang="en-US" dirty="0">
+                <a:solidFill>
+                  <a:srgbClr val="000000"/>
+                </a:solidFill>
+                <a:latin typeface="Consolas" panose="020B0609020204030204" pitchFamily="49" charset="0"/>
+                <a:ea typeface="Times New Roman" panose="02020603050405020304" pitchFamily="18" charset="0"/>
+                <a:cs typeface="Times New Roman" panose="02020603050405020304" pitchFamily="18" charset="0"/>
+              </a:rPr>
+              <a:t>            </a:t>
+            </a:r>
+            <a:r>
+              <a:rPr lang="en-US" dirty="0">
+                <a:solidFill>
+                  <a:srgbClr val="008000"/>
+                </a:solidFill>
+                <a:latin typeface="Consolas" panose="020B0609020204030204" pitchFamily="49" charset="0"/>
+                <a:ea typeface="Times New Roman" panose="02020603050405020304" pitchFamily="18" charset="0"/>
+                <a:cs typeface="Times New Roman" panose="02020603050405020304" pitchFamily="18" charset="0"/>
+              </a:rPr>
+              <a:t>// Declare fields</a:t>
+            </a:r>
+            <a:endParaRPr lang="en-US" sz="2400" dirty="0">
+              <a:latin typeface="Calibri" panose="020F0502020204030204" pitchFamily="34" charset="0"/>
+              <a:ea typeface="Calibri" panose="020F0502020204030204" pitchFamily="34" charset="0"/>
+              <a:cs typeface="Times New Roman" panose="02020603050405020304" pitchFamily="18" charset="0"/>
+            </a:endParaRPr>
+          </a:p>
+          <a:p>
+            <a:pPr>
+              <a:lnSpc>
+                <a:spcPct val="107000"/>
+              </a:lnSpc>
+              <a:tabLst>
+                <a:tab pos="581660" algn="l"/>
+                <a:tab pos="1163320" algn="l"/>
+                <a:tab pos="1744980" algn="l"/>
+                <a:tab pos="2326640" algn="l"/>
+                <a:tab pos="2908300" algn="l"/>
+                <a:tab pos="3489960" algn="l"/>
+                <a:tab pos="4071620" algn="l"/>
+                <a:tab pos="4653280" algn="l"/>
+                <a:tab pos="5234940" algn="l"/>
+                <a:tab pos="5816600" algn="l"/>
+                <a:tab pos="6398260" algn="l"/>
+                <a:tab pos="6979920" algn="l"/>
+                <a:tab pos="7561580" algn="l"/>
+                <a:tab pos="8143240" algn="l"/>
+                <a:tab pos="8724900" algn="l"/>
+                <a:tab pos="9306560" algn="l"/>
+              </a:tabLst>
+            </a:pPr>
+            <a:r>
+              <a:rPr lang="en-US" dirty="0">
+                <a:solidFill>
+                  <a:srgbClr val="000000"/>
+                </a:solidFill>
+                <a:latin typeface="Consolas" panose="020B0609020204030204" pitchFamily="49" charset="0"/>
+                <a:ea typeface="Times New Roman" panose="02020603050405020304" pitchFamily="18" charset="0"/>
+                <a:cs typeface="Times New Roman" panose="02020603050405020304" pitchFamily="18" charset="0"/>
+              </a:rPr>
+              <a:t>            </a:t>
+            </a:r>
+            <a:r>
+              <a:rPr lang="en-US" dirty="0" err="1">
+                <a:solidFill>
+                  <a:srgbClr val="0000FF"/>
+                </a:solidFill>
+                <a:latin typeface="Consolas" panose="020B0609020204030204" pitchFamily="49" charset="0"/>
+                <a:ea typeface="Times New Roman" panose="02020603050405020304" pitchFamily="18" charset="0"/>
+                <a:cs typeface="Times New Roman" panose="02020603050405020304" pitchFamily="18" charset="0"/>
+              </a:rPr>
+              <a:t>this</a:t>
+            </a:r>
+            <a:r>
+              <a:rPr lang="en-US" dirty="0" err="1">
+                <a:solidFill>
+                  <a:srgbClr val="000000"/>
+                </a:solidFill>
+                <a:latin typeface="Consolas" panose="020B0609020204030204" pitchFamily="49" charset="0"/>
+                <a:ea typeface="Times New Roman" panose="02020603050405020304" pitchFamily="18" charset="0"/>
+                <a:cs typeface="Times New Roman" panose="02020603050405020304" pitchFamily="18" charset="0"/>
+              </a:rPr>
+              <a:t>.foo</a:t>
+            </a:r>
+            <a:r>
+              <a:rPr lang="en-US" dirty="0">
+                <a:solidFill>
+                  <a:srgbClr val="000000"/>
+                </a:solidFill>
+                <a:latin typeface="Consolas" panose="020B0609020204030204" pitchFamily="49" charset="0"/>
+                <a:ea typeface="Times New Roman" panose="02020603050405020304" pitchFamily="18" charset="0"/>
+                <a:cs typeface="Times New Roman" panose="02020603050405020304" pitchFamily="18" charset="0"/>
+              </a:rPr>
+              <a:t> = </a:t>
+            </a:r>
+            <a:r>
+              <a:rPr lang="en-US" dirty="0">
+                <a:solidFill>
+                  <a:srgbClr val="A31515"/>
+                </a:solidFill>
+                <a:latin typeface="Consolas" panose="020B0609020204030204" pitchFamily="49" charset="0"/>
+                <a:ea typeface="Times New Roman" panose="02020603050405020304" pitchFamily="18" charset="0"/>
+                <a:cs typeface="Times New Roman" panose="02020603050405020304" pitchFamily="18" charset="0"/>
+              </a:rPr>
+              <a:t>'bar'</a:t>
+            </a:r>
+            <a:r>
+              <a:rPr lang="en-US" dirty="0">
+                <a:solidFill>
+                  <a:srgbClr val="000000"/>
+                </a:solidFill>
+                <a:latin typeface="Consolas" panose="020B0609020204030204" pitchFamily="49" charset="0"/>
+                <a:ea typeface="Times New Roman" panose="02020603050405020304" pitchFamily="18" charset="0"/>
+                <a:cs typeface="Times New Roman" panose="02020603050405020304" pitchFamily="18" charset="0"/>
+              </a:rPr>
+              <a:t>;</a:t>
+            </a:r>
+            <a:endParaRPr lang="en-US" sz="2400" dirty="0">
+              <a:latin typeface="Calibri" panose="020F0502020204030204" pitchFamily="34" charset="0"/>
+              <a:ea typeface="Calibri" panose="020F0502020204030204" pitchFamily="34" charset="0"/>
+              <a:cs typeface="Times New Roman" panose="02020603050405020304" pitchFamily="18" charset="0"/>
+            </a:endParaRPr>
+          </a:p>
+          <a:p>
+            <a:pPr>
+              <a:lnSpc>
+                <a:spcPct val="107000"/>
+              </a:lnSpc>
+              <a:tabLst>
+                <a:tab pos="581660" algn="l"/>
+                <a:tab pos="1163320" algn="l"/>
+                <a:tab pos="1744980" algn="l"/>
+                <a:tab pos="2326640" algn="l"/>
+                <a:tab pos="2908300" algn="l"/>
+                <a:tab pos="3489960" algn="l"/>
+                <a:tab pos="4071620" algn="l"/>
+                <a:tab pos="4653280" algn="l"/>
+                <a:tab pos="5234940" algn="l"/>
+                <a:tab pos="5816600" algn="l"/>
+                <a:tab pos="6398260" algn="l"/>
+                <a:tab pos="6979920" algn="l"/>
+                <a:tab pos="7561580" algn="l"/>
+                <a:tab pos="8143240" algn="l"/>
+                <a:tab pos="8724900" algn="l"/>
+                <a:tab pos="9306560" algn="l"/>
+              </a:tabLst>
+            </a:pPr>
+            <a:r>
+              <a:rPr lang="en-US" dirty="0">
+                <a:solidFill>
+                  <a:srgbClr val="000000"/>
+                </a:solidFill>
+                <a:latin typeface="Consolas" panose="020B0609020204030204" pitchFamily="49" charset="0"/>
+                <a:ea typeface="Times New Roman" panose="02020603050405020304" pitchFamily="18" charset="0"/>
+                <a:cs typeface="Times New Roman" panose="02020603050405020304" pitchFamily="18" charset="0"/>
+              </a:rPr>
+              <a:t>            </a:t>
+            </a:r>
+            <a:r>
+              <a:rPr lang="en-US" dirty="0">
+                <a:solidFill>
+                  <a:srgbClr val="008000"/>
+                </a:solidFill>
+                <a:latin typeface="Consolas" panose="020B0609020204030204" pitchFamily="49" charset="0"/>
+                <a:ea typeface="Times New Roman" panose="02020603050405020304" pitchFamily="18" charset="0"/>
+                <a:cs typeface="Times New Roman" panose="02020603050405020304" pitchFamily="18" charset="0"/>
+              </a:rPr>
+              <a:t>// Initialize the object</a:t>
+            </a:r>
+            <a:endParaRPr lang="en-US" sz="2400" dirty="0">
+              <a:latin typeface="Calibri" panose="020F0502020204030204" pitchFamily="34" charset="0"/>
+              <a:ea typeface="Calibri" panose="020F0502020204030204" pitchFamily="34" charset="0"/>
+              <a:cs typeface="Times New Roman" panose="02020603050405020304" pitchFamily="18" charset="0"/>
+            </a:endParaRPr>
+          </a:p>
+          <a:p>
+            <a:pPr>
+              <a:lnSpc>
+                <a:spcPct val="107000"/>
+              </a:lnSpc>
+              <a:tabLst>
+                <a:tab pos="581660" algn="l"/>
+                <a:tab pos="1163320" algn="l"/>
+                <a:tab pos="1744980" algn="l"/>
+                <a:tab pos="2326640" algn="l"/>
+                <a:tab pos="2908300" algn="l"/>
+                <a:tab pos="3489960" algn="l"/>
+                <a:tab pos="4071620" algn="l"/>
+                <a:tab pos="4653280" algn="l"/>
+                <a:tab pos="5234940" algn="l"/>
+                <a:tab pos="5816600" algn="l"/>
+                <a:tab pos="6398260" algn="l"/>
+                <a:tab pos="6979920" algn="l"/>
+                <a:tab pos="7561580" algn="l"/>
+                <a:tab pos="8143240" algn="l"/>
+                <a:tab pos="8724900" algn="l"/>
+                <a:tab pos="9306560" algn="l"/>
+              </a:tabLst>
+            </a:pPr>
+            <a:r>
+              <a:rPr lang="en-US" dirty="0">
+                <a:solidFill>
+                  <a:srgbClr val="000000"/>
+                </a:solidFill>
+                <a:latin typeface="Consolas" panose="020B0609020204030204" pitchFamily="49" charset="0"/>
+                <a:ea typeface="Times New Roman" panose="02020603050405020304" pitchFamily="18" charset="0"/>
+                <a:cs typeface="Times New Roman" panose="02020603050405020304" pitchFamily="18" charset="0"/>
+              </a:rPr>
+              <a:t>        }</a:t>
+            </a:r>
+            <a:endParaRPr lang="en-US" sz="2400" dirty="0">
+              <a:latin typeface="Calibri" panose="020F0502020204030204" pitchFamily="34" charset="0"/>
+              <a:ea typeface="Calibri" panose="020F0502020204030204" pitchFamily="34" charset="0"/>
+              <a:cs typeface="Times New Roman" panose="02020603050405020304" pitchFamily="18" charset="0"/>
+            </a:endParaRPr>
+          </a:p>
+          <a:p>
+            <a:pPr>
+              <a:lnSpc>
+                <a:spcPct val="107000"/>
+              </a:lnSpc>
+              <a:tabLst>
+                <a:tab pos="581660" algn="l"/>
+                <a:tab pos="1163320" algn="l"/>
+                <a:tab pos="1744980" algn="l"/>
+                <a:tab pos="2326640" algn="l"/>
+                <a:tab pos="2908300" algn="l"/>
+                <a:tab pos="3489960" algn="l"/>
+                <a:tab pos="4071620" algn="l"/>
+                <a:tab pos="4653280" algn="l"/>
+                <a:tab pos="5234940" algn="l"/>
+                <a:tab pos="5816600" algn="l"/>
+                <a:tab pos="6398260" algn="l"/>
+                <a:tab pos="6979920" algn="l"/>
+                <a:tab pos="7561580" algn="l"/>
+                <a:tab pos="8143240" algn="l"/>
+                <a:tab pos="8724900" algn="l"/>
+                <a:tab pos="9306560" algn="l"/>
+              </a:tabLst>
+            </a:pPr>
+            <a:r>
+              <a:rPr lang="en-US" dirty="0">
+                <a:solidFill>
+                  <a:srgbClr val="000000"/>
+                </a:solidFill>
+                <a:latin typeface="Consolas" panose="020B0609020204030204" pitchFamily="49" charset="0"/>
+                <a:ea typeface="Times New Roman" panose="02020603050405020304" pitchFamily="18" charset="0"/>
+                <a:cs typeface="Times New Roman" panose="02020603050405020304" pitchFamily="18" charset="0"/>
+              </a:rPr>
+              <a:t>        </a:t>
+            </a:r>
+            <a:r>
+              <a:rPr lang="en-US" dirty="0">
+                <a:solidFill>
+                  <a:srgbClr val="008000"/>
+                </a:solidFill>
+                <a:latin typeface="Consolas" panose="020B0609020204030204" pitchFamily="49" charset="0"/>
+                <a:ea typeface="Times New Roman" panose="02020603050405020304" pitchFamily="18" charset="0"/>
+                <a:cs typeface="Times New Roman" panose="02020603050405020304" pitchFamily="18" charset="0"/>
+              </a:rPr>
+              <a:t>// Declare methods</a:t>
+            </a:r>
+            <a:endParaRPr lang="en-US" sz="2400" dirty="0">
+              <a:latin typeface="Calibri" panose="020F0502020204030204" pitchFamily="34" charset="0"/>
+              <a:ea typeface="Calibri" panose="020F0502020204030204" pitchFamily="34" charset="0"/>
+              <a:cs typeface="Times New Roman" panose="02020603050405020304" pitchFamily="18" charset="0"/>
+            </a:endParaRPr>
+          </a:p>
+          <a:p>
+            <a:pPr>
+              <a:lnSpc>
+                <a:spcPct val="107000"/>
+              </a:lnSpc>
+              <a:tabLst>
+                <a:tab pos="581660" algn="l"/>
+                <a:tab pos="1163320" algn="l"/>
+                <a:tab pos="1744980" algn="l"/>
+                <a:tab pos="2326640" algn="l"/>
+                <a:tab pos="2908300" algn="l"/>
+                <a:tab pos="3489960" algn="l"/>
+                <a:tab pos="4071620" algn="l"/>
+                <a:tab pos="4653280" algn="l"/>
+                <a:tab pos="5234940" algn="l"/>
+                <a:tab pos="5816600" algn="l"/>
+                <a:tab pos="6398260" algn="l"/>
+                <a:tab pos="6979920" algn="l"/>
+                <a:tab pos="7561580" algn="l"/>
+                <a:tab pos="8143240" algn="l"/>
+                <a:tab pos="8724900" algn="l"/>
+                <a:tab pos="9306560" algn="l"/>
+              </a:tabLst>
+            </a:pPr>
+            <a:r>
+              <a:rPr lang="en-US" dirty="0">
+                <a:solidFill>
+                  <a:srgbClr val="000000"/>
+                </a:solidFill>
+                <a:latin typeface="Consolas" panose="020B0609020204030204" pitchFamily="49" charset="0"/>
+                <a:ea typeface="Times New Roman" panose="02020603050405020304" pitchFamily="18" charset="0"/>
+                <a:cs typeface="Times New Roman" panose="02020603050405020304" pitchFamily="18" charset="0"/>
+              </a:rPr>
+              <a:t>        </a:t>
+            </a:r>
+            <a:r>
+              <a:rPr lang="en-US" dirty="0" err="1">
+                <a:solidFill>
+                  <a:srgbClr val="000000"/>
+                </a:solidFill>
+                <a:latin typeface="Consolas" panose="020B0609020204030204" pitchFamily="49" charset="0"/>
+                <a:ea typeface="Times New Roman" panose="02020603050405020304" pitchFamily="18" charset="0"/>
+                <a:cs typeface="Times New Roman" panose="02020603050405020304" pitchFamily="18" charset="0"/>
+              </a:rPr>
+              <a:t>MyClass.prototype.getFoo</a:t>
+            </a:r>
+            <a:r>
+              <a:rPr lang="en-US" dirty="0">
+                <a:solidFill>
+                  <a:srgbClr val="000000"/>
+                </a:solidFill>
+                <a:latin typeface="Consolas" panose="020B0609020204030204" pitchFamily="49" charset="0"/>
+                <a:ea typeface="Times New Roman" panose="02020603050405020304" pitchFamily="18" charset="0"/>
+                <a:cs typeface="Times New Roman" panose="02020603050405020304" pitchFamily="18" charset="0"/>
+              </a:rPr>
+              <a:t> = </a:t>
+            </a:r>
+            <a:r>
+              <a:rPr lang="en-US" dirty="0">
+                <a:solidFill>
+                  <a:srgbClr val="0000FF"/>
+                </a:solidFill>
+                <a:latin typeface="Consolas" panose="020B0609020204030204" pitchFamily="49" charset="0"/>
+                <a:ea typeface="Times New Roman" panose="02020603050405020304" pitchFamily="18" charset="0"/>
+                <a:cs typeface="Times New Roman" panose="02020603050405020304" pitchFamily="18" charset="0"/>
+              </a:rPr>
+              <a:t>function</a:t>
+            </a:r>
+            <a:r>
+              <a:rPr lang="en-US" dirty="0">
+                <a:solidFill>
+                  <a:srgbClr val="000000"/>
+                </a:solidFill>
+                <a:latin typeface="Consolas" panose="020B0609020204030204" pitchFamily="49" charset="0"/>
+                <a:ea typeface="Times New Roman" panose="02020603050405020304" pitchFamily="18" charset="0"/>
+                <a:cs typeface="Times New Roman" panose="02020603050405020304" pitchFamily="18" charset="0"/>
+              </a:rPr>
+              <a:t> () {</a:t>
+            </a:r>
+            <a:endParaRPr lang="en-US" sz="2400" dirty="0">
+              <a:latin typeface="Calibri" panose="020F0502020204030204" pitchFamily="34" charset="0"/>
+              <a:ea typeface="Calibri" panose="020F0502020204030204" pitchFamily="34" charset="0"/>
+              <a:cs typeface="Times New Roman" panose="02020603050405020304" pitchFamily="18" charset="0"/>
+            </a:endParaRPr>
+          </a:p>
+          <a:p>
+            <a:pPr>
+              <a:lnSpc>
+                <a:spcPct val="107000"/>
+              </a:lnSpc>
+              <a:tabLst>
+                <a:tab pos="581660" algn="l"/>
+                <a:tab pos="1163320" algn="l"/>
+                <a:tab pos="1744980" algn="l"/>
+                <a:tab pos="2326640" algn="l"/>
+                <a:tab pos="2908300" algn="l"/>
+                <a:tab pos="3489960" algn="l"/>
+                <a:tab pos="4071620" algn="l"/>
+                <a:tab pos="4653280" algn="l"/>
+                <a:tab pos="5234940" algn="l"/>
+                <a:tab pos="5816600" algn="l"/>
+                <a:tab pos="6398260" algn="l"/>
+                <a:tab pos="6979920" algn="l"/>
+                <a:tab pos="7561580" algn="l"/>
+                <a:tab pos="8143240" algn="l"/>
+                <a:tab pos="8724900" algn="l"/>
+                <a:tab pos="9306560" algn="l"/>
+              </a:tabLst>
+            </a:pPr>
+            <a:r>
+              <a:rPr lang="en-US" dirty="0">
+                <a:solidFill>
+                  <a:srgbClr val="000000"/>
+                </a:solidFill>
+                <a:latin typeface="Consolas" panose="020B0609020204030204" pitchFamily="49" charset="0"/>
+                <a:ea typeface="Times New Roman" panose="02020603050405020304" pitchFamily="18" charset="0"/>
+                <a:cs typeface="Times New Roman" panose="02020603050405020304" pitchFamily="18" charset="0"/>
+              </a:rPr>
+              <a:t>            </a:t>
+            </a:r>
+            <a:r>
+              <a:rPr lang="en-US" dirty="0">
+                <a:solidFill>
+                  <a:srgbClr val="0000FF"/>
+                </a:solidFill>
+                <a:latin typeface="Consolas" panose="020B0609020204030204" pitchFamily="49" charset="0"/>
+                <a:ea typeface="Times New Roman" panose="02020603050405020304" pitchFamily="18" charset="0"/>
+                <a:cs typeface="Times New Roman" panose="02020603050405020304" pitchFamily="18" charset="0"/>
+              </a:rPr>
+              <a:t>return</a:t>
+            </a:r>
+            <a:r>
+              <a:rPr lang="en-US" dirty="0">
+                <a:solidFill>
+                  <a:srgbClr val="000000"/>
+                </a:solidFill>
+                <a:latin typeface="Consolas" panose="020B0609020204030204" pitchFamily="49" charset="0"/>
+                <a:ea typeface="Times New Roman" panose="02020603050405020304" pitchFamily="18" charset="0"/>
+                <a:cs typeface="Times New Roman" panose="02020603050405020304" pitchFamily="18" charset="0"/>
+              </a:rPr>
+              <a:t> </a:t>
+            </a:r>
+            <a:r>
+              <a:rPr lang="en-US" dirty="0" err="1">
+                <a:solidFill>
+                  <a:srgbClr val="0000FF"/>
+                </a:solidFill>
+                <a:latin typeface="Consolas" panose="020B0609020204030204" pitchFamily="49" charset="0"/>
+                <a:ea typeface="Times New Roman" panose="02020603050405020304" pitchFamily="18" charset="0"/>
+                <a:cs typeface="Times New Roman" panose="02020603050405020304" pitchFamily="18" charset="0"/>
+              </a:rPr>
+              <a:t>this</a:t>
+            </a:r>
+            <a:r>
+              <a:rPr lang="en-US" dirty="0" err="1">
+                <a:solidFill>
+                  <a:srgbClr val="000000"/>
+                </a:solidFill>
+                <a:latin typeface="Consolas" panose="020B0609020204030204" pitchFamily="49" charset="0"/>
+                <a:ea typeface="Times New Roman" panose="02020603050405020304" pitchFamily="18" charset="0"/>
+                <a:cs typeface="Times New Roman" panose="02020603050405020304" pitchFamily="18" charset="0"/>
+              </a:rPr>
+              <a:t>.foo</a:t>
+            </a:r>
+            <a:r>
+              <a:rPr lang="en-US" dirty="0">
+                <a:solidFill>
+                  <a:srgbClr val="000000"/>
+                </a:solidFill>
+                <a:latin typeface="Consolas" panose="020B0609020204030204" pitchFamily="49" charset="0"/>
+                <a:ea typeface="Times New Roman" panose="02020603050405020304" pitchFamily="18" charset="0"/>
+                <a:cs typeface="Times New Roman" panose="02020603050405020304" pitchFamily="18" charset="0"/>
+              </a:rPr>
+              <a:t>;</a:t>
+            </a:r>
+            <a:endParaRPr lang="en-US" sz="2400" dirty="0">
+              <a:latin typeface="Calibri" panose="020F0502020204030204" pitchFamily="34" charset="0"/>
+              <a:ea typeface="Calibri" panose="020F0502020204030204" pitchFamily="34" charset="0"/>
+              <a:cs typeface="Times New Roman" panose="02020603050405020304" pitchFamily="18" charset="0"/>
+            </a:endParaRPr>
+          </a:p>
+          <a:p>
+            <a:pPr>
+              <a:lnSpc>
+                <a:spcPct val="107000"/>
+              </a:lnSpc>
+              <a:tabLst>
+                <a:tab pos="581660" algn="l"/>
+                <a:tab pos="1163320" algn="l"/>
+                <a:tab pos="1744980" algn="l"/>
+                <a:tab pos="2326640" algn="l"/>
+                <a:tab pos="2908300" algn="l"/>
+                <a:tab pos="3489960" algn="l"/>
+                <a:tab pos="4071620" algn="l"/>
+                <a:tab pos="4653280" algn="l"/>
+                <a:tab pos="5234940" algn="l"/>
+                <a:tab pos="5816600" algn="l"/>
+                <a:tab pos="6398260" algn="l"/>
+                <a:tab pos="6979920" algn="l"/>
+                <a:tab pos="7561580" algn="l"/>
+                <a:tab pos="8143240" algn="l"/>
+                <a:tab pos="8724900" algn="l"/>
+                <a:tab pos="9306560" algn="l"/>
+              </a:tabLst>
+            </a:pPr>
+            <a:r>
+              <a:rPr lang="en-US" dirty="0">
+                <a:solidFill>
+                  <a:srgbClr val="000000"/>
+                </a:solidFill>
+                <a:latin typeface="Consolas" panose="020B0609020204030204" pitchFamily="49" charset="0"/>
+                <a:ea typeface="Times New Roman" panose="02020603050405020304" pitchFamily="18" charset="0"/>
+                <a:cs typeface="Times New Roman" panose="02020603050405020304" pitchFamily="18" charset="0"/>
+              </a:rPr>
+              <a:t>        };</a:t>
+            </a:r>
+            <a:endParaRPr lang="en-US" sz="2400" dirty="0">
+              <a:latin typeface="Calibri" panose="020F0502020204030204" pitchFamily="34" charset="0"/>
+              <a:ea typeface="Calibri" panose="020F0502020204030204" pitchFamily="34" charset="0"/>
+              <a:cs typeface="Times New Roman" panose="02020603050405020304" pitchFamily="18" charset="0"/>
+            </a:endParaRPr>
+          </a:p>
+          <a:p>
+            <a:pPr>
+              <a:lnSpc>
+                <a:spcPct val="107000"/>
+              </a:lnSpc>
+              <a:tabLst>
+                <a:tab pos="581660" algn="l"/>
+                <a:tab pos="1163320" algn="l"/>
+                <a:tab pos="1744980" algn="l"/>
+                <a:tab pos="2326640" algn="l"/>
+                <a:tab pos="2908300" algn="l"/>
+                <a:tab pos="3489960" algn="l"/>
+                <a:tab pos="4071620" algn="l"/>
+                <a:tab pos="4653280" algn="l"/>
+                <a:tab pos="5234940" algn="l"/>
+                <a:tab pos="5816600" algn="l"/>
+                <a:tab pos="6398260" algn="l"/>
+                <a:tab pos="6979920" algn="l"/>
+                <a:tab pos="7561580" algn="l"/>
+                <a:tab pos="8143240" algn="l"/>
+                <a:tab pos="8724900" algn="l"/>
+                <a:tab pos="9306560" algn="l"/>
+              </a:tabLst>
+            </a:pPr>
+            <a:r>
+              <a:rPr lang="en-US" dirty="0">
+                <a:solidFill>
+                  <a:srgbClr val="000000"/>
+                </a:solidFill>
+                <a:latin typeface="Consolas" panose="020B0609020204030204" pitchFamily="49" charset="0"/>
+                <a:ea typeface="Times New Roman" panose="02020603050405020304" pitchFamily="18" charset="0"/>
+                <a:cs typeface="Times New Roman" panose="02020603050405020304" pitchFamily="18" charset="0"/>
+              </a:rPr>
+              <a:t>        </a:t>
+            </a:r>
+            <a:r>
+              <a:rPr lang="en-US" dirty="0">
+                <a:solidFill>
+                  <a:srgbClr val="0000FF"/>
+                </a:solidFill>
+                <a:latin typeface="Consolas" panose="020B0609020204030204" pitchFamily="49" charset="0"/>
+                <a:ea typeface="Times New Roman" panose="02020603050405020304" pitchFamily="18" charset="0"/>
+                <a:cs typeface="Times New Roman" panose="02020603050405020304" pitchFamily="18" charset="0"/>
+              </a:rPr>
+              <a:t>return</a:t>
+            </a:r>
+            <a:r>
+              <a:rPr lang="en-US" dirty="0">
+                <a:solidFill>
+                  <a:srgbClr val="000000"/>
+                </a:solidFill>
+                <a:latin typeface="Consolas" panose="020B0609020204030204" pitchFamily="49" charset="0"/>
+                <a:ea typeface="Times New Roman" panose="02020603050405020304" pitchFamily="18" charset="0"/>
+                <a:cs typeface="Times New Roman" panose="02020603050405020304" pitchFamily="18" charset="0"/>
+              </a:rPr>
+              <a:t> </a:t>
+            </a:r>
+            <a:r>
+              <a:rPr lang="en-US" dirty="0" err="1">
+                <a:solidFill>
+                  <a:srgbClr val="000000"/>
+                </a:solidFill>
+                <a:latin typeface="Consolas" panose="020B0609020204030204" pitchFamily="49" charset="0"/>
+                <a:ea typeface="Times New Roman" panose="02020603050405020304" pitchFamily="18" charset="0"/>
+                <a:cs typeface="Times New Roman" panose="02020603050405020304" pitchFamily="18" charset="0"/>
+              </a:rPr>
+              <a:t>MyClass</a:t>
+            </a:r>
+            <a:r>
+              <a:rPr lang="en-US" dirty="0">
+                <a:solidFill>
+                  <a:srgbClr val="000000"/>
+                </a:solidFill>
+                <a:latin typeface="Consolas" panose="020B0609020204030204" pitchFamily="49" charset="0"/>
+                <a:ea typeface="Times New Roman" panose="02020603050405020304" pitchFamily="18" charset="0"/>
+                <a:cs typeface="Times New Roman" panose="02020603050405020304" pitchFamily="18" charset="0"/>
+              </a:rPr>
+              <a:t>;</a:t>
+            </a:r>
+            <a:endParaRPr lang="en-US" sz="2400" dirty="0">
+              <a:latin typeface="Calibri" panose="020F0502020204030204" pitchFamily="34" charset="0"/>
+              <a:ea typeface="Calibri" panose="020F0502020204030204" pitchFamily="34" charset="0"/>
+              <a:cs typeface="Times New Roman" panose="02020603050405020304" pitchFamily="18" charset="0"/>
+            </a:endParaRPr>
+          </a:p>
+          <a:p>
+            <a:pPr>
+              <a:lnSpc>
+                <a:spcPct val="107000"/>
+              </a:lnSpc>
+              <a:tabLst>
+                <a:tab pos="581660" algn="l"/>
+                <a:tab pos="1163320" algn="l"/>
+                <a:tab pos="1744980" algn="l"/>
+                <a:tab pos="2326640" algn="l"/>
+                <a:tab pos="2908300" algn="l"/>
+                <a:tab pos="3489960" algn="l"/>
+                <a:tab pos="4071620" algn="l"/>
+                <a:tab pos="4653280" algn="l"/>
+                <a:tab pos="5234940" algn="l"/>
+                <a:tab pos="5816600" algn="l"/>
+                <a:tab pos="6398260" algn="l"/>
+                <a:tab pos="6979920" algn="l"/>
+                <a:tab pos="7561580" algn="l"/>
+                <a:tab pos="8143240" algn="l"/>
+                <a:tab pos="8724900" algn="l"/>
+                <a:tab pos="9306560" algn="l"/>
+              </a:tabLst>
+            </a:pPr>
+            <a:r>
+              <a:rPr lang="en-US" dirty="0">
+                <a:solidFill>
+                  <a:srgbClr val="000000"/>
+                </a:solidFill>
+                <a:latin typeface="Consolas" panose="020B0609020204030204" pitchFamily="49" charset="0"/>
+                <a:ea typeface="Times New Roman" panose="02020603050405020304" pitchFamily="18" charset="0"/>
+                <a:cs typeface="Times New Roman" panose="02020603050405020304" pitchFamily="18" charset="0"/>
+              </a:rPr>
+              <a:t>    })();</a:t>
+            </a:r>
+            <a:endParaRPr lang="en-US" sz="2400" dirty="0">
+              <a:latin typeface="Calibri" panose="020F0502020204030204" pitchFamily="34" charset="0"/>
+              <a:ea typeface="Calibri" panose="020F0502020204030204" pitchFamily="34" charset="0"/>
+              <a:cs typeface="Times New Roman" panose="02020603050405020304" pitchFamily="18" charset="0"/>
+            </a:endParaRPr>
+          </a:p>
+          <a:p>
+            <a:pPr>
+              <a:lnSpc>
+                <a:spcPct val="107000"/>
+              </a:lnSpc>
+              <a:tabLst>
+                <a:tab pos="581660" algn="l"/>
+                <a:tab pos="1163320" algn="l"/>
+                <a:tab pos="1744980" algn="l"/>
+                <a:tab pos="2326640" algn="l"/>
+                <a:tab pos="2908300" algn="l"/>
+                <a:tab pos="3489960" algn="l"/>
+                <a:tab pos="4071620" algn="l"/>
+                <a:tab pos="4653280" algn="l"/>
+                <a:tab pos="5234940" algn="l"/>
+                <a:tab pos="5816600" algn="l"/>
+                <a:tab pos="6398260" algn="l"/>
+                <a:tab pos="6979920" algn="l"/>
+                <a:tab pos="7561580" algn="l"/>
+                <a:tab pos="8143240" algn="l"/>
+                <a:tab pos="8724900" algn="l"/>
+                <a:tab pos="9306560" algn="l"/>
+              </a:tabLst>
+            </a:pPr>
+            <a:r>
+              <a:rPr lang="en-US" dirty="0">
+                <a:solidFill>
+                  <a:srgbClr val="000000"/>
+                </a:solidFill>
+                <a:latin typeface="Consolas" panose="020B0609020204030204" pitchFamily="49" charset="0"/>
+                <a:ea typeface="Times New Roman" panose="02020603050405020304" pitchFamily="18" charset="0"/>
+                <a:cs typeface="Times New Roman" panose="02020603050405020304" pitchFamily="18" charset="0"/>
+              </a:rPr>
+              <a:t>    </a:t>
+            </a:r>
+            <a:r>
+              <a:rPr lang="en-US" dirty="0" err="1">
+                <a:solidFill>
+                  <a:srgbClr val="000000"/>
+                </a:solidFill>
+                <a:latin typeface="Consolas" panose="020B0609020204030204" pitchFamily="49" charset="0"/>
+                <a:ea typeface="Times New Roman" panose="02020603050405020304" pitchFamily="18" charset="0"/>
+                <a:cs typeface="Times New Roman" panose="02020603050405020304" pitchFamily="18" charset="0"/>
+              </a:rPr>
+              <a:t>a.MyClass</a:t>
+            </a:r>
+            <a:r>
+              <a:rPr lang="en-US" dirty="0">
+                <a:solidFill>
+                  <a:srgbClr val="000000"/>
+                </a:solidFill>
+                <a:latin typeface="Consolas" panose="020B0609020204030204" pitchFamily="49" charset="0"/>
+                <a:ea typeface="Times New Roman" panose="02020603050405020304" pitchFamily="18" charset="0"/>
+                <a:cs typeface="Times New Roman" panose="02020603050405020304" pitchFamily="18" charset="0"/>
+              </a:rPr>
+              <a:t> = </a:t>
+            </a:r>
+            <a:r>
+              <a:rPr lang="en-US" dirty="0" err="1">
+                <a:solidFill>
+                  <a:srgbClr val="000000"/>
+                </a:solidFill>
+                <a:latin typeface="Consolas" panose="020B0609020204030204" pitchFamily="49" charset="0"/>
+                <a:ea typeface="Times New Roman" panose="02020603050405020304" pitchFamily="18" charset="0"/>
+                <a:cs typeface="Times New Roman" panose="02020603050405020304" pitchFamily="18" charset="0"/>
+              </a:rPr>
+              <a:t>MyClass</a:t>
+            </a:r>
+            <a:r>
+              <a:rPr lang="en-US" dirty="0">
+                <a:solidFill>
+                  <a:srgbClr val="000000"/>
+                </a:solidFill>
+                <a:latin typeface="Consolas" panose="020B0609020204030204" pitchFamily="49" charset="0"/>
+                <a:ea typeface="Times New Roman" panose="02020603050405020304" pitchFamily="18" charset="0"/>
+                <a:cs typeface="Times New Roman" panose="02020603050405020304" pitchFamily="18" charset="0"/>
+              </a:rPr>
+              <a:t>;</a:t>
+            </a:r>
+            <a:endParaRPr lang="en-US" sz="2400" dirty="0">
+              <a:latin typeface="Calibri" panose="020F0502020204030204" pitchFamily="34" charset="0"/>
+              <a:ea typeface="Calibri" panose="020F0502020204030204" pitchFamily="34" charset="0"/>
+              <a:cs typeface="Times New Roman" panose="02020603050405020304" pitchFamily="18" charset="0"/>
+            </a:endParaRPr>
+          </a:p>
+          <a:p>
+            <a:pPr>
+              <a:lnSpc>
+                <a:spcPct val="107000"/>
+              </a:lnSpc>
+              <a:tabLst>
+                <a:tab pos="581660" algn="l"/>
+                <a:tab pos="1163320" algn="l"/>
+                <a:tab pos="1744980" algn="l"/>
+                <a:tab pos="2326640" algn="l"/>
+                <a:tab pos="2908300" algn="l"/>
+                <a:tab pos="3489960" algn="l"/>
+                <a:tab pos="4071620" algn="l"/>
+                <a:tab pos="4653280" algn="l"/>
+                <a:tab pos="5234940" algn="l"/>
+                <a:tab pos="5816600" algn="l"/>
+                <a:tab pos="6398260" algn="l"/>
+                <a:tab pos="6979920" algn="l"/>
+                <a:tab pos="7561580" algn="l"/>
+                <a:tab pos="8143240" algn="l"/>
+                <a:tab pos="8724900" algn="l"/>
+                <a:tab pos="9306560" algn="l"/>
+              </a:tabLst>
+            </a:pPr>
+            <a:r>
+              <a:rPr lang="en-US" dirty="0">
+                <a:solidFill>
+                  <a:srgbClr val="000000"/>
+                </a:solidFill>
+                <a:latin typeface="Consolas" panose="020B0609020204030204" pitchFamily="49" charset="0"/>
+                <a:ea typeface="Times New Roman" panose="02020603050405020304" pitchFamily="18" charset="0"/>
+                <a:cs typeface="Times New Roman" panose="02020603050405020304" pitchFamily="18" charset="0"/>
+              </a:rPr>
+              <a:t>})(a || (a = </a:t>
+            </a:r>
+            <a:r>
+              <a:rPr lang="en-US" dirty="0" smtClean="0">
+                <a:solidFill>
+                  <a:srgbClr val="000000"/>
+                </a:solidFill>
+                <a:latin typeface="Consolas" panose="020B0609020204030204" pitchFamily="49" charset="0"/>
+                <a:ea typeface="Times New Roman" panose="02020603050405020304" pitchFamily="18" charset="0"/>
+                <a:cs typeface="Times New Roman" panose="02020603050405020304" pitchFamily="18" charset="0"/>
+              </a:rPr>
+              <a:t>{}));</a:t>
+            </a:r>
+            <a:endParaRPr lang="en-US" sz="2400" dirty="0">
+              <a:latin typeface="Calibri" panose="020F0502020204030204" pitchFamily="34" charset="0"/>
+              <a:ea typeface="Calibri" panose="020F0502020204030204" pitchFamily="34" charset="0"/>
+              <a:cs typeface="Times New Roman" panose="02020603050405020304" pitchFamily="18" charset="0"/>
+            </a:endParaRPr>
+          </a:p>
+        </p:txBody>
+      </p:sp>
+    </p:spTree>
+    <p:extLst>
+      <p:ext uri="{BB962C8B-B14F-4D97-AF65-F5344CB8AC3E}">
+        <p14:creationId xmlns:p14="http://schemas.microsoft.com/office/powerpoint/2010/main" val="2430364318"/>
+      </p:ext>
+    </p:extLst>
+  </p:cSld>
+  <p:clrMapOvr>
+    <a:masterClrMapping/>
+  </p:clrMapOvr>
+</p:sld>
+</file>
+
+<file path=ppt/slides/slide3.xml><?xml version="1.0" encoding="utf-8"?>
+<p:sld xmlns:a="http://schemas.openxmlformats.org/drawingml/2006/main" xmlns:r="http://schemas.openxmlformats.org/officeDocument/2006/relationships" xmlns:p="http://schemas.openxmlformats.org/presentationml/2006/main">
+  <p:cSld>
+    <p:spTree>
+      <p:nvGrpSpPr>
+        <p:cNvPr id="1" name=""/>
+        <p:cNvGrpSpPr/>
+        <p:nvPr/>
+      </p:nvGrpSpPr>
+      <p:grpSpPr>
+        <a:xfrm>
+          <a:off x="0" y="0"/>
+          <a:ext cx="0" cy="0"/>
+          <a:chOff x="0" y="0"/>
+          <a:chExt cx="0" cy="0"/>
+        </a:xfrm>
+      </p:grpSpPr>
+      <p:sp>
+        <p:nvSpPr>
+          <p:cNvPr id="2" name="Title 1"/>
+          <p:cNvSpPr>
+            <a:spLocks noGrp="1"/>
+          </p:cNvSpPr>
+          <p:nvPr>
+            <p:ph type="title"/>
+          </p:nvPr>
+        </p:nvSpPr>
+        <p:spPr/>
+        <p:txBody>
+          <a:bodyPr/>
+          <a:lstStyle/>
+          <a:p>
+            <a:r>
+              <a:rPr lang="en-US" dirty="0" smtClean="0"/>
+              <a:t>Why </a:t>
+            </a:r>
+            <a:r>
+              <a:rPr lang="en-US" dirty="0" err="1" smtClean="0"/>
+              <a:t>TypeScript</a:t>
+            </a:r>
+            <a:r>
+              <a:rPr lang="en-US" dirty="0" smtClean="0"/>
+              <a:t>?</a:t>
+            </a:r>
+            <a:endParaRPr lang="en-US" dirty="0"/>
+          </a:p>
+        </p:txBody>
+      </p:sp>
+      <p:sp>
+        <p:nvSpPr>
+          <p:cNvPr id="3" name="Content Placeholder 2"/>
+          <p:cNvSpPr>
+            <a:spLocks noGrp="1"/>
+          </p:cNvSpPr>
+          <p:nvPr>
+            <p:ph idx="1"/>
+          </p:nvPr>
+        </p:nvSpPr>
+        <p:spPr/>
+        <p:txBody>
+          <a:bodyPr/>
+          <a:lstStyle/>
+          <a:p>
+            <a:r>
+              <a:rPr lang="en-US" dirty="0" smtClean="0"/>
+              <a:t>Embraces ECMAScript6 “Harmony” Spec</a:t>
+            </a:r>
+          </a:p>
+          <a:p>
+            <a:pPr lvl="1"/>
+            <a:r>
+              <a:rPr lang="en-US" dirty="0" smtClean="0"/>
+              <a:t>ECMAScript 6 syntax + </a:t>
+            </a:r>
+            <a:r>
+              <a:rPr lang="en-US" i="1" dirty="0" smtClean="0"/>
+              <a:t>optional</a:t>
+            </a:r>
+            <a:r>
+              <a:rPr lang="en-US" dirty="0" smtClean="0"/>
+              <a:t> type system</a:t>
+            </a:r>
+          </a:p>
+          <a:p>
+            <a:endParaRPr lang="en-US" dirty="0"/>
+          </a:p>
+          <a:p>
+            <a:r>
+              <a:rPr lang="en-US" dirty="0" smtClean="0"/>
+              <a:t>Looks very similar to standard JavaScript	</a:t>
+            </a:r>
+          </a:p>
+          <a:p>
+            <a:pPr lvl="1"/>
+            <a:r>
+              <a:rPr lang="en-US" dirty="0" smtClean="0"/>
+              <a:t>Smaller learning curve</a:t>
+            </a:r>
+          </a:p>
+          <a:p>
+            <a:pPr lvl="1"/>
+            <a:endParaRPr lang="en-US" dirty="0"/>
+          </a:p>
+          <a:p>
+            <a:r>
+              <a:rPr lang="en-US" dirty="0" smtClean="0"/>
+              <a:t>Compiles to readable JavaScript</a:t>
+            </a:r>
+          </a:p>
+          <a:p>
+            <a:endParaRPr lang="en-US" dirty="0"/>
+          </a:p>
+          <a:p>
+            <a:r>
+              <a:rPr lang="en-US" dirty="0" smtClean="0"/>
+              <a:t>Chrome debugger support*</a:t>
+            </a:r>
+          </a:p>
+        </p:txBody>
+      </p:sp>
+      <p:sp>
+        <p:nvSpPr>
+          <p:cNvPr id="4" name="TextBox 3"/>
+          <p:cNvSpPr txBox="1"/>
+          <p:nvPr/>
+        </p:nvSpPr>
+        <p:spPr>
+          <a:xfrm>
+            <a:off x="4475817" y="6271551"/>
+            <a:ext cx="3289683" cy="307777"/>
+          </a:xfrm>
+          <a:prstGeom prst="rect">
+            <a:avLst/>
+          </a:prstGeom>
+          <a:noFill/>
+        </p:spPr>
+        <p:txBody>
+          <a:bodyPr wrap="none" rtlCol="0">
+            <a:spAutoFit/>
+          </a:bodyPr>
+          <a:lstStyle/>
+          <a:p>
+            <a:pPr defTabSz="457200">
+              <a:spcBef>
+                <a:spcPts val="1000"/>
+              </a:spcBef>
+              <a:buClr>
+                <a:schemeClr val="accent1"/>
+              </a:buClr>
+              <a:buSzPct val="80000"/>
+            </a:pPr>
+            <a:r>
+              <a:rPr lang="en-US" sz="1400" dirty="0">
+                <a:solidFill>
+                  <a:schemeClr val="tx1">
+                    <a:lumMod val="75000"/>
+                    <a:lumOff val="25000"/>
+                  </a:schemeClr>
+                </a:solidFill>
+              </a:rPr>
+              <a:t>*Need to configure IIS to serve .</a:t>
+            </a:r>
+            <a:r>
+              <a:rPr lang="en-US" sz="1400" dirty="0" err="1">
+                <a:solidFill>
+                  <a:schemeClr val="tx1">
+                    <a:lumMod val="75000"/>
+                    <a:lumOff val="25000"/>
+                  </a:schemeClr>
+                </a:solidFill>
+              </a:rPr>
+              <a:t>ts</a:t>
+            </a:r>
+            <a:r>
+              <a:rPr lang="en-US" sz="1400" dirty="0">
+                <a:solidFill>
+                  <a:schemeClr val="tx1">
+                    <a:lumMod val="75000"/>
+                    <a:lumOff val="25000"/>
+                  </a:schemeClr>
+                </a:solidFill>
+              </a:rPr>
+              <a:t> files</a:t>
+            </a:r>
+          </a:p>
+        </p:txBody>
+      </p:sp>
+    </p:spTree>
+    <p:extLst>
+      <p:ext uri="{BB962C8B-B14F-4D97-AF65-F5344CB8AC3E}">
+        <p14:creationId xmlns:p14="http://schemas.microsoft.com/office/powerpoint/2010/main" val="2659064421"/>
+      </p:ext>
+    </p:extLst>
+  </p:cSld>
+  <p:clrMapOvr>
+    <a:masterClrMapping/>
+  </p:clrMapOvr>
+  <p:timing>
+    <p:tnLst>
+      <p:par>
+        <p:cTn id="1" dur="indefinite" restart="never" nodeType="tmRoot"/>
+      </p:par>
+    </p:tnLst>
+  </p:timing>
+</p:sld>
+</file>
+
+<file path=ppt/slides/slide4.xml><?xml version="1.0" encoding="utf-8"?>
+<p:sld xmlns:a="http://schemas.openxmlformats.org/drawingml/2006/main" xmlns:r="http://schemas.openxmlformats.org/officeDocument/2006/relationships" xmlns:p="http://schemas.openxmlformats.org/presentationml/2006/main">
+  <p:cSld>
+    <p:spTree>
+      <p:nvGrpSpPr>
+        <p:cNvPr id="1" name=""/>
+        <p:cNvGrpSpPr/>
+        <p:nvPr/>
+      </p:nvGrpSpPr>
+      <p:grpSpPr>
+        <a:xfrm>
+          <a:off x="0" y="0"/>
+          <a:ext cx="0" cy="0"/>
+          <a:chOff x="0" y="0"/>
+          <a:chExt cx="0" cy="0"/>
+        </a:xfrm>
+      </p:grpSpPr>
+      <p:sp>
+        <p:nvSpPr>
+          <p:cNvPr id="2" name="Title 1"/>
+          <p:cNvSpPr>
+            <a:spLocks noGrp="1"/>
+          </p:cNvSpPr>
+          <p:nvPr>
+            <p:ph type="title"/>
+          </p:nvPr>
+        </p:nvSpPr>
+        <p:spPr/>
+        <p:txBody>
+          <a:bodyPr/>
+          <a:lstStyle/>
+          <a:p>
+            <a:r>
+              <a:rPr lang="en-US" dirty="0"/>
+              <a:t>Why </a:t>
+            </a:r>
+            <a:r>
+              <a:rPr lang="en-US" dirty="0" err="1"/>
+              <a:t>TypeScript</a:t>
+            </a:r>
+            <a:r>
+              <a:rPr lang="en-US" dirty="0"/>
+              <a:t>?</a:t>
+            </a:r>
+          </a:p>
+        </p:txBody>
+      </p:sp>
+      <p:sp>
+        <p:nvSpPr>
+          <p:cNvPr id="3" name="Content Placeholder 2"/>
+          <p:cNvSpPr>
+            <a:spLocks noGrp="1"/>
+          </p:cNvSpPr>
+          <p:nvPr>
+            <p:ph idx="1"/>
+          </p:nvPr>
+        </p:nvSpPr>
+        <p:spPr/>
+        <p:txBody>
+          <a:bodyPr/>
+          <a:lstStyle/>
+          <a:p>
+            <a:r>
+              <a:rPr lang="en-US" dirty="0" smtClean="0"/>
+              <a:t>Great tooling support</a:t>
+            </a:r>
+            <a:endParaRPr lang="en-US" dirty="0"/>
+          </a:p>
+        </p:txBody>
+      </p:sp>
+      <p:pic>
+        <p:nvPicPr>
+          <p:cNvPr id="2050" name="Picture 2" descr="http://i.imgur.com/YqTqq.png"/>
+          <p:cNvPicPr>
+            <a:picLocks noChangeAspect="1" noChangeArrowheads="1"/>
+          </p:cNvPicPr>
+          <p:nvPr/>
+        </p:nvPicPr>
+        <p:blipFill>
+          <a:blip r:embed="rId2" cstate="print">
+            <a:extLst>
+              <a:ext uri="{28A0092B-C50C-407E-A947-70E740481C1C}">
+                <a14:useLocalDpi xmlns:a14="http://schemas.microsoft.com/office/drawing/2010/main" val="0"/>
+              </a:ext>
+            </a:extLst>
+          </a:blip>
+          <a:srcRect/>
+          <a:stretch>
+            <a:fillRect/>
+          </a:stretch>
+        </p:blipFill>
+        <p:spPr bwMode="auto">
+          <a:xfrm>
+            <a:off x="1485611" y="2755315"/>
+            <a:ext cx="2910898" cy="815261"/>
+          </a:xfrm>
+          <a:prstGeom prst="rect">
+            <a:avLst/>
+          </a:prstGeom>
+          <a:noFill/>
+          <a:extLst>
+            <a:ext uri="{909E8E84-426E-40DD-AFC4-6F175D3DCCD1}">
+              <a14:hiddenFill xmlns:a14="http://schemas.microsoft.com/office/drawing/2010/main">
+                <a:solidFill>
+                  <a:srgbClr val="FFFFFF"/>
+                </a:solidFill>
+              </a14:hiddenFill>
+            </a:ext>
+          </a:extLst>
+        </p:spPr>
+      </p:pic>
+      <p:pic>
+        <p:nvPicPr>
+          <p:cNvPr id="2052" name="Picture 4" descr="https://www.eclipse.org/eclipse.org-common/themes/solstice/public/images/logo/eclipse-800x188.png"/>
+          <p:cNvPicPr>
+            <a:picLocks noChangeAspect="1" noChangeArrowheads="1"/>
+          </p:cNvPicPr>
+          <p:nvPr/>
+        </p:nvPicPr>
+        <p:blipFill>
+          <a:blip r:embed="rId3" cstate="print">
+            <a:extLst>
+              <a:ext uri="{28A0092B-C50C-407E-A947-70E740481C1C}">
+                <a14:useLocalDpi xmlns:a14="http://schemas.microsoft.com/office/drawing/2010/main" val="0"/>
+              </a:ext>
+            </a:extLst>
+          </a:blip>
+          <a:srcRect/>
+          <a:stretch>
+            <a:fillRect/>
+          </a:stretch>
+        </p:blipFill>
+        <p:spPr bwMode="auto">
+          <a:xfrm>
+            <a:off x="5352568" y="2468271"/>
+            <a:ext cx="2442923" cy="574087"/>
+          </a:xfrm>
+          <a:prstGeom prst="rect">
+            <a:avLst/>
+          </a:prstGeom>
+          <a:noFill/>
+          <a:extLst>
+            <a:ext uri="{909E8E84-426E-40DD-AFC4-6F175D3DCCD1}">
+              <a14:hiddenFill xmlns:a14="http://schemas.microsoft.com/office/drawing/2010/main">
+                <a:solidFill>
+                  <a:srgbClr val="FFFFFF"/>
+                </a:solidFill>
+              </a14:hiddenFill>
+            </a:ext>
+          </a:extLst>
+        </p:spPr>
+      </p:pic>
+      <p:pic>
+        <p:nvPicPr>
+          <p:cNvPr id="2054" name="Picture 6" descr="https://confluence.jetbrains.com/download/attachments/51943829/webstorm_logo.gif"/>
+          <p:cNvPicPr>
+            <a:picLocks noChangeAspect="1" noChangeArrowheads="1"/>
+          </p:cNvPicPr>
+          <p:nvPr/>
+        </p:nvPicPr>
+        <p:blipFill>
+          <a:blip r:embed="rId4">
+            <a:extLst>
+              <a:ext uri="{28A0092B-C50C-407E-A947-70E740481C1C}">
+                <a14:useLocalDpi xmlns:a14="http://schemas.microsoft.com/office/drawing/2010/main" val="0"/>
+              </a:ext>
+            </a:extLst>
+          </a:blip>
+          <a:srcRect/>
+          <a:stretch>
+            <a:fillRect/>
+          </a:stretch>
+        </p:blipFill>
+        <p:spPr bwMode="auto">
+          <a:xfrm>
+            <a:off x="5455959" y="3683011"/>
+            <a:ext cx="3003261" cy="675734"/>
+          </a:xfrm>
+          <a:prstGeom prst="rect">
+            <a:avLst/>
+          </a:prstGeom>
+          <a:noFill/>
+          <a:extLst>
+            <a:ext uri="{909E8E84-426E-40DD-AFC4-6F175D3DCCD1}">
+              <a14:hiddenFill xmlns:a14="http://schemas.microsoft.com/office/drawing/2010/main">
+                <a:solidFill>
+                  <a:srgbClr val="FFFFFF"/>
+                </a:solidFill>
+              </a14:hiddenFill>
+            </a:ext>
+          </a:extLst>
+        </p:spPr>
+      </p:pic>
+      <p:pic>
+        <p:nvPicPr>
+          <p:cNvPr id="4" name="Picture 3"/>
+          <p:cNvPicPr>
+            <a:picLocks noChangeAspect="1"/>
+          </p:cNvPicPr>
+          <p:nvPr/>
+        </p:nvPicPr>
+        <p:blipFill>
+          <a:blip r:embed="rId5"/>
+          <a:stretch>
+            <a:fillRect/>
+          </a:stretch>
+        </p:blipFill>
+        <p:spPr>
+          <a:xfrm>
+            <a:off x="2022918" y="4100975"/>
+            <a:ext cx="2952750" cy="1676400"/>
+          </a:xfrm>
+          <a:prstGeom prst="rect">
+            <a:avLst/>
+          </a:prstGeom>
+        </p:spPr>
+      </p:pic>
+    </p:spTree>
+    <p:extLst>
+      <p:ext uri="{BB962C8B-B14F-4D97-AF65-F5344CB8AC3E}">
+        <p14:creationId xmlns:p14="http://schemas.microsoft.com/office/powerpoint/2010/main" val="2041213752"/>
+      </p:ext>
+    </p:extLst>
+  </p:cSld>
+  <p:clrMapOvr>
+    <a:masterClrMapping/>
+  </p:clrMapOvr>
+</p:sld>
+</file>
+
+<file path=ppt/slides/slide5.xml><?xml version="1.0" encoding="utf-8"?>
+<p:sld xmlns:a="http://schemas.openxmlformats.org/drawingml/2006/main" xmlns:r="http://schemas.openxmlformats.org/officeDocument/2006/relationships" xmlns:p="http://schemas.openxmlformats.org/presentationml/2006/main">
+  <p:cSld>
+    <p:spTree>
+      <p:nvGrpSpPr>
+        <p:cNvPr id="1" name=""/>
+        <p:cNvGrpSpPr/>
+        <p:nvPr/>
+      </p:nvGrpSpPr>
+      <p:grpSpPr>
+        <a:xfrm>
+          <a:off x="0" y="0"/>
+          <a:ext cx="0" cy="0"/>
+          <a:chOff x="0" y="0"/>
+          <a:chExt cx="0" cy="0"/>
+        </a:xfrm>
+      </p:grpSpPr>
+      <p:sp>
+        <p:nvSpPr>
+          <p:cNvPr id="2" name="Title 1"/>
+          <p:cNvSpPr>
+            <a:spLocks noGrp="1"/>
+          </p:cNvSpPr>
+          <p:nvPr>
+            <p:ph type="title"/>
+          </p:nvPr>
+        </p:nvSpPr>
+        <p:spPr/>
+        <p:txBody>
+          <a:bodyPr/>
+          <a:lstStyle/>
+          <a:p>
+            <a:r>
+              <a:rPr lang="en-US" dirty="0"/>
+              <a:t>Why </a:t>
+            </a:r>
+            <a:r>
+              <a:rPr lang="en-US" dirty="0" err="1"/>
+              <a:t>TypeScript</a:t>
+            </a:r>
+            <a:r>
+              <a:rPr lang="en-US" dirty="0"/>
+              <a:t>?</a:t>
+            </a:r>
+          </a:p>
+        </p:txBody>
+      </p:sp>
+      <p:sp>
+        <p:nvSpPr>
+          <p:cNvPr id="3" name="Content Placeholder 2"/>
+          <p:cNvSpPr>
+            <a:spLocks noGrp="1"/>
+          </p:cNvSpPr>
+          <p:nvPr>
+            <p:ph idx="1"/>
+          </p:nvPr>
+        </p:nvSpPr>
+        <p:spPr/>
+        <p:txBody>
+          <a:bodyPr/>
+          <a:lstStyle/>
+          <a:p>
+            <a:r>
+              <a:rPr lang="en-US" dirty="0" smtClean="0">
+                <a:sym typeface="Wingdings" panose="05000000000000000000" pitchFamily="2" charset="2"/>
+              </a:rPr>
+              <a:t>Refactoring support via</a:t>
+            </a:r>
+          </a:p>
+          <a:p>
+            <a:pPr lvl="1"/>
+            <a:r>
+              <a:rPr lang="en-US" dirty="0" smtClean="0">
+                <a:sym typeface="Wingdings" panose="05000000000000000000" pitchFamily="2" charset="2"/>
+              </a:rPr>
+              <a:t>Rename</a:t>
+            </a:r>
+          </a:p>
+          <a:p>
+            <a:pPr lvl="1"/>
+            <a:r>
+              <a:rPr lang="en-US" dirty="0" err="1" smtClean="0">
+                <a:sym typeface="Wingdings" panose="05000000000000000000" pitchFamily="2" charset="2"/>
+              </a:rPr>
+              <a:t>Ctrl+click</a:t>
+            </a:r>
+            <a:r>
+              <a:rPr lang="en-US" dirty="0" smtClean="0">
+                <a:sym typeface="Wingdings" panose="05000000000000000000" pitchFamily="2" charset="2"/>
+              </a:rPr>
+              <a:t> go to definition</a:t>
+            </a:r>
+          </a:p>
+          <a:p>
+            <a:pPr lvl="1"/>
+            <a:r>
+              <a:rPr lang="en-US" dirty="0" smtClean="0">
+                <a:sym typeface="Wingdings" panose="05000000000000000000" pitchFamily="2" charset="2"/>
+              </a:rPr>
+              <a:t>Go to symbol support (</a:t>
+            </a:r>
+            <a:r>
+              <a:rPr lang="en-US" dirty="0" err="1" smtClean="0">
+                <a:sym typeface="Wingdings" panose="05000000000000000000" pitchFamily="2" charset="2"/>
+              </a:rPr>
+              <a:t>Ctrl+shift+T</a:t>
+            </a:r>
+            <a:r>
+              <a:rPr lang="en-US" dirty="0" smtClean="0">
+                <a:sym typeface="Wingdings" panose="05000000000000000000" pitchFamily="2" charset="2"/>
+              </a:rPr>
+              <a:t>, </a:t>
+            </a:r>
+            <a:r>
+              <a:rPr lang="en-US" dirty="0" err="1" smtClean="0">
+                <a:sym typeface="Wingdings" panose="05000000000000000000" pitchFamily="2" charset="2"/>
+              </a:rPr>
+              <a:t>Ctrl+T</a:t>
+            </a:r>
+            <a:r>
+              <a:rPr lang="en-US" dirty="0" smtClean="0">
+                <a:sym typeface="Wingdings" panose="05000000000000000000" pitchFamily="2" charset="2"/>
+              </a:rPr>
+              <a:t>)</a:t>
+            </a:r>
+          </a:p>
+          <a:p>
+            <a:pPr lvl="1"/>
+            <a:r>
+              <a:rPr lang="en-US" dirty="0" smtClean="0">
+                <a:sym typeface="Wingdings" panose="05000000000000000000" pitchFamily="2" charset="2"/>
+              </a:rPr>
+              <a:t>50+ quick fixes</a:t>
+            </a:r>
+          </a:p>
+          <a:p>
+            <a:pPr lvl="1"/>
+            <a:endParaRPr lang="en-US" dirty="0">
+              <a:sym typeface="Wingdings" panose="05000000000000000000" pitchFamily="2" charset="2"/>
+            </a:endParaRPr>
+          </a:p>
+          <a:p>
+            <a:r>
+              <a:rPr lang="en-US" dirty="0" err="1" smtClean="0">
+                <a:sym typeface="Wingdings" panose="05000000000000000000" pitchFamily="2" charset="2"/>
+              </a:rPr>
+              <a:t>Linting</a:t>
+            </a:r>
+            <a:r>
+              <a:rPr lang="en-US" dirty="0" smtClean="0">
+                <a:sym typeface="Wingdings" panose="05000000000000000000" pitchFamily="2" charset="2"/>
+              </a:rPr>
+              <a:t> support via </a:t>
+            </a:r>
+            <a:r>
+              <a:rPr lang="en-US" dirty="0" err="1" smtClean="0">
+                <a:sym typeface="Wingdings" panose="05000000000000000000" pitchFamily="2" charset="2"/>
+              </a:rPr>
+              <a:t>TSLint</a:t>
+            </a:r>
+            <a:r>
+              <a:rPr lang="en-US" dirty="0" smtClean="0">
+                <a:sym typeface="Wingdings" panose="05000000000000000000" pitchFamily="2" charset="2"/>
+              </a:rPr>
+              <a:t> and Web Essentials</a:t>
+            </a:r>
+          </a:p>
+          <a:p>
+            <a:pPr lvl="1"/>
+            <a:r>
+              <a:rPr lang="en-US" dirty="0" smtClean="0">
+                <a:sym typeface="Wingdings" panose="05000000000000000000" pitchFamily="2" charset="2"/>
+              </a:rPr>
+              <a:t>(aka </a:t>
+            </a:r>
+            <a:r>
+              <a:rPr lang="en-US" dirty="0" err="1" smtClean="0">
+                <a:sym typeface="Wingdings" panose="05000000000000000000" pitchFamily="2" charset="2"/>
+              </a:rPr>
+              <a:t>StyleCop</a:t>
+            </a:r>
+            <a:r>
+              <a:rPr lang="en-US" dirty="0" smtClean="0">
+                <a:sym typeface="Wingdings" panose="05000000000000000000" pitchFamily="2" charset="2"/>
+              </a:rPr>
+              <a:t>)</a:t>
+            </a:r>
+          </a:p>
+          <a:p>
+            <a:pPr lvl="1"/>
+            <a:endParaRPr lang="en-US" dirty="0"/>
+          </a:p>
+        </p:txBody>
+      </p:sp>
+      <p:pic>
+        <p:nvPicPr>
+          <p:cNvPr id="3074" name="Picture 2" descr="http://blog.jetbrains.com/wp-content/uploads/2014/04/logo_resharper.gif"/>
+          <p:cNvPicPr>
+            <a:picLocks noChangeAspect="1" noChangeArrowheads="1"/>
+          </p:cNvPicPr>
+          <p:nvPr/>
+        </p:nvPicPr>
+        <p:blipFill>
+          <a:blip r:embed="rId2" cstate="print">
+            <a:extLst>
+              <a:ext uri="{28A0092B-C50C-407E-A947-70E740481C1C}">
+                <a14:useLocalDpi xmlns:a14="http://schemas.microsoft.com/office/drawing/2010/main" val="0"/>
+              </a:ext>
+            </a:extLst>
+          </a:blip>
+          <a:srcRect/>
+          <a:stretch>
+            <a:fillRect/>
+          </a:stretch>
+        </p:blipFill>
+        <p:spPr bwMode="auto">
+          <a:xfrm>
+            <a:off x="3963565" y="2074139"/>
+            <a:ext cx="2744641" cy="543852"/>
+          </a:xfrm>
+          <a:prstGeom prst="rect">
+            <a:avLst/>
+          </a:prstGeom>
+          <a:noFill/>
+          <a:extLst>
+            <a:ext uri="{909E8E84-426E-40DD-AFC4-6F175D3DCCD1}">
+              <a14:hiddenFill xmlns:a14="http://schemas.microsoft.com/office/drawing/2010/main">
+                <a:solidFill>
+                  <a:srgbClr val="FFFFFF"/>
+                </a:solidFill>
+              </a14:hiddenFill>
+            </a:ext>
+          </a:extLst>
+        </p:spPr>
+      </p:pic>
+      <p:pic>
+        <p:nvPicPr>
+          <p:cNvPr id="3076" name="Picture 4" descr="https://s3.amazonaws.com/uploads.uservoice.com/logo/design_setting/25990/original/WebEssentials2012logo_with_text.png?1346702450"/>
+          <p:cNvPicPr>
+            <a:picLocks noChangeAspect="1" noChangeArrowheads="1"/>
+          </p:cNvPicPr>
+          <p:nvPr/>
+        </p:nvPicPr>
+        <p:blipFill>
+          <a:blip r:embed="rId3">
+            <a:extLst>
+              <a:ext uri="{28A0092B-C50C-407E-A947-70E740481C1C}">
+                <a14:useLocalDpi xmlns:a14="http://schemas.microsoft.com/office/drawing/2010/main" val="0"/>
+              </a:ext>
+            </a:extLst>
+          </a:blip>
+          <a:srcRect/>
+          <a:stretch>
+            <a:fillRect/>
+          </a:stretch>
+        </p:blipFill>
+        <p:spPr bwMode="auto">
+          <a:xfrm>
+            <a:off x="6353868" y="4280911"/>
+            <a:ext cx="2920134" cy="720034"/>
+          </a:xfrm>
+          <a:prstGeom prst="rect">
+            <a:avLst/>
+          </a:prstGeom>
+          <a:noFill/>
+          <a:extLst>
+            <a:ext uri="{909E8E84-426E-40DD-AFC4-6F175D3DCCD1}">
+              <a14:hiddenFill xmlns:a14="http://schemas.microsoft.com/office/drawing/2010/main">
+                <a:solidFill>
+                  <a:srgbClr val="FFFFFF"/>
+                </a:solidFill>
+              </a14:hiddenFill>
+            </a:ext>
+          </a:extLst>
+        </p:spPr>
+      </p:pic>
+    </p:spTree>
+    <p:extLst>
+      <p:ext uri="{BB962C8B-B14F-4D97-AF65-F5344CB8AC3E}">
+        <p14:creationId xmlns:p14="http://schemas.microsoft.com/office/powerpoint/2010/main" val="2600042839"/>
+      </p:ext>
+    </p:extLst>
+  </p:cSld>
+  <p:clrMapOvr>
+    <a:masterClrMapping/>
+  </p:clrMapOvr>
+</p:sld>
+</file>
+
+<file path=ppt/slides/slide6.xml><?xml version="1.0" encoding="utf-8"?>
+<p:sld xmlns:a="http://schemas.openxmlformats.org/drawingml/2006/main" xmlns:r="http://schemas.openxmlformats.org/officeDocument/2006/relationships" xmlns:p="http://schemas.openxmlformats.org/presentationml/2006/main">
+  <p:cSld>
+    <p:spTree>
+      <p:nvGrpSpPr>
+        <p:cNvPr id="1" name=""/>
+        <p:cNvGrpSpPr/>
+        <p:nvPr/>
+      </p:nvGrpSpPr>
+      <p:grpSpPr>
+        <a:xfrm>
+          <a:off x="0" y="0"/>
+          <a:ext cx="0" cy="0"/>
+          <a:chOff x="0" y="0"/>
+          <a:chExt cx="0" cy="0"/>
+        </a:xfrm>
+      </p:grpSpPr>
+      <p:sp>
+        <p:nvSpPr>
+          <p:cNvPr id="2" name="Title 1"/>
+          <p:cNvSpPr>
+            <a:spLocks noGrp="1"/>
+          </p:cNvSpPr>
+          <p:nvPr>
+            <p:ph type="title"/>
+          </p:nvPr>
+        </p:nvSpPr>
+        <p:spPr/>
+        <p:txBody>
+          <a:bodyPr/>
+          <a:lstStyle/>
+          <a:p>
+            <a:r>
+              <a:rPr lang="en-US" dirty="0"/>
+              <a:t>Why </a:t>
+            </a:r>
+            <a:r>
+              <a:rPr lang="en-US" dirty="0" err="1"/>
+              <a:t>TypeScript</a:t>
+            </a:r>
+            <a:r>
+              <a:rPr lang="en-US" dirty="0"/>
+              <a:t>?</a:t>
+            </a:r>
+          </a:p>
+        </p:txBody>
+      </p:sp>
+      <p:sp>
+        <p:nvSpPr>
+          <p:cNvPr id="3" name="Content Placeholder 2"/>
+          <p:cNvSpPr>
+            <a:spLocks noGrp="1"/>
+          </p:cNvSpPr>
+          <p:nvPr>
+            <p:ph idx="1"/>
+          </p:nvPr>
+        </p:nvSpPr>
+        <p:spPr/>
+        <p:txBody>
+          <a:bodyPr/>
+          <a:lstStyle/>
+          <a:p>
+            <a:r>
+              <a:rPr lang="en-US" dirty="0" smtClean="0"/>
+              <a:t>Works well with existing libraries</a:t>
+            </a:r>
+          </a:p>
+          <a:p>
+            <a:pPr lvl="1"/>
+            <a:r>
+              <a:rPr lang="en-US" dirty="0" smtClean="0"/>
+              <a:t>“Header” </a:t>
+            </a:r>
+            <a:r>
+              <a:rPr lang="en-US" dirty="0"/>
+              <a:t>files via </a:t>
+            </a:r>
+            <a:r>
+              <a:rPr lang="en-US" dirty="0">
+                <a:hlinkClick r:id="rId2"/>
+              </a:rPr>
+              <a:t>https://</a:t>
+            </a:r>
+            <a:r>
+              <a:rPr lang="en-US" dirty="0" smtClean="0">
+                <a:hlinkClick r:id="rId2"/>
+              </a:rPr>
+              <a:t>github.com/borisyankov/DefinitelyTyped</a:t>
+            </a:r>
+            <a:endParaRPr lang="en-US" dirty="0" smtClean="0"/>
+          </a:p>
+          <a:p>
+            <a:pPr lvl="1"/>
+            <a:endParaRPr lang="en-US" dirty="0"/>
+          </a:p>
+          <a:p>
+            <a:r>
+              <a:rPr lang="en-US" dirty="0" err="1" smtClean="0"/>
+              <a:t>Intellisense</a:t>
+            </a:r>
+            <a:r>
+              <a:rPr lang="en-US" dirty="0" smtClean="0"/>
+              <a:t> and documentation for existing libraries</a:t>
+            </a:r>
+          </a:p>
+          <a:p>
+            <a:endParaRPr lang="en-US" dirty="0"/>
+          </a:p>
+          <a:p>
+            <a:r>
+              <a:rPr lang="en-US" dirty="0" smtClean="0"/>
+              <a:t>Examples:</a:t>
+            </a:r>
+          </a:p>
+          <a:p>
+            <a:pPr lvl="1"/>
+            <a:r>
+              <a:rPr lang="en-US" dirty="0" smtClean="0"/>
+              <a:t>HTML5 DOM</a:t>
+            </a:r>
+          </a:p>
+          <a:p>
+            <a:pPr lvl="1"/>
+            <a:r>
+              <a:rPr lang="en-US" dirty="0" smtClean="0"/>
+              <a:t>Node.js</a:t>
+            </a:r>
+          </a:p>
+          <a:p>
+            <a:pPr lvl="1"/>
+            <a:r>
+              <a:rPr lang="en-US" dirty="0" smtClean="0"/>
+              <a:t>jQuery</a:t>
+            </a:r>
+          </a:p>
+          <a:p>
+            <a:pPr lvl="1"/>
+            <a:r>
+              <a:rPr lang="en-US" dirty="0" smtClean="0"/>
+              <a:t>Many more</a:t>
+            </a:r>
+          </a:p>
+          <a:p>
+            <a:endParaRPr lang="en-US" dirty="0"/>
+          </a:p>
+        </p:txBody>
+      </p:sp>
+    </p:spTree>
+    <p:extLst>
+      <p:ext uri="{BB962C8B-B14F-4D97-AF65-F5344CB8AC3E}">
+        <p14:creationId xmlns:p14="http://schemas.microsoft.com/office/powerpoint/2010/main" val="4226310973"/>
+      </p:ext>
+    </p:extLst>
+  </p:cSld>
+  <p:clrMapOvr>
+    <a:masterClrMapping/>
+  </p:clrMapOvr>
+</p:sld>
+</file>
+
+<file path=ppt/slides/slide7.xml><?xml version="1.0" encoding="utf-8"?>
+<p:sld xmlns:a="http://schemas.openxmlformats.org/drawingml/2006/main" xmlns:r="http://schemas.openxmlformats.org/officeDocument/2006/relationships" xmlns:p="http://schemas.openxmlformats.org/presentationml/2006/main">
+  <p:cSld>
+    <p:spTree>
+      <p:nvGrpSpPr>
+        <p:cNvPr id="1" name=""/>
+        <p:cNvGrpSpPr/>
+        <p:nvPr/>
+      </p:nvGrpSpPr>
+      <p:grpSpPr>
+        <a:xfrm>
+          <a:off x="0" y="0"/>
+          <a:ext cx="0" cy="0"/>
+          <a:chOff x="0" y="0"/>
+          <a:chExt cx="0" cy="0"/>
+        </a:xfrm>
+      </p:grpSpPr>
+      <p:sp>
+        <p:nvSpPr>
+          <p:cNvPr id="2" name="Title 1"/>
+          <p:cNvSpPr>
+            <a:spLocks noGrp="1"/>
+          </p:cNvSpPr>
+          <p:nvPr>
+            <p:ph type="title"/>
+          </p:nvPr>
+        </p:nvSpPr>
+        <p:spPr/>
+        <p:txBody>
+          <a:bodyPr/>
+          <a:lstStyle/>
+          <a:p>
+            <a:r>
+              <a:rPr lang="en-US" dirty="0" smtClean="0"/>
+              <a:t>Development Benefits</a:t>
+            </a:r>
+            <a:endParaRPr lang="en-US" dirty="0"/>
+          </a:p>
+        </p:txBody>
+      </p:sp>
+      <p:sp>
+        <p:nvSpPr>
+          <p:cNvPr id="3" name="Content Placeholder 2"/>
+          <p:cNvSpPr>
+            <a:spLocks noGrp="1"/>
+          </p:cNvSpPr>
+          <p:nvPr>
+            <p:ph idx="1"/>
+          </p:nvPr>
+        </p:nvSpPr>
+        <p:spPr>
+          <a:xfrm>
+            <a:off x="677334" y="2160589"/>
+            <a:ext cx="8596668" cy="4304866"/>
+          </a:xfrm>
+        </p:spPr>
+        <p:txBody>
+          <a:bodyPr>
+            <a:normAutofit/>
+          </a:bodyPr>
+          <a:lstStyle/>
+          <a:p>
+            <a:r>
+              <a:rPr lang="en-US" dirty="0"/>
+              <a:t>Find errors at compile time</a:t>
+            </a:r>
+          </a:p>
+          <a:p>
+            <a:pPr lvl="1"/>
+            <a:r>
+              <a:rPr lang="en-US" dirty="0"/>
+              <a:t>Compile time errors </a:t>
+            </a:r>
+            <a:r>
+              <a:rPr lang="en-US" dirty="0">
+                <a:sym typeface="Wingdings" panose="05000000000000000000" pitchFamily="2" charset="2"/>
+              </a:rPr>
+              <a:t> </a:t>
+            </a:r>
+            <a:r>
+              <a:rPr lang="en-US" dirty="0" err="1" smtClean="0">
+                <a:sym typeface="Wingdings" panose="05000000000000000000" pitchFamily="2" charset="2"/>
+              </a:rPr>
+              <a:t>Easierto</a:t>
+            </a:r>
+            <a:r>
+              <a:rPr lang="en-US" dirty="0" smtClean="0">
+                <a:sym typeface="Wingdings" panose="05000000000000000000" pitchFamily="2" charset="2"/>
+              </a:rPr>
+              <a:t> debug</a:t>
+            </a:r>
+          </a:p>
+          <a:p>
+            <a:pPr lvl="1"/>
+            <a:endParaRPr lang="en-US" dirty="0">
+              <a:sym typeface="Wingdings" panose="05000000000000000000" pitchFamily="2" charset="2"/>
+            </a:endParaRPr>
+          </a:p>
+          <a:p>
+            <a:r>
+              <a:rPr lang="en-US" dirty="0"/>
+              <a:t>FULL </a:t>
+            </a:r>
+            <a:r>
+              <a:rPr lang="en-US" dirty="0" err="1" smtClean="0"/>
+              <a:t>Intellisense</a:t>
+            </a:r>
+            <a:r>
+              <a:rPr lang="en-US" dirty="0" smtClean="0"/>
+              <a:t> support</a:t>
+            </a:r>
+            <a:endParaRPr lang="en-US" dirty="0" smtClean="0">
+              <a:sym typeface="Wingdings" panose="05000000000000000000" pitchFamily="2" charset="2"/>
+            </a:endParaRPr>
+          </a:p>
+          <a:p>
+            <a:pPr lvl="1"/>
+            <a:endParaRPr lang="en-US" dirty="0">
+              <a:sym typeface="Wingdings" panose="05000000000000000000" pitchFamily="2" charset="2"/>
+            </a:endParaRPr>
+          </a:p>
+          <a:p>
+            <a:r>
+              <a:rPr lang="en-US" dirty="0" smtClean="0">
+                <a:sym typeface="Wingdings" panose="05000000000000000000" pitchFamily="2" charset="2"/>
+              </a:rPr>
+              <a:t>Enables more Object-Oriented JavaScript patterns</a:t>
+            </a:r>
+          </a:p>
+          <a:p>
+            <a:pPr lvl="1"/>
+            <a:r>
+              <a:rPr lang="en-US" dirty="0" smtClean="0">
+                <a:sym typeface="Wingdings" panose="05000000000000000000" pitchFamily="2" charset="2"/>
+              </a:rPr>
+              <a:t>Classes</a:t>
+            </a:r>
+          </a:p>
+          <a:p>
+            <a:pPr lvl="1"/>
+            <a:r>
+              <a:rPr lang="en-US" dirty="0" smtClean="0">
+                <a:sym typeface="Wingdings" panose="05000000000000000000" pitchFamily="2" charset="2"/>
+              </a:rPr>
+              <a:t>Interfaces</a:t>
+            </a:r>
+          </a:p>
+          <a:p>
+            <a:pPr lvl="1"/>
+            <a:r>
+              <a:rPr lang="en-US" dirty="0" err="1" smtClean="0">
+                <a:sym typeface="Wingdings" panose="05000000000000000000" pitchFamily="2" charset="2"/>
+              </a:rPr>
+              <a:t>Enums</a:t>
+            </a:r>
+            <a:endParaRPr lang="en-US" dirty="0" smtClean="0">
+              <a:sym typeface="Wingdings" panose="05000000000000000000" pitchFamily="2" charset="2"/>
+            </a:endParaRPr>
+          </a:p>
+          <a:p>
+            <a:pPr lvl="1"/>
+            <a:r>
+              <a:rPr lang="en-US" dirty="0" smtClean="0">
+                <a:sym typeface="Wingdings" panose="05000000000000000000" pitchFamily="2" charset="2"/>
+              </a:rPr>
+              <a:t>Inheritance</a:t>
+            </a:r>
+          </a:p>
+          <a:p>
+            <a:pPr lvl="1"/>
+            <a:r>
+              <a:rPr lang="en-US" dirty="0" smtClean="0">
+                <a:sym typeface="Wingdings" panose="05000000000000000000" pitchFamily="2" charset="2"/>
+              </a:rPr>
+              <a:t>Encapsulation (modules)</a:t>
+            </a:r>
+            <a:endParaRPr lang="en-US" dirty="0">
+              <a:sym typeface="Wingdings" panose="05000000000000000000" pitchFamily="2" charset="2"/>
+            </a:endParaRPr>
+          </a:p>
+          <a:p>
+            <a:endParaRPr lang="en-US" dirty="0"/>
+          </a:p>
+        </p:txBody>
+      </p:sp>
+    </p:spTree>
+    <p:extLst>
+      <p:ext uri="{BB962C8B-B14F-4D97-AF65-F5344CB8AC3E}">
+        <p14:creationId xmlns:p14="http://schemas.microsoft.com/office/powerpoint/2010/main" val="389962121"/>
+      </p:ext>
+    </p:extLst>
+  </p:cSld>
+  <p:clrMapOvr>
+    <a:masterClrMapping/>
+  </p:clrMapOvr>
+</p:sld>
+</file>
+
+<file path=ppt/slides/slide8.xml><?xml version="1.0" encoding="utf-8"?>
+<p:sld xmlns:a="http://schemas.openxmlformats.org/drawingml/2006/main" xmlns:r="http://schemas.openxmlformats.org/officeDocument/2006/relationships" xmlns:p="http://schemas.openxmlformats.org/presentationml/2006/main">
+  <p:cSld>
+    <p:spTree>
+      <p:nvGrpSpPr>
+        <p:cNvPr id="1" name=""/>
+        <p:cNvGrpSpPr/>
+        <p:nvPr/>
+      </p:nvGrpSpPr>
+      <p:grpSpPr>
+        <a:xfrm>
+          <a:off x="0" y="0"/>
+          <a:ext cx="0" cy="0"/>
+          <a:chOff x="0" y="0"/>
+          <a:chExt cx="0" cy="0"/>
+        </a:xfrm>
+      </p:grpSpPr>
+      <p:sp>
+        <p:nvSpPr>
+          <p:cNvPr id="2" name="Title 1"/>
+          <p:cNvSpPr>
+            <a:spLocks noGrp="1"/>
+          </p:cNvSpPr>
+          <p:nvPr>
+            <p:ph type="title"/>
+          </p:nvPr>
+        </p:nvSpPr>
+        <p:spPr/>
+        <p:txBody>
+          <a:bodyPr/>
+          <a:lstStyle/>
+          <a:p>
+            <a:r>
+              <a:rPr lang="en-US" dirty="0"/>
+              <a:t>Development Benefits</a:t>
+            </a:r>
+          </a:p>
+        </p:txBody>
+      </p:sp>
+      <p:sp>
+        <p:nvSpPr>
+          <p:cNvPr id="3" name="Content Placeholder 2"/>
+          <p:cNvSpPr>
+            <a:spLocks noGrp="1"/>
+          </p:cNvSpPr>
+          <p:nvPr>
+            <p:ph idx="1"/>
+          </p:nvPr>
+        </p:nvSpPr>
+        <p:spPr/>
+        <p:txBody>
+          <a:bodyPr/>
+          <a:lstStyle/>
+          <a:p>
+            <a:r>
+              <a:rPr lang="en-US" dirty="0" smtClean="0"/>
+              <a:t>Write more testable code</a:t>
+            </a:r>
+          </a:p>
+          <a:p>
+            <a:pPr lvl="1"/>
+            <a:r>
+              <a:rPr lang="en-US" dirty="0" smtClean="0"/>
+              <a:t>Tests can be written in </a:t>
+            </a:r>
+            <a:r>
+              <a:rPr lang="en-US" dirty="0" err="1" smtClean="0"/>
+              <a:t>TypeScript</a:t>
+            </a:r>
+            <a:r>
+              <a:rPr lang="en-US" dirty="0" smtClean="0"/>
+              <a:t> too!</a:t>
+            </a:r>
+          </a:p>
+          <a:p>
+            <a:pPr lvl="1"/>
+            <a:endParaRPr lang="en-US" dirty="0"/>
+          </a:p>
+          <a:p>
+            <a:r>
+              <a:rPr lang="en-US" dirty="0" smtClean="0"/>
+              <a:t>Write more maintainable code</a:t>
+            </a:r>
+          </a:p>
+          <a:p>
+            <a:pPr lvl="1"/>
+            <a:r>
+              <a:rPr lang="en-US" dirty="0" smtClean="0"/>
+              <a:t>Catch bugs earlier</a:t>
+            </a:r>
+          </a:p>
+          <a:p>
+            <a:pPr lvl="1"/>
+            <a:endParaRPr lang="en-US" dirty="0"/>
+          </a:p>
+          <a:p>
+            <a:r>
+              <a:rPr lang="en-US" dirty="0" smtClean="0"/>
+              <a:t>Wraps prototypal inheritance pattern</a:t>
+            </a:r>
+          </a:p>
+          <a:p>
+            <a:pPr lvl="1"/>
+            <a:r>
+              <a:rPr lang="en-US" dirty="0" smtClean="0"/>
+              <a:t>Better performance</a:t>
+            </a:r>
+          </a:p>
+          <a:p>
+            <a:pPr lvl="1"/>
+            <a:endParaRPr lang="en-US" dirty="0"/>
+          </a:p>
+          <a:p>
+            <a:endParaRPr lang="en-US" dirty="0"/>
+          </a:p>
+        </p:txBody>
+      </p:sp>
+    </p:spTree>
+    <p:extLst>
+      <p:ext uri="{BB962C8B-B14F-4D97-AF65-F5344CB8AC3E}">
+        <p14:creationId xmlns:p14="http://schemas.microsoft.com/office/powerpoint/2010/main" val="1078026068"/>
+      </p:ext>
+    </p:extLst>
+  </p:cSld>
+  <p:clrMapOvr>
+    <a:masterClrMapping/>
+  </p:clrMapOvr>
+</p:sld>
+</file>
+
+<file path=ppt/slides/slide9.xml><?xml version="1.0" encoding="utf-8"?>
+<p:sld xmlns:a="http://schemas.openxmlformats.org/drawingml/2006/main" xmlns:r="http://schemas.openxmlformats.org/officeDocument/2006/relationships" xmlns:p="http://schemas.openxmlformats.org/presentationml/2006/main">
+  <p:cSld>
+    <p:spTree>
+      <p:nvGrpSpPr>
+        <p:cNvPr id="1" name=""/>
+        <p:cNvGrpSpPr/>
+        <p:nvPr/>
+      </p:nvGrpSpPr>
+      <p:grpSpPr>
+        <a:xfrm>
+          <a:off x="0" y="0"/>
+          <a:ext cx="0" cy="0"/>
+          <a:chOff x="0" y="0"/>
+          <a:chExt cx="0" cy="0"/>
+        </a:xfrm>
+      </p:grpSpPr>
+      <p:sp>
+        <p:nvSpPr>
+          <p:cNvPr id="2" name="Title 1"/>
+          <p:cNvSpPr>
+            <a:spLocks noGrp="1"/>
+          </p:cNvSpPr>
+          <p:nvPr>
+            <p:ph type="title"/>
+          </p:nvPr>
+        </p:nvSpPr>
+        <p:spPr/>
+        <p:txBody>
+          <a:bodyPr/>
+          <a:lstStyle/>
+          <a:p>
+            <a:r>
+              <a:rPr lang="en-US" dirty="0"/>
+              <a:t>Development Benefits</a:t>
+            </a:r>
+          </a:p>
+        </p:txBody>
+      </p:sp>
+      <p:sp>
+        <p:nvSpPr>
+          <p:cNvPr id="3" name="Content Placeholder 2"/>
+          <p:cNvSpPr>
+            <a:spLocks noGrp="1"/>
+          </p:cNvSpPr>
+          <p:nvPr>
+            <p:ph idx="1"/>
+          </p:nvPr>
+        </p:nvSpPr>
+        <p:spPr/>
+        <p:txBody>
+          <a:bodyPr/>
+          <a:lstStyle/>
+          <a:p>
+            <a:r>
+              <a:rPr lang="en-US" dirty="0" smtClean="0"/>
+              <a:t>Robust module system</a:t>
+            </a:r>
+          </a:p>
+          <a:p>
+            <a:pPr lvl="1"/>
+            <a:r>
+              <a:rPr lang="en-US" dirty="0" smtClean="0"/>
+              <a:t>Closure-based modules/namespaces</a:t>
+            </a:r>
+          </a:p>
+          <a:p>
+            <a:pPr lvl="1"/>
+            <a:r>
+              <a:rPr lang="en-US" dirty="0" smtClean="0"/>
+              <a:t>AMD modules</a:t>
+            </a:r>
+          </a:p>
+          <a:p>
+            <a:pPr lvl="1"/>
+            <a:r>
+              <a:rPr lang="en-US" dirty="0" err="1" smtClean="0"/>
+              <a:t>CommonJS</a:t>
+            </a:r>
+            <a:r>
+              <a:rPr lang="en-US" dirty="0" smtClean="0"/>
+              <a:t> modules</a:t>
+            </a:r>
+          </a:p>
+          <a:p>
+            <a:pPr lvl="1"/>
+            <a:endParaRPr lang="en-US" dirty="0"/>
+          </a:p>
+          <a:p>
+            <a:r>
+              <a:rPr lang="en-US" dirty="0" smtClean="0"/>
+              <a:t>Wraps ECMAScript5 “properties”</a:t>
+            </a:r>
+          </a:p>
+        </p:txBody>
+      </p:sp>
+    </p:spTree>
+    <p:extLst>
+      <p:ext uri="{BB962C8B-B14F-4D97-AF65-F5344CB8AC3E}">
+        <p14:creationId xmlns:p14="http://schemas.microsoft.com/office/powerpoint/2010/main" val="1392342973"/>
       </p:ext>
     </p:extLst>
   </p:cSld>

--- a/Presentation/TypeScriptFundamentals.pptx
+++ b/Presentation/TypeScriptFundamentals.pptx
@@ -20,13 +20,18 @@
     <p:sldId id="268" r:id="rId14"/>
     <p:sldId id="269" r:id="rId15"/>
     <p:sldId id="270" r:id="rId16"/>
-    <p:sldId id="271" r:id="rId17"/>
-    <p:sldId id="272" r:id="rId18"/>
-    <p:sldId id="273" r:id="rId19"/>
-    <p:sldId id="274" r:id="rId20"/>
-    <p:sldId id="276" r:id="rId21"/>
-    <p:sldId id="277" r:id="rId22"/>
-    <p:sldId id="278" r:id="rId23"/>
+    <p:sldId id="279" r:id="rId17"/>
+    <p:sldId id="271" r:id="rId18"/>
+    <p:sldId id="272" r:id="rId19"/>
+    <p:sldId id="280" r:id="rId20"/>
+    <p:sldId id="273" r:id="rId21"/>
+    <p:sldId id="274" r:id="rId22"/>
+    <p:sldId id="276" r:id="rId23"/>
+    <p:sldId id="277" r:id="rId24"/>
+    <p:sldId id="278" r:id="rId25"/>
+    <p:sldId id="281" r:id="rId26"/>
+    <p:sldId id="282" r:id="rId27"/>
+    <p:sldId id="283" r:id="rId28"/>
   </p:sldIdLst>
   <p:sldSz cx="12192000" cy="6858000"/>
   <p:notesSz cx="6858000" cy="9144000"/>
@@ -153,19 +158,24 @@
             <p14:sldId id="268"/>
             <p14:sldId id="269"/>
             <p14:sldId id="270"/>
+            <p14:sldId id="279"/>
             <p14:sldId id="271"/>
             <p14:sldId id="272"/>
+            <p14:sldId id="280"/>
             <p14:sldId id="273"/>
             <p14:sldId id="274"/>
             <p14:sldId id="276"/>
             <p14:sldId id="277"/>
             <p14:sldId id="278"/>
+            <p14:sldId id="281"/>
+            <p14:sldId id="282"/>
+            <p14:sldId id="283"/>
           </p14:sldIdLst>
         </p14:section>
       </p14:sectionLst>
     </p:ext>
     <p:ext uri="{EFAFB233-063F-42B5-8137-9DF3F51BA10A}">
-      <p15:sldGuideLst xmlns:p15="http://schemas.microsoft.com/office/powerpoint/2012/main"/>
+      <p15:sldGuideLst xmlns:p15="http://schemas.microsoft.com/office/powerpoint/2012/main" xmlns=""/>
     </p:ext>
   </p:extLst>
 </p:presentation>
@@ -7643,7 +7653,7 @@
           <a:p>
             <a:r>
               <a:rPr lang="en-US" dirty="0" smtClean="0"/>
-              <a:t>Interfaces</a:t>
+              <a:t>Modules – Demo </a:t>
             </a:r>
             <a:endParaRPr lang="en-US" dirty="0"/>
           </a:p>
@@ -7666,57 +7676,16 @@
           <a:p>
             <a:r>
               <a:rPr lang="en-US" dirty="0" smtClean="0"/>
-              <a:t>Specifies properties/methods exposed by an object</a:t>
-            </a:r>
-          </a:p>
-          <a:p>
+              <a:t>Section 2 / 1-modules.ts</a:t>
+            </a:r>
             <a:endParaRPr lang="en-US" dirty="0"/>
-          </a:p>
-          <a:p>
-            <a:r>
-              <a:rPr lang="en-US" dirty="0" smtClean="0"/>
-              <a:t>Annotate with type information</a:t>
-            </a:r>
-          </a:p>
-          <a:p>
-            <a:endParaRPr lang="en-US" dirty="0"/>
-          </a:p>
-          <a:p>
-            <a:r>
-              <a:rPr lang="en-US" dirty="0" smtClean="0"/>
-              <a:t>Purely for static type info</a:t>
-            </a:r>
-          </a:p>
-          <a:p>
-            <a:pPr lvl="1"/>
-            <a:r>
-              <a:rPr lang="en-US" dirty="0" smtClean="0"/>
-              <a:t>Erased on compilation</a:t>
-            </a:r>
-          </a:p>
-          <a:p>
-            <a:pPr lvl="1"/>
-            <a:endParaRPr lang="en-US" dirty="0"/>
-          </a:p>
-          <a:p>
-            <a:r>
-              <a:rPr lang="en-US" dirty="0" smtClean="0"/>
-              <a:t>Open-ended</a:t>
-            </a:r>
-          </a:p>
-          <a:p>
-            <a:pPr lvl="1"/>
-            <a:r>
-              <a:rPr lang="en-US" dirty="0" smtClean="0"/>
-              <a:t>Can be extended elsewhere</a:t>
-            </a:r>
           </a:p>
         </p:txBody>
       </p:sp>
     </p:spTree>
     <p:extLst>
       <p:ext uri="{BB962C8B-B14F-4D97-AF65-F5344CB8AC3E}">
-        <p14:creationId xmlns:p14="http://schemas.microsoft.com/office/powerpoint/2010/main" val="387180861"/>
+        <p14:creationId xmlns:p14="http://schemas.microsoft.com/office/powerpoint/2010/main" val="3444711941"/>
       </p:ext>
     </p:extLst>
   </p:cSld>
@@ -7759,9 +7728,10 @@
           <a:lstStyle/>
           <a:p>
             <a:r>
-              <a:rPr lang="en-US" dirty="0"/>
+              <a:rPr lang="en-US" dirty="0" smtClean="0"/>
               <a:t>Interfaces</a:t>
             </a:r>
+            <a:endParaRPr lang="en-US" dirty="0"/>
           </a:p>
         </p:txBody>
       </p:sp>
@@ -7782,292 +7752,57 @@
           <a:p>
             <a:r>
               <a:rPr lang="en-US" dirty="0" smtClean="0"/>
-              <a:t>Declared as follows:</a:t>
-            </a:r>
+              <a:t>Specifies properties/methods exposed by an object</a:t>
+            </a:r>
+          </a:p>
+          <a:p>
             <a:endParaRPr lang="en-US" dirty="0"/>
           </a:p>
-        </p:txBody>
-      </p:sp>
-      <p:sp>
-        <p:nvSpPr>
-          <p:cNvPr id="4" name="Rectangle 3"/>
-          <p:cNvSpPr/>
-          <p:nvPr/>
-        </p:nvSpPr>
-        <p:spPr>
-          <a:xfrm>
-            <a:off x="1057275" y="2687771"/>
-            <a:ext cx="6096000" cy="1672958"/>
-          </a:xfrm>
-          <a:prstGeom prst="rect">
-            <a:avLst/>
-          </a:prstGeom>
-        </p:spPr>
-        <p:txBody>
-          <a:bodyPr>
-            <a:spAutoFit/>
-          </a:bodyPr>
-          <a:lstStyle/>
-          <a:p>
-            <a:pPr>
-              <a:lnSpc>
-                <a:spcPct val="107000"/>
-              </a:lnSpc>
-              <a:tabLst>
-                <a:tab pos="581660" algn="l"/>
-                <a:tab pos="1163320" algn="l"/>
-                <a:tab pos="1744980" algn="l"/>
-                <a:tab pos="2326640" algn="l"/>
-                <a:tab pos="2908300" algn="l"/>
-                <a:tab pos="3489960" algn="l"/>
-                <a:tab pos="4071620" algn="l"/>
-                <a:tab pos="4653280" algn="l"/>
-                <a:tab pos="5234940" algn="l"/>
-                <a:tab pos="5816600" algn="l"/>
-                <a:tab pos="6398260" algn="l"/>
-                <a:tab pos="6979920" algn="l"/>
-                <a:tab pos="7561580" algn="l"/>
-                <a:tab pos="8143240" algn="l"/>
-                <a:tab pos="8724900" algn="l"/>
-                <a:tab pos="9306560" algn="l"/>
-              </a:tabLst>
-            </a:pPr>
-            <a:r>
-              <a:rPr lang="en-US" dirty="0">
-                <a:solidFill>
-                  <a:srgbClr val="0000FF"/>
-                </a:solidFill>
-                <a:latin typeface="Consolas" panose="020B0609020204030204" pitchFamily="49" charset="0"/>
-                <a:ea typeface="Times New Roman" panose="02020603050405020304" pitchFamily="18" charset="0"/>
-                <a:cs typeface="Times New Roman" panose="02020603050405020304" pitchFamily="18" charset="0"/>
-              </a:rPr>
-              <a:t>export</a:t>
-            </a:r>
-            <a:r>
-              <a:rPr lang="en-US" dirty="0">
-                <a:solidFill>
-                  <a:srgbClr val="000000"/>
-                </a:solidFill>
-                <a:latin typeface="Consolas" panose="020B0609020204030204" pitchFamily="49" charset="0"/>
-                <a:ea typeface="Times New Roman" panose="02020603050405020304" pitchFamily="18" charset="0"/>
-                <a:cs typeface="Times New Roman" panose="02020603050405020304" pitchFamily="18" charset="0"/>
-              </a:rPr>
-              <a:t> </a:t>
-            </a:r>
-            <a:r>
-              <a:rPr lang="en-US" dirty="0">
-                <a:solidFill>
-                  <a:srgbClr val="0000FF"/>
-                </a:solidFill>
-                <a:latin typeface="Consolas" panose="020B0609020204030204" pitchFamily="49" charset="0"/>
-                <a:ea typeface="Times New Roman" panose="02020603050405020304" pitchFamily="18" charset="0"/>
-                <a:cs typeface="Times New Roman" panose="02020603050405020304" pitchFamily="18" charset="0"/>
-              </a:rPr>
-              <a:t>interface</a:t>
-            </a:r>
-            <a:r>
-              <a:rPr lang="en-US" dirty="0">
-                <a:solidFill>
-                  <a:srgbClr val="000000"/>
-                </a:solidFill>
-                <a:latin typeface="Consolas" panose="020B0609020204030204" pitchFamily="49" charset="0"/>
-                <a:ea typeface="Times New Roman" panose="02020603050405020304" pitchFamily="18" charset="0"/>
-                <a:cs typeface="Times New Roman" panose="02020603050405020304" pitchFamily="18" charset="0"/>
-              </a:rPr>
-              <a:t> </a:t>
-            </a:r>
-            <a:r>
-              <a:rPr lang="en-US" dirty="0" err="1">
-                <a:solidFill>
-                  <a:srgbClr val="000000"/>
-                </a:solidFill>
-                <a:latin typeface="Consolas" panose="020B0609020204030204" pitchFamily="49" charset="0"/>
-                <a:ea typeface="Times New Roman" panose="02020603050405020304" pitchFamily="18" charset="0"/>
-                <a:cs typeface="Times New Roman" panose="02020603050405020304" pitchFamily="18" charset="0"/>
-              </a:rPr>
-              <a:t>IMyInterface</a:t>
-            </a:r>
-            <a:r>
-              <a:rPr lang="en-US" dirty="0">
-                <a:solidFill>
-                  <a:srgbClr val="000000"/>
-                </a:solidFill>
-                <a:latin typeface="Consolas" panose="020B0609020204030204" pitchFamily="49" charset="0"/>
-                <a:ea typeface="Times New Roman" panose="02020603050405020304" pitchFamily="18" charset="0"/>
-                <a:cs typeface="Times New Roman" panose="02020603050405020304" pitchFamily="18" charset="0"/>
-              </a:rPr>
-              <a:t> {</a:t>
-            </a:r>
-            <a:endParaRPr lang="en-US" sz="2400" dirty="0">
-              <a:latin typeface="Calibri" panose="020F0502020204030204" pitchFamily="34" charset="0"/>
-              <a:ea typeface="Calibri" panose="020F0502020204030204" pitchFamily="34" charset="0"/>
-              <a:cs typeface="Times New Roman" panose="02020603050405020304" pitchFamily="18" charset="0"/>
-            </a:endParaRPr>
-          </a:p>
-          <a:p>
-            <a:pPr>
-              <a:lnSpc>
-                <a:spcPct val="107000"/>
-              </a:lnSpc>
-              <a:tabLst>
-                <a:tab pos="581660" algn="l"/>
-                <a:tab pos="1163320" algn="l"/>
-                <a:tab pos="1744980" algn="l"/>
-                <a:tab pos="2326640" algn="l"/>
-                <a:tab pos="2908300" algn="l"/>
-                <a:tab pos="3489960" algn="l"/>
-                <a:tab pos="4071620" algn="l"/>
-                <a:tab pos="4653280" algn="l"/>
-                <a:tab pos="5234940" algn="l"/>
-                <a:tab pos="5816600" algn="l"/>
-                <a:tab pos="6398260" algn="l"/>
-                <a:tab pos="6979920" algn="l"/>
-                <a:tab pos="7561580" algn="l"/>
-                <a:tab pos="8143240" algn="l"/>
-                <a:tab pos="8724900" algn="l"/>
-                <a:tab pos="9306560" algn="l"/>
-              </a:tabLst>
-            </a:pPr>
-            <a:r>
-              <a:rPr lang="en-US" dirty="0">
-                <a:solidFill>
-                  <a:srgbClr val="000000"/>
-                </a:solidFill>
-                <a:latin typeface="Consolas" panose="020B0609020204030204" pitchFamily="49" charset="0"/>
-                <a:ea typeface="Times New Roman" panose="02020603050405020304" pitchFamily="18" charset="0"/>
-                <a:cs typeface="Times New Roman" panose="02020603050405020304" pitchFamily="18" charset="0"/>
-              </a:rPr>
-              <a:t> </a:t>
-            </a:r>
-            <a:endParaRPr lang="en-US" sz="2400" dirty="0">
-              <a:latin typeface="Calibri" panose="020F0502020204030204" pitchFamily="34" charset="0"/>
-              <a:ea typeface="Calibri" panose="020F0502020204030204" pitchFamily="34" charset="0"/>
-              <a:cs typeface="Times New Roman" panose="02020603050405020304" pitchFamily="18" charset="0"/>
-            </a:endParaRPr>
-          </a:p>
-          <a:p>
-            <a:pPr>
-              <a:lnSpc>
-                <a:spcPct val="107000"/>
-              </a:lnSpc>
-              <a:tabLst>
-                <a:tab pos="581660" algn="l"/>
-                <a:tab pos="1163320" algn="l"/>
-                <a:tab pos="1744980" algn="l"/>
-                <a:tab pos="2326640" algn="l"/>
-                <a:tab pos="2908300" algn="l"/>
-                <a:tab pos="3489960" algn="l"/>
-                <a:tab pos="4071620" algn="l"/>
-                <a:tab pos="4653280" algn="l"/>
-                <a:tab pos="5234940" algn="l"/>
-                <a:tab pos="5816600" algn="l"/>
-                <a:tab pos="6398260" algn="l"/>
-                <a:tab pos="6979920" algn="l"/>
-                <a:tab pos="7561580" algn="l"/>
-                <a:tab pos="8143240" algn="l"/>
-                <a:tab pos="8724900" algn="l"/>
-                <a:tab pos="9306560" algn="l"/>
-              </a:tabLst>
-            </a:pPr>
-            <a:r>
-              <a:rPr lang="en-US" dirty="0">
-                <a:solidFill>
-                  <a:srgbClr val="000000"/>
-                </a:solidFill>
-                <a:latin typeface="Consolas" panose="020B0609020204030204" pitchFamily="49" charset="0"/>
-                <a:ea typeface="Times New Roman" panose="02020603050405020304" pitchFamily="18" charset="0"/>
-                <a:cs typeface="Times New Roman" panose="02020603050405020304" pitchFamily="18" charset="0"/>
-              </a:rPr>
-              <a:t>    </a:t>
-            </a:r>
-            <a:r>
-              <a:rPr lang="en-US" dirty="0">
-                <a:solidFill>
-                  <a:srgbClr val="008000"/>
-                </a:solidFill>
-                <a:latin typeface="Consolas" panose="020B0609020204030204" pitchFamily="49" charset="0"/>
-                <a:ea typeface="Times New Roman" panose="02020603050405020304" pitchFamily="18" charset="0"/>
-                <a:cs typeface="Times New Roman" panose="02020603050405020304" pitchFamily="18" charset="0"/>
-              </a:rPr>
-              <a:t>// Definitions go here</a:t>
-            </a:r>
-            <a:endParaRPr lang="en-US" sz="2400" dirty="0">
-              <a:latin typeface="Calibri" panose="020F0502020204030204" pitchFamily="34" charset="0"/>
-              <a:ea typeface="Calibri" panose="020F0502020204030204" pitchFamily="34" charset="0"/>
-              <a:cs typeface="Times New Roman" panose="02020603050405020304" pitchFamily="18" charset="0"/>
-            </a:endParaRPr>
-          </a:p>
-          <a:p>
-            <a:pPr>
-              <a:lnSpc>
-                <a:spcPct val="107000"/>
-              </a:lnSpc>
-              <a:tabLst>
-                <a:tab pos="581660" algn="l"/>
-                <a:tab pos="1163320" algn="l"/>
-                <a:tab pos="1744980" algn="l"/>
-                <a:tab pos="2326640" algn="l"/>
-                <a:tab pos="2908300" algn="l"/>
-                <a:tab pos="3489960" algn="l"/>
-                <a:tab pos="4071620" algn="l"/>
-                <a:tab pos="4653280" algn="l"/>
-                <a:tab pos="5234940" algn="l"/>
-                <a:tab pos="5816600" algn="l"/>
-                <a:tab pos="6398260" algn="l"/>
-                <a:tab pos="6979920" algn="l"/>
-                <a:tab pos="7561580" algn="l"/>
-                <a:tab pos="8143240" algn="l"/>
-                <a:tab pos="8724900" algn="l"/>
-                <a:tab pos="9306560" algn="l"/>
-              </a:tabLst>
-            </a:pPr>
-            <a:r>
-              <a:rPr lang="en-US" dirty="0">
-                <a:solidFill>
-                  <a:srgbClr val="000000"/>
-                </a:solidFill>
-                <a:latin typeface="Consolas" panose="020B0609020204030204" pitchFamily="49" charset="0"/>
-                <a:ea typeface="Times New Roman" panose="02020603050405020304" pitchFamily="18" charset="0"/>
-                <a:cs typeface="Times New Roman" panose="02020603050405020304" pitchFamily="18" charset="0"/>
-              </a:rPr>
-              <a:t>}</a:t>
-            </a:r>
-            <a:endParaRPr lang="en-US" sz="2400" dirty="0">
-              <a:latin typeface="Calibri" panose="020F0502020204030204" pitchFamily="34" charset="0"/>
-              <a:ea typeface="Calibri" panose="020F0502020204030204" pitchFamily="34" charset="0"/>
-              <a:cs typeface="Times New Roman" panose="02020603050405020304" pitchFamily="18" charset="0"/>
-            </a:endParaRPr>
-          </a:p>
-          <a:p>
-            <a:pPr>
-              <a:lnSpc>
-                <a:spcPct val="107000"/>
-              </a:lnSpc>
-              <a:spcAft>
-                <a:spcPts val="800"/>
-              </a:spcAft>
-            </a:pPr>
-            <a:r>
-              <a:rPr lang="en-US" sz="2400" dirty="0">
-                <a:latin typeface="Calibri" panose="020F0502020204030204" pitchFamily="34" charset="0"/>
-                <a:ea typeface="Calibri" panose="020F0502020204030204" pitchFamily="34" charset="0"/>
-                <a:cs typeface="Times New Roman" panose="02020603050405020304" pitchFamily="18" charset="0"/>
-              </a:rPr>
-              <a:t> </a:t>
-            </a:r>
-            <a:endParaRPr lang="en-US" sz="2400" dirty="0">
-              <a:effectLst/>
-              <a:latin typeface="Calibri" panose="020F0502020204030204" pitchFamily="34" charset="0"/>
-              <a:ea typeface="Calibri" panose="020F0502020204030204" pitchFamily="34" charset="0"/>
-              <a:cs typeface="Times New Roman" panose="02020603050405020304" pitchFamily="18" charset="0"/>
-            </a:endParaRPr>
+          <a:p>
+            <a:r>
+              <a:rPr lang="en-US" dirty="0" smtClean="0"/>
+              <a:t>Annotate with type information</a:t>
+            </a:r>
+          </a:p>
+          <a:p>
+            <a:endParaRPr lang="en-US" dirty="0"/>
+          </a:p>
+          <a:p>
+            <a:r>
+              <a:rPr lang="en-US" dirty="0" smtClean="0"/>
+              <a:t>Purely for static type info</a:t>
+            </a:r>
+          </a:p>
+          <a:p>
+            <a:pPr lvl="1"/>
+            <a:r>
+              <a:rPr lang="en-US" dirty="0" smtClean="0"/>
+              <a:t>Erased on compilation</a:t>
+            </a:r>
+          </a:p>
+          <a:p>
+            <a:pPr lvl="1"/>
+            <a:endParaRPr lang="en-US" dirty="0"/>
+          </a:p>
+          <a:p>
+            <a:r>
+              <a:rPr lang="en-US" dirty="0" smtClean="0"/>
+              <a:t>Open-ended</a:t>
+            </a:r>
+          </a:p>
+          <a:p>
+            <a:pPr lvl="1"/>
+            <a:r>
+              <a:rPr lang="en-US" dirty="0" smtClean="0"/>
+              <a:t>Can be extended elsewhere</a:t>
+            </a:r>
           </a:p>
         </p:txBody>
       </p:sp>
     </p:spTree>
     <p:extLst>
       <p:ext uri="{BB962C8B-B14F-4D97-AF65-F5344CB8AC3E}">
-        <p14:creationId xmlns:p14="http://schemas.microsoft.com/office/powerpoint/2010/main" val="991513682"/>
+        <p14:creationId xmlns:p14="http://schemas.microsoft.com/office/powerpoint/2010/main" val="387180861"/>
       </p:ext>
     </p:extLst>
   </p:cSld>
@@ -8110,10 +7845,9 @@
           <a:lstStyle/>
           <a:p>
             <a:r>
-              <a:rPr lang="en-US" dirty="0" smtClean="0"/>
-              <a:t>Classes</a:t>
-            </a:r>
-            <a:endParaRPr lang="en-US" dirty="0"/>
+              <a:rPr lang="en-US" dirty="0"/>
+              <a:t>Interfaces</a:t>
+            </a:r>
           </a:p>
         </p:txBody>
       </p:sp>
@@ -8134,15 +7868,7 @@
           <a:p>
             <a:r>
               <a:rPr lang="en-US" dirty="0" smtClean="0"/>
-              <a:t>JavaScript syntax for classes </a:t>
-            </a:r>
-            <a:r>
-              <a:rPr lang="en-US" dirty="0" err="1" smtClean="0"/>
-              <a:t>kinda</a:t>
-            </a:r>
-            <a:r>
-              <a:rPr lang="en-US" dirty="0" smtClean="0"/>
-              <a:t> sucks…</a:t>
+              <a:t>Declared as follows:</a:t>
             </a:r>
             <a:endParaRPr lang="en-US" dirty="0"/>
           </a:p>
@@ -8150,14 +7876,14 @@
       </p:sp>
       <p:sp>
         <p:nvSpPr>
-          <p:cNvPr id="9" name="Rectangle 8"/>
+          <p:cNvPr id="4" name="Rectangle 3"/>
           <p:cNvSpPr/>
           <p:nvPr/>
         </p:nvSpPr>
         <p:spPr>
           <a:xfrm>
-            <a:off x="847725" y="2711993"/>
-            <a:ext cx="6096000" cy="3648691"/>
+            <a:off x="1057275" y="2687771"/>
+            <a:ext cx="6096000" cy="1672958"/>
           </a:xfrm>
           <a:prstGeom prst="rect">
             <a:avLst/>
@@ -8201,10 +7927,21 @@
                 <a:ea typeface="Times New Roman" panose="02020603050405020304" pitchFamily="18" charset="0"/>
                 <a:cs typeface="Times New Roman" panose="02020603050405020304" pitchFamily="18" charset="0"/>
               </a:rPr>
-              <a:t> </a:t>
-            </a:r>
-            <a:r>
-              <a:rPr lang="en-US" dirty="0" smtClean="0">
+              <a:t>export</a:t>
+            </a:r>
+            <a:r>
+              <a:rPr lang="en-US" dirty="0">
+                <a:solidFill>
+                  <a:srgbClr val="000000"/>
+                </a:solidFill>
+                <a:latin typeface="Consolas" panose="020B0609020204030204" pitchFamily="49" charset="0"/>
+                <a:ea typeface="Times New Roman" panose="02020603050405020304" pitchFamily="18" charset="0"/>
+                <a:cs typeface="Times New Roman" panose="02020603050405020304" pitchFamily="18" charset="0"/>
+              </a:rPr>
+              <a:t> </a:t>
+            </a:r>
+            <a:r>
+              <a:rPr lang="en-US" dirty="0">
                 <a:solidFill>
                   <a:srgbClr val="0000FF"/>
                 </a:solidFill>
@@ -8212,62 +7949,40 @@
                 <a:ea typeface="Times New Roman" panose="02020603050405020304" pitchFamily="18" charset="0"/>
                 <a:cs typeface="Times New Roman" panose="02020603050405020304" pitchFamily="18" charset="0"/>
               </a:rPr>
-              <a:t>   function</a:t>
-            </a:r>
-            <a:r>
-              <a:rPr lang="en-US" dirty="0">
-                <a:solidFill>
-                  <a:srgbClr val="000000"/>
-                </a:solidFill>
-                <a:latin typeface="Consolas" panose="020B0609020204030204" pitchFamily="49" charset="0"/>
-                <a:ea typeface="Times New Roman" panose="02020603050405020304" pitchFamily="18" charset="0"/>
-                <a:cs typeface="Times New Roman" panose="02020603050405020304" pitchFamily="18" charset="0"/>
-              </a:rPr>
-              <a:t> Point(x: </a:t>
-            </a:r>
-            <a:r>
-              <a:rPr lang="en-US" dirty="0">
-                <a:solidFill>
-                  <a:srgbClr val="0000FF"/>
-                </a:solidFill>
-                <a:latin typeface="Consolas" panose="020B0609020204030204" pitchFamily="49" charset="0"/>
-                <a:ea typeface="Times New Roman" panose="02020603050405020304" pitchFamily="18" charset="0"/>
-                <a:cs typeface="Times New Roman" panose="02020603050405020304" pitchFamily="18" charset="0"/>
-              </a:rPr>
-              <a:t>number</a:t>
-            </a:r>
-            <a:r>
-              <a:rPr lang="en-US" dirty="0">
-                <a:solidFill>
-                  <a:srgbClr val="000000"/>
-                </a:solidFill>
-                <a:latin typeface="Consolas" panose="020B0609020204030204" pitchFamily="49" charset="0"/>
-                <a:ea typeface="Times New Roman" panose="02020603050405020304" pitchFamily="18" charset="0"/>
-                <a:cs typeface="Times New Roman" panose="02020603050405020304" pitchFamily="18" charset="0"/>
-              </a:rPr>
-              <a:t>, y: </a:t>
-            </a:r>
-            <a:r>
-              <a:rPr lang="en-US" dirty="0">
-                <a:solidFill>
-                  <a:srgbClr val="0000FF"/>
-                </a:solidFill>
-                <a:latin typeface="Consolas" panose="020B0609020204030204" pitchFamily="49" charset="0"/>
-                <a:ea typeface="Times New Roman" panose="02020603050405020304" pitchFamily="18" charset="0"/>
-                <a:cs typeface="Times New Roman" panose="02020603050405020304" pitchFamily="18" charset="0"/>
-              </a:rPr>
-              <a:t>number</a:t>
-            </a:r>
-            <a:r>
-              <a:rPr lang="en-US" dirty="0">
-                <a:solidFill>
-                  <a:srgbClr val="000000"/>
-                </a:solidFill>
-                <a:latin typeface="Consolas" panose="020B0609020204030204" pitchFamily="49" charset="0"/>
-                <a:ea typeface="Times New Roman" panose="02020603050405020304" pitchFamily="18" charset="0"/>
-                <a:cs typeface="Times New Roman" panose="02020603050405020304" pitchFamily="18" charset="0"/>
-              </a:rPr>
-              <a:t>) {</a:t>
+              <a:t>interface</a:t>
+            </a:r>
+            <a:r>
+              <a:rPr lang="en-US" dirty="0">
+                <a:solidFill>
+                  <a:srgbClr val="000000"/>
+                </a:solidFill>
+                <a:latin typeface="Consolas" panose="020B0609020204030204" pitchFamily="49" charset="0"/>
+                <a:ea typeface="Times New Roman" panose="02020603050405020304" pitchFamily="18" charset="0"/>
+                <a:cs typeface="Times New Roman" panose="02020603050405020304" pitchFamily="18" charset="0"/>
+              </a:rPr>
+              <a:t> </a:t>
+            </a:r>
+            <a:r>
+              <a:rPr lang="en-US" dirty="0" err="1">
+                <a:solidFill>
+                  <a:srgbClr val="000000"/>
+                </a:solidFill>
+                <a:latin typeface="Consolas" panose="020B0609020204030204" pitchFamily="49" charset="0"/>
+                <a:ea typeface="Times New Roman" panose="02020603050405020304" pitchFamily="18" charset="0"/>
+                <a:cs typeface="Times New Roman" panose="02020603050405020304" pitchFamily="18" charset="0"/>
+              </a:rPr>
+              <a:t>IMyInterface</a:t>
+            </a:r>
+            <a:r>
+              <a:rPr lang="en-US" dirty="0">
+                <a:solidFill>
+                  <a:srgbClr val="000000"/>
+                </a:solidFill>
+                <a:latin typeface="Consolas" panose="020B0609020204030204" pitchFamily="49" charset="0"/>
+                <a:ea typeface="Times New Roman" panose="02020603050405020304" pitchFamily="18" charset="0"/>
+                <a:cs typeface="Times New Roman" panose="02020603050405020304" pitchFamily="18" charset="0"/>
+              </a:rPr>
+              <a:t> {</a:t>
             </a:r>
             <a:endParaRPr lang="en-US" sz="2400" dirty="0">
               <a:latin typeface="Calibri" panose="020F0502020204030204" pitchFamily="34" charset="0"/>
@@ -8308,40 +8023,7 @@
                 <a:ea typeface="Times New Roman" panose="02020603050405020304" pitchFamily="18" charset="0"/>
                 <a:cs typeface="Times New Roman" panose="02020603050405020304" pitchFamily="18" charset="0"/>
               </a:rPr>
-              <a:t>        </a:t>
-            </a:r>
-            <a:r>
-              <a:rPr lang="en-US" dirty="0" err="1">
-                <a:solidFill>
-                  <a:srgbClr val="0000FF"/>
-                </a:solidFill>
-                <a:latin typeface="Consolas" panose="020B0609020204030204" pitchFamily="49" charset="0"/>
-                <a:ea typeface="Times New Roman" panose="02020603050405020304" pitchFamily="18" charset="0"/>
-                <a:cs typeface="Times New Roman" panose="02020603050405020304" pitchFamily="18" charset="0"/>
-              </a:rPr>
-              <a:t>this</a:t>
-            </a:r>
-            <a:r>
-              <a:rPr lang="en-US" dirty="0" err="1">
-                <a:solidFill>
-                  <a:srgbClr val="000000"/>
-                </a:solidFill>
-                <a:latin typeface="Consolas" panose="020B0609020204030204" pitchFamily="49" charset="0"/>
-                <a:ea typeface="Times New Roman" panose="02020603050405020304" pitchFamily="18" charset="0"/>
-                <a:cs typeface="Times New Roman" panose="02020603050405020304" pitchFamily="18" charset="0"/>
-              </a:rPr>
-              <a:t>.x</a:t>
-            </a:r>
-            <a:r>
-              <a:rPr lang="en-US" dirty="0">
-                <a:solidFill>
-                  <a:srgbClr val="000000"/>
-                </a:solidFill>
-                <a:latin typeface="Consolas" panose="020B0609020204030204" pitchFamily="49" charset="0"/>
-                <a:ea typeface="Times New Roman" panose="02020603050405020304" pitchFamily="18" charset="0"/>
-                <a:cs typeface="Times New Roman" panose="02020603050405020304" pitchFamily="18" charset="0"/>
-              </a:rPr>
-              <a:t> = x;</a:t>
+              <a:t> </a:t>
             </a:r>
             <a:endParaRPr lang="en-US" sz="2400" dirty="0">
               <a:latin typeface="Calibri" panose="020F0502020204030204" pitchFamily="34" charset="0"/>
@@ -8382,40 +8064,18 @@
                 <a:ea typeface="Times New Roman" panose="02020603050405020304" pitchFamily="18" charset="0"/>
                 <a:cs typeface="Times New Roman" panose="02020603050405020304" pitchFamily="18" charset="0"/>
               </a:rPr>
-              <a:t>        </a:t>
-            </a:r>
-            <a:r>
-              <a:rPr lang="en-US" dirty="0" err="1">
-                <a:solidFill>
-                  <a:srgbClr val="0000FF"/>
-                </a:solidFill>
-                <a:latin typeface="Consolas" panose="020B0609020204030204" pitchFamily="49" charset="0"/>
-                <a:ea typeface="Times New Roman" panose="02020603050405020304" pitchFamily="18" charset="0"/>
-                <a:cs typeface="Times New Roman" panose="02020603050405020304" pitchFamily="18" charset="0"/>
-              </a:rPr>
-              <a:t>this</a:t>
-            </a:r>
-            <a:r>
-              <a:rPr lang="en-US" dirty="0" err="1">
-                <a:solidFill>
-                  <a:srgbClr val="000000"/>
-                </a:solidFill>
-                <a:latin typeface="Consolas" panose="020B0609020204030204" pitchFamily="49" charset="0"/>
-                <a:ea typeface="Times New Roman" panose="02020603050405020304" pitchFamily="18" charset="0"/>
-                <a:cs typeface="Times New Roman" panose="02020603050405020304" pitchFamily="18" charset="0"/>
-              </a:rPr>
-              <a:t>.y</a:t>
-            </a:r>
-            <a:r>
-              <a:rPr lang="en-US" dirty="0">
-                <a:solidFill>
-                  <a:srgbClr val="000000"/>
-                </a:solidFill>
-                <a:latin typeface="Consolas" panose="020B0609020204030204" pitchFamily="49" charset="0"/>
-                <a:ea typeface="Times New Roman" panose="02020603050405020304" pitchFamily="18" charset="0"/>
-                <a:cs typeface="Times New Roman" panose="02020603050405020304" pitchFamily="18" charset="0"/>
-              </a:rPr>
-              <a:t> = y;</a:t>
+              <a:t>    </a:t>
+            </a:r>
+            <a:r>
+              <a:rPr lang="en-US" dirty="0">
+                <a:solidFill>
+                  <a:srgbClr val="008000"/>
+                </a:solidFill>
+                <a:latin typeface="Consolas" panose="020B0609020204030204" pitchFamily="49" charset="0"/>
+                <a:ea typeface="Times New Roman" panose="02020603050405020304" pitchFamily="18" charset="0"/>
+                <a:cs typeface="Times New Roman" panose="02020603050405020304" pitchFamily="18" charset="0"/>
+              </a:rPr>
+              <a:t>// Definitions go here</a:t>
             </a:r>
             <a:endParaRPr lang="en-US" sz="2400" dirty="0">
               <a:latin typeface="Calibri" panose="020F0502020204030204" pitchFamily="34" charset="0"/>
@@ -8456,7 +8116,7 @@
                 <a:ea typeface="Times New Roman" panose="02020603050405020304" pitchFamily="18" charset="0"/>
                 <a:cs typeface="Times New Roman" panose="02020603050405020304" pitchFamily="18" charset="0"/>
               </a:rPr>
-              <a:t>    }</a:t>
+              <a:t>}</a:t>
             </a:r>
             <a:endParaRPr lang="en-US" sz="2400" dirty="0">
               <a:latin typeface="Calibri" panose="020F0502020204030204" pitchFamily="34" charset="0"/>
@@ -8469,500 +8129,31 @@
               <a:lnSpc>
                 <a:spcPct val="107000"/>
               </a:lnSpc>
-              <a:tabLst>
-                <a:tab pos="581660" algn="l"/>
-                <a:tab pos="1163320" algn="l"/>
-                <a:tab pos="1744980" algn="l"/>
-                <a:tab pos="2326640" algn="l"/>
-                <a:tab pos="2908300" algn="l"/>
-                <a:tab pos="3489960" algn="l"/>
-                <a:tab pos="4071620" algn="l"/>
-                <a:tab pos="4653280" algn="l"/>
-                <a:tab pos="5234940" algn="l"/>
-                <a:tab pos="5816600" algn="l"/>
-                <a:tab pos="6398260" algn="l"/>
-                <a:tab pos="6979920" algn="l"/>
-                <a:tab pos="7561580" algn="l"/>
-                <a:tab pos="8143240" algn="l"/>
-                <a:tab pos="8724900" algn="l"/>
-                <a:tab pos="9306560" algn="l"/>
-              </a:tabLst>
+              <a:spcAft>
+                <a:spcPts val="800"/>
+              </a:spcAft>
             </a:pPr>
             <a:r>
-              <a:rPr lang="en-US" dirty="0">
-                <a:solidFill>
-                  <a:srgbClr val="000000"/>
-                </a:solidFill>
-                <a:latin typeface="Consolas" panose="020B0609020204030204" pitchFamily="49" charset="0"/>
-                <a:ea typeface="Times New Roman" panose="02020603050405020304" pitchFamily="18" charset="0"/>
-                <a:cs typeface="Times New Roman" panose="02020603050405020304" pitchFamily="18" charset="0"/>
-              </a:rPr>
-              <a:t> </a:t>
+              <a:rPr lang="en-US" sz="2400" dirty="0">
+                <a:latin typeface="Calibri" panose="020F0502020204030204" pitchFamily="34" charset="0"/>
+                <a:ea typeface="Calibri" panose="020F0502020204030204" pitchFamily="34" charset="0"/>
+                <a:cs typeface="Times New Roman" panose="02020603050405020304" pitchFamily="18" charset="0"/>
+              </a:rPr>
+              <a:t> </a:t>
             </a:r>
             <a:endParaRPr lang="en-US" sz="2400" dirty="0">
+              <a:effectLst/>
               <a:latin typeface="Calibri" panose="020F0502020204030204" pitchFamily="34" charset="0"/>
               <a:ea typeface="Calibri" panose="020F0502020204030204" pitchFamily="34" charset="0"/>
               <a:cs typeface="Times New Roman" panose="02020603050405020304" pitchFamily="18" charset="0"/>
             </a:endParaRPr>
           </a:p>
-          <a:p>
-            <a:pPr>
-              <a:lnSpc>
-                <a:spcPct val="107000"/>
-              </a:lnSpc>
-              <a:tabLst>
-                <a:tab pos="581660" algn="l"/>
-                <a:tab pos="1163320" algn="l"/>
-                <a:tab pos="1744980" algn="l"/>
-                <a:tab pos="2326640" algn="l"/>
-                <a:tab pos="2908300" algn="l"/>
-                <a:tab pos="3489960" algn="l"/>
-                <a:tab pos="4071620" algn="l"/>
-                <a:tab pos="4653280" algn="l"/>
-                <a:tab pos="5234940" algn="l"/>
-                <a:tab pos="5816600" algn="l"/>
-                <a:tab pos="6398260" algn="l"/>
-                <a:tab pos="6979920" algn="l"/>
-                <a:tab pos="7561580" algn="l"/>
-                <a:tab pos="8143240" algn="l"/>
-                <a:tab pos="8724900" algn="l"/>
-                <a:tab pos="9306560" algn="l"/>
-              </a:tabLst>
-            </a:pPr>
-            <a:r>
-              <a:rPr lang="en-US" dirty="0">
-                <a:solidFill>
-                  <a:srgbClr val="000000"/>
-                </a:solidFill>
-                <a:latin typeface="Consolas" panose="020B0609020204030204" pitchFamily="49" charset="0"/>
-                <a:ea typeface="Times New Roman" panose="02020603050405020304" pitchFamily="18" charset="0"/>
-                <a:cs typeface="Times New Roman" panose="02020603050405020304" pitchFamily="18" charset="0"/>
-              </a:rPr>
-              <a:t>    </a:t>
-            </a:r>
-            <a:r>
-              <a:rPr lang="en-US" dirty="0" err="1">
-                <a:solidFill>
-                  <a:srgbClr val="000000"/>
-                </a:solidFill>
-                <a:latin typeface="Consolas" panose="020B0609020204030204" pitchFamily="49" charset="0"/>
-                <a:ea typeface="Times New Roman" panose="02020603050405020304" pitchFamily="18" charset="0"/>
-                <a:cs typeface="Times New Roman" panose="02020603050405020304" pitchFamily="18" charset="0"/>
-              </a:rPr>
-              <a:t>Point.prototype</a:t>
-            </a:r>
-            <a:r>
-              <a:rPr lang="en-US" dirty="0">
-                <a:solidFill>
-                  <a:srgbClr val="000000"/>
-                </a:solidFill>
-                <a:latin typeface="Consolas" panose="020B0609020204030204" pitchFamily="49" charset="0"/>
-                <a:ea typeface="Times New Roman" panose="02020603050405020304" pitchFamily="18" charset="0"/>
-                <a:cs typeface="Times New Roman" panose="02020603050405020304" pitchFamily="18" charset="0"/>
-              </a:rPr>
-              <a:t> = {</a:t>
-            </a:r>
-            <a:endParaRPr lang="en-US" sz="2400" dirty="0">
-              <a:latin typeface="Calibri" panose="020F0502020204030204" pitchFamily="34" charset="0"/>
-              <a:ea typeface="Calibri" panose="020F0502020204030204" pitchFamily="34" charset="0"/>
-              <a:cs typeface="Times New Roman" panose="02020603050405020304" pitchFamily="18" charset="0"/>
-            </a:endParaRPr>
-          </a:p>
-          <a:p>
-            <a:pPr>
-              <a:lnSpc>
-                <a:spcPct val="107000"/>
-              </a:lnSpc>
-              <a:tabLst>
-                <a:tab pos="581660" algn="l"/>
-                <a:tab pos="1163320" algn="l"/>
-                <a:tab pos="1744980" algn="l"/>
-                <a:tab pos="2326640" algn="l"/>
-                <a:tab pos="2908300" algn="l"/>
-                <a:tab pos="3489960" algn="l"/>
-                <a:tab pos="4071620" algn="l"/>
-                <a:tab pos="4653280" algn="l"/>
-                <a:tab pos="5234940" algn="l"/>
-                <a:tab pos="5816600" algn="l"/>
-                <a:tab pos="6398260" algn="l"/>
-                <a:tab pos="6979920" algn="l"/>
-                <a:tab pos="7561580" algn="l"/>
-                <a:tab pos="8143240" algn="l"/>
-                <a:tab pos="8724900" algn="l"/>
-                <a:tab pos="9306560" algn="l"/>
-              </a:tabLst>
-            </a:pPr>
-            <a:r>
-              <a:rPr lang="en-US" dirty="0">
-                <a:solidFill>
-                  <a:srgbClr val="000000"/>
-                </a:solidFill>
-                <a:latin typeface="Consolas" panose="020B0609020204030204" pitchFamily="49" charset="0"/>
-                <a:ea typeface="Times New Roman" panose="02020603050405020304" pitchFamily="18" charset="0"/>
-                <a:cs typeface="Times New Roman" panose="02020603050405020304" pitchFamily="18" charset="0"/>
-              </a:rPr>
-              <a:t> </a:t>
-            </a:r>
-            <a:endParaRPr lang="en-US" sz="2400" dirty="0">
-              <a:latin typeface="Calibri" panose="020F0502020204030204" pitchFamily="34" charset="0"/>
-              <a:ea typeface="Calibri" panose="020F0502020204030204" pitchFamily="34" charset="0"/>
-              <a:cs typeface="Times New Roman" panose="02020603050405020304" pitchFamily="18" charset="0"/>
-            </a:endParaRPr>
-          </a:p>
-          <a:p>
-            <a:pPr>
-              <a:lnSpc>
-                <a:spcPct val="107000"/>
-              </a:lnSpc>
-              <a:tabLst>
-                <a:tab pos="581660" algn="l"/>
-                <a:tab pos="1163320" algn="l"/>
-                <a:tab pos="1744980" algn="l"/>
-                <a:tab pos="2326640" algn="l"/>
-                <a:tab pos="2908300" algn="l"/>
-                <a:tab pos="3489960" algn="l"/>
-                <a:tab pos="4071620" algn="l"/>
-                <a:tab pos="4653280" algn="l"/>
-                <a:tab pos="5234940" algn="l"/>
-                <a:tab pos="5816600" algn="l"/>
-                <a:tab pos="6398260" algn="l"/>
-                <a:tab pos="6979920" algn="l"/>
-                <a:tab pos="7561580" algn="l"/>
-                <a:tab pos="8143240" algn="l"/>
-                <a:tab pos="8724900" algn="l"/>
-                <a:tab pos="9306560" algn="l"/>
-              </a:tabLst>
-            </a:pPr>
-            <a:r>
-              <a:rPr lang="en-US" dirty="0">
-                <a:solidFill>
-                  <a:srgbClr val="000000"/>
-                </a:solidFill>
-                <a:latin typeface="Consolas" panose="020B0609020204030204" pitchFamily="49" charset="0"/>
-                <a:ea typeface="Times New Roman" panose="02020603050405020304" pitchFamily="18" charset="0"/>
-                <a:cs typeface="Times New Roman" panose="02020603050405020304" pitchFamily="18" charset="0"/>
-              </a:rPr>
-              <a:t>        add: </a:t>
-            </a:r>
-            <a:r>
-              <a:rPr lang="en-US" dirty="0">
-                <a:solidFill>
-                  <a:srgbClr val="0000FF"/>
-                </a:solidFill>
-                <a:latin typeface="Consolas" panose="020B0609020204030204" pitchFamily="49" charset="0"/>
-                <a:ea typeface="Times New Roman" panose="02020603050405020304" pitchFamily="18" charset="0"/>
-                <a:cs typeface="Times New Roman" panose="02020603050405020304" pitchFamily="18" charset="0"/>
-              </a:rPr>
-              <a:t>function</a:t>
-            </a:r>
-            <a:r>
-              <a:rPr lang="en-US" dirty="0">
-                <a:solidFill>
-                  <a:srgbClr val="000000"/>
-                </a:solidFill>
-                <a:latin typeface="Consolas" panose="020B0609020204030204" pitchFamily="49" charset="0"/>
-                <a:ea typeface="Times New Roman" panose="02020603050405020304" pitchFamily="18" charset="0"/>
-                <a:cs typeface="Times New Roman" panose="02020603050405020304" pitchFamily="18" charset="0"/>
-              </a:rPr>
-              <a:t> (x: </a:t>
-            </a:r>
-            <a:r>
-              <a:rPr lang="en-US" dirty="0">
-                <a:solidFill>
-                  <a:srgbClr val="0000FF"/>
-                </a:solidFill>
-                <a:latin typeface="Consolas" panose="020B0609020204030204" pitchFamily="49" charset="0"/>
-                <a:ea typeface="Times New Roman" panose="02020603050405020304" pitchFamily="18" charset="0"/>
-                <a:cs typeface="Times New Roman" panose="02020603050405020304" pitchFamily="18" charset="0"/>
-              </a:rPr>
-              <a:t>number</a:t>
-            </a:r>
-            <a:r>
-              <a:rPr lang="en-US" dirty="0">
-                <a:solidFill>
-                  <a:srgbClr val="000000"/>
-                </a:solidFill>
-                <a:latin typeface="Consolas" panose="020B0609020204030204" pitchFamily="49" charset="0"/>
-                <a:ea typeface="Times New Roman" panose="02020603050405020304" pitchFamily="18" charset="0"/>
-                <a:cs typeface="Times New Roman" panose="02020603050405020304" pitchFamily="18" charset="0"/>
-              </a:rPr>
-              <a:t>, y: </a:t>
-            </a:r>
-            <a:r>
-              <a:rPr lang="en-US" dirty="0">
-                <a:solidFill>
-                  <a:srgbClr val="0000FF"/>
-                </a:solidFill>
-                <a:latin typeface="Consolas" panose="020B0609020204030204" pitchFamily="49" charset="0"/>
-                <a:ea typeface="Times New Roman" panose="02020603050405020304" pitchFamily="18" charset="0"/>
-                <a:cs typeface="Times New Roman" panose="02020603050405020304" pitchFamily="18" charset="0"/>
-              </a:rPr>
-              <a:t>number</a:t>
-            </a:r>
-            <a:r>
-              <a:rPr lang="en-US" dirty="0">
-                <a:solidFill>
-                  <a:srgbClr val="000000"/>
-                </a:solidFill>
-                <a:latin typeface="Consolas" panose="020B0609020204030204" pitchFamily="49" charset="0"/>
-                <a:ea typeface="Times New Roman" panose="02020603050405020304" pitchFamily="18" charset="0"/>
-                <a:cs typeface="Times New Roman" panose="02020603050405020304" pitchFamily="18" charset="0"/>
-              </a:rPr>
-              <a:t>) {</a:t>
-            </a:r>
-            <a:endParaRPr lang="en-US" sz="2400" dirty="0">
-              <a:latin typeface="Calibri" panose="020F0502020204030204" pitchFamily="34" charset="0"/>
-              <a:ea typeface="Calibri" panose="020F0502020204030204" pitchFamily="34" charset="0"/>
-              <a:cs typeface="Times New Roman" panose="02020603050405020304" pitchFamily="18" charset="0"/>
-            </a:endParaRPr>
-          </a:p>
-          <a:p>
-            <a:pPr>
-              <a:lnSpc>
-                <a:spcPct val="107000"/>
-              </a:lnSpc>
-              <a:tabLst>
-                <a:tab pos="581660" algn="l"/>
-                <a:tab pos="1163320" algn="l"/>
-                <a:tab pos="1744980" algn="l"/>
-                <a:tab pos="2326640" algn="l"/>
-                <a:tab pos="2908300" algn="l"/>
-                <a:tab pos="3489960" algn="l"/>
-                <a:tab pos="4071620" algn="l"/>
-                <a:tab pos="4653280" algn="l"/>
-                <a:tab pos="5234940" algn="l"/>
-                <a:tab pos="5816600" algn="l"/>
-                <a:tab pos="6398260" algn="l"/>
-                <a:tab pos="6979920" algn="l"/>
-                <a:tab pos="7561580" algn="l"/>
-                <a:tab pos="8143240" algn="l"/>
-                <a:tab pos="8724900" algn="l"/>
-                <a:tab pos="9306560" algn="l"/>
-              </a:tabLst>
-            </a:pPr>
-            <a:r>
-              <a:rPr lang="en-US" dirty="0">
-                <a:solidFill>
-                  <a:srgbClr val="000000"/>
-                </a:solidFill>
-                <a:latin typeface="Consolas" panose="020B0609020204030204" pitchFamily="49" charset="0"/>
-                <a:ea typeface="Times New Roman" panose="02020603050405020304" pitchFamily="18" charset="0"/>
-                <a:cs typeface="Times New Roman" panose="02020603050405020304" pitchFamily="18" charset="0"/>
-              </a:rPr>
-              <a:t>            </a:t>
-            </a:r>
-            <a:r>
-              <a:rPr lang="en-US" dirty="0" err="1">
-                <a:solidFill>
-                  <a:srgbClr val="0000FF"/>
-                </a:solidFill>
-                <a:latin typeface="Consolas" panose="020B0609020204030204" pitchFamily="49" charset="0"/>
-                <a:ea typeface="Times New Roman" panose="02020603050405020304" pitchFamily="18" charset="0"/>
-                <a:cs typeface="Times New Roman" panose="02020603050405020304" pitchFamily="18" charset="0"/>
-              </a:rPr>
-              <a:t>this</a:t>
-            </a:r>
-            <a:r>
-              <a:rPr lang="en-US" dirty="0" err="1">
-                <a:solidFill>
-                  <a:srgbClr val="000000"/>
-                </a:solidFill>
-                <a:latin typeface="Consolas" panose="020B0609020204030204" pitchFamily="49" charset="0"/>
-                <a:ea typeface="Times New Roman" panose="02020603050405020304" pitchFamily="18" charset="0"/>
-                <a:cs typeface="Times New Roman" panose="02020603050405020304" pitchFamily="18" charset="0"/>
-              </a:rPr>
-              <a:t>.x</a:t>
-            </a:r>
-            <a:r>
-              <a:rPr lang="en-US" dirty="0">
-                <a:solidFill>
-                  <a:srgbClr val="000000"/>
-                </a:solidFill>
-                <a:latin typeface="Consolas" panose="020B0609020204030204" pitchFamily="49" charset="0"/>
-                <a:ea typeface="Times New Roman" panose="02020603050405020304" pitchFamily="18" charset="0"/>
-                <a:cs typeface="Times New Roman" panose="02020603050405020304" pitchFamily="18" charset="0"/>
-              </a:rPr>
-              <a:t> += x;</a:t>
-            </a:r>
-            <a:endParaRPr lang="en-US" sz="2400" dirty="0">
-              <a:latin typeface="Calibri" panose="020F0502020204030204" pitchFamily="34" charset="0"/>
-              <a:ea typeface="Calibri" panose="020F0502020204030204" pitchFamily="34" charset="0"/>
-              <a:cs typeface="Times New Roman" panose="02020603050405020304" pitchFamily="18" charset="0"/>
-            </a:endParaRPr>
-          </a:p>
-          <a:p>
-            <a:pPr>
-              <a:lnSpc>
-                <a:spcPct val="107000"/>
-              </a:lnSpc>
-              <a:tabLst>
-                <a:tab pos="581660" algn="l"/>
-                <a:tab pos="1163320" algn="l"/>
-                <a:tab pos="1744980" algn="l"/>
-                <a:tab pos="2326640" algn="l"/>
-                <a:tab pos="2908300" algn="l"/>
-                <a:tab pos="3489960" algn="l"/>
-                <a:tab pos="4071620" algn="l"/>
-                <a:tab pos="4653280" algn="l"/>
-                <a:tab pos="5234940" algn="l"/>
-                <a:tab pos="5816600" algn="l"/>
-                <a:tab pos="6398260" algn="l"/>
-                <a:tab pos="6979920" algn="l"/>
-                <a:tab pos="7561580" algn="l"/>
-                <a:tab pos="8143240" algn="l"/>
-                <a:tab pos="8724900" algn="l"/>
-                <a:tab pos="9306560" algn="l"/>
-              </a:tabLst>
-            </a:pPr>
-            <a:r>
-              <a:rPr lang="en-US" dirty="0">
-                <a:solidFill>
-                  <a:srgbClr val="000000"/>
-                </a:solidFill>
-                <a:latin typeface="Consolas" panose="020B0609020204030204" pitchFamily="49" charset="0"/>
-                <a:ea typeface="Times New Roman" panose="02020603050405020304" pitchFamily="18" charset="0"/>
-                <a:cs typeface="Times New Roman" panose="02020603050405020304" pitchFamily="18" charset="0"/>
-              </a:rPr>
-              <a:t>            </a:t>
-            </a:r>
-            <a:r>
-              <a:rPr lang="en-US" dirty="0" err="1">
-                <a:solidFill>
-                  <a:srgbClr val="0000FF"/>
-                </a:solidFill>
-                <a:latin typeface="Consolas" panose="020B0609020204030204" pitchFamily="49" charset="0"/>
-                <a:ea typeface="Times New Roman" panose="02020603050405020304" pitchFamily="18" charset="0"/>
-                <a:cs typeface="Times New Roman" panose="02020603050405020304" pitchFamily="18" charset="0"/>
-              </a:rPr>
-              <a:t>this</a:t>
-            </a:r>
-            <a:r>
-              <a:rPr lang="en-US" dirty="0" err="1">
-                <a:solidFill>
-                  <a:srgbClr val="000000"/>
-                </a:solidFill>
-                <a:latin typeface="Consolas" panose="020B0609020204030204" pitchFamily="49" charset="0"/>
-                <a:ea typeface="Times New Roman" panose="02020603050405020304" pitchFamily="18" charset="0"/>
-                <a:cs typeface="Times New Roman" panose="02020603050405020304" pitchFamily="18" charset="0"/>
-              </a:rPr>
-              <a:t>.y</a:t>
-            </a:r>
-            <a:r>
-              <a:rPr lang="en-US" dirty="0">
-                <a:solidFill>
-                  <a:srgbClr val="000000"/>
-                </a:solidFill>
-                <a:latin typeface="Consolas" panose="020B0609020204030204" pitchFamily="49" charset="0"/>
-                <a:ea typeface="Times New Roman" panose="02020603050405020304" pitchFamily="18" charset="0"/>
-                <a:cs typeface="Times New Roman" panose="02020603050405020304" pitchFamily="18" charset="0"/>
-              </a:rPr>
-              <a:t> += y;</a:t>
-            </a:r>
-            <a:endParaRPr lang="en-US" sz="2400" dirty="0">
-              <a:latin typeface="Calibri" panose="020F0502020204030204" pitchFamily="34" charset="0"/>
-              <a:ea typeface="Calibri" panose="020F0502020204030204" pitchFamily="34" charset="0"/>
-              <a:cs typeface="Times New Roman" panose="02020603050405020304" pitchFamily="18" charset="0"/>
-            </a:endParaRPr>
-          </a:p>
-          <a:p>
-            <a:pPr>
-              <a:lnSpc>
-                <a:spcPct val="107000"/>
-              </a:lnSpc>
-              <a:tabLst>
-                <a:tab pos="581660" algn="l"/>
-                <a:tab pos="1163320" algn="l"/>
-                <a:tab pos="1744980" algn="l"/>
-                <a:tab pos="2326640" algn="l"/>
-                <a:tab pos="2908300" algn="l"/>
-                <a:tab pos="3489960" algn="l"/>
-                <a:tab pos="4071620" algn="l"/>
-                <a:tab pos="4653280" algn="l"/>
-                <a:tab pos="5234940" algn="l"/>
-                <a:tab pos="5816600" algn="l"/>
-                <a:tab pos="6398260" algn="l"/>
-                <a:tab pos="6979920" algn="l"/>
-                <a:tab pos="7561580" algn="l"/>
-                <a:tab pos="8143240" algn="l"/>
-                <a:tab pos="8724900" algn="l"/>
-                <a:tab pos="9306560" algn="l"/>
-              </a:tabLst>
-            </a:pPr>
-            <a:r>
-              <a:rPr lang="en-US" dirty="0">
-                <a:solidFill>
-                  <a:srgbClr val="000000"/>
-                </a:solidFill>
-                <a:latin typeface="Consolas" panose="020B0609020204030204" pitchFamily="49" charset="0"/>
-                <a:ea typeface="Times New Roman" panose="02020603050405020304" pitchFamily="18" charset="0"/>
-                <a:cs typeface="Times New Roman" panose="02020603050405020304" pitchFamily="18" charset="0"/>
-              </a:rPr>
-              <a:t>        }</a:t>
-            </a:r>
-            <a:endParaRPr lang="en-US" sz="2400" dirty="0">
-              <a:latin typeface="Calibri" panose="020F0502020204030204" pitchFamily="34" charset="0"/>
-              <a:ea typeface="Calibri" panose="020F0502020204030204" pitchFamily="34" charset="0"/>
-              <a:cs typeface="Times New Roman" panose="02020603050405020304" pitchFamily="18" charset="0"/>
-            </a:endParaRPr>
-          </a:p>
-          <a:p>
-            <a:pPr>
-              <a:lnSpc>
-                <a:spcPct val="107000"/>
-              </a:lnSpc>
-              <a:tabLst>
-                <a:tab pos="581660" algn="l"/>
-                <a:tab pos="1163320" algn="l"/>
-                <a:tab pos="1744980" algn="l"/>
-                <a:tab pos="2326640" algn="l"/>
-                <a:tab pos="2908300" algn="l"/>
-                <a:tab pos="3489960" algn="l"/>
-                <a:tab pos="4071620" algn="l"/>
-                <a:tab pos="4653280" algn="l"/>
-                <a:tab pos="5234940" algn="l"/>
-                <a:tab pos="5816600" algn="l"/>
-                <a:tab pos="6398260" algn="l"/>
-                <a:tab pos="6979920" algn="l"/>
-                <a:tab pos="7561580" algn="l"/>
-                <a:tab pos="8143240" algn="l"/>
-                <a:tab pos="8724900" algn="l"/>
-                <a:tab pos="9306560" algn="l"/>
-              </a:tabLst>
-            </a:pPr>
-            <a:r>
-              <a:rPr lang="en-US" dirty="0">
-                <a:solidFill>
-                  <a:srgbClr val="000000"/>
-                </a:solidFill>
-                <a:latin typeface="Consolas" panose="020B0609020204030204" pitchFamily="49" charset="0"/>
-                <a:ea typeface="Times New Roman" panose="02020603050405020304" pitchFamily="18" charset="0"/>
-                <a:cs typeface="Times New Roman" panose="02020603050405020304" pitchFamily="18" charset="0"/>
-              </a:rPr>
-              <a:t>    </a:t>
-            </a:r>
-            <a:r>
-              <a:rPr lang="en-US" dirty="0" smtClean="0">
-                <a:solidFill>
-                  <a:srgbClr val="000000"/>
-                </a:solidFill>
-                <a:latin typeface="Consolas" panose="020B0609020204030204" pitchFamily="49" charset="0"/>
-                <a:ea typeface="Times New Roman" panose="02020603050405020304" pitchFamily="18" charset="0"/>
-                <a:cs typeface="Times New Roman" panose="02020603050405020304" pitchFamily="18" charset="0"/>
-              </a:rPr>
-              <a:t>};</a:t>
-            </a:r>
-            <a:endParaRPr lang="en-US" sz="2400" dirty="0">
-              <a:latin typeface="Calibri" panose="020F0502020204030204" pitchFamily="34" charset="0"/>
-              <a:ea typeface="Calibri" panose="020F0502020204030204" pitchFamily="34" charset="0"/>
-              <a:cs typeface="Times New Roman" panose="02020603050405020304" pitchFamily="18" charset="0"/>
-            </a:endParaRPr>
-          </a:p>
         </p:txBody>
       </p:sp>
     </p:spTree>
     <p:extLst>
       <p:ext uri="{BB962C8B-B14F-4D97-AF65-F5344CB8AC3E}">
-        <p14:creationId xmlns:p14="http://schemas.microsoft.com/office/powerpoint/2010/main" val="3452529678"/>
+        <p14:creationId xmlns:p14="http://schemas.microsoft.com/office/powerpoint/2010/main" val="991513682"/>
       </p:ext>
     </p:extLst>
   </p:cSld>
@@ -9006,7 +8197,7 @@
           <a:p>
             <a:r>
               <a:rPr lang="en-US" dirty="0" smtClean="0"/>
-              <a:t>Classes</a:t>
+              <a:t>Interfaces – Demo </a:t>
             </a:r>
             <a:endParaRPr lang="en-US" dirty="0"/>
           </a:p>
@@ -9029,55 +8220,7 @@
           <a:p>
             <a:r>
               <a:rPr lang="en-US" dirty="0" smtClean="0"/>
-              <a:t>Prototypes + </a:t>
-            </a:r>
-            <a:r>
-              <a:rPr lang="en-US" altLang="en-US" dirty="0" smtClean="0">
-                <a:solidFill>
-                  <a:srgbClr val="0000FF"/>
-                </a:solidFill>
-                <a:latin typeface="Consolas" panose="020B0609020204030204" pitchFamily="49" charset="0"/>
-                <a:cs typeface="Consolas" panose="020B0609020204030204" pitchFamily="49" charset="0"/>
-              </a:rPr>
-              <a:t>new</a:t>
-            </a:r>
-            <a:r>
-              <a:rPr lang="en-US" dirty="0" smtClean="0"/>
-              <a:t> keyword perform best in JavaScript:</a:t>
-            </a:r>
-          </a:p>
-          <a:p>
-            <a:pPr lvl="1"/>
-            <a:r>
-              <a:rPr lang="en-US" dirty="0">
-                <a:hlinkClick r:id="rId2"/>
-              </a:rPr>
-              <a:t>http://</a:t>
-            </a:r>
-            <a:r>
-              <a:rPr lang="en-US" dirty="0" smtClean="0">
-                <a:hlinkClick r:id="rId2"/>
-              </a:rPr>
-              <a:t>jsperf.com/performance-of-prototypes</a:t>
-            </a:r>
-            <a:endParaRPr lang="en-US" dirty="0" smtClean="0"/>
-          </a:p>
-          <a:p>
-            <a:endParaRPr lang="en-US" dirty="0"/>
-          </a:p>
-          <a:p>
-            <a:r>
-              <a:rPr lang="en-US" dirty="0" smtClean="0"/>
-              <a:t>Critical for JS-heavy apps (aka everything since 2010)</a:t>
-            </a:r>
-          </a:p>
-          <a:p>
-            <a:endParaRPr lang="en-US" dirty="0"/>
-          </a:p>
-          <a:p>
-            <a:r>
-              <a:rPr lang="en-US" dirty="0" smtClean="0"/>
-              <a:t>Especially critical for Single Page Apps</a:t>
+              <a:t>Section 2 / 2-interfaces.ts</a:t>
             </a:r>
             <a:endParaRPr lang="en-US" dirty="0"/>
           </a:p>
@@ -9086,20 +8229,13 @@
     </p:spTree>
     <p:extLst>
       <p:ext uri="{BB962C8B-B14F-4D97-AF65-F5344CB8AC3E}">
-        <p14:creationId xmlns:p14="http://schemas.microsoft.com/office/powerpoint/2010/main" val="4276462166"/>
+        <p14:creationId xmlns:p14="http://schemas.microsoft.com/office/powerpoint/2010/main" val="1938960869"/>
       </p:ext>
     </p:extLst>
   </p:cSld>
   <p:clrMapOvr>
     <a:masterClrMapping/>
   </p:clrMapOvr>
-  <p:timing>
-    <p:tnLst>
-      <p:par>
-        <p:cTn id="1" dur="indefinite" restart="never" nodeType="tmRoot"/>
-      </p:par>
-    </p:tnLst>
-  </p:timing>
 </p:sld>
 </file>
 
@@ -9412,7 +8548,15 @@
           <a:p>
             <a:r>
               <a:rPr lang="en-US" dirty="0" smtClean="0"/>
-              <a:t>Avoid:</a:t>
+              <a:t>JavaScript syntax for classes </a:t>
+            </a:r>
+            <a:r>
+              <a:rPr lang="en-US" dirty="0" err="1" smtClean="0"/>
+              <a:t>kinda</a:t>
+            </a:r>
+            <a:r>
+              <a:rPr lang="en-US" dirty="0" smtClean="0"/>
+              <a:t> sucks…</a:t>
             </a:r>
             <a:endParaRPr lang="en-US" dirty="0"/>
           </a:p>
@@ -9420,21 +8564,21 @@
       </p:sp>
       <p:sp>
         <p:nvSpPr>
-          <p:cNvPr id="4" name="Rectangle 3"/>
+          <p:cNvPr id="9" name="Rectangle 8"/>
           <p:cNvSpPr/>
           <p:nvPr/>
         </p:nvSpPr>
         <p:spPr>
           <a:xfrm>
-            <a:off x="677334" y="2521493"/>
-            <a:ext cx="8333316" cy="3352328"/>
+            <a:off x="847725" y="2711993"/>
+            <a:ext cx="6096000" cy="3648691"/>
           </a:xfrm>
           <a:prstGeom prst="rect">
             <a:avLst/>
           </a:prstGeom>
         </p:spPr>
         <p:txBody>
-          <a:bodyPr wrap="square">
+          <a:bodyPr>
             <a:spAutoFit/>
           </a:bodyPr>
           <a:lstStyle/>
@@ -9471,40 +8615,73 @@
                 <a:ea typeface="Times New Roman" panose="02020603050405020304" pitchFamily="18" charset="0"/>
                 <a:cs typeface="Times New Roman" panose="02020603050405020304" pitchFamily="18" charset="0"/>
               </a:rPr>
-              <a:t>function</a:t>
-            </a:r>
-            <a:r>
-              <a:rPr lang="en-US" dirty="0">
-                <a:solidFill>
-                  <a:srgbClr val="000000"/>
-                </a:solidFill>
-                <a:latin typeface="Consolas" panose="020B0609020204030204" pitchFamily="49" charset="0"/>
-                <a:ea typeface="Times New Roman" panose="02020603050405020304" pitchFamily="18" charset="0"/>
-                <a:cs typeface="Times New Roman" panose="02020603050405020304" pitchFamily="18" charset="0"/>
-              </a:rPr>
-              <a:t> </a:t>
-            </a:r>
-            <a:r>
-              <a:rPr lang="en-US" dirty="0" err="1">
-                <a:solidFill>
-                  <a:srgbClr val="000000"/>
-                </a:solidFill>
-                <a:latin typeface="Consolas" panose="020B0609020204030204" pitchFamily="49" charset="0"/>
-                <a:ea typeface="Times New Roman" panose="02020603050405020304" pitchFamily="18" charset="0"/>
-                <a:cs typeface="Times New Roman" panose="02020603050405020304" pitchFamily="18" charset="0"/>
-              </a:rPr>
-              <a:t>MyClass</a:t>
-            </a:r>
-            <a:r>
-              <a:rPr lang="en-US" dirty="0">
-                <a:solidFill>
-                  <a:srgbClr val="000000"/>
-                </a:solidFill>
-                <a:latin typeface="Consolas" panose="020B0609020204030204" pitchFamily="49" charset="0"/>
-                <a:ea typeface="Times New Roman" panose="02020603050405020304" pitchFamily="18" charset="0"/>
-                <a:cs typeface="Times New Roman" panose="02020603050405020304" pitchFamily="18" charset="0"/>
-              </a:rPr>
-              <a:t>() {</a:t>
+              <a:t> </a:t>
+            </a:r>
+            <a:r>
+              <a:rPr lang="en-US" dirty="0" smtClean="0">
+                <a:solidFill>
+                  <a:srgbClr val="0000FF"/>
+                </a:solidFill>
+                <a:latin typeface="Consolas" panose="020B0609020204030204" pitchFamily="49" charset="0"/>
+                <a:ea typeface="Times New Roman" panose="02020603050405020304" pitchFamily="18" charset="0"/>
+                <a:cs typeface="Times New Roman" panose="02020603050405020304" pitchFamily="18" charset="0"/>
+              </a:rPr>
+              <a:t>   function</a:t>
+            </a:r>
+            <a:r>
+              <a:rPr lang="en-US" dirty="0">
+                <a:solidFill>
+                  <a:srgbClr val="000000"/>
+                </a:solidFill>
+                <a:latin typeface="Consolas" panose="020B0609020204030204" pitchFamily="49" charset="0"/>
+                <a:ea typeface="Times New Roman" panose="02020603050405020304" pitchFamily="18" charset="0"/>
+                <a:cs typeface="Times New Roman" panose="02020603050405020304" pitchFamily="18" charset="0"/>
+              </a:rPr>
+              <a:t> Point(x: </a:t>
+            </a:r>
+            <a:r>
+              <a:rPr lang="en-US" dirty="0">
+                <a:solidFill>
+                  <a:srgbClr val="0000FF"/>
+                </a:solidFill>
+                <a:latin typeface="Consolas" panose="020B0609020204030204" pitchFamily="49" charset="0"/>
+                <a:ea typeface="Times New Roman" panose="02020603050405020304" pitchFamily="18" charset="0"/>
+                <a:cs typeface="Times New Roman" panose="02020603050405020304" pitchFamily="18" charset="0"/>
+              </a:rPr>
+              <a:t>number</a:t>
+            </a:r>
+            <a:r>
+              <a:rPr lang="en-US" dirty="0">
+                <a:solidFill>
+                  <a:srgbClr val="000000"/>
+                </a:solidFill>
+                <a:latin typeface="Consolas" panose="020B0609020204030204" pitchFamily="49" charset="0"/>
+                <a:ea typeface="Times New Roman" panose="02020603050405020304" pitchFamily="18" charset="0"/>
+                <a:cs typeface="Times New Roman" panose="02020603050405020304" pitchFamily="18" charset="0"/>
+              </a:rPr>
+              <a:t>, y: </a:t>
+            </a:r>
+            <a:r>
+              <a:rPr lang="en-US" dirty="0">
+                <a:solidFill>
+                  <a:srgbClr val="0000FF"/>
+                </a:solidFill>
+                <a:latin typeface="Consolas" panose="020B0609020204030204" pitchFamily="49" charset="0"/>
+                <a:ea typeface="Times New Roman" panose="02020603050405020304" pitchFamily="18" charset="0"/>
+                <a:cs typeface="Times New Roman" panose="02020603050405020304" pitchFamily="18" charset="0"/>
+              </a:rPr>
+              <a:t>number</a:t>
+            </a:r>
+            <a:r>
+              <a:rPr lang="en-US" dirty="0">
+                <a:solidFill>
+                  <a:srgbClr val="000000"/>
+                </a:solidFill>
+                <a:latin typeface="Consolas" panose="020B0609020204030204" pitchFamily="49" charset="0"/>
+                <a:ea typeface="Times New Roman" panose="02020603050405020304" pitchFamily="18" charset="0"/>
+                <a:cs typeface="Times New Roman" panose="02020603050405020304" pitchFamily="18" charset="0"/>
+              </a:rPr>
+              <a:t>) {</a:t>
             </a:r>
             <a:endParaRPr lang="en-US" sz="2400" dirty="0">
               <a:latin typeface="Calibri" panose="020F0502020204030204" pitchFamily="34" charset="0"/>
@@ -9545,7 +8722,7 @@
                 <a:ea typeface="Times New Roman" panose="02020603050405020304" pitchFamily="18" charset="0"/>
                 <a:cs typeface="Times New Roman" panose="02020603050405020304" pitchFamily="18" charset="0"/>
               </a:rPr>
-              <a:t>    </a:t>
+              <a:t>        </a:t>
             </a:r>
             <a:r>
               <a:rPr lang="en-US" dirty="0" err="1">
@@ -9556,18 +8733,29 @@
                 <a:ea typeface="Times New Roman" panose="02020603050405020304" pitchFamily="18" charset="0"/>
                 <a:cs typeface="Times New Roman" panose="02020603050405020304" pitchFamily="18" charset="0"/>
               </a:rPr>
-              <a:t>var</a:t>
-            </a:r>
-            <a:r>
-              <a:rPr lang="en-US" dirty="0">
-                <a:solidFill>
-                  <a:srgbClr val="000000"/>
-                </a:solidFill>
-                <a:latin typeface="Consolas" panose="020B0609020204030204" pitchFamily="49" charset="0"/>
-                <a:ea typeface="Times New Roman" panose="02020603050405020304" pitchFamily="18" charset="0"/>
-                <a:cs typeface="Times New Roman" panose="02020603050405020304" pitchFamily="18" charset="0"/>
-              </a:rPr>
-              <a:t> prop1 = 1,</a:t>
+              <a:t>this</a:t>
+            </a:r>
+            <a:r>
+              <a:rPr lang="en-US" dirty="0" err="1">
+                <a:solidFill>
+                  <a:srgbClr val="000000"/>
+                </a:solidFill>
+                <a:latin typeface="Consolas" panose="020B0609020204030204" pitchFamily="49" charset="0"/>
+                <a:ea typeface="Times New Roman" panose="02020603050405020304" pitchFamily="18" charset="0"/>
+                <a:cs typeface="Times New Roman" panose="02020603050405020304" pitchFamily="18" charset="0"/>
+              </a:rPr>
+              <a:t>.x</a:t>
+            </a:r>
+            <a:r>
+              <a:rPr lang="en-US" dirty="0">
+                <a:solidFill>
+                  <a:srgbClr val="000000"/>
+                </a:solidFill>
+                <a:latin typeface="Consolas" panose="020B0609020204030204" pitchFamily="49" charset="0"/>
+                <a:ea typeface="Times New Roman" panose="02020603050405020304" pitchFamily="18" charset="0"/>
+                <a:cs typeface="Times New Roman" panose="02020603050405020304" pitchFamily="18" charset="0"/>
+              </a:rPr>
+              <a:t> = x;</a:t>
             </a:r>
             <a:endParaRPr lang="en-US" sz="2400" dirty="0">
               <a:latin typeface="Calibri" panose="020F0502020204030204" pitchFamily="34" charset="0"/>
@@ -9608,7 +8796,40 @@
                 <a:ea typeface="Times New Roman" panose="02020603050405020304" pitchFamily="18" charset="0"/>
                 <a:cs typeface="Times New Roman" panose="02020603050405020304" pitchFamily="18" charset="0"/>
               </a:rPr>
-              <a:t>        prop2 = 2;</a:t>
+              <a:t>        </a:t>
+            </a:r>
+            <a:r>
+              <a:rPr lang="en-US" dirty="0" err="1">
+                <a:solidFill>
+                  <a:srgbClr val="0000FF"/>
+                </a:solidFill>
+                <a:latin typeface="Consolas" panose="020B0609020204030204" pitchFamily="49" charset="0"/>
+                <a:ea typeface="Times New Roman" panose="02020603050405020304" pitchFamily="18" charset="0"/>
+                <a:cs typeface="Times New Roman" panose="02020603050405020304" pitchFamily="18" charset="0"/>
+              </a:rPr>
+              <a:t>this</a:t>
+            </a:r>
+            <a:r>
+              <a:rPr lang="en-US" dirty="0" err="1">
+                <a:solidFill>
+                  <a:srgbClr val="000000"/>
+                </a:solidFill>
+                <a:latin typeface="Consolas" panose="020B0609020204030204" pitchFamily="49" charset="0"/>
+                <a:ea typeface="Times New Roman" panose="02020603050405020304" pitchFamily="18" charset="0"/>
+                <a:cs typeface="Times New Roman" panose="02020603050405020304" pitchFamily="18" charset="0"/>
+              </a:rPr>
+              <a:t>.y</a:t>
+            </a:r>
+            <a:r>
+              <a:rPr lang="en-US" dirty="0">
+                <a:solidFill>
+                  <a:srgbClr val="000000"/>
+                </a:solidFill>
+                <a:latin typeface="Consolas" panose="020B0609020204030204" pitchFamily="49" charset="0"/>
+                <a:ea typeface="Times New Roman" panose="02020603050405020304" pitchFamily="18" charset="0"/>
+                <a:cs typeface="Times New Roman" panose="02020603050405020304" pitchFamily="18" charset="0"/>
+              </a:rPr>
+              <a:t> = y;</a:t>
             </a:r>
             <a:endParaRPr lang="en-US" sz="2400" dirty="0">
               <a:latin typeface="Calibri" panose="020F0502020204030204" pitchFamily="34" charset="0"/>
@@ -9649,7 +8870,7 @@
                 <a:ea typeface="Times New Roman" panose="02020603050405020304" pitchFamily="18" charset="0"/>
                 <a:cs typeface="Times New Roman" panose="02020603050405020304" pitchFamily="18" charset="0"/>
               </a:rPr>
-              <a:t> </a:t>
+              <a:t>    }</a:t>
             </a:r>
             <a:endParaRPr lang="en-US" sz="2400" dirty="0">
               <a:latin typeface="Calibri" panose="020F0502020204030204" pitchFamily="34" charset="0"/>
@@ -9690,29 +8911,7 @@
                 <a:ea typeface="Times New Roman" panose="02020603050405020304" pitchFamily="18" charset="0"/>
                 <a:cs typeface="Times New Roman" panose="02020603050405020304" pitchFamily="18" charset="0"/>
               </a:rPr>
-              <a:t>    </a:t>
-            </a:r>
-            <a:r>
-              <a:rPr lang="en-US" dirty="0">
-                <a:solidFill>
-                  <a:srgbClr val="0000FF"/>
-                </a:solidFill>
-                <a:latin typeface="Consolas" panose="020B0609020204030204" pitchFamily="49" charset="0"/>
-                <a:ea typeface="Times New Roman" panose="02020603050405020304" pitchFamily="18" charset="0"/>
-                <a:cs typeface="Times New Roman" panose="02020603050405020304" pitchFamily="18" charset="0"/>
-              </a:rPr>
-              <a:t>return</a:t>
-            </a:r>
-            <a:r>
-              <a:rPr lang="en-US" dirty="0">
-                <a:solidFill>
-                  <a:srgbClr val="000000"/>
-                </a:solidFill>
-                <a:latin typeface="Consolas" panose="020B0609020204030204" pitchFamily="49" charset="0"/>
-                <a:ea typeface="Times New Roman" panose="02020603050405020304" pitchFamily="18" charset="0"/>
-                <a:cs typeface="Times New Roman" panose="02020603050405020304" pitchFamily="18" charset="0"/>
-              </a:rPr>
-              <a:t> {</a:t>
+              <a:t> </a:t>
             </a:r>
             <a:endParaRPr lang="en-US" sz="2400" dirty="0">
               <a:latin typeface="Calibri" panose="020F0502020204030204" pitchFamily="34" charset="0"/>
@@ -9753,51 +8952,29 @@
                 <a:ea typeface="Times New Roman" panose="02020603050405020304" pitchFamily="18" charset="0"/>
                 <a:cs typeface="Times New Roman" panose="02020603050405020304" pitchFamily="18" charset="0"/>
               </a:rPr>
-              <a:t>        getProp1: </a:t>
-            </a:r>
-            <a:r>
-              <a:rPr lang="en-US" dirty="0">
-                <a:solidFill>
-                  <a:srgbClr val="0000FF"/>
-                </a:solidFill>
-                <a:latin typeface="Consolas" panose="020B0609020204030204" pitchFamily="49" charset="0"/>
-                <a:ea typeface="Times New Roman" panose="02020603050405020304" pitchFamily="18" charset="0"/>
-                <a:cs typeface="Times New Roman" panose="02020603050405020304" pitchFamily="18" charset="0"/>
-              </a:rPr>
-              <a:t>function</a:t>
-            </a:r>
-            <a:r>
-              <a:rPr lang="en-US" dirty="0">
-                <a:solidFill>
-                  <a:srgbClr val="000000"/>
-                </a:solidFill>
-                <a:latin typeface="Consolas" panose="020B0609020204030204" pitchFamily="49" charset="0"/>
-                <a:ea typeface="Times New Roman" panose="02020603050405020304" pitchFamily="18" charset="0"/>
-                <a:cs typeface="Times New Roman" panose="02020603050405020304" pitchFamily="18" charset="0"/>
-              </a:rPr>
-              <a:t> () { </a:t>
-            </a:r>
-            <a:r>
-              <a:rPr lang="en-US" dirty="0">
-                <a:solidFill>
-                  <a:srgbClr val="0000FF"/>
-                </a:solidFill>
-                <a:latin typeface="Consolas" panose="020B0609020204030204" pitchFamily="49" charset="0"/>
-                <a:ea typeface="Times New Roman" panose="02020603050405020304" pitchFamily="18" charset="0"/>
-                <a:cs typeface="Times New Roman" panose="02020603050405020304" pitchFamily="18" charset="0"/>
-              </a:rPr>
-              <a:t>return</a:t>
-            </a:r>
-            <a:r>
-              <a:rPr lang="en-US" dirty="0">
-                <a:solidFill>
-                  <a:srgbClr val="000000"/>
-                </a:solidFill>
-                <a:latin typeface="Consolas" panose="020B0609020204030204" pitchFamily="49" charset="0"/>
-                <a:ea typeface="Times New Roman" panose="02020603050405020304" pitchFamily="18" charset="0"/>
-                <a:cs typeface="Times New Roman" panose="02020603050405020304" pitchFamily="18" charset="0"/>
-              </a:rPr>
-              <a:t> prop1; },</a:t>
+              <a:t>    </a:t>
+            </a:r>
+            <a:r>
+              <a:rPr lang="en-US" dirty="0" err="1">
+                <a:solidFill>
+                  <a:srgbClr val="000000"/>
+                </a:solidFill>
+                <a:latin typeface="Consolas" panose="020B0609020204030204" pitchFamily="49" charset="0"/>
+                <a:ea typeface="Times New Roman" panose="02020603050405020304" pitchFamily="18" charset="0"/>
+                <a:cs typeface="Times New Roman" panose="02020603050405020304" pitchFamily="18" charset="0"/>
+              </a:rPr>
+              <a:t>Point.prototype</a:t>
+            </a:r>
+            <a:r>
+              <a:rPr lang="en-US" dirty="0">
+                <a:solidFill>
+                  <a:srgbClr val="000000"/>
+                </a:solidFill>
+                <a:latin typeface="Consolas" panose="020B0609020204030204" pitchFamily="49" charset="0"/>
+                <a:ea typeface="Times New Roman" panose="02020603050405020304" pitchFamily="18" charset="0"/>
+                <a:cs typeface="Times New Roman" panose="02020603050405020304" pitchFamily="18" charset="0"/>
+              </a:rPr>
+              <a:t> = {</a:t>
             </a:r>
             <a:endParaRPr lang="en-US" sz="2400" dirty="0">
               <a:latin typeface="Calibri" panose="020F0502020204030204" pitchFamily="34" charset="0"/>
@@ -9838,51 +9015,7 @@
                 <a:ea typeface="Times New Roman" panose="02020603050405020304" pitchFamily="18" charset="0"/>
                 <a:cs typeface="Times New Roman" panose="02020603050405020304" pitchFamily="18" charset="0"/>
               </a:rPr>
-              <a:t>        getProp2: </a:t>
-            </a:r>
-            <a:r>
-              <a:rPr lang="en-US" dirty="0">
-                <a:solidFill>
-                  <a:srgbClr val="0000FF"/>
-                </a:solidFill>
-                <a:latin typeface="Consolas" panose="020B0609020204030204" pitchFamily="49" charset="0"/>
-                <a:ea typeface="Times New Roman" panose="02020603050405020304" pitchFamily="18" charset="0"/>
-                <a:cs typeface="Times New Roman" panose="02020603050405020304" pitchFamily="18" charset="0"/>
-              </a:rPr>
-              <a:t>function</a:t>
-            </a:r>
-            <a:r>
-              <a:rPr lang="en-US" dirty="0">
-                <a:solidFill>
-                  <a:srgbClr val="000000"/>
-                </a:solidFill>
-                <a:latin typeface="Consolas" panose="020B0609020204030204" pitchFamily="49" charset="0"/>
-                <a:ea typeface="Times New Roman" panose="02020603050405020304" pitchFamily="18" charset="0"/>
-                <a:cs typeface="Times New Roman" panose="02020603050405020304" pitchFamily="18" charset="0"/>
-              </a:rPr>
-              <a:t> () { </a:t>
-            </a:r>
-            <a:r>
-              <a:rPr lang="en-US" dirty="0">
-                <a:solidFill>
-                  <a:srgbClr val="0000FF"/>
-                </a:solidFill>
-                <a:latin typeface="Consolas" panose="020B0609020204030204" pitchFamily="49" charset="0"/>
-                <a:ea typeface="Times New Roman" panose="02020603050405020304" pitchFamily="18" charset="0"/>
-                <a:cs typeface="Times New Roman" panose="02020603050405020304" pitchFamily="18" charset="0"/>
-              </a:rPr>
-              <a:t>return</a:t>
-            </a:r>
-            <a:r>
-              <a:rPr lang="en-US" dirty="0">
-                <a:solidFill>
-                  <a:srgbClr val="000000"/>
-                </a:solidFill>
-                <a:latin typeface="Consolas" panose="020B0609020204030204" pitchFamily="49" charset="0"/>
-                <a:ea typeface="Times New Roman" panose="02020603050405020304" pitchFamily="18" charset="0"/>
-                <a:cs typeface="Times New Roman" panose="02020603050405020304" pitchFamily="18" charset="0"/>
-              </a:rPr>
-              <a:t> prop2; }</a:t>
+              <a:t> </a:t>
             </a:r>
             <a:endParaRPr lang="en-US" sz="2400" dirty="0">
               <a:latin typeface="Calibri" panose="020F0502020204030204" pitchFamily="34" charset="0"/>
@@ -9923,7 +9056,73 @@
                 <a:ea typeface="Times New Roman" panose="02020603050405020304" pitchFamily="18" charset="0"/>
                 <a:cs typeface="Times New Roman" panose="02020603050405020304" pitchFamily="18" charset="0"/>
               </a:rPr>
-              <a:t>    };</a:t>
+              <a:t>        add: </a:t>
+            </a:r>
+            <a:r>
+              <a:rPr lang="en-US" dirty="0">
+                <a:solidFill>
+                  <a:srgbClr val="0000FF"/>
+                </a:solidFill>
+                <a:latin typeface="Consolas" panose="020B0609020204030204" pitchFamily="49" charset="0"/>
+                <a:ea typeface="Times New Roman" panose="02020603050405020304" pitchFamily="18" charset="0"/>
+                <a:cs typeface="Times New Roman" panose="02020603050405020304" pitchFamily="18" charset="0"/>
+              </a:rPr>
+              <a:t>function</a:t>
+            </a:r>
+            <a:r>
+              <a:rPr lang="en-US" dirty="0">
+                <a:solidFill>
+                  <a:srgbClr val="000000"/>
+                </a:solidFill>
+                <a:latin typeface="Consolas" panose="020B0609020204030204" pitchFamily="49" charset="0"/>
+                <a:ea typeface="Times New Roman" panose="02020603050405020304" pitchFamily="18" charset="0"/>
+                <a:cs typeface="Times New Roman" panose="02020603050405020304" pitchFamily="18" charset="0"/>
+              </a:rPr>
+              <a:t> (x: </a:t>
+            </a:r>
+            <a:r>
+              <a:rPr lang="en-US" dirty="0">
+                <a:solidFill>
+                  <a:srgbClr val="0000FF"/>
+                </a:solidFill>
+                <a:latin typeface="Consolas" panose="020B0609020204030204" pitchFamily="49" charset="0"/>
+                <a:ea typeface="Times New Roman" panose="02020603050405020304" pitchFamily="18" charset="0"/>
+                <a:cs typeface="Times New Roman" panose="02020603050405020304" pitchFamily="18" charset="0"/>
+              </a:rPr>
+              <a:t>number</a:t>
+            </a:r>
+            <a:r>
+              <a:rPr lang="en-US" dirty="0">
+                <a:solidFill>
+                  <a:srgbClr val="000000"/>
+                </a:solidFill>
+                <a:latin typeface="Consolas" panose="020B0609020204030204" pitchFamily="49" charset="0"/>
+                <a:ea typeface="Times New Roman" panose="02020603050405020304" pitchFamily="18" charset="0"/>
+                <a:cs typeface="Times New Roman" panose="02020603050405020304" pitchFamily="18" charset="0"/>
+              </a:rPr>
+              <a:t>, y: </a:t>
+            </a:r>
+            <a:r>
+              <a:rPr lang="en-US" dirty="0">
+                <a:solidFill>
+                  <a:srgbClr val="0000FF"/>
+                </a:solidFill>
+                <a:latin typeface="Consolas" panose="020B0609020204030204" pitchFamily="49" charset="0"/>
+                <a:ea typeface="Times New Roman" panose="02020603050405020304" pitchFamily="18" charset="0"/>
+                <a:cs typeface="Times New Roman" panose="02020603050405020304" pitchFamily="18" charset="0"/>
+              </a:rPr>
+              <a:t>number</a:t>
+            </a:r>
+            <a:r>
+              <a:rPr lang="en-US" dirty="0">
+                <a:solidFill>
+                  <a:srgbClr val="000000"/>
+                </a:solidFill>
+                <a:latin typeface="Consolas" panose="020B0609020204030204" pitchFamily="49" charset="0"/>
+                <a:ea typeface="Times New Roman" panose="02020603050405020304" pitchFamily="18" charset="0"/>
+                <a:cs typeface="Times New Roman" panose="02020603050405020304" pitchFamily="18" charset="0"/>
+              </a:rPr>
+              <a:t>) {</a:t>
             </a:r>
             <a:endParaRPr lang="en-US" sz="2400" dirty="0">
               <a:latin typeface="Calibri" panose="020F0502020204030204" pitchFamily="34" charset="0"/>
@@ -9964,7 +9163,40 @@
                 <a:ea typeface="Times New Roman" panose="02020603050405020304" pitchFamily="18" charset="0"/>
                 <a:cs typeface="Times New Roman" panose="02020603050405020304" pitchFamily="18" charset="0"/>
               </a:rPr>
-              <a:t>}</a:t>
+              <a:t>            </a:t>
+            </a:r>
+            <a:r>
+              <a:rPr lang="en-US" dirty="0" err="1">
+                <a:solidFill>
+                  <a:srgbClr val="0000FF"/>
+                </a:solidFill>
+                <a:latin typeface="Consolas" panose="020B0609020204030204" pitchFamily="49" charset="0"/>
+                <a:ea typeface="Times New Roman" panose="02020603050405020304" pitchFamily="18" charset="0"/>
+                <a:cs typeface="Times New Roman" panose="02020603050405020304" pitchFamily="18" charset="0"/>
+              </a:rPr>
+              <a:t>this</a:t>
+            </a:r>
+            <a:r>
+              <a:rPr lang="en-US" dirty="0" err="1">
+                <a:solidFill>
+                  <a:srgbClr val="000000"/>
+                </a:solidFill>
+                <a:latin typeface="Consolas" panose="020B0609020204030204" pitchFamily="49" charset="0"/>
+                <a:ea typeface="Times New Roman" panose="02020603050405020304" pitchFamily="18" charset="0"/>
+                <a:cs typeface="Times New Roman" panose="02020603050405020304" pitchFamily="18" charset="0"/>
+              </a:rPr>
+              <a:t>.x</a:t>
+            </a:r>
+            <a:r>
+              <a:rPr lang="en-US" dirty="0">
+                <a:solidFill>
+                  <a:srgbClr val="000000"/>
+                </a:solidFill>
+                <a:latin typeface="Consolas" panose="020B0609020204030204" pitchFamily="49" charset="0"/>
+                <a:ea typeface="Times New Roman" panose="02020603050405020304" pitchFamily="18" charset="0"/>
+                <a:cs typeface="Times New Roman" panose="02020603050405020304" pitchFamily="18" charset="0"/>
+              </a:rPr>
+              <a:t> += x;</a:t>
             </a:r>
             <a:endParaRPr lang="en-US" sz="2400" dirty="0">
               <a:latin typeface="Calibri" panose="020F0502020204030204" pitchFamily="34" charset="0"/>
@@ -10005,7 +9237,40 @@
                 <a:ea typeface="Times New Roman" panose="02020603050405020304" pitchFamily="18" charset="0"/>
                 <a:cs typeface="Times New Roman" panose="02020603050405020304" pitchFamily="18" charset="0"/>
               </a:rPr>
-              <a:t> </a:t>
+              <a:t>            </a:t>
+            </a:r>
+            <a:r>
+              <a:rPr lang="en-US" dirty="0" err="1">
+                <a:solidFill>
+                  <a:srgbClr val="0000FF"/>
+                </a:solidFill>
+                <a:latin typeface="Consolas" panose="020B0609020204030204" pitchFamily="49" charset="0"/>
+                <a:ea typeface="Times New Roman" panose="02020603050405020304" pitchFamily="18" charset="0"/>
+                <a:cs typeface="Times New Roman" panose="02020603050405020304" pitchFamily="18" charset="0"/>
+              </a:rPr>
+              <a:t>this</a:t>
+            </a:r>
+            <a:r>
+              <a:rPr lang="en-US" dirty="0" err="1">
+                <a:solidFill>
+                  <a:srgbClr val="000000"/>
+                </a:solidFill>
+                <a:latin typeface="Consolas" panose="020B0609020204030204" pitchFamily="49" charset="0"/>
+                <a:ea typeface="Times New Roman" panose="02020603050405020304" pitchFamily="18" charset="0"/>
+                <a:cs typeface="Times New Roman" panose="02020603050405020304" pitchFamily="18" charset="0"/>
+              </a:rPr>
+              <a:t>.y</a:t>
+            </a:r>
+            <a:r>
+              <a:rPr lang="en-US" dirty="0">
+                <a:solidFill>
+                  <a:srgbClr val="000000"/>
+                </a:solidFill>
+                <a:latin typeface="Consolas" panose="020B0609020204030204" pitchFamily="49" charset="0"/>
+                <a:ea typeface="Times New Roman" panose="02020603050405020304" pitchFamily="18" charset="0"/>
+                <a:cs typeface="Times New Roman" panose="02020603050405020304" pitchFamily="18" charset="0"/>
+              </a:rPr>
+              <a:t> += y;</a:t>
             </a:r>
             <a:endParaRPr lang="en-US" sz="2400" dirty="0">
               <a:latin typeface="Calibri" panose="020F0502020204030204" pitchFamily="34" charset="0"/>
@@ -10038,48 +9303,15 @@
               </a:tabLst>
             </a:pPr>
             <a:r>
-              <a:rPr lang="en-US" dirty="0" err="1">
-                <a:solidFill>
-                  <a:srgbClr val="0000FF"/>
-                </a:solidFill>
-                <a:latin typeface="Consolas" panose="020B0609020204030204" pitchFamily="49" charset="0"/>
-                <a:ea typeface="Times New Roman" panose="02020603050405020304" pitchFamily="18" charset="0"/>
-                <a:cs typeface="Times New Roman" panose="02020603050405020304" pitchFamily="18" charset="0"/>
-              </a:rPr>
-              <a:t>var</a:t>
-            </a:r>
-            <a:r>
-              <a:rPr lang="en-US" dirty="0">
-                <a:solidFill>
-                  <a:srgbClr val="000000"/>
-                </a:solidFill>
-                <a:latin typeface="Consolas" panose="020B0609020204030204" pitchFamily="49" charset="0"/>
-                <a:ea typeface="Times New Roman" panose="02020603050405020304" pitchFamily="18" charset="0"/>
-                <a:cs typeface="Times New Roman" panose="02020603050405020304" pitchFamily="18" charset="0"/>
-              </a:rPr>
-              <a:t> instance = </a:t>
-            </a:r>
-            <a:r>
-              <a:rPr lang="en-US" dirty="0" err="1">
-                <a:solidFill>
-                  <a:srgbClr val="000000"/>
-                </a:solidFill>
-                <a:latin typeface="Consolas" panose="020B0609020204030204" pitchFamily="49" charset="0"/>
-                <a:ea typeface="Times New Roman" panose="02020603050405020304" pitchFamily="18" charset="0"/>
-                <a:cs typeface="Times New Roman" panose="02020603050405020304" pitchFamily="18" charset="0"/>
-              </a:rPr>
-              <a:t>MyClass</a:t>
-            </a:r>
-            <a:r>
-              <a:rPr lang="en-US" dirty="0" smtClean="0">
-                <a:solidFill>
-                  <a:srgbClr val="000000"/>
-                </a:solidFill>
-                <a:latin typeface="Consolas" panose="020B0609020204030204" pitchFamily="49" charset="0"/>
-                <a:ea typeface="Times New Roman" panose="02020603050405020304" pitchFamily="18" charset="0"/>
-                <a:cs typeface="Times New Roman" panose="02020603050405020304" pitchFamily="18" charset="0"/>
-              </a:rPr>
-              <a:t>();</a:t>
+              <a:rPr lang="en-US" dirty="0">
+                <a:solidFill>
+                  <a:srgbClr val="000000"/>
+                </a:solidFill>
+                <a:latin typeface="Consolas" panose="020B0609020204030204" pitchFamily="49" charset="0"/>
+                <a:ea typeface="Times New Roman" panose="02020603050405020304" pitchFamily="18" charset="0"/>
+                <a:cs typeface="Times New Roman" panose="02020603050405020304" pitchFamily="18" charset="0"/>
+              </a:rPr>
+              <a:t>        }</a:t>
             </a:r>
             <a:endParaRPr lang="en-US" sz="2400" dirty="0">
               <a:latin typeface="Calibri" panose="020F0502020204030204" pitchFamily="34" charset="0"/>
@@ -10087,120 +9319,6 @@
               <a:cs typeface="Times New Roman" panose="02020603050405020304" pitchFamily="18" charset="0"/>
             </a:endParaRPr>
           </a:p>
-        </p:txBody>
-      </p:sp>
-    </p:spTree>
-    <p:extLst>
-      <p:ext uri="{BB962C8B-B14F-4D97-AF65-F5344CB8AC3E}">
-        <p14:creationId xmlns:p14="http://schemas.microsoft.com/office/powerpoint/2010/main" val="1694118131"/>
-      </p:ext>
-    </p:extLst>
-  </p:cSld>
-  <p:clrMapOvr>
-    <a:masterClrMapping/>
-  </p:clrMapOvr>
-  <p:timing>
-    <p:tnLst>
-      <p:par>
-        <p:cTn id="1" dur="indefinite" restart="never" nodeType="tmRoot"/>
-      </p:par>
-    </p:tnLst>
-  </p:timing>
-</p:sld>
-</file>
-
-<file path=ppt/slides/slide21.xml><?xml version="1.0" encoding="utf-8"?>
-<p:sld xmlns:a="http://schemas.openxmlformats.org/drawingml/2006/main" xmlns:r="http://schemas.openxmlformats.org/officeDocument/2006/relationships" xmlns:p="http://schemas.openxmlformats.org/presentationml/2006/main">
-  <p:cSld>
-    <p:spTree>
-      <p:nvGrpSpPr>
-        <p:cNvPr id="1" name=""/>
-        <p:cNvGrpSpPr/>
-        <p:nvPr/>
-      </p:nvGrpSpPr>
-      <p:grpSpPr>
-        <a:xfrm>
-          <a:off x="0" y="0"/>
-          <a:ext cx="0" cy="0"/>
-          <a:chOff x="0" y="0"/>
-          <a:chExt cx="0" cy="0"/>
-        </a:xfrm>
-      </p:grpSpPr>
-      <p:sp>
-        <p:nvSpPr>
-          <p:cNvPr id="2" name="Title 1"/>
-          <p:cNvSpPr>
-            <a:spLocks noGrp="1"/>
-          </p:cNvSpPr>
-          <p:nvPr>
-            <p:ph type="title"/>
-          </p:nvPr>
-        </p:nvSpPr>
-        <p:spPr/>
-        <p:txBody>
-          <a:bodyPr/>
-          <a:lstStyle/>
-          <a:p>
-            <a:r>
-              <a:rPr lang="en-US" dirty="0" smtClean="0"/>
-              <a:t>Classes</a:t>
-            </a:r>
-            <a:endParaRPr lang="en-US" dirty="0"/>
-          </a:p>
-        </p:txBody>
-      </p:sp>
-      <p:sp>
-        <p:nvSpPr>
-          <p:cNvPr id="3" name="Content Placeholder 2"/>
-          <p:cNvSpPr>
-            <a:spLocks noGrp="1"/>
-          </p:cNvSpPr>
-          <p:nvPr>
-            <p:ph idx="1"/>
-          </p:nvPr>
-        </p:nvSpPr>
-        <p:spPr>
-          <a:xfrm>
-            <a:off x="677334" y="1695451"/>
-            <a:ext cx="8596668" cy="4345912"/>
-          </a:xfrm>
-        </p:spPr>
-        <p:txBody>
-          <a:bodyPr/>
-          <a:lstStyle/>
-          <a:p>
-            <a:r>
-              <a:rPr lang="en-US" dirty="0" err="1" smtClean="0"/>
-              <a:t>TypeScript</a:t>
-            </a:r>
-            <a:r>
-              <a:rPr lang="en-US" dirty="0" smtClean="0"/>
-              <a:t> classes much simpler!</a:t>
-            </a:r>
-            <a:endParaRPr lang="en-US" dirty="0"/>
-          </a:p>
-        </p:txBody>
-      </p:sp>
-      <p:sp>
-        <p:nvSpPr>
-          <p:cNvPr id="7" name="Rectangle 6"/>
-          <p:cNvSpPr/>
-          <p:nvPr/>
-        </p:nvSpPr>
-        <p:spPr>
-          <a:xfrm>
-            <a:off x="1047750" y="2194261"/>
-            <a:ext cx="6096000" cy="4932953"/>
-          </a:xfrm>
-          <a:prstGeom prst="rect">
-            <a:avLst/>
-          </a:prstGeom>
-        </p:spPr>
-        <p:txBody>
-          <a:bodyPr>
-            <a:spAutoFit/>
-          </a:bodyPr>
-          <a:lstStyle/>
           <a:p>
             <a:pPr>
               <a:lnSpc>
@@ -10228,24 +9346,24 @@
             <a:r>
               <a:rPr lang="en-US" dirty="0">
                 <a:solidFill>
-                  <a:srgbClr val="0000FF"/>
-                </a:solidFill>
-                <a:latin typeface="Consolas" panose="020B0609020204030204" pitchFamily="49" charset="0"/>
-                <a:ea typeface="Times New Roman" panose="02020603050405020304" pitchFamily="18" charset="0"/>
-                <a:cs typeface="Times New Roman" panose="02020603050405020304" pitchFamily="18" charset="0"/>
-              </a:rPr>
-              <a:t>module</a:t>
-            </a:r>
-            <a:r>
-              <a:rPr lang="en-US" dirty="0">
-                <a:solidFill>
-                  <a:srgbClr val="000000"/>
-                </a:solidFill>
-                <a:latin typeface="Consolas" panose="020B0609020204030204" pitchFamily="49" charset="0"/>
-                <a:ea typeface="Times New Roman" panose="02020603050405020304" pitchFamily="18" charset="0"/>
-                <a:cs typeface="Times New Roman" panose="02020603050405020304" pitchFamily="18" charset="0"/>
-              </a:rPr>
-              <a:t> a {</a:t>
+                  <a:srgbClr val="000000"/>
+                </a:solidFill>
+                <a:latin typeface="Consolas" panose="020B0609020204030204" pitchFamily="49" charset="0"/>
+                <a:ea typeface="Times New Roman" panose="02020603050405020304" pitchFamily="18" charset="0"/>
+                <a:cs typeface="Times New Roman" panose="02020603050405020304" pitchFamily="18" charset="0"/>
+              </a:rPr>
+              <a:t>    </a:t>
+            </a:r>
+            <a:r>
+              <a:rPr lang="en-US" dirty="0" smtClean="0">
+                <a:solidFill>
+                  <a:srgbClr val="000000"/>
+                </a:solidFill>
+                <a:latin typeface="Consolas" panose="020B0609020204030204" pitchFamily="49" charset="0"/>
+                <a:ea typeface="Times New Roman" panose="02020603050405020304" pitchFamily="18" charset="0"/>
+                <a:cs typeface="Times New Roman" panose="02020603050405020304" pitchFamily="18" charset="0"/>
+              </a:rPr>
+              <a:t>};</a:t>
             </a:r>
             <a:endParaRPr lang="en-US" sz="2400" dirty="0">
               <a:latin typeface="Calibri" panose="020F0502020204030204" pitchFamily="34" charset="0"/>
@@ -10253,6 +9371,235 @@
               <a:cs typeface="Times New Roman" panose="02020603050405020304" pitchFamily="18" charset="0"/>
             </a:endParaRPr>
           </a:p>
+        </p:txBody>
+      </p:sp>
+    </p:spTree>
+    <p:extLst>
+      <p:ext uri="{BB962C8B-B14F-4D97-AF65-F5344CB8AC3E}">
+        <p14:creationId xmlns:p14="http://schemas.microsoft.com/office/powerpoint/2010/main" val="3452529678"/>
+      </p:ext>
+    </p:extLst>
+  </p:cSld>
+  <p:clrMapOvr>
+    <a:masterClrMapping/>
+  </p:clrMapOvr>
+</p:sld>
+</file>
+
+<file path=ppt/slides/slide21.xml><?xml version="1.0" encoding="utf-8"?>
+<p:sld xmlns:a="http://schemas.openxmlformats.org/drawingml/2006/main" xmlns:r="http://schemas.openxmlformats.org/officeDocument/2006/relationships" xmlns:p="http://schemas.openxmlformats.org/presentationml/2006/main">
+  <p:cSld>
+    <p:spTree>
+      <p:nvGrpSpPr>
+        <p:cNvPr id="1" name=""/>
+        <p:cNvGrpSpPr/>
+        <p:nvPr/>
+      </p:nvGrpSpPr>
+      <p:grpSpPr>
+        <a:xfrm>
+          <a:off x="0" y="0"/>
+          <a:ext cx="0" cy="0"/>
+          <a:chOff x="0" y="0"/>
+          <a:chExt cx="0" cy="0"/>
+        </a:xfrm>
+      </p:grpSpPr>
+      <p:sp>
+        <p:nvSpPr>
+          <p:cNvPr id="2" name="Title 1"/>
+          <p:cNvSpPr>
+            <a:spLocks noGrp="1"/>
+          </p:cNvSpPr>
+          <p:nvPr>
+            <p:ph type="title"/>
+          </p:nvPr>
+        </p:nvSpPr>
+        <p:spPr/>
+        <p:txBody>
+          <a:bodyPr/>
+          <a:lstStyle/>
+          <a:p>
+            <a:r>
+              <a:rPr lang="en-US" dirty="0" smtClean="0"/>
+              <a:t>Classes</a:t>
+            </a:r>
+            <a:endParaRPr lang="en-US" dirty="0"/>
+          </a:p>
+        </p:txBody>
+      </p:sp>
+      <p:sp>
+        <p:nvSpPr>
+          <p:cNvPr id="3" name="Content Placeholder 2"/>
+          <p:cNvSpPr>
+            <a:spLocks noGrp="1"/>
+          </p:cNvSpPr>
+          <p:nvPr>
+            <p:ph idx="1"/>
+          </p:nvPr>
+        </p:nvSpPr>
+        <p:spPr/>
+        <p:txBody>
+          <a:bodyPr/>
+          <a:lstStyle/>
+          <a:p>
+            <a:r>
+              <a:rPr lang="en-US" dirty="0" smtClean="0"/>
+              <a:t>Prototypes + </a:t>
+            </a:r>
+            <a:r>
+              <a:rPr lang="en-US" altLang="en-US" dirty="0" smtClean="0">
+                <a:solidFill>
+                  <a:srgbClr val="0000FF"/>
+                </a:solidFill>
+                <a:latin typeface="Consolas" panose="020B0609020204030204" pitchFamily="49" charset="0"/>
+                <a:cs typeface="Consolas" panose="020B0609020204030204" pitchFamily="49" charset="0"/>
+              </a:rPr>
+              <a:t>new</a:t>
+            </a:r>
+            <a:r>
+              <a:rPr lang="en-US" dirty="0" smtClean="0"/>
+              <a:t> keyword perform best in JavaScript:</a:t>
+            </a:r>
+          </a:p>
+          <a:p>
+            <a:pPr lvl="1"/>
+            <a:r>
+              <a:rPr lang="en-US" dirty="0">
+                <a:hlinkClick r:id="rId2"/>
+              </a:rPr>
+              <a:t>http://</a:t>
+            </a:r>
+            <a:r>
+              <a:rPr lang="en-US" dirty="0" smtClean="0">
+                <a:hlinkClick r:id="rId2"/>
+              </a:rPr>
+              <a:t>jsperf.com/performance-of-prototypes</a:t>
+            </a:r>
+            <a:endParaRPr lang="en-US" dirty="0" smtClean="0"/>
+          </a:p>
+          <a:p>
+            <a:endParaRPr lang="en-US" dirty="0"/>
+          </a:p>
+          <a:p>
+            <a:r>
+              <a:rPr lang="en-US" dirty="0" smtClean="0"/>
+              <a:t>Critical for JS-heavy apps (aka everything since 2010)</a:t>
+            </a:r>
+          </a:p>
+          <a:p>
+            <a:endParaRPr lang="en-US" dirty="0"/>
+          </a:p>
+          <a:p>
+            <a:r>
+              <a:rPr lang="en-US" dirty="0" smtClean="0"/>
+              <a:t>Especially critical for Single Page Apps</a:t>
+            </a:r>
+            <a:endParaRPr lang="en-US" dirty="0"/>
+          </a:p>
+        </p:txBody>
+      </p:sp>
+    </p:spTree>
+    <p:extLst>
+      <p:ext uri="{BB962C8B-B14F-4D97-AF65-F5344CB8AC3E}">
+        <p14:creationId xmlns:p14="http://schemas.microsoft.com/office/powerpoint/2010/main" val="4276462166"/>
+      </p:ext>
+    </p:extLst>
+  </p:cSld>
+  <p:clrMapOvr>
+    <a:masterClrMapping/>
+  </p:clrMapOvr>
+  <p:timing>
+    <p:tnLst>
+      <p:par>
+        <p:cTn id="1" dur="indefinite" restart="never" nodeType="tmRoot"/>
+      </p:par>
+    </p:tnLst>
+  </p:timing>
+</p:sld>
+</file>
+
+<file path=ppt/slides/slide22.xml><?xml version="1.0" encoding="utf-8"?>
+<p:sld xmlns:a="http://schemas.openxmlformats.org/drawingml/2006/main" xmlns:r="http://schemas.openxmlformats.org/officeDocument/2006/relationships" xmlns:p="http://schemas.openxmlformats.org/presentationml/2006/main">
+  <p:cSld>
+    <p:spTree>
+      <p:nvGrpSpPr>
+        <p:cNvPr id="1" name=""/>
+        <p:cNvGrpSpPr/>
+        <p:nvPr/>
+      </p:nvGrpSpPr>
+      <p:grpSpPr>
+        <a:xfrm>
+          <a:off x="0" y="0"/>
+          <a:ext cx="0" cy="0"/>
+          <a:chOff x="0" y="0"/>
+          <a:chExt cx="0" cy="0"/>
+        </a:xfrm>
+      </p:grpSpPr>
+      <p:sp>
+        <p:nvSpPr>
+          <p:cNvPr id="2" name="Title 1"/>
+          <p:cNvSpPr>
+            <a:spLocks noGrp="1"/>
+          </p:cNvSpPr>
+          <p:nvPr>
+            <p:ph type="title"/>
+          </p:nvPr>
+        </p:nvSpPr>
+        <p:spPr/>
+        <p:txBody>
+          <a:bodyPr/>
+          <a:lstStyle/>
+          <a:p>
+            <a:r>
+              <a:rPr lang="en-US" dirty="0" smtClean="0"/>
+              <a:t>Classes</a:t>
+            </a:r>
+            <a:endParaRPr lang="en-US" dirty="0"/>
+          </a:p>
+        </p:txBody>
+      </p:sp>
+      <p:sp>
+        <p:nvSpPr>
+          <p:cNvPr id="3" name="Content Placeholder 2"/>
+          <p:cNvSpPr>
+            <a:spLocks noGrp="1"/>
+          </p:cNvSpPr>
+          <p:nvPr>
+            <p:ph idx="1"/>
+          </p:nvPr>
+        </p:nvSpPr>
+        <p:spPr/>
+        <p:txBody>
+          <a:bodyPr/>
+          <a:lstStyle/>
+          <a:p>
+            <a:r>
+              <a:rPr lang="en-US" dirty="0" smtClean="0"/>
+              <a:t>Avoid:</a:t>
+            </a:r>
+            <a:endParaRPr lang="en-US" dirty="0"/>
+          </a:p>
+        </p:txBody>
+      </p:sp>
+      <p:sp>
+        <p:nvSpPr>
+          <p:cNvPr id="4" name="Rectangle 3"/>
+          <p:cNvSpPr/>
+          <p:nvPr/>
+        </p:nvSpPr>
+        <p:spPr>
+          <a:xfrm>
+            <a:off x="677334" y="2521493"/>
+            <a:ext cx="8333316" cy="3352328"/>
+          </a:xfrm>
+          <a:prstGeom prst="rect">
+            <a:avLst/>
+          </a:prstGeom>
+        </p:spPr>
+        <p:txBody>
+          <a:bodyPr wrap="square">
+            <a:spAutoFit/>
+          </a:bodyPr>
+          <a:lstStyle/>
           <a:p>
             <a:pPr>
               <a:lnSpc>
@@ -10280,24 +9627,13 @@
             <a:r>
               <a:rPr lang="en-US" dirty="0">
                 <a:solidFill>
-                  <a:srgbClr val="000000"/>
-                </a:solidFill>
-                <a:latin typeface="Consolas" panose="020B0609020204030204" pitchFamily="49" charset="0"/>
-                <a:ea typeface="Times New Roman" panose="02020603050405020304" pitchFamily="18" charset="0"/>
-                <a:cs typeface="Times New Roman" panose="02020603050405020304" pitchFamily="18" charset="0"/>
-              </a:rPr>
-              <a:t>    </a:t>
-            </a:r>
-            <a:r>
-              <a:rPr lang="en-US" dirty="0">
-                <a:solidFill>
                   <a:srgbClr val="0000FF"/>
                 </a:solidFill>
                 <a:latin typeface="Consolas" panose="020B0609020204030204" pitchFamily="49" charset="0"/>
                 <a:ea typeface="Times New Roman" panose="02020603050405020304" pitchFamily="18" charset="0"/>
                 <a:cs typeface="Times New Roman" panose="02020603050405020304" pitchFamily="18" charset="0"/>
               </a:rPr>
-              <a:t>export</a:t>
+              <a:t>function</a:t>
             </a:r>
             <a:r>
               <a:rPr lang="en-US" dirty="0">
@@ -10311,28 +9647,6 @@
               <a:t> </a:t>
             </a:r>
             <a:r>
-              <a:rPr lang="en-US" dirty="0">
-                <a:solidFill>
-                  <a:srgbClr val="0000FF"/>
-                </a:solidFill>
-                <a:latin typeface="Consolas" panose="020B0609020204030204" pitchFamily="49" charset="0"/>
-                <a:ea typeface="Times New Roman" panose="02020603050405020304" pitchFamily="18" charset="0"/>
-                <a:cs typeface="Times New Roman" panose="02020603050405020304" pitchFamily="18" charset="0"/>
-              </a:rPr>
-              <a:t>class</a:t>
-            </a:r>
-            <a:r>
-              <a:rPr lang="en-US" dirty="0">
-                <a:solidFill>
-                  <a:srgbClr val="000000"/>
-                </a:solidFill>
-                <a:latin typeface="Consolas" panose="020B0609020204030204" pitchFamily="49" charset="0"/>
-                <a:ea typeface="Times New Roman" panose="02020603050405020304" pitchFamily="18" charset="0"/>
-                <a:cs typeface="Times New Roman" panose="02020603050405020304" pitchFamily="18" charset="0"/>
-              </a:rPr>
-              <a:t> </a:t>
-            </a:r>
-            <a:r>
               <a:rPr lang="en-US" dirty="0" err="1">
                 <a:solidFill>
                   <a:srgbClr val="000000"/>
@@ -10352,7 +9666,7 @@
                 <a:ea typeface="Times New Roman" panose="02020603050405020304" pitchFamily="18" charset="0"/>
                 <a:cs typeface="Times New Roman" panose="02020603050405020304" pitchFamily="18" charset="0"/>
               </a:rPr>
-              <a:t> {</a:t>
+              <a:t>() {</a:t>
             </a:r>
             <a:endParaRPr lang="en-US" sz="2400" dirty="0">
               <a:latin typeface="Calibri" panose="020F0502020204030204" pitchFamily="34" charset="0"/>
@@ -10393,18 +9707,29 @@
                 <a:ea typeface="Times New Roman" panose="02020603050405020304" pitchFamily="18" charset="0"/>
                 <a:cs typeface="Times New Roman" panose="02020603050405020304" pitchFamily="18" charset="0"/>
               </a:rPr>
-              <a:t>        </a:t>
-            </a:r>
-            <a:r>
-              <a:rPr lang="en-US" dirty="0">
-                <a:solidFill>
-                  <a:srgbClr val="008000"/>
-                </a:solidFill>
-                <a:latin typeface="Consolas" panose="020B0609020204030204" pitchFamily="49" charset="0"/>
-                <a:ea typeface="Times New Roman" panose="02020603050405020304" pitchFamily="18" charset="0"/>
-                <a:cs typeface="Times New Roman" panose="02020603050405020304" pitchFamily="18" charset="0"/>
-              </a:rPr>
-              <a:t>// Declare fields</a:t>
+              <a:t>    </a:t>
+            </a:r>
+            <a:r>
+              <a:rPr lang="en-US" dirty="0" err="1">
+                <a:solidFill>
+                  <a:srgbClr val="0000FF"/>
+                </a:solidFill>
+                <a:latin typeface="Consolas" panose="020B0609020204030204" pitchFamily="49" charset="0"/>
+                <a:ea typeface="Times New Roman" panose="02020603050405020304" pitchFamily="18" charset="0"/>
+                <a:cs typeface="Times New Roman" panose="02020603050405020304" pitchFamily="18" charset="0"/>
+              </a:rPr>
+              <a:t>var</a:t>
+            </a:r>
+            <a:r>
+              <a:rPr lang="en-US" dirty="0">
+                <a:solidFill>
+                  <a:srgbClr val="000000"/>
+                </a:solidFill>
+                <a:latin typeface="Consolas" panose="020B0609020204030204" pitchFamily="49" charset="0"/>
+                <a:ea typeface="Times New Roman" panose="02020603050405020304" pitchFamily="18" charset="0"/>
+                <a:cs typeface="Times New Roman" panose="02020603050405020304" pitchFamily="18" charset="0"/>
+              </a:rPr>
+              <a:t> prop1 = 1,</a:t>
             </a:r>
             <a:endParaRPr lang="en-US" sz="2400" dirty="0">
               <a:latin typeface="Calibri" panose="020F0502020204030204" pitchFamily="34" charset="0"/>
@@ -10445,29 +9770,7 @@
                 <a:ea typeface="Times New Roman" panose="02020603050405020304" pitchFamily="18" charset="0"/>
                 <a:cs typeface="Times New Roman" panose="02020603050405020304" pitchFamily="18" charset="0"/>
               </a:rPr>
-              <a:t>        foo = </a:t>
-            </a:r>
-            <a:r>
-              <a:rPr lang="en-US" dirty="0">
-                <a:solidFill>
-                  <a:srgbClr val="A31515"/>
-                </a:solidFill>
-                <a:latin typeface="Consolas" panose="020B0609020204030204" pitchFamily="49" charset="0"/>
-                <a:ea typeface="Times New Roman" panose="02020603050405020304" pitchFamily="18" charset="0"/>
-                <a:cs typeface="Times New Roman" panose="02020603050405020304" pitchFamily="18" charset="0"/>
-              </a:rPr>
-              <a:t>'bar'</a:t>
-            </a:r>
-            <a:r>
-              <a:rPr lang="en-US" dirty="0">
-                <a:solidFill>
-                  <a:srgbClr val="000000"/>
-                </a:solidFill>
-                <a:latin typeface="Consolas" panose="020B0609020204030204" pitchFamily="49" charset="0"/>
-                <a:ea typeface="Times New Roman" panose="02020603050405020304" pitchFamily="18" charset="0"/>
-                <a:cs typeface="Times New Roman" panose="02020603050405020304" pitchFamily="18" charset="0"/>
-              </a:rPr>
-              <a:t>;</a:t>
+              <a:t>        prop2 = 2;</a:t>
             </a:r>
             <a:endParaRPr lang="en-US" sz="2400" dirty="0">
               <a:latin typeface="Calibri" panose="020F0502020204030204" pitchFamily="34" charset="0"/>
@@ -10549,7 +9852,7 @@
                 <a:ea typeface="Times New Roman" panose="02020603050405020304" pitchFamily="18" charset="0"/>
                 <a:cs typeface="Times New Roman" panose="02020603050405020304" pitchFamily="18" charset="0"/>
               </a:rPr>
-              <a:t>        </a:t>
+              <a:t>    </a:t>
             </a:r>
             <a:r>
               <a:rPr lang="en-US" dirty="0">
@@ -10560,62 +9863,18 @@
                 <a:ea typeface="Times New Roman" panose="02020603050405020304" pitchFamily="18" charset="0"/>
                 <a:cs typeface="Times New Roman" panose="02020603050405020304" pitchFamily="18" charset="0"/>
               </a:rPr>
-              <a:t>constructor</a:t>
-            </a:r>
-            <a:r>
-              <a:rPr lang="en-US" dirty="0">
-                <a:solidFill>
-                  <a:srgbClr val="000000"/>
-                </a:solidFill>
-                <a:latin typeface="Consolas" panose="020B0609020204030204" pitchFamily="49" charset="0"/>
-                <a:ea typeface="Times New Roman" panose="02020603050405020304" pitchFamily="18" charset="0"/>
-                <a:cs typeface="Times New Roman" panose="02020603050405020304" pitchFamily="18" charset="0"/>
-              </a:rPr>
-              <a:t>(</a:t>
-            </a:r>
-            <a:r>
-              <a:rPr lang="en-US" dirty="0" err="1">
-                <a:solidFill>
-                  <a:srgbClr val="000000"/>
-                </a:solidFill>
-                <a:latin typeface="Consolas" panose="020B0609020204030204" pitchFamily="49" charset="0"/>
-                <a:ea typeface="Times New Roman" panose="02020603050405020304" pitchFamily="18" charset="0"/>
-                <a:cs typeface="Times New Roman" panose="02020603050405020304" pitchFamily="18" charset="0"/>
-              </a:rPr>
-              <a:t>param</a:t>
-            </a:r>
-            <a:r>
-              <a:rPr lang="en-US" dirty="0">
-                <a:solidFill>
-                  <a:srgbClr val="000000"/>
-                </a:solidFill>
-                <a:latin typeface="Consolas" panose="020B0609020204030204" pitchFamily="49" charset="0"/>
-                <a:ea typeface="Times New Roman" panose="02020603050405020304" pitchFamily="18" charset="0"/>
-                <a:cs typeface="Times New Roman" panose="02020603050405020304" pitchFamily="18" charset="0"/>
-              </a:rPr>
-              <a:t>: </a:t>
-            </a:r>
-            <a:r>
-              <a:rPr lang="en-US" dirty="0">
-                <a:solidFill>
-                  <a:srgbClr val="0000FF"/>
-                </a:solidFill>
-                <a:latin typeface="Consolas" panose="020B0609020204030204" pitchFamily="49" charset="0"/>
-                <a:ea typeface="Times New Roman" panose="02020603050405020304" pitchFamily="18" charset="0"/>
-                <a:cs typeface="Times New Roman" panose="02020603050405020304" pitchFamily="18" charset="0"/>
-              </a:rPr>
-              <a:t>string</a:t>
-            </a:r>
-            <a:r>
-              <a:rPr lang="en-US" dirty="0">
-                <a:solidFill>
-                  <a:srgbClr val="000000"/>
-                </a:solidFill>
-                <a:latin typeface="Consolas" panose="020B0609020204030204" pitchFamily="49" charset="0"/>
-                <a:ea typeface="Times New Roman" panose="02020603050405020304" pitchFamily="18" charset="0"/>
-                <a:cs typeface="Times New Roman" panose="02020603050405020304" pitchFamily="18" charset="0"/>
-              </a:rPr>
-              <a:t>) {</a:t>
+              <a:t>return</a:t>
+            </a:r>
+            <a:r>
+              <a:rPr lang="en-US" dirty="0">
+                <a:solidFill>
+                  <a:srgbClr val="000000"/>
+                </a:solidFill>
+                <a:latin typeface="Consolas" panose="020B0609020204030204" pitchFamily="49" charset="0"/>
+                <a:ea typeface="Times New Roman" panose="02020603050405020304" pitchFamily="18" charset="0"/>
+                <a:cs typeface="Times New Roman" panose="02020603050405020304" pitchFamily="18" charset="0"/>
+              </a:rPr>
+              <a:t> {</a:t>
             </a:r>
             <a:endParaRPr lang="en-US" sz="2400" dirty="0">
               <a:latin typeface="Calibri" panose="020F0502020204030204" pitchFamily="34" charset="0"/>
@@ -10656,18 +9915,51 @@
                 <a:ea typeface="Times New Roman" panose="02020603050405020304" pitchFamily="18" charset="0"/>
                 <a:cs typeface="Times New Roman" panose="02020603050405020304" pitchFamily="18" charset="0"/>
               </a:rPr>
-              <a:t>            </a:t>
-            </a:r>
-            <a:r>
-              <a:rPr lang="en-US" dirty="0">
-                <a:solidFill>
-                  <a:srgbClr val="008000"/>
-                </a:solidFill>
-                <a:latin typeface="Consolas" panose="020B0609020204030204" pitchFamily="49" charset="0"/>
-                <a:ea typeface="Times New Roman" panose="02020603050405020304" pitchFamily="18" charset="0"/>
-                <a:cs typeface="Times New Roman" panose="02020603050405020304" pitchFamily="18" charset="0"/>
-              </a:rPr>
-              <a:t>// Initialize the object</a:t>
+              <a:t>        getProp1: </a:t>
+            </a:r>
+            <a:r>
+              <a:rPr lang="en-US" dirty="0">
+                <a:solidFill>
+                  <a:srgbClr val="0000FF"/>
+                </a:solidFill>
+                <a:latin typeface="Consolas" panose="020B0609020204030204" pitchFamily="49" charset="0"/>
+                <a:ea typeface="Times New Roman" panose="02020603050405020304" pitchFamily="18" charset="0"/>
+                <a:cs typeface="Times New Roman" panose="02020603050405020304" pitchFamily="18" charset="0"/>
+              </a:rPr>
+              <a:t>function</a:t>
+            </a:r>
+            <a:r>
+              <a:rPr lang="en-US" dirty="0">
+                <a:solidFill>
+                  <a:srgbClr val="000000"/>
+                </a:solidFill>
+                <a:latin typeface="Consolas" panose="020B0609020204030204" pitchFamily="49" charset="0"/>
+                <a:ea typeface="Times New Roman" panose="02020603050405020304" pitchFamily="18" charset="0"/>
+                <a:cs typeface="Times New Roman" panose="02020603050405020304" pitchFamily="18" charset="0"/>
+              </a:rPr>
+              <a:t> () { </a:t>
+            </a:r>
+            <a:r>
+              <a:rPr lang="en-US" dirty="0">
+                <a:solidFill>
+                  <a:srgbClr val="0000FF"/>
+                </a:solidFill>
+                <a:latin typeface="Consolas" panose="020B0609020204030204" pitchFamily="49" charset="0"/>
+                <a:ea typeface="Times New Roman" panose="02020603050405020304" pitchFamily="18" charset="0"/>
+                <a:cs typeface="Times New Roman" panose="02020603050405020304" pitchFamily="18" charset="0"/>
+              </a:rPr>
+              <a:t>return</a:t>
+            </a:r>
+            <a:r>
+              <a:rPr lang="en-US" dirty="0">
+                <a:solidFill>
+                  <a:srgbClr val="000000"/>
+                </a:solidFill>
+                <a:latin typeface="Consolas" panose="020B0609020204030204" pitchFamily="49" charset="0"/>
+                <a:ea typeface="Times New Roman" panose="02020603050405020304" pitchFamily="18" charset="0"/>
+                <a:cs typeface="Times New Roman" panose="02020603050405020304" pitchFamily="18" charset="0"/>
+              </a:rPr>
+              <a:t> prop1; },</a:t>
             </a:r>
             <a:endParaRPr lang="en-US" sz="2400" dirty="0">
               <a:latin typeface="Calibri" panose="020F0502020204030204" pitchFamily="34" charset="0"/>
@@ -10708,7 +10000,51 @@
                 <a:ea typeface="Times New Roman" panose="02020603050405020304" pitchFamily="18" charset="0"/>
                 <a:cs typeface="Times New Roman" panose="02020603050405020304" pitchFamily="18" charset="0"/>
               </a:rPr>
-              <a:t>        }</a:t>
+              <a:t>        getProp2: </a:t>
+            </a:r>
+            <a:r>
+              <a:rPr lang="en-US" dirty="0">
+                <a:solidFill>
+                  <a:srgbClr val="0000FF"/>
+                </a:solidFill>
+                <a:latin typeface="Consolas" panose="020B0609020204030204" pitchFamily="49" charset="0"/>
+                <a:ea typeface="Times New Roman" panose="02020603050405020304" pitchFamily="18" charset="0"/>
+                <a:cs typeface="Times New Roman" panose="02020603050405020304" pitchFamily="18" charset="0"/>
+              </a:rPr>
+              <a:t>function</a:t>
+            </a:r>
+            <a:r>
+              <a:rPr lang="en-US" dirty="0">
+                <a:solidFill>
+                  <a:srgbClr val="000000"/>
+                </a:solidFill>
+                <a:latin typeface="Consolas" panose="020B0609020204030204" pitchFamily="49" charset="0"/>
+                <a:ea typeface="Times New Roman" panose="02020603050405020304" pitchFamily="18" charset="0"/>
+                <a:cs typeface="Times New Roman" panose="02020603050405020304" pitchFamily="18" charset="0"/>
+              </a:rPr>
+              <a:t> () { </a:t>
+            </a:r>
+            <a:r>
+              <a:rPr lang="en-US" dirty="0">
+                <a:solidFill>
+                  <a:srgbClr val="0000FF"/>
+                </a:solidFill>
+                <a:latin typeface="Consolas" panose="020B0609020204030204" pitchFamily="49" charset="0"/>
+                <a:ea typeface="Times New Roman" panose="02020603050405020304" pitchFamily="18" charset="0"/>
+                <a:cs typeface="Times New Roman" panose="02020603050405020304" pitchFamily="18" charset="0"/>
+              </a:rPr>
+              <a:t>return</a:t>
+            </a:r>
+            <a:r>
+              <a:rPr lang="en-US" dirty="0">
+                <a:solidFill>
+                  <a:srgbClr val="000000"/>
+                </a:solidFill>
+                <a:latin typeface="Consolas" panose="020B0609020204030204" pitchFamily="49" charset="0"/>
+                <a:ea typeface="Times New Roman" panose="02020603050405020304" pitchFamily="18" charset="0"/>
+                <a:cs typeface="Times New Roman" panose="02020603050405020304" pitchFamily="18" charset="0"/>
+              </a:rPr>
+              <a:t> prop2; }</a:t>
             </a:r>
             <a:endParaRPr lang="en-US" sz="2400" dirty="0">
               <a:latin typeface="Calibri" panose="020F0502020204030204" pitchFamily="34" charset="0"/>
@@ -10749,7 +10085,7 @@
                 <a:ea typeface="Times New Roman" panose="02020603050405020304" pitchFamily="18" charset="0"/>
                 <a:cs typeface="Times New Roman" panose="02020603050405020304" pitchFamily="18" charset="0"/>
               </a:rPr>
-              <a:t> </a:t>
+              <a:t>    };</a:t>
             </a:r>
             <a:endParaRPr lang="en-US" sz="2400" dirty="0">
               <a:latin typeface="Calibri" panose="020F0502020204030204" pitchFamily="34" charset="0"/>
@@ -10790,18 +10126,7 @@
                 <a:ea typeface="Times New Roman" panose="02020603050405020304" pitchFamily="18" charset="0"/>
                 <a:cs typeface="Times New Roman" panose="02020603050405020304" pitchFamily="18" charset="0"/>
               </a:rPr>
-              <a:t>        </a:t>
-            </a:r>
-            <a:r>
-              <a:rPr lang="en-US" dirty="0">
-                <a:solidFill>
-                  <a:srgbClr val="008000"/>
-                </a:solidFill>
-                <a:latin typeface="Consolas" panose="020B0609020204030204" pitchFamily="49" charset="0"/>
-                <a:ea typeface="Times New Roman" panose="02020603050405020304" pitchFamily="18" charset="0"/>
-                <a:cs typeface="Times New Roman" panose="02020603050405020304" pitchFamily="18" charset="0"/>
-              </a:rPr>
-              <a:t>// Declare methods</a:t>
+              <a:t>}</a:t>
             </a:r>
             <a:endParaRPr lang="en-US" sz="2400" dirty="0">
               <a:latin typeface="Calibri" panose="020F0502020204030204" pitchFamily="34" charset="0"/>
@@ -10842,51 +10167,7 @@
                 <a:ea typeface="Times New Roman" panose="02020603050405020304" pitchFamily="18" charset="0"/>
                 <a:cs typeface="Times New Roman" panose="02020603050405020304" pitchFamily="18" charset="0"/>
               </a:rPr>
-              <a:t>        </a:t>
-            </a:r>
-            <a:r>
-              <a:rPr lang="en-US" dirty="0" err="1">
-                <a:solidFill>
-                  <a:srgbClr val="000000"/>
-                </a:solidFill>
-                <a:latin typeface="Consolas" panose="020B0609020204030204" pitchFamily="49" charset="0"/>
-                <a:ea typeface="Times New Roman" panose="02020603050405020304" pitchFamily="18" charset="0"/>
-                <a:cs typeface="Times New Roman" panose="02020603050405020304" pitchFamily="18" charset="0"/>
-              </a:rPr>
-              <a:t>getFoo</a:t>
-            </a:r>
-            <a:r>
-              <a:rPr lang="en-US" dirty="0">
-                <a:solidFill>
-                  <a:srgbClr val="000000"/>
-                </a:solidFill>
-                <a:latin typeface="Consolas" panose="020B0609020204030204" pitchFamily="49" charset="0"/>
-                <a:ea typeface="Times New Roman" panose="02020603050405020304" pitchFamily="18" charset="0"/>
-                <a:cs typeface="Times New Roman" panose="02020603050405020304" pitchFamily="18" charset="0"/>
-              </a:rPr>
-              <a:t>(): </a:t>
-            </a:r>
-            <a:r>
-              <a:rPr lang="en-US" dirty="0">
-                <a:solidFill>
-                  <a:srgbClr val="0000FF"/>
-                </a:solidFill>
-                <a:latin typeface="Consolas" panose="020B0609020204030204" pitchFamily="49" charset="0"/>
-                <a:ea typeface="Times New Roman" panose="02020603050405020304" pitchFamily="18" charset="0"/>
-                <a:cs typeface="Times New Roman" panose="02020603050405020304" pitchFamily="18" charset="0"/>
-              </a:rPr>
-              <a:t>string</a:t>
-            </a:r>
-            <a:r>
-              <a:rPr lang="en-US" dirty="0">
-                <a:solidFill>
-                  <a:srgbClr val="000000"/>
-                </a:solidFill>
-                <a:latin typeface="Consolas" panose="020B0609020204030204" pitchFamily="49" charset="0"/>
-                <a:ea typeface="Times New Roman" panose="02020603050405020304" pitchFamily="18" charset="0"/>
-                <a:cs typeface="Times New Roman" panose="02020603050405020304" pitchFamily="18" charset="0"/>
-              </a:rPr>
-              <a:t> {</a:t>
+              <a:t> </a:t>
             </a:r>
             <a:endParaRPr lang="en-US" sz="2400" dirty="0">
               <a:latin typeface="Calibri" panose="020F0502020204030204" pitchFamily="34" charset="0"/>
@@ -10919,18 +10200,7 @@
               </a:tabLst>
             </a:pPr>
             <a:r>
-              <a:rPr lang="en-US" dirty="0">
-                <a:solidFill>
-                  <a:srgbClr val="000000"/>
-                </a:solidFill>
-                <a:latin typeface="Consolas" panose="020B0609020204030204" pitchFamily="49" charset="0"/>
-                <a:ea typeface="Times New Roman" panose="02020603050405020304" pitchFamily="18" charset="0"/>
-                <a:cs typeface="Times New Roman" panose="02020603050405020304" pitchFamily="18" charset="0"/>
-              </a:rPr>
-              <a:t>            </a:t>
-            </a:r>
-            <a:r>
-              <a:rPr lang="en-US" dirty="0">
+              <a:rPr lang="en-US" dirty="0" err="1">
                 <a:solidFill>
                   <a:srgbClr val="0000FF"/>
                 </a:solidFill>
@@ -10938,51 +10208,40 @@
                 <a:ea typeface="Times New Roman" panose="02020603050405020304" pitchFamily="18" charset="0"/>
                 <a:cs typeface="Times New Roman" panose="02020603050405020304" pitchFamily="18" charset="0"/>
               </a:rPr>
-              <a:t>return</a:t>
-            </a:r>
-            <a:r>
-              <a:rPr lang="en-US" dirty="0">
-                <a:solidFill>
-                  <a:srgbClr val="000000"/>
-                </a:solidFill>
-                <a:latin typeface="Consolas" panose="020B0609020204030204" pitchFamily="49" charset="0"/>
-                <a:ea typeface="Times New Roman" panose="02020603050405020304" pitchFamily="18" charset="0"/>
-                <a:cs typeface="Times New Roman" panose="02020603050405020304" pitchFamily="18" charset="0"/>
-              </a:rPr>
-              <a:t> </a:t>
+              <a:t>var</a:t>
+            </a:r>
+            <a:r>
+              <a:rPr lang="en-US" dirty="0">
+                <a:solidFill>
+                  <a:srgbClr val="000000"/>
+                </a:solidFill>
+                <a:latin typeface="Consolas" panose="020B0609020204030204" pitchFamily="49" charset="0"/>
+                <a:ea typeface="Times New Roman" panose="02020603050405020304" pitchFamily="18" charset="0"/>
+                <a:cs typeface="Times New Roman" panose="02020603050405020304" pitchFamily="18" charset="0"/>
+              </a:rPr>
+              <a:t> instance = </a:t>
             </a:r>
             <a:r>
               <a:rPr lang="en-US" dirty="0" err="1">
                 <a:solidFill>
-                  <a:srgbClr val="0000FF"/>
-                </a:solidFill>
-                <a:latin typeface="Consolas" panose="020B0609020204030204" pitchFamily="49" charset="0"/>
-                <a:ea typeface="Times New Roman" panose="02020603050405020304" pitchFamily="18" charset="0"/>
-                <a:cs typeface="Times New Roman" panose="02020603050405020304" pitchFamily="18" charset="0"/>
-              </a:rPr>
-              <a:t>this</a:t>
-            </a:r>
-            <a:r>
-              <a:rPr lang="en-US" dirty="0" err="1">
-                <a:solidFill>
-                  <a:srgbClr val="000000"/>
-                </a:solidFill>
-                <a:latin typeface="Consolas" panose="020B0609020204030204" pitchFamily="49" charset="0"/>
-                <a:ea typeface="Times New Roman" panose="02020603050405020304" pitchFamily="18" charset="0"/>
-                <a:cs typeface="Times New Roman" panose="02020603050405020304" pitchFamily="18" charset="0"/>
-              </a:rPr>
-              <a:t>.foo</a:t>
-            </a:r>
-            <a:r>
-              <a:rPr lang="en-US" dirty="0">
-                <a:solidFill>
-                  <a:srgbClr val="000000"/>
-                </a:solidFill>
-                <a:latin typeface="Consolas" panose="020B0609020204030204" pitchFamily="49" charset="0"/>
-                <a:ea typeface="Times New Roman" panose="02020603050405020304" pitchFamily="18" charset="0"/>
-                <a:cs typeface="Times New Roman" panose="02020603050405020304" pitchFamily="18" charset="0"/>
-              </a:rPr>
-              <a:t>;</a:t>
+                  <a:srgbClr val="000000"/>
+                </a:solidFill>
+                <a:latin typeface="Consolas" panose="020B0609020204030204" pitchFamily="49" charset="0"/>
+                <a:ea typeface="Times New Roman" panose="02020603050405020304" pitchFamily="18" charset="0"/>
+                <a:cs typeface="Times New Roman" panose="02020603050405020304" pitchFamily="18" charset="0"/>
+              </a:rPr>
+              <a:t>MyClass</a:t>
+            </a:r>
+            <a:r>
+              <a:rPr lang="en-US" dirty="0" smtClean="0">
+                <a:solidFill>
+                  <a:srgbClr val="000000"/>
+                </a:solidFill>
+                <a:latin typeface="Consolas" panose="020B0609020204030204" pitchFamily="49" charset="0"/>
+                <a:ea typeface="Times New Roman" panose="02020603050405020304" pitchFamily="18" charset="0"/>
+                <a:cs typeface="Times New Roman" panose="02020603050405020304" pitchFamily="18" charset="0"/>
+              </a:rPr>
+              <a:t>();</a:t>
             </a:r>
             <a:endParaRPr lang="en-US" sz="2400" dirty="0">
               <a:latin typeface="Calibri" panose="020F0502020204030204" pitchFamily="34" charset="0"/>
@@ -10990,6 +10249,120 @@
               <a:cs typeface="Times New Roman" panose="02020603050405020304" pitchFamily="18" charset="0"/>
             </a:endParaRPr>
           </a:p>
+        </p:txBody>
+      </p:sp>
+    </p:spTree>
+    <p:extLst>
+      <p:ext uri="{BB962C8B-B14F-4D97-AF65-F5344CB8AC3E}">
+        <p14:creationId xmlns:p14="http://schemas.microsoft.com/office/powerpoint/2010/main" val="1694118131"/>
+      </p:ext>
+    </p:extLst>
+  </p:cSld>
+  <p:clrMapOvr>
+    <a:masterClrMapping/>
+  </p:clrMapOvr>
+  <p:timing>
+    <p:tnLst>
+      <p:par>
+        <p:cTn id="1" dur="indefinite" restart="never" nodeType="tmRoot"/>
+      </p:par>
+    </p:tnLst>
+  </p:timing>
+</p:sld>
+</file>
+
+<file path=ppt/slides/slide23.xml><?xml version="1.0" encoding="utf-8"?>
+<p:sld xmlns:a="http://schemas.openxmlformats.org/drawingml/2006/main" xmlns:r="http://schemas.openxmlformats.org/officeDocument/2006/relationships" xmlns:p="http://schemas.openxmlformats.org/presentationml/2006/main">
+  <p:cSld>
+    <p:spTree>
+      <p:nvGrpSpPr>
+        <p:cNvPr id="1" name=""/>
+        <p:cNvGrpSpPr/>
+        <p:nvPr/>
+      </p:nvGrpSpPr>
+      <p:grpSpPr>
+        <a:xfrm>
+          <a:off x="0" y="0"/>
+          <a:ext cx="0" cy="0"/>
+          <a:chOff x="0" y="0"/>
+          <a:chExt cx="0" cy="0"/>
+        </a:xfrm>
+      </p:grpSpPr>
+      <p:sp>
+        <p:nvSpPr>
+          <p:cNvPr id="2" name="Title 1"/>
+          <p:cNvSpPr>
+            <a:spLocks noGrp="1"/>
+          </p:cNvSpPr>
+          <p:nvPr>
+            <p:ph type="title"/>
+          </p:nvPr>
+        </p:nvSpPr>
+        <p:spPr/>
+        <p:txBody>
+          <a:bodyPr/>
+          <a:lstStyle/>
+          <a:p>
+            <a:r>
+              <a:rPr lang="en-US" dirty="0" smtClean="0"/>
+              <a:t>Classes</a:t>
+            </a:r>
+            <a:endParaRPr lang="en-US" dirty="0"/>
+          </a:p>
+        </p:txBody>
+      </p:sp>
+      <p:sp>
+        <p:nvSpPr>
+          <p:cNvPr id="3" name="Content Placeholder 2"/>
+          <p:cNvSpPr>
+            <a:spLocks noGrp="1"/>
+          </p:cNvSpPr>
+          <p:nvPr>
+            <p:ph idx="1"/>
+          </p:nvPr>
+        </p:nvSpPr>
+        <p:spPr>
+          <a:xfrm>
+            <a:off x="677334" y="1695451"/>
+            <a:ext cx="8596668" cy="4345912"/>
+          </a:xfrm>
+        </p:spPr>
+        <p:txBody>
+          <a:bodyPr/>
+          <a:lstStyle/>
+          <a:p>
+            <a:r>
+              <a:rPr lang="en-US" dirty="0" err="1" smtClean="0"/>
+              <a:t>TypeScript</a:t>
+            </a:r>
+            <a:r>
+              <a:rPr lang="en-US" dirty="0" smtClean="0"/>
+              <a:t> classes much simpler!</a:t>
+            </a:r>
+            <a:endParaRPr lang="en-US" dirty="0"/>
+          </a:p>
+        </p:txBody>
+      </p:sp>
+      <p:sp>
+        <p:nvSpPr>
+          <p:cNvPr id="7" name="Rectangle 6"/>
+          <p:cNvSpPr/>
+          <p:nvPr/>
+        </p:nvSpPr>
+        <p:spPr>
+          <a:xfrm>
+            <a:off x="1047750" y="2194261"/>
+            <a:ext cx="6096000" cy="4932953"/>
+          </a:xfrm>
+          <a:prstGeom prst="rect">
+            <a:avLst/>
+          </a:prstGeom>
+        </p:spPr>
+        <p:txBody>
+          <a:bodyPr>
+            <a:spAutoFit/>
+          </a:bodyPr>
+          <a:lstStyle/>
           <a:p>
             <a:pPr>
               <a:lnSpc>
@@ -11017,13 +10390,24 @@
             <a:r>
               <a:rPr lang="en-US" dirty="0">
                 <a:solidFill>
-                  <a:srgbClr val="000000"/>
-                </a:solidFill>
-                <a:latin typeface="Consolas" panose="020B0609020204030204" pitchFamily="49" charset="0"/>
-                <a:ea typeface="Times New Roman" panose="02020603050405020304" pitchFamily="18" charset="0"/>
-                <a:cs typeface="Times New Roman" panose="02020603050405020304" pitchFamily="18" charset="0"/>
-              </a:rPr>
-              <a:t>        }</a:t>
+                  <a:srgbClr val="0000FF"/>
+                </a:solidFill>
+                <a:latin typeface="Consolas" panose="020B0609020204030204" pitchFamily="49" charset="0"/>
+                <a:ea typeface="Times New Roman" panose="02020603050405020304" pitchFamily="18" charset="0"/>
+                <a:cs typeface="Times New Roman" panose="02020603050405020304" pitchFamily="18" charset="0"/>
+              </a:rPr>
+              <a:t>module</a:t>
+            </a:r>
+            <a:r>
+              <a:rPr lang="en-US" dirty="0">
+                <a:solidFill>
+                  <a:srgbClr val="000000"/>
+                </a:solidFill>
+                <a:latin typeface="Consolas" panose="020B0609020204030204" pitchFamily="49" charset="0"/>
+                <a:ea typeface="Times New Roman" panose="02020603050405020304" pitchFamily="18" charset="0"/>
+                <a:cs typeface="Times New Roman" panose="02020603050405020304" pitchFamily="18" charset="0"/>
+              </a:rPr>
+              <a:t> a {</a:t>
             </a:r>
             <a:endParaRPr lang="en-US" sz="2400" dirty="0">
               <a:latin typeface="Calibri" panose="020F0502020204030204" pitchFamily="34" charset="0"/>
@@ -11064,7 +10448,73 @@
                 <a:ea typeface="Times New Roman" panose="02020603050405020304" pitchFamily="18" charset="0"/>
                 <a:cs typeface="Times New Roman" panose="02020603050405020304" pitchFamily="18" charset="0"/>
               </a:rPr>
-              <a:t>    }</a:t>
+              <a:t>    </a:t>
+            </a:r>
+            <a:r>
+              <a:rPr lang="en-US" dirty="0">
+                <a:solidFill>
+                  <a:srgbClr val="0000FF"/>
+                </a:solidFill>
+                <a:latin typeface="Consolas" panose="020B0609020204030204" pitchFamily="49" charset="0"/>
+                <a:ea typeface="Times New Roman" panose="02020603050405020304" pitchFamily="18" charset="0"/>
+                <a:cs typeface="Times New Roman" panose="02020603050405020304" pitchFamily="18" charset="0"/>
+              </a:rPr>
+              <a:t>export</a:t>
+            </a:r>
+            <a:r>
+              <a:rPr lang="en-US" dirty="0">
+                <a:solidFill>
+                  <a:srgbClr val="000000"/>
+                </a:solidFill>
+                <a:latin typeface="Consolas" panose="020B0609020204030204" pitchFamily="49" charset="0"/>
+                <a:ea typeface="Times New Roman" panose="02020603050405020304" pitchFamily="18" charset="0"/>
+                <a:cs typeface="Times New Roman" panose="02020603050405020304" pitchFamily="18" charset="0"/>
+              </a:rPr>
+              <a:t> </a:t>
+            </a:r>
+            <a:r>
+              <a:rPr lang="en-US" dirty="0">
+                <a:solidFill>
+                  <a:srgbClr val="0000FF"/>
+                </a:solidFill>
+                <a:latin typeface="Consolas" panose="020B0609020204030204" pitchFamily="49" charset="0"/>
+                <a:ea typeface="Times New Roman" panose="02020603050405020304" pitchFamily="18" charset="0"/>
+                <a:cs typeface="Times New Roman" panose="02020603050405020304" pitchFamily="18" charset="0"/>
+              </a:rPr>
+              <a:t>class</a:t>
+            </a:r>
+            <a:r>
+              <a:rPr lang="en-US" dirty="0">
+                <a:solidFill>
+                  <a:srgbClr val="000000"/>
+                </a:solidFill>
+                <a:latin typeface="Consolas" panose="020B0609020204030204" pitchFamily="49" charset="0"/>
+                <a:ea typeface="Times New Roman" panose="02020603050405020304" pitchFamily="18" charset="0"/>
+                <a:cs typeface="Times New Roman" panose="02020603050405020304" pitchFamily="18" charset="0"/>
+              </a:rPr>
+              <a:t> </a:t>
+            </a:r>
+            <a:r>
+              <a:rPr lang="en-US" dirty="0" err="1">
+                <a:solidFill>
+                  <a:srgbClr val="000000"/>
+                </a:solidFill>
+                <a:latin typeface="Consolas" panose="020B0609020204030204" pitchFamily="49" charset="0"/>
+                <a:ea typeface="Times New Roman" panose="02020603050405020304" pitchFamily="18" charset="0"/>
+                <a:cs typeface="Times New Roman" panose="02020603050405020304" pitchFamily="18" charset="0"/>
+              </a:rPr>
+              <a:t>MyClass</a:t>
+            </a:r>
+            <a:r>
+              <a:rPr lang="en-US" dirty="0">
+                <a:solidFill>
+                  <a:srgbClr val="000000"/>
+                </a:solidFill>
+                <a:latin typeface="Consolas" panose="020B0609020204030204" pitchFamily="49" charset="0"/>
+                <a:ea typeface="Times New Roman" panose="02020603050405020304" pitchFamily="18" charset="0"/>
+                <a:cs typeface="Times New Roman" panose="02020603050405020304" pitchFamily="18" charset="0"/>
+              </a:rPr>
+              <a:t> {</a:t>
             </a:r>
             <a:endParaRPr lang="en-US" sz="2400" dirty="0">
               <a:latin typeface="Calibri" panose="020F0502020204030204" pitchFamily="34" charset="0"/>
@@ -11105,7 +10555,18 @@
                 <a:ea typeface="Times New Roman" panose="02020603050405020304" pitchFamily="18" charset="0"/>
                 <a:cs typeface="Times New Roman" panose="02020603050405020304" pitchFamily="18" charset="0"/>
               </a:rPr>
-              <a:t>}</a:t>
+              <a:t>        </a:t>
+            </a:r>
+            <a:r>
+              <a:rPr lang="en-US" dirty="0">
+                <a:solidFill>
+                  <a:srgbClr val="008000"/>
+                </a:solidFill>
+                <a:latin typeface="Consolas" panose="020B0609020204030204" pitchFamily="49" charset="0"/>
+                <a:ea typeface="Times New Roman" panose="02020603050405020304" pitchFamily="18" charset="0"/>
+                <a:cs typeface="Times New Roman" panose="02020603050405020304" pitchFamily="18" charset="0"/>
+              </a:rPr>
+              <a:t>// Declare fields</a:t>
             </a:r>
             <a:endParaRPr lang="en-US" sz="2400" dirty="0">
               <a:latin typeface="Calibri" panose="020F0502020204030204" pitchFamily="34" charset="0"/>
@@ -11113,133 +10574,6 @@
               <a:cs typeface="Times New Roman" panose="02020603050405020304" pitchFamily="18" charset="0"/>
             </a:endParaRPr>
           </a:p>
-          <a:p>
-            <a:pPr>
-              <a:lnSpc>
-                <a:spcPct val="107000"/>
-              </a:lnSpc>
-              <a:spcAft>
-                <a:spcPts val="800"/>
-              </a:spcAft>
-            </a:pPr>
-            <a:r>
-              <a:rPr lang="en-US" sz="2400" dirty="0">
-                <a:latin typeface="Calibri" panose="020F0502020204030204" pitchFamily="34" charset="0"/>
-                <a:ea typeface="Calibri" panose="020F0502020204030204" pitchFamily="34" charset="0"/>
-                <a:cs typeface="Times New Roman" panose="02020603050405020304" pitchFamily="18" charset="0"/>
-              </a:rPr>
-              <a:t> </a:t>
-            </a:r>
-            <a:endParaRPr lang="en-US" sz="2400" dirty="0">
-              <a:effectLst/>
-              <a:latin typeface="Calibri" panose="020F0502020204030204" pitchFamily="34" charset="0"/>
-              <a:ea typeface="Calibri" panose="020F0502020204030204" pitchFamily="34" charset="0"/>
-              <a:cs typeface="Times New Roman" panose="02020603050405020304" pitchFamily="18" charset="0"/>
-            </a:endParaRPr>
-          </a:p>
-        </p:txBody>
-      </p:sp>
-    </p:spTree>
-    <p:extLst>
-      <p:ext uri="{BB962C8B-B14F-4D97-AF65-F5344CB8AC3E}">
-        <p14:creationId xmlns:p14="http://schemas.microsoft.com/office/powerpoint/2010/main" val="3491719615"/>
-      </p:ext>
-    </p:extLst>
-  </p:cSld>
-  <p:clrMapOvr>
-    <a:masterClrMapping/>
-  </p:clrMapOvr>
-</p:sld>
-</file>
-
-<file path=ppt/slides/slide22.xml><?xml version="1.0" encoding="utf-8"?>
-<p:sld xmlns:a="http://schemas.openxmlformats.org/drawingml/2006/main" xmlns:r="http://schemas.openxmlformats.org/officeDocument/2006/relationships" xmlns:p="http://schemas.openxmlformats.org/presentationml/2006/main">
-  <p:cSld>
-    <p:spTree>
-      <p:nvGrpSpPr>
-        <p:cNvPr id="1" name=""/>
-        <p:cNvGrpSpPr/>
-        <p:nvPr/>
-      </p:nvGrpSpPr>
-      <p:grpSpPr>
-        <a:xfrm>
-          <a:off x="0" y="0"/>
-          <a:ext cx="0" cy="0"/>
-          <a:chOff x="0" y="0"/>
-          <a:chExt cx="0" cy="0"/>
-        </a:xfrm>
-      </p:grpSpPr>
-      <p:sp>
-        <p:nvSpPr>
-          <p:cNvPr id="2" name="Title 1"/>
-          <p:cNvSpPr>
-            <a:spLocks noGrp="1"/>
-          </p:cNvSpPr>
-          <p:nvPr>
-            <p:ph type="title"/>
-          </p:nvPr>
-        </p:nvSpPr>
-        <p:spPr/>
-        <p:txBody>
-          <a:bodyPr/>
-          <a:lstStyle/>
-          <a:p>
-            <a:r>
-              <a:rPr lang="en-US" dirty="0" smtClean="0"/>
-              <a:t>Classes</a:t>
-            </a:r>
-            <a:endParaRPr lang="en-US" dirty="0"/>
-          </a:p>
-        </p:txBody>
-      </p:sp>
-      <p:sp>
-        <p:nvSpPr>
-          <p:cNvPr id="3" name="Content Placeholder 2"/>
-          <p:cNvSpPr>
-            <a:spLocks noGrp="1"/>
-          </p:cNvSpPr>
-          <p:nvPr>
-            <p:ph idx="1"/>
-          </p:nvPr>
-        </p:nvSpPr>
-        <p:spPr>
-          <a:xfrm>
-            <a:off x="677334" y="1600201"/>
-            <a:ext cx="8596668" cy="4441162"/>
-          </a:xfrm>
-        </p:spPr>
-        <p:txBody>
-          <a:bodyPr/>
-          <a:lstStyle/>
-          <a:p>
-            <a:r>
-              <a:rPr lang="en-US" dirty="0" smtClean="0"/>
-              <a:t>Compiles to:</a:t>
-            </a:r>
-            <a:endParaRPr lang="en-US" dirty="0"/>
-          </a:p>
-        </p:txBody>
-      </p:sp>
-      <p:sp>
-        <p:nvSpPr>
-          <p:cNvPr id="6" name="Rectangle 5"/>
-          <p:cNvSpPr/>
-          <p:nvPr/>
-        </p:nvSpPr>
-        <p:spPr>
-          <a:xfrm>
-            <a:off x="933450" y="1930400"/>
-            <a:ext cx="7905750" cy="4834144"/>
-          </a:xfrm>
-          <a:prstGeom prst="rect">
-            <a:avLst/>
-          </a:prstGeom>
-        </p:spPr>
-        <p:txBody>
-          <a:bodyPr wrap="square">
-            <a:spAutoFit/>
-          </a:bodyPr>
-          <a:lstStyle/>
           <a:p>
             <a:pPr>
               <a:lnSpc>
@@ -11265,26 +10599,37 @@
               </a:tabLst>
             </a:pPr>
             <a:r>
-              <a:rPr lang="en-US" dirty="0" err="1">
-                <a:solidFill>
-                  <a:srgbClr val="0000FF"/>
-                </a:solidFill>
-                <a:latin typeface="Consolas" panose="020B0609020204030204" pitchFamily="49" charset="0"/>
-                <a:ea typeface="Times New Roman" panose="02020603050405020304" pitchFamily="18" charset="0"/>
-                <a:cs typeface="Times New Roman" panose="02020603050405020304" pitchFamily="18" charset="0"/>
-              </a:rPr>
-              <a:t>var</a:t>
-            </a:r>
-            <a:r>
-              <a:rPr lang="en-US" dirty="0">
-                <a:solidFill>
-                  <a:srgbClr val="000000"/>
-                </a:solidFill>
-                <a:latin typeface="Consolas" panose="020B0609020204030204" pitchFamily="49" charset="0"/>
-                <a:ea typeface="Times New Roman" panose="02020603050405020304" pitchFamily="18" charset="0"/>
-                <a:cs typeface="Times New Roman" panose="02020603050405020304" pitchFamily="18" charset="0"/>
-              </a:rPr>
-              <a:t> a;</a:t>
+              <a:rPr lang="en-US" dirty="0">
+                <a:solidFill>
+                  <a:srgbClr val="000000"/>
+                </a:solidFill>
+                <a:latin typeface="Consolas" panose="020B0609020204030204" pitchFamily="49" charset="0"/>
+                <a:ea typeface="Times New Roman" panose="02020603050405020304" pitchFamily="18" charset="0"/>
+                <a:cs typeface="Times New Roman" panose="02020603050405020304" pitchFamily="18" charset="0"/>
+              </a:rPr>
+              <a:t>        foo = </a:t>
+            </a:r>
+            <a:r>
+              <a:rPr lang="en-US" dirty="0">
+                <a:solidFill>
+                  <a:srgbClr val="A31515"/>
+                </a:solidFill>
+                <a:latin typeface="Consolas" panose="020B0609020204030204" pitchFamily="49" charset="0"/>
+                <a:ea typeface="Times New Roman" panose="02020603050405020304" pitchFamily="18" charset="0"/>
+                <a:cs typeface="Times New Roman" panose="02020603050405020304" pitchFamily="18" charset="0"/>
+              </a:rPr>
+              <a:t>'bar'</a:t>
+            </a:r>
+            <a:r>
+              <a:rPr lang="en-US" dirty="0">
+                <a:solidFill>
+                  <a:srgbClr val="000000"/>
+                </a:solidFill>
+                <a:latin typeface="Consolas" panose="020B0609020204030204" pitchFamily="49" charset="0"/>
+                <a:ea typeface="Times New Roman" panose="02020603050405020304" pitchFamily="18" charset="0"/>
+                <a:cs typeface="Times New Roman" panose="02020603050405020304" pitchFamily="18" charset="0"/>
+              </a:rPr>
+              <a:t>;</a:t>
             </a:r>
             <a:endParaRPr lang="en-US" sz="2400" dirty="0">
               <a:latin typeface="Calibri" panose="020F0502020204030204" pitchFamily="34" charset="0"/>
@@ -11325,29 +10670,7 @@
                 <a:ea typeface="Times New Roman" panose="02020603050405020304" pitchFamily="18" charset="0"/>
                 <a:cs typeface="Times New Roman" panose="02020603050405020304" pitchFamily="18" charset="0"/>
               </a:rPr>
-              <a:t>(</a:t>
-            </a:r>
-            <a:r>
-              <a:rPr lang="en-US" dirty="0">
-                <a:solidFill>
-                  <a:srgbClr val="0000FF"/>
-                </a:solidFill>
-                <a:latin typeface="Consolas" panose="020B0609020204030204" pitchFamily="49" charset="0"/>
-                <a:ea typeface="Times New Roman" panose="02020603050405020304" pitchFamily="18" charset="0"/>
-                <a:cs typeface="Times New Roman" panose="02020603050405020304" pitchFamily="18" charset="0"/>
-              </a:rPr>
-              <a:t>function</a:t>
-            </a:r>
-            <a:r>
-              <a:rPr lang="en-US" dirty="0">
-                <a:solidFill>
-                  <a:srgbClr val="000000"/>
-                </a:solidFill>
-                <a:latin typeface="Consolas" panose="020B0609020204030204" pitchFamily="49" charset="0"/>
-                <a:ea typeface="Times New Roman" panose="02020603050405020304" pitchFamily="18" charset="0"/>
-                <a:cs typeface="Times New Roman" panose="02020603050405020304" pitchFamily="18" charset="0"/>
-              </a:rPr>
-              <a:t> (a) {</a:t>
+              <a:t> </a:t>
             </a:r>
             <a:endParaRPr lang="en-US" sz="2400" dirty="0">
               <a:latin typeface="Calibri" panose="020F0502020204030204" pitchFamily="34" charset="0"/>
@@ -11388,73 +10711,73 @@
                 <a:ea typeface="Times New Roman" panose="02020603050405020304" pitchFamily="18" charset="0"/>
                 <a:cs typeface="Times New Roman" panose="02020603050405020304" pitchFamily="18" charset="0"/>
               </a:rPr>
-              <a:t>    </a:t>
+              <a:t>        </a:t>
+            </a:r>
+            <a:r>
+              <a:rPr lang="en-US" dirty="0">
+                <a:solidFill>
+                  <a:srgbClr val="0000FF"/>
+                </a:solidFill>
+                <a:latin typeface="Consolas" panose="020B0609020204030204" pitchFamily="49" charset="0"/>
+                <a:ea typeface="Times New Roman" panose="02020603050405020304" pitchFamily="18" charset="0"/>
+                <a:cs typeface="Times New Roman" panose="02020603050405020304" pitchFamily="18" charset="0"/>
+              </a:rPr>
+              <a:t>constructor</a:t>
+            </a:r>
+            <a:r>
+              <a:rPr lang="en-US" dirty="0">
+                <a:solidFill>
+                  <a:srgbClr val="000000"/>
+                </a:solidFill>
+                <a:latin typeface="Consolas" panose="020B0609020204030204" pitchFamily="49" charset="0"/>
+                <a:ea typeface="Times New Roman" panose="02020603050405020304" pitchFamily="18" charset="0"/>
+                <a:cs typeface="Times New Roman" panose="02020603050405020304" pitchFamily="18" charset="0"/>
+              </a:rPr>
+              <a:t>(</a:t>
             </a:r>
             <a:r>
               <a:rPr lang="en-US" dirty="0" err="1">
                 <a:solidFill>
+                  <a:srgbClr val="000000"/>
+                </a:solidFill>
+                <a:latin typeface="Consolas" panose="020B0609020204030204" pitchFamily="49" charset="0"/>
+                <a:ea typeface="Times New Roman" panose="02020603050405020304" pitchFamily="18" charset="0"/>
+                <a:cs typeface="Times New Roman" panose="02020603050405020304" pitchFamily="18" charset="0"/>
+              </a:rPr>
+              <a:t>param</a:t>
+            </a:r>
+            <a:r>
+              <a:rPr lang="en-US" dirty="0">
+                <a:solidFill>
+                  <a:srgbClr val="000000"/>
+                </a:solidFill>
+                <a:latin typeface="Consolas" panose="020B0609020204030204" pitchFamily="49" charset="0"/>
+                <a:ea typeface="Times New Roman" panose="02020603050405020304" pitchFamily="18" charset="0"/>
+                <a:cs typeface="Times New Roman" panose="02020603050405020304" pitchFamily="18" charset="0"/>
+              </a:rPr>
+              <a:t>: </a:t>
+            </a:r>
+            <a:r>
+              <a:rPr lang="en-US" dirty="0">
+                <a:solidFill>
                   <a:srgbClr val="0000FF"/>
                 </a:solidFill>
                 <a:latin typeface="Consolas" panose="020B0609020204030204" pitchFamily="49" charset="0"/>
                 <a:ea typeface="Times New Roman" panose="02020603050405020304" pitchFamily="18" charset="0"/>
                 <a:cs typeface="Times New Roman" panose="02020603050405020304" pitchFamily="18" charset="0"/>
               </a:rPr>
-              <a:t>var</a:t>
-            </a:r>
-            <a:r>
-              <a:rPr lang="en-US" dirty="0">
-                <a:solidFill>
-                  <a:srgbClr val="000000"/>
-                </a:solidFill>
-                <a:latin typeface="Consolas" panose="020B0609020204030204" pitchFamily="49" charset="0"/>
-                <a:ea typeface="Times New Roman" panose="02020603050405020304" pitchFamily="18" charset="0"/>
-                <a:cs typeface="Times New Roman" panose="02020603050405020304" pitchFamily="18" charset="0"/>
-              </a:rPr>
-              <a:t> </a:t>
-            </a:r>
-            <a:r>
-              <a:rPr lang="en-US" dirty="0" err="1">
-                <a:solidFill>
-                  <a:srgbClr val="000000"/>
-                </a:solidFill>
-                <a:latin typeface="Consolas" panose="020B0609020204030204" pitchFamily="49" charset="0"/>
-                <a:ea typeface="Times New Roman" panose="02020603050405020304" pitchFamily="18" charset="0"/>
-                <a:cs typeface="Times New Roman" panose="02020603050405020304" pitchFamily="18" charset="0"/>
-              </a:rPr>
-              <a:t>MyClass</a:t>
-            </a:r>
-            <a:r>
-              <a:rPr lang="en-US" dirty="0">
-                <a:solidFill>
-                  <a:srgbClr val="000000"/>
-                </a:solidFill>
-                <a:latin typeface="Consolas" panose="020B0609020204030204" pitchFamily="49" charset="0"/>
-                <a:ea typeface="Times New Roman" panose="02020603050405020304" pitchFamily="18" charset="0"/>
-                <a:cs typeface="Times New Roman" panose="02020603050405020304" pitchFamily="18" charset="0"/>
-              </a:rPr>
-              <a:t> = (</a:t>
-            </a:r>
-            <a:r>
-              <a:rPr lang="en-US" dirty="0">
-                <a:solidFill>
-                  <a:srgbClr val="0000FF"/>
-                </a:solidFill>
-                <a:latin typeface="Consolas" panose="020B0609020204030204" pitchFamily="49" charset="0"/>
-                <a:ea typeface="Times New Roman" panose="02020603050405020304" pitchFamily="18" charset="0"/>
-                <a:cs typeface="Times New Roman" panose="02020603050405020304" pitchFamily="18" charset="0"/>
-              </a:rPr>
-              <a:t>function</a:t>
-            </a:r>
-            <a:r>
-              <a:rPr lang="en-US" dirty="0">
-                <a:solidFill>
-                  <a:srgbClr val="000000"/>
-                </a:solidFill>
-                <a:latin typeface="Consolas" panose="020B0609020204030204" pitchFamily="49" charset="0"/>
-                <a:ea typeface="Times New Roman" panose="02020603050405020304" pitchFamily="18" charset="0"/>
-                <a:cs typeface="Times New Roman" panose="02020603050405020304" pitchFamily="18" charset="0"/>
-              </a:rPr>
-              <a:t> () {</a:t>
+              <a:t>string</a:t>
+            </a:r>
+            <a:r>
+              <a:rPr lang="en-US" dirty="0">
+                <a:solidFill>
+                  <a:srgbClr val="000000"/>
+                </a:solidFill>
+                <a:latin typeface="Consolas" panose="020B0609020204030204" pitchFamily="49" charset="0"/>
+                <a:ea typeface="Times New Roman" panose="02020603050405020304" pitchFamily="18" charset="0"/>
+                <a:cs typeface="Times New Roman" panose="02020603050405020304" pitchFamily="18" charset="0"/>
+              </a:rPr>
+              <a:t>) {</a:t>
             </a:r>
             <a:endParaRPr lang="en-US" sz="2400" dirty="0">
               <a:latin typeface="Calibri" panose="020F0502020204030204" pitchFamily="34" charset="0"/>
@@ -11495,73 +10818,18 @@
                 <a:ea typeface="Times New Roman" panose="02020603050405020304" pitchFamily="18" charset="0"/>
                 <a:cs typeface="Times New Roman" panose="02020603050405020304" pitchFamily="18" charset="0"/>
               </a:rPr>
-              <a:t>        </a:t>
-            </a:r>
-            <a:r>
-              <a:rPr lang="en-US" dirty="0">
-                <a:solidFill>
-                  <a:srgbClr val="0000FF"/>
-                </a:solidFill>
-                <a:latin typeface="Consolas" panose="020B0609020204030204" pitchFamily="49" charset="0"/>
-                <a:ea typeface="Times New Roman" panose="02020603050405020304" pitchFamily="18" charset="0"/>
-                <a:cs typeface="Times New Roman" panose="02020603050405020304" pitchFamily="18" charset="0"/>
-              </a:rPr>
-              <a:t>function</a:t>
-            </a:r>
-            <a:r>
-              <a:rPr lang="en-US" dirty="0">
-                <a:solidFill>
-                  <a:srgbClr val="000000"/>
-                </a:solidFill>
-                <a:latin typeface="Consolas" panose="020B0609020204030204" pitchFamily="49" charset="0"/>
-                <a:ea typeface="Times New Roman" panose="02020603050405020304" pitchFamily="18" charset="0"/>
-                <a:cs typeface="Times New Roman" panose="02020603050405020304" pitchFamily="18" charset="0"/>
-              </a:rPr>
-              <a:t> </a:t>
-            </a:r>
-            <a:r>
-              <a:rPr lang="en-US" dirty="0" err="1">
-                <a:solidFill>
-                  <a:srgbClr val="000000"/>
-                </a:solidFill>
-                <a:latin typeface="Consolas" panose="020B0609020204030204" pitchFamily="49" charset="0"/>
-                <a:ea typeface="Times New Roman" panose="02020603050405020304" pitchFamily="18" charset="0"/>
-                <a:cs typeface="Times New Roman" panose="02020603050405020304" pitchFamily="18" charset="0"/>
-              </a:rPr>
-              <a:t>MyClass</a:t>
-            </a:r>
-            <a:r>
-              <a:rPr lang="en-US" dirty="0">
-                <a:solidFill>
-                  <a:srgbClr val="000000"/>
-                </a:solidFill>
-                <a:latin typeface="Consolas" panose="020B0609020204030204" pitchFamily="49" charset="0"/>
-                <a:ea typeface="Times New Roman" panose="02020603050405020304" pitchFamily="18" charset="0"/>
-                <a:cs typeface="Times New Roman" panose="02020603050405020304" pitchFamily="18" charset="0"/>
-              </a:rPr>
-              <a:t>(</a:t>
-            </a:r>
-            <a:r>
-              <a:rPr lang="en-US" dirty="0" err="1">
-                <a:solidFill>
-                  <a:srgbClr val="000000"/>
-                </a:solidFill>
-                <a:latin typeface="Consolas" panose="020B0609020204030204" pitchFamily="49" charset="0"/>
-                <a:ea typeface="Times New Roman" panose="02020603050405020304" pitchFamily="18" charset="0"/>
-                <a:cs typeface="Times New Roman" panose="02020603050405020304" pitchFamily="18" charset="0"/>
-              </a:rPr>
-              <a:t>param</a:t>
-            </a:r>
-            <a:r>
-              <a:rPr lang="en-US" dirty="0">
-                <a:solidFill>
-                  <a:srgbClr val="000000"/>
-                </a:solidFill>
-                <a:latin typeface="Consolas" panose="020B0609020204030204" pitchFamily="49" charset="0"/>
-                <a:ea typeface="Times New Roman" panose="02020603050405020304" pitchFamily="18" charset="0"/>
-                <a:cs typeface="Times New Roman" panose="02020603050405020304" pitchFamily="18" charset="0"/>
-              </a:rPr>
-              <a:t>) {</a:t>
+              <a:t>            </a:t>
+            </a:r>
+            <a:r>
+              <a:rPr lang="en-US" dirty="0">
+                <a:solidFill>
+                  <a:srgbClr val="008000"/>
+                </a:solidFill>
+                <a:latin typeface="Consolas" panose="020B0609020204030204" pitchFamily="49" charset="0"/>
+                <a:ea typeface="Times New Roman" panose="02020603050405020304" pitchFamily="18" charset="0"/>
+                <a:cs typeface="Times New Roman" panose="02020603050405020304" pitchFamily="18" charset="0"/>
+              </a:rPr>
+              <a:t>// Initialize the object</a:t>
             </a:r>
             <a:endParaRPr lang="en-US" sz="2400" dirty="0">
               <a:latin typeface="Calibri" panose="020F0502020204030204" pitchFamily="34" charset="0"/>
@@ -11602,18 +10870,7 @@
                 <a:ea typeface="Times New Roman" panose="02020603050405020304" pitchFamily="18" charset="0"/>
                 <a:cs typeface="Times New Roman" panose="02020603050405020304" pitchFamily="18" charset="0"/>
               </a:rPr>
-              <a:t>            </a:t>
-            </a:r>
-            <a:r>
-              <a:rPr lang="en-US" dirty="0">
-                <a:solidFill>
-                  <a:srgbClr val="008000"/>
-                </a:solidFill>
-                <a:latin typeface="Consolas" panose="020B0609020204030204" pitchFamily="49" charset="0"/>
-                <a:ea typeface="Times New Roman" panose="02020603050405020304" pitchFamily="18" charset="0"/>
-                <a:cs typeface="Times New Roman" panose="02020603050405020304" pitchFamily="18" charset="0"/>
-              </a:rPr>
-              <a:t>// Declare fields</a:t>
+              <a:t>        }</a:t>
             </a:r>
             <a:endParaRPr lang="en-US" sz="2400" dirty="0">
               <a:latin typeface="Calibri" panose="020F0502020204030204" pitchFamily="34" charset="0"/>
@@ -11654,62 +10911,7 @@
                 <a:ea typeface="Times New Roman" panose="02020603050405020304" pitchFamily="18" charset="0"/>
                 <a:cs typeface="Times New Roman" panose="02020603050405020304" pitchFamily="18" charset="0"/>
               </a:rPr>
-              <a:t>            </a:t>
-            </a:r>
-            <a:r>
-              <a:rPr lang="en-US" dirty="0" err="1">
-                <a:solidFill>
-                  <a:srgbClr val="0000FF"/>
-                </a:solidFill>
-                <a:latin typeface="Consolas" panose="020B0609020204030204" pitchFamily="49" charset="0"/>
-                <a:ea typeface="Times New Roman" panose="02020603050405020304" pitchFamily="18" charset="0"/>
-                <a:cs typeface="Times New Roman" panose="02020603050405020304" pitchFamily="18" charset="0"/>
-              </a:rPr>
-              <a:t>this</a:t>
-            </a:r>
-            <a:r>
-              <a:rPr lang="en-US" dirty="0" err="1">
-                <a:solidFill>
-                  <a:srgbClr val="000000"/>
-                </a:solidFill>
-                <a:latin typeface="Consolas" panose="020B0609020204030204" pitchFamily="49" charset="0"/>
-                <a:ea typeface="Times New Roman" panose="02020603050405020304" pitchFamily="18" charset="0"/>
-                <a:cs typeface="Times New Roman" panose="02020603050405020304" pitchFamily="18" charset="0"/>
-              </a:rPr>
-              <a:t>.foo</a:t>
-            </a:r>
-            <a:r>
-              <a:rPr lang="en-US" dirty="0">
-                <a:solidFill>
-                  <a:srgbClr val="000000"/>
-                </a:solidFill>
-                <a:latin typeface="Consolas" panose="020B0609020204030204" pitchFamily="49" charset="0"/>
-                <a:ea typeface="Times New Roman" panose="02020603050405020304" pitchFamily="18" charset="0"/>
-                <a:cs typeface="Times New Roman" panose="02020603050405020304" pitchFamily="18" charset="0"/>
-              </a:rPr>
-              <a:t> = </a:t>
-            </a:r>
-            <a:r>
-              <a:rPr lang="en-US" dirty="0">
-                <a:solidFill>
-                  <a:srgbClr val="A31515"/>
-                </a:solidFill>
-                <a:latin typeface="Consolas" panose="020B0609020204030204" pitchFamily="49" charset="0"/>
-                <a:ea typeface="Times New Roman" panose="02020603050405020304" pitchFamily="18" charset="0"/>
-                <a:cs typeface="Times New Roman" panose="02020603050405020304" pitchFamily="18" charset="0"/>
-              </a:rPr>
-              <a:t>'bar'</a:t>
-            </a:r>
-            <a:r>
-              <a:rPr lang="en-US" dirty="0">
-                <a:solidFill>
-                  <a:srgbClr val="000000"/>
-                </a:solidFill>
-                <a:latin typeface="Consolas" panose="020B0609020204030204" pitchFamily="49" charset="0"/>
-                <a:ea typeface="Times New Roman" panose="02020603050405020304" pitchFamily="18" charset="0"/>
-                <a:cs typeface="Times New Roman" panose="02020603050405020304" pitchFamily="18" charset="0"/>
-              </a:rPr>
-              <a:t>;</a:t>
+              <a:t> </a:t>
             </a:r>
             <a:endParaRPr lang="en-US" sz="2400" dirty="0">
               <a:latin typeface="Calibri" panose="020F0502020204030204" pitchFamily="34" charset="0"/>
@@ -11750,7 +10952,7 @@
                 <a:ea typeface="Times New Roman" panose="02020603050405020304" pitchFamily="18" charset="0"/>
                 <a:cs typeface="Times New Roman" panose="02020603050405020304" pitchFamily="18" charset="0"/>
               </a:rPr>
-              <a:t>            </a:t>
+              <a:t>        </a:t>
             </a:r>
             <a:r>
               <a:rPr lang="en-US" dirty="0">
@@ -11761,7 +10963,7 @@
                 <a:ea typeface="Times New Roman" panose="02020603050405020304" pitchFamily="18" charset="0"/>
                 <a:cs typeface="Times New Roman" panose="02020603050405020304" pitchFamily="18" charset="0"/>
               </a:rPr>
-              <a:t>// Initialize the object</a:t>
+              <a:t>// Declare methods</a:t>
             </a:r>
             <a:endParaRPr lang="en-US" sz="2400" dirty="0">
               <a:latin typeface="Calibri" panose="020F0502020204030204" pitchFamily="34" charset="0"/>
@@ -11802,7 +11004,51 @@
                 <a:ea typeface="Times New Roman" panose="02020603050405020304" pitchFamily="18" charset="0"/>
                 <a:cs typeface="Times New Roman" panose="02020603050405020304" pitchFamily="18" charset="0"/>
               </a:rPr>
-              <a:t>        }</a:t>
+              <a:t>        </a:t>
+            </a:r>
+            <a:r>
+              <a:rPr lang="en-US" dirty="0" err="1">
+                <a:solidFill>
+                  <a:srgbClr val="000000"/>
+                </a:solidFill>
+                <a:latin typeface="Consolas" panose="020B0609020204030204" pitchFamily="49" charset="0"/>
+                <a:ea typeface="Times New Roman" panose="02020603050405020304" pitchFamily="18" charset="0"/>
+                <a:cs typeface="Times New Roman" panose="02020603050405020304" pitchFamily="18" charset="0"/>
+              </a:rPr>
+              <a:t>getFoo</a:t>
+            </a:r>
+            <a:r>
+              <a:rPr lang="en-US" dirty="0">
+                <a:solidFill>
+                  <a:srgbClr val="000000"/>
+                </a:solidFill>
+                <a:latin typeface="Consolas" panose="020B0609020204030204" pitchFamily="49" charset="0"/>
+                <a:ea typeface="Times New Roman" panose="02020603050405020304" pitchFamily="18" charset="0"/>
+                <a:cs typeface="Times New Roman" panose="02020603050405020304" pitchFamily="18" charset="0"/>
+              </a:rPr>
+              <a:t>(): </a:t>
+            </a:r>
+            <a:r>
+              <a:rPr lang="en-US" dirty="0">
+                <a:solidFill>
+                  <a:srgbClr val="0000FF"/>
+                </a:solidFill>
+                <a:latin typeface="Consolas" panose="020B0609020204030204" pitchFamily="49" charset="0"/>
+                <a:ea typeface="Times New Roman" panose="02020603050405020304" pitchFamily="18" charset="0"/>
+                <a:cs typeface="Times New Roman" panose="02020603050405020304" pitchFamily="18" charset="0"/>
+              </a:rPr>
+              <a:t>string</a:t>
+            </a:r>
+            <a:r>
+              <a:rPr lang="en-US" dirty="0">
+                <a:solidFill>
+                  <a:srgbClr val="000000"/>
+                </a:solidFill>
+                <a:latin typeface="Consolas" panose="020B0609020204030204" pitchFamily="49" charset="0"/>
+                <a:ea typeface="Times New Roman" panose="02020603050405020304" pitchFamily="18" charset="0"/>
+                <a:cs typeface="Times New Roman" panose="02020603050405020304" pitchFamily="18" charset="0"/>
+              </a:rPr>
+              <a:t> {</a:t>
             </a:r>
             <a:endParaRPr lang="en-US" sz="2400" dirty="0">
               <a:latin typeface="Calibri" panose="020F0502020204030204" pitchFamily="34" charset="0"/>
@@ -11843,18 +11089,62 @@
                 <a:ea typeface="Times New Roman" panose="02020603050405020304" pitchFamily="18" charset="0"/>
                 <a:cs typeface="Times New Roman" panose="02020603050405020304" pitchFamily="18" charset="0"/>
               </a:rPr>
-              <a:t>        </a:t>
-            </a:r>
-            <a:r>
-              <a:rPr lang="en-US" dirty="0">
-                <a:solidFill>
-                  <a:srgbClr val="008000"/>
-                </a:solidFill>
-                <a:latin typeface="Consolas" panose="020B0609020204030204" pitchFamily="49" charset="0"/>
-                <a:ea typeface="Times New Roman" panose="02020603050405020304" pitchFamily="18" charset="0"/>
-                <a:cs typeface="Times New Roman" panose="02020603050405020304" pitchFamily="18" charset="0"/>
-              </a:rPr>
-              <a:t>// Declare methods</a:t>
+              <a:t>            </a:t>
+            </a:r>
+            <a:r>
+              <a:rPr lang="en-US" dirty="0">
+                <a:solidFill>
+                  <a:srgbClr val="0000FF"/>
+                </a:solidFill>
+                <a:latin typeface="Consolas" panose="020B0609020204030204" pitchFamily="49" charset="0"/>
+                <a:ea typeface="Times New Roman" panose="02020603050405020304" pitchFamily="18" charset="0"/>
+                <a:cs typeface="Times New Roman" panose="02020603050405020304" pitchFamily="18" charset="0"/>
+              </a:rPr>
+              <a:t>return</a:t>
+            </a:r>
+            <a:r>
+              <a:rPr lang="en-US" dirty="0">
+                <a:solidFill>
+                  <a:srgbClr val="000000"/>
+                </a:solidFill>
+                <a:latin typeface="Consolas" panose="020B0609020204030204" pitchFamily="49" charset="0"/>
+                <a:ea typeface="Times New Roman" panose="02020603050405020304" pitchFamily="18" charset="0"/>
+                <a:cs typeface="Times New Roman" panose="02020603050405020304" pitchFamily="18" charset="0"/>
+              </a:rPr>
+              <a:t> </a:t>
+            </a:r>
+            <a:r>
+              <a:rPr lang="en-US" dirty="0" err="1">
+                <a:solidFill>
+                  <a:srgbClr val="0000FF"/>
+                </a:solidFill>
+                <a:latin typeface="Consolas" panose="020B0609020204030204" pitchFamily="49" charset="0"/>
+                <a:ea typeface="Times New Roman" panose="02020603050405020304" pitchFamily="18" charset="0"/>
+                <a:cs typeface="Times New Roman" panose="02020603050405020304" pitchFamily="18" charset="0"/>
+              </a:rPr>
+              <a:t>this</a:t>
+            </a:r>
+            <a:r>
+              <a:rPr lang="en-US" dirty="0" err="1">
+                <a:solidFill>
+                  <a:srgbClr val="000000"/>
+                </a:solidFill>
+                <a:latin typeface="Consolas" panose="020B0609020204030204" pitchFamily="49" charset="0"/>
+                <a:ea typeface="Times New Roman" panose="02020603050405020304" pitchFamily="18" charset="0"/>
+                <a:cs typeface="Times New Roman" panose="02020603050405020304" pitchFamily="18" charset="0"/>
+              </a:rPr>
+              <a:t>.foo</a:t>
+            </a:r>
+            <a:r>
+              <a:rPr lang="en-US" dirty="0">
+                <a:solidFill>
+                  <a:srgbClr val="000000"/>
+                </a:solidFill>
+                <a:latin typeface="Consolas" panose="020B0609020204030204" pitchFamily="49" charset="0"/>
+                <a:ea typeface="Times New Roman" panose="02020603050405020304" pitchFamily="18" charset="0"/>
+                <a:cs typeface="Times New Roman" panose="02020603050405020304" pitchFamily="18" charset="0"/>
+              </a:rPr>
+              <a:t>;</a:t>
             </a:r>
             <a:endParaRPr lang="en-US" sz="2400" dirty="0">
               <a:latin typeface="Calibri" panose="020F0502020204030204" pitchFamily="34" charset="0"/>
@@ -11895,51 +11185,7 @@
                 <a:ea typeface="Times New Roman" panose="02020603050405020304" pitchFamily="18" charset="0"/>
                 <a:cs typeface="Times New Roman" panose="02020603050405020304" pitchFamily="18" charset="0"/>
               </a:rPr>
-              <a:t>        </a:t>
-            </a:r>
-            <a:r>
-              <a:rPr lang="en-US" dirty="0" err="1">
-                <a:solidFill>
-                  <a:srgbClr val="000000"/>
-                </a:solidFill>
-                <a:latin typeface="Consolas" panose="020B0609020204030204" pitchFamily="49" charset="0"/>
-                <a:ea typeface="Times New Roman" panose="02020603050405020304" pitchFamily="18" charset="0"/>
-                <a:cs typeface="Times New Roman" panose="02020603050405020304" pitchFamily="18" charset="0"/>
-              </a:rPr>
-              <a:t>MyClass.prototype.getFoo</a:t>
-            </a:r>
-            <a:r>
-              <a:rPr lang="en-US" dirty="0">
-                <a:solidFill>
-                  <a:srgbClr val="000000"/>
-                </a:solidFill>
-                <a:latin typeface="Consolas" panose="020B0609020204030204" pitchFamily="49" charset="0"/>
-                <a:ea typeface="Times New Roman" panose="02020603050405020304" pitchFamily="18" charset="0"/>
-                <a:cs typeface="Times New Roman" panose="02020603050405020304" pitchFamily="18" charset="0"/>
-              </a:rPr>
-              <a:t> = </a:t>
-            </a:r>
-            <a:r>
-              <a:rPr lang="en-US" dirty="0">
-                <a:solidFill>
-                  <a:srgbClr val="0000FF"/>
-                </a:solidFill>
-                <a:latin typeface="Consolas" panose="020B0609020204030204" pitchFamily="49" charset="0"/>
-                <a:ea typeface="Times New Roman" panose="02020603050405020304" pitchFamily="18" charset="0"/>
-                <a:cs typeface="Times New Roman" panose="02020603050405020304" pitchFamily="18" charset="0"/>
-              </a:rPr>
-              <a:t>function</a:t>
-            </a:r>
-            <a:r>
-              <a:rPr lang="en-US" dirty="0">
-                <a:solidFill>
-                  <a:srgbClr val="000000"/>
-                </a:solidFill>
-                <a:latin typeface="Consolas" panose="020B0609020204030204" pitchFamily="49" charset="0"/>
-                <a:ea typeface="Times New Roman" panose="02020603050405020304" pitchFamily="18" charset="0"/>
-                <a:cs typeface="Times New Roman" panose="02020603050405020304" pitchFamily="18" charset="0"/>
-              </a:rPr>
-              <a:t> () {</a:t>
+              <a:t>        }</a:t>
             </a:r>
             <a:endParaRPr lang="en-US" sz="2400" dirty="0">
               <a:latin typeface="Calibri" panose="020F0502020204030204" pitchFamily="34" charset="0"/>
@@ -11980,62 +11226,7 @@
                 <a:ea typeface="Times New Roman" panose="02020603050405020304" pitchFamily="18" charset="0"/>
                 <a:cs typeface="Times New Roman" panose="02020603050405020304" pitchFamily="18" charset="0"/>
               </a:rPr>
-              <a:t>            </a:t>
-            </a:r>
-            <a:r>
-              <a:rPr lang="en-US" dirty="0">
-                <a:solidFill>
-                  <a:srgbClr val="0000FF"/>
-                </a:solidFill>
-                <a:latin typeface="Consolas" panose="020B0609020204030204" pitchFamily="49" charset="0"/>
-                <a:ea typeface="Times New Roman" panose="02020603050405020304" pitchFamily="18" charset="0"/>
-                <a:cs typeface="Times New Roman" panose="02020603050405020304" pitchFamily="18" charset="0"/>
-              </a:rPr>
-              <a:t>return</a:t>
-            </a:r>
-            <a:r>
-              <a:rPr lang="en-US" dirty="0">
-                <a:solidFill>
-                  <a:srgbClr val="000000"/>
-                </a:solidFill>
-                <a:latin typeface="Consolas" panose="020B0609020204030204" pitchFamily="49" charset="0"/>
-                <a:ea typeface="Times New Roman" panose="02020603050405020304" pitchFamily="18" charset="0"/>
-                <a:cs typeface="Times New Roman" panose="02020603050405020304" pitchFamily="18" charset="0"/>
-              </a:rPr>
-              <a:t> </a:t>
-            </a:r>
-            <a:r>
-              <a:rPr lang="en-US" dirty="0" err="1">
-                <a:solidFill>
-                  <a:srgbClr val="0000FF"/>
-                </a:solidFill>
-                <a:latin typeface="Consolas" panose="020B0609020204030204" pitchFamily="49" charset="0"/>
-                <a:ea typeface="Times New Roman" panose="02020603050405020304" pitchFamily="18" charset="0"/>
-                <a:cs typeface="Times New Roman" panose="02020603050405020304" pitchFamily="18" charset="0"/>
-              </a:rPr>
-              <a:t>this</a:t>
-            </a:r>
-            <a:r>
-              <a:rPr lang="en-US" dirty="0" err="1">
-                <a:solidFill>
-                  <a:srgbClr val="000000"/>
-                </a:solidFill>
-                <a:latin typeface="Consolas" panose="020B0609020204030204" pitchFamily="49" charset="0"/>
-                <a:ea typeface="Times New Roman" panose="02020603050405020304" pitchFamily="18" charset="0"/>
-                <a:cs typeface="Times New Roman" panose="02020603050405020304" pitchFamily="18" charset="0"/>
-              </a:rPr>
-              <a:t>.foo</a:t>
-            </a:r>
-            <a:r>
-              <a:rPr lang="en-US" dirty="0">
-                <a:solidFill>
-                  <a:srgbClr val="000000"/>
-                </a:solidFill>
-                <a:latin typeface="Consolas" panose="020B0609020204030204" pitchFamily="49" charset="0"/>
-                <a:ea typeface="Times New Roman" panose="02020603050405020304" pitchFamily="18" charset="0"/>
-                <a:cs typeface="Times New Roman" panose="02020603050405020304" pitchFamily="18" charset="0"/>
-              </a:rPr>
-              <a:t>;</a:t>
+              <a:t>    }</a:t>
             </a:r>
             <a:endParaRPr lang="en-US" sz="2400" dirty="0">
               <a:latin typeface="Calibri" panose="020F0502020204030204" pitchFamily="34" charset="0"/>
@@ -12076,7 +11267,7 @@
                 <a:ea typeface="Times New Roman" panose="02020603050405020304" pitchFamily="18" charset="0"/>
                 <a:cs typeface="Times New Roman" panose="02020603050405020304" pitchFamily="18" charset="0"/>
               </a:rPr>
-              <a:t>        };</a:t>
+              <a:t>}</a:t>
             </a:r>
             <a:endParaRPr lang="en-US" sz="2400" dirty="0">
               <a:latin typeface="Calibri" panose="020F0502020204030204" pitchFamily="34" charset="0"/>
@@ -12084,6 +11275,133 @@
               <a:cs typeface="Times New Roman" panose="02020603050405020304" pitchFamily="18" charset="0"/>
             </a:endParaRPr>
           </a:p>
+          <a:p>
+            <a:pPr>
+              <a:lnSpc>
+                <a:spcPct val="107000"/>
+              </a:lnSpc>
+              <a:spcAft>
+                <a:spcPts val="800"/>
+              </a:spcAft>
+            </a:pPr>
+            <a:r>
+              <a:rPr lang="en-US" sz="2400" dirty="0">
+                <a:latin typeface="Calibri" panose="020F0502020204030204" pitchFamily="34" charset="0"/>
+                <a:ea typeface="Calibri" panose="020F0502020204030204" pitchFamily="34" charset="0"/>
+                <a:cs typeface="Times New Roman" panose="02020603050405020304" pitchFamily="18" charset="0"/>
+              </a:rPr>
+              <a:t> </a:t>
+            </a:r>
+            <a:endParaRPr lang="en-US" sz="2400" dirty="0">
+              <a:effectLst/>
+              <a:latin typeface="Calibri" panose="020F0502020204030204" pitchFamily="34" charset="0"/>
+              <a:ea typeface="Calibri" panose="020F0502020204030204" pitchFamily="34" charset="0"/>
+              <a:cs typeface="Times New Roman" panose="02020603050405020304" pitchFamily="18" charset="0"/>
+            </a:endParaRPr>
+          </a:p>
+        </p:txBody>
+      </p:sp>
+    </p:spTree>
+    <p:extLst>
+      <p:ext uri="{BB962C8B-B14F-4D97-AF65-F5344CB8AC3E}">
+        <p14:creationId xmlns:p14="http://schemas.microsoft.com/office/powerpoint/2010/main" val="3491719615"/>
+      </p:ext>
+    </p:extLst>
+  </p:cSld>
+  <p:clrMapOvr>
+    <a:masterClrMapping/>
+  </p:clrMapOvr>
+</p:sld>
+</file>
+
+<file path=ppt/slides/slide24.xml><?xml version="1.0" encoding="utf-8"?>
+<p:sld xmlns:a="http://schemas.openxmlformats.org/drawingml/2006/main" xmlns:r="http://schemas.openxmlformats.org/officeDocument/2006/relationships" xmlns:p="http://schemas.openxmlformats.org/presentationml/2006/main">
+  <p:cSld>
+    <p:spTree>
+      <p:nvGrpSpPr>
+        <p:cNvPr id="1" name=""/>
+        <p:cNvGrpSpPr/>
+        <p:nvPr/>
+      </p:nvGrpSpPr>
+      <p:grpSpPr>
+        <a:xfrm>
+          <a:off x="0" y="0"/>
+          <a:ext cx="0" cy="0"/>
+          <a:chOff x="0" y="0"/>
+          <a:chExt cx="0" cy="0"/>
+        </a:xfrm>
+      </p:grpSpPr>
+      <p:sp>
+        <p:nvSpPr>
+          <p:cNvPr id="2" name="Title 1"/>
+          <p:cNvSpPr>
+            <a:spLocks noGrp="1"/>
+          </p:cNvSpPr>
+          <p:nvPr>
+            <p:ph type="title"/>
+          </p:nvPr>
+        </p:nvSpPr>
+        <p:spPr/>
+        <p:txBody>
+          <a:bodyPr/>
+          <a:lstStyle/>
+          <a:p>
+            <a:r>
+              <a:rPr lang="en-US" dirty="0" smtClean="0"/>
+              <a:t>Classes</a:t>
+            </a:r>
+            <a:endParaRPr lang="en-US" dirty="0"/>
+          </a:p>
+        </p:txBody>
+      </p:sp>
+      <p:sp>
+        <p:nvSpPr>
+          <p:cNvPr id="3" name="Content Placeholder 2"/>
+          <p:cNvSpPr>
+            <a:spLocks noGrp="1"/>
+          </p:cNvSpPr>
+          <p:nvPr>
+            <p:ph idx="1"/>
+          </p:nvPr>
+        </p:nvSpPr>
+        <p:spPr>
+          <a:xfrm>
+            <a:off x="677334" y="1600201"/>
+            <a:ext cx="8596668" cy="4441162"/>
+          </a:xfrm>
+        </p:spPr>
+        <p:txBody>
+          <a:bodyPr/>
+          <a:lstStyle/>
+          <a:p>
+            <a:r>
+              <a:rPr lang="en-US" dirty="0" smtClean="0"/>
+              <a:t>Compiles to:</a:t>
+            </a:r>
+            <a:endParaRPr lang="en-US" dirty="0"/>
+          </a:p>
+        </p:txBody>
+      </p:sp>
+      <p:sp>
+        <p:nvSpPr>
+          <p:cNvPr id="6" name="Rectangle 5"/>
+          <p:cNvSpPr/>
+          <p:nvPr/>
+        </p:nvSpPr>
+        <p:spPr>
+          <a:xfrm>
+            <a:off x="933450" y="1930400"/>
+            <a:ext cx="7905750" cy="4834144"/>
+          </a:xfrm>
+          <a:prstGeom prst="rect">
+            <a:avLst/>
+          </a:prstGeom>
+        </p:spPr>
+        <p:txBody>
+          <a:bodyPr wrap="square">
+            <a:spAutoFit/>
+          </a:bodyPr>
+          <a:lstStyle/>
           <a:p>
             <a:pPr>
               <a:lnSpc>
@@ -12109,18 +11427,7 @@
               </a:tabLst>
             </a:pPr>
             <a:r>
-              <a:rPr lang="en-US" dirty="0">
-                <a:solidFill>
-                  <a:srgbClr val="000000"/>
-                </a:solidFill>
-                <a:latin typeface="Consolas" panose="020B0609020204030204" pitchFamily="49" charset="0"/>
-                <a:ea typeface="Times New Roman" panose="02020603050405020304" pitchFamily="18" charset="0"/>
-                <a:cs typeface="Times New Roman" panose="02020603050405020304" pitchFamily="18" charset="0"/>
-              </a:rPr>
-              <a:t>        </a:t>
-            </a:r>
-            <a:r>
-              <a:rPr lang="en-US" dirty="0">
+              <a:rPr lang="en-US" dirty="0" err="1">
                 <a:solidFill>
                   <a:srgbClr val="0000FF"/>
                 </a:solidFill>
@@ -12128,40 +11435,18 @@
                 <a:ea typeface="Times New Roman" panose="02020603050405020304" pitchFamily="18" charset="0"/>
                 <a:cs typeface="Times New Roman" panose="02020603050405020304" pitchFamily="18" charset="0"/>
               </a:rPr>
-              <a:t>return</a:t>
-            </a:r>
-            <a:r>
-              <a:rPr lang="en-US" dirty="0">
-                <a:solidFill>
-                  <a:srgbClr val="000000"/>
-                </a:solidFill>
-                <a:latin typeface="Consolas" panose="020B0609020204030204" pitchFamily="49" charset="0"/>
-                <a:ea typeface="Times New Roman" panose="02020603050405020304" pitchFamily="18" charset="0"/>
-                <a:cs typeface="Times New Roman" panose="02020603050405020304" pitchFamily="18" charset="0"/>
-              </a:rPr>
-              <a:t> </a:t>
-            </a:r>
-            <a:r>
-              <a:rPr lang="en-US" dirty="0" err="1">
-                <a:solidFill>
-                  <a:srgbClr val="000000"/>
-                </a:solidFill>
-                <a:latin typeface="Consolas" panose="020B0609020204030204" pitchFamily="49" charset="0"/>
-                <a:ea typeface="Times New Roman" panose="02020603050405020304" pitchFamily="18" charset="0"/>
-                <a:cs typeface="Times New Roman" panose="02020603050405020304" pitchFamily="18" charset="0"/>
-              </a:rPr>
-              <a:t>MyClass</a:t>
-            </a:r>
-            <a:r>
-              <a:rPr lang="en-US" dirty="0">
-                <a:solidFill>
-                  <a:srgbClr val="000000"/>
-                </a:solidFill>
-                <a:latin typeface="Consolas" panose="020B0609020204030204" pitchFamily="49" charset="0"/>
-                <a:ea typeface="Times New Roman" panose="02020603050405020304" pitchFamily="18" charset="0"/>
-                <a:cs typeface="Times New Roman" panose="02020603050405020304" pitchFamily="18" charset="0"/>
-              </a:rPr>
-              <a:t>;</a:t>
+              <a:t>var</a:t>
+            </a:r>
+            <a:r>
+              <a:rPr lang="en-US" dirty="0">
+                <a:solidFill>
+                  <a:srgbClr val="000000"/>
+                </a:solidFill>
+                <a:latin typeface="Consolas" panose="020B0609020204030204" pitchFamily="49" charset="0"/>
+                <a:ea typeface="Times New Roman" panose="02020603050405020304" pitchFamily="18" charset="0"/>
+                <a:cs typeface="Times New Roman" panose="02020603050405020304" pitchFamily="18" charset="0"/>
+              </a:rPr>
+              <a:t> a;</a:t>
             </a:r>
             <a:endParaRPr lang="en-US" sz="2400" dirty="0">
               <a:latin typeface="Calibri" panose="020F0502020204030204" pitchFamily="34" charset="0"/>
@@ -12202,7 +11487,29 @@
                 <a:ea typeface="Times New Roman" panose="02020603050405020304" pitchFamily="18" charset="0"/>
                 <a:cs typeface="Times New Roman" panose="02020603050405020304" pitchFamily="18" charset="0"/>
               </a:rPr>
-              <a:t>    })();</a:t>
+              <a:t>(</a:t>
+            </a:r>
+            <a:r>
+              <a:rPr lang="en-US" dirty="0">
+                <a:solidFill>
+                  <a:srgbClr val="0000FF"/>
+                </a:solidFill>
+                <a:latin typeface="Consolas" panose="020B0609020204030204" pitchFamily="49" charset="0"/>
+                <a:ea typeface="Times New Roman" panose="02020603050405020304" pitchFamily="18" charset="0"/>
+                <a:cs typeface="Times New Roman" panose="02020603050405020304" pitchFamily="18" charset="0"/>
+              </a:rPr>
+              <a:t>function</a:t>
+            </a:r>
+            <a:r>
+              <a:rPr lang="en-US" dirty="0">
+                <a:solidFill>
+                  <a:srgbClr val="000000"/>
+                </a:solidFill>
+                <a:latin typeface="Consolas" panose="020B0609020204030204" pitchFamily="49" charset="0"/>
+                <a:ea typeface="Times New Roman" panose="02020603050405020304" pitchFamily="18" charset="0"/>
+                <a:cs typeface="Times New Roman" panose="02020603050405020304" pitchFamily="18" charset="0"/>
+              </a:rPr>
+              <a:t> (a) {</a:t>
             </a:r>
             <a:endParaRPr lang="en-US" sz="2400" dirty="0">
               <a:latin typeface="Calibri" panose="020F0502020204030204" pitchFamily="34" charset="0"/>
@@ -12248,24 +11555,24 @@
             <a:r>
               <a:rPr lang="en-US" dirty="0" err="1">
                 <a:solidFill>
-                  <a:srgbClr val="000000"/>
-                </a:solidFill>
-                <a:latin typeface="Consolas" panose="020B0609020204030204" pitchFamily="49" charset="0"/>
-                <a:ea typeface="Times New Roman" panose="02020603050405020304" pitchFamily="18" charset="0"/>
-                <a:cs typeface="Times New Roman" panose="02020603050405020304" pitchFamily="18" charset="0"/>
-              </a:rPr>
-              <a:t>a.MyClass</a:t>
-            </a:r>
-            <a:r>
-              <a:rPr lang="en-US" dirty="0">
-                <a:solidFill>
-                  <a:srgbClr val="000000"/>
-                </a:solidFill>
-                <a:latin typeface="Consolas" panose="020B0609020204030204" pitchFamily="49" charset="0"/>
-                <a:ea typeface="Times New Roman" panose="02020603050405020304" pitchFamily="18" charset="0"/>
-                <a:cs typeface="Times New Roman" panose="02020603050405020304" pitchFamily="18" charset="0"/>
-              </a:rPr>
-              <a:t> = </a:t>
+                  <a:srgbClr val="0000FF"/>
+                </a:solidFill>
+                <a:latin typeface="Consolas" panose="020B0609020204030204" pitchFamily="49" charset="0"/>
+                <a:ea typeface="Times New Roman" panose="02020603050405020304" pitchFamily="18" charset="0"/>
+                <a:cs typeface="Times New Roman" panose="02020603050405020304" pitchFamily="18" charset="0"/>
+              </a:rPr>
+              <a:t>var</a:t>
+            </a:r>
+            <a:r>
+              <a:rPr lang="en-US" dirty="0">
+                <a:solidFill>
+                  <a:srgbClr val="000000"/>
+                </a:solidFill>
+                <a:latin typeface="Consolas" panose="020B0609020204030204" pitchFamily="49" charset="0"/>
+                <a:ea typeface="Times New Roman" panose="02020603050405020304" pitchFamily="18" charset="0"/>
+                <a:cs typeface="Times New Roman" panose="02020603050405020304" pitchFamily="18" charset="0"/>
+              </a:rPr>
+              <a:t> </a:t>
             </a:r>
             <a:r>
               <a:rPr lang="en-US" dirty="0" err="1">
@@ -12287,7 +11594,29 @@
                 <a:ea typeface="Times New Roman" panose="02020603050405020304" pitchFamily="18" charset="0"/>
                 <a:cs typeface="Times New Roman" panose="02020603050405020304" pitchFamily="18" charset="0"/>
               </a:rPr>
-              <a:t>;</a:t>
+              <a:t> = (</a:t>
+            </a:r>
+            <a:r>
+              <a:rPr lang="en-US" dirty="0">
+                <a:solidFill>
+                  <a:srgbClr val="0000FF"/>
+                </a:solidFill>
+                <a:latin typeface="Consolas" panose="020B0609020204030204" pitchFamily="49" charset="0"/>
+                <a:ea typeface="Times New Roman" panose="02020603050405020304" pitchFamily="18" charset="0"/>
+                <a:cs typeface="Times New Roman" panose="02020603050405020304" pitchFamily="18" charset="0"/>
+              </a:rPr>
+              <a:t>function</a:t>
+            </a:r>
+            <a:r>
+              <a:rPr lang="en-US" dirty="0">
+                <a:solidFill>
+                  <a:srgbClr val="000000"/>
+                </a:solidFill>
+                <a:latin typeface="Consolas" panose="020B0609020204030204" pitchFamily="49" charset="0"/>
+                <a:ea typeface="Times New Roman" panose="02020603050405020304" pitchFamily="18" charset="0"/>
+                <a:cs typeface="Times New Roman" panose="02020603050405020304" pitchFamily="18" charset="0"/>
+              </a:rPr>
+              <a:t> () {</a:t>
             </a:r>
             <a:endParaRPr lang="en-US" sz="2400" dirty="0">
               <a:latin typeface="Calibri" panose="020F0502020204030204" pitchFamily="34" charset="0"/>
@@ -12328,18 +11657,73 @@
                 <a:ea typeface="Times New Roman" panose="02020603050405020304" pitchFamily="18" charset="0"/>
                 <a:cs typeface="Times New Roman" panose="02020603050405020304" pitchFamily="18" charset="0"/>
               </a:rPr>
-              <a:t>})(a || (a = </a:t>
-            </a:r>
-            <a:r>
-              <a:rPr lang="en-US" dirty="0" smtClean="0">
-                <a:solidFill>
-                  <a:srgbClr val="000000"/>
-                </a:solidFill>
-                <a:latin typeface="Consolas" panose="020B0609020204030204" pitchFamily="49" charset="0"/>
-                <a:ea typeface="Times New Roman" panose="02020603050405020304" pitchFamily="18" charset="0"/>
-                <a:cs typeface="Times New Roman" panose="02020603050405020304" pitchFamily="18" charset="0"/>
-              </a:rPr>
-              <a:t>{}));</a:t>
+              <a:t>        </a:t>
+            </a:r>
+            <a:r>
+              <a:rPr lang="en-US" dirty="0">
+                <a:solidFill>
+                  <a:srgbClr val="0000FF"/>
+                </a:solidFill>
+                <a:latin typeface="Consolas" panose="020B0609020204030204" pitchFamily="49" charset="0"/>
+                <a:ea typeface="Times New Roman" panose="02020603050405020304" pitchFamily="18" charset="0"/>
+                <a:cs typeface="Times New Roman" panose="02020603050405020304" pitchFamily="18" charset="0"/>
+              </a:rPr>
+              <a:t>function</a:t>
+            </a:r>
+            <a:r>
+              <a:rPr lang="en-US" dirty="0">
+                <a:solidFill>
+                  <a:srgbClr val="000000"/>
+                </a:solidFill>
+                <a:latin typeface="Consolas" panose="020B0609020204030204" pitchFamily="49" charset="0"/>
+                <a:ea typeface="Times New Roman" panose="02020603050405020304" pitchFamily="18" charset="0"/>
+                <a:cs typeface="Times New Roman" panose="02020603050405020304" pitchFamily="18" charset="0"/>
+              </a:rPr>
+              <a:t> </a:t>
+            </a:r>
+            <a:r>
+              <a:rPr lang="en-US" dirty="0" err="1">
+                <a:solidFill>
+                  <a:srgbClr val="000000"/>
+                </a:solidFill>
+                <a:latin typeface="Consolas" panose="020B0609020204030204" pitchFamily="49" charset="0"/>
+                <a:ea typeface="Times New Roman" panose="02020603050405020304" pitchFamily="18" charset="0"/>
+                <a:cs typeface="Times New Roman" panose="02020603050405020304" pitchFamily="18" charset="0"/>
+              </a:rPr>
+              <a:t>MyClass</a:t>
+            </a:r>
+            <a:r>
+              <a:rPr lang="en-US" dirty="0">
+                <a:solidFill>
+                  <a:srgbClr val="000000"/>
+                </a:solidFill>
+                <a:latin typeface="Consolas" panose="020B0609020204030204" pitchFamily="49" charset="0"/>
+                <a:ea typeface="Times New Roman" panose="02020603050405020304" pitchFamily="18" charset="0"/>
+                <a:cs typeface="Times New Roman" panose="02020603050405020304" pitchFamily="18" charset="0"/>
+              </a:rPr>
+              <a:t>(</a:t>
+            </a:r>
+            <a:r>
+              <a:rPr lang="en-US" dirty="0" err="1">
+                <a:solidFill>
+                  <a:srgbClr val="000000"/>
+                </a:solidFill>
+                <a:latin typeface="Consolas" panose="020B0609020204030204" pitchFamily="49" charset="0"/>
+                <a:ea typeface="Times New Roman" panose="02020603050405020304" pitchFamily="18" charset="0"/>
+                <a:cs typeface="Times New Roman" panose="02020603050405020304" pitchFamily="18" charset="0"/>
+              </a:rPr>
+              <a:t>param</a:t>
+            </a:r>
+            <a:r>
+              <a:rPr lang="en-US" dirty="0">
+                <a:solidFill>
+                  <a:srgbClr val="000000"/>
+                </a:solidFill>
+                <a:latin typeface="Consolas" panose="020B0609020204030204" pitchFamily="49" charset="0"/>
+                <a:ea typeface="Times New Roman" panose="02020603050405020304" pitchFamily="18" charset="0"/>
+                <a:cs typeface="Times New Roman" panose="02020603050405020304" pitchFamily="18" charset="0"/>
+              </a:rPr>
+              <a:t>) {</a:t>
             </a:r>
             <a:endParaRPr lang="en-US" sz="2400" dirty="0">
               <a:latin typeface="Calibri" panose="020F0502020204030204" pitchFamily="34" charset="0"/>
@@ -12347,12 +11731,1054 @@
               <a:cs typeface="Times New Roman" panose="02020603050405020304" pitchFamily="18" charset="0"/>
             </a:endParaRPr>
           </a:p>
+          <a:p>
+            <a:pPr>
+              <a:lnSpc>
+                <a:spcPct val="107000"/>
+              </a:lnSpc>
+              <a:tabLst>
+                <a:tab pos="581660" algn="l"/>
+                <a:tab pos="1163320" algn="l"/>
+                <a:tab pos="1744980" algn="l"/>
+                <a:tab pos="2326640" algn="l"/>
+                <a:tab pos="2908300" algn="l"/>
+                <a:tab pos="3489960" algn="l"/>
+                <a:tab pos="4071620" algn="l"/>
+                <a:tab pos="4653280" algn="l"/>
+                <a:tab pos="5234940" algn="l"/>
+                <a:tab pos="5816600" algn="l"/>
+                <a:tab pos="6398260" algn="l"/>
+                <a:tab pos="6979920" algn="l"/>
+                <a:tab pos="7561580" algn="l"/>
+                <a:tab pos="8143240" algn="l"/>
+                <a:tab pos="8724900" algn="l"/>
+                <a:tab pos="9306560" algn="l"/>
+              </a:tabLst>
+            </a:pPr>
+            <a:r>
+              <a:rPr lang="en-US" dirty="0">
+                <a:solidFill>
+                  <a:srgbClr val="000000"/>
+                </a:solidFill>
+                <a:latin typeface="Consolas" panose="020B0609020204030204" pitchFamily="49" charset="0"/>
+                <a:ea typeface="Times New Roman" panose="02020603050405020304" pitchFamily="18" charset="0"/>
+                <a:cs typeface="Times New Roman" panose="02020603050405020304" pitchFamily="18" charset="0"/>
+              </a:rPr>
+              <a:t>            </a:t>
+            </a:r>
+            <a:r>
+              <a:rPr lang="en-US" dirty="0">
+                <a:solidFill>
+                  <a:srgbClr val="008000"/>
+                </a:solidFill>
+                <a:latin typeface="Consolas" panose="020B0609020204030204" pitchFamily="49" charset="0"/>
+                <a:ea typeface="Times New Roman" panose="02020603050405020304" pitchFamily="18" charset="0"/>
+                <a:cs typeface="Times New Roman" panose="02020603050405020304" pitchFamily="18" charset="0"/>
+              </a:rPr>
+              <a:t>// Declare fields</a:t>
+            </a:r>
+            <a:endParaRPr lang="en-US" sz="2400" dirty="0">
+              <a:latin typeface="Calibri" panose="020F0502020204030204" pitchFamily="34" charset="0"/>
+              <a:ea typeface="Calibri" panose="020F0502020204030204" pitchFamily="34" charset="0"/>
+              <a:cs typeface="Times New Roman" panose="02020603050405020304" pitchFamily="18" charset="0"/>
+            </a:endParaRPr>
+          </a:p>
+          <a:p>
+            <a:pPr>
+              <a:lnSpc>
+                <a:spcPct val="107000"/>
+              </a:lnSpc>
+              <a:tabLst>
+                <a:tab pos="581660" algn="l"/>
+                <a:tab pos="1163320" algn="l"/>
+                <a:tab pos="1744980" algn="l"/>
+                <a:tab pos="2326640" algn="l"/>
+                <a:tab pos="2908300" algn="l"/>
+                <a:tab pos="3489960" algn="l"/>
+                <a:tab pos="4071620" algn="l"/>
+                <a:tab pos="4653280" algn="l"/>
+                <a:tab pos="5234940" algn="l"/>
+                <a:tab pos="5816600" algn="l"/>
+                <a:tab pos="6398260" algn="l"/>
+                <a:tab pos="6979920" algn="l"/>
+                <a:tab pos="7561580" algn="l"/>
+                <a:tab pos="8143240" algn="l"/>
+                <a:tab pos="8724900" algn="l"/>
+                <a:tab pos="9306560" algn="l"/>
+              </a:tabLst>
+            </a:pPr>
+            <a:r>
+              <a:rPr lang="en-US" dirty="0">
+                <a:solidFill>
+                  <a:srgbClr val="000000"/>
+                </a:solidFill>
+                <a:latin typeface="Consolas" panose="020B0609020204030204" pitchFamily="49" charset="0"/>
+                <a:ea typeface="Times New Roman" panose="02020603050405020304" pitchFamily="18" charset="0"/>
+                <a:cs typeface="Times New Roman" panose="02020603050405020304" pitchFamily="18" charset="0"/>
+              </a:rPr>
+              <a:t>            </a:t>
+            </a:r>
+            <a:r>
+              <a:rPr lang="en-US" dirty="0" err="1">
+                <a:solidFill>
+                  <a:srgbClr val="0000FF"/>
+                </a:solidFill>
+                <a:latin typeface="Consolas" panose="020B0609020204030204" pitchFamily="49" charset="0"/>
+                <a:ea typeface="Times New Roman" panose="02020603050405020304" pitchFamily="18" charset="0"/>
+                <a:cs typeface="Times New Roman" panose="02020603050405020304" pitchFamily="18" charset="0"/>
+              </a:rPr>
+              <a:t>this</a:t>
+            </a:r>
+            <a:r>
+              <a:rPr lang="en-US" dirty="0" err="1">
+                <a:solidFill>
+                  <a:srgbClr val="000000"/>
+                </a:solidFill>
+                <a:latin typeface="Consolas" panose="020B0609020204030204" pitchFamily="49" charset="0"/>
+                <a:ea typeface="Times New Roman" panose="02020603050405020304" pitchFamily="18" charset="0"/>
+                <a:cs typeface="Times New Roman" panose="02020603050405020304" pitchFamily="18" charset="0"/>
+              </a:rPr>
+              <a:t>.foo</a:t>
+            </a:r>
+            <a:r>
+              <a:rPr lang="en-US" dirty="0">
+                <a:solidFill>
+                  <a:srgbClr val="000000"/>
+                </a:solidFill>
+                <a:latin typeface="Consolas" panose="020B0609020204030204" pitchFamily="49" charset="0"/>
+                <a:ea typeface="Times New Roman" panose="02020603050405020304" pitchFamily="18" charset="0"/>
+                <a:cs typeface="Times New Roman" panose="02020603050405020304" pitchFamily="18" charset="0"/>
+              </a:rPr>
+              <a:t> = </a:t>
+            </a:r>
+            <a:r>
+              <a:rPr lang="en-US" dirty="0">
+                <a:solidFill>
+                  <a:srgbClr val="A31515"/>
+                </a:solidFill>
+                <a:latin typeface="Consolas" panose="020B0609020204030204" pitchFamily="49" charset="0"/>
+                <a:ea typeface="Times New Roman" panose="02020603050405020304" pitchFamily="18" charset="0"/>
+                <a:cs typeface="Times New Roman" panose="02020603050405020304" pitchFamily="18" charset="0"/>
+              </a:rPr>
+              <a:t>'bar'</a:t>
+            </a:r>
+            <a:r>
+              <a:rPr lang="en-US" dirty="0">
+                <a:solidFill>
+                  <a:srgbClr val="000000"/>
+                </a:solidFill>
+                <a:latin typeface="Consolas" panose="020B0609020204030204" pitchFamily="49" charset="0"/>
+                <a:ea typeface="Times New Roman" panose="02020603050405020304" pitchFamily="18" charset="0"/>
+                <a:cs typeface="Times New Roman" panose="02020603050405020304" pitchFamily="18" charset="0"/>
+              </a:rPr>
+              <a:t>;</a:t>
+            </a:r>
+            <a:endParaRPr lang="en-US" sz="2400" dirty="0">
+              <a:latin typeface="Calibri" panose="020F0502020204030204" pitchFamily="34" charset="0"/>
+              <a:ea typeface="Calibri" panose="020F0502020204030204" pitchFamily="34" charset="0"/>
+              <a:cs typeface="Times New Roman" panose="02020603050405020304" pitchFamily="18" charset="0"/>
+            </a:endParaRPr>
+          </a:p>
+          <a:p>
+            <a:pPr>
+              <a:lnSpc>
+                <a:spcPct val="107000"/>
+              </a:lnSpc>
+              <a:tabLst>
+                <a:tab pos="581660" algn="l"/>
+                <a:tab pos="1163320" algn="l"/>
+                <a:tab pos="1744980" algn="l"/>
+                <a:tab pos="2326640" algn="l"/>
+                <a:tab pos="2908300" algn="l"/>
+                <a:tab pos="3489960" algn="l"/>
+                <a:tab pos="4071620" algn="l"/>
+                <a:tab pos="4653280" algn="l"/>
+                <a:tab pos="5234940" algn="l"/>
+                <a:tab pos="5816600" algn="l"/>
+                <a:tab pos="6398260" algn="l"/>
+                <a:tab pos="6979920" algn="l"/>
+                <a:tab pos="7561580" algn="l"/>
+                <a:tab pos="8143240" algn="l"/>
+                <a:tab pos="8724900" algn="l"/>
+                <a:tab pos="9306560" algn="l"/>
+              </a:tabLst>
+            </a:pPr>
+            <a:r>
+              <a:rPr lang="en-US" dirty="0">
+                <a:solidFill>
+                  <a:srgbClr val="000000"/>
+                </a:solidFill>
+                <a:latin typeface="Consolas" panose="020B0609020204030204" pitchFamily="49" charset="0"/>
+                <a:ea typeface="Times New Roman" panose="02020603050405020304" pitchFamily="18" charset="0"/>
+                <a:cs typeface="Times New Roman" panose="02020603050405020304" pitchFamily="18" charset="0"/>
+              </a:rPr>
+              <a:t>            </a:t>
+            </a:r>
+            <a:r>
+              <a:rPr lang="en-US" dirty="0">
+                <a:solidFill>
+                  <a:srgbClr val="008000"/>
+                </a:solidFill>
+                <a:latin typeface="Consolas" panose="020B0609020204030204" pitchFamily="49" charset="0"/>
+                <a:ea typeface="Times New Roman" panose="02020603050405020304" pitchFamily="18" charset="0"/>
+                <a:cs typeface="Times New Roman" panose="02020603050405020304" pitchFamily="18" charset="0"/>
+              </a:rPr>
+              <a:t>// Initialize the object</a:t>
+            </a:r>
+            <a:endParaRPr lang="en-US" sz="2400" dirty="0">
+              <a:latin typeface="Calibri" panose="020F0502020204030204" pitchFamily="34" charset="0"/>
+              <a:ea typeface="Calibri" panose="020F0502020204030204" pitchFamily="34" charset="0"/>
+              <a:cs typeface="Times New Roman" panose="02020603050405020304" pitchFamily="18" charset="0"/>
+            </a:endParaRPr>
+          </a:p>
+          <a:p>
+            <a:pPr>
+              <a:lnSpc>
+                <a:spcPct val="107000"/>
+              </a:lnSpc>
+              <a:tabLst>
+                <a:tab pos="581660" algn="l"/>
+                <a:tab pos="1163320" algn="l"/>
+                <a:tab pos="1744980" algn="l"/>
+                <a:tab pos="2326640" algn="l"/>
+                <a:tab pos="2908300" algn="l"/>
+                <a:tab pos="3489960" algn="l"/>
+                <a:tab pos="4071620" algn="l"/>
+                <a:tab pos="4653280" algn="l"/>
+                <a:tab pos="5234940" algn="l"/>
+                <a:tab pos="5816600" algn="l"/>
+                <a:tab pos="6398260" algn="l"/>
+                <a:tab pos="6979920" algn="l"/>
+                <a:tab pos="7561580" algn="l"/>
+                <a:tab pos="8143240" algn="l"/>
+                <a:tab pos="8724900" algn="l"/>
+                <a:tab pos="9306560" algn="l"/>
+              </a:tabLst>
+            </a:pPr>
+            <a:r>
+              <a:rPr lang="en-US" dirty="0">
+                <a:solidFill>
+                  <a:srgbClr val="000000"/>
+                </a:solidFill>
+                <a:latin typeface="Consolas" panose="020B0609020204030204" pitchFamily="49" charset="0"/>
+                <a:ea typeface="Times New Roman" panose="02020603050405020304" pitchFamily="18" charset="0"/>
+                <a:cs typeface="Times New Roman" panose="02020603050405020304" pitchFamily="18" charset="0"/>
+              </a:rPr>
+              <a:t>        }</a:t>
+            </a:r>
+            <a:endParaRPr lang="en-US" sz="2400" dirty="0">
+              <a:latin typeface="Calibri" panose="020F0502020204030204" pitchFamily="34" charset="0"/>
+              <a:ea typeface="Calibri" panose="020F0502020204030204" pitchFamily="34" charset="0"/>
+              <a:cs typeface="Times New Roman" panose="02020603050405020304" pitchFamily="18" charset="0"/>
+            </a:endParaRPr>
+          </a:p>
+          <a:p>
+            <a:pPr>
+              <a:lnSpc>
+                <a:spcPct val="107000"/>
+              </a:lnSpc>
+              <a:tabLst>
+                <a:tab pos="581660" algn="l"/>
+                <a:tab pos="1163320" algn="l"/>
+                <a:tab pos="1744980" algn="l"/>
+                <a:tab pos="2326640" algn="l"/>
+                <a:tab pos="2908300" algn="l"/>
+                <a:tab pos="3489960" algn="l"/>
+                <a:tab pos="4071620" algn="l"/>
+                <a:tab pos="4653280" algn="l"/>
+                <a:tab pos="5234940" algn="l"/>
+                <a:tab pos="5816600" algn="l"/>
+                <a:tab pos="6398260" algn="l"/>
+                <a:tab pos="6979920" algn="l"/>
+                <a:tab pos="7561580" algn="l"/>
+                <a:tab pos="8143240" algn="l"/>
+                <a:tab pos="8724900" algn="l"/>
+                <a:tab pos="9306560" algn="l"/>
+              </a:tabLst>
+            </a:pPr>
+            <a:r>
+              <a:rPr lang="en-US" dirty="0">
+                <a:solidFill>
+                  <a:srgbClr val="000000"/>
+                </a:solidFill>
+                <a:latin typeface="Consolas" panose="020B0609020204030204" pitchFamily="49" charset="0"/>
+                <a:ea typeface="Times New Roman" panose="02020603050405020304" pitchFamily="18" charset="0"/>
+                <a:cs typeface="Times New Roman" panose="02020603050405020304" pitchFamily="18" charset="0"/>
+              </a:rPr>
+              <a:t>        </a:t>
+            </a:r>
+            <a:r>
+              <a:rPr lang="en-US" dirty="0">
+                <a:solidFill>
+                  <a:srgbClr val="008000"/>
+                </a:solidFill>
+                <a:latin typeface="Consolas" panose="020B0609020204030204" pitchFamily="49" charset="0"/>
+                <a:ea typeface="Times New Roman" panose="02020603050405020304" pitchFamily="18" charset="0"/>
+                <a:cs typeface="Times New Roman" panose="02020603050405020304" pitchFamily="18" charset="0"/>
+              </a:rPr>
+              <a:t>// Declare methods</a:t>
+            </a:r>
+            <a:endParaRPr lang="en-US" sz="2400" dirty="0">
+              <a:latin typeface="Calibri" panose="020F0502020204030204" pitchFamily="34" charset="0"/>
+              <a:ea typeface="Calibri" panose="020F0502020204030204" pitchFamily="34" charset="0"/>
+              <a:cs typeface="Times New Roman" panose="02020603050405020304" pitchFamily="18" charset="0"/>
+            </a:endParaRPr>
+          </a:p>
+          <a:p>
+            <a:pPr>
+              <a:lnSpc>
+                <a:spcPct val="107000"/>
+              </a:lnSpc>
+              <a:tabLst>
+                <a:tab pos="581660" algn="l"/>
+                <a:tab pos="1163320" algn="l"/>
+                <a:tab pos="1744980" algn="l"/>
+                <a:tab pos="2326640" algn="l"/>
+                <a:tab pos="2908300" algn="l"/>
+                <a:tab pos="3489960" algn="l"/>
+                <a:tab pos="4071620" algn="l"/>
+                <a:tab pos="4653280" algn="l"/>
+                <a:tab pos="5234940" algn="l"/>
+                <a:tab pos="5816600" algn="l"/>
+                <a:tab pos="6398260" algn="l"/>
+                <a:tab pos="6979920" algn="l"/>
+                <a:tab pos="7561580" algn="l"/>
+                <a:tab pos="8143240" algn="l"/>
+                <a:tab pos="8724900" algn="l"/>
+                <a:tab pos="9306560" algn="l"/>
+              </a:tabLst>
+            </a:pPr>
+            <a:r>
+              <a:rPr lang="en-US" dirty="0">
+                <a:solidFill>
+                  <a:srgbClr val="000000"/>
+                </a:solidFill>
+                <a:latin typeface="Consolas" panose="020B0609020204030204" pitchFamily="49" charset="0"/>
+                <a:ea typeface="Times New Roman" panose="02020603050405020304" pitchFamily="18" charset="0"/>
+                <a:cs typeface="Times New Roman" panose="02020603050405020304" pitchFamily="18" charset="0"/>
+              </a:rPr>
+              <a:t>        </a:t>
+            </a:r>
+            <a:r>
+              <a:rPr lang="en-US" dirty="0" err="1">
+                <a:solidFill>
+                  <a:srgbClr val="000000"/>
+                </a:solidFill>
+                <a:latin typeface="Consolas" panose="020B0609020204030204" pitchFamily="49" charset="0"/>
+                <a:ea typeface="Times New Roman" panose="02020603050405020304" pitchFamily="18" charset="0"/>
+                <a:cs typeface="Times New Roman" panose="02020603050405020304" pitchFamily="18" charset="0"/>
+              </a:rPr>
+              <a:t>MyClass.prototype.getFoo</a:t>
+            </a:r>
+            <a:r>
+              <a:rPr lang="en-US" dirty="0">
+                <a:solidFill>
+                  <a:srgbClr val="000000"/>
+                </a:solidFill>
+                <a:latin typeface="Consolas" panose="020B0609020204030204" pitchFamily="49" charset="0"/>
+                <a:ea typeface="Times New Roman" panose="02020603050405020304" pitchFamily="18" charset="0"/>
+                <a:cs typeface="Times New Roman" panose="02020603050405020304" pitchFamily="18" charset="0"/>
+              </a:rPr>
+              <a:t> = </a:t>
+            </a:r>
+            <a:r>
+              <a:rPr lang="en-US" dirty="0">
+                <a:solidFill>
+                  <a:srgbClr val="0000FF"/>
+                </a:solidFill>
+                <a:latin typeface="Consolas" panose="020B0609020204030204" pitchFamily="49" charset="0"/>
+                <a:ea typeface="Times New Roman" panose="02020603050405020304" pitchFamily="18" charset="0"/>
+                <a:cs typeface="Times New Roman" panose="02020603050405020304" pitchFamily="18" charset="0"/>
+              </a:rPr>
+              <a:t>function</a:t>
+            </a:r>
+            <a:r>
+              <a:rPr lang="en-US" dirty="0">
+                <a:solidFill>
+                  <a:srgbClr val="000000"/>
+                </a:solidFill>
+                <a:latin typeface="Consolas" panose="020B0609020204030204" pitchFamily="49" charset="0"/>
+                <a:ea typeface="Times New Roman" panose="02020603050405020304" pitchFamily="18" charset="0"/>
+                <a:cs typeface="Times New Roman" panose="02020603050405020304" pitchFamily="18" charset="0"/>
+              </a:rPr>
+              <a:t> () {</a:t>
+            </a:r>
+            <a:endParaRPr lang="en-US" sz="2400" dirty="0">
+              <a:latin typeface="Calibri" panose="020F0502020204030204" pitchFamily="34" charset="0"/>
+              <a:ea typeface="Calibri" panose="020F0502020204030204" pitchFamily="34" charset="0"/>
+              <a:cs typeface="Times New Roman" panose="02020603050405020304" pitchFamily="18" charset="0"/>
+            </a:endParaRPr>
+          </a:p>
+          <a:p>
+            <a:pPr>
+              <a:lnSpc>
+                <a:spcPct val="107000"/>
+              </a:lnSpc>
+              <a:tabLst>
+                <a:tab pos="581660" algn="l"/>
+                <a:tab pos="1163320" algn="l"/>
+                <a:tab pos="1744980" algn="l"/>
+                <a:tab pos="2326640" algn="l"/>
+                <a:tab pos="2908300" algn="l"/>
+                <a:tab pos="3489960" algn="l"/>
+                <a:tab pos="4071620" algn="l"/>
+                <a:tab pos="4653280" algn="l"/>
+                <a:tab pos="5234940" algn="l"/>
+                <a:tab pos="5816600" algn="l"/>
+                <a:tab pos="6398260" algn="l"/>
+                <a:tab pos="6979920" algn="l"/>
+                <a:tab pos="7561580" algn="l"/>
+                <a:tab pos="8143240" algn="l"/>
+                <a:tab pos="8724900" algn="l"/>
+                <a:tab pos="9306560" algn="l"/>
+              </a:tabLst>
+            </a:pPr>
+            <a:r>
+              <a:rPr lang="en-US" dirty="0">
+                <a:solidFill>
+                  <a:srgbClr val="000000"/>
+                </a:solidFill>
+                <a:latin typeface="Consolas" panose="020B0609020204030204" pitchFamily="49" charset="0"/>
+                <a:ea typeface="Times New Roman" panose="02020603050405020304" pitchFamily="18" charset="0"/>
+                <a:cs typeface="Times New Roman" panose="02020603050405020304" pitchFamily="18" charset="0"/>
+              </a:rPr>
+              <a:t>            </a:t>
+            </a:r>
+            <a:r>
+              <a:rPr lang="en-US" dirty="0">
+                <a:solidFill>
+                  <a:srgbClr val="0000FF"/>
+                </a:solidFill>
+                <a:latin typeface="Consolas" panose="020B0609020204030204" pitchFamily="49" charset="0"/>
+                <a:ea typeface="Times New Roman" panose="02020603050405020304" pitchFamily="18" charset="0"/>
+                <a:cs typeface="Times New Roman" panose="02020603050405020304" pitchFamily="18" charset="0"/>
+              </a:rPr>
+              <a:t>return</a:t>
+            </a:r>
+            <a:r>
+              <a:rPr lang="en-US" dirty="0">
+                <a:solidFill>
+                  <a:srgbClr val="000000"/>
+                </a:solidFill>
+                <a:latin typeface="Consolas" panose="020B0609020204030204" pitchFamily="49" charset="0"/>
+                <a:ea typeface="Times New Roman" panose="02020603050405020304" pitchFamily="18" charset="0"/>
+                <a:cs typeface="Times New Roman" panose="02020603050405020304" pitchFamily="18" charset="0"/>
+              </a:rPr>
+              <a:t> </a:t>
+            </a:r>
+            <a:r>
+              <a:rPr lang="en-US" dirty="0" err="1">
+                <a:solidFill>
+                  <a:srgbClr val="0000FF"/>
+                </a:solidFill>
+                <a:latin typeface="Consolas" panose="020B0609020204030204" pitchFamily="49" charset="0"/>
+                <a:ea typeface="Times New Roman" panose="02020603050405020304" pitchFamily="18" charset="0"/>
+                <a:cs typeface="Times New Roman" panose="02020603050405020304" pitchFamily="18" charset="0"/>
+              </a:rPr>
+              <a:t>this</a:t>
+            </a:r>
+            <a:r>
+              <a:rPr lang="en-US" dirty="0" err="1">
+                <a:solidFill>
+                  <a:srgbClr val="000000"/>
+                </a:solidFill>
+                <a:latin typeface="Consolas" panose="020B0609020204030204" pitchFamily="49" charset="0"/>
+                <a:ea typeface="Times New Roman" panose="02020603050405020304" pitchFamily="18" charset="0"/>
+                <a:cs typeface="Times New Roman" panose="02020603050405020304" pitchFamily="18" charset="0"/>
+              </a:rPr>
+              <a:t>.foo</a:t>
+            </a:r>
+            <a:r>
+              <a:rPr lang="en-US" dirty="0">
+                <a:solidFill>
+                  <a:srgbClr val="000000"/>
+                </a:solidFill>
+                <a:latin typeface="Consolas" panose="020B0609020204030204" pitchFamily="49" charset="0"/>
+                <a:ea typeface="Times New Roman" panose="02020603050405020304" pitchFamily="18" charset="0"/>
+                <a:cs typeface="Times New Roman" panose="02020603050405020304" pitchFamily="18" charset="0"/>
+              </a:rPr>
+              <a:t>;</a:t>
+            </a:r>
+            <a:endParaRPr lang="en-US" sz="2400" dirty="0">
+              <a:latin typeface="Calibri" panose="020F0502020204030204" pitchFamily="34" charset="0"/>
+              <a:ea typeface="Calibri" panose="020F0502020204030204" pitchFamily="34" charset="0"/>
+              <a:cs typeface="Times New Roman" panose="02020603050405020304" pitchFamily="18" charset="0"/>
+            </a:endParaRPr>
+          </a:p>
+          <a:p>
+            <a:pPr>
+              <a:lnSpc>
+                <a:spcPct val="107000"/>
+              </a:lnSpc>
+              <a:tabLst>
+                <a:tab pos="581660" algn="l"/>
+                <a:tab pos="1163320" algn="l"/>
+                <a:tab pos="1744980" algn="l"/>
+                <a:tab pos="2326640" algn="l"/>
+                <a:tab pos="2908300" algn="l"/>
+                <a:tab pos="3489960" algn="l"/>
+                <a:tab pos="4071620" algn="l"/>
+                <a:tab pos="4653280" algn="l"/>
+                <a:tab pos="5234940" algn="l"/>
+                <a:tab pos="5816600" algn="l"/>
+                <a:tab pos="6398260" algn="l"/>
+                <a:tab pos="6979920" algn="l"/>
+                <a:tab pos="7561580" algn="l"/>
+                <a:tab pos="8143240" algn="l"/>
+                <a:tab pos="8724900" algn="l"/>
+                <a:tab pos="9306560" algn="l"/>
+              </a:tabLst>
+            </a:pPr>
+            <a:r>
+              <a:rPr lang="en-US" dirty="0">
+                <a:solidFill>
+                  <a:srgbClr val="000000"/>
+                </a:solidFill>
+                <a:latin typeface="Consolas" panose="020B0609020204030204" pitchFamily="49" charset="0"/>
+                <a:ea typeface="Times New Roman" panose="02020603050405020304" pitchFamily="18" charset="0"/>
+                <a:cs typeface="Times New Roman" panose="02020603050405020304" pitchFamily="18" charset="0"/>
+              </a:rPr>
+              <a:t>        };</a:t>
+            </a:r>
+            <a:endParaRPr lang="en-US" sz="2400" dirty="0">
+              <a:latin typeface="Calibri" panose="020F0502020204030204" pitchFamily="34" charset="0"/>
+              <a:ea typeface="Calibri" panose="020F0502020204030204" pitchFamily="34" charset="0"/>
+              <a:cs typeface="Times New Roman" panose="02020603050405020304" pitchFamily="18" charset="0"/>
+            </a:endParaRPr>
+          </a:p>
+          <a:p>
+            <a:pPr>
+              <a:lnSpc>
+                <a:spcPct val="107000"/>
+              </a:lnSpc>
+              <a:tabLst>
+                <a:tab pos="581660" algn="l"/>
+                <a:tab pos="1163320" algn="l"/>
+                <a:tab pos="1744980" algn="l"/>
+                <a:tab pos="2326640" algn="l"/>
+                <a:tab pos="2908300" algn="l"/>
+                <a:tab pos="3489960" algn="l"/>
+                <a:tab pos="4071620" algn="l"/>
+                <a:tab pos="4653280" algn="l"/>
+                <a:tab pos="5234940" algn="l"/>
+                <a:tab pos="5816600" algn="l"/>
+                <a:tab pos="6398260" algn="l"/>
+                <a:tab pos="6979920" algn="l"/>
+                <a:tab pos="7561580" algn="l"/>
+                <a:tab pos="8143240" algn="l"/>
+                <a:tab pos="8724900" algn="l"/>
+                <a:tab pos="9306560" algn="l"/>
+              </a:tabLst>
+            </a:pPr>
+            <a:r>
+              <a:rPr lang="en-US" dirty="0">
+                <a:solidFill>
+                  <a:srgbClr val="000000"/>
+                </a:solidFill>
+                <a:latin typeface="Consolas" panose="020B0609020204030204" pitchFamily="49" charset="0"/>
+                <a:ea typeface="Times New Roman" panose="02020603050405020304" pitchFamily="18" charset="0"/>
+                <a:cs typeface="Times New Roman" panose="02020603050405020304" pitchFamily="18" charset="0"/>
+              </a:rPr>
+              <a:t>        </a:t>
+            </a:r>
+            <a:r>
+              <a:rPr lang="en-US" dirty="0">
+                <a:solidFill>
+                  <a:srgbClr val="0000FF"/>
+                </a:solidFill>
+                <a:latin typeface="Consolas" panose="020B0609020204030204" pitchFamily="49" charset="0"/>
+                <a:ea typeface="Times New Roman" panose="02020603050405020304" pitchFamily="18" charset="0"/>
+                <a:cs typeface="Times New Roman" panose="02020603050405020304" pitchFamily="18" charset="0"/>
+              </a:rPr>
+              <a:t>return</a:t>
+            </a:r>
+            <a:r>
+              <a:rPr lang="en-US" dirty="0">
+                <a:solidFill>
+                  <a:srgbClr val="000000"/>
+                </a:solidFill>
+                <a:latin typeface="Consolas" panose="020B0609020204030204" pitchFamily="49" charset="0"/>
+                <a:ea typeface="Times New Roman" panose="02020603050405020304" pitchFamily="18" charset="0"/>
+                <a:cs typeface="Times New Roman" panose="02020603050405020304" pitchFamily="18" charset="0"/>
+              </a:rPr>
+              <a:t> </a:t>
+            </a:r>
+            <a:r>
+              <a:rPr lang="en-US" dirty="0" err="1">
+                <a:solidFill>
+                  <a:srgbClr val="000000"/>
+                </a:solidFill>
+                <a:latin typeface="Consolas" panose="020B0609020204030204" pitchFamily="49" charset="0"/>
+                <a:ea typeface="Times New Roman" panose="02020603050405020304" pitchFamily="18" charset="0"/>
+                <a:cs typeface="Times New Roman" panose="02020603050405020304" pitchFamily="18" charset="0"/>
+              </a:rPr>
+              <a:t>MyClass</a:t>
+            </a:r>
+            <a:r>
+              <a:rPr lang="en-US" dirty="0">
+                <a:solidFill>
+                  <a:srgbClr val="000000"/>
+                </a:solidFill>
+                <a:latin typeface="Consolas" panose="020B0609020204030204" pitchFamily="49" charset="0"/>
+                <a:ea typeface="Times New Roman" panose="02020603050405020304" pitchFamily="18" charset="0"/>
+                <a:cs typeface="Times New Roman" panose="02020603050405020304" pitchFamily="18" charset="0"/>
+              </a:rPr>
+              <a:t>;</a:t>
+            </a:r>
+            <a:endParaRPr lang="en-US" sz="2400" dirty="0">
+              <a:latin typeface="Calibri" panose="020F0502020204030204" pitchFamily="34" charset="0"/>
+              <a:ea typeface="Calibri" panose="020F0502020204030204" pitchFamily="34" charset="0"/>
+              <a:cs typeface="Times New Roman" panose="02020603050405020304" pitchFamily="18" charset="0"/>
+            </a:endParaRPr>
+          </a:p>
+          <a:p>
+            <a:pPr>
+              <a:lnSpc>
+                <a:spcPct val="107000"/>
+              </a:lnSpc>
+              <a:tabLst>
+                <a:tab pos="581660" algn="l"/>
+                <a:tab pos="1163320" algn="l"/>
+                <a:tab pos="1744980" algn="l"/>
+                <a:tab pos="2326640" algn="l"/>
+                <a:tab pos="2908300" algn="l"/>
+                <a:tab pos="3489960" algn="l"/>
+                <a:tab pos="4071620" algn="l"/>
+                <a:tab pos="4653280" algn="l"/>
+                <a:tab pos="5234940" algn="l"/>
+                <a:tab pos="5816600" algn="l"/>
+                <a:tab pos="6398260" algn="l"/>
+                <a:tab pos="6979920" algn="l"/>
+                <a:tab pos="7561580" algn="l"/>
+                <a:tab pos="8143240" algn="l"/>
+                <a:tab pos="8724900" algn="l"/>
+                <a:tab pos="9306560" algn="l"/>
+              </a:tabLst>
+            </a:pPr>
+            <a:r>
+              <a:rPr lang="en-US" dirty="0">
+                <a:solidFill>
+                  <a:srgbClr val="000000"/>
+                </a:solidFill>
+                <a:latin typeface="Consolas" panose="020B0609020204030204" pitchFamily="49" charset="0"/>
+                <a:ea typeface="Times New Roman" panose="02020603050405020304" pitchFamily="18" charset="0"/>
+                <a:cs typeface="Times New Roman" panose="02020603050405020304" pitchFamily="18" charset="0"/>
+              </a:rPr>
+              <a:t>    })();</a:t>
+            </a:r>
+            <a:endParaRPr lang="en-US" sz="2400" dirty="0">
+              <a:latin typeface="Calibri" panose="020F0502020204030204" pitchFamily="34" charset="0"/>
+              <a:ea typeface="Calibri" panose="020F0502020204030204" pitchFamily="34" charset="0"/>
+              <a:cs typeface="Times New Roman" panose="02020603050405020304" pitchFamily="18" charset="0"/>
+            </a:endParaRPr>
+          </a:p>
+          <a:p>
+            <a:pPr>
+              <a:lnSpc>
+                <a:spcPct val="107000"/>
+              </a:lnSpc>
+              <a:tabLst>
+                <a:tab pos="581660" algn="l"/>
+                <a:tab pos="1163320" algn="l"/>
+                <a:tab pos="1744980" algn="l"/>
+                <a:tab pos="2326640" algn="l"/>
+                <a:tab pos="2908300" algn="l"/>
+                <a:tab pos="3489960" algn="l"/>
+                <a:tab pos="4071620" algn="l"/>
+                <a:tab pos="4653280" algn="l"/>
+                <a:tab pos="5234940" algn="l"/>
+                <a:tab pos="5816600" algn="l"/>
+                <a:tab pos="6398260" algn="l"/>
+                <a:tab pos="6979920" algn="l"/>
+                <a:tab pos="7561580" algn="l"/>
+                <a:tab pos="8143240" algn="l"/>
+                <a:tab pos="8724900" algn="l"/>
+                <a:tab pos="9306560" algn="l"/>
+              </a:tabLst>
+            </a:pPr>
+            <a:r>
+              <a:rPr lang="en-US" dirty="0">
+                <a:solidFill>
+                  <a:srgbClr val="000000"/>
+                </a:solidFill>
+                <a:latin typeface="Consolas" panose="020B0609020204030204" pitchFamily="49" charset="0"/>
+                <a:ea typeface="Times New Roman" panose="02020603050405020304" pitchFamily="18" charset="0"/>
+                <a:cs typeface="Times New Roman" panose="02020603050405020304" pitchFamily="18" charset="0"/>
+              </a:rPr>
+              <a:t>    </a:t>
+            </a:r>
+            <a:r>
+              <a:rPr lang="en-US" dirty="0" err="1">
+                <a:solidFill>
+                  <a:srgbClr val="000000"/>
+                </a:solidFill>
+                <a:latin typeface="Consolas" panose="020B0609020204030204" pitchFamily="49" charset="0"/>
+                <a:ea typeface="Times New Roman" panose="02020603050405020304" pitchFamily="18" charset="0"/>
+                <a:cs typeface="Times New Roman" panose="02020603050405020304" pitchFamily="18" charset="0"/>
+              </a:rPr>
+              <a:t>a.MyClass</a:t>
+            </a:r>
+            <a:r>
+              <a:rPr lang="en-US" dirty="0">
+                <a:solidFill>
+                  <a:srgbClr val="000000"/>
+                </a:solidFill>
+                <a:latin typeface="Consolas" panose="020B0609020204030204" pitchFamily="49" charset="0"/>
+                <a:ea typeface="Times New Roman" panose="02020603050405020304" pitchFamily="18" charset="0"/>
+                <a:cs typeface="Times New Roman" panose="02020603050405020304" pitchFamily="18" charset="0"/>
+              </a:rPr>
+              <a:t> = </a:t>
+            </a:r>
+            <a:r>
+              <a:rPr lang="en-US" dirty="0" err="1">
+                <a:solidFill>
+                  <a:srgbClr val="000000"/>
+                </a:solidFill>
+                <a:latin typeface="Consolas" panose="020B0609020204030204" pitchFamily="49" charset="0"/>
+                <a:ea typeface="Times New Roman" panose="02020603050405020304" pitchFamily="18" charset="0"/>
+                <a:cs typeface="Times New Roman" panose="02020603050405020304" pitchFamily="18" charset="0"/>
+              </a:rPr>
+              <a:t>MyClass</a:t>
+            </a:r>
+            <a:r>
+              <a:rPr lang="en-US" dirty="0">
+                <a:solidFill>
+                  <a:srgbClr val="000000"/>
+                </a:solidFill>
+                <a:latin typeface="Consolas" panose="020B0609020204030204" pitchFamily="49" charset="0"/>
+                <a:ea typeface="Times New Roman" panose="02020603050405020304" pitchFamily="18" charset="0"/>
+                <a:cs typeface="Times New Roman" panose="02020603050405020304" pitchFamily="18" charset="0"/>
+              </a:rPr>
+              <a:t>;</a:t>
+            </a:r>
+            <a:endParaRPr lang="en-US" sz="2400" dirty="0">
+              <a:latin typeface="Calibri" panose="020F0502020204030204" pitchFamily="34" charset="0"/>
+              <a:ea typeface="Calibri" panose="020F0502020204030204" pitchFamily="34" charset="0"/>
+              <a:cs typeface="Times New Roman" panose="02020603050405020304" pitchFamily="18" charset="0"/>
+            </a:endParaRPr>
+          </a:p>
+          <a:p>
+            <a:pPr>
+              <a:lnSpc>
+                <a:spcPct val="107000"/>
+              </a:lnSpc>
+              <a:tabLst>
+                <a:tab pos="581660" algn="l"/>
+                <a:tab pos="1163320" algn="l"/>
+                <a:tab pos="1744980" algn="l"/>
+                <a:tab pos="2326640" algn="l"/>
+                <a:tab pos="2908300" algn="l"/>
+                <a:tab pos="3489960" algn="l"/>
+                <a:tab pos="4071620" algn="l"/>
+                <a:tab pos="4653280" algn="l"/>
+                <a:tab pos="5234940" algn="l"/>
+                <a:tab pos="5816600" algn="l"/>
+                <a:tab pos="6398260" algn="l"/>
+                <a:tab pos="6979920" algn="l"/>
+                <a:tab pos="7561580" algn="l"/>
+                <a:tab pos="8143240" algn="l"/>
+                <a:tab pos="8724900" algn="l"/>
+                <a:tab pos="9306560" algn="l"/>
+              </a:tabLst>
+            </a:pPr>
+            <a:r>
+              <a:rPr lang="en-US" dirty="0">
+                <a:solidFill>
+                  <a:srgbClr val="000000"/>
+                </a:solidFill>
+                <a:latin typeface="Consolas" panose="020B0609020204030204" pitchFamily="49" charset="0"/>
+                <a:ea typeface="Times New Roman" panose="02020603050405020304" pitchFamily="18" charset="0"/>
+                <a:cs typeface="Times New Roman" panose="02020603050405020304" pitchFamily="18" charset="0"/>
+              </a:rPr>
+              <a:t>})(a || (a = </a:t>
+            </a:r>
+            <a:r>
+              <a:rPr lang="en-US" dirty="0" smtClean="0">
+                <a:solidFill>
+                  <a:srgbClr val="000000"/>
+                </a:solidFill>
+                <a:latin typeface="Consolas" panose="020B0609020204030204" pitchFamily="49" charset="0"/>
+                <a:ea typeface="Times New Roman" panose="02020603050405020304" pitchFamily="18" charset="0"/>
+                <a:cs typeface="Times New Roman" panose="02020603050405020304" pitchFamily="18" charset="0"/>
+              </a:rPr>
+              <a:t>{}));</a:t>
+            </a:r>
+            <a:endParaRPr lang="en-US" sz="2400" dirty="0">
+              <a:latin typeface="Calibri" panose="020F0502020204030204" pitchFamily="34" charset="0"/>
+              <a:ea typeface="Calibri" panose="020F0502020204030204" pitchFamily="34" charset="0"/>
+              <a:cs typeface="Times New Roman" panose="02020603050405020304" pitchFamily="18" charset="0"/>
+            </a:endParaRPr>
+          </a:p>
         </p:txBody>
       </p:sp>
     </p:spTree>
     <p:extLst>
       <p:ext uri="{BB962C8B-B14F-4D97-AF65-F5344CB8AC3E}">
         <p14:creationId xmlns:p14="http://schemas.microsoft.com/office/powerpoint/2010/main" val="2430364318"/>
+      </p:ext>
+    </p:extLst>
+  </p:cSld>
+  <p:clrMapOvr>
+    <a:masterClrMapping/>
+  </p:clrMapOvr>
+</p:sld>
+</file>
+
+<file path=ppt/slides/slide25.xml><?xml version="1.0" encoding="utf-8"?>
+<p:sld xmlns:a="http://schemas.openxmlformats.org/drawingml/2006/main" xmlns:r="http://schemas.openxmlformats.org/officeDocument/2006/relationships" xmlns:p="http://schemas.openxmlformats.org/presentationml/2006/main">
+  <p:cSld>
+    <p:spTree>
+      <p:nvGrpSpPr>
+        <p:cNvPr id="1" name=""/>
+        <p:cNvGrpSpPr/>
+        <p:nvPr/>
+      </p:nvGrpSpPr>
+      <p:grpSpPr>
+        <a:xfrm>
+          <a:off x="0" y="0"/>
+          <a:ext cx="0" cy="0"/>
+          <a:chOff x="0" y="0"/>
+          <a:chExt cx="0" cy="0"/>
+        </a:xfrm>
+      </p:grpSpPr>
+      <p:sp>
+        <p:nvSpPr>
+          <p:cNvPr id="2" name="Title 1"/>
+          <p:cNvSpPr>
+            <a:spLocks noGrp="1"/>
+          </p:cNvSpPr>
+          <p:nvPr>
+            <p:ph type="title"/>
+          </p:nvPr>
+        </p:nvSpPr>
+        <p:spPr/>
+        <p:txBody>
+          <a:bodyPr/>
+          <a:lstStyle/>
+          <a:p>
+            <a:r>
+              <a:rPr lang="en-US" dirty="0" smtClean="0"/>
+              <a:t>Classes – Demo	</a:t>
+            </a:r>
+            <a:endParaRPr lang="en-US" dirty="0"/>
+          </a:p>
+        </p:txBody>
+      </p:sp>
+      <p:sp>
+        <p:nvSpPr>
+          <p:cNvPr id="3" name="Content Placeholder 2"/>
+          <p:cNvSpPr>
+            <a:spLocks noGrp="1"/>
+          </p:cNvSpPr>
+          <p:nvPr>
+            <p:ph idx="1"/>
+          </p:nvPr>
+        </p:nvSpPr>
+        <p:spPr/>
+        <p:txBody>
+          <a:bodyPr/>
+          <a:lstStyle/>
+          <a:p>
+            <a:r>
+              <a:rPr lang="en-US" dirty="0" smtClean="0"/>
+              <a:t>Section 2 / 3-classes.ts</a:t>
+            </a:r>
+            <a:endParaRPr lang="en-US" dirty="0"/>
+          </a:p>
+        </p:txBody>
+      </p:sp>
+    </p:spTree>
+    <p:extLst>
+      <p:ext uri="{BB962C8B-B14F-4D97-AF65-F5344CB8AC3E}">
+        <p14:creationId xmlns:p14="http://schemas.microsoft.com/office/powerpoint/2010/main" val="2205995282"/>
+      </p:ext>
+    </p:extLst>
+  </p:cSld>
+  <p:clrMapOvr>
+    <a:masterClrMapping/>
+  </p:clrMapOvr>
+</p:sld>
+</file>
+
+<file path=ppt/slides/slide26.xml><?xml version="1.0" encoding="utf-8"?>
+<p:sld xmlns:a="http://schemas.openxmlformats.org/drawingml/2006/main" xmlns:r="http://schemas.openxmlformats.org/officeDocument/2006/relationships" xmlns:p="http://schemas.openxmlformats.org/presentationml/2006/main">
+  <p:cSld>
+    <p:spTree>
+      <p:nvGrpSpPr>
+        <p:cNvPr id="1" name=""/>
+        <p:cNvGrpSpPr/>
+        <p:nvPr/>
+      </p:nvGrpSpPr>
+      <p:grpSpPr>
+        <a:xfrm>
+          <a:off x="0" y="0"/>
+          <a:ext cx="0" cy="0"/>
+          <a:chOff x="0" y="0"/>
+          <a:chExt cx="0" cy="0"/>
+        </a:xfrm>
+      </p:grpSpPr>
+      <p:sp>
+        <p:nvSpPr>
+          <p:cNvPr id="2" name="Title 1"/>
+          <p:cNvSpPr>
+            <a:spLocks noGrp="1"/>
+          </p:cNvSpPr>
+          <p:nvPr>
+            <p:ph type="title"/>
+          </p:nvPr>
+        </p:nvSpPr>
+        <p:spPr/>
+        <p:txBody>
+          <a:bodyPr/>
+          <a:lstStyle/>
+          <a:p>
+            <a:r>
+              <a:rPr lang="en-US" dirty="0" smtClean="0"/>
+              <a:t>Inheritance</a:t>
+            </a:r>
+            <a:endParaRPr lang="en-US" dirty="0"/>
+          </a:p>
+        </p:txBody>
+      </p:sp>
+      <p:sp>
+        <p:nvSpPr>
+          <p:cNvPr id="3" name="Content Placeholder 2"/>
+          <p:cNvSpPr>
+            <a:spLocks noGrp="1"/>
+          </p:cNvSpPr>
+          <p:nvPr>
+            <p:ph idx="1"/>
+          </p:nvPr>
+        </p:nvSpPr>
+        <p:spPr/>
+        <p:txBody>
+          <a:bodyPr/>
+          <a:lstStyle/>
+          <a:p>
+            <a:r>
+              <a:rPr lang="en-US" dirty="0" smtClean="0"/>
+              <a:t>ECMAScript6-style inheritance syntax</a:t>
+            </a:r>
+          </a:p>
+          <a:p>
+            <a:endParaRPr lang="en-US" dirty="0"/>
+          </a:p>
+          <a:p>
+            <a:r>
+              <a:rPr lang="en-US" dirty="0" smtClean="0"/>
+              <a:t>Behaves like classical inheritance</a:t>
+            </a:r>
+          </a:p>
+          <a:p>
+            <a:endParaRPr lang="en-US" dirty="0"/>
+          </a:p>
+          <a:p>
+            <a:r>
+              <a:rPr lang="en-US" dirty="0" smtClean="0"/>
+              <a:t>Very performant</a:t>
+            </a:r>
+          </a:p>
+          <a:p>
+            <a:endParaRPr lang="en-US" dirty="0"/>
+          </a:p>
+          <a:p>
+            <a:r>
+              <a:rPr lang="en-US" dirty="0" smtClean="0"/>
+              <a:t>Much simpler than JS equivalent</a:t>
+            </a:r>
+          </a:p>
+          <a:p>
+            <a:endParaRPr lang="en-US" dirty="0"/>
+          </a:p>
+          <a:p>
+            <a:r>
+              <a:rPr lang="en-US" dirty="0" err="1" smtClean="0"/>
+              <a:t>Polymorphically</a:t>
+            </a:r>
+            <a:r>
+              <a:rPr lang="en-US" dirty="0" smtClean="0"/>
+              <a:t> sound</a:t>
+            </a:r>
+            <a:endParaRPr lang="en-US" dirty="0"/>
+          </a:p>
+        </p:txBody>
+      </p:sp>
+    </p:spTree>
+    <p:extLst>
+      <p:ext uri="{BB962C8B-B14F-4D97-AF65-F5344CB8AC3E}">
+        <p14:creationId xmlns:p14="http://schemas.microsoft.com/office/powerpoint/2010/main" val="2145865651"/>
+      </p:ext>
+    </p:extLst>
+  </p:cSld>
+  <p:clrMapOvr>
+    <a:masterClrMapping/>
+  </p:clrMapOvr>
+</p:sld>
+</file>
+
+<file path=ppt/slides/slide27.xml><?xml version="1.0" encoding="utf-8"?>
+<p:sld xmlns:a="http://schemas.openxmlformats.org/drawingml/2006/main" xmlns:r="http://schemas.openxmlformats.org/officeDocument/2006/relationships" xmlns:p="http://schemas.openxmlformats.org/presentationml/2006/main">
+  <p:cSld>
+    <p:spTree>
+      <p:nvGrpSpPr>
+        <p:cNvPr id="1" name=""/>
+        <p:cNvGrpSpPr/>
+        <p:nvPr/>
+      </p:nvGrpSpPr>
+      <p:grpSpPr>
+        <a:xfrm>
+          <a:off x="0" y="0"/>
+          <a:ext cx="0" cy="0"/>
+          <a:chOff x="0" y="0"/>
+          <a:chExt cx="0" cy="0"/>
+        </a:xfrm>
+      </p:grpSpPr>
+      <p:sp>
+        <p:nvSpPr>
+          <p:cNvPr id="2" name="Title 1"/>
+          <p:cNvSpPr>
+            <a:spLocks noGrp="1"/>
+          </p:cNvSpPr>
+          <p:nvPr>
+            <p:ph type="title"/>
+          </p:nvPr>
+        </p:nvSpPr>
+        <p:spPr/>
+        <p:txBody>
+          <a:bodyPr/>
+          <a:lstStyle/>
+          <a:p>
+            <a:r>
+              <a:rPr lang="en-US" dirty="0" smtClean="0"/>
+              <a:t>Inheritance</a:t>
+            </a:r>
+            <a:endParaRPr lang="en-US" dirty="0"/>
+          </a:p>
+        </p:txBody>
+      </p:sp>
+      <p:sp>
+        <p:nvSpPr>
+          <p:cNvPr id="3" name="Content Placeholder 2"/>
+          <p:cNvSpPr>
+            <a:spLocks noGrp="1"/>
+          </p:cNvSpPr>
+          <p:nvPr>
+            <p:ph idx="1"/>
+          </p:nvPr>
+        </p:nvSpPr>
+        <p:spPr/>
+        <p:txBody>
+          <a:bodyPr/>
+          <a:lstStyle/>
+          <a:p>
+            <a:endParaRPr lang="en-US"/>
+          </a:p>
+        </p:txBody>
+      </p:sp>
+    </p:spTree>
+    <p:extLst>
+      <p:ext uri="{BB962C8B-B14F-4D97-AF65-F5344CB8AC3E}">
+        <p14:creationId xmlns:p14="http://schemas.microsoft.com/office/powerpoint/2010/main" val="828832119"/>
       </p:ext>
     </p:extLst>
   </p:cSld>
@@ -13936,7 +14362,7 @@
   <a:extraClrSchemeLst/>
   <a:extLst>
     <a:ext uri="{05A4C25C-085E-4340-85A3-A5531E510DB2}">
-      <thm15:themeFamily xmlns:thm15="http://schemas.microsoft.com/office/thememl/2012/main" name="Facet" id="{C0C680CD-088A-49FC-A102-D699147F32B2}" vid="{CFBC31BA-B70F-4F30-BCAA-4F3011E16C4D}"/>
+      <thm15:themeFamily xmlns:thm15="http://schemas.microsoft.com/office/thememl/2012/main" xmlns="" name="Facet" id="{C0C680CD-088A-49FC-A102-D699147F32B2}" vid="{CFBC31BA-B70F-4F30-BCAA-4F3011E16C4D}"/>
     </a:ext>
   </a:extLst>
 </a:theme>

--- a/Presentation/TypeScriptFundamentals.pptx
+++ b/Presentation/TypeScriptFundamentals.pptx
@@ -32,6 +32,10 @@
     <p:sldId id="281" r:id="rId26"/>
     <p:sldId id="282" r:id="rId27"/>
     <p:sldId id="283" r:id="rId28"/>
+    <p:sldId id="284" r:id="rId29"/>
+    <p:sldId id="285" r:id="rId30"/>
+    <p:sldId id="286" r:id="rId31"/>
+    <p:sldId id="287" r:id="rId32"/>
   </p:sldIdLst>
   <p:sldSz cx="12192000" cy="6858000"/>
   <p:notesSz cx="6858000" cy="9144000"/>
@@ -170,12 +174,27 @@
             <p14:sldId id="281"/>
             <p14:sldId id="282"/>
             <p14:sldId id="283"/>
+            <p14:sldId id="284"/>
+            <p14:sldId id="285"/>
+            <p14:sldId id="286"/>
+            <p14:sldId id="287"/>
           </p14:sldIdLst>
         </p14:section>
       </p14:sectionLst>
     </p:ext>
     <p:ext uri="{EFAFB233-063F-42B5-8137-9DF3F51BA10A}">
-      <p15:sldGuideLst xmlns:p15="http://schemas.microsoft.com/office/powerpoint/2012/main" xmlns=""/>
+      <p15:sldGuideLst xmlns:p15="http://schemas.microsoft.com/office/powerpoint/2012/main">
+        <p15:guide id="1" orient="horz" pos="2160">
+          <p15:clr>
+            <a:srgbClr val="A4A3A4"/>
+          </p15:clr>
+        </p15:guide>
+        <p15:guide id="2" pos="3840">
+          <p15:clr>
+            <a:srgbClr val="A4A3A4"/>
+          </p15:clr>
+        </p15:guide>
+      </p15:sldGuideLst>
     </p:ext>
   </p:extLst>
 </p:presentation>
@@ -12758,6 +12777,1400 @@
       </p:sp>
       <p:sp>
         <p:nvSpPr>
+          <p:cNvPr id="4" name="Rectangle 3"/>
+          <p:cNvSpPr/>
+          <p:nvPr/>
+        </p:nvSpPr>
+        <p:spPr>
+          <a:xfrm>
+            <a:off x="752856" y="1178560"/>
+            <a:ext cx="7952232" cy="6118406"/>
+          </a:xfrm>
+          <a:prstGeom prst="rect">
+            <a:avLst/>
+          </a:prstGeom>
+        </p:spPr>
+        <p:txBody>
+          <a:bodyPr wrap="square">
+            <a:spAutoFit/>
+          </a:bodyPr>
+          <a:lstStyle/>
+          <a:p>
+            <a:pPr>
+              <a:lnSpc>
+                <a:spcPct val="107000"/>
+              </a:lnSpc>
+              <a:tabLst>
+                <a:tab pos="581660" algn="l"/>
+                <a:tab pos="1163320" algn="l"/>
+                <a:tab pos="1744980" algn="l"/>
+                <a:tab pos="2326640" algn="l"/>
+                <a:tab pos="2908300" algn="l"/>
+                <a:tab pos="3489960" algn="l"/>
+                <a:tab pos="4071620" algn="l"/>
+                <a:tab pos="4653280" algn="l"/>
+                <a:tab pos="5234940" algn="l"/>
+                <a:tab pos="5816600" algn="l"/>
+                <a:tab pos="6398260" algn="l"/>
+                <a:tab pos="6979920" algn="l"/>
+                <a:tab pos="7561580" algn="l"/>
+                <a:tab pos="8143240" algn="l"/>
+                <a:tab pos="8724900" algn="l"/>
+                <a:tab pos="9306560" algn="l"/>
+              </a:tabLst>
+            </a:pPr>
+            <a:r>
+              <a:rPr lang="en-US" dirty="0">
+                <a:solidFill>
+                  <a:srgbClr val="0000FF"/>
+                </a:solidFill>
+                <a:latin typeface="Consolas" panose="020B0609020204030204" pitchFamily="49" charset="0"/>
+                <a:ea typeface="Times New Roman" panose="02020603050405020304" pitchFamily="18" charset="0"/>
+                <a:cs typeface="Times New Roman" panose="02020603050405020304" pitchFamily="18" charset="0"/>
+              </a:rPr>
+              <a:t>class</a:t>
+            </a:r>
+            <a:r>
+              <a:rPr lang="en-US" dirty="0">
+                <a:solidFill>
+                  <a:srgbClr val="000000"/>
+                </a:solidFill>
+                <a:latin typeface="Consolas" panose="020B0609020204030204" pitchFamily="49" charset="0"/>
+                <a:ea typeface="Times New Roman" panose="02020603050405020304" pitchFamily="18" charset="0"/>
+                <a:cs typeface="Times New Roman" panose="02020603050405020304" pitchFamily="18" charset="0"/>
+              </a:rPr>
+              <a:t> </a:t>
+            </a:r>
+            <a:r>
+              <a:rPr lang="en-US" dirty="0" err="1">
+                <a:solidFill>
+                  <a:srgbClr val="000000"/>
+                </a:solidFill>
+                <a:latin typeface="Consolas" panose="020B0609020204030204" pitchFamily="49" charset="0"/>
+                <a:ea typeface="Times New Roman" panose="02020603050405020304" pitchFamily="18" charset="0"/>
+                <a:cs typeface="Times New Roman" panose="02020603050405020304" pitchFamily="18" charset="0"/>
+              </a:rPr>
+              <a:t>BaseClass</a:t>
+            </a:r>
+            <a:r>
+              <a:rPr lang="en-US" dirty="0">
+                <a:solidFill>
+                  <a:srgbClr val="000000"/>
+                </a:solidFill>
+                <a:latin typeface="Consolas" panose="020B0609020204030204" pitchFamily="49" charset="0"/>
+                <a:ea typeface="Times New Roman" panose="02020603050405020304" pitchFamily="18" charset="0"/>
+                <a:cs typeface="Times New Roman" panose="02020603050405020304" pitchFamily="18" charset="0"/>
+              </a:rPr>
+              <a:t> {</a:t>
+            </a:r>
+            <a:endParaRPr lang="en-US" sz="2400" dirty="0">
+              <a:latin typeface="Calibri" panose="020F0502020204030204" pitchFamily="34" charset="0"/>
+              <a:ea typeface="Calibri" panose="020F0502020204030204" pitchFamily="34" charset="0"/>
+              <a:cs typeface="Times New Roman" panose="02020603050405020304" pitchFamily="18" charset="0"/>
+            </a:endParaRPr>
+          </a:p>
+          <a:p>
+            <a:pPr>
+              <a:lnSpc>
+                <a:spcPct val="107000"/>
+              </a:lnSpc>
+              <a:tabLst>
+                <a:tab pos="581660" algn="l"/>
+                <a:tab pos="1163320" algn="l"/>
+                <a:tab pos="1744980" algn="l"/>
+                <a:tab pos="2326640" algn="l"/>
+                <a:tab pos="2908300" algn="l"/>
+                <a:tab pos="3489960" algn="l"/>
+                <a:tab pos="4071620" algn="l"/>
+                <a:tab pos="4653280" algn="l"/>
+                <a:tab pos="5234940" algn="l"/>
+                <a:tab pos="5816600" algn="l"/>
+                <a:tab pos="6398260" algn="l"/>
+                <a:tab pos="6979920" algn="l"/>
+                <a:tab pos="7561580" algn="l"/>
+                <a:tab pos="8143240" algn="l"/>
+                <a:tab pos="8724900" algn="l"/>
+                <a:tab pos="9306560" algn="l"/>
+              </a:tabLst>
+            </a:pPr>
+            <a:r>
+              <a:rPr lang="en-US" dirty="0">
+                <a:solidFill>
+                  <a:srgbClr val="000000"/>
+                </a:solidFill>
+                <a:latin typeface="Consolas" panose="020B0609020204030204" pitchFamily="49" charset="0"/>
+                <a:ea typeface="Times New Roman" panose="02020603050405020304" pitchFamily="18" charset="0"/>
+                <a:cs typeface="Times New Roman" panose="02020603050405020304" pitchFamily="18" charset="0"/>
+              </a:rPr>
+              <a:t>    </a:t>
+            </a:r>
+            <a:r>
+              <a:rPr lang="en-US" dirty="0">
+                <a:solidFill>
+                  <a:srgbClr val="0000FF"/>
+                </a:solidFill>
+                <a:latin typeface="Consolas" panose="020B0609020204030204" pitchFamily="49" charset="0"/>
+                <a:ea typeface="Times New Roman" panose="02020603050405020304" pitchFamily="18" charset="0"/>
+                <a:cs typeface="Times New Roman" panose="02020603050405020304" pitchFamily="18" charset="0"/>
+              </a:rPr>
+              <a:t>private</a:t>
+            </a:r>
+            <a:r>
+              <a:rPr lang="en-US" dirty="0">
+                <a:solidFill>
+                  <a:srgbClr val="000000"/>
+                </a:solidFill>
+                <a:latin typeface="Consolas" panose="020B0609020204030204" pitchFamily="49" charset="0"/>
+                <a:ea typeface="Times New Roman" panose="02020603050405020304" pitchFamily="18" charset="0"/>
+                <a:cs typeface="Times New Roman" panose="02020603050405020304" pitchFamily="18" charset="0"/>
+              </a:rPr>
+              <a:t> value: </a:t>
+            </a:r>
+            <a:r>
+              <a:rPr lang="en-US" dirty="0">
+                <a:solidFill>
+                  <a:srgbClr val="0000FF"/>
+                </a:solidFill>
+                <a:latin typeface="Consolas" panose="020B0609020204030204" pitchFamily="49" charset="0"/>
+                <a:ea typeface="Times New Roman" panose="02020603050405020304" pitchFamily="18" charset="0"/>
+                <a:cs typeface="Times New Roman" panose="02020603050405020304" pitchFamily="18" charset="0"/>
+              </a:rPr>
+              <a:t>string</a:t>
+            </a:r>
+            <a:r>
+              <a:rPr lang="en-US" dirty="0">
+                <a:solidFill>
+                  <a:srgbClr val="000000"/>
+                </a:solidFill>
+                <a:latin typeface="Consolas" panose="020B0609020204030204" pitchFamily="49" charset="0"/>
+                <a:ea typeface="Times New Roman" panose="02020603050405020304" pitchFamily="18" charset="0"/>
+                <a:cs typeface="Times New Roman" panose="02020603050405020304" pitchFamily="18" charset="0"/>
+              </a:rPr>
+              <a:t>;</a:t>
+            </a:r>
+            <a:endParaRPr lang="en-US" sz="2400" dirty="0">
+              <a:latin typeface="Calibri" panose="020F0502020204030204" pitchFamily="34" charset="0"/>
+              <a:ea typeface="Calibri" panose="020F0502020204030204" pitchFamily="34" charset="0"/>
+              <a:cs typeface="Times New Roman" panose="02020603050405020304" pitchFamily="18" charset="0"/>
+            </a:endParaRPr>
+          </a:p>
+          <a:p>
+            <a:pPr>
+              <a:lnSpc>
+                <a:spcPct val="107000"/>
+              </a:lnSpc>
+              <a:tabLst>
+                <a:tab pos="581660" algn="l"/>
+                <a:tab pos="1163320" algn="l"/>
+                <a:tab pos="1744980" algn="l"/>
+                <a:tab pos="2326640" algn="l"/>
+                <a:tab pos="2908300" algn="l"/>
+                <a:tab pos="3489960" algn="l"/>
+                <a:tab pos="4071620" algn="l"/>
+                <a:tab pos="4653280" algn="l"/>
+                <a:tab pos="5234940" algn="l"/>
+                <a:tab pos="5816600" algn="l"/>
+                <a:tab pos="6398260" algn="l"/>
+                <a:tab pos="6979920" algn="l"/>
+                <a:tab pos="7561580" algn="l"/>
+                <a:tab pos="8143240" algn="l"/>
+                <a:tab pos="8724900" algn="l"/>
+                <a:tab pos="9306560" algn="l"/>
+              </a:tabLst>
+            </a:pPr>
+            <a:r>
+              <a:rPr lang="en-US" dirty="0">
+                <a:solidFill>
+                  <a:srgbClr val="000000"/>
+                </a:solidFill>
+                <a:latin typeface="Consolas" panose="020B0609020204030204" pitchFamily="49" charset="0"/>
+                <a:ea typeface="Times New Roman" panose="02020603050405020304" pitchFamily="18" charset="0"/>
+                <a:cs typeface="Times New Roman" panose="02020603050405020304" pitchFamily="18" charset="0"/>
+              </a:rPr>
+              <a:t> </a:t>
+            </a:r>
+            <a:endParaRPr lang="en-US" sz="2400" dirty="0">
+              <a:latin typeface="Calibri" panose="020F0502020204030204" pitchFamily="34" charset="0"/>
+              <a:ea typeface="Calibri" panose="020F0502020204030204" pitchFamily="34" charset="0"/>
+              <a:cs typeface="Times New Roman" panose="02020603050405020304" pitchFamily="18" charset="0"/>
+            </a:endParaRPr>
+          </a:p>
+          <a:p>
+            <a:pPr>
+              <a:lnSpc>
+                <a:spcPct val="107000"/>
+              </a:lnSpc>
+              <a:tabLst>
+                <a:tab pos="581660" algn="l"/>
+                <a:tab pos="1163320" algn="l"/>
+                <a:tab pos="1744980" algn="l"/>
+                <a:tab pos="2326640" algn="l"/>
+                <a:tab pos="2908300" algn="l"/>
+                <a:tab pos="3489960" algn="l"/>
+                <a:tab pos="4071620" algn="l"/>
+                <a:tab pos="4653280" algn="l"/>
+                <a:tab pos="5234940" algn="l"/>
+                <a:tab pos="5816600" algn="l"/>
+                <a:tab pos="6398260" algn="l"/>
+                <a:tab pos="6979920" algn="l"/>
+                <a:tab pos="7561580" algn="l"/>
+                <a:tab pos="8143240" algn="l"/>
+                <a:tab pos="8724900" algn="l"/>
+                <a:tab pos="9306560" algn="l"/>
+              </a:tabLst>
+            </a:pPr>
+            <a:r>
+              <a:rPr lang="en-US" dirty="0">
+                <a:solidFill>
+                  <a:srgbClr val="000000"/>
+                </a:solidFill>
+                <a:latin typeface="Consolas" panose="020B0609020204030204" pitchFamily="49" charset="0"/>
+                <a:ea typeface="Times New Roman" panose="02020603050405020304" pitchFamily="18" charset="0"/>
+                <a:cs typeface="Times New Roman" panose="02020603050405020304" pitchFamily="18" charset="0"/>
+              </a:rPr>
+              <a:t>    </a:t>
+            </a:r>
+            <a:r>
+              <a:rPr lang="en-US" dirty="0">
+                <a:solidFill>
+                  <a:srgbClr val="0000FF"/>
+                </a:solidFill>
+                <a:latin typeface="Consolas" panose="020B0609020204030204" pitchFamily="49" charset="0"/>
+                <a:ea typeface="Times New Roman" panose="02020603050405020304" pitchFamily="18" charset="0"/>
+                <a:cs typeface="Times New Roman" panose="02020603050405020304" pitchFamily="18" charset="0"/>
+              </a:rPr>
+              <a:t>constructor</a:t>
+            </a:r>
+            <a:r>
+              <a:rPr lang="en-US" dirty="0">
+                <a:solidFill>
+                  <a:srgbClr val="000000"/>
+                </a:solidFill>
+                <a:latin typeface="Consolas" panose="020B0609020204030204" pitchFamily="49" charset="0"/>
+                <a:ea typeface="Times New Roman" panose="02020603050405020304" pitchFamily="18" charset="0"/>
+                <a:cs typeface="Times New Roman" panose="02020603050405020304" pitchFamily="18" charset="0"/>
+              </a:rPr>
+              <a:t>(value: </a:t>
+            </a:r>
+            <a:r>
+              <a:rPr lang="en-US" dirty="0">
+                <a:solidFill>
+                  <a:srgbClr val="0000FF"/>
+                </a:solidFill>
+                <a:latin typeface="Consolas" panose="020B0609020204030204" pitchFamily="49" charset="0"/>
+                <a:ea typeface="Times New Roman" panose="02020603050405020304" pitchFamily="18" charset="0"/>
+                <a:cs typeface="Times New Roman" panose="02020603050405020304" pitchFamily="18" charset="0"/>
+              </a:rPr>
+              <a:t>string</a:t>
+            </a:r>
+            <a:r>
+              <a:rPr lang="en-US" dirty="0">
+                <a:solidFill>
+                  <a:srgbClr val="000000"/>
+                </a:solidFill>
+                <a:latin typeface="Consolas" panose="020B0609020204030204" pitchFamily="49" charset="0"/>
+                <a:ea typeface="Times New Roman" panose="02020603050405020304" pitchFamily="18" charset="0"/>
+                <a:cs typeface="Times New Roman" panose="02020603050405020304" pitchFamily="18" charset="0"/>
+              </a:rPr>
+              <a:t>) {</a:t>
+            </a:r>
+            <a:endParaRPr lang="en-US" sz="2400" dirty="0">
+              <a:latin typeface="Calibri" panose="020F0502020204030204" pitchFamily="34" charset="0"/>
+              <a:ea typeface="Calibri" panose="020F0502020204030204" pitchFamily="34" charset="0"/>
+              <a:cs typeface="Times New Roman" panose="02020603050405020304" pitchFamily="18" charset="0"/>
+            </a:endParaRPr>
+          </a:p>
+          <a:p>
+            <a:pPr>
+              <a:lnSpc>
+                <a:spcPct val="107000"/>
+              </a:lnSpc>
+              <a:tabLst>
+                <a:tab pos="581660" algn="l"/>
+                <a:tab pos="1163320" algn="l"/>
+                <a:tab pos="1744980" algn="l"/>
+                <a:tab pos="2326640" algn="l"/>
+                <a:tab pos="2908300" algn="l"/>
+                <a:tab pos="3489960" algn="l"/>
+                <a:tab pos="4071620" algn="l"/>
+                <a:tab pos="4653280" algn="l"/>
+                <a:tab pos="5234940" algn="l"/>
+                <a:tab pos="5816600" algn="l"/>
+                <a:tab pos="6398260" algn="l"/>
+                <a:tab pos="6979920" algn="l"/>
+                <a:tab pos="7561580" algn="l"/>
+                <a:tab pos="8143240" algn="l"/>
+                <a:tab pos="8724900" algn="l"/>
+                <a:tab pos="9306560" algn="l"/>
+              </a:tabLst>
+            </a:pPr>
+            <a:r>
+              <a:rPr lang="en-US" dirty="0">
+                <a:solidFill>
+                  <a:srgbClr val="000000"/>
+                </a:solidFill>
+                <a:latin typeface="Consolas" panose="020B0609020204030204" pitchFamily="49" charset="0"/>
+                <a:ea typeface="Times New Roman" panose="02020603050405020304" pitchFamily="18" charset="0"/>
+                <a:cs typeface="Times New Roman" panose="02020603050405020304" pitchFamily="18" charset="0"/>
+              </a:rPr>
+              <a:t>        </a:t>
+            </a:r>
+            <a:r>
+              <a:rPr lang="en-US" dirty="0" err="1">
+                <a:solidFill>
+                  <a:srgbClr val="0000FF"/>
+                </a:solidFill>
+                <a:latin typeface="Consolas" panose="020B0609020204030204" pitchFamily="49" charset="0"/>
+                <a:ea typeface="Times New Roman" panose="02020603050405020304" pitchFamily="18" charset="0"/>
+                <a:cs typeface="Times New Roman" panose="02020603050405020304" pitchFamily="18" charset="0"/>
+              </a:rPr>
+              <a:t>this</a:t>
+            </a:r>
+            <a:r>
+              <a:rPr lang="en-US" dirty="0" err="1">
+                <a:solidFill>
+                  <a:srgbClr val="000000"/>
+                </a:solidFill>
+                <a:latin typeface="Consolas" panose="020B0609020204030204" pitchFamily="49" charset="0"/>
+                <a:ea typeface="Times New Roman" panose="02020603050405020304" pitchFamily="18" charset="0"/>
+                <a:cs typeface="Times New Roman" panose="02020603050405020304" pitchFamily="18" charset="0"/>
+              </a:rPr>
+              <a:t>.value</a:t>
+            </a:r>
+            <a:r>
+              <a:rPr lang="en-US" dirty="0">
+                <a:solidFill>
+                  <a:srgbClr val="000000"/>
+                </a:solidFill>
+                <a:latin typeface="Consolas" panose="020B0609020204030204" pitchFamily="49" charset="0"/>
+                <a:ea typeface="Times New Roman" panose="02020603050405020304" pitchFamily="18" charset="0"/>
+                <a:cs typeface="Times New Roman" panose="02020603050405020304" pitchFamily="18" charset="0"/>
+              </a:rPr>
+              <a:t> = value;</a:t>
+            </a:r>
+            <a:endParaRPr lang="en-US" sz="2400" dirty="0">
+              <a:latin typeface="Calibri" panose="020F0502020204030204" pitchFamily="34" charset="0"/>
+              <a:ea typeface="Calibri" panose="020F0502020204030204" pitchFamily="34" charset="0"/>
+              <a:cs typeface="Times New Roman" panose="02020603050405020304" pitchFamily="18" charset="0"/>
+            </a:endParaRPr>
+          </a:p>
+          <a:p>
+            <a:pPr>
+              <a:lnSpc>
+                <a:spcPct val="107000"/>
+              </a:lnSpc>
+              <a:tabLst>
+                <a:tab pos="581660" algn="l"/>
+                <a:tab pos="1163320" algn="l"/>
+                <a:tab pos="1744980" algn="l"/>
+                <a:tab pos="2326640" algn="l"/>
+                <a:tab pos="2908300" algn="l"/>
+                <a:tab pos="3489960" algn="l"/>
+                <a:tab pos="4071620" algn="l"/>
+                <a:tab pos="4653280" algn="l"/>
+                <a:tab pos="5234940" algn="l"/>
+                <a:tab pos="5816600" algn="l"/>
+                <a:tab pos="6398260" algn="l"/>
+                <a:tab pos="6979920" algn="l"/>
+                <a:tab pos="7561580" algn="l"/>
+                <a:tab pos="8143240" algn="l"/>
+                <a:tab pos="8724900" algn="l"/>
+                <a:tab pos="9306560" algn="l"/>
+              </a:tabLst>
+            </a:pPr>
+            <a:r>
+              <a:rPr lang="en-US" dirty="0">
+                <a:solidFill>
+                  <a:srgbClr val="000000"/>
+                </a:solidFill>
+                <a:latin typeface="Consolas" panose="020B0609020204030204" pitchFamily="49" charset="0"/>
+                <a:ea typeface="Times New Roman" panose="02020603050405020304" pitchFamily="18" charset="0"/>
+                <a:cs typeface="Times New Roman" panose="02020603050405020304" pitchFamily="18" charset="0"/>
+              </a:rPr>
+              <a:t>    }</a:t>
+            </a:r>
+            <a:endParaRPr lang="en-US" sz="2400" dirty="0">
+              <a:latin typeface="Calibri" panose="020F0502020204030204" pitchFamily="34" charset="0"/>
+              <a:ea typeface="Calibri" panose="020F0502020204030204" pitchFamily="34" charset="0"/>
+              <a:cs typeface="Times New Roman" panose="02020603050405020304" pitchFamily="18" charset="0"/>
+            </a:endParaRPr>
+          </a:p>
+          <a:p>
+            <a:pPr>
+              <a:lnSpc>
+                <a:spcPct val="107000"/>
+              </a:lnSpc>
+              <a:tabLst>
+                <a:tab pos="581660" algn="l"/>
+                <a:tab pos="1163320" algn="l"/>
+                <a:tab pos="1744980" algn="l"/>
+                <a:tab pos="2326640" algn="l"/>
+                <a:tab pos="2908300" algn="l"/>
+                <a:tab pos="3489960" algn="l"/>
+                <a:tab pos="4071620" algn="l"/>
+                <a:tab pos="4653280" algn="l"/>
+                <a:tab pos="5234940" algn="l"/>
+                <a:tab pos="5816600" algn="l"/>
+                <a:tab pos="6398260" algn="l"/>
+                <a:tab pos="6979920" algn="l"/>
+                <a:tab pos="7561580" algn="l"/>
+                <a:tab pos="8143240" algn="l"/>
+                <a:tab pos="8724900" algn="l"/>
+                <a:tab pos="9306560" algn="l"/>
+              </a:tabLst>
+            </a:pPr>
+            <a:r>
+              <a:rPr lang="en-US" dirty="0">
+                <a:solidFill>
+                  <a:srgbClr val="000000"/>
+                </a:solidFill>
+                <a:latin typeface="Consolas" panose="020B0609020204030204" pitchFamily="49" charset="0"/>
+                <a:ea typeface="Times New Roman" panose="02020603050405020304" pitchFamily="18" charset="0"/>
+                <a:cs typeface="Times New Roman" panose="02020603050405020304" pitchFamily="18" charset="0"/>
+              </a:rPr>
+              <a:t> </a:t>
+            </a:r>
+            <a:endParaRPr lang="en-US" sz="2400" dirty="0">
+              <a:latin typeface="Calibri" panose="020F0502020204030204" pitchFamily="34" charset="0"/>
+              <a:ea typeface="Calibri" panose="020F0502020204030204" pitchFamily="34" charset="0"/>
+              <a:cs typeface="Times New Roman" panose="02020603050405020304" pitchFamily="18" charset="0"/>
+            </a:endParaRPr>
+          </a:p>
+          <a:p>
+            <a:pPr>
+              <a:lnSpc>
+                <a:spcPct val="107000"/>
+              </a:lnSpc>
+              <a:tabLst>
+                <a:tab pos="581660" algn="l"/>
+                <a:tab pos="1163320" algn="l"/>
+                <a:tab pos="1744980" algn="l"/>
+                <a:tab pos="2326640" algn="l"/>
+                <a:tab pos="2908300" algn="l"/>
+                <a:tab pos="3489960" algn="l"/>
+                <a:tab pos="4071620" algn="l"/>
+                <a:tab pos="4653280" algn="l"/>
+                <a:tab pos="5234940" algn="l"/>
+                <a:tab pos="5816600" algn="l"/>
+                <a:tab pos="6398260" algn="l"/>
+                <a:tab pos="6979920" algn="l"/>
+                <a:tab pos="7561580" algn="l"/>
+                <a:tab pos="8143240" algn="l"/>
+                <a:tab pos="8724900" algn="l"/>
+                <a:tab pos="9306560" algn="l"/>
+              </a:tabLst>
+            </a:pPr>
+            <a:r>
+              <a:rPr lang="en-US" dirty="0">
+                <a:solidFill>
+                  <a:srgbClr val="000000"/>
+                </a:solidFill>
+                <a:latin typeface="Consolas" panose="020B0609020204030204" pitchFamily="49" charset="0"/>
+                <a:ea typeface="Times New Roman" panose="02020603050405020304" pitchFamily="18" charset="0"/>
+                <a:cs typeface="Times New Roman" panose="02020603050405020304" pitchFamily="18" charset="0"/>
+              </a:rPr>
+              <a:t>    </a:t>
+            </a:r>
+            <a:r>
+              <a:rPr lang="en-US" dirty="0" err="1">
+                <a:solidFill>
+                  <a:srgbClr val="000000"/>
+                </a:solidFill>
+                <a:latin typeface="Consolas" panose="020B0609020204030204" pitchFamily="49" charset="0"/>
+                <a:ea typeface="Times New Roman" panose="02020603050405020304" pitchFamily="18" charset="0"/>
+                <a:cs typeface="Times New Roman" panose="02020603050405020304" pitchFamily="18" charset="0"/>
+              </a:rPr>
+              <a:t>getValue</a:t>
+            </a:r>
+            <a:r>
+              <a:rPr lang="en-US" dirty="0">
+                <a:solidFill>
+                  <a:srgbClr val="000000"/>
+                </a:solidFill>
+                <a:latin typeface="Consolas" panose="020B0609020204030204" pitchFamily="49" charset="0"/>
+                <a:ea typeface="Times New Roman" panose="02020603050405020304" pitchFamily="18" charset="0"/>
+                <a:cs typeface="Times New Roman" panose="02020603050405020304" pitchFamily="18" charset="0"/>
+              </a:rPr>
+              <a:t>(): </a:t>
+            </a:r>
+            <a:r>
+              <a:rPr lang="en-US" dirty="0">
+                <a:solidFill>
+                  <a:srgbClr val="0000FF"/>
+                </a:solidFill>
+                <a:latin typeface="Consolas" panose="020B0609020204030204" pitchFamily="49" charset="0"/>
+                <a:ea typeface="Times New Roman" panose="02020603050405020304" pitchFamily="18" charset="0"/>
+                <a:cs typeface="Times New Roman" panose="02020603050405020304" pitchFamily="18" charset="0"/>
+              </a:rPr>
+              <a:t>string</a:t>
+            </a:r>
+            <a:r>
+              <a:rPr lang="en-US" dirty="0">
+                <a:solidFill>
+                  <a:srgbClr val="000000"/>
+                </a:solidFill>
+                <a:latin typeface="Consolas" panose="020B0609020204030204" pitchFamily="49" charset="0"/>
+                <a:ea typeface="Times New Roman" panose="02020603050405020304" pitchFamily="18" charset="0"/>
+                <a:cs typeface="Times New Roman" panose="02020603050405020304" pitchFamily="18" charset="0"/>
+              </a:rPr>
+              <a:t> { </a:t>
+            </a:r>
+            <a:r>
+              <a:rPr lang="en-US" dirty="0">
+                <a:solidFill>
+                  <a:srgbClr val="0000FF"/>
+                </a:solidFill>
+                <a:latin typeface="Consolas" panose="020B0609020204030204" pitchFamily="49" charset="0"/>
+                <a:ea typeface="Times New Roman" panose="02020603050405020304" pitchFamily="18" charset="0"/>
+                <a:cs typeface="Times New Roman" panose="02020603050405020304" pitchFamily="18" charset="0"/>
+              </a:rPr>
+              <a:t>return</a:t>
+            </a:r>
+            <a:r>
+              <a:rPr lang="en-US" dirty="0">
+                <a:solidFill>
+                  <a:srgbClr val="000000"/>
+                </a:solidFill>
+                <a:latin typeface="Consolas" panose="020B0609020204030204" pitchFamily="49" charset="0"/>
+                <a:ea typeface="Times New Roman" panose="02020603050405020304" pitchFamily="18" charset="0"/>
+                <a:cs typeface="Times New Roman" panose="02020603050405020304" pitchFamily="18" charset="0"/>
+              </a:rPr>
+              <a:t> </a:t>
+            </a:r>
+            <a:r>
+              <a:rPr lang="en-US" dirty="0" err="1">
+                <a:solidFill>
+                  <a:srgbClr val="0000FF"/>
+                </a:solidFill>
+                <a:latin typeface="Consolas" panose="020B0609020204030204" pitchFamily="49" charset="0"/>
+                <a:ea typeface="Times New Roman" panose="02020603050405020304" pitchFamily="18" charset="0"/>
+                <a:cs typeface="Times New Roman" panose="02020603050405020304" pitchFamily="18" charset="0"/>
+              </a:rPr>
+              <a:t>this</a:t>
+            </a:r>
+            <a:r>
+              <a:rPr lang="en-US" dirty="0" err="1">
+                <a:solidFill>
+                  <a:srgbClr val="000000"/>
+                </a:solidFill>
+                <a:latin typeface="Consolas" panose="020B0609020204030204" pitchFamily="49" charset="0"/>
+                <a:ea typeface="Times New Roman" panose="02020603050405020304" pitchFamily="18" charset="0"/>
+                <a:cs typeface="Times New Roman" panose="02020603050405020304" pitchFamily="18" charset="0"/>
+              </a:rPr>
+              <a:t>.value</a:t>
+            </a:r>
+            <a:r>
+              <a:rPr lang="en-US" dirty="0">
+                <a:solidFill>
+                  <a:srgbClr val="000000"/>
+                </a:solidFill>
+                <a:latin typeface="Consolas" panose="020B0609020204030204" pitchFamily="49" charset="0"/>
+                <a:ea typeface="Times New Roman" panose="02020603050405020304" pitchFamily="18" charset="0"/>
+                <a:cs typeface="Times New Roman" panose="02020603050405020304" pitchFamily="18" charset="0"/>
+              </a:rPr>
+              <a:t>; }</a:t>
+            </a:r>
+            <a:endParaRPr lang="en-US" sz="2400" dirty="0">
+              <a:latin typeface="Calibri" panose="020F0502020204030204" pitchFamily="34" charset="0"/>
+              <a:ea typeface="Calibri" panose="020F0502020204030204" pitchFamily="34" charset="0"/>
+              <a:cs typeface="Times New Roman" panose="02020603050405020304" pitchFamily="18" charset="0"/>
+            </a:endParaRPr>
+          </a:p>
+          <a:p>
+            <a:pPr>
+              <a:lnSpc>
+                <a:spcPct val="107000"/>
+              </a:lnSpc>
+              <a:tabLst>
+                <a:tab pos="581660" algn="l"/>
+                <a:tab pos="1163320" algn="l"/>
+                <a:tab pos="1744980" algn="l"/>
+                <a:tab pos="2326640" algn="l"/>
+                <a:tab pos="2908300" algn="l"/>
+                <a:tab pos="3489960" algn="l"/>
+                <a:tab pos="4071620" algn="l"/>
+                <a:tab pos="4653280" algn="l"/>
+                <a:tab pos="5234940" algn="l"/>
+                <a:tab pos="5816600" algn="l"/>
+                <a:tab pos="6398260" algn="l"/>
+                <a:tab pos="6979920" algn="l"/>
+                <a:tab pos="7561580" algn="l"/>
+                <a:tab pos="8143240" algn="l"/>
+                <a:tab pos="8724900" algn="l"/>
+                <a:tab pos="9306560" algn="l"/>
+              </a:tabLst>
+            </a:pPr>
+            <a:r>
+              <a:rPr lang="en-US" dirty="0">
+                <a:solidFill>
+                  <a:srgbClr val="000000"/>
+                </a:solidFill>
+                <a:latin typeface="Consolas" panose="020B0609020204030204" pitchFamily="49" charset="0"/>
+                <a:ea typeface="Times New Roman" panose="02020603050405020304" pitchFamily="18" charset="0"/>
+                <a:cs typeface="Times New Roman" panose="02020603050405020304" pitchFamily="18" charset="0"/>
+              </a:rPr>
+              <a:t>}</a:t>
+            </a:r>
+            <a:endParaRPr lang="en-US" sz="2400" dirty="0">
+              <a:latin typeface="Calibri" panose="020F0502020204030204" pitchFamily="34" charset="0"/>
+              <a:ea typeface="Calibri" panose="020F0502020204030204" pitchFamily="34" charset="0"/>
+              <a:cs typeface="Times New Roman" panose="02020603050405020304" pitchFamily="18" charset="0"/>
+            </a:endParaRPr>
+          </a:p>
+          <a:p>
+            <a:pPr>
+              <a:lnSpc>
+                <a:spcPct val="107000"/>
+              </a:lnSpc>
+              <a:tabLst>
+                <a:tab pos="581660" algn="l"/>
+                <a:tab pos="1163320" algn="l"/>
+                <a:tab pos="1744980" algn="l"/>
+                <a:tab pos="2326640" algn="l"/>
+                <a:tab pos="2908300" algn="l"/>
+                <a:tab pos="3489960" algn="l"/>
+                <a:tab pos="4071620" algn="l"/>
+                <a:tab pos="4653280" algn="l"/>
+                <a:tab pos="5234940" algn="l"/>
+                <a:tab pos="5816600" algn="l"/>
+                <a:tab pos="6398260" algn="l"/>
+                <a:tab pos="6979920" algn="l"/>
+                <a:tab pos="7561580" algn="l"/>
+                <a:tab pos="8143240" algn="l"/>
+                <a:tab pos="8724900" algn="l"/>
+                <a:tab pos="9306560" algn="l"/>
+              </a:tabLst>
+            </a:pPr>
+            <a:r>
+              <a:rPr lang="en-US" dirty="0">
+                <a:solidFill>
+                  <a:srgbClr val="000000"/>
+                </a:solidFill>
+                <a:latin typeface="Consolas" panose="020B0609020204030204" pitchFamily="49" charset="0"/>
+                <a:ea typeface="Times New Roman" panose="02020603050405020304" pitchFamily="18" charset="0"/>
+                <a:cs typeface="Times New Roman" panose="02020603050405020304" pitchFamily="18" charset="0"/>
+              </a:rPr>
+              <a:t> </a:t>
+            </a:r>
+            <a:endParaRPr lang="en-US" sz="2400" dirty="0">
+              <a:latin typeface="Calibri" panose="020F0502020204030204" pitchFamily="34" charset="0"/>
+              <a:ea typeface="Calibri" panose="020F0502020204030204" pitchFamily="34" charset="0"/>
+              <a:cs typeface="Times New Roman" panose="02020603050405020304" pitchFamily="18" charset="0"/>
+            </a:endParaRPr>
+          </a:p>
+          <a:p>
+            <a:pPr>
+              <a:lnSpc>
+                <a:spcPct val="107000"/>
+              </a:lnSpc>
+              <a:tabLst>
+                <a:tab pos="581660" algn="l"/>
+                <a:tab pos="1163320" algn="l"/>
+                <a:tab pos="1744980" algn="l"/>
+                <a:tab pos="2326640" algn="l"/>
+                <a:tab pos="2908300" algn="l"/>
+                <a:tab pos="3489960" algn="l"/>
+                <a:tab pos="4071620" algn="l"/>
+                <a:tab pos="4653280" algn="l"/>
+                <a:tab pos="5234940" algn="l"/>
+                <a:tab pos="5816600" algn="l"/>
+                <a:tab pos="6398260" algn="l"/>
+                <a:tab pos="6979920" algn="l"/>
+                <a:tab pos="7561580" algn="l"/>
+                <a:tab pos="8143240" algn="l"/>
+                <a:tab pos="8724900" algn="l"/>
+                <a:tab pos="9306560" algn="l"/>
+              </a:tabLst>
+            </a:pPr>
+            <a:r>
+              <a:rPr lang="en-US" dirty="0">
+                <a:solidFill>
+                  <a:srgbClr val="0000FF"/>
+                </a:solidFill>
+                <a:latin typeface="Consolas" panose="020B0609020204030204" pitchFamily="49" charset="0"/>
+                <a:ea typeface="Times New Roman" panose="02020603050405020304" pitchFamily="18" charset="0"/>
+                <a:cs typeface="Times New Roman" panose="02020603050405020304" pitchFamily="18" charset="0"/>
+              </a:rPr>
+              <a:t>class</a:t>
+            </a:r>
+            <a:r>
+              <a:rPr lang="en-US" dirty="0">
+                <a:solidFill>
+                  <a:srgbClr val="000000"/>
+                </a:solidFill>
+                <a:latin typeface="Consolas" panose="020B0609020204030204" pitchFamily="49" charset="0"/>
+                <a:ea typeface="Times New Roman" panose="02020603050405020304" pitchFamily="18" charset="0"/>
+                <a:cs typeface="Times New Roman" panose="02020603050405020304" pitchFamily="18" charset="0"/>
+              </a:rPr>
+              <a:t> </a:t>
+            </a:r>
+            <a:r>
+              <a:rPr lang="en-US" dirty="0" err="1">
+                <a:solidFill>
+                  <a:srgbClr val="000000"/>
+                </a:solidFill>
+                <a:latin typeface="Consolas" panose="020B0609020204030204" pitchFamily="49" charset="0"/>
+                <a:ea typeface="Times New Roman" panose="02020603050405020304" pitchFamily="18" charset="0"/>
+                <a:cs typeface="Times New Roman" panose="02020603050405020304" pitchFamily="18" charset="0"/>
+              </a:rPr>
+              <a:t>DerivedClass</a:t>
+            </a:r>
+            <a:r>
+              <a:rPr lang="en-US" dirty="0">
+                <a:solidFill>
+                  <a:srgbClr val="000000"/>
+                </a:solidFill>
+                <a:latin typeface="Consolas" panose="020B0609020204030204" pitchFamily="49" charset="0"/>
+                <a:ea typeface="Times New Roman" panose="02020603050405020304" pitchFamily="18" charset="0"/>
+                <a:cs typeface="Times New Roman" panose="02020603050405020304" pitchFamily="18" charset="0"/>
+              </a:rPr>
+              <a:t> </a:t>
+            </a:r>
+            <a:r>
+              <a:rPr lang="en-US" dirty="0">
+                <a:solidFill>
+                  <a:srgbClr val="0000FF"/>
+                </a:solidFill>
+                <a:latin typeface="Consolas" panose="020B0609020204030204" pitchFamily="49" charset="0"/>
+                <a:ea typeface="Times New Roman" panose="02020603050405020304" pitchFamily="18" charset="0"/>
+                <a:cs typeface="Times New Roman" panose="02020603050405020304" pitchFamily="18" charset="0"/>
+              </a:rPr>
+              <a:t>extends</a:t>
+            </a:r>
+            <a:r>
+              <a:rPr lang="en-US" dirty="0">
+                <a:solidFill>
+                  <a:srgbClr val="000000"/>
+                </a:solidFill>
+                <a:latin typeface="Consolas" panose="020B0609020204030204" pitchFamily="49" charset="0"/>
+                <a:ea typeface="Times New Roman" panose="02020603050405020304" pitchFamily="18" charset="0"/>
+                <a:cs typeface="Times New Roman" panose="02020603050405020304" pitchFamily="18" charset="0"/>
+              </a:rPr>
+              <a:t> </a:t>
+            </a:r>
+            <a:r>
+              <a:rPr lang="en-US" dirty="0" err="1">
+                <a:solidFill>
+                  <a:srgbClr val="000000"/>
+                </a:solidFill>
+                <a:latin typeface="Consolas" panose="020B0609020204030204" pitchFamily="49" charset="0"/>
+                <a:ea typeface="Times New Roman" panose="02020603050405020304" pitchFamily="18" charset="0"/>
+                <a:cs typeface="Times New Roman" panose="02020603050405020304" pitchFamily="18" charset="0"/>
+              </a:rPr>
+              <a:t>BaseClass</a:t>
+            </a:r>
+            <a:r>
+              <a:rPr lang="en-US" dirty="0">
+                <a:solidFill>
+                  <a:srgbClr val="000000"/>
+                </a:solidFill>
+                <a:latin typeface="Consolas" panose="020B0609020204030204" pitchFamily="49" charset="0"/>
+                <a:ea typeface="Times New Roman" panose="02020603050405020304" pitchFamily="18" charset="0"/>
+                <a:cs typeface="Times New Roman" panose="02020603050405020304" pitchFamily="18" charset="0"/>
+              </a:rPr>
+              <a:t> {</a:t>
+            </a:r>
+            <a:endParaRPr lang="en-US" sz="2400" dirty="0">
+              <a:latin typeface="Calibri" panose="020F0502020204030204" pitchFamily="34" charset="0"/>
+              <a:ea typeface="Calibri" panose="020F0502020204030204" pitchFamily="34" charset="0"/>
+              <a:cs typeface="Times New Roman" panose="02020603050405020304" pitchFamily="18" charset="0"/>
+            </a:endParaRPr>
+          </a:p>
+          <a:p>
+            <a:pPr>
+              <a:lnSpc>
+                <a:spcPct val="107000"/>
+              </a:lnSpc>
+              <a:tabLst>
+                <a:tab pos="581660" algn="l"/>
+                <a:tab pos="1163320" algn="l"/>
+                <a:tab pos="1744980" algn="l"/>
+                <a:tab pos="2326640" algn="l"/>
+                <a:tab pos="2908300" algn="l"/>
+                <a:tab pos="3489960" algn="l"/>
+                <a:tab pos="4071620" algn="l"/>
+                <a:tab pos="4653280" algn="l"/>
+                <a:tab pos="5234940" algn="l"/>
+                <a:tab pos="5816600" algn="l"/>
+                <a:tab pos="6398260" algn="l"/>
+                <a:tab pos="6979920" algn="l"/>
+                <a:tab pos="7561580" algn="l"/>
+                <a:tab pos="8143240" algn="l"/>
+                <a:tab pos="8724900" algn="l"/>
+                <a:tab pos="9306560" algn="l"/>
+              </a:tabLst>
+            </a:pPr>
+            <a:r>
+              <a:rPr lang="en-US" dirty="0">
+                <a:solidFill>
+                  <a:srgbClr val="000000"/>
+                </a:solidFill>
+                <a:latin typeface="Consolas" panose="020B0609020204030204" pitchFamily="49" charset="0"/>
+                <a:ea typeface="Times New Roman" panose="02020603050405020304" pitchFamily="18" charset="0"/>
+                <a:cs typeface="Times New Roman" panose="02020603050405020304" pitchFamily="18" charset="0"/>
+              </a:rPr>
+              <a:t>    </a:t>
+            </a:r>
+            <a:r>
+              <a:rPr lang="en-US" dirty="0">
+                <a:solidFill>
+                  <a:srgbClr val="0000FF"/>
+                </a:solidFill>
+                <a:latin typeface="Consolas" panose="020B0609020204030204" pitchFamily="49" charset="0"/>
+                <a:ea typeface="Times New Roman" panose="02020603050405020304" pitchFamily="18" charset="0"/>
+                <a:cs typeface="Times New Roman" panose="02020603050405020304" pitchFamily="18" charset="0"/>
+              </a:rPr>
+              <a:t>constructor</a:t>
+            </a:r>
+            <a:r>
+              <a:rPr lang="en-US" dirty="0">
+                <a:solidFill>
+                  <a:srgbClr val="000000"/>
+                </a:solidFill>
+                <a:latin typeface="Consolas" panose="020B0609020204030204" pitchFamily="49" charset="0"/>
+                <a:ea typeface="Times New Roman" panose="02020603050405020304" pitchFamily="18" charset="0"/>
+                <a:cs typeface="Times New Roman" panose="02020603050405020304" pitchFamily="18" charset="0"/>
+              </a:rPr>
+              <a:t>(value: </a:t>
+            </a:r>
+            <a:r>
+              <a:rPr lang="en-US" dirty="0">
+                <a:solidFill>
+                  <a:srgbClr val="0000FF"/>
+                </a:solidFill>
+                <a:latin typeface="Consolas" panose="020B0609020204030204" pitchFamily="49" charset="0"/>
+                <a:ea typeface="Times New Roman" panose="02020603050405020304" pitchFamily="18" charset="0"/>
+                <a:cs typeface="Times New Roman" panose="02020603050405020304" pitchFamily="18" charset="0"/>
+              </a:rPr>
+              <a:t>string</a:t>
+            </a:r>
+            <a:r>
+              <a:rPr lang="en-US" dirty="0">
+                <a:solidFill>
+                  <a:srgbClr val="000000"/>
+                </a:solidFill>
+                <a:latin typeface="Consolas" panose="020B0609020204030204" pitchFamily="49" charset="0"/>
+                <a:ea typeface="Times New Roman" panose="02020603050405020304" pitchFamily="18" charset="0"/>
+                <a:cs typeface="Times New Roman" panose="02020603050405020304" pitchFamily="18" charset="0"/>
+              </a:rPr>
+              <a:t>) {</a:t>
+            </a:r>
+            <a:endParaRPr lang="en-US" sz="2400" dirty="0">
+              <a:latin typeface="Calibri" panose="020F0502020204030204" pitchFamily="34" charset="0"/>
+              <a:ea typeface="Calibri" panose="020F0502020204030204" pitchFamily="34" charset="0"/>
+              <a:cs typeface="Times New Roman" panose="02020603050405020304" pitchFamily="18" charset="0"/>
+            </a:endParaRPr>
+          </a:p>
+          <a:p>
+            <a:pPr>
+              <a:lnSpc>
+                <a:spcPct val="107000"/>
+              </a:lnSpc>
+              <a:tabLst>
+                <a:tab pos="581660" algn="l"/>
+                <a:tab pos="1163320" algn="l"/>
+                <a:tab pos="1744980" algn="l"/>
+                <a:tab pos="2326640" algn="l"/>
+                <a:tab pos="2908300" algn="l"/>
+                <a:tab pos="3489960" algn="l"/>
+                <a:tab pos="4071620" algn="l"/>
+                <a:tab pos="4653280" algn="l"/>
+                <a:tab pos="5234940" algn="l"/>
+                <a:tab pos="5816600" algn="l"/>
+                <a:tab pos="6398260" algn="l"/>
+                <a:tab pos="6979920" algn="l"/>
+                <a:tab pos="7561580" algn="l"/>
+                <a:tab pos="8143240" algn="l"/>
+                <a:tab pos="8724900" algn="l"/>
+                <a:tab pos="9306560" algn="l"/>
+              </a:tabLst>
+            </a:pPr>
+            <a:r>
+              <a:rPr lang="en-US" dirty="0">
+                <a:solidFill>
+                  <a:srgbClr val="000000"/>
+                </a:solidFill>
+                <a:latin typeface="Consolas" panose="020B0609020204030204" pitchFamily="49" charset="0"/>
+                <a:ea typeface="Times New Roman" panose="02020603050405020304" pitchFamily="18" charset="0"/>
+                <a:cs typeface="Times New Roman" panose="02020603050405020304" pitchFamily="18" charset="0"/>
+              </a:rPr>
+              <a:t>        </a:t>
+            </a:r>
+            <a:r>
+              <a:rPr lang="en-US" dirty="0">
+                <a:solidFill>
+                  <a:srgbClr val="0000FF"/>
+                </a:solidFill>
+                <a:latin typeface="Consolas" panose="020B0609020204030204" pitchFamily="49" charset="0"/>
+                <a:ea typeface="Times New Roman" panose="02020603050405020304" pitchFamily="18" charset="0"/>
+                <a:cs typeface="Times New Roman" panose="02020603050405020304" pitchFamily="18" charset="0"/>
+              </a:rPr>
+              <a:t>super</a:t>
+            </a:r>
+            <a:r>
+              <a:rPr lang="en-US" dirty="0">
+                <a:solidFill>
+                  <a:srgbClr val="000000"/>
+                </a:solidFill>
+                <a:latin typeface="Consolas" panose="020B0609020204030204" pitchFamily="49" charset="0"/>
+                <a:ea typeface="Times New Roman" panose="02020603050405020304" pitchFamily="18" charset="0"/>
+                <a:cs typeface="Times New Roman" panose="02020603050405020304" pitchFamily="18" charset="0"/>
+              </a:rPr>
+              <a:t>(value);</a:t>
+            </a:r>
+            <a:endParaRPr lang="en-US" sz="2400" dirty="0">
+              <a:latin typeface="Calibri" panose="020F0502020204030204" pitchFamily="34" charset="0"/>
+              <a:ea typeface="Calibri" panose="020F0502020204030204" pitchFamily="34" charset="0"/>
+              <a:cs typeface="Times New Roman" panose="02020603050405020304" pitchFamily="18" charset="0"/>
+            </a:endParaRPr>
+          </a:p>
+          <a:p>
+            <a:pPr>
+              <a:lnSpc>
+                <a:spcPct val="107000"/>
+              </a:lnSpc>
+              <a:tabLst>
+                <a:tab pos="581660" algn="l"/>
+                <a:tab pos="1163320" algn="l"/>
+                <a:tab pos="1744980" algn="l"/>
+                <a:tab pos="2326640" algn="l"/>
+                <a:tab pos="2908300" algn="l"/>
+                <a:tab pos="3489960" algn="l"/>
+                <a:tab pos="4071620" algn="l"/>
+                <a:tab pos="4653280" algn="l"/>
+                <a:tab pos="5234940" algn="l"/>
+                <a:tab pos="5816600" algn="l"/>
+                <a:tab pos="6398260" algn="l"/>
+                <a:tab pos="6979920" algn="l"/>
+                <a:tab pos="7561580" algn="l"/>
+                <a:tab pos="8143240" algn="l"/>
+                <a:tab pos="8724900" algn="l"/>
+                <a:tab pos="9306560" algn="l"/>
+              </a:tabLst>
+            </a:pPr>
+            <a:r>
+              <a:rPr lang="en-US" dirty="0">
+                <a:solidFill>
+                  <a:srgbClr val="000000"/>
+                </a:solidFill>
+                <a:latin typeface="Consolas" panose="020B0609020204030204" pitchFamily="49" charset="0"/>
+                <a:ea typeface="Times New Roman" panose="02020603050405020304" pitchFamily="18" charset="0"/>
+                <a:cs typeface="Times New Roman" panose="02020603050405020304" pitchFamily="18" charset="0"/>
+              </a:rPr>
+              <a:t>    }</a:t>
+            </a:r>
+            <a:endParaRPr lang="en-US" sz="2400" dirty="0">
+              <a:latin typeface="Calibri" panose="020F0502020204030204" pitchFamily="34" charset="0"/>
+              <a:ea typeface="Calibri" panose="020F0502020204030204" pitchFamily="34" charset="0"/>
+              <a:cs typeface="Times New Roman" panose="02020603050405020304" pitchFamily="18" charset="0"/>
+            </a:endParaRPr>
+          </a:p>
+          <a:p>
+            <a:pPr>
+              <a:lnSpc>
+                <a:spcPct val="107000"/>
+              </a:lnSpc>
+              <a:tabLst>
+                <a:tab pos="581660" algn="l"/>
+                <a:tab pos="1163320" algn="l"/>
+                <a:tab pos="1744980" algn="l"/>
+                <a:tab pos="2326640" algn="l"/>
+                <a:tab pos="2908300" algn="l"/>
+                <a:tab pos="3489960" algn="l"/>
+                <a:tab pos="4071620" algn="l"/>
+                <a:tab pos="4653280" algn="l"/>
+                <a:tab pos="5234940" algn="l"/>
+                <a:tab pos="5816600" algn="l"/>
+                <a:tab pos="6398260" algn="l"/>
+                <a:tab pos="6979920" algn="l"/>
+                <a:tab pos="7561580" algn="l"/>
+                <a:tab pos="8143240" algn="l"/>
+                <a:tab pos="8724900" algn="l"/>
+                <a:tab pos="9306560" algn="l"/>
+              </a:tabLst>
+            </a:pPr>
+            <a:r>
+              <a:rPr lang="en-US" dirty="0">
+                <a:solidFill>
+                  <a:srgbClr val="000000"/>
+                </a:solidFill>
+                <a:latin typeface="Consolas" panose="020B0609020204030204" pitchFamily="49" charset="0"/>
+                <a:ea typeface="Times New Roman" panose="02020603050405020304" pitchFamily="18" charset="0"/>
+                <a:cs typeface="Times New Roman" panose="02020603050405020304" pitchFamily="18" charset="0"/>
+              </a:rPr>
+              <a:t> </a:t>
+            </a:r>
+            <a:endParaRPr lang="en-US" sz="2400" dirty="0">
+              <a:latin typeface="Calibri" panose="020F0502020204030204" pitchFamily="34" charset="0"/>
+              <a:ea typeface="Calibri" panose="020F0502020204030204" pitchFamily="34" charset="0"/>
+              <a:cs typeface="Times New Roman" panose="02020603050405020304" pitchFamily="18" charset="0"/>
+            </a:endParaRPr>
+          </a:p>
+          <a:p>
+            <a:pPr>
+              <a:lnSpc>
+                <a:spcPct val="107000"/>
+              </a:lnSpc>
+              <a:tabLst>
+                <a:tab pos="581660" algn="l"/>
+                <a:tab pos="1163320" algn="l"/>
+                <a:tab pos="1744980" algn="l"/>
+                <a:tab pos="2326640" algn="l"/>
+                <a:tab pos="2908300" algn="l"/>
+                <a:tab pos="3489960" algn="l"/>
+                <a:tab pos="4071620" algn="l"/>
+                <a:tab pos="4653280" algn="l"/>
+                <a:tab pos="5234940" algn="l"/>
+                <a:tab pos="5816600" algn="l"/>
+                <a:tab pos="6398260" algn="l"/>
+                <a:tab pos="6979920" algn="l"/>
+                <a:tab pos="7561580" algn="l"/>
+                <a:tab pos="8143240" algn="l"/>
+                <a:tab pos="8724900" algn="l"/>
+                <a:tab pos="9306560" algn="l"/>
+              </a:tabLst>
+            </a:pPr>
+            <a:r>
+              <a:rPr lang="en-US" dirty="0">
+                <a:solidFill>
+                  <a:srgbClr val="000000"/>
+                </a:solidFill>
+                <a:latin typeface="Consolas" panose="020B0609020204030204" pitchFamily="49" charset="0"/>
+                <a:ea typeface="Times New Roman" panose="02020603050405020304" pitchFamily="18" charset="0"/>
+                <a:cs typeface="Times New Roman" panose="02020603050405020304" pitchFamily="18" charset="0"/>
+              </a:rPr>
+              <a:t>    </a:t>
+            </a:r>
+            <a:r>
+              <a:rPr lang="en-US" dirty="0" err="1">
+                <a:solidFill>
+                  <a:srgbClr val="000000"/>
+                </a:solidFill>
+                <a:latin typeface="Consolas" panose="020B0609020204030204" pitchFamily="49" charset="0"/>
+                <a:ea typeface="Times New Roman" panose="02020603050405020304" pitchFamily="18" charset="0"/>
+                <a:cs typeface="Times New Roman" panose="02020603050405020304" pitchFamily="18" charset="0"/>
+              </a:rPr>
+              <a:t>getValue</a:t>
+            </a:r>
+            <a:r>
+              <a:rPr lang="en-US" dirty="0">
+                <a:solidFill>
+                  <a:srgbClr val="000000"/>
+                </a:solidFill>
+                <a:latin typeface="Consolas" panose="020B0609020204030204" pitchFamily="49" charset="0"/>
+                <a:ea typeface="Times New Roman" panose="02020603050405020304" pitchFamily="18" charset="0"/>
+                <a:cs typeface="Times New Roman" panose="02020603050405020304" pitchFamily="18" charset="0"/>
+              </a:rPr>
+              <a:t>(): </a:t>
+            </a:r>
+            <a:r>
+              <a:rPr lang="en-US" dirty="0">
+                <a:solidFill>
+                  <a:srgbClr val="0000FF"/>
+                </a:solidFill>
+                <a:latin typeface="Consolas" panose="020B0609020204030204" pitchFamily="49" charset="0"/>
+                <a:ea typeface="Times New Roman" panose="02020603050405020304" pitchFamily="18" charset="0"/>
+                <a:cs typeface="Times New Roman" panose="02020603050405020304" pitchFamily="18" charset="0"/>
+              </a:rPr>
+              <a:t>string</a:t>
+            </a:r>
+            <a:r>
+              <a:rPr lang="en-US" dirty="0">
+                <a:solidFill>
+                  <a:srgbClr val="000000"/>
+                </a:solidFill>
+                <a:latin typeface="Consolas" panose="020B0609020204030204" pitchFamily="49" charset="0"/>
+                <a:ea typeface="Times New Roman" panose="02020603050405020304" pitchFamily="18" charset="0"/>
+                <a:cs typeface="Times New Roman" panose="02020603050405020304" pitchFamily="18" charset="0"/>
+              </a:rPr>
+              <a:t> {</a:t>
+            </a:r>
+            <a:endParaRPr lang="en-US" sz="2400" dirty="0">
+              <a:latin typeface="Calibri" panose="020F0502020204030204" pitchFamily="34" charset="0"/>
+              <a:ea typeface="Calibri" panose="020F0502020204030204" pitchFamily="34" charset="0"/>
+              <a:cs typeface="Times New Roman" panose="02020603050405020304" pitchFamily="18" charset="0"/>
+            </a:endParaRPr>
+          </a:p>
+          <a:p>
+            <a:pPr>
+              <a:lnSpc>
+                <a:spcPct val="107000"/>
+              </a:lnSpc>
+              <a:tabLst>
+                <a:tab pos="581660" algn="l"/>
+                <a:tab pos="1163320" algn="l"/>
+                <a:tab pos="1744980" algn="l"/>
+                <a:tab pos="2326640" algn="l"/>
+                <a:tab pos="2908300" algn="l"/>
+                <a:tab pos="3489960" algn="l"/>
+                <a:tab pos="4071620" algn="l"/>
+                <a:tab pos="4653280" algn="l"/>
+                <a:tab pos="5234940" algn="l"/>
+                <a:tab pos="5816600" algn="l"/>
+                <a:tab pos="6398260" algn="l"/>
+                <a:tab pos="6979920" algn="l"/>
+                <a:tab pos="7561580" algn="l"/>
+                <a:tab pos="8143240" algn="l"/>
+                <a:tab pos="8724900" algn="l"/>
+                <a:tab pos="9306560" algn="l"/>
+              </a:tabLst>
+            </a:pPr>
+            <a:r>
+              <a:rPr lang="en-US" dirty="0">
+                <a:solidFill>
+                  <a:srgbClr val="000000"/>
+                </a:solidFill>
+                <a:latin typeface="Consolas" panose="020B0609020204030204" pitchFamily="49" charset="0"/>
+                <a:ea typeface="Times New Roman" panose="02020603050405020304" pitchFamily="18" charset="0"/>
+                <a:cs typeface="Times New Roman" panose="02020603050405020304" pitchFamily="18" charset="0"/>
+              </a:rPr>
+              <a:t>        </a:t>
+            </a:r>
+            <a:r>
+              <a:rPr lang="en-US" dirty="0">
+                <a:solidFill>
+                  <a:srgbClr val="0000FF"/>
+                </a:solidFill>
+                <a:latin typeface="Consolas" panose="020B0609020204030204" pitchFamily="49" charset="0"/>
+                <a:ea typeface="Times New Roman" panose="02020603050405020304" pitchFamily="18" charset="0"/>
+                <a:cs typeface="Times New Roman" panose="02020603050405020304" pitchFamily="18" charset="0"/>
+              </a:rPr>
+              <a:t>return</a:t>
+            </a:r>
+            <a:r>
+              <a:rPr lang="en-US" dirty="0">
+                <a:solidFill>
+                  <a:srgbClr val="000000"/>
+                </a:solidFill>
+                <a:latin typeface="Consolas" panose="020B0609020204030204" pitchFamily="49" charset="0"/>
+                <a:ea typeface="Times New Roman" panose="02020603050405020304" pitchFamily="18" charset="0"/>
+                <a:cs typeface="Times New Roman" panose="02020603050405020304" pitchFamily="18" charset="0"/>
+              </a:rPr>
+              <a:t> </a:t>
+            </a:r>
+            <a:r>
+              <a:rPr lang="en-US" dirty="0" err="1">
+                <a:solidFill>
+                  <a:srgbClr val="0000FF"/>
+                </a:solidFill>
+                <a:latin typeface="Consolas" panose="020B0609020204030204" pitchFamily="49" charset="0"/>
+                <a:ea typeface="Times New Roman" panose="02020603050405020304" pitchFamily="18" charset="0"/>
+                <a:cs typeface="Times New Roman" panose="02020603050405020304" pitchFamily="18" charset="0"/>
+              </a:rPr>
+              <a:t>super</a:t>
+            </a:r>
+            <a:r>
+              <a:rPr lang="en-US" dirty="0" err="1">
+                <a:solidFill>
+                  <a:srgbClr val="000000"/>
+                </a:solidFill>
+                <a:latin typeface="Consolas" panose="020B0609020204030204" pitchFamily="49" charset="0"/>
+                <a:ea typeface="Times New Roman" panose="02020603050405020304" pitchFamily="18" charset="0"/>
+                <a:cs typeface="Times New Roman" panose="02020603050405020304" pitchFamily="18" charset="0"/>
+              </a:rPr>
+              <a:t>.getValue</a:t>
+            </a:r>
+            <a:r>
+              <a:rPr lang="en-US" dirty="0">
+                <a:solidFill>
+                  <a:srgbClr val="000000"/>
+                </a:solidFill>
+                <a:latin typeface="Consolas" panose="020B0609020204030204" pitchFamily="49" charset="0"/>
+                <a:ea typeface="Times New Roman" panose="02020603050405020304" pitchFamily="18" charset="0"/>
+                <a:cs typeface="Times New Roman" panose="02020603050405020304" pitchFamily="18" charset="0"/>
+              </a:rPr>
+              <a:t>() + </a:t>
+            </a:r>
+            <a:r>
+              <a:rPr lang="en-US" dirty="0">
+                <a:solidFill>
+                  <a:srgbClr val="A31515"/>
+                </a:solidFill>
+                <a:latin typeface="Consolas" panose="020B0609020204030204" pitchFamily="49" charset="0"/>
+                <a:ea typeface="Times New Roman" panose="02020603050405020304" pitchFamily="18" charset="0"/>
+                <a:cs typeface="Times New Roman" panose="02020603050405020304" pitchFamily="18" charset="0"/>
+              </a:rPr>
+              <a:t>' Extended'</a:t>
+            </a:r>
+            <a:r>
+              <a:rPr lang="en-US" dirty="0">
+                <a:solidFill>
+                  <a:srgbClr val="000000"/>
+                </a:solidFill>
+                <a:latin typeface="Consolas" panose="020B0609020204030204" pitchFamily="49" charset="0"/>
+                <a:ea typeface="Times New Roman" panose="02020603050405020304" pitchFamily="18" charset="0"/>
+                <a:cs typeface="Times New Roman" panose="02020603050405020304" pitchFamily="18" charset="0"/>
+              </a:rPr>
+              <a:t>;</a:t>
+            </a:r>
+            <a:endParaRPr lang="en-US" sz="2400" dirty="0">
+              <a:latin typeface="Calibri" panose="020F0502020204030204" pitchFamily="34" charset="0"/>
+              <a:ea typeface="Calibri" panose="020F0502020204030204" pitchFamily="34" charset="0"/>
+              <a:cs typeface="Times New Roman" panose="02020603050405020304" pitchFamily="18" charset="0"/>
+            </a:endParaRPr>
+          </a:p>
+          <a:p>
+            <a:pPr>
+              <a:lnSpc>
+                <a:spcPct val="107000"/>
+              </a:lnSpc>
+              <a:tabLst>
+                <a:tab pos="581660" algn="l"/>
+                <a:tab pos="1163320" algn="l"/>
+                <a:tab pos="1744980" algn="l"/>
+                <a:tab pos="2326640" algn="l"/>
+                <a:tab pos="2908300" algn="l"/>
+                <a:tab pos="3489960" algn="l"/>
+                <a:tab pos="4071620" algn="l"/>
+                <a:tab pos="4653280" algn="l"/>
+                <a:tab pos="5234940" algn="l"/>
+                <a:tab pos="5816600" algn="l"/>
+                <a:tab pos="6398260" algn="l"/>
+                <a:tab pos="6979920" algn="l"/>
+                <a:tab pos="7561580" algn="l"/>
+                <a:tab pos="8143240" algn="l"/>
+                <a:tab pos="8724900" algn="l"/>
+                <a:tab pos="9306560" algn="l"/>
+              </a:tabLst>
+            </a:pPr>
+            <a:r>
+              <a:rPr lang="en-US" dirty="0">
+                <a:solidFill>
+                  <a:srgbClr val="000000"/>
+                </a:solidFill>
+                <a:latin typeface="Consolas" panose="020B0609020204030204" pitchFamily="49" charset="0"/>
+                <a:ea typeface="Times New Roman" panose="02020603050405020304" pitchFamily="18" charset="0"/>
+                <a:cs typeface="Times New Roman" panose="02020603050405020304" pitchFamily="18" charset="0"/>
+              </a:rPr>
+              <a:t>    }</a:t>
+            </a:r>
+            <a:endParaRPr lang="en-US" sz="2400" dirty="0">
+              <a:latin typeface="Calibri" panose="020F0502020204030204" pitchFamily="34" charset="0"/>
+              <a:ea typeface="Calibri" panose="020F0502020204030204" pitchFamily="34" charset="0"/>
+              <a:cs typeface="Times New Roman" panose="02020603050405020304" pitchFamily="18" charset="0"/>
+            </a:endParaRPr>
+          </a:p>
+          <a:p>
+            <a:pPr>
+              <a:lnSpc>
+                <a:spcPct val="107000"/>
+              </a:lnSpc>
+              <a:tabLst>
+                <a:tab pos="581660" algn="l"/>
+                <a:tab pos="1163320" algn="l"/>
+                <a:tab pos="1744980" algn="l"/>
+                <a:tab pos="2326640" algn="l"/>
+                <a:tab pos="2908300" algn="l"/>
+                <a:tab pos="3489960" algn="l"/>
+                <a:tab pos="4071620" algn="l"/>
+                <a:tab pos="4653280" algn="l"/>
+                <a:tab pos="5234940" algn="l"/>
+                <a:tab pos="5816600" algn="l"/>
+                <a:tab pos="6398260" algn="l"/>
+                <a:tab pos="6979920" algn="l"/>
+                <a:tab pos="7561580" algn="l"/>
+                <a:tab pos="8143240" algn="l"/>
+                <a:tab pos="8724900" algn="l"/>
+                <a:tab pos="9306560" algn="l"/>
+              </a:tabLst>
+            </a:pPr>
+            <a:r>
+              <a:rPr lang="en-US" dirty="0">
+                <a:solidFill>
+                  <a:srgbClr val="000000"/>
+                </a:solidFill>
+                <a:latin typeface="Consolas" panose="020B0609020204030204" pitchFamily="49" charset="0"/>
+                <a:ea typeface="Times New Roman" panose="02020603050405020304" pitchFamily="18" charset="0"/>
+                <a:cs typeface="Times New Roman" panose="02020603050405020304" pitchFamily="18" charset="0"/>
+              </a:rPr>
+              <a:t>}</a:t>
+            </a:r>
+            <a:endParaRPr lang="en-US" sz="2400" dirty="0">
+              <a:latin typeface="Calibri" panose="020F0502020204030204" pitchFamily="34" charset="0"/>
+              <a:ea typeface="Calibri" panose="020F0502020204030204" pitchFamily="34" charset="0"/>
+              <a:cs typeface="Times New Roman" panose="02020603050405020304" pitchFamily="18" charset="0"/>
+            </a:endParaRPr>
+          </a:p>
+          <a:p>
+            <a:pPr>
+              <a:lnSpc>
+                <a:spcPct val="107000"/>
+              </a:lnSpc>
+              <a:spcAft>
+                <a:spcPts val="800"/>
+              </a:spcAft>
+            </a:pPr>
+            <a:r>
+              <a:rPr lang="en-US" sz="2400" dirty="0">
+                <a:latin typeface="Calibri" panose="020F0502020204030204" pitchFamily="34" charset="0"/>
+                <a:ea typeface="Calibri" panose="020F0502020204030204" pitchFamily="34" charset="0"/>
+                <a:cs typeface="Times New Roman" panose="02020603050405020304" pitchFamily="18" charset="0"/>
+              </a:rPr>
+              <a:t> </a:t>
+            </a:r>
+            <a:endParaRPr lang="en-US" sz="2400" dirty="0">
+              <a:effectLst/>
+              <a:latin typeface="Calibri" panose="020F0502020204030204" pitchFamily="34" charset="0"/>
+              <a:ea typeface="Calibri" panose="020F0502020204030204" pitchFamily="34" charset="0"/>
+              <a:cs typeface="Times New Roman" panose="02020603050405020304" pitchFamily="18" charset="0"/>
+            </a:endParaRPr>
+          </a:p>
+        </p:txBody>
+      </p:sp>
+    </p:spTree>
+    <p:extLst>
+      <p:ext uri="{BB962C8B-B14F-4D97-AF65-F5344CB8AC3E}">
+        <p14:creationId xmlns:p14="http://schemas.microsoft.com/office/powerpoint/2010/main" val="828832119"/>
+      </p:ext>
+    </p:extLst>
+  </p:cSld>
+  <p:clrMapOvr>
+    <a:masterClrMapping/>
+  </p:clrMapOvr>
+</p:sld>
+</file>
+
+<file path=ppt/slides/slide28.xml><?xml version="1.0" encoding="utf-8"?>
+<p:sld xmlns:a="http://schemas.openxmlformats.org/drawingml/2006/main" xmlns:r="http://schemas.openxmlformats.org/officeDocument/2006/relationships" xmlns:p="http://schemas.openxmlformats.org/presentationml/2006/main">
+  <p:cSld>
+    <p:spTree>
+      <p:nvGrpSpPr>
+        <p:cNvPr id="1" name=""/>
+        <p:cNvGrpSpPr/>
+        <p:nvPr/>
+      </p:nvGrpSpPr>
+      <p:grpSpPr>
+        <a:xfrm>
+          <a:off x="0" y="0"/>
+          <a:ext cx="0" cy="0"/>
+          <a:chOff x="0" y="0"/>
+          <a:chExt cx="0" cy="0"/>
+        </a:xfrm>
+      </p:grpSpPr>
+      <p:sp>
+        <p:nvSpPr>
+          <p:cNvPr id="2" name="Title 1"/>
+          <p:cNvSpPr>
+            <a:spLocks noGrp="1"/>
+          </p:cNvSpPr>
+          <p:nvPr>
+            <p:ph type="title"/>
+          </p:nvPr>
+        </p:nvSpPr>
+        <p:spPr/>
+        <p:txBody>
+          <a:bodyPr/>
+          <a:lstStyle/>
+          <a:p>
+            <a:r>
+              <a:rPr lang="en-US" dirty="0"/>
+              <a:t>Inheritance</a:t>
+            </a:r>
+          </a:p>
+        </p:txBody>
+      </p:sp>
+      <p:sp>
+        <p:nvSpPr>
           <p:cNvPr id="3" name="Content Placeholder 2"/>
           <p:cNvSpPr>
             <a:spLocks noGrp="1"/>
@@ -12771,14 +14184,2180 @@
           <a:bodyPr/>
           <a:lstStyle/>
           <a:p>
-            <a:endParaRPr lang="en-US"/>
+            <a:r>
+              <a:rPr lang="en-US" dirty="0" smtClean="0"/>
+              <a:t>Generates short inheritance function</a:t>
+            </a:r>
+          </a:p>
+          <a:p>
+            <a:pPr lvl="1"/>
+            <a:r>
+              <a:rPr lang="en-US" dirty="0" smtClean="0"/>
+              <a:t>Sets up prototype chain</a:t>
+            </a:r>
+          </a:p>
+          <a:p>
+            <a:pPr lvl="1"/>
+            <a:endParaRPr lang="en-US" dirty="0"/>
+          </a:p>
+          <a:p>
+            <a:pPr lvl="1"/>
+            <a:endParaRPr lang="en-US" dirty="0" smtClean="0"/>
+          </a:p>
+          <a:p>
+            <a:pPr lvl="1"/>
+            <a:endParaRPr lang="en-US" dirty="0"/>
+          </a:p>
+          <a:p>
+            <a:pPr lvl="1"/>
+            <a:endParaRPr lang="en-US" dirty="0" smtClean="0"/>
+          </a:p>
+          <a:p>
+            <a:pPr lvl="1"/>
+            <a:endParaRPr lang="en-US" dirty="0"/>
+          </a:p>
+          <a:p>
+            <a:pPr lvl="1"/>
+            <a:endParaRPr lang="en-US" dirty="0" smtClean="0"/>
+          </a:p>
+          <a:p>
+            <a:r>
+              <a:rPr lang="en-US" dirty="0" smtClean="0"/>
+              <a:t>Then generates the following madness</a:t>
+            </a:r>
+            <a:endParaRPr lang="en-US" dirty="0"/>
+          </a:p>
+        </p:txBody>
+      </p:sp>
+      <p:sp>
+        <p:nvSpPr>
+          <p:cNvPr id="5" name="Rectangle 4"/>
+          <p:cNvSpPr/>
+          <p:nvPr/>
+        </p:nvSpPr>
+        <p:spPr>
+          <a:xfrm>
+            <a:off x="798384" y="3165719"/>
+            <a:ext cx="8354568" cy="1870512"/>
+          </a:xfrm>
+          <a:prstGeom prst="rect">
+            <a:avLst/>
+          </a:prstGeom>
+        </p:spPr>
+        <p:txBody>
+          <a:bodyPr wrap="square">
+            <a:spAutoFit/>
+          </a:bodyPr>
+          <a:lstStyle/>
+          <a:p>
+            <a:pPr>
+              <a:lnSpc>
+                <a:spcPct val="107000"/>
+              </a:lnSpc>
+              <a:tabLst>
+                <a:tab pos="581660" algn="l"/>
+                <a:tab pos="1163320" algn="l"/>
+                <a:tab pos="1744980" algn="l"/>
+                <a:tab pos="2326640" algn="l"/>
+                <a:tab pos="2908300" algn="l"/>
+                <a:tab pos="3489960" algn="l"/>
+                <a:tab pos="4071620" algn="l"/>
+                <a:tab pos="4653280" algn="l"/>
+                <a:tab pos="5234940" algn="l"/>
+                <a:tab pos="5816600" algn="l"/>
+                <a:tab pos="6398260" algn="l"/>
+                <a:tab pos="6979920" algn="l"/>
+                <a:tab pos="7561580" algn="l"/>
+                <a:tab pos="8143240" algn="l"/>
+                <a:tab pos="8724900" algn="l"/>
+                <a:tab pos="9306560" algn="l"/>
+              </a:tabLst>
+            </a:pPr>
+            <a:r>
+              <a:rPr lang="en-US" dirty="0" err="1">
+                <a:solidFill>
+                  <a:srgbClr val="0000FF"/>
+                </a:solidFill>
+                <a:latin typeface="Consolas" panose="020B0609020204030204" pitchFamily="49" charset="0"/>
+                <a:ea typeface="Times New Roman" panose="02020603050405020304" pitchFamily="18" charset="0"/>
+                <a:cs typeface="Times New Roman" panose="02020603050405020304" pitchFamily="18" charset="0"/>
+              </a:rPr>
+              <a:t>var</a:t>
+            </a:r>
+            <a:r>
+              <a:rPr lang="en-US" dirty="0">
+                <a:solidFill>
+                  <a:srgbClr val="000000"/>
+                </a:solidFill>
+                <a:latin typeface="Consolas" panose="020B0609020204030204" pitchFamily="49" charset="0"/>
+                <a:ea typeface="Times New Roman" panose="02020603050405020304" pitchFamily="18" charset="0"/>
+                <a:cs typeface="Times New Roman" panose="02020603050405020304" pitchFamily="18" charset="0"/>
+              </a:rPr>
+              <a:t> __extends = </a:t>
+            </a:r>
+            <a:r>
+              <a:rPr lang="en-US" dirty="0" err="1">
+                <a:solidFill>
+                  <a:srgbClr val="0000FF"/>
+                </a:solidFill>
+                <a:latin typeface="Consolas" panose="020B0609020204030204" pitchFamily="49" charset="0"/>
+                <a:ea typeface="Times New Roman" panose="02020603050405020304" pitchFamily="18" charset="0"/>
+                <a:cs typeface="Times New Roman" panose="02020603050405020304" pitchFamily="18" charset="0"/>
+              </a:rPr>
+              <a:t>this</a:t>
+            </a:r>
+            <a:r>
+              <a:rPr lang="en-US" dirty="0" err="1">
+                <a:solidFill>
+                  <a:srgbClr val="000000"/>
+                </a:solidFill>
+                <a:latin typeface="Consolas" panose="020B0609020204030204" pitchFamily="49" charset="0"/>
+                <a:ea typeface="Times New Roman" panose="02020603050405020304" pitchFamily="18" charset="0"/>
+                <a:cs typeface="Times New Roman" panose="02020603050405020304" pitchFamily="18" charset="0"/>
+              </a:rPr>
+              <a:t>.__extends</a:t>
+            </a:r>
+            <a:r>
+              <a:rPr lang="en-US" dirty="0">
+                <a:solidFill>
+                  <a:srgbClr val="000000"/>
+                </a:solidFill>
+                <a:latin typeface="Consolas" panose="020B0609020204030204" pitchFamily="49" charset="0"/>
+                <a:ea typeface="Times New Roman" panose="02020603050405020304" pitchFamily="18" charset="0"/>
+                <a:cs typeface="Times New Roman" panose="02020603050405020304" pitchFamily="18" charset="0"/>
+              </a:rPr>
+              <a:t> || </a:t>
+            </a:r>
+            <a:r>
+              <a:rPr lang="en-US" dirty="0">
+                <a:solidFill>
+                  <a:srgbClr val="0000FF"/>
+                </a:solidFill>
+                <a:latin typeface="Consolas" panose="020B0609020204030204" pitchFamily="49" charset="0"/>
+                <a:ea typeface="Times New Roman" panose="02020603050405020304" pitchFamily="18" charset="0"/>
+                <a:cs typeface="Times New Roman" panose="02020603050405020304" pitchFamily="18" charset="0"/>
+              </a:rPr>
+              <a:t>function</a:t>
+            </a:r>
+            <a:r>
+              <a:rPr lang="en-US" dirty="0">
+                <a:solidFill>
+                  <a:srgbClr val="000000"/>
+                </a:solidFill>
+                <a:latin typeface="Consolas" panose="020B0609020204030204" pitchFamily="49" charset="0"/>
+                <a:ea typeface="Times New Roman" panose="02020603050405020304" pitchFamily="18" charset="0"/>
+                <a:cs typeface="Times New Roman" panose="02020603050405020304" pitchFamily="18" charset="0"/>
+              </a:rPr>
+              <a:t> (d, b) {</a:t>
+            </a:r>
+            <a:endParaRPr lang="en-US" sz="2400" dirty="0">
+              <a:latin typeface="Calibri" panose="020F0502020204030204" pitchFamily="34" charset="0"/>
+              <a:ea typeface="Calibri" panose="020F0502020204030204" pitchFamily="34" charset="0"/>
+              <a:cs typeface="Times New Roman" panose="02020603050405020304" pitchFamily="18" charset="0"/>
+            </a:endParaRPr>
+          </a:p>
+          <a:p>
+            <a:pPr>
+              <a:lnSpc>
+                <a:spcPct val="107000"/>
+              </a:lnSpc>
+              <a:tabLst>
+                <a:tab pos="581660" algn="l"/>
+                <a:tab pos="1163320" algn="l"/>
+                <a:tab pos="1744980" algn="l"/>
+                <a:tab pos="2326640" algn="l"/>
+                <a:tab pos="2908300" algn="l"/>
+                <a:tab pos="3489960" algn="l"/>
+                <a:tab pos="4071620" algn="l"/>
+                <a:tab pos="4653280" algn="l"/>
+                <a:tab pos="5234940" algn="l"/>
+                <a:tab pos="5816600" algn="l"/>
+                <a:tab pos="6398260" algn="l"/>
+                <a:tab pos="6979920" algn="l"/>
+                <a:tab pos="7561580" algn="l"/>
+                <a:tab pos="8143240" algn="l"/>
+                <a:tab pos="8724900" algn="l"/>
+                <a:tab pos="9306560" algn="l"/>
+              </a:tabLst>
+            </a:pPr>
+            <a:r>
+              <a:rPr lang="en-US" dirty="0">
+                <a:solidFill>
+                  <a:srgbClr val="000000"/>
+                </a:solidFill>
+                <a:latin typeface="Consolas" panose="020B0609020204030204" pitchFamily="49" charset="0"/>
+                <a:ea typeface="Times New Roman" panose="02020603050405020304" pitchFamily="18" charset="0"/>
+                <a:cs typeface="Times New Roman" panose="02020603050405020304" pitchFamily="18" charset="0"/>
+              </a:rPr>
+              <a:t>    </a:t>
+            </a:r>
+            <a:r>
+              <a:rPr lang="en-US" dirty="0">
+                <a:solidFill>
+                  <a:srgbClr val="0000FF"/>
+                </a:solidFill>
+                <a:latin typeface="Consolas" panose="020B0609020204030204" pitchFamily="49" charset="0"/>
+                <a:ea typeface="Times New Roman" panose="02020603050405020304" pitchFamily="18" charset="0"/>
+                <a:cs typeface="Times New Roman" panose="02020603050405020304" pitchFamily="18" charset="0"/>
+              </a:rPr>
+              <a:t>for</a:t>
+            </a:r>
+            <a:r>
+              <a:rPr lang="en-US" dirty="0">
+                <a:solidFill>
+                  <a:srgbClr val="000000"/>
+                </a:solidFill>
+                <a:latin typeface="Consolas" panose="020B0609020204030204" pitchFamily="49" charset="0"/>
+                <a:ea typeface="Times New Roman" panose="02020603050405020304" pitchFamily="18" charset="0"/>
+                <a:cs typeface="Times New Roman" panose="02020603050405020304" pitchFamily="18" charset="0"/>
+              </a:rPr>
+              <a:t> (</a:t>
+            </a:r>
+            <a:r>
+              <a:rPr lang="en-US" dirty="0" err="1">
+                <a:solidFill>
+                  <a:srgbClr val="0000FF"/>
+                </a:solidFill>
+                <a:latin typeface="Consolas" panose="020B0609020204030204" pitchFamily="49" charset="0"/>
+                <a:ea typeface="Times New Roman" panose="02020603050405020304" pitchFamily="18" charset="0"/>
+                <a:cs typeface="Times New Roman" panose="02020603050405020304" pitchFamily="18" charset="0"/>
+              </a:rPr>
+              <a:t>var</a:t>
+            </a:r>
+            <a:r>
+              <a:rPr lang="en-US" dirty="0">
+                <a:solidFill>
+                  <a:srgbClr val="000000"/>
+                </a:solidFill>
+                <a:latin typeface="Consolas" panose="020B0609020204030204" pitchFamily="49" charset="0"/>
+                <a:ea typeface="Times New Roman" panose="02020603050405020304" pitchFamily="18" charset="0"/>
+                <a:cs typeface="Times New Roman" panose="02020603050405020304" pitchFamily="18" charset="0"/>
+              </a:rPr>
+              <a:t> p </a:t>
+            </a:r>
+            <a:r>
+              <a:rPr lang="en-US" dirty="0">
+                <a:solidFill>
+                  <a:srgbClr val="0000FF"/>
+                </a:solidFill>
+                <a:latin typeface="Consolas" panose="020B0609020204030204" pitchFamily="49" charset="0"/>
+                <a:ea typeface="Times New Roman" panose="02020603050405020304" pitchFamily="18" charset="0"/>
+                <a:cs typeface="Times New Roman" panose="02020603050405020304" pitchFamily="18" charset="0"/>
+              </a:rPr>
+              <a:t>in</a:t>
+            </a:r>
+            <a:r>
+              <a:rPr lang="en-US" dirty="0">
+                <a:solidFill>
+                  <a:srgbClr val="000000"/>
+                </a:solidFill>
+                <a:latin typeface="Consolas" panose="020B0609020204030204" pitchFamily="49" charset="0"/>
+                <a:ea typeface="Times New Roman" panose="02020603050405020304" pitchFamily="18" charset="0"/>
+                <a:cs typeface="Times New Roman" panose="02020603050405020304" pitchFamily="18" charset="0"/>
+              </a:rPr>
+              <a:t> b) </a:t>
+            </a:r>
+            <a:r>
+              <a:rPr lang="en-US" dirty="0">
+                <a:solidFill>
+                  <a:srgbClr val="0000FF"/>
+                </a:solidFill>
+                <a:latin typeface="Consolas" panose="020B0609020204030204" pitchFamily="49" charset="0"/>
+                <a:ea typeface="Times New Roman" panose="02020603050405020304" pitchFamily="18" charset="0"/>
+                <a:cs typeface="Times New Roman" panose="02020603050405020304" pitchFamily="18" charset="0"/>
+              </a:rPr>
+              <a:t>if</a:t>
+            </a:r>
+            <a:r>
+              <a:rPr lang="en-US" dirty="0">
+                <a:solidFill>
+                  <a:srgbClr val="000000"/>
+                </a:solidFill>
+                <a:latin typeface="Consolas" panose="020B0609020204030204" pitchFamily="49" charset="0"/>
+                <a:ea typeface="Times New Roman" panose="02020603050405020304" pitchFamily="18" charset="0"/>
+                <a:cs typeface="Times New Roman" panose="02020603050405020304" pitchFamily="18" charset="0"/>
+              </a:rPr>
+              <a:t> (</a:t>
+            </a:r>
+            <a:r>
+              <a:rPr lang="en-US" dirty="0" err="1">
+                <a:solidFill>
+                  <a:srgbClr val="000000"/>
+                </a:solidFill>
+                <a:latin typeface="Consolas" panose="020B0609020204030204" pitchFamily="49" charset="0"/>
+                <a:ea typeface="Times New Roman" panose="02020603050405020304" pitchFamily="18" charset="0"/>
+                <a:cs typeface="Times New Roman" panose="02020603050405020304" pitchFamily="18" charset="0"/>
+              </a:rPr>
+              <a:t>b.hasOwnProperty</a:t>
+            </a:r>
+            <a:r>
+              <a:rPr lang="en-US" dirty="0">
+                <a:solidFill>
+                  <a:srgbClr val="000000"/>
+                </a:solidFill>
+                <a:latin typeface="Consolas" panose="020B0609020204030204" pitchFamily="49" charset="0"/>
+                <a:ea typeface="Times New Roman" panose="02020603050405020304" pitchFamily="18" charset="0"/>
+                <a:cs typeface="Times New Roman" panose="02020603050405020304" pitchFamily="18" charset="0"/>
+              </a:rPr>
+              <a:t>(p)) d[p] = b[p];</a:t>
+            </a:r>
+            <a:endParaRPr lang="en-US" sz="2400" dirty="0">
+              <a:latin typeface="Calibri" panose="020F0502020204030204" pitchFamily="34" charset="0"/>
+              <a:ea typeface="Calibri" panose="020F0502020204030204" pitchFamily="34" charset="0"/>
+              <a:cs typeface="Times New Roman" panose="02020603050405020304" pitchFamily="18" charset="0"/>
+            </a:endParaRPr>
+          </a:p>
+          <a:p>
+            <a:pPr>
+              <a:lnSpc>
+                <a:spcPct val="107000"/>
+              </a:lnSpc>
+              <a:tabLst>
+                <a:tab pos="581660" algn="l"/>
+                <a:tab pos="1163320" algn="l"/>
+                <a:tab pos="1744980" algn="l"/>
+                <a:tab pos="2326640" algn="l"/>
+                <a:tab pos="2908300" algn="l"/>
+                <a:tab pos="3489960" algn="l"/>
+                <a:tab pos="4071620" algn="l"/>
+                <a:tab pos="4653280" algn="l"/>
+                <a:tab pos="5234940" algn="l"/>
+                <a:tab pos="5816600" algn="l"/>
+                <a:tab pos="6398260" algn="l"/>
+                <a:tab pos="6979920" algn="l"/>
+                <a:tab pos="7561580" algn="l"/>
+                <a:tab pos="8143240" algn="l"/>
+                <a:tab pos="8724900" algn="l"/>
+                <a:tab pos="9306560" algn="l"/>
+              </a:tabLst>
+            </a:pPr>
+            <a:r>
+              <a:rPr lang="en-US" dirty="0">
+                <a:solidFill>
+                  <a:srgbClr val="000000"/>
+                </a:solidFill>
+                <a:latin typeface="Consolas" panose="020B0609020204030204" pitchFamily="49" charset="0"/>
+                <a:ea typeface="Times New Roman" panose="02020603050405020304" pitchFamily="18" charset="0"/>
+                <a:cs typeface="Times New Roman" panose="02020603050405020304" pitchFamily="18" charset="0"/>
+              </a:rPr>
+              <a:t>    </a:t>
+            </a:r>
+            <a:r>
+              <a:rPr lang="en-US" dirty="0">
+                <a:solidFill>
+                  <a:srgbClr val="0000FF"/>
+                </a:solidFill>
+                <a:latin typeface="Consolas" panose="020B0609020204030204" pitchFamily="49" charset="0"/>
+                <a:ea typeface="Times New Roman" panose="02020603050405020304" pitchFamily="18" charset="0"/>
+                <a:cs typeface="Times New Roman" panose="02020603050405020304" pitchFamily="18" charset="0"/>
+              </a:rPr>
+              <a:t>function</a:t>
+            </a:r>
+            <a:r>
+              <a:rPr lang="en-US" dirty="0">
+                <a:solidFill>
+                  <a:srgbClr val="000000"/>
+                </a:solidFill>
+                <a:latin typeface="Consolas" panose="020B0609020204030204" pitchFamily="49" charset="0"/>
+                <a:ea typeface="Times New Roman" panose="02020603050405020304" pitchFamily="18" charset="0"/>
+                <a:cs typeface="Times New Roman" panose="02020603050405020304" pitchFamily="18" charset="0"/>
+              </a:rPr>
+              <a:t> __() { </a:t>
+            </a:r>
+            <a:r>
+              <a:rPr lang="en-US" dirty="0" err="1">
+                <a:solidFill>
+                  <a:srgbClr val="0000FF"/>
+                </a:solidFill>
+                <a:latin typeface="Consolas" panose="020B0609020204030204" pitchFamily="49" charset="0"/>
+                <a:ea typeface="Times New Roman" panose="02020603050405020304" pitchFamily="18" charset="0"/>
+                <a:cs typeface="Times New Roman" panose="02020603050405020304" pitchFamily="18" charset="0"/>
+              </a:rPr>
+              <a:t>this</a:t>
+            </a:r>
+            <a:r>
+              <a:rPr lang="en-US" dirty="0" err="1">
+                <a:solidFill>
+                  <a:srgbClr val="000000"/>
+                </a:solidFill>
+                <a:latin typeface="Consolas" panose="020B0609020204030204" pitchFamily="49" charset="0"/>
+                <a:ea typeface="Times New Roman" panose="02020603050405020304" pitchFamily="18" charset="0"/>
+                <a:cs typeface="Times New Roman" panose="02020603050405020304" pitchFamily="18" charset="0"/>
+              </a:rPr>
+              <a:t>.constructor</a:t>
+            </a:r>
+            <a:r>
+              <a:rPr lang="en-US" dirty="0">
+                <a:solidFill>
+                  <a:srgbClr val="000000"/>
+                </a:solidFill>
+                <a:latin typeface="Consolas" panose="020B0609020204030204" pitchFamily="49" charset="0"/>
+                <a:ea typeface="Times New Roman" panose="02020603050405020304" pitchFamily="18" charset="0"/>
+                <a:cs typeface="Times New Roman" panose="02020603050405020304" pitchFamily="18" charset="0"/>
+              </a:rPr>
+              <a:t> = d; }</a:t>
+            </a:r>
+            <a:endParaRPr lang="en-US" sz="2400" dirty="0">
+              <a:latin typeface="Calibri" panose="020F0502020204030204" pitchFamily="34" charset="0"/>
+              <a:ea typeface="Calibri" panose="020F0502020204030204" pitchFamily="34" charset="0"/>
+              <a:cs typeface="Times New Roman" panose="02020603050405020304" pitchFamily="18" charset="0"/>
+            </a:endParaRPr>
+          </a:p>
+          <a:p>
+            <a:pPr>
+              <a:lnSpc>
+                <a:spcPct val="107000"/>
+              </a:lnSpc>
+              <a:tabLst>
+                <a:tab pos="581660" algn="l"/>
+                <a:tab pos="1163320" algn="l"/>
+                <a:tab pos="1744980" algn="l"/>
+                <a:tab pos="2326640" algn="l"/>
+                <a:tab pos="2908300" algn="l"/>
+                <a:tab pos="3489960" algn="l"/>
+                <a:tab pos="4071620" algn="l"/>
+                <a:tab pos="4653280" algn="l"/>
+                <a:tab pos="5234940" algn="l"/>
+                <a:tab pos="5816600" algn="l"/>
+                <a:tab pos="6398260" algn="l"/>
+                <a:tab pos="6979920" algn="l"/>
+                <a:tab pos="7561580" algn="l"/>
+                <a:tab pos="8143240" algn="l"/>
+                <a:tab pos="8724900" algn="l"/>
+                <a:tab pos="9306560" algn="l"/>
+              </a:tabLst>
+            </a:pPr>
+            <a:r>
+              <a:rPr lang="en-US" dirty="0">
+                <a:solidFill>
+                  <a:srgbClr val="000000"/>
+                </a:solidFill>
+                <a:latin typeface="Consolas" panose="020B0609020204030204" pitchFamily="49" charset="0"/>
+                <a:ea typeface="Times New Roman" panose="02020603050405020304" pitchFamily="18" charset="0"/>
+                <a:cs typeface="Times New Roman" panose="02020603050405020304" pitchFamily="18" charset="0"/>
+              </a:rPr>
+              <a:t>    __.prototype = </a:t>
+            </a:r>
+            <a:r>
+              <a:rPr lang="en-US" dirty="0" err="1">
+                <a:solidFill>
+                  <a:srgbClr val="000000"/>
+                </a:solidFill>
+                <a:latin typeface="Consolas" panose="020B0609020204030204" pitchFamily="49" charset="0"/>
+                <a:ea typeface="Times New Roman" panose="02020603050405020304" pitchFamily="18" charset="0"/>
+                <a:cs typeface="Times New Roman" panose="02020603050405020304" pitchFamily="18" charset="0"/>
+              </a:rPr>
+              <a:t>b.prototype</a:t>
+            </a:r>
+            <a:r>
+              <a:rPr lang="en-US" dirty="0">
+                <a:solidFill>
+                  <a:srgbClr val="000000"/>
+                </a:solidFill>
+                <a:latin typeface="Consolas" panose="020B0609020204030204" pitchFamily="49" charset="0"/>
+                <a:ea typeface="Times New Roman" panose="02020603050405020304" pitchFamily="18" charset="0"/>
+                <a:cs typeface="Times New Roman" panose="02020603050405020304" pitchFamily="18" charset="0"/>
+              </a:rPr>
+              <a:t>;</a:t>
+            </a:r>
+            <a:endParaRPr lang="en-US" sz="2400" dirty="0">
+              <a:latin typeface="Calibri" panose="020F0502020204030204" pitchFamily="34" charset="0"/>
+              <a:ea typeface="Calibri" panose="020F0502020204030204" pitchFamily="34" charset="0"/>
+              <a:cs typeface="Times New Roman" panose="02020603050405020304" pitchFamily="18" charset="0"/>
+            </a:endParaRPr>
+          </a:p>
+          <a:p>
+            <a:pPr>
+              <a:lnSpc>
+                <a:spcPct val="107000"/>
+              </a:lnSpc>
+              <a:tabLst>
+                <a:tab pos="581660" algn="l"/>
+                <a:tab pos="1163320" algn="l"/>
+                <a:tab pos="1744980" algn="l"/>
+                <a:tab pos="2326640" algn="l"/>
+                <a:tab pos="2908300" algn="l"/>
+                <a:tab pos="3489960" algn="l"/>
+                <a:tab pos="4071620" algn="l"/>
+                <a:tab pos="4653280" algn="l"/>
+                <a:tab pos="5234940" algn="l"/>
+                <a:tab pos="5816600" algn="l"/>
+                <a:tab pos="6398260" algn="l"/>
+                <a:tab pos="6979920" algn="l"/>
+                <a:tab pos="7561580" algn="l"/>
+                <a:tab pos="8143240" algn="l"/>
+                <a:tab pos="8724900" algn="l"/>
+                <a:tab pos="9306560" algn="l"/>
+              </a:tabLst>
+            </a:pPr>
+            <a:r>
+              <a:rPr lang="en-US" dirty="0">
+                <a:solidFill>
+                  <a:srgbClr val="000000"/>
+                </a:solidFill>
+                <a:latin typeface="Consolas" panose="020B0609020204030204" pitchFamily="49" charset="0"/>
+                <a:ea typeface="Times New Roman" panose="02020603050405020304" pitchFamily="18" charset="0"/>
+                <a:cs typeface="Times New Roman" panose="02020603050405020304" pitchFamily="18" charset="0"/>
+              </a:rPr>
+              <a:t>    </a:t>
+            </a:r>
+            <a:r>
+              <a:rPr lang="en-US" dirty="0" err="1">
+                <a:solidFill>
+                  <a:srgbClr val="000000"/>
+                </a:solidFill>
+                <a:latin typeface="Consolas" panose="020B0609020204030204" pitchFamily="49" charset="0"/>
+                <a:ea typeface="Times New Roman" panose="02020603050405020304" pitchFamily="18" charset="0"/>
+                <a:cs typeface="Times New Roman" panose="02020603050405020304" pitchFamily="18" charset="0"/>
+              </a:rPr>
+              <a:t>d.prototype</a:t>
+            </a:r>
+            <a:r>
+              <a:rPr lang="en-US" dirty="0">
+                <a:solidFill>
+                  <a:srgbClr val="000000"/>
+                </a:solidFill>
+                <a:latin typeface="Consolas" panose="020B0609020204030204" pitchFamily="49" charset="0"/>
+                <a:ea typeface="Times New Roman" panose="02020603050405020304" pitchFamily="18" charset="0"/>
+                <a:cs typeface="Times New Roman" panose="02020603050405020304" pitchFamily="18" charset="0"/>
+              </a:rPr>
+              <a:t> = </a:t>
+            </a:r>
+            <a:r>
+              <a:rPr lang="en-US" dirty="0">
+                <a:solidFill>
+                  <a:srgbClr val="0000FF"/>
+                </a:solidFill>
+                <a:latin typeface="Consolas" panose="020B0609020204030204" pitchFamily="49" charset="0"/>
+                <a:ea typeface="Times New Roman" panose="02020603050405020304" pitchFamily="18" charset="0"/>
+                <a:cs typeface="Times New Roman" panose="02020603050405020304" pitchFamily="18" charset="0"/>
+              </a:rPr>
+              <a:t>new</a:t>
+            </a:r>
+            <a:r>
+              <a:rPr lang="en-US" dirty="0">
+                <a:solidFill>
+                  <a:srgbClr val="000000"/>
+                </a:solidFill>
+                <a:latin typeface="Consolas" panose="020B0609020204030204" pitchFamily="49" charset="0"/>
+                <a:ea typeface="Times New Roman" panose="02020603050405020304" pitchFamily="18" charset="0"/>
+                <a:cs typeface="Times New Roman" panose="02020603050405020304" pitchFamily="18" charset="0"/>
+              </a:rPr>
+              <a:t> __();</a:t>
+            </a:r>
+            <a:endParaRPr lang="en-US" sz="2400" dirty="0">
+              <a:latin typeface="Calibri" panose="020F0502020204030204" pitchFamily="34" charset="0"/>
+              <a:ea typeface="Calibri" panose="020F0502020204030204" pitchFamily="34" charset="0"/>
+              <a:cs typeface="Times New Roman" panose="02020603050405020304" pitchFamily="18" charset="0"/>
+            </a:endParaRPr>
+          </a:p>
+          <a:p>
+            <a:pPr>
+              <a:lnSpc>
+                <a:spcPct val="107000"/>
+              </a:lnSpc>
+              <a:tabLst>
+                <a:tab pos="581660" algn="l"/>
+                <a:tab pos="1163320" algn="l"/>
+                <a:tab pos="1744980" algn="l"/>
+                <a:tab pos="2326640" algn="l"/>
+                <a:tab pos="2908300" algn="l"/>
+                <a:tab pos="3489960" algn="l"/>
+                <a:tab pos="4071620" algn="l"/>
+                <a:tab pos="4653280" algn="l"/>
+                <a:tab pos="5234940" algn="l"/>
+                <a:tab pos="5816600" algn="l"/>
+                <a:tab pos="6398260" algn="l"/>
+                <a:tab pos="6979920" algn="l"/>
+                <a:tab pos="7561580" algn="l"/>
+                <a:tab pos="8143240" algn="l"/>
+                <a:tab pos="8724900" algn="l"/>
+                <a:tab pos="9306560" algn="l"/>
+              </a:tabLst>
+            </a:pPr>
+            <a:r>
+              <a:rPr lang="en-US" dirty="0">
+                <a:solidFill>
+                  <a:srgbClr val="000000"/>
+                </a:solidFill>
+                <a:latin typeface="Consolas" panose="020B0609020204030204" pitchFamily="49" charset="0"/>
+                <a:ea typeface="Times New Roman" panose="02020603050405020304" pitchFamily="18" charset="0"/>
+                <a:cs typeface="Times New Roman" panose="02020603050405020304" pitchFamily="18" charset="0"/>
+              </a:rPr>
+              <a:t>};</a:t>
+            </a:r>
+            <a:endParaRPr lang="en-US" dirty="0"/>
           </a:p>
         </p:txBody>
       </p:sp>
     </p:spTree>
     <p:extLst>
       <p:ext uri="{BB962C8B-B14F-4D97-AF65-F5344CB8AC3E}">
-        <p14:creationId xmlns:p14="http://schemas.microsoft.com/office/powerpoint/2010/main" val="828832119"/>
+        <p14:creationId xmlns:p14="http://schemas.microsoft.com/office/powerpoint/2010/main" val="2367603481"/>
+      </p:ext>
+    </p:extLst>
+  </p:cSld>
+  <p:clrMapOvr>
+    <a:masterClrMapping/>
+  </p:clrMapOvr>
+</p:sld>
+</file>
+
+<file path=ppt/slides/slide29.xml><?xml version="1.0" encoding="utf-8"?>
+<p:sld xmlns:a="http://schemas.openxmlformats.org/drawingml/2006/main" xmlns:r="http://schemas.openxmlformats.org/officeDocument/2006/relationships" xmlns:p="http://schemas.openxmlformats.org/presentationml/2006/main">
+  <p:cSld>
+    <p:spTree>
+      <p:nvGrpSpPr>
+        <p:cNvPr id="1" name=""/>
+        <p:cNvGrpSpPr/>
+        <p:nvPr/>
+      </p:nvGrpSpPr>
+      <p:grpSpPr>
+        <a:xfrm>
+          <a:off x="0" y="0"/>
+          <a:ext cx="0" cy="0"/>
+          <a:chOff x="0" y="0"/>
+          <a:chExt cx="0" cy="0"/>
+        </a:xfrm>
+      </p:grpSpPr>
+      <p:sp>
+        <p:nvSpPr>
+          <p:cNvPr id="4" name="Rectangle 3"/>
+          <p:cNvSpPr/>
+          <p:nvPr/>
+        </p:nvSpPr>
+        <p:spPr>
+          <a:xfrm>
+            <a:off x="505968" y="0"/>
+            <a:ext cx="9451848" cy="6809941"/>
+          </a:xfrm>
+          <a:prstGeom prst="rect">
+            <a:avLst/>
+          </a:prstGeom>
+        </p:spPr>
+        <p:txBody>
+          <a:bodyPr wrap="square">
+            <a:spAutoFit/>
+          </a:bodyPr>
+          <a:lstStyle/>
+          <a:p>
+            <a:pPr>
+              <a:lnSpc>
+                <a:spcPct val="107000"/>
+              </a:lnSpc>
+              <a:tabLst>
+                <a:tab pos="581660" algn="l"/>
+                <a:tab pos="1163320" algn="l"/>
+                <a:tab pos="1744980" algn="l"/>
+                <a:tab pos="2326640" algn="l"/>
+                <a:tab pos="2908300" algn="l"/>
+                <a:tab pos="3489960" algn="l"/>
+                <a:tab pos="4071620" algn="l"/>
+                <a:tab pos="4653280" algn="l"/>
+                <a:tab pos="5234940" algn="l"/>
+                <a:tab pos="5816600" algn="l"/>
+                <a:tab pos="6398260" algn="l"/>
+                <a:tab pos="6979920" algn="l"/>
+                <a:tab pos="7561580" algn="l"/>
+                <a:tab pos="8143240" algn="l"/>
+                <a:tab pos="8724900" algn="l"/>
+                <a:tab pos="9306560" algn="l"/>
+              </a:tabLst>
+            </a:pPr>
+            <a:endParaRPr lang="en-US" sz="2400" dirty="0">
+              <a:latin typeface="Calibri" panose="020F0502020204030204" pitchFamily="34" charset="0"/>
+              <a:ea typeface="Calibri" panose="020F0502020204030204" pitchFamily="34" charset="0"/>
+              <a:cs typeface="Times New Roman" panose="02020603050405020304" pitchFamily="18" charset="0"/>
+            </a:endParaRPr>
+          </a:p>
+          <a:p>
+            <a:pPr>
+              <a:lnSpc>
+                <a:spcPct val="107000"/>
+              </a:lnSpc>
+              <a:tabLst>
+                <a:tab pos="581660" algn="l"/>
+                <a:tab pos="1163320" algn="l"/>
+                <a:tab pos="1744980" algn="l"/>
+                <a:tab pos="2326640" algn="l"/>
+                <a:tab pos="2908300" algn="l"/>
+                <a:tab pos="3489960" algn="l"/>
+                <a:tab pos="4071620" algn="l"/>
+                <a:tab pos="4653280" algn="l"/>
+                <a:tab pos="5234940" algn="l"/>
+                <a:tab pos="5816600" algn="l"/>
+                <a:tab pos="6398260" algn="l"/>
+                <a:tab pos="6979920" algn="l"/>
+                <a:tab pos="7561580" algn="l"/>
+                <a:tab pos="8143240" algn="l"/>
+                <a:tab pos="8724900" algn="l"/>
+                <a:tab pos="9306560" algn="l"/>
+              </a:tabLst>
+            </a:pPr>
+            <a:r>
+              <a:rPr lang="en-US" dirty="0" err="1">
+                <a:solidFill>
+                  <a:srgbClr val="0000FF"/>
+                </a:solidFill>
+                <a:latin typeface="Consolas" panose="020B0609020204030204" pitchFamily="49" charset="0"/>
+                <a:ea typeface="Times New Roman" panose="02020603050405020304" pitchFamily="18" charset="0"/>
+                <a:cs typeface="Times New Roman" panose="02020603050405020304" pitchFamily="18" charset="0"/>
+              </a:rPr>
+              <a:t>var</a:t>
+            </a:r>
+            <a:r>
+              <a:rPr lang="en-US" dirty="0">
+                <a:solidFill>
+                  <a:srgbClr val="000000"/>
+                </a:solidFill>
+                <a:latin typeface="Consolas" panose="020B0609020204030204" pitchFamily="49" charset="0"/>
+                <a:ea typeface="Times New Roman" panose="02020603050405020304" pitchFamily="18" charset="0"/>
+                <a:cs typeface="Times New Roman" panose="02020603050405020304" pitchFamily="18" charset="0"/>
+              </a:rPr>
+              <a:t> </a:t>
+            </a:r>
+            <a:r>
+              <a:rPr lang="en-US" dirty="0" err="1">
+                <a:solidFill>
+                  <a:srgbClr val="000000"/>
+                </a:solidFill>
+                <a:latin typeface="Consolas" panose="020B0609020204030204" pitchFamily="49" charset="0"/>
+                <a:ea typeface="Times New Roman" panose="02020603050405020304" pitchFamily="18" charset="0"/>
+                <a:cs typeface="Times New Roman" panose="02020603050405020304" pitchFamily="18" charset="0"/>
+              </a:rPr>
+              <a:t>BaseClass</a:t>
+            </a:r>
+            <a:r>
+              <a:rPr lang="en-US" dirty="0">
+                <a:solidFill>
+                  <a:srgbClr val="000000"/>
+                </a:solidFill>
+                <a:latin typeface="Consolas" panose="020B0609020204030204" pitchFamily="49" charset="0"/>
+                <a:ea typeface="Times New Roman" panose="02020603050405020304" pitchFamily="18" charset="0"/>
+                <a:cs typeface="Times New Roman" panose="02020603050405020304" pitchFamily="18" charset="0"/>
+              </a:rPr>
+              <a:t> = (</a:t>
+            </a:r>
+            <a:r>
+              <a:rPr lang="en-US" dirty="0">
+                <a:solidFill>
+                  <a:srgbClr val="0000FF"/>
+                </a:solidFill>
+                <a:latin typeface="Consolas" panose="020B0609020204030204" pitchFamily="49" charset="0"/>
+                <a:ea typeface="Times New Roman" panose="02020603050405020304" pitchFamily="18" charset="0"/>
+                <a:cs typeface="Times New Roman" panose="02020603050405020304" pitchFamily="18" charset="0"/>
+              </a:rPr>
+              <a:t>function</a:t>
+            </a:r>
+            <a:r>
+              <a:rPr lang="en-US" dirty="0">
+                <a:solidFill>
+                  <a:srgbClr val="000000"/>
+                </a:solidFill>
+                <a:latin typeface="Consolas" panose="020B0609020204030204" pitchFamily="49" charset="0"/>
+                <a:ea typeface="Times New Roman" panose="02020603050405020304" pitchFamily="18" charset="0"/>
+                <a:cs typeface="Times New Roman" panose="02020603050405020304" pitchFamily="18" charset="0"/>
+              </a:rPr>
+              <a:t> () {</a:t>
+            </a:r>
+            <a:endParaRPr lang="en-US" sz="2400" dirty="0">
+              <a:latin typeface="Calibri" panose="020F0502020204030204" pitchFamily="34" charset="0"/>
+              <a:ea typeface="Calibri" panose="020F0502020204030204" pitchFamily="34" charset="0"/>
+              <a:cs typeface="Times New Roman" panose="02020603050405020304" pitchFamily="18" charset="0"/>
+            </a:endParaRPr>
+          </a:p>
+          <a:p>
+            <a:pPr>
+              <a:lnSpc>
+                <a:spcPct val="107000"/>
+              </a:lnSpc>
+              <a:tabLst>
+                <a:tab pos="581660" algn="l"/>
+                <a:tab pos="1163320" algn="l"/>
+                <a:tab pos="1744980" algn="l"/>
+                <a:tab pos="2326640" algn="l"/>
+                <a:tab pos="2908300" algn="l"/>
+                <a:tab pos="3489960" algn="l"/>
+                <a:tab pos="4071620" algn="l"/>
+                <a:tab pos="4653280" algn="l"/>
+                <a:tab pos="5234940" algn="l"/>
+                <a:tab pos="5816600" algn="l"/>
+                <a:tab pos="6398260" algn="l"/>
+                <a:tab pos="6979920" algn="l"/>
+                <a:tab pos="7561580" algn="l"/>
+                <a:tab pos="8143240" algn="l"/>
+                <a:tab pos="8724900" algn="l"/>
+                <a:tab pos="9306560" algn="l"/>
+              </a:tabLst>
+            </a:pPr>
+            <a:r>
+              <a:rPr lang="en-US" dirty="0">
+                <a:solidFill>
+                  <a:srgbClr val="000000"/>
+                </a:solidFill>
+                <a:latin typeface="Consolas" panose="020B0609020204030204" pitchFamily="49" charset="0"/>
+                <a:ea typeface="Times New Roman" panose="02020603050405020304" pitchFamily="18" charset="0"/>
+                <a:cs typeface="Times New Roman" panose="02020603050405020304" pitchFamily="18" charset="0"/>
+              </a:rPr>
+              <a:t>    </a:t>
+            </a:r>
+            <a:r>
+              <a:rPr lang="en-US" dirty="0">
+                <a:solidFill>
+                  <a:srgbClr val="0000FF"/>
+                </a:solidFill>
+                <a:latin typeface="Consolas" panose="020B0609020204030204" pitchFamily="49" charset="0"/>
+                <a:ea typeface="Times New Roman" panose="02020603050405020304" pitchFamily="18" charset="0"/>
+                <a:cs typeface="Times New Roman" panose="02020603050405020304" pitchFamily="18" charset="0"/>
+              </a:rPr>
+              <a:t>function</a:t>
+            </a:r>
+            <a:r>
+              <a:rPr lang="en-US" dirty="0">
+                <a:solidFill>
+                  <a:srgbClr val="000000"/>
+                </a:solidFill>
+                <a:latin typeface="Consolas" panose="020B0609020204030204" pitchFamily="49" charset="0"/>
+                <a:ea typeface="Times New Roman" panose="02020603050405020304" pitchFamily="18" charset="0"/>
+                <a:cs typeface="Times New Roman" panose="02020603050405020304" pitchFamily="18" charset="0"/>
+              </a:rPr>
+              <a:t> </a:t>
+            </a:r>
+            <a:r>
+              <a:rPr lang="en-US" dirty="0" err="1">
+                <a:solidFill>
+                  <a:srgbClr val="000000"/>
+                </a:solidFill>
+                <a:latin typeface="Consolas" panose="020B0609020204030204" pitchFamily="49" charset="0"/>
+                <a:ea typeface="Times New Roman" panose="02020603050405020304" pitchFamily="18" charset="0"/>
+                <a:cs typeface="Times New Roman" panose="02020603050405020304" pitchFamily="18" charset="0"/>
+              </a:rPr>
+              <a:t>BaseClass</a:t>
+            </a:r>
+            <a:r>
+              <a:rPr lang="en-US" dirty="0">
+                <a:solidFill>
+                  <a:srgbClr val="000000"/>
+                </a:solidFill>
+                <a:latin typeface="Consolas" panose="020B0609020204030204" pitchFamily="49" charset="0"/>
+                <a:ea typeface="Times New Roman" panose="02020603050405020304" pitchFamily="18" charset="0"/>
+                <a:cs typeface="Times New Roman" panose="02020603050405020304" pitchFamily="18" charset="0"/>
+              </a:rPr>
+              <a:t>(value) {</a:t>
+            </a:r>
+            <a:endParaRPr lang="en-US" sz="2400" dirty="0">
+              <a:latin typeface="Calibri" panose="020F0502020204030204" pitchFamily="34" charset="0"/>
+              <a:ea typeface="Calibri" panose="020F0502020204030204" pitchFamily="34" charset="0"/>
+              <a:cs typeface="Times New Roman" panose="02020603050405020304" pitchFamily="18" charset="0"/>
+            </a:endParaRPr>
+          </a:p>
+          <a:p>
+            <a:pPr>
+              <a:lnSpc>
+                <a:spcPct val="107000"/>
+              </a:lnSpc>
+              <a:tabLst>
+                <a:tab pos="581660" algn="l"/>
+                <a:tab pos="1163320" algn="l"/>
+                <a:tab pos="1744980" algn="l"/>
+                <a:tab pos="2326640" algn="l"/>
+                <a:tab pos="2908300" algn="l"/>
+                <a:tab pos="3489960" algn="l"/>
+                <a:tab pos="4071620" algn="l"/>
+                <a:tab pos="4653280" algn="l"/>
+                <a:tab pos="5234940" algn="l"/>
+                <a:tab pos="5816600" algn="l"/>
+                <a:tab pos="6398260" algn="l"/>
+                <a:tab pos="6979920" algn="l"/>
+                <a:tab pos="7561580" algn="l"/>
+                <a:tab pos="8143240" algn="l"/>
+                <a:tab pos="8724900" algn="l"/>
+                <a:tab pos="9306560" algn="l"/>
+              </a:tabLst>
+            </a:pPr>
+            <a:r>
+              <a:rPr lang="en-US" dirty="0">
+                <a:solidFill>
+                  <a:srgbClr val="000000"/>
+                </a:solidFill>
+                <a:latin typeface="Consolas" panose="020B0609020204030204" pitchFamily="49" charset="0"/>
+                <a:ea typeface="Times New Roman" panose="02020603050405020304" pitchFamily="18" charset="0"/>
+                <a:cs typeface="Times New Roman" panose="02020603050405020304" pitchFamily="18" charset="0"/>
+              </a:rPr>
+              <a:t>        </a:t>
+            </a:r>
+            <a:r>
+              <a:rPr lang="en-US" dirty="0" err="1">
+                <a:solidFill>
+                  <a:srgbClr val="0000FF"/>
+                </a:solidFill>
+                <a:latin typeface="Consolas" panose="020B0609020204030204" pitchFamily="49" charset="0"/>
+                <a:ea typeface="Times New Roman" panose="02020603050405020304" pitchFamily="18" charset="0"/>
+                <a:cs typeface="Times New Roman" panose="02020603050405020304" pitchFamily="18" charset="0"/>
+              </a:rPr>
+              <a:t>this</a:t>
+            </a:r>
+            <a:r>
+              <a:rPr lang="en-US" dirty="0" err="1">
+                <a:solidFill>
+                  <a:srgbClr val="000000"/>
+                </a:solidFill>
+                <a:latin typeface="Consolas" panose="020B0609020204030204" pitchFamily="49" charset="0"/>
+                <a:ea typeface="Times New Roman" panose="02020603050405020304" pitchFamily="18" charset="0"/>
+                <a:cs typeface="Times New Roman" panose="02020603050405020304" pitchFamily="18" charset="0"/>
+              </a:rPr>
+              <a:t>.value</a:t>
+            </a:r>
+            <a:r>
+              <a:rPr lang="en-US" dirty="0">
+                <a:solidFill>
+                  <a:srgbClr val="000000"/>
+                </a:solidFill>
+                <a:latin typeface="Consolas" panose="020B0609020204030204" pitchFamily="49" charset="0"/>
+                <a:ea typeface="Times New Roman" panose="02020603050405020304" pitchFamily="18" charset="0"/>
+                <a:cs typeface="Times New Roman" panose="02020603050405020304" pitchFamily="18" charset="0"/>
+              </a:rPr>
+              <a:t> = value;</a:t>
+            </a:r>
+            <a:endParaRPr lang="en-US" sz="2400" dirty="0">
+              <a:latin typeface="Calibri" panose="020F0502020204030204" pitchFamily="34" charset="0"/>
+              <a:ea typeface="Calibri" panose="020F0502020204030204" pitchFamily="34" charset="0"/>
+              <a:cs typeface="Times New Roman" panose="02020603050405020304" pitchFamily="18" charset="0"/>
+            </a:endParaRPr>
+          </a:p>
+          <a:p>
+            <a:pPr>
+              <a:lnSpc>
+                <a:spcPct val="107000"/>
+              </a:lnSpc>
+              <a:tabLst>
+                <a:tab pos="581660" algn="l"/>
+                <a:tab pos="1163320" algn="l"/>
+                <a:tab pos="1744980" algn="l"/>
+                <a:tab pos="2326640" algn="l"/>
+                <a:tab pos="2908300" algn="l"/>
+                <a:tab pos="3489960" algn="l"/>
+                <a:tab pos="4071620" algn="l"/>
+                <a:tab pos="4653280" algn="l"/>
+                <a:tab pos="5234940" algn="l"/>
+                <a:tab pos="5816600" algn="l"/>
+                <a:tab pos="6398260" algn="l"/>
+                <a:tab pos="6979920" algn="l"/>
+                <a:tab pos="7561580" algn="l"/>
+                <a:tab pos="8143240" algn="l"/>
+                <a:tab pos="8724900" algn="l"/>
+                <a:tab pos="9306560" algn="l"/>
+              </a:tabLst>
+            </a:pPr>
+            <a:r>
+              <a:rPr lang="en-US" dirty="0">
+                <a:solidFill>
+                  <a:srgbClr val="000000"/>
+                </a:solidFill>
+                <a:latin typeface="Consolas" panose="020B0609020204030204" pitchFamily="49" charset="0"/>
+                <a:ea typeface="Times New Roman" panose="02020603050405020304" pitchFamily="18" charset="0"/>
+                <a:cs typeface="Times New Roman" panose="02020603050405020304" pitchFamily="18" charset="0"/>
+              </a:rPr>
+              <a:t>    }</a:t>
+            </a:r>
+            <a:endParaRPr lang="en-US" sz="2400" dirty="0">
+              <a:latin typeface="Calibri" panose="020F0502020204030204" pitchFamily="34" charset="0"/>
+              <a:ea typeface="Calibri" panose="020F0502020204030204" pitchFamily="34" charset="0"/>
+              <a:cs typeface="Times New Roman" panose="02020603050405020304" pitchFamily="18" charset="0"/>
+            </a:endParaRPr>
+          </a:p>
+          <a:p>
+            <a:pPr>
+              <a:lnSpc>
+                <a:spcPct val="107000"/>
+              </a:lnSpc>
+              <a:tabLst>
+                <a:tab pos="581660" algn="l"/>
+                <a:tab pos="1163320" algn="l"/>
+                <a:tab pos="1744980" algn="l"/>
+                <a:tab pos="2326640" algn="l"/>
+                <a:tab pos="2908300" algn="l"/>
+                <a:tab pos="3489960" algn="l"/>
+                <a:tab pos="4071620" algn="l"/>
+                <a:tab pos="4653280" algn="l"/>
+                <a:tab pos="5234940" algn="l"/>
+                <a:tab pos="5816600" algn="l"/>
+                <a:tab pos="6398260" algn="l"/>
+                <a:tab pos="6979920" algn="l"/>
+                <a:tab pos="7561580" algn="l"/>
+                <a:tab pos="8143240" algn="l"/>
+                <a:tab pos="8724900" algn="l"/>
+                <a:tab pos="9306560" algn="l"/>
+              </a:tabLst>
+            </a:pPr>
+            <a:r>
+              <a:rPr lang="en-US" dirty="0">
+                <a:solidFill>
+                  <a:srgbClr val="000000"/>
+                </a:solidFill>
+                <a:latin typeface="Consolas" panose="020B0609020204030204" pitchFamily="49" charset="0"/>
+                <a:ea typeface="Times New Roman" panose="02020603050405020304" pitchFamily="18" charset="0"/>
+                <a:cs typeface="Times New Roman" panose="02020603050405020304" pitchFamily="18" charset="0"/>
+              </a:rPr>
+              <a:t>    </a:t>
+            </a:r>
+            <a:r>
+              <a:rPr lang="en-US" dirty="0" err="1">
+                <a:solidFill>
+                  <a:srgbClr val="000000"/>
+                </a:solidFill>
+                <a:latin typeface="Consolas" panose="020B0609020204030204" pitchFamily="49" charset="0"/>
+                <a:ea typeface="Times New Roman" panose="02020603050405020304" pitchFamily="18" charset="0"/>
+                <a:cs typeface="Times New Roman" panose="02020603050405020304" pitchFamily="18" charset="0"/>
+              </a:rPr>
+              <a:t>BaseClass.prototype.getValue</a:t>
+            </a:r>
+            <a:r>
+              <a:rPr lang="en-US" dirty="0">
+                <a:solidFill>
+                  <a:srgbClr val="000000"/>
+                </a:solidFill>
+                <a:latin typeface="Consolas" panose="020B0609020204030204" pitchFamily="49" charset="0"/>
+                <a:ea typeface="Times New Roman" panose="02020603050405020304" pitchFamily="18" charset="0"/>
+                <a:cs typeface="Times New Roman" panose="02020603050405020304" pitchFamily="18" charset="0"/>
+              </a:rPr>
+              <a:t> = </a:t>
+            </a:r>
+            <a:r>
+              <a:rPr lang="en-US" dirty="0">
+                <a:solidFill>
+                  <a:srgbClr val="0000FF"/>
+                </a:solidFill>
+                <a:latin typeface="Consolas" panose="020B0609020204030204" pitchFamily="49" charset="0"/>
+                <a:ea typeface="Times New Roman" panose="02020603050405020304" pitchFamily="18" charset="0"/>
+                <a:cs typeface="Times New Roman" panose="02020603050405020304" pitchFamily="18" charset="0"/>
+              </a:rPr>
+              <a:t>function</a:t>
+            </a:r>
+            <a:r>
+              <a:rPr lang="en-US" dirty="0">
+                <a:solidFill>
+                  <a:srgbClr val="000000"/>
+                </a:solidFill>
+                <a:latin typeface="Consolas" panose="020B0609020204030204" pitchFamily="49" charset="0"/>
+                <a:ea typeface="Times New Roman" panose="02020603050405020304" pitchFamily="18" charset="0"/>
+                <a:cs typeface="Times New Roman" panose="02020603050405020304" pitchFamily="18" charset="0"/>
+              </a:rPr>
+              <a:t> () {</a:t>
+            </a:r>
+            <a:endParaRPr lang="en-US" sz="2400" dirty="0">
+              <a:latin typeface="Calibri" panose="020F0502020204030204" pitchFamily="34" charset="0"/>
+              <a:ea typeface="Calibri" panose="020F0502020204030204" pitchFamily="34" charset="0"/>
+              <a:cs typeface="Times New Roman" panose="02020603050405020304" pitchFamily="18" charset="0"/>
+            </a:endParaRPr>
+          </a:p>
+          <a:p>
+            <a:pPr>
+              <a:lnSpc>
+                <a:spcPct val="107000"/>
+              </a:lnSpc>
+              <a:tabLst>
+                <a:tab pos="581660" algn="l"/>
+                <a:tab pos="1163320" algn="l"/>
+                <a:tab pos="1744980" algn="l"/>
+                <a:tab pos="2326640" algn="l"/>
+                <a:tab pos="2908300" algn="l"/>
+                <a:tab pos="3489960" algn="l"/>
+                <a:tab pos="4071620" algn="l"/>
+                <a:tab pos="4653280" algn="l"/>
+                <a:tab pos="5234940" algn="l"/>
+                <a:tab pos="5816600" algn="l"/>
+                <a:tab pos="6398260" algn="l"/>
+                <a:tab pos="6979920" algn="l"/>
+                <a:tab pos="7561580" algn="l"/>
+                <a:tab pos="8143240" algn="l"/>
+                <a:tab pos="8724900" algn="l"/>
+                <a:tab pos="9306560" algn="l"/>
+              </a:tabLst>
+            </a:pPr>
+            <a:r>
+              <a:rPr lang="en-US" dirty="0">
+                <a:solidFill>
+                  <a:srgbClr val="000000"/>
+                </a:solidFill>
+                <a:latin typeface="Consolas" panose="020B0609020204030204" pitchFamily="49" charset="0"/>
+                <a:ea typeface="Times New Roman" panose="02020603050405020304" pitchFamily="18" charset="0"/>
+                <a:cs typeface="Times New Roman" panose="02020603050405020304" pitchFamily="18" charset="0"/>
+              </a:rPr>
+              <a:t>        </a:t>
+            </a:r>
+            <a:r>
+              <a:rPr lang="en-US" dirty="0">
+                <a:solidFill>
+                  <a:srgbClr val="0000FF"/>
+                </a:solidFill>
+                <a:latin typeface="Consolas" panose="020B0609020204030204" pitchFamily="49" charset="0"/>
+                <a:ea typeface="Times New Roman" panose="02020603050405020304" pitchFamily="18" charset="0"/>
+                <a:cs typeface="Times New Roman" panose="02020603050405020304" pitchFamily="18" charset="0"/>
+              </a:rPr>
+              <a:t>return</a:t>
+            </a:r>
+            <a:r>
+              <a:rPr lang="en-US" dirty="0">
+                <a:solidFill>
+                  <a:srgbClr val="000000"/>
+                </a:solidFill>
+                <a:latin typeface="Consolas" panose="020B0609020204030204" pitchFamily="49" charset="0"/>
+                <a:ea typeface="Times New Roman" panose="02020603050405020304" pitchFamily="18" charset="0"/>
+                <a:cs typeface="Times New Roman" panose="02020603050405020304" pitchFamily="18" charset="0"/>
+              </a:rPr>
+              <a:t> </a:t>
+            </a:r>
+            <a:r>
+              <a:rPr lang="en-US" dirty="0" err="1">
+                <a:solidFill>
+                  <a:srgbClr val="0000FF"/>
+                </a:solidFill>
+                <a:latin typeface="Consolas" panose="020B0609020204030204" pitchFamily="49" charset="0"/>
+                <a:ea typeface="Times New Roman" panose="02020603050405020304" pitchFamily="18" charset="0"/>
+                <a:cs typeface="Times New Roman" panose="02020603050405020304" pitchFamily="18" charset="0"/>
+              </a:rPr>
+              <a:t>this</a:t>
+            </a:r>
+            <a:r>
+              <a:rPr lang="en-US" dirty="0" err="1">
+                <a:solidFill>
+                  <a:srgbClr val="000000"/>
+                </a:solidFill>
+                <a:latin typeface="Consolas" panose="020B0609020204030204" pitchFamily="49" charset="0"/>
+                <a:ea typeface="Times New Roman" panose="02020603050405020304" pitchFamily="18" charset="0"/>
+                <a:cs typeface="Times New Roman" panose="02020603050405020304" pitchFamily="18" charset="0"/>
+              </a:rPr>
+              <a:t>.value</a:t>
+            </a:r>
+            <a:r>
+              <a:rPr lang="en-US" dirty="0">
+                <a:solidFill>
+                  <a:srgbClr val="000000"/>
+                </a:solidFill>
+                <a:latin typeface="Consolas" panose="020B0609020204030204" pitchFamily="49" charset="0"/>
+                <a:ea typeface="Times New Roman" panose="02020603050405020304" pitchFamily="18" charset="0"/>
+                <a:cs typeface="Times New Roman" panose="02020603050405020304" pitchFamily="18" charset="0"/>
+              </a:rPr>
+              <a:t>;</a:t>
+            </a:r>
+            <a:endParaRPr lang="en-US" sz="2400" dirty="0">
+              <a:latin typeface="Calibri" panose="020F0502020204030204" pitchFamily="34" charset="0"/>
+              <a:ea typeface="Calibri" panose="020F0502020204030204" pitchFamily="34" charset="0"/>
+              <a:cs typeface="Times New Roman" panose="02020603050405020304" pitchFamily="18" charset="0"/>
+            </a:endParaRPr>
+          </a:p>
+          <a:p>
+            <a:pPr>
+              <a:lnSpc>
+                <a:spcPct val="107000"/>
+              </a:lnSpc>
+              <a:tabLst>
+                <a:tab pos="581660" algn="l"/>
+                <a:tab pos="1163320" algn="l"/>
+                <a:tab pos="1744980" algn="l"/>
+                <a:tab pos="2326640" algn="l"/>
+                <a:tab pos="2908300" algn="l"/>
+                <a:tab pos="3489960" algn="l"/>
+                <a:tab pos="4071620" algn="l"/>
+                <a:tab pos="4653280" algn="l"/>
+                <a:tab pos="5234940" algn="l"/>
+                <a:tab pos="5816600" algn="l"/>
+                <a:tab pos="6398260" algn="l"/>
+                <a:tab pos="6979920" algn="l"/>
+                <a:tab pos="7561580" algn="l"/>
+                <a:tab pos="8143240" algn="l"/>
+                <a:tab pos="8724900" algn="l"/>
+                <a:tab pos="9306560" algn="l"/>
+              </a:tabLst>
+            </a:pPr>
+            <a:r>
+              <a:rPr lang="en-US" dirty="0">
+                <a:solidFill>
+                  <a:srgbClr val="000000"/>
+                </a:solidFill>
+                <a:latin typeface="Consolas" panose="020B0609020204030204" pitchFamily="49" charset="0"/>
+                <a:ea typeface="Times New Roman" panose="02020603050405020304" pitchFamily="18" charset="0"/>
+                <a:cs typeface="Times New Roman" panose="02020603050405020304" pitchFamily="18" charset="0"/>
+              </a:rPr>
+              <a:t>    };</a:t>
+            </a:r>
+            <a:endParaRPr lang="en-US" sz="2400" dirty="0">
+              <a:latin typeface="Calibri" panose="020F0502020204030204" pitchFamily="34" charset="0"/>
+              <a:ea typeface="Calibri" panose="020F0502020204030204" pitchFamily="34" charset="0"/>
+              <a:cs typeface="Times New Roman" panose="02020603050405020304" pitchFamily="18" charset="0"/>
+            </a:endParaRPr>
+          </a:p>
+          <a:p>
+            <a:pPr>
+              <a:lnSpc>
+                <a:spcPct val="107000"/>
+              </a:lnSpc>
+              <a:tabLst>
+                <a:tab pos="581660" algn="l"/>
+                <a:tab pos="1163320" algn="l"/>
+                <a:tab pos="1744980" algn="l"/>
+                <a:tab pos="2326640" algn="l"/>
+                <a:tab pos="2908300" algn="l"/>
+                <a:tab pos="3489960" algn="l"/>
+                <a:tab pos="4071620" algn="l"/>
+                <a:tab pos="4653280" algn="l"/>
+                <a:tab pos="5234940" algn="l"/>
+                <a:tab pos="5816600" algn="l"/>
+                <a:tab pos="6398260" algn="l"/>
+                <a:tab pos="6979920" algn="l"/>
+                <a:tab pos="7561580" algn="l"/>
+                <a:tab pos="8143240" algn="l"/>
+                <a:tab pos="8724900" algn="l"/>
+                <a:tab pos="9306560" algn="l"/>
+              </a:tabLst>
+            </a:pPr>
+            <a:r>
+              <a:rPr lang="en-US" dirty="0">
+                <a:solidFill>
+                  <a:srgbClr val="000000"/>
+                </a:solidFill>
+                <a:latin typeface="Consolas" panose="020B0609020204030204" pitchFamily="49" charset="0"/>
+                <a:ea typeface="Times New Roman" panose="02020603050405020304" pitchFamily="18" charset="0"/>
+                <a:cs typeface="Times New Roman" panose="02020603050405020304" pitchFamily="18" charset="0"/>
+              </a:rPr>
+              <a:t>    </a:t>
+            </a:r>
+            <a:r>
+              <a:rPr lang="en-US" dirty="0">
+                <a:solidFill>
+                  <a:srgbClr val="0000FF"/>
+                </a:solidFill>
+                <a:latin typeface="Consolas" panose="020B0609020204030204" pitchFamily="49" charset="0"/>
+                <a:ea typeface="Times New Roman" panose="02020603050405020304" pitchFamily="18" charset="0"/>
+                <a:cs typeface="Times New Roman" panose="02020603050405020304" pitchFamily="18" charset="0"/>
+              </a:rPr>
+              <a:t>return</a:t>
+            </a:r>
+            <a:r>
+              <a:rPr lang="en-US" dirty="0">
+                <a:solidFill>
+                  <a:srgbClr val="000000"/>
+                </a:solidFill>
+                <a:latin typeface="Consolas" panose="020B0609020204030204" pitchFamily="49" charset="0"/>
+                <a:ea typeface="Times New Roman" panose="02020603050405020304" pitchFamily="18" charset="0"/>
+                <a:cs typeface="Times New Roman" panose="02020603050405020304" pitchFamily="18" charset="0"/>
+              </a:rPr>
+              <a:t> </a:t>
+            </a:r>
+            <a:r>
+              <a:rPr lang="en-US" dirty="0" err="1">
+                <a:solidFill>
+                  <a:srgbClr val="000000"/>
+                </a:solidFill>
+                <a:latin typeface="Consolas" panose="020B0609020204030204" pitchFamily="49" charset="0"/>
+                <a:ea typeface="Times New Roman" panose="02020603050405020304" pitchFamily="18" charset="0"/>
+                <a:cs typeface="Times New Roman" panose="02020603050405020304" pitchFamily="18" charset="0"/>
+              </a:rPr>
+              <a:t>BaseClass</a:t>
+            </a:r>
+            <a:r>
+              <a:rPr lang="en-US" dirty="0">
+                <a:solidFill>
+                  <a:srgbClr val="000000"/>
+                </a:solidFill>
+                <a:latin typeface="Consolas" panose="020B0609020204030204" pitchFamily="49" charset="0"/>
+                <a:ea typeface="Times New Roman" panose="02020603050405020304" pitchFamily="18" charset="0"/>
+                <a:cs typeface="Times New Roman" panose="02020603050405020304" pitchFamily="18" charset="0"/>
+              </a:rPr>
+              <a:t>;</a:t>
+            </a:r>
+            <a:endParaRPr lang="en-US" sz="2400" dirty="0">
+              <a:latin typeface="Calibri" panose="020F0502020204030204" pitchFamily="34" charset="0"/>
+              <a:ea typeface="Calibri" panose="020F0502020204030204" pitchFamily="34" charset="0"/>
+              <a:cs typeface="Times New Roman" panose="02020603050405020304" pitchFamily="18" charset="0"/>
+            </a:endParaRPr>
+          </a:p>
+          <a:p>
+            <a:pPr>
+              <a:lnSpc>
+                <a:spcPct val="107000"/>
+              </a:lnSpc>
+              <a:tabLst>
+                <a:tab pos="581660" algn="l"/>
+                <a:tab pos="1163320" algn="l"/>
+                <a:tab pos="1744980" algn="l"/>
+                <a:tab pos="2326640" algn="l"/>
+                <a:tab pos="2908300" algn="l"/>
+                <a:tab pos="3489960" algn="l"/>
+                <a:tab pos="4071620" algn="l"/>
+                <a:tab pos="4653280" algn="l"/>
+                <a:tab pos="5234940" algn="l"/>
+                <a:tab pos="5816600" algn="l"/>
+                <a:tab pos="6398260" algn="l"/>
+                <a:tab pos="6979920" algn="l"/>
+                <a:tab pos="7561580" algn="l"/>
+                <a:tab pos="8143240" algn="l"/>
+                <a:tab pos="8724900" algn="l"/>
+                <a:tab pos="9306560" algn="l"/>
+              </a:tabLst>
+            </a:pPr>
+            <a:r>
+              <a:rPr lang="en-US" dirty="0">
+                <a:solidFill>
+                  <a:srgbClr val="000000"/>
+                </a:solidFill>
+                <a:latin typeface="Consolas" panose="020B0609020204030204" pitchFamily="49" charset="0"/>
+                <a:ea typeface="Times New Roman" panose="02020603050405020304" pitchFamily="18" charset="0"/>
+                <a:cs typeface="Times New Roman" panose="02020603050405020304" pitchFamily="18" charset="0"/>
+              </a:rPr>
+              <a:t>})();</a:t>
+            </a:r>
+            <a:endParaRPr lang="en-US" sz="2400" dirty="0">
+              <a:latin typeface="Calibri" panose="020F0502020204030204" pitchFamily="34" charset="0"/>
+              <a:ea typeface="Calibri" panose="020F0502020204030204" pitchFamily="34" charset="0"/>
+              <a:cs typeface="Times New Roman" panose="02020603050405020304" pitchFamily="18" charset="0"/>
+            </a:endParaRPr>
+          </a:p>
+          <a:p>
+            <a:pPr>
+              <a:lnSpc>
+                <a:spcPct val="107000"/>
+              </a:lnSpc>
+              <a:tabLst>
+                <a:tab pos="581660" algn="l"/>
+                <a:tab pos="1163320" algn="l"/>
+                <a:tab pos="1744980" algn="l"/>
+                <a:tab pos="2326640" algn="l"/>
+                <a:tab pos="2908300" algn="l"/>
+                <a:tab pos="3489960" algn="l"/>
+                <a:tab pos="4071620" algn="l"/>
+                <a:tab pos="4653280" algn="l"/>
+                <a:tab pos="5234940" algn="l"/>
+                <a:tab pos="5816600" algn="l"/>
+                <a:tab pos="6398260" algn="l"/>
+                <a:tab pos="6979920" algn="l"/>
+                <a:tab pos="7561580" algn="l"/>
+                <a:tab pos="8143240" algn="l"/>
+                <a:tab pos="8724900" algn="l"/>
+                <a:tab pos="9306560" algn="l"/>
+              </a:tabLst>
+            </a:pPr>
+            <a:r>
+              <a:rPr lang="en-US" dirty="0">
+                <a:solidFill>
+                  <a:srgbClr val="000000"/>
+                </a:solidFill>
+                <a:latin typeface="Consolas" panose="020B0609020204030204" pitchFamily="49" charset="0"/>
+                <a:ea typeface="Times New Roman" panose="02020603050405020304" pitchFamily="18" charset="0"/>
+                <a:cs typeface="Times New Roman" panose="02020603050405020304" pitchFamily="18" charset="0"/>
+              </a:rPr>
+              <a:t> </a:t>
+            </a:r>
+            <a:endParaRPr lang="en-US" sz="2400" dirty="0">
+              <a:latin typeface="Calibri" panose="020F0502020204030204" pitchFamily="34" charset="0"/>
+              <a:ea typeface="Calibri" panose="020F0502020204030204" pitchFamily="34" charset="0"/>
+              <a:cs typeface="Times New Roman" panose="02020603050405020304" pitchFamily="18" charset="0"/>
+            </a:endParaRPr>
+          </a:p>
+          <a:p>
+            <a:pPr>
+              <a:lnSpc>
+                <a:spcPct val="107000"/>
+              </a:lnSpc>
+              <a:tabLst>
+                <a:tab pos="581660" algn="l"/>
+                <a:tab pos="1163320" algn="l"/>
+                <a:tab pos="1744980" algn="l"/>
+                <a:tab pos="2326640" algn="l"/>
+                <a:tab pos="2908300" algn="l"/>
+                <a:tab pos="3489960" algn="l"/>
+                <a:tab pos="4071620" algn="l"/>
+                <a:tab pos="4653280" algn="l"/>
+                <a:tab pos="5234940" algn="l"/>
+                <a:tab pos="5816600" algn="l"/>
+                <a:tab pos="6398260" algn="l"/>
+                <a:tab pos="6979920" algn="l"/>
+                <a:tab pos="7561580" algn="l"/>
+                <a:tab pos="8143240" algn="l"/>
+                <a:tab pos="8724900" algn="l"/>
+                <a:tab pos="9306560" algn="l"/>
+              </a:tabLst>
+            </a:pPr>
+            <a:r>
+              <a:rPr lang="en-US" dirty="0" err="1">
+                <a:solidFill>
+                  <a:srgbClr val="0000FF"/>
+                </a:solidFill>
+                <a:latin typeface="Consolas" panose="020B0609020204030204" pitchFamily="49" charset="0"/>
+                <a:ea typeface="Times New Roman" panose="02020603050405020304" pitchFamily="18" charset="0"/>
+                <a:cs typeface="Times New Roman" panose="02020603050405020304" pitchFamily="18" charset="0"/>
+              </a:rPr>
+              <a:t>var</a:t>
+            </a:r>
+            <a:r>
+              <a:rPr lang="en-US" dirty="0">
+                <a:solidFill>
+                  <a:srgbClr val="000000"/>
+                </a:solidFill>
+                <a:latin typeface="Consolas" panose="020B0609020204030204" pitchFamily="49" charset="0"/>
+                <a:ea typeface="Times New Roman" panose="02020603050405020304" pitchFamily="18" charset="0"/>
+                <a:cs typeface="Times New Roman" panose="02020603050405020304" pitchFamily="18" charset="0"/>
+              </a:rPr>
+              <a:t> </a:t>
+            </a:r>
+            <a:r>
+              <a:rPr lang="en-US" dirty="0" err="1">
+                <a:solidFill>
+                  <a:srgbClr val="000000"/>
+                </a:solidFill>
+                <a:latin typeface="Consolas" panose="020B0609020204030204" pitchFamily="49" charset="0"/>
+                <a:ea typeface="Times New Roman" panose="02020603050405020304" pitchFamily="18" charset="0"/>
+                <a:cs typeface="Times New Roman" panose="02020603050405020304" pitchFamily="18" charset="0"/>
+              </a:rPr>
+              <a:t>DerivedClass</a:t>
+            </a:r>
+            <a:r>
+              <a:rPr lang="en-US" dirty="0">
+                <a:solidFill>
+                  <a:srgbClr val="000000"/>
+                </a:solidFill>
+                <a:latin typeface="Consolas" panose="020B0609020204030204" pitchFamily="49" charset="0"/>
+                <a:ea typeface="Times New Roman" panose="02020603050405020304" pitchFamily="18" charset="0"/>
+                <a:cs typeface="Times New Roman" panose="02020603050405020304" pitchFamily="18" charset="0"/>
+              </a:rPr>
+              <a:t> = (</a:t>
+            </a:r>
+            <a:r>
+              <a:rPr lang="en-US" dirty="0">
+                <a:solidFill>
+                  <a:srgbClr val="0000FF"/>
+                </a:solidFill>
+                <a:latin typeface="Consolas" panose="020B0609020204030204" pitchFamily="49" charset="0"/>
+                <a:ea typeface="Times New Roman" panose="02020603050405020304" pitchFamily="18" charset="0"/>
+                <a:cs typeface="Times New Roman" panose="02020603050405020304" pitchFamily="18" charset="0"/>
+              </a:rPr>
+              <a:t>function</a:t>
+            </a:r>
+            <a:r>
+              <a:rPr lang="en-US" dirty="0">
+                <a:solidFill>
+                  <a:srgbClr val="000000"/>
+                </a:solidFill>
+                <a:latin typeface="Consolas" panose="020B0609020204030204" pitchFamily="49" charset="0"/>
+                <a:ea typeface="Times New Roman" panose="02020603050405020304" pitchFamily="18" charset="0"/>
+                <a:cs typeface="Times New Roman" panose="02020603050405020304" pitchFamily="18" charset="0"/>
+              </a:rPr>
+              <a:t> (_super) {</a:t>
+            </a:r>
+            <a:endParaRPr lang="en-US" sz="2400" dirty="0">
+              <a:latin typeface="Calibri" panose="020F0502020204030204" pitchFamily="34" charset="0"/>
+              <a:ea typeface="Calibri" panose="020F0502020204030204" pitchFamily="34" charset="0"/>
+              <a:cs typeface="Times New Roman" panose="02020603050405020304" pitchFamily="18" charset="0"/>
+            </a:endParaRPr>
+          </a:p>
+          <a:p>
+            <a:pPr>
+              <a:lnSpc>
+                <a:spcPct val="107000"/>
+              </a:lnSpc>
+              <a:tabLst>
+                <a:tab pos="581660" algn="l"/>
+                <a:tab pos="1163320" algn="l"/>
+                <a:tab pos="1744980" algn="l"/>
+                <a:tab pos="2326640" algn="l"/>
+                <a:tab pos="2908300" algn="l"/>
+                <a:tab pos="3489960" algn="l"/>
+                <a:tab pos="4071620" algn="l"/>
+                <a:tab pos="4653280" algn="l"/>
+                <a:tab pos="5234940" algn="l"/>
+                <a:tab pos="5816600" algn="l"/>
+                <a:tab pos="6398260" algn="l"/>
+                <a:tab pos="6979920" algn="l"/>
+                <a:tab pos="7561580" algn="l"/>
+                <a:tab pos="8143240" algn="l"/>
+                <a:tab pos="8724900" algn="l"/>
+                <a:tab pos="9306560" algn="l"/>
+              </a:tabLst>
+            </a:pPr>
+            <a:r>
+              <a:rPr lang="en-US" dirty="0">
+                <a:solidFill>
+                  <a:srgbClr val="000000"/>
+                </a:solidFill>
+                <a:latin typeface="Consolas" panose="020B0609020204030204" pitchFamily="49" charset="0"/>
+                <a:ea typeface="Times New Roman" panose="02020603050405020304" pitchFamily="18" charset="0"/>
+                <a:cs typeface="Times New Roman" panose="02020603050405020304" pitchFamily="18" charset="0"/>
+              </a:rPr>
+              <a:t>    __extends(</a:t>
+            </a:r>
+            <a:r>
+              <a:rPr lang="en-US" dirty="0" err="1">
+                <a:solidFill>
+                  <a:srgbClr val="000000"/>
+                </a:solidFill>
+                <a:latin typeface="Consolas" panose="020B0609020204030204" pitchFamily="49" charset="0"/>
+                <a:ea typeface="Times New Roman" panose="02020603050405020304" pitchFamily="18" charset="0"/>
+                <a:cs typeface="Times New Roman" panose="02020603050405020304" pitchFamily="18" charset="0"/>
+              </a:rPr>
+              <a:t>DerivedClass</a:t>
+            </a:r>
+            <a:r>
+              <a:rPr lang="en-US" dirty="0">
+                <a:solidFill>
+                  <a:srgbClr val="000000"/>
+                </a:solidFill>
+                <a:latin typeface="Consolas" panose="020B0609020204030204" pitchFamily="49" charset="0"/>
+                <a:ea typeface="Times New Roman" panose="02020603050405020304" pitchFamily="18" charset="0"/>
+                <a:cs typeface="Times New Roman" panose="02020603050405020304" pitchFamily="18" charset="0"/>
+              </a:rPr>
+              <a:t>, _super);</a:t>
+            </a:r>
+            <a:endParaRPr lang="en-US" sz="2400" dirty="0">
+              <a:latin typeface="Calibri" panose="020F0502020204030204" pitchFamily="34" charset="0"/>
+              <a:ea typeface="Calibri" panose="020F0502020204030204" pitchFamily="34" charset="0"/>
+              <a:cs typeface="Times New Roman" panose="02020603050405020304" pitchFamily="18" charset="0"/>
+            </a:endParaRPr>
+          </a:p>
+          <a:p>
+            <a:pPr>
+              <a:lnSpc>
+                <a:spcPct val="107000"/>
+              </a:lnSpc>
+              <a:tabLst>
+                <a:tab pos="581660" algn="l"/>
+                <a:tab pos="1163320" algn="l"/>
+                <a:tab pos="1744980" algn="l"/>
+                <a:tab pos="2326640" algn="l"/>
+                <a:tab pos="2908300" algn="l"/>
+                <a:tab pos="3489960" algn="l"/>
+                <a:tab pos="4071620" algn="l"/>
+                <a:tab pos="4653280" algn="l"/>
+                <a:tab pos="5234940" algn="l"/>
+                <a:tab pos="5816600" algn="l"/>
+                <a:tab pos="6398260" algn="l"/>
+                <a:tab pos="6979920" algn="l"/>
+                <a:tab pos="7561580" algn="l"/>
+                <a:tab pos="8143240" algn="l"/>
+                <a:tab pos="8724900" algn="l"/>
+                <a:tab pos="9306560" algn="l"/>
+              </a:tabLst>
+            </a:pPr>
+            <a:r>
+              <a:rPr lang="en-US" dirty="0">
+                <a:solidFill>
+                  <a:srgbClr val="000000"/>
+                </a:solidFill>
+                <a:latin typeface="Consolas" panose="020B0609020204030204" pitchFamily="49" charset="0"/>
+                <a:ea typeface="Times New Roman" panose="02020603050405020304" pitchFamily="18" charset="0"/>
+                <a:cs typeface="Times New Roman" panose="02020603050405020304" pitchFamily="18" charset="0"/>
+              </a:rPr>
+              <a:t>    </a:t>
+            </a:r>
+            <a:r>
+              <a:rPr lang="en-US" dirty="0">
+                <a:solidFill>
+                  <a:srgbClr val="0000FF"/>
+                </a:solidFill>
+                <a:latin typeface="Consolas" panose="020B0609020204030204" pitchFamily="49" charset="0"/>
+                <a:ea typeface="Times New Roman" panose="02020603050405020304" pitchFamily="18" charset="0"/>
+                <a:cs typeface="Times New Roman" panose="02020603050405020304" pitchFamily="18" charset="0"/>
+              </a:rPr>
+              <a:t>function</a:t>
+            </a:r>
+            <a:r>
+              <a:rPr lang="en-US" dirty="0">
+                <a:solidFill>
+                  <a:srgbClr val="000000"/>
+                </a:solidFill>
+                <a:latin typeface="Consolas" panose="020B0609020204030204" pitchFamily="49" charset="0"/>
+                <a:ea typeface="Times New Roman" panose="02020603050405020304" pitchFamily="18" charset="0"/>
+                <a:cs typeface="Times New Roman" panose="02020603050405020304" pitchFamily="18" charset="0"/>
+              </a:rPr>
+              <a:t> </a:t>
+            </a:r>
+            <a:r>
+              <a:rPr lang="en-US" dirty="0" err="1">
+                <a:solidFill>
+                  <a:srgbClr val="000000"/>
+                </a:solidFill>
+                <a:latin typeface="Consolas" panose="020B0609020204030204" pitchFamily="49" charset="0"/>
+                <a:ea typeface="Times New Roman" panose="02020603050405020304" pitchFamily="18" charset="0"/>
+                <a:cs typeface="Times New Roman" panose="02020603050405020304" pitchFamily="18" charset="0"/>
+              </a:rPr>
+              <a:t>DerivedClass</a:t>
+            </a:r>
+            <a:r>
+              <a:rPr lang="en-US" dirty="0">
+                <a:solidFill>
+                  <a:srgbClr val="000000"/>
+                </a:solidFill>
+                <a:latin typeface="Consolas" panose="020B0609020204030204" pitchFamily="49" charset="0"/>
+                <a:ea typeface="Times New Roman" panose="02020603050405020304" pitchFamily="18" charset="0"/>
+                <a:cs typeface="Times New Roman" panose="02020603050405020304" pitchFamily="18" charset="0"/>
+              </a:rPr>
+              <a:t>(value) {</a:t>
+            </a:r>
+            <a:endParaRPr lang="en-US" sz="2400" dirty="0">
+              <a:latin typeface="Calibri" panose="020F0502020204030204" pitchFamily="34" charset="0"/>
+              <a:ea typeface="Calibri" panose="020F0502020204030204" pitchFamily="34" charset="0"/>
+              <a:cs typeface="Times New Roman" panose="02020603050405020304" pitchFamily="18" charset="0"/>
+            </a:endParaRPr>
+          </a:p>
+          <a:p>
+            <a:pPr>
+              <a:lnSpc>
+                <a:spcPct val="107000"/>
+              </a:lnSpc>
+              <a:tabLst>
+                <a:tab pos="581660" algn="l"/>
+                <a:tab pos="1163320" algn="l"/>
+                <a:tab pos="1744980" algn="l"/>
+                <a:tab pos="2326640" algn="l"/>
+                <a:tab pos="2908300" algn="l"/>
+                <a:tab pos="3489960" algn="l"/>
+                <a:tab pos="4071620" algn="l"/>
+                <a:tab pos="4653280" algn="l"/>
+                <a:tab pos="5234940" algn="l"/>
+                <a:tab pos="5816600" algn="l"/>
+                <a:tab pos="6398260" algn="l"/>
+                <a:tab pos="6979920" algn="l"/>
+                <a:tab pos="7561580" algn="l"/>
+                <a:tab pos="8143240" algn="l"/>
+                <a:tab pos="8724900" algn="l"/>
+                <a:tab pos="9306560" algn="l"/>
+              </a:tabLst>
+            </a:pPr>
+            <a:r>
+              <a:rPr lang="en-US" dirty="0">
+                <a:solidFill>
+                  <a:srgbClr val="000000"/>
+                </a:solidFill>
+                <a:latin typeface="Consolas" panose="020B0609020204030204" pitchFamily="49" charset="0"/>
+                <a:ea typeface="Times New Roman" panose="02020603050405020304" pitchFamily="18" charset="0"/>
+                <a:cs typeface="Times New Roman" panose="02020603050405020304" pitchFamily="18" charset="0"/>
+              </a:rPr>
+              <a:t>        _</a:t>
+            </a:r>
+            <a:r>
+              <a:rPr lang="en-US" dirty="0" err="1">
+                <a:solidFill>
+                  <a:srgbClr val="000000"/>
+                </a:solidFill>
+                <a:latin typeface="Consolas" panose="020B0609020204030204" pitchFamily="49" charset="0"/>
+                <a:ea typeface="Times New Roman" panose="02020603050405020304" pitchFamily="18" charset="0"/>
+                <a:cs typeface="Times New Roman" panose="02020603050405020304" pitchFamily="18" charset="0"/>
+              </a:rPr>
+              <a:t>super.call</a:t>
+            </a:r>
+            <a:r>
+              <a:rPr lang="en-US" dirty="0">
+                <a:solidFill>
+                  <a:srgbClr val="000000"/>
+                </a:solidFill>
+                <a:latin typeface="Consolas" panose="020B0609020204030204" pitchFamily="49" charset="0"/>
+                <a:ea typeface="Times New Roman" panose="02020603050405020304" pitchFamily="18" charset="0"/>
+                <a:cs typeface="Times New Roman" panose="02020603050405020304" pitchFamily="18" charset="0"/>
+              </a:rPr>
+              <a:t>(</a:t>
+            </a:r>
+            <a:r>
+              <a:rPr lang="en-US" dirty="0">
+                <a:solidFill>
+                  <a:srgbClr val="0000FF"/>
+                </a:solidFill>
+                <a:latin typeface="Consolas" panose="020B0609020204030204" pitchFamily="49" charset="0"/>
+                <a:ea typeface="Times New Roman" panose="02020603050405020304" pitchFamily="18" charset="0"/>
+                <a:cs typeface="Times New Roman" panose="02020603050405020304" pitchFamily="18" charset="0"/>
+              </a:rPr>
+              <a:t>this</a:t>
+            </a:r>
+            <a:r>
+              <a:rPr lang="en-US" dirty="0">
+                <a:solidFill>
+                  <a:srgbClr val="000000"/>
+                </a:solidFill>
+                <a:latin typeface="Consolas" panose="020B0609020204030204" pitchFamily="49" charset="0"/>
+                <a:ea typeface="Times New Roman" panose="02020603050405020304" pitchFamily="18" charset="0"/>
+                <a:cs typeface="Times New Roman" panose="02020603050405020304" pitchFamily="18" charset="0"/>
+              </a:rPr>
+              <a:t>, value);</a:t>
+            </a:r>
+            <a:endParaRPr lang="en-US" sz="2400" dirty="0">
+              <a:latin typeface="Calibri" panose="020F0502020204030204" pitchFamily="34" charset="0"/>
+              <a:ea typeface="Calibri" panose="020F0502020204030204" pitchFamily="34" charset="0"/>
+              <a:cs typeface="Times New Roman" panose="02020603050405020304" pitchFamily="18" charset="0"/>
+            </a:endParaRPr>
+          </a:p>
+          <a:p>
+            <a:pPr>
+              <a:lnSpc>
+                <a:spcPct val="107000"/>
+              </a:lnSpc>
+              <a:tabLst>
+                <a:tab pos="581660" algn="l"/>
+                <a:tab pos="1163320" algn="l"/>
+                <a:tab pos="1744980" algn="l"/>
+                <a:tab pos="2326640" algn="l"/>
+                <a:tab pos="2908300" algn="l"/>
+                <a:tab pos="3489960" algn="l"/>
+                <a:tab pos="4071620" algn="l"/>
+                <a:tab pos="4653280" algn="l"/>
+                <a:tab pos="5234940" algn="l"/>
+                <a:tab pos="5816600" algn="l"/>
+                <a:tab pos="6398260" algn="l"/>
+                <a:tab pos="6979920" algn="l"/>
+                <a:tab pos="7561580" algn="l"/>
+                <a:tab pos="8143240" algn="l"/>
+                <a:tab pos="8724900" algn="l"/>
+                <a:tab pos="9306560" algn="l"/>
+              </a:tabLst>
+            </a:pPr>
+            <a:r>
+              <a:rPr lang="en-US" dirty="0">
+                <a:solidFill>
+                  <a:srgbClr val="000000"/>
+                </a:solidFill>
+                <a:latin typeface="Consolas" panose="020B0609020204030204" pitchFamily="49" charset="0"/>
+                <a:ea typeface="Times New Roman" panose="02020603050405020304" pitchFamily="18" charset="0"/>
+                <a:cs typeface="Times New Roman" panose="02020603050405020304" pitchFamily="18" charset="0"/>
+              </a:rPr>
+              <a:t>    }</a:t>
+            </a:r>
+            <a:endParaRPr lang="en-US" sz="2400" dirty="0">
+              <a:latin typeface="Calibri" panose="020F0502020204030204" pitchFamily="34" charset="0"/>
+              <a:ea typeface="Calibri" panose="020F0502020204030204" pitchFamily="34" charset="0"/>
+              <a:cs typeface="Times New Roman" panose="02020603050405020304" pitchFamily="18" charset="0"/>
+            </a:endParaRPr>
+          </a:p>
+          <a:p>
+            <a:pPr>
+              <a:lnSpc>
+                <a:spcPct val="107000"/>
+              </a:lnSpc>
+              <a:tabLst>
+                <a:tab pos="581660" algn="l"/>
+                <a:tab pos="1163320" algn="l"/>
+                <a:tab pos="1744980" algn="l"/>
+                <a:tab pos="2326640" algn="l"/>
+                <a:tab pos="2908300" algn="l"/>
+                <a:tab pos="3489960" algn="l"/>
+                <a:tab pos="4071620" algn="l"/>
+                <a:tab pos="4653280" algn="l"/>
+                <a:tab pos="5234940" algn="l"/>
+                <a:tab pos="5816600" algn="l"/>
+                <a:tab pos="6398260" algn="l"/>
+                <a:tab pos="6979920" algn="l"/>
+                <a:tab pos="7561580" algn="l"/>
+                <a:tab pos="8143240" algn="l"/>
+                <a:tab pos="8724900" algn="l"/>
+                <a:tab pos="9306560" algn="l"/>
+              </a:tabLst>
+            </a:pPr>
+            <a:r>
+              <a:rPr lang="en-US" dirty="0">
+                <a:solidFill>
+                  <a:srgbClr val="000000"/>
+                </a:solidFill>
+                <a:latin typeface="Consolas" panose="020B0609020204030204" pitchFamily="49" charset="0"/>
+                <a:ea typeface="Times New Roman" panose="02020603050405020304" pitchFamily="18" charset="0"/>
+                <a:cs typeface="Times New Roman" panose="02020603050405020304" pitchFamily="18" charset="0"/>
+              </a:rPr>
+              <a:t>    </a:t>
+            </a:r>
+            <a:r>
+              <a:rPr lang="en-US" dirty="0" err="1">
+                <a:solidFill>
+                  <a:srgbClr val="000000"/>
+                </a:solidFill>
+                <a:latin typeface="Consolas" panose="020B0609020204030204" pitchFamily="49" charset="0"/>
+                <a:ea typeface="Times New Roman" panose="02020603050405020304" pitchFamily="18" charset="0"/>
+                <a:cs typeface="Times New Roman" panose="02020603050405020304" pitchFamily="18" charset="0"/>
+              </a:rPr>
+              <a:t>DerivedClass.prototype.getValue</a:t>
+            </a:r>
+            <a:r>
+              <a:rPr lang="en-US" dirty="0">
+                <a:solidFill>
+                  <a:srgbClr val="000000"/>
+                </a:solidFill>
+                <a:latin typeface="Consolas" panose="020B0609020204030204" pitchFamily="49" charset="0"/>
+                <a:ea typeface="Times New Roman" panose="02020603050405020304" pitchFamily="18" charset="0"/>
+                <a:cs typeface="Times New Roman" panose="02020603050405020304" pitchFamily="18" charset="0"/>
+              </a:rPr>
+              <a:t> = </a:t>
+            </a:r>
+            <a:r>
+              <a:rPr lang="en-US" dirty="0">
+                <a:solidFill>
+                  <a:srgbClr val="0000FF"/>
+                </a:solidFill>
+                <a:latin typeface="Consolas" panose="020B0609020204030204" pitchFamily="49" charset="0"/>
+                <a:ea typeface="Times New Roman" panose="02020603050405020304" pitchFamily="18" charset="0"/>
+                <a:cs typeface="Times New Roman" panose="02020603050405020304" pitchFamily="18" charset="0"/>
+              </a:rPr>
+              <a:t>function</a:t>
+            </a:r>
+            <a:r>
+              <a:rPr lang="en-US" dirty="0">
+                <a:solidFill>
+                  <a:srgbClr val="000000"/>
+                </a:solidFill>
+                <a:latin typeface="Consolas" panose="020B0609020204030204" pitchFamily="49" charset="0"/>
+                <a:ea typeface="Times New Roman" panose="02020603050405020304" pitchFamily="18" charset="0"/>
+                <a:cs typeface="Times New Roman" panose="02020603050405020304" pitchFamily="18" charset="0"/>
+              </a:rPr>
+              <a:t> () {</a:t>
+            </a:r>
+            <a:endParaRPr lang="en-US" sz="2400" dirty="0">
+              <a:latin typeface="Calibri" panose="020F0502020204030204" pitchFamily="34" charset="0"/>
+              <a:ea typeface="Calibri" panose="020F0502020204030204" pitchFamily="34" charset="0"/>
+              <a:cs typeface="Times New Roman" panose="02020603050405020304" pitchFamily="18" charset="0"/>
+            </a:endParaRPr>
+          </a:p>
+          <a:p>
+            <a:pPr>
+              <a:lnSpc>
+                <a:spcPct val="107000"/>
+              </a:lnSpc>
+              <a:tabLst>
+                <a:tab pos="581660" algn="l"/>
+                <a:tab pos="1163320" algn="l"/>
+                <a:tab pos="1744980" algn="l"/>
+                <a:tab pos="2326640" algn="l"/>
+                <a:tab pos="2908300" algn="l"/>
+                <a:tab pos="3489960" algn="l"/>
+                <a:tab pos="4071620" algn="l"/>
+                <a:tab pos="4653280" algn="l"/>
+                <a:tab pos="5234940" algn="l"/>
+                <a:tab pos="5816600" algn="l"/>
+                <a:tab pos="6398260" algn="l"/>
+                <a:tab pos="6979920" algn="l"/>
+                <a:tab pos="7561580" algn="l"/>
+                <a:tab pos="8143240" algn="l"/>
+                <a:tab pos="8724900" algn="l"/>
+                <a:tab pos="9306560" algn="l"/>
+              </a:tabLst>
+            </a:pPr>
+            <a:r>
+              <a:rPr lang="en-US" dirty="0">
+                <a:solidFill>
+                  <a:srgbClr val="000000"/>
+                </a:solidFill>
+                <a:latin typeface="Consolas" panose="020B0609020204030204" pitchFamily="49" charset="0"/>
+                <a:ea typeface="Times New Roman" panose="02020603050405020304" pitchFamily="18" charset="0"/>
+                <a:cs typeface="Times New Roman" panose="02020603050405020304" pitchFamily="18" charset="0"/>
+              </a:rPr>
+              <a:t>        </a:t>
+            </a:r>
+            <a:r>
+              <a:rPr lang="en-US" dirty="0">
+                <a:solidFill>
+                  <a:srgbClr val="0000FF"/>
+                </a:solidFill>
+                <a:latin typeface="Consolas" panose="020B0609020204030204" pitchFamily="49" charset="0"/>
+                <a:ea typeface="Times New Roman" panose="02020603050405020304" pitchFamily="18" charset="0"/>
+                <a:cs typeface="Times New Roman" panose="02020603050405020304" pitchFamily="18" charset="0"/>
+              </a:rPr>
+              <a:t>return</a:t>
+            </a:r>
+            <a:r>
+              <a:rPr lang="en-US" dirty="0">
+                <a:solidFill>
+                  <a:srgbClr val="000000"/>
+                </a:solidFill>
+                <a:latin typeface="Consolas" panose="020B0609020204030204" pitchFamily="49" charset="0"/>
+                <a:ea typeface="Times New Roman" panose="02020603050405020304" pitchFamily="18" charset="0"/>
+                <a:cs typeface="Times New Roman" panose="02020603050405020304" pitchFamily="18" charset="0"/>
+              </a:rPr>
+              <a:t> _</a:t>
+            </a:r>
+            <a:r>
+              <a:rPr lang="en-US" dirty="0" err="1">
+                <a:solidFill>
+                  <a:srgbClr val="000000"/>
+                </a:solidFill>
+                <a:latin typeface="Consolas" panose="020B0609020204030204" pitchFamily="49" charset="0"/>
+                <a:ea typeface="Times New Roman" panose="02020603050405020304" pitchFamily="18" charset="0"/>
+                <a:cs typeface="Times New Roman" panose="02020603050405020304" pitchFamily="18" charset="0"/>
+              </a:rPr>
+              <a:t>super.prototype.getValue.call</a:t>
+            </a:r>
+            <a:r>
+              <a:rPr lang="en-US" dirty="0">
+                <a:solidFill>
+                  <a:srgbClr val="000000"/>
+                </a:solidFill>
+                <a:latin typeface="Consolas" panose="020B0609020204030204" pitchFamily="49" charset="0"/>
+                <a:ea typeface="Times New Roman" panose="02020603050405020304" pitchFamily="18" charset="0"/>
+                <a:cs typeface="Times New Roman" panose="02020603050405020304" pitchFamily="18" charset="0"/>
+              </a:rPr>
+              <a:t>(</a:t>
+            </a:r>
+            <a:r>
+              <a:rPr lang="en-US" dirty="0">
+                <a:solidFill>
+                  <a:srgbClr val="0000FF"/>
+                </a:solidFill>
+                <a:latin typeface="Consolas" panose="020B0609020204030204" pitchFamily="49" charset="0"/>
+                <a:ea typeface="Times New Roman" panose="02020603050405020304" pitchFamily="18" charset="0"/>
+                <a:cs typeface="Times New Roman" panose="02020603050405020304" pitchFamily="18" charset="0"/>
+              </a:rPr>
+              <a:t>this</a:t>
+            </a:r>
+            <a:r>
+              <a:rPr lang="en-US" dirty="0">
+                <a:solidFill>
+                  <a:srgbClr val="000000"/>
+                </a:solidFill>
+                <a:latin typeface="Consolas" panose="020B0609020204030204" pitchFamily="49" charset="0"/>
+                <a:ea typeface="Times New Roman" panose="02020603050405020304" pitchFamily="18" charset="0"/>
+                <a:cs typeface="Times New Roman" panose="02020603050405020304" pitchFamily="18" charset="0"/>
+              </a:rPr>
+              <a:t>) + </a:t>
+            </a:r>
+            <a:r>
+              <a:rPr lang="en-US" dirty="0">
+                <a:solidFill>
+                  <a:srgbClr val="A31515"/>
+                </a:solidFill>
+                <a:latin typeface="Consolas" panose="020B0609020204030204" pitchFamily="49" charset="0"/>
+                <a:ea typeface="Times New Roman" panose="02020603050405020304" pitchFamily="18" charset="0"/>
+                <a:cs typeface="Times New Roman" panose="02020603050405020304" pitchFamily="18" charset="0"/>
+              </a:rPr>
+              <a:t>' Extended'</a:t>
+            </a:r>
+            <a:r>
+              <a:rPr lang="en-US" dirty="0">
+                <a:solidFill>
+                  <a:srgbClr val="000000"/>
+                </a:solidFill>
+                <a:latin typeface="Consolas" panose="020B0609020204030204" pitchFamily="49" charset="0"/>
+                <a:ea typeface="Times New Roman" panose="02020603050405020304" pitchFamily="18" charset="0"/>
+                <a:cs typeface="Times New Roman" panose="02020603050405020304" pitchFamily="18" charset="0"/>
+              </a:rPr>
+              <a:t>;</a:t>
+            </a:r>
+            <a:endParaRPr lang="en-US" sz="2400" dirty="0">
+              <a:latin typeface="Calibri" panose="020F0502020204030204" pitchFamily="34" charset="0"/>
+              <a:ea typeface="Calibri" panose="020F0502020204030204" pitchFamily="34" charset="0"/>
+              <a:cs typeface="Times New Roman" panose="02020603050405020304" pitchFamily="18" charset="0"/>
+            </a:endParaRPr>
+          </a:p>
+          <a:p>
+            <a:pPr>
+              <a:lnSpc>
+                <a:spcPct val="107000"/>
+              </a:lnSpc>
+              <a:tabLst>
+                <a:tab pos="581660" algn="l"/>
+                <a:tab pos="1163320" algn="l"/>
+                <a:tab pos="1744980" algn="l"/>
+                <a:tab pos="2326640" algn="l"/>
+                <a:tab pos="2908300" algn="l"/>
+                <a:tab pos="3489960" algn="l"/>
+                <a:tab pos="4071620" algn="l"/>
+                <a:tab pos="4653280" algn="l"/>
+                <a:tab pos="5234940" algn="l"/>
+                <a:tab pos="5816600" algn="l"/>
+                <a:tab pos="6398260" algn="l"/>
+                <a:tab pos="6979920" algn="l"/>
+                <a:tab pos="7561580" algn="l"/>
+                <a:tab pos="8143240" algn="l"/>
+                <a:tab pos="8724900" algn="l"/>
+                <a:tab pos="9306560" algn="l"/>
+              </a:tabLst>
+            </a:pPr>
+            <a:r>
+              <a:rPr lang="en-US" dirty="0">
+                <a:solidFill>
+                  <a:srgbClr val="000000"/>
+                </a:solidFill>
+                <a:latin typeface="Consolas" panose="020B0609020204030204" pitchFamily="49" charset="0"/>
+                <a:ea typeface="Times New Roman" panose="02020603050405020304" pitchFamily="18" charset="0"/>
+                <a:cs typeface="Times New Roman" panose="02020603050405020304" pitchFamily="18" charset="0"/>
+              </a:rPr>
+              <a:t>    };</a:t>
+            </a:r>
+            <a:endParaRPr lang="en-US" sz="2400" dirty="0">
+              <a:latin typeface="Calibri" panose="020F0502020204030204" pitchFamily="34" charset="0"/>
+              <a:ea typeface="Calibri" panose="020F0502020204030204" pitchFamily="34" charset="0"/>
+              <a:cs typeface="Times New Roman" panose="02020603050405020304" pitchFamily="18" charset="0"/>
+            </a:endParaRPr>
+          </a:p>
+          <a:p>
+            <a:pPr>
+              <a:lnSpc>
+                <a:spcPct val="107000"/>
+              </a:lnSpc>
+              <a:tabLst>
+                <a:tab pos="581660" algn="l"/>
+                <a:tab pos="1163320" algn="l"/>
+                <a:tab pos="1744980" algn="l"/>
+                <a:tab pos="2326640" algn="l"/>
+                <a:tab pos="2908300" algn="l"/>
+                <a:tab pos="3489960" algn="l"/>
+                <a:tab pos="4071620" algn="l"/>
+                <a:tab pos="4653280" algn="l"/>
+                <a:tab pos="5234940" algn="l"/>
+                <a:tab pos="5816600" algn="l"/>
+                <a:tab pos="6398260" algn="l"/>
+                <a:tab pos="6979920" algn="l"/>
+                <a:tab pos="7561580" algn="l"/>
+                <a:tab pos="8143240" algn="l"/>
+                <a:tab pos="8724900" algn="l"/>
+                <a:tab pos="9306560" algn="l"/>
+              </a:tabLst>
+            </a:pPr>
+            <a:r>
+              <a:rPr lang="en-US" dirty="0">
+                <a:solidFill>
+                  <a:srgbClr val="000000"/>
+                </a:solidFill>
+                <a:latin typeface="Consolas" panose="020B0609020204030204" pitchFamily="49" charset="0"/>
+                <a:ea typeface="Times New Roman" panose="02020603050405020304" pitchFamily="18" charset="0"/>
+                <a:cs typeface="Times New Roman" panose="02020603050405020304" pitchFamily="18" charset="0"/>
+              </a:rPr>
+              <a:t>    </a:t>
+            </a:r>
+            <a:r>
+              <a:rPr lang="en-US" dirty="0">
+                <a:solidFill>
+                  <a:srgbClr val="0000FF"/>
+                </a:solidFill>
+                <a:latin typeface="Consolas" panose="020B0609020204030204" pitchFamily="49" charset="0"/>
+                <a:ea typeface="Times New Roman" panose="02020603050405020304" pitchFamily="18" charset="0"/>
+                <a:cs typeface="Times New Roman" panose="02020603050405020304" pitchFamily="18" charset="0"/>
+              </a:rPr>
+              <a:t>return</a:t>
+            </a:r>
+            <a:r>
+              <a:rPr lang="en-US" dirty="0">
+                <a:solidFill>
+                  <a:srgbClr val="000000"/>
+                </a:solidFill>
+                <a:latin typeface="Consolas" panose="020B0609020204030204" pitchFamily="49" charset="0"/>
+                <a:ea typeface="Times New Roman" panose="02020603050405020304" pitchFamily="18" charset="0"/>
+                <a:cs typeface="Times New Roman" panose="02020603050405020304" pitchFamily="18" charset="0"/>
+              </a:rPr>
+              <a:t> </a:t>
+            </a:r>
+            <a:r>
+              <a:rPr lang="en-US" dirty="0" err="1">
+                <a:solidFill>
+                  <a:srgbClr val="000000"/>
+                </a:solidFill>
+                <a:latin typeface="Consolas" panose="020B0609020204030204" pitchFamily="49" charset="0"/>
+                <a:ea typeface="Times New Roman" panose="02020603050405020304" pitchFamily="18" charset="0"/>
+                <a:cs typeface="Times New Roman" panose="02020603050405020304" pitchFamily="18" charset="0"/>
+              </a:rPr>
+              <a:t>DerivedClass</a:t>
+            </a:r>
+            <a:r>
+              <a:rPr lang="en-US" dirty="0">
+                <a:solidFill>
+                  <a:srgbClr val="000000"/>
+                </a:solidFill>
+                <a:latin typeface="Consolas" panose="020B0609020204030204" pitchFamily="49" charset="0"/>
+                <a:ea typeface="Times New Roman" panose="02020603050405020304" pitchFamily="18" charset="0"/>
+                <a:cs typeface="Times New Roman" panose="02020603050405020304" pitchFamily="18" charset="0"/>
+              </a:rPr>
+              <a:t>;</a:t>
+            </a:r>
+            <a:endParaRPr lang="en-US" sz="2400" dirty="0">
+              <a:latin typeface="Calibri" panose="020F0502020204030204" pitchFamily="34" charset="0"/>
+              <a:ea typeface="Calibri" panose="020F0502020204030204" pitchFamily="34" charset="0"/>
+              <a:cs typeface="Times New Roman" panose="02020603050405020304" pitchFamily="18" charset="0"/>
+            </a:endParaRPr>
+          </a:p>
+          <a:p>
+            <a:pPr>
+              <a:lnSpc>
+                <a:spcPct val="107000"/>
+              </a:lnSpc>
+              <a:tabLst>
+                <a:tab pos="581660" algn="l"/>
+                <a:tab pos="1163320" algn="l"/>
+                <a:tab pos="1744980" algn="l"/>
+                <a:tab pos="2326640" algn="l"/>
+                <a:tab pos="2908300" algn="l"/>
+                <a:tab pos="3489960" algn="l"/>
+                <a:tab pos="4071620" algn="l"/>
+                <a:tab pos="4653280" algn="l"/>
+                <a:tab pos="5234940" algn="l"/>
+                <a:tab pos="5816600" algn="l"/>
+                <a:tab pos="6398260" algn="l"/>
+                <a:tab pos="6979920" algn="l"/>
+                <a:tab pos="7561580" algn="l"/>
+                <a:tab pos="8143240" algn="l"/>
+                <a:tab pos="8724900" algn="l"/>
+                <a:tab pos="9306560" algn="l"/>
+              </a:tabLst>
+            </a:pPr>
+            <a:r>
+              <a:rPr lang="en-US" dirty="0">
+                <a:solidFill>
+                  <a:srgbClr val="000000"/>
+                </a:solidFill>
+                <a:latin typeface="Consolas" panose="020B0609020204030204" pitchFamily="49" charset="0"/>
+                <a:ea typeface="Times New Roman" panose="02020603050405020304" pitchFamily="18" charset="0"/>
+                <a:cs typeface="Times New Roman" panose="02020603050405020304" pitchFamily="18" charset="0"/>
+              </a:rPr>
+              <a:t>})(</a:t>
+            </a:r>
+            <a:r>
+              <a:rPr lang="en-US" dirty="0" err="1">
+                <a:solidFill>
+                  <a:srgbClr val="000000"/>
+                </a:solidFill>
+                <a:latin typeface="Consolas" panose="020B0609020204030204" pitchFamily="49" charset="0"/>
+                <a:ea typeface="Times New Roman" panose="02020603050405020304" pitchFamily="18" charset="0"/>
+                <a:cs typeface="Times New Roman" panose="02020603050405020304" pitchFamily="18" charset="0"/>
+              </a:rPr>
+              <a:t>BaseClass</a:t>
+            </a:r>
+            <a:r>
+              <a:rPr lang="en-US" dirty="0">
+                <a:solidFill>
+                  <a:srgbClr val="000000"/>
+                </a:solidFill>
+                <a:latin typeface="Consolas" panose="020B0609020204030204" pitchFamily="49" charset="0"/>
+                <a:ea typeface="Times New Roman" panose="02020603050405020304" pitchFamily="18" charset="0"/>
+                <a:cs typeface="Times New Roman" panose="02020603050405020304" pitchFamily="18" charset="0"/>
+              </a:rPr>
+              <a:t>);</a:t>
+            </a:r>
+            <a:endParaRPr lang="en-US" sz="2400" dirty="0">
+              <a:latin typeface="Calibri" panose="020F0502020204030204" pitchFamily="34" charset="0"/>
+              <a:ea typeface="Calibri" panose="020F0502020204030204" pitchFamily="34" charset="0"/>
+              <a:cs typeface="Times New Roman" panose="02020603050405020304" pitchFamily="18" charset="0"/>
+            </a:endParaRPr>
+          </a:p>
+          <a:p>
+            <a:pPr>
+              <a:lnSpc>
+                <a:spcPct val="107000"/>
+              </a:lnSpc>
+              <a:spcAft>
+                <a:spcPts val="800"/>
+              </a:spcAft>
+            </a:pPr>
+            <a:r>
+              <a:rPr lang="en-US" sz="2400" dirty="0">
+                <a:latin typeface="Calibri" panose="020F0502020204030204" pitchFamily="34" charset="0"/>
+                <a:ea typeface="Calibri" panose="020F0502020204030204" pitchFamily="34" charset="0"/>
+                <a:cs typeface="Times New Roman" panose="02020603050405020304" pitchFamily="18" charset="0"/>
+              </a:rPr>
+              <a:t> </a:t>
+            </a:r>
+            <a:endParaRPr lang="en-US" sz="2400" dirty="0">
+              <a:effectLst/>
+              <a:latin typeface="Calibri" panose="020F0502020204030204" pitchFamily="34" charset="0"/>
+              <a:ea typeface="Calibri" panose="020F0502020204030204" pitchFamily="34" charset="0"/>
+              <a:cs typeface="Times New Roman" panose="02020603050405020304" pitchFamily="18" charset="0"/>
+            </a:endParaRPr>
+          </a:p>
+        </p:txBody>
+      </p:sp>
+    </p:spTree>
+    <p:extLst>
+      <p:ext uri="{BB962C8B-B14F-4D97-AF65-F5344CB8AC3E}">
+        <p14:creationId xmlns:p14="http://schemas.microsoft.com/office/powerpoint/2010/main" val="1142371539"/>
       </p:ext>
     </p:extLst>
   </p:cSld>
@@ -12992,6 +16571,243 @@
       </p:par>
     </p:tnLst>
   </p:timing>
+</p:sld>
+</file>
+
+<file path=ppt/slides/slide30.xml><?xml version="1.0" encoding="utf-8"?>
+<p:sld xmlns:a="http://schemas.openxmlformats.org/drawingml/2006/main" xmlns:r="http://schemas.openxmlformats.org/officeDocument/2006/relationships" xmlns:p="http://schemas.openxmlformats.org/presentationml/2006/main">
+  <p:cSld>
+    <p:spTree>
+      <p:nvGrpSpPr>
+        <p:cNvPr id="1" name=""/>
+        <p:cNvGrpSpPr/>
+        <p:nvPr/>
+      </p:nvGrpSpPr>
+      <p:grpSpPr>
+        <a:xfrm>
+          <a:off x="0" y="0"/>
+          <a:ext cx="0" cy="0"/>
+          <a:chOff x="0" y="0"/>
+          <a:chExt cx="0" cy="0"/>
+        </a:xfrm>
+      </p:grpSpPr>
+      <p:sp>
+        <p:nvSpPr>
+          <p:cNvPr id="2" name="Title 1"/>
+          <p:cNvSpPr>
+            <a:spLocks noGrp="1"/>
+          </p:cNvSpPr>
+          <p:nvPr>
+            <p:ph type="title"/>
+          </p:nvPr>
+        </p:nvSpPr>
+        <p:spPr/>
+        <p:txBody>
+          <a:bodyPr/>
+          <a:lstStyle/>
+          <a:p>
+            <a:r>
+              <a:rPr lang="en-US" dirty="0" smtClean="0"/>
+              <a:t>Inheritance</a:t>
+            </a:r>
+            <a:endParaRPr lang="en-US" dirty="0"/>
+          </a:p>
+        </p:txBody>
+      </p:sp>
+      <p:sp>
+        <p:nvSpPr>
+          <p:cNvPr id="3" name="Content Placeholder 2"/>
+          <p:cNvSpPr>
+            <a:spLocks noGrp="1"/>
+          </p:cNvSpPr>
+          <p:nvPr>
+            <p:ph idx="1"/>
+          </p:nvPr>
+        </p:nvSpPr>
+        <p:spPr>
+          <a:xfrm>
+            <a:off x="677334" y="2160589"/>
+            <a:ext cx="8596668" cy="4560251"/>
+          </a:xfrm>
+        </p:spPr>
+        <p:txBody>
+          <a:bodyPr/>
+          <a:lstStyle/>
+          <a:p>
+            <a:r>
+              <a:rPr lang="en-US" dirty="0" smtClean="0"/>
+              <a:t>Which would you rather write?</a:t>
+            </a:r>
+          </a:p>
+          <a:p>
+            <a:endParaRPr lang="en-US" dirty="0"/>
+          </a:p>
+          <a:p>
+            <a:r>
+              <a:rPr lang="en-US" dirty="0" smtClean="0"/>
+              <a:t>Benefits:</a:t>
+            </a:r>
+          </a:p>
+          <a:p>
+            <a:pPr lvl="1"/>
+            <a:r>
+              <a:rPr lang="en-US" dirty="0" smtClean="0"/>
+              <a:t>Simple</a:t>
+            </a:r>
+          </a:p>
+          <a:p>
+            <a:pPr lvl="1"/>
+            <a:r>
+              <a:rPr lang="en-US" dirty="0" smtClean="0"/>
+              <a:t>Debugger support</a:t>
+            </a:r>
+          </a:p>
+          <a:p>
+            <a:pPr lvl="1"/>
+            <a:r>
+              <a:rPr lang="en-US" altLang="en-US" dirty="0" err="1">
+                <a:solidFill>
+                  <a:srgbClr val="0000FF"/>
+                </a:solidFill>
+                <a:latin typeface="Consolas" panose="020B0609020204030204" pitchFamily="49" charset="0"/>
+                <a:cs typeface="Consolas" panose="020B0609020204030204" pitchFamily="49" charset="0"/>
+              </a:rPr>
+              <a:t>instanceof</a:t>
+            </a:r>
+            <a:r>
+              <a:rPr lang="en-US" altLang="en-US" dirty="0">
+                <a:solidFill>
+                  <a:srgbClr val="000000"/>
+                </a:solidFill>
+                <a:latin typeface="Consolas" panose="020B0609020204030204" pitchFamily="49" charset="0"/>
+                <a:cs typeface="Consolas" panose="020B0609020204030204" pitchFamily="49" charset="0"/>
+              </a:rPr>
+              <a:t> </a:t>
+            </a:r>
+            <a:r>
+              <a:rPr lang="en-US" dirty="0" smtClean="0"/>
+              <a:t>support</a:t>
+            </a:r>
+          </a:p>
+          <a:p>
+            <a:pPr lvl="1"/>
+            <a:r>
+              <a:rPr lang="en-US" dirty="0" smtClean="0"/>
+              <a:t>Performant</a:t>
+            </a:r>
+          </a:p>
+          <a:p>
+            <a:pPr lvl="1"/>
+            <a:endParaRPr lang="en-US" dirty="0"/>
+          </a:p>
+          <a:p>
+            <a:r>
+              <a:rPr lang="en-US" dirty="0" smtClean="0"/>
+              <a:t>Not supported (yet):</a:t>
+            </a:r>
+          </a:p>
+          <a:p>
+            <a:pPr lvl="1"/>
+            <a:r>
+              <a:rPr lang="en-US" dirty="0" smtClean="0"/>
+              <a:t>Protected modifier</a:t>
+            </a:r>
+          </a:p>
+          <a:p>
+            <a:pPr lvl="1"/>
+            <a:r>
+              <a:rPr lang="en-US" dirty="0" smtClean="0"/>
+              <a:t>Abstract classes</a:t>
+            </a:r>
+          </a:p>
+        </p:txBody>
+      </p:sp>
+    </p:spTree>
+    <p:extLst>
+      <p:ext uri="{BB962C8B-B14F-4D97-AF65-F5344CB8AC3E}">
+        <p14:creationId xmlns:p14="http://schemas.microsoft.com/office/powerpoint/2010/main" val="4029897002"/>
+      </p:ext>
+    </p:extLst>
+  </p:cSld>
+  <p:clrMapOvr>
+    <a:masterClrMapping/>
+  </p:clrMapOvr>
+</p:sld>
+</file>
+
+<file path=ppt/slides/slide31.xml><?xml version="1.0" encoding="utf-8"?>
+<p:sld xmlns:a="http://schemas.openxmlformats.org/drawingml/2006/main" xmlns:r="http://schemas.openxmlformats.org/officeDocument/2006/relationships" xmlns:p="http://schemas.openxmlformats.org/presentationml/2006/main">
+  <p:cSld>
+    <p:spTree>
+      <p:nvGrpSpPr>
+        <p:cNvPr id="1" name=""/>
+        <p:cNvGrpSpPr/>
+        <p:nvPr/>
+      </p:nvGrpSpPr>
+      <p:grpSpPr>
+        <a:xfrm>
+          <a:off x="0" y="0"/>
+          <a:ext cx="0" cy="0"/>
+          <a:chOff x="0" y="0"/>
+          <a:chExt cx="0" cy="0"/>
+        </a:xfrm>
+      </p:grpSpPr>
+      <p:sp>
+        <p:nvSpPr>
+          <p:cNvPr id="2" name="Title 1"/>
+          <p:cNvSpPr>
+            <a:spLocks noGrp="1"/>
+          </p:cNvSpPr>
+          <p:nvPr>
+            <p:ph type="title"/>
+          </p:nvPr>
+        </p:nvSpPr>
+        <p:spPr/>
+        <p:txBody>
+          <a:bodyPr/>
+          <a:lstStyle/>
+          <a:p>
+            <a:r>
+              <a:rPr lang="en-US" dirty="0" smtClean="0"/>
+              <a:t>Inheritance – Demo	</a:t>
+            </a:r>
+            <a:endParaRPr lang="en-US" dirty="0"/>
+          </a:p>
+        </p:txBody>
+      </p:sp>
+      <p:sp>
+        <p:nvSpPr>
+          <p:cNvPr id="3" name="Content Placeholder 2"/>
+          <p:cNvSpPr>
+            <a:spLocks noGrp="1"/>
+          </p:cNvSpPr>
+          <p:nvPr>
+            <p:ph idx="1"/>
+          </p:nvPr>
+        </p:nvSpPr>
+        <p:spPr/>
+        <p:txBody>
+          <a:bodyPr/>
+          <a:lstStyle/>
+          <a:p>
+            <a:r>
+              <a:rPr lang="en-US" dirty="0" smtClean="0"/>
+              <a:t>Section 2 / 4-inheritance.ts</a:t>
+            </a:r>
+            <a:endParaRPr lang="en-US" dirty="0"/>
+          </a:p>
+        </p:txBody>
+      </p:sp>
+    </p:spTree>
+    <p:extLst>
+      <p:ext uri="{BB962C8B-B14F-4D97-AF65-F5344CB8AC3E}">
+        <p14:creationId xmlns:p14="http://schemas.microsoft.com/office/powerpoint/2010/main" val="1083575690"/>
+      </p:ext>
+    </p:extLst>
+  </p:cSld>
+  <p:clrMapOvr>
+    <a:masterClrMapping/>
+  </p:clrMapOvr>
 </p:sld>
 </file>
 
@@ -14362,7 +18178,7 @@
   <a:extraClrSchemeLst/>
   <a:extLst>
     <a:ext uri="{05A4C25C-085E-4340-85A3-A5531E510DB2}">
-      <thm15:themeFamily xmlns:thm15="http://schemas.microsoft.com/office/thememl/2012/main" xmlns="" name="Facet" id="{C0C680CD-088A-49FC-A102-D699147F32B2}" vid="{CFBC31BA-B70F-4F30-BCAA-4F3011E16C4D}"/>
+      <thm15:themeFamily xmlns:thm15="http://schemas.microsoft.com/office/thememl/2012/main" name="Facet" id="{C0C680CD-088A-49FC-A102-D699147F32B2}" vid="{CFBC31BA-B70F-4F30-BCAA-4F3011E16C4D}"/>
     </a:ext>
   </a:extLst>
 </a:theme>

--- a/Presentation/TypeScriptFundamentals.pptx
+++ b/Presentation/TypeScriptFundamentals.pptx
@@ -36,6 +36,20 @@
     <p:sldId id="285" r:id="rId30"/>
     <p:sldId id="286" r:id="rId31"/>
     <p:sldId id="287" r:id="rId32"/>
+    <p:sldId id="288" r:id="rId33"/>
+    <p:sldId id="289" r:id="rId34"/>
+    <p:sldId id="290" r:id="rId35"/>
+    <p:sldId id="292" r:id="rId36"/>
+    <p:sldId id="293" r:id="rId37"/>
+    <p:sldId id="291" r:id="rId38"/>
+    <p:sldId id="294" r:id="rId39"/>
+    <p:sldId id="295" r:id="rId40"/>
+    <p:sldId id="296" r:id="rId41"/>
+    <p:sldId id="297" r:id="rId42"/>
+    <p:sldId id="298" r:id="rId43"/>
+    <p:sldId id="299" r:id="rId44"/>
+    <p:sldId id="300" r:id="rId45"/>
+    <p:sldId id="301" r:id="rId46"/>
   </p:sldIdLst>
   <p:sldSz cx="12192000" cy="6858000"/>
   <p:notesSz cx="6858000" cy="9144000"/>
@@ -178,6 +192,24 @@
             <p14:sldId id="285"/>
             <p14:sldId id="286"/>
             <p14:sldId id="287"/>
+            <p14:sldId id="288"/>
+            <p14:sldId id="289"/>
+            <p14:sldId id="290"/>
+            <p14:sldId id="292"/>
+            <p14:sldId id="293"/>
+            <p14:sldId id="291"/>
+            <p14:sldId id="294"/>
+            <p14:sldId id="295"/>
+            <p14:sldId id="296"/>
+          </p14:sldIdLst>
+        </p14:section>
+        <p14:section name="Definition Files" id="{00371E5A-3F58-4477-98C7-6B4A61DE8EDE}">
+          <p14:sldIdLst>
+            <p14:sldId id="297"/>
+            <p14:sldId id="298"/>
+            <p14:sldId id="299"/>
+            <p14:sldId id="300"/>
+            <p14:sldId id="301"/>
           </p14:sldIdLst>
         </p14:section>
       </p14:sectionLst>
@@ -16811,6 +16843,3096 @@
 </p:sld>
 </file>
 
+<file path=ppt/slides/slide32.xml><?xml version="1.0" encoding="utf-8"?>
+<p:sld xmlns:a="http://schemas.openxmlformats.org/drawingml/2006/main" xmlns:r="http://schemas.openxmlformats.org/officeDocument/2006/relationships" xmlns:p="http://schemas.openxmlformats.org/presentationml/2006/main">
+  <p:cSld>
+    <p:spTree>
+      <p:nvGrpSpPr>
+        <p:cNvPr id="1" name=""/>
+        <p:cNvGrpSpPr/>
+        <p:nvPr/>
+      </p:nvGrpSpPr>
+      <p:grpSpPr>
+        <a:xfrm>
+          <a:off x="0" y="0"/>
+          <a:ext cx="0" cy="0"/>
+          <a:chOff x="0" y="0"/>
+          <a:chExt cx="0" cy="0"/>
+        </a:xfrm>
+      </p:grpSpPr>
+      <p:sp>
+        <p:nvSpPr>
+          <p:cNvPr id="2" name="Title 1"/>
+          <p:cNvSpPr>
+            <a:spLocks noGrp="1"/>
+          </p:cNvSpPr>
+          <p:nvPr>
+            <p:ph type="title"/>
+          </p:nvPr>
+        </p:nvSpPr>
+        <p:spPr/>
+        <p:txBody>
+          <a:bodyPr/>
+          <a:lstStyle/>
+          <a:p>
+            <a:r>
+              <a:rPr lang="en-US" dirty="0" smtClean="0"/>
+              <a:t>Functions</a:t>
+            </a:r>
+            <a:endParaRPr lang="en-US" dirty="0"/>
+          </a:p>
+        </p:txBody>
+      </p:sp>
+      <p:sp>
+        <p:nvSpPr>
+          <p:cNvPr id="3" name="Content Placeholder 2"/>
+          <p:cNvSpPr>
+            <a:spLocks noGrp="1"/>
+          </p:cNvSpPr>
+          <p:nvPr>
+            <p:ph idx="1"/>
+          </p:nvPr>
+        </p:nvSpPr>
+        <p:spPr/>
+        <p:txBody>
+          <a:bodyPr/>
+          <a:lstStyle/>
+          <a:p>
+            <a:r>
+              <a:rPr lang="en-US" dirty="0" smtClean="0"/>
+              <a:t>Standard functions just work</a:t>
+            </a:r>
+          </a:p>
+          <a:p>
+            <a:endParaRPr lang="en-US" dirty="0"/>
+          </a:p>
+          <a:p>
+            <a:r>
+              <a:rPr lang="en-US" dirty="0" smtClean="0"/>
+              <a:t>Full support for lambda expressions</a:t>
+            </a:r>
+          </a:p>
+          <a:p>
+            <a:endParaRPr lang="en-US" dirty="0"/>
+          </a:p>
+          <a:p>
+            <a:r>
+              <a:rPr lang="en-US" dirty="0" smtClean="0"/>
+              <a:t>Almost identical to functions with some “magic”</a:t>
+            </a:r>
+          </a:p>
+          <a:p>
+            <a:endParaRPr lang="en-US" dirty="0"/>
+          </a:p>
+          <a:p>
+            <a:r>
+              <a:rPr lang="en-US" dirty="0" smtClean="0"/>
+              <a:t>Opt for lambdas unless reason not to</a:t>
+            </a:r>
+          </a:p>
+        </p:txBody>
+      </p:sp>
+    </p:spTree>
+    <p:extLst>
+      <p:ext uri="{BB962C8B-B14F-4D97-AF65-F5344CB8AC3E}">
+        <p14:creationId xmlns:p14="http://schemas.microsoft.com/office/powerpoint/2010/main" val="2207548839"/>
+      </p:ext>
+    </p:extLst>
+  </p:cSld>
+  <p:clrMapOvr>
+    <a:masterClrMapping/>
+  </p:clrMapOvr>
+</p:sld>
+</file>
+
+<file path=ppt/slides/slide33.xml><?xml version="1.0" encoding="utf-8"?>
+<p:sld xmlns:a="http://schemas.openxmlformats.org/drawingml/2006/main" xmlns:r="http://schemas.openxmlformats.org/officeDocument/2006/relationships" xmlns:p="http://schemas.openxmlformats.org/presentationml/2006/main">
+  <p:cSld>
+    <p:spTree>
+      <p:nvGrpSpPr>
+        <p:cNvPr id="1" name=""/>
+        <p:cNvGrpSpPr/>
+        <p:nvPr/>
+      </p:nvGrpSpPr>
+      <p:grpSpPr>
+        <a:xfrm>
+          <a:off x="0" y="0"/>
+          <a:ext cx="0" cy="0"/>
+          <a:chOff x="0" y="0"/>
+          <a:chExt cx="0" cy="0"/>
+        </a:xfrm>
+      </p:grpSpPr>
+      <p:sp>
+        <p:nvSpPr>
+          <p:cNvPr id="2" name="Title 1"/>
+          <p:cNvSpPr>
+            <a:spLocks noGrp="1"/>
+          </p:cNvSpPr>
+          <p:nvPr>
+            <p:ph type="title"/>
+          </p:nvPr>
+        </p:nvSpPr>
+        <p:spPr/>
+        <p:txBody>
+          <a:bodyPr/>
+          <a:lstStyle/>
+          <a:p>
+            <a:r>
+              <a:rPr lang="en-US" dirty="0" smtClean="0"/>
+              <a:t>Functions</a:t>
+            </a:r>
+            <a:endParaRPr lang="en-US" dirty="0"/>
+          </a:p>
+        </p:txBody>
+      </p:sp>
+      <p:sp>
+        <p:nvSpPr>
+          <p:cNvPr id="3" name="Content Placeholder 2"/>
+          <p:cNvSpPr>
+            <a:spLocks noGrp="1"/>
+          </p:cNvSpPr>
+          <p:nvPr>
+            <p:ph idx="1"/>
+          </p:nvPr>
+        </p:nvSpPr>
+        <p:spPr/>
+        <p:txBody>
+          <a:bodyPr/>
+          <a:lstStyle/>
+          <a:p>
+            <a:r>
+              <a:rPr lang="en-US" dirty="0" smtClean="0"/>
+              <a:t>Declared as follows:</a:t>
+            </a:r>
+          </a:p>
+          <a:p>
+            <a:endParaRPr lang="en-US" dirty="0"/>
+          </a:p>
+          <a:p>
+            <a:endParaRPr lang="en-US" dirty="0" smtClean="0"/>
+          </a:p>
+          <a:p>
+            <a:r>
+              <a:rPr lang="en-US" dirty="0" smtClean="0"/>
+              <a:t>Compiles to:</a:t>
+            </a:r>
+            <a:endParaRPr lang="en-US" dirty="0"/>
+          </a:p>
+        </p:txBody>
+      </p:sp>
+      <p:sp>
+        <p:nvSpPr>
+          <p:cNvPr id="4" name="Rectangle 3"/>
+          <p:cNvSpPr/>
+          <p:nvPr/>
+        </p:nvSpPr>
+        <p:spPr>
+          <a:xfrm>
+            <a:off x="1202575" y="2531437"/>
+            <a:ext cx="6096000" cy="1080232"/>
+          </a:xfrm>
+          <a:prstGeom prst="rect">
+            <a:avLst/>
+          </a:prstGeom>
+        </p:spPr>
+        <p:txBody>
+          <a:bodyPr>
+            <a:spAutoFit/>
+          </a:bodyPr>
+          <a:lstStyle/>
+          <a:p>
+            <a:pPr>
+              <a:lnSpc>
+                <a:spcPct val="107000"/>
+              </a:lnSpc>
+              <a:tabLst>
+                <a:tab pos="581660" algn="l"/>
+                <a:tab pos="1163320" algn="l"/>
+                <a:tab pos="1744980" algn="l"/>
+                <a:tab pos="2326640" algn="l"/>
+                <a:tab pos="2908300" algn="l"/>
+                <a:tab pos="3489960" algn="l"/>
+                <a:tab pos="4071620" algn="l"/>
+                <a:tab pos="4653280" algn="l"/>
+                <a:tab pos="5234940" algn="l"/>
+                <a:tab pos="5816600" algn="l"/>
+                <a:tab pos="6398260" algn="l"/>
+                <a:tab pos="6979920" algn="l"/>
+                <a:tab pos="7561580" algn="l"/>
+                <a:tab pos="8143240" algn="l"/>
+                <a:tab pos="8724900" algn="l"/>
+                <a:tab pos="9306560" algn="l"/>
+              </a:tabLst>
+            </a:pPr>
+            <a:r>
+              <a:rPr lang="en-US" dirty="0" err="1">
+                <a:solidFill>
+                  <a:srgbClr val="0000FF"/>
+                </a:solidFill>
+                <a:latin typeface="Consolas" panose="020B0609020204030204" pitchFamily="49" charset="0"/>
+                <a:ea typeface="Times New Roman" panose="02020603050405020304" pitchFamily="18" charset="0"/>
+                <a:cs typeface="Times New Roman" panose="02020603050405020304" pitchFamily="18" charset="0"/>
+              </a:rPr>
+              <a:t>var</a:t>
+            </a:r>
+            <a:r>
+              <a:rPr lang="en-US" dirty="0">
+                <a:solidFill>
+                  <a:srgbClr val="000000"/>
+                </a:solidFill>
+                <a:latin typeface="Consolas" panose="020B0609020204030204" pitchFamily="49" charset="0"/>
+                <a:ea typeface="Times New Roman" panose="02020603050405020304" pitchFamily="18" charset="0"/>
+                <a:cs typeface="Times New Roman" panose="02020603050405020304" pitchFamily="18" charset="0"/>
+              </a:rPr>
+              <a:t> div = (a: </a:t>
+            </a:r>
+            <a:r>
+              <a:rPr lang="en-US" dirty="0">
+                <a:solidFill>
+                  <a:srgbClr val="0000FF"/>
+                </a:solidFill>
+                <a:latin typeface="Consolas" panose="020B0609020204030204" pitchFamily="49" charset="0"/>
+                <a:ea typeface="Times New Roman" panose="02020603050405020304" pitchFamily="18" charset="0"/>
+                <a:cs typeface="Times New Roman" panose="02020603050405020304" pitchFamily="18" charset="0"/>
+              </a:rPr>
+              <a:t>number</a:t>
+            </a:r>
+            <a:r>
+              <a:rPr lang="en-US" dirty="0">
+                <a:solidFill>
+                  <a:srgbClr val="000000"/>
+                </a:solidFill>
+                <a:latin typeface="Consolas" panose="020B0609020204030204" pitchFamily="49" charset="0"/>
+                <a:ea typeface="Times New Roman" panose="02020603050405020304" pitchFamily="18" charset="0"/>
+                <a:cs typeface="Times New Roman" panose="02020603050405020304" pitchFamily="18" charset="0"/>
+              </a:rPr>
+              <a:t>, b: </a:t>
+            </a:r>
+            <a:r>
+              <a:rPr lang="en-US" dirty="0">
+                <a:solidFill>
+                  <a:srgbClr val="0000FF"/>
+                </a:solidFill>
+                <a:latin typeface="Consolas" panose="020B0609020204030204" pitchFamily="49" charset="0"/>
+                <a:ea typeface="Times New Roman" panose="02020603050405020304" pitchFamily="18" charset="0"/>
+                <a:cs typeface="Times New Roman" panose="02020603050405020304" pitchFamily="18" charset="0"/>
+              </a:rPr>
+              <a:t>number</a:t>
+            </a:r>
+            <a:r>
+              <a:rPr lang="en-US" dirty="0">
+                <a:solidFill>
+                  <a:srgbClr val="000000"/>
+                </a:solidFill>
+                <a:latin typeface="Consolas" panose="020B0609020204030204" pitchFamily="49" charset="0"/>
+                <a:ea typeface="Times New Roman" panose="02020603050405020304" pitchFamily="18" charset="0"/>
+                <a:cs typeface="Times New Roman" panose="02020603050405020304" pitchFamily="18" charset="0"/>
+              </a:rPr>
+              <a:t>) =&gt; a / b;</a:t>
+            </a:r>
+            <a:endParaRPr lang="en-US" sz="2400" dirty="0">
+              <a:latin typeface="Calibri" panose="020F0502020204030204" pitchFamily="34" charset="0"/>
+              <a:ea typeface="Calibri" panose="020F0502020204030204" pitchFamily="34" charset="0"/>
+              <a:cs typeface="Times New Roman" panose="02020603050405020304" pitchFamily="18" charset="0"/>
+            </a:endParaRPr>
+          </a:p>
+          <a:p>
+            <a:pPr>
+              <a:lnSpc>
+                <a:spcPct val="107000"/>
+              </a:lnSpc>
+              <a:tabLst>
+                <a:tab pos="581660" algn="l"/>
+                <a:tab pos="1163320" algn="l"/>
+                <a:tab pos="1744980" algn="l"/>
+                <a:tab pos="2326640" algn="l"/>
+                <a:tab pos="2908300" algn="l"/>
+                <a:tab pos="3489960" algn="l"/>
+                <a:tab pos="4071620" algn="l"/>
+                <a:tab pos="4653280" algn="l"/>
+                <a:tab pos="5234940" algn="l"/>
+                <a:tab pos="5816600" algn="l"/>
+                <a:tab pos="6398260" algn="l"/>
+                <a:tab pos="6979920" algn="l"/>
+                <a:tab pos="7561580" algn="l"/>
+                <a:tab pos="8143240" algn="l"/>
+                <a:tab pos="8724900" algn="l"/>
+                <a:tab pos="9306560" algn="l"/>
+              </a:tabLst>
+            </a:pPr>
+            <a:r>
+              <a:rPr lang="en-US" dirty="0" smtClean="0">
+                <a:solidFill>
+                  <a:srgbClr val="000000"/>
+                </a:solidFill>
+                <a:latin typeface="Consolas" panose="020B0609020204030204" pitchFamily="49" charset="0"/>
+                <a:ea typeface="Times New Roman" panose="02020603050405020304" pitchFamily="18" charset="0"/>
+                <a:cs typeface="Times New Roman" panose="02020603050405020304" pitchFamily="18" charset="0"/>
+              </a:rPr>
+              <a:t>div(10</a:t>
+            </a:r>
+            <a:r>
+              <a:rPr lang="en-US" dirty="0">
+                <a:solidFill>
+                  <a:srgbClr val="000000"/>
+                </a:solidFill>
+                <a:latin typeface="Consolas" panose="020B0609020204030204" pitchFamily="49" charset="0"/>
+                <a:ea typeface="Times New Roman" panose="02020603050405020304" pitchFamily="18" charset="0"/>
+                <a:cs typeface="Times New Roman" panose="02020603050405020304" pitchFamily="18" charset="0"/>
+              </a:rPr>
+              <a:t>, 2);</a:t>
+            </a:r>
+            <a:endParaRPr lang="en-US" sz="2400" dirty="0">
+              <a:latin typeface="Calibri" panose="020F0502020204030204" pitchFamily="34" charset="0"/>
+              <a:ea typeface="Calibri" panose="020F0502020204030204" pitchFamily="34" charset="0"/>
+              <a:cs typeface="Times New Roman" panose="02020603050405020304" pitchFamily="18" charset="0"/>
+            </a:endParaRPr>
+          </a:p>
+          <a:p>
+            <a:pPr>
+              <a:lnSpc>
+                <a:spcPct val="107000"/>
+              </a:lnSpc>
+              <a:spcAft>
+                <a:spcPts val="800"/>
+              </a:spcAft>
+            </a:pPr>
+            <a:r>
+              <a:rPr lang="en-US" sz="2400" dirty="0">
+                <a:latin typeface="Calibri" panose="020F0502020204030204" pitchFamily="34" charset="0"/>
+                <a:ea typeface="Calibri" panose="020F0502020204030204" pitchFamily="34" charset="0"/>
+                <a:cs typeface="Times New Roman" panose="02020603050405020304" pitchFamily="18" charset="0"/>
+              </a:rPr>
+              <a:t> </a:t>
+            </a:r>
+            <a:endParaRPr lang="en-US" sz="2400" dirty="0">
+              <a:effectLst/>
+              <a:latin typeface="Calibri" panose="020F0502020204030204" pitchFamily="34" charset="0"/>
+              <a:ea typeface="Calibri" panose="020F0502020204030204" pitchFamily="34" charset="0"/>
+              <a:cs typeface="Times New Roman" panose="02020603050405020304" pitchFamily="18" charset="0"/>
+            </a:endParaRPr>
+          </a:p>
+        </p:txBody>
+      </p:sp>
+      <p:sp>
+        <p:nvSpPr>
+          <p:cNvPr id="5" name="Rectangle 4"/>
+          <p:cNvSpPr/>
+          <p:nvPr/>
+        </p:nvSpPr>
+        <p:spPr>
+          <a:xfrm>
+            <a:off x="1202575" y="3982517"/>
+            <a:ext cx="6096000" cy="1672958"/>
+          </a:xfrm>
+          <a:prstGeom prst="rect">
+            <a:avLst/>
+          </a:prstGeom>
+        </p:spPr>
+        <p:txBody>
+          <a:bodyPr>
+            <a:spAutoFit/>
+          </a:bodyPr>
+          <a:lstStyle/>
+          <a:p>
+            <a:pPr>
+              <a:lnSpc>
+                <a:spcPct val="107000"/>
+              </a:lnSpc>
+              <a:tabLst>
+                <a:tab pos="581660" algn="l"/>
+                <a:tab pos="1163320" algn="l"/>
+                <a:tab pos="1744980" algn="l"/>
+                <a:tab pos="2326640" algn="l"/>
+                <a:tab pos="2908300" algn="l"/>
+                <a:tab pos="3489960" algn="l"/>
+                <a:tab pos="4071620" algn="l"/>
+                <a:tab pos="4653280" algn="l"/>
+                <a:tab pos="5234940" algn="l"/>
+                <a:tab pos="5816600" algn="l"/>
+                <a:tab pos="6398260" algn="l"/>
+                <a:tab pos="6979920" algn="l"/>
+                <a:tab pos="7561580" algn="l"/>
+                <a:tab pos="8143240" algn="l"/>
+                <a:tab pos="8724900" algn="l"/>
+                <a:tab pos="9306560" algn="l"/>
+              </a:tabLst>
+            </a:pPr>
+            <a:r>
+              <a:rPr lang="en-US" dirty="0" err="1">
+                <a:solidFill>
+                  <a:srgbClr val="0000FF"/>
+                </a:solidFill>
+                <a:latin typeface="Consolas" panose="020B0609020204030204" pitchFamily="49" charset="0"/>
+                <a:ea typeface="Times New Roman" panose="02020603050405020304" pitchFamily="18" charset="0"/>
+                <a:cs typeface="Times New Roman" panose="02020603050405020304" pitchFamily="18" charset="0"/>
+              </a:rPr>
+              <a:t>var</a:t>
+            </a:r>
+            <a:r>
+              <a:rPr lang="en-US" dirty="0">
+                <a:solidFill>
+                  <a:srgbClr val="000000"/>
+                </a:solidFill>
+                <a:latin typeface="Consolas" panose="020B0609020204030204" pitchFamily="49" charset="0"/>
+                <a:ea typeface="Times New Roman" panose="02020603050405020304" pitchFamily="18" charset="0"/>
+                <a:cs typeface="Times New Roman" panose="02020603050405020304" pitchFamily="18" charset="0"/>
+              </a:rPr>
+              <a:t> div = </a:t>
+            </a:r>
+            <a:r>
+              <a:rPr lang="en-US" dirty="0">
+                <a:solidFill>
+                  <a:srgbClr val="0000FF"/>
+                </a:solidFill>
+                <a:latin typeface="Consolas" panose="020B0609020204030204" pitchFamily="49" charset="0"/>
+                <a:ea typeface="Times New Roman" panose="02020603050405020304" pitchFamily="18" charset="0"/>
+                <a:cs typeface="Times New Roman" panose="02020603050405020304" pitchFamily="18" charset="0"/>
+              </a:rPr>
+              <a:t>function</a:t>
+            </a:r>
+            <a:r>
+              <a:rPr lang="en-US" dirty="0">
+                <a:solidFill>
+                  <a:srgbClr val="000000"/>
+                </a:solidFill>
+                <a:latin typeface="Consolas" panose="020B0609020204030204" pitchFamily="49" charset="0"/>
+                <a:ea typeface="Times New Roman" panose="02020603050405020304" pitchFamily="18" charset="0"/>
+                <a:cs typeface="Times New Roman" panose="02020603050405020304" pitchFamily="18" charset="0"/>
+              </a:rPr>
+              <a:t> (a, b) {</a:t>
+            </a:r>
+            <a:endParaRPr lang="en-US" sz="2400" dirty="0">
+              <a:latin typeface="Calibri" panose="020F0502020204030204" pitchFamily="34" charset="0"/>
+              <a:ea typeface="Calibri" panose="020F0502020204030204" pitchFamily="34" charset="0"/>
+              <a:cs typeface="Times New Roman" panose="02020603050405020304" pitchFamily="18" charset="0"/>
+            </a:endParaRPr>
+          </a:p>
+          <a:p>
+            <a:pPr>
+              <a:lnSpc>
+                <a:spcPct val="107000"/>
+              </a:lnSpc>
+              <a:tabLst>
+                <a:tab pos="581660" algn="l"/>
+                <a:tab pos="1163320" algn="l"/>
+                <a:tab pos="1744980" algn="l"/>
+                <a:tab pos="2326640" algn="l"/>
+                <a:tab pos="2908300" algn="l"/>
+                <a:tab pos="3489960" algn="l"/>
+                <a:tab pos="4071620" algn="l"/>
+                <a:tab pos="4653280" algn="l"/>
+                <a:tab pos="5234940" algn="l"/>
+                <a:tab pos="5816600" algn="l"/>
+                <a:tab pos="6398260" algn="l"/>
+                <a:tab pos="6979920" algn="l"/>
+                <a:tab pos="7561580" algn="l"/>
+                <a:tab pos="8143240" algn="l"/>
+                <a:tab pos="8724900" algn="l"/>
+                <a:tab pos="9306560" algn="l"/>
+              </a:tabLst>
+            </a:pPr>
+            <a:r>
+              <a:rPr lang="en-US" dirty="0" smtClean="0">
+                <a:solidFill>
+                  <a:srgbClr val="000000"/>
+                </a:solidFill>
+                <a:latin typeface="Consolas" panose="020B0609020204030204" pitchFamily="49" charset="0"/>
+                <a:ea typeface="Times New Roman" panose="02020603050405020304" pitchFamily="18" charset="0"/>
+                <a:cs typeface="Times New Roman" panose="02020603050405020304" pitchFamily="18" charset="0"/>
+              </a:rPr>
+              <a:t>              </a:t>
+            </a:r>
+            <a:r>
+              <a:rPr lang="en-US" dirty="0" smtClean="0">
+                <a:solidFill>
+                  <a:srgbClr val="0000FF"/>
+                </a:solidFill>
+                <a:latin typeface="Consolas" panose="020B0609020204030204" pitchFamily="49" charset="0"/>
+                <a:ea typeface="Times New Roman" panose="02020603050405020304" pitchFamily="18" charset="0"/>
+                <a:cs typeface="Times New Roman" panose="02020603050405020304" pitchFamily="18" charset="0"/>
+              </a:rPr>
+              <a:t>return</a:t>
+            </a:r>
+            <a:r>
+              <a:rPr lang="en-US" dirty="0">
+                <a:solidFill>
+                  <a:srgbClr val="000000"/>
+                </a:solidFill>
+                <a:latin typeface="Consolas" panose="020B0609020204030204" pitchFamily="49" charset="0"/>
+                <a:ea typeface="Times New Roman" panose="02020603050405020304" pitchFamily="18" charset="0"/>
+                <a:cs typeface="Times New Roman" panose="02020603050405020304" pitchFamily="18" charset="0"/>
+              </a:rPr>
+              <a:t> a / b;</a:t>
+            </a:r>
+            <a:endParaRPr lang="en-US" sz="2400" dirty="0">
+              <a:latin typeface="Calibri" panose="020F0502020204030204" pitchFamily="34" charset="0"/>
+              <a:ea typeface="Calibri" panose="020F0502020204030204" pitchFamily="34" charset="0"/>
+              <a:cs typeface="Times New Roman" panose="02020603050405020304" pitchFamily="18" charset="0"/>
+            </a:endParaRPr>
+          </a:p>
+          <a:p>
+            <a:pPr>
+              <a:lnSpc>
+                <a:spcPct val="107000"/>
+              </a:lnSpc>
+              <a:tabLst>
+                <a:tab pos="581660" algn="l"/>
+                <a:tab pos="1163320" algn="l"/>
+                <a:tab pos="1744980" algn="l"/>
+                <a:tab pos="2326640" algn="l"/>
+                <a:tab pos="2908300" algn="l"/>
+                <a:tab pos="3489960" algn="l"/>
+                <a:tab pos="4071620" algn="l"/>
+                <a:tab pos="4653280" algn="l"/>
+                <a:tab pos="5234940" algn="l"/>
+                <a:tab pos="5816600" algn="l"/>
+                <a:tab pos="6398260" algn="l"/>
+                <a:tab pos="6979920" algn="l"/>
+                <a:tab pos="7561580" algn="l"/>
+                <a:tab pos="8143240" algn="l"/>
+                <a:tab pos="8724900" algn="l"/>
+                <a:tab pos="9306560" algn="l"/>
+              </a:tabLst>
+            </a:pPr>
+            <a:r>
+              <a:rPr lang="en-US" dirty="0">
+                <a:solidFill>
+                  <a:srgbClr val="000000"/>
+                </a:solidFill>
+                <a:latin typeface="Consolas" panose="020B0609020204030204" pitchFamily="49" charset="0"/>
+                <a:ea typeface="Times New Roman" panose="02020603050405020304" pitchFamily="18" charset="0"/>
+                <a:cs typeface="Times New Roman" panose="02020603050405020304" pitchFamily="18" charset="0"/>
+              </a:rPr>
+              <a:t>        </a:t>
+            </a:r>
+            <a:r>
+              <a:rPr lang="en-US" dirty="0" smtClean="0">
+                <a:solidFill>
+                  <a:srgbClr val="000000"/>
+                </a:solidFill>
+                <a:latin typeface="Consolas" panose="020B0609020204030204" pitchFamily="49" charset="0"/>
+                <a:ea typeface="Times New Roman" panose="02020603050405020304" pitchFamily="18" charset="0"/>
+                <a:cs typeface="Times New Roman" panose="02020603050405020304" pitchFamily="18" charset="0"/>
+              </a:rPr>
+              <a:t>  };</a:t>
+            </a:r>
+            <a:endParaRPr lang="en-US" sz="2400" dirty="0">
+              <a:latin typeface="Calibri" panose="020F0502020204030204" pitchFamily="34" charset="0"/>
+              <a:ea typeface="Calibri" panose="020F0502020204030204" pitchFamily="34" charset="0"/>
+              <a:cs typeface="Times New Roman" panose="02020603050405020304" pitchFamily="18" charset="0"/>
+            </a:endParaRPr>
+          </a:p>
+          <a:p>
+            <a:pPr>
+              <a:lnSpc>
+                <a:spcPct val="107000"/>
+              </a:lnSpc>
+              <a:tabLst>
+                <a:tab pos="581660" algn="l"/>
+                <a:tab pos="1163320" algn="l"/>
+                <a:tab pos="1744980" algn="l"/>
+                <a:tab pos="2326640" algn="l"/>
+                <a:tab pos="2908300" algn="l"/>
+                <a:tab pos="3489960" algn="l"/>
+                <a:tab pos="4071620" algn="l"/>
+                <a:tab pos="4653280" algn="l"/>
+                <a:tab pos="5234940" algn="l"/>
+                <a:tab pos="5816600" algn="l"/>
+                <a:tab pos="6398260" algn="l"/>
+                <a:tab pos="6979920" algn="l"/>
+                <a:tab pos="7561580" algn="l"/>
+                <a:tab pos="8143240" algn="l"/>
+                <a:tab pos="8724900" algn="l"/>
+                <a:tab pos="9306560" algn="l"/>
+              </a:tabLst>
+            </a:pPr>
+            <a:r>
+              <a:rPr lang="en-US" dirty="0" smtClean="0">
+                <a:solidFill>
+                  <a:srgbClr val="000000"/>
+                </a:solidFill>
+                <a:latin typeface="Consolas" panose="020B0609020204030204" pitchFamily="49" charset="0"/>
+                <a:ea typeface="Times New Roman" panose="02020603050405020304" pitchFamily="18" charset="0"/>
+                <a:cs typeface="Times New Roman" panose="02020603050405020304" pitchFamily="18" charset="0"/>
+              </a:rPr>
+              <a:t>div(10</a:t>
+            </a:r>
+            <a:r>
+              <a:rPr lang="en-US" dirty="0">
+                <a:solidFill>
+                  <a:srgbClr val="000000"/>
+                </a:solidFill>
+                <a:latin typeface="Consolas" panose="020B0609020204030204" pitchFamily="49" charset="0"/>
+                <a:ea typeface="Times New Roman" panose="02020603050405020304" pitchFamily="18" charset="0"/>
+                <a:cs typeface="Times New Roman" panose="02020603050405020304" pitchFamily="18" charset="0"/>
+              </a:rPr>
+              <a:t>, 2);</a:t>
+            </a:r>
+            <a:endParaRPr lang="en-US" sz="2400" dirty="0">
+              <a:latin typeface="Calibri" panose="020F0502020204030204" pitchFamily="34" charset="0"/>
+              <a:ea typeface="Calibri" panose="020F0502020204030204" pitchFamily="34" charset="0"/>
+              <a:cs typeface="Times New Roman" panose="02020603050405020304" pitchFamily="18" charset="0"/>
+            </a:endParaRPr>
+          </a:p>
+          <a:p>
+            <a:pPr>
+              <a:lnSpc>
+                <a:spcPct val="107000"/>
+              </a:lnSpc>
+              <a:spcAft>
+                <a:spcPts val="800"/>
+              </a:spcAft>
+            </a:pPr>
+            <a:r>
+              <a:rPr lang="en-US" sz="2400" dirty="0">
+                <a:latin typeface="Calibri" panose="020F0502020204030204" pitchFamily="34" charset="0"/>
+                <a:ea typeface="Calibri" panose="020F0502020204030204" pitchFamily="34" charset="0"/>
+                <a:cs typeface="Times New Roman" panose="02020603050405020304" pitchFamily="18" charset="0"/>
+              </a:rPr>
+              <a:t> </a:t>
+            </a:r>
+            <a:endParaRPr lang="en-US" sz="2400" dirty="0">
+              <a:effectLst/>
+              <a:latin typeface="Calibri" panose="020F0502020204030204" pitchFamily="34" charset="0"/>
+              <a:ea typeface="Calibri" panose="020F0502020204030204" pitchFamily="34" charset="0"/>
+              <a:cs typeface="Times New Roman" panose="02020603050405020304" pitchFamily="18" charset="0"/>
+            </a:endParaRPr>
+          </a:p>
+        </p:txBody>
+      </p:sp>
+    </p:spTree>
+    <p:extLst>
+      <p:ext uri="{BB962C8B-B14F-4D97-AF65-F5344CB8AC3E}">
+        <p14:creationId xmlns:p14="http://schemas.microsoft.com/office/powerpoint/2010/main" val="58436854"/>
+      </p:ext>
+    </p:extLst>
+  </p:cSld>
+  <p:clrMapOvr>
+    <a:masterClrMapping/>
+  </p:clrMapOvr>
+</p:sld>
+</file>
+
+<file path=ppt/slides/slide34.xml><?xml version="1.0" encoding="utf-8"?>
+<p:sld xmlns:a="http://schemas.openxmlformats.org/drawingml/2006/main" xmlns:r="http://schemas.openxmlformats.org/officeDocument/2006/relationships" xmlns:p="http://schemas.openxmlformats.org/presentationml/2006/main">
+  <p:cSld>
+    <p:spTree>
+      <p:nvGrpSpPr>
+        <p:cNvPr id="1" name=""/>
+        <p:cNvGrpSpPr/>
+        <p:nvPr/>
+      </p:nvGrpSpPr>
+      <p:grpSpPr>
+        <a:xfrm>
+          <a:off x="0" y="0"/>
+          <a:ext cx="0" cy="0"/>
+          <a:chOff x="0" y="0"/>
+          <a:chExt cx="0" cy="0"/>
+        </a:xfrm>
+      </p:grpSpPr>
+      <p:sp>
+        <p:nvSpPr>
+          <p:cNvPr id="2" name="Title 1"/>
+          <p:cNvSpPr>
+            <a:spLocks noGrp="1"/>
+          </p:cNvSpPr>
+          <p:nvPr>
+            <p:ph type="title"/>
+          </p:nvPr>
+        </p:nvSpPr>
+        <p:spPr/>
+        <p:txBody>
+          <a:bodyPr/>
+          <a:lstStyle/>
+          <a:p>
+            <a:r>
+              <a:rPr lang="en-US" dirty="0" smtClean="0"/>
+              <a:t>Functions</a:t>
+            </a:r>
+            <a:endParaRPr lang="en-US" dirty="0"/>
+          </a:p>
+        </p:txBody>
+      </p:sp>
+      <p:sp>
+        <p:nvSpPr>
+          <p:cNvPr id="3" name="Content Placeholder 2"/>
+          <p:cNvSpPr>
+            <a:spLocks noGrp="1"/>
+          </p:cNvSpPr>
+          <p:nvPr>
+            <p:ph idx="1"/>
+          </p:nvPr>
+        </p:nvSpPr>
+        <p:spPr/>
+        <p:txBody>
+          <a:bodyPr/>
+          <a:lstStyle/>
+          <a:p>
+            <a:r>
+              <a:rPr lang="en-US" dirty="0" smtClean="0"/>
+              <a:t>Can be nested</a:t>
+            </a:r>
+          </a:p>
+          <a:p>
+            <a:endParaRPr lang="en-US" dirty="0"/>
+          </a:p>
+          <a:p>
+            <a:r>
+              <a:rPr lang="en-US" dirty="0" smtClean="0"/>
+              <a:t>Supports type inference</a:t>
+            </a:r>
+          </a:p>
+          <a:p>
+            <a:endParaRPr lang="en-US" dirty="0"/>
+          </a:p>
+          <a:p>
+            <a:r>
+              <a:rPr lang="en-US" dirty="0" smtClean="0"/>
+              <a:t>Can be passed as parameters to functions</a:t>
+            </a:r>
+            <a:endParaRPr lang="en-US" dirty="0"/>
+          </a:p>
+          <a:p>
+            <a:endParaRPr lang="en-US" dirty="0" smtClean="0"/>
+          </a:p>
+          <a:p>
+            <a:endParaRPr lang="en-US" dirty="0"/>
+          </a:p>
+        </p:txBody>
+      </p:sp>
+    </p:spTree>
+    <p:extLst>
+      <p:ext uri="{BB962C8B-B14F-4D97-AF65-F5344CB8AC3E}">
+        <p14:creationId xmlns:p14="http://schemas.microsoft.com/office/powerpoint/2010/main" val="2890865740"/>
+      </p:ext>
+    </p:extLst>
+  </p:cSld>
+  <p:clrMapOvr>
+    <a:masterClrMapping/>
+  </p:clrMapOvr>
+</p:sld>
+</file>
+
+<file path=ppt/slides/slide35.xml><?xml version="1.0" encoding="utf-8"?>
+<p:sld xmlns:a="http://schemas.openxmlformats.org/drawingml/2006/main" xmlns:r="http://schemas.openxmlformats.org/officeDocument/2006/relationships" xmlns:p="http://schemas.openxmlformats.org/presentationml/2006/main">
+  <p:cSld>
+    <p:spTree>
+      <p:nvGrpSpPr>
+        <p:cNvPr id="1" name=""/>
+        <p:cNvGrpSpPr/>
+        <p:nvPr/>
+      </p:nvGrpSpPr>
+      <p:grpSpPr>
+        <a:xfrm>
+          <a:off x="0" y="0"/>
+          <a:ext cx="0" cy="0"/>
+          <a:chOff x="0" y="0"/>
+          <a:chExt cx="0" cy="0"/>
+        </a:xfrm>
+      </p:grpSpPr>
+      <p:sp>
+        <p:nvSpPr>
+          <p:cNvPr id="2" name="Title 1"/>
+          <p:cNvSpPr>
+            <a:spLocks noGrp="1"/>
+          </p:cNvSpPr>
+          <p:nvPr>
+            <p:ph type="title"/>
+          </p:nvPr>
+        </p:nvSpPr>
+        <p:spPr/>
+        <p:txBody>
+          <a:bodyPr/>
+          <a:lstStyle/>
+          <a:p>
+            <a:r>
+              <a:rPr lang="en-US" dirty="0" smtClean="0"/>
+              <a:t>Functions</a:t>
+            </a:r>
+            <a:endParaRPr lang="en-US" dirty="0"/>
+          </a:p>
+        </p:txBody>
+      </p:sp>
+      <p:sp>
+        <p:nvSpPr>
+          <p:cNvPr id="3" name="Content Placeholder 2"/>
+          <p:cNvSpPr>
+            <a:spLocks noGrp="1"/>
+          </p:cNvSpPr>
+          <p:nvPr>
+            <p:ph idx="1"/>
+          </p:nvPr>
+        </p:nvSpPr>
+        <p:spPr/>
+        <p:txBody>
+          <a:bodyPr/>
+          <a:lstStyle/>
+          <a:p>
+            <a:r>
+              <a:rPr lang="en-US" dirty="0" smtClean="0"/>
+              <a:t>Captures outer-most scope when in class</a:t>
+            </a:r>
+          </a:p>
+          <a:p>
+            <a:pPr lvl="1"/>
+            <a:r>
+              <a:rPr lang="en-US" dirty="0" smtClean="0"/>
+              <a:t>No need to user “self” alias</a:t>
+            </a:r>
+            <a:endParaRPr lang="en-US" dirty="0"/>
+          </a:p>
+        </p:txBody>
+      </p:sp>
+      <p:sp>
+        <p:nvSpPr>
+          <p:cNvPr id="5" name="Rectangle 4"/>
+          <p:cNvSpPr/>
+          <p:nvPr/>
+        </p:nvSpPr>
+        <p:spPr>
+          <a:xfrm>
+            <a:off x="117380" y="3182951"/>
+            <a:ext cx="9156622" cy="2858411"/>
+          </a:xfrm>
+          <a:prstGeom prst="rect">
+            <a:avLst/>
+          </a:prstGeom>
+        </p:spPr>
+        <p:txBody>
+          <a:bodyPr wrap="square">
+            <a:spAutoFit/>
+          </a:bodyPr>
+          <a:lstStyle/>
+          <a:p>
+            <a:pPr>
+              <a:lnSpc>
+                <a:spcPct val="107000"/>
+              </a:lnSpc>
+              <a:tabLst>
+                <a:tab pos="581660" algn="l"/>
+                <a:tab pos="1163320" algn="l"/>
+                <a:tab pos="1744980" algn="l"/>
+                <a:tab pos="2326640" algn="l"/>
+                <a:tab pos="2908300" algn="l"/>
+                <a:tab pos="3489960" algn="l"/>
+                <a:tab pos="4071620" algn="l"/>
+                <a:tab pos="4653280" algn="l"/>
+                <a:tab pos="5234940" algn="l"/>
+                <a:tab pos="5816600" algn="l"/>
+                <a:tab pos="6398260" algn="l"/>
+                <a:tab pos="6979920" algn="l"/>
+                <a:tab pos="7561580" algn="l"/>
+                <a:tab pos="8143240" algn="l"/>
+                <a:tab pos="8724900" algn="l"/>
+                <a:tab pos="9306560" algn="l"/>
+              </a:tabLst>
+            </a:pPr>
+            <a:r>
+              <a:rPr lang="en-US" dirty="0" smtClean="0">
+                <a:solidFill>
+                  <a:srgbClr val="0000FF"/>
+                </a:solidFill>
+                <a:latin typeface="Consolas" panose="020B0609020204030204" pitchFamily="49" charset="0"/>
+                <a:ea typeface="Times New Roman" panose="02020603050405020304" pitchFamily="18" charset="0"/>
+                <a:cs typeface="Times New Roman" panose="02020603050405020304" pitchFamily="18" charset="0"/>
+              </a:rPr>
+              <a:t>    class</a:t>
+            </a:r>
+            <a:r>
+              <a:rPr lang="en-US" dirty="0">
+                <a:solidFill>
+                  <a:srgbClr val="000000"/>
+                </a:solidFill>
+                <a:latin typeface="Consolas" panose="020B0609020204030204" pitchFamily="49" charset="0"/>
+                <a:ea typeface="Times New Roman" panose="02020603050405020304" pitchFamily="18" charset="0"/>
+                <a:cs typeface="Times New Roman" panose="02020603050405020304" pitchFamily="18" charset="0"/>
+              </a:rPr>
+              <a:t> </a:t>
+            </a:r>
+            <a:r>
+              <a:rPr lang="en-US" dirty="0" err="1">
+                <a:solidFill>
+                  <a:srgbClr val="000000"/>
+                </a:solidFill>
+                <a:latin typeface="Consolas" panose="020B0609020204030204" pitchFamily="49" charset="0"/>
+                <a:ea typeface="Times New Roman" panose="02020603050405020304" pitchFamily="18" charset="0"/>
+                <a:cs typeface="Times New Roman" panose="02020603050405020304" pitchFamily="18" charset="0"/>
+              </a:rPr>
+              <a:t>MyClass</a:t>
+            </a:r>
+            <a:r>
+              <a:rPr lang="en-US" dirty="0">
+                <a:solidFill>
+                  <a:srgbClr val="000000"/>
+                </a:solidFill>
+                <a:latin typeface="Consolas" panose="020B0609020204030204" pitchFamily="49" charset="0"/>
+                <a:ea typeface="Times New Roman" panose="02020603050405020304" pitchFamily="18" charset="0"/>
+                <a:cs typeface="Times New Roman" panose="02020603050405020304" pitchFamily="18" charset="0"/>
+              </a:rPr>
+              <a:t> {</a:t>
+            </a:r>
+            <a:endParaRPr lang="en-US" sz="2400" dirty="0">
+              <a:latin typeface="Calibri" panose="020F0502020204030204" pitchFamily="34" charset="0"/>
+              <a:ea typeface="Calibri" panose="020F0502020204030204" pitchFamily="34" charset="0"/>
+              <a:cs typeface="Times New Roman" panose="02020603050405020304" pitchFamily="18" charset="0"/>
+            </a:endParaRPr>
+          </a:p>
+          <a:p>
+            <a:pPr>
+              <a:lnSpc>
+                <a:spcPct val="107000"/>
+              </a:lnSpc>
+              <a:tabLst>
+                <a:tab pos="581660" algn="l"/>
+                <a:tab pos="1163320" algn="l"/>
+                <a:tab pos="1744980" algn="l"/>
+                <a:tab pos="2326640" algn="l"/>
+                <a:tab pos="2908300" algn="l"/>
+                <a:tab pos="3489960" algn="l"/>
+                <a:tab pos="4071620" algn="l"/>
+                <a:tab pos="4653280" algn="l"/>
+                <a:tab pos="5234940" algn="l"/>
+                <a:tab pos="5816600" algn="l"/>
+                <a:tab pos="6398260" algn="l"/>
+                <a:tab pos="6979920" algn="l"/>
+                <a:tab pos="7561580" algn="l"/>
+                <a:tab pos="8143240" algn="l"/>
+                <a:tab pos="8724900" algn="l"/>
+                <a:tab pos="9306560" algn="l"/>
+              </a:tabLst>
+            </a:pPr>
+            <a:r>
+              <a:rPr lang="en-US" dirty="0">
+                <a:solidFill>
+                  <a:srgbClr val="000000"/>
+                </a:solidFill>
+                <a:latin typeface="Consolas" panose="020B0609020204030204" pitchFamily="49" charset="0"/>
+                <a:ea typeface="Times New Roman" panose="02020603050405020304" pitchFamily="18" charset="0"/>
+                <a:cs typeface="Times New Roman" panose="02020603050405020304" pitchFamily="18" charset="0"/>
+              </a:rPr>
+              <a:t>        </a:t>
+            </a:r>
+            <a:r>
+              <a:rPr lang="en-US" dirty="0" err="1">
+                <a:solidFill>
+                  <a:srgbClr val="000000"/>
+                </a:solidFill>
+                <a:latin typeface="Consolas" panose="020B0609020204030204" pitchFamily="49" charset="0"/>
+                <a:ea typeface="Times New Roman" panose="02020603050405020304" pitchFamily="18" charset="0"/>
+                <a:cs typeface="Times New Roman" panose="02020603050405020304" pitchFamily="18" charset="0"/>
+              </a:rPr>
+              <a:t>myData</a:t>
+            </a:r>
+            <a:r>
+              <a:rPr lang="en-US" dirty="0">
+                <a:solidFill>
+                  <a:srgbClr val="000000"/>
+                </a:solidFill>
+                <a:latin typeface="Consolas" panose="020B0609020204030204" pitchFamily="49" charset="0"/>
+                <a:ea typeface="Times New Roman" panose="02020603050405020304" pitchFamily="18" charset="0"/>
+                <a:cs typeface="Times New Roman" panose="02020603050405020304" pitchFamily="18" charset="0"/>
+              </a:rPr>
+              <a:t>: Object = </a:t>
+            </a:r>
+            <a:r>
+              <a:rPr lang="en-US" dirty="0">
+                <a:solidFill>
+                  <a:srgbClr val="0000FF"/>
+                </a:solidFill>
+                <a:latin typeface="Consolas" panose="020B0609020204030204" pitchFamily="49" charset="0"/>
+                <a:ea typeface="Times New Roman" panose="02020603050405020304" pitchFamily="18" charset="0"/>
+                <a:cs typeface="Times New Roman" panose="02020603050405020304" pitchFamily="18" charset="0"/>
+              </a:rPr>
+              <a:t>null</a:t>
+            </a:r>
+            <a:r>
+              <a:rPr lang="en-US" dirty="0">
+                <a:solidFill>
+                  <a:srgbClr val="000000"/>
+                </a:solidFill>
+                <a:latin typeface="Consolas" panose="020B0609020204030204" pitchFamily="49" charset="0"/>
+                <a:ea typeface="Times New Roman" panose="02020603050405020304" pitchFamily="18" charset="0"/>
+                <a:cs typeface="Times New Roman" panose="02020603050405020304" pitchFamily="18" charset="0"/>
+              </a:rPr>
+              <a:t>;</a:t>
+            </a:r>
+            <a:endParaRPr lang="en-US" sz="2400" dirty="0">
+              <a:latin typeface="Calibri" panose="020F0502020204030204" pitchFamily="34" charset="0"/>
+              <a:ea typeface="Calibri" panose="020F0502020204030204" pitchFamily="34" charset="0"/>
+              <a:cs typeface="Times New Roman" panose="02020603050405020304" pitchFamily="18" charset="0"/>
+            </a:endParaRPr>
+          </a:p>
+          <a:p>
+            <a:pPr>
+              <a:lnSpc>
+                <a:spcPct val="107000"/>
+              </a:lnSpc>
+              <a:tabLst>
+                <a:tab pos="581660" algn="l"/>
+                <a:tab pos="1163320" algn="l"/>
+                <a:tab pos="1744980" algn="l"/>
+                <a:tab pos="2326640" algn="l"/>
+                <a:tab pos="2908300" algn="l"/>
+                <a:tab pos="3489960" algn="l"/>
+                <a:tab pos="4071620" algn="l"/>
+                <a:tab pos="4653280" algn="l"/>
+                <a:tab pos="5234940" algn="l"/>
+                <a:tab pos="5816600" algn="l"/>
+                <a:tab pos="6398260" algn="l"/>
+                <a:tab pos="6979920" algn="l"/>
+                <a:tab pos="7561580" algn="l"/>
+                <a:tab pos="8143240" algn="l"/>
+                <a:tab pos="8724900" algn="l"/>
+                <a:tab pos="9306560" algn="l"/>
+              </a:tabLst>
+            </a:pPr>
+            <a:r>
+              <a:rPr lang="en-US" dirty="0">
+                <a:solidFill>
+                  <a:srgbClr val="000000"/>
+                </a:solidFill>
+                <a:latin typeface="Consolas" panose="020B0609020204030204" pitchFamily="49" charset="0"/>
+                <a:ea typeface="Times New Roman" panose="02020603050405020304" pitchFamily="18" charset="0"/>
+                <a:cs typeface="Times New Roman" panose="02020603050405020304" pitchFamily="18" charset="0"/>
+              </a:rPr>
+              <a:t> </a:t>
+            </a:r>
+            <a:endParaRPr lang="en-US" sz="2400" dirty="0">
+              <a:latin typeface="Calibri" panose="020F0502020204030204" pitchFamily="34" charset="0"/>
+              <a:ea typeface="Calibri" panose="020F0502020204030204" pitchFamily="34" charset="0"/>
+              <a:cs typeface="Times New Roman" panose="02020603050405020304" pitchFamily="18" charset="0"/>
+            </a:endParaRPr>
+          </a:p>
+          <a:p>
+            <a:pPr>
+              <a:lnSpc>
+                <a:spcPct val="107000"/>
+              </a:lnSpc>
+              <a:tabLst>
+                <a:tab pos="581660" algn="l"/>
+                <a:tab pos="1163320" algn="l"/>
+                <a:tab pos="1744980" algn="l"/>
+                <a:tab pos="2326640" algn="l"/>
+                <a:tab pos="2908300" algn="l"/>
+                <a:tab pos="3489960" algn="l"/>
+                <a:tab pos="4071620" algn="l"/>
+                <a:tab pos="4653280" algn="l"/>
+                <a:tab pos="5234940" algn="l"/>
+                <a:tab pos="5816600" algn="l"/>
+                <a:tab pos="6398260" algn="l"/>
+                <a:tab pos="6979920" algn="l"/>
+                <a:tab pos="7561580" algn="l"/>
+                <a:tab pos="8143240" algn="l"/>
+                <a:tab pos="8724900" algn="l"/>
+                <a:tab pos="9306560" algn="l"/>
+              </a:tabLst>
+            </a:pPr>
+            <a:r>
+              <a:rPr lang="en-US" dirty="0">
+                <a:solidFill>
+                  <a:srgbClr val="000000"/>
+                </a:solidFill>
+                <a:latin typeface="Consolas" panose="020B0609020204030204" pitchFamily="49" charset="0"/>
+                <a:ea typeface="Times New Roman" panose="02020603050405020304" pitchFamily="18" charset="0"/>
+                <a:cs typeface="Times New Roman" panose="02020603050405020304" pitchFamily="18" charset="0"/>
+              </a:rPr>
+              <a:t>        </a:t>
+            </a:r>
+            <a:r>
+              <a:rPr lang="en-US" dirty="0" err="1">
+                <a:solidFill>
+                  <a:srgbClr val="000000"/>
+                </a:solidFill>
+                <a:latin typeface="Consolas" panose="020B0609020204030204" pitchFamily="49" charset="0"/>
+                <a:ea typeface="Times New Roman" panose="02020603050405020304" pitchFamily="18" charset="0"/>
+                <a:cs typeface="Times New Roman" panose="02020603050405020304" pitchFamily="18" charset="0"/>
+              </a:rPr>
+              <a:t>makeRequest</a:t>
+            </a:r>
+            <a:r>
+              <a:rPr lang="en-US" dirty="0">
+                <a:solidFill>
+                  <a:srgbClr val="000000"/>
+                </a:solidFill>
+                <a:latin typeface="Consolas" panose="020B0609020204030204" pitchFamily="49" charset="0"/>
+                <a:ea typeface="Times New Roman" panose="02020603050405020304" pitchFamily="18" charset="0"/>
+                <a:cs typeface="Times New Roman" panose="02020603050405020304" pitchFamily="18" charset="0"/>
+              </a:rPr>
+              <a:t>(): </a:t>
+            </a:r>
+            <a:r>
+              <a:rPr lang="en-US" dirty="0" err="1">
+                <a:solidFill>
+                  <a:srgbClr val="000000"/>
+                </a:solidFill>
+                <a:latin typeface="Consolas" panose="020B0609020204030204" pitchFamily="49" charset="0"/>
+                <a:ea typeface="Times New Roman" panose="02020603050405020304" pitchFamily="18" charset="0"/>
+                <a:cs typeface="Times New Roman" panose="02020603050405020304" pitchFamily="18" charset="0"/>
+              </a:rPr>
+              <a:t>JQueryDeferred</a:t>
+            </a:r>
+            <a:r>
+              <a:rPr lang="en-US" dirty="0">
+                <a:solidFill>
+                  <a:srgbClr val="000000"/>
+                </a:solidFill>
+                <a:latin typeface="Consolas" panose="020B0609020204030204" pitchFamily="49" charset="0"/>
+                <a:ea typeface="Times New Roman" panose="02020603050405020304" pitchFamily="18" charset="0"/>
+                <a:cs typeface="Times New Roman" panose="02020603050405020304" pitchFamily="18" charset="0"/>
+              </a:rPr>
+              <a:t>&lt;</a:t>
+            </a:r>
+            <a:r>
+              <a:rPr lang="en-US" dirty="0">
+                <a:solidFill>
+                  <a:srgbClr val="0000FF"/>
+                </a:solidFill>
+                <a:latin typeface="Consolas" panose="020B0609020204030204" pitchFamily="49" charset="0"/>
+                <a:ea typeface="Times New Roman" panose="02020603050405020304" pitchFamily="18" charset="0"/>
+                <a:cs typeface="Times New Roman" panose="02020603050405020304" pitchFamily="18" charset="0"/>
+              </a:rPr>
+              <a:t>any</a:t>
+            </a:r>
+            <a:r>
+              <a:rPr lang="en-US" dirty="0">
+                <a:solidFill>
+                  <a:srgbClr val="000000"/>
+                </a:solidFill>
+                <a:latin typeface="Consolas" panose="020B0609020204030204" pitchFamily="49" charset="0"/>
+                <a:ea typeface="Times New Roman" panose="02020603050405020304" pitchFamily="18" charset="0"/>
+                <a:cs typeface="Times New Roman" panose="02020603050405020304" pitchFamily="18" charset="0"/>
+              </a:rPr>
+              <a:t>&gt; {</a:t>
+            </a:r>
+            <a:endParaRPr lang="en-US" sz="2400" dirty="0">
+              <a:latin typeface="Calibri" panose="020F0502020204030204" pitchFamily="34" charset="0"/>
+              <a:ea typeface="Calibri" panose="020F0502020204030204" pitchFamily="34" charset="0"/>
+              <a:cs typeface="Times New Roman" panose="02020603050405020304" pitchFamily="18" charset="0"/>
+            </a:endParaRPr>
+          </a:p>
+          <a:p>
+            <a:pPr>
+              <a:lnSpc>
+                <a:spcPct val="107000"/>
+              </a:lnSpc>
+              <a:tabLst>
+                <a:tab pos="581660" algn="l"/>
+                <a:tab pos="1163320" algn="l"/>
+                <a:tab pos="1744980" algn="l"/>
+                <a:tab pos="2326640" algn="l"/>
+                <a:tab pos="2908300" algn="l"/>
+                <a:tab pos="3489960" algn="l"/>
+                <a:tab pos="4071620" algn="l"/>
+                <a:tab pos="4653280" algn="l"/>
+                <a:tab pos="5234940" algn="l"/>
+                <a:tab pos="5816600" algn="l"/>
+                <a:tab pos="6398260" algn="l"/>
+                <a:tab pos="6979920" algn="l"/>
+                <a:tab pos="7561580" algn="l"/>
+                <a:tab pos="8143240" algn="l"/>
+                <a:tab pos="8724900" algn="l"/>
+                <a:tab pos="9306560" algn="l"/>
+              </a:tabLst>
+            </a:pPr>
+            <a:r>
+              <a:rPr lang="en-US" dirty="0">
+                <a:solidFill>
+                  <a:srgbClr val="000000"/>
+                </a:solidFill>
+                <a:latin typeface="Consolas" panose="020B0609020204030204" pitchFamily="49" charset="0"/>
+                <a:ea typeface="Times New Roman" panose="02020603050405020304" pitchFamily="18" charset="0"/>
+                <a:cs typeface="Times New Roman" panose="02020603050405020304" pitchFamily="18" charset="0"/>
+              </a:rPr>
+              <a:t>            </a:t>
+            </a:r>
+            <a:r>
+              <a:rPr lang="en-US" dirty="0">
+                <a:solidFill>
+                  <a:srgbClr val="0000FF"/>
+                </a:solidFill>
+                <a:latin typeface="Consolas" panose="020B0609020204030204" pitchFamily="49" charset="0"/>
+                <a:ea typeface="Times New Roman" panose="02020603050405020304" pitchFamily="18" charset="0"/>
+                <a:cs typeface="Times New Roman" panose="02020603050405020304" pitchFamily="18" charset="0"/>
+              </a:rPr>
+              <a:t>return</a:t>
+            </a:r>
+            <a:r>
+              <a:rPr lang="en-US" dirty="0">
+                <a:solidFill>
+                  <a:srgbClr val="000000"/>
+                </a:solidFill>
+                <a:latin typeface="Consolas" panose="020B0609020204030204" pitchFamily="49" charset="0"/>
+                <a:ea typeface="Times New Roman" panose="02020603050405020304" pitchFamily="18" charset="0"/>
+                <a:cs typeface="Times New Roman" panose="02020603050405020304" pitchFamily="18" charset="0"/>
+              </a:rPr>
+              <a:t> $.</a:t>
+            </a:r>
+            <a:r>
+              <a:rPr lang="en-US" dirty="0">
+                <a:solidFill>
+                  <a:srgbClr val="0000FF"/>
+                </a:solidFill>
+                <a:latin typeface="Consolas" panose="020B0609020204030204" pitchFamily="49" charset="0"/>
+                <a:ea typeface="Times New Roman" panose="02020603050405020304" pitchFamily="18" charset="0"/>
+                <a:cs typeface="Times New Roman" panose="02020603050405020304" pitchFamily="18" charset="0"/>
+              </a:rPr>
+              <a:t>get</a:t>
+            </a:r>
+            <a:r>
+              <a:rPr lang="en-US" dirty="0">
+                <a:solidFill>
+                  <a:srgbClr val="000000"/>
+                </a:solidFill>
+                <a:latin typeface="Consolas" panose="020B0609020204030204" pitchFamily="49" charset="0"/>
+                <a:ea typeface="Times New Roman" panose="02020603050405020304" pitchFamily="18" charset="0"/>
+                <a:cs typeface="Times New Roman" panose="02020603050405020304" pitchFamily="18" charset="0"/>
+              </a:rPr>
+              <a:t>(</a:t>
+            </a:r>
+            <a:r>
+              <a:rPr lang="en-US" dirty="0">
+                <a:solidFill>
+                  <a:srgbClr val="A31515"/>
+                </a:solidFill>
+                <a:latin typeface="Consolas" panose="020B0609020204030204" pitchFamily="49" charset="0"/>
+                <a:ea typeface="Times New Roman" panose="02020603050405020304" pitchFamily="18" charset="0"/>
+                <a:cs typeface="Times New Roman" panose="02020603050405020304" pitchFamily="18" charset="0"/>
+              </a:rPr>
+              <a:t>'~/</a:t>
+            </a:r>
+            <a:r>
+              <a:rPr lang="en-US" dirty="0" err="1">
+                <a:solidFill>
+                  <a:srgbClr val="A31515"/>
+                </a:solidFill>
+                <a:latin typeface="Consolas" panose="020B0609020204030204" pitchFamily="49" charset="0"/>
+                <a:ea typeface="Times New Roman" panose="02020603050405020304" pitchFamily="18" charset="0"/>
+                <a:cs typeface="Times New Roman" panose="02020603050405020304" pitchFamily="18" charset="0"/>
+              </a:rPr>
+              <a:t>api</a:t>
+            </a:r>
+            <a:r>
+              <a:rPr lang="en-US" dirty="0">
+                <a:solidFill>
+                  <a:srgbClr val="A31515"/>
+                </a:solidFill>
+                <a:latin typeface="Consolas" panose="020B0609020204030204" pitchFamily="49" charset="0"/>
+                <a:ea typeface="Times New Roman" panose="02020603050405020304" pitchFamily="18" charset="0"/>
+                <a:cs typeface="Times New Roman" panose="02020603050405020304" pitchFamily="18" charset="0"/>
+              </a:rPr>
+              <a:t>/stuff'</a:t>
+            </a:r>
+            <a:r>
+              <a:rPr lang="en-US" dirty="0">
+                <a:solidFill>
+                  <a:srgbClr val="000000"/>
+                </a:solidFill>
+                <a:latin typeface="Consolas" panose="020B0609020204030204" pitchFamily="49" charset="0"/>
+                <a:ea typeface="Times New Roman" panose="02020603050405020304" pitchFamily="18" charset="0"/>
+                <a:cs typeface="Times New Roman" panose="02020603050405020304" pitchFamily="18" charset="0"/>
+              </a:rPr>
+              <a:t>)</a:t>
+            </a:r>
+            <a:endParaRPr lang="en-US" sz="2400" dirty="0">
+              <a:latin typeface="Calibri" panose="020F0502020204030204" pitchFamily="34" charset="0"/>
+              <a:ea typeface="Calibri" panose="020F0502020204030204" pitchFamily="34" charset="0"/>
+              <a:cs typeface="Times New Roman" panose="02020603050405020304" pitchFamily="18" charset="0"/>
+            </a:endParaRPr>
+          </a:p>
+          <a:p>
+            <a:pPr>
+              <a:lnSpc>
+                <a:spcPct val="107000"/>
+              </a:lnSpc>
+              <a:tabLst>
+                <a:tab pos="581660" algn="l"/>
+                <a:tab pos="1163320" algn="l"/>
+                <a:tab pos="1744980" algn="l"/>
+                <a:tab pos="2326640" algn="l"/>
+                <a:tab pos="2908300" algn="l"/>
+                <a:tab pos="3489960" algn="l"/>
+                <a:tab pos="4071620" algn="l"/>
+                <a:tab pos="4653280" algn="l"/>
+                <a:tab pos="5234940" algn="l"/>
+                <a:tab pos="5816600" algn="l"/>
+                <a:tab pos="6398260" algn="l"/>
+                <a:tab pos="6979920" algn="l"/>
+                <a:tab pos="7561580" algn="l"/>
+                <a:tab pos="8143240" algn="l"/>
+                <a:tab pos="8724900" algn="l"/>
+                <a:tab pos="9306560" algn="l"/>
+              </a:tabLst>
+            </a:pPr>
+            <a:r>
+              <a:rPr lang="en-US" dirty="0">
+                <a:solidFill>
+                  <a:srgbClr val="000000"/>
+                </a:solidFill>
+                <a:latin typeface="Consolas" panose="020B0609020204030204" pitchFamily="49" charset="0"/>
+                <a:ea typeface="Times New Roman" panose="02020603050405020304" pitchFamily="18" charset="0"/>
+                <a:cs typeface="Times New Roman" panose="02020603050405020304" pitchFamily="18" charset="0"/>
+              </a:rPr>
+              <a:t>                .done((response: </a:t>
+            </a:r>
+            <a:r>
+              <a:rPr lang="en-US" dirty="0">
+                <a:solidFill>
+                  <a:srgbClr val="0000FF"/>
+                </a:solidFill>
+                <a:latin typeface="Consolas" panose="020B0609020204030204" pitchFamily="49" charset="0"/>
+                <a:ea typeface="Times New Roman" panose="02020603050405020304" pitchFamily="18" charset="0"/>
+                <a:cs typeface="Times New Roman" panose="02020603050405020304" pitchFamily="18" charset="0"/>
+              </a:rPr>
+              <a:t>any</a:t>
+            </a:r>
+            <a:r>
+              <a:rPr lang="en-US" dirty="0">
+                <a:solidFill>
+                  <a:srgbClr val="000000"/>
+                </a:solidFill>
+                <a:latin typeface="Consolas" panose="020B0609020204030204" pitchFamily="49" charset="0"/>
+                <a:ea typeface="Times New Roman" panose="02020603050405020304" pitchFamily="18" charset="0"/>
+                <a:cs typeface="Times New Roman" panose="02020603050405020304" pitchFamily="18" charset="0"/>
+              </a:rPr>
+              <a:t>) =&gt; </a:t>
+            </a:r>
+            <a:r>
+              <a:rPr lang="en-US" dirty="0" err="1">
+                <a:solidFill>
+                  <a:srgbClr val="0000FF"/>
+                </a:solidFill>
+                <a:latin typeface="Consolas" panose="020B0609020204030204" pitchFamily="49" charset="0"/>
+                <a:ea typeface="Times New Roman" panose="02020603050405020304" pitchFamily="18" charset="0"/>
+                <a:cs typeface="Times New Roman" panose="02020603050405020304" pitchFamily="18" charset="0"/>
+              </a:rPr>
+              <a:t>this</a:t>
+            </a:r>
+            <a:r>
+              <a:rPr lang="en-US" dirty="0" err="1">
+                <a:solidFill>
+                  <a:srgbClr val="000000"/>
+                </a:solidFill>
+                <a:latin typeface="Consolas" panose="020B0609020204030204" pitchFamily="49" charset="0"/>
+                <a:ea typeface="Times New Roman" panose="02020603050405020304" pitchFamily="18" charset="0"/>
+                <a:cs typeface="Times New Roman" panose="02020603050405020304" pitchFamily="18" charset="0"/>
+              </a:rPr>
+              <a:t>.myData</a:t>
+            </a:r>
+            <a:r>
+              <a:rPr lang="en-US" dirty="0">
+                <a:solidFill>
+                  <a:srgbClr val="000000"/>
+                </a:solidFill>
+                <a:latin typeface="Consolas" panose="020B0609020204030204" pitchFamily="49" charset="0"/>
+                <a:ea typeface="Times New Roman" panose="02020603050405020304" pitchFamily="18" charset="0"/>
+                <a:cs typeface="Times New Roman" panose="02020603050405020304" pitchFamily="18" charset="0"/>
+              </a:rPr>
+              <a:t> = response);</a:t>
+            </a:r>
+            <a:endParaRPr lang="en-US" sz="2400" dirty="0">
+              <a:latin typeface="Calibri" panose="020F0502020204030204" pitchFamily="34" charset="0"/>
+              <a:ea typeface="Calibri" panose="020F0502020204030204" pitchFamily="34" charset="0"/>
+              <a:cs typeface="Times New Roman" panose="02020603050405020304" pitchFamily="18" charset="0"/>
+            </a:endParaRPr>
+          </a:p>
+          <a:p>
+            <a:pPr>
+              <a:lnSpc>
+                <a:spcPct val="107000"/>
+              </a:lnSpc>
+              <a:tabLst>
+                <a:tab pos="581660" algn="l"/>
+                <a:tab pos="1163320" algn="l"/>
+                <a:tab pos="1744980" algn="l"/>
+                <a:tab pos="2326640" algn="l"/>
+                <a:tab pos="2908300" algn="l"/>
+                <a:tab pos="3489960" algn="l"/>
+                <a:tab pos="4071620" algn="l"/>
+                <a:tab pos="4653280" algn="l"/>
+                <a:tab pos="5234940" algn="l"/>
+                <a:tab pos="5816600" algn="l"/>
+                <a:tab pos="6398260" algn="l"/>
+                <a:tab pos="6979920" algn="l"/>
+                <a:tab pos="7561580" algn="l"/>
+                <a:tab pos="8143240" algn="l"/>
+                <a:tab pos="8724900" algn="l"/>
+                <a:tab pos="9306560" algn="l"/>
+              </a:tabLst>
+            </a:pPr>
+            <a:r>
+              <a:rPr lang="en-US" dirty="0">
+                <a:solidFill>
+                  <a:srgbClr val="000000"/>
+                </a:solidFill>
+                <a:latin typeface="Consolas" panose="020B0609020204030204" pitchFamily="49" charset="0"/>
+                <a:ea typeface="Times New Roman" panose="02020603050405020304" pitchFamily="18" charset="0"/>
+                <a:cs typeface="Times New Roman" panose="02020603050405020304" pitchFamily="18" charset="0"/>
+              </a:rPr>
+              <a:t>        }</a:t>
+            </a:r>
+            <a:endParaRPr lang="en-US" sz="2400" dirty="0">
+              <a:latin typeface="Calibri" panose="020F0502020204030204" pitchFamily="34" charset="0"/>
+              <a:ea typeface="Calibri" panose="020F0502020204030204" pitchFamily="34" charset="0"/>
+              <a:cs typeface="Times New Roman" panose="02020603050405020304" pitchFamily="18" charset="0"/>
+            </a:endParaRPr>
+          </a:p>
+          <a:p>
+            <a:pPr>
+              <a:lnSpc>
+                <a:spcPct val="107000"/>
+              </a:lnSpc>
+              <a:tabLst>
+                <a:tab pos="581660" algn="l"/>
+                <a:tab pos="1163320" algn="l"/>
+                <a:tab pos="1744980" algn="l"/>
+                <a:tab pos="2326640" algn="l"/>
+                <a:tab pos="2908300" algn="l"/>
+                <a:tab pos="3489960" algn="l"/>
+                <a:tab pos="4071620" algn="l"/>
+                <a:tab pos="4653280" algn="l"/>
+                <a:tab pos="5234940" algn="l"/>
+                <a:tab pos="5816600" algn="l"/>
+                <a:tab pos="6398260" algn="l"/>
+                <a:tab pos="6979920" algn="l"/>
+                <a:tab pos="7561580" algn="l"/>
+                <a:tab pos="8143240" algn="l"/>
+                <a:tab pos="8724900" algn="l"/>
+                <a:tab pos="9306560" algn="l"/>
+              </a:tabLst>
+            </a:pPr>
+            <a:r>
+              <a:rPr lang="en-US" dirty="0">
+                <a:solidFill>
+                  <a:srgbClr val="000000"/>
+                </a:solidFill>
+                <a:latin typeface="Consolas" panose="020B0609020204030204" pitchFamily="49" charset="0"/>
+                <a:ea typeface="Times New Roman" panose="02020603050405020304" pitchFamily="18" charset="0"/>
+                <a:cs typeface="Times New Roman" panose="02020603050405020304" pitchFamily="18" charset="0"/>
+              </a:rPr>
+              <a:t>    }</a:t>
+            </a:r>
+            <a:endParaRPr lang="en-US" sz="2400" dirty="0">
+              <a:latin typeface="Calibri" panose="020F0502020204030204" pitchFamily="34" charset="0"/>
+              <a:ea typeface="Calibri" panose="020F0502020204030204" pitchFamily="34" charset="0"/>
+              <a:cs typeface="Times New Roman" panose="02020603050405020304" pitchFamily="18" charset="0"/>
+            </a:endParaRPr>
+          </a:p>
+          <a:p>
+            <a:pPr>
+              <a:lnSpc>
+                <a:spcPct val="107000"/>
+              </a:lnSpc>
+              <a:spcAft>
+                <a:spcPts val="800"/>
+              </a:spcAft>
+            </a:pPr>
+            <a:r>
+              <a:rPr lang="en-US" sz="2400" dirty="0">
+                <a:latin typeface="Calibri" panose="020F0502020204030204" pitchFamily="34" charset="0"/>
+                <a:ea typeface="Calibri" panose="020F0502020204030204" pitchFamily="34" charset="0"/>
+                <a:cs typeface="Times New Roman" panose="02020603050405020304" pitchFamily="18" charset="0"/>
+              </a:rPr>
+              <a:t> </a:t>
+            </a:r>
+            <a:endParaRPr lang="en-US" sz="2400" dirty="0">
+              <a:effectLst/>
+              <a:latin typeface="Calibri" panose="020F0502020204030204" pitchFamily="34" charset="0"/>
+              <a:ea typeface="Calibri" panose="020F0502020204030204" pitchFamily="34" charset="0"/>
+              <a:cs typeface="Times New Roman" panose="02020603050405020304" pitchFamily="18" charset="0"/>
+            </a:endParaRPr>
+          </a:p>
+        </p:txBody>
+      </p:sp>
+    </p:spTree>
+    <p:extLst>
+      <p:ext uri="{BB962C8B-B14F-4D97-AF65-F5344CB8AC3E}">
+        <p14:creationId xmlns:p14="http://schemas.microsoft.com/office/powerpoint/2010/main" val="1784088866"/>
+      </p:ext>
+    </p:extLst>
+  </p:cSld>
+  <p:clrMapOvr>
+    <a:masterClrMapping/>
+  </p:clrMapOvr>
+</p:sld>
+</file>
+
+<file path=ppt/slides/slide36.xml><?xml version="1.0" encoding="utf-8"?>
+<p:sld xmlns:a="http://schemas.openxmlformats.org/drawingml/2006/main" xmlns:r="http://schemas.openxmlformats.org/officeDocument/2006/relationships" xmlns:p="http://schemas.openxmlformats.org/presentationml/2006/main">
+  <p:cSld>
+    <p:spTree>
+      <p:nvGrpSpPr>
+        <p:cNvPr id="1" name=""/>
+        <p:cNvGrpSpPr/>
+        <p:nvPr/>
+      </p:nvGrpSpPr>
+      <p:grpSpPr>
+        <a:xfrm>
+          <a:off x="0" y="0"/>
+          <a:ext cx="0" cy="0"/>
+          <a:chOff x="0" y="0"/>
+          <a:chExt cx="0" cy="0"/>
+        </a:xfrm>
+      </p:grpSpPr>
+      <p:sp>
+        <p:nvSpPr>
+          <p:cNvPr id="2" name="Title 1"/>
+          <p:cNvSpPr>
+            <a:spLocks noGrp="1"/>
+          </p:cNvSpPr>
+          <p:nvPr>
+            <p:ph type="title"/>
+          </p:nvPr>
+        </p:nvSpPr>
+        <p:spPr/>
+        <p:txBody>
+          <a:bodyPr/>
+          <a:lstStyle/>
+          <a:p>
+            <a:r>
+              <a:rPr lang="en-US" dirty="0" smtClean="0"/>
+              <a:t>Functions</a:t>
+            </a:r>
+            <a:endParaRPr lang="en-US" dirty="0"/>
+          </a:p>
+        </p:txBody>
+      </p:sp>
+      <p:sp>
+        <p:nvSpPr>
+          <p:cNvPr id="3" name="Content Placeholder 2"/>
+          <p:cNvSpPr>
+            <a:spLocks noGrp="1"/>
+          </p:cNvSpPr>
+          <p:nvPr>
+            <p:ph idx="1"/>
+          </p:nvPr>
+        </p:nvSpPr>
+        <p:spPr/>
+        <p:txBody>
+          <a:bodyPr/>
+          <a:lstStyle/>
+          <a:p>
+            <a:r>
+              <a:rPr lang="en-US" dirty="0" smtClean="0"/>
+              <a:t>Compiles to:</a:t>
+            </a:r>
+            <a:endParaRPr lang="en-US" dirty="0"/>
+          </a:p>
+        </p:txBody>
+      </p:sp>
+      <p:sp>
+        <p:nvSpPr>
+          <p:cNvPr id="4" name="Rectangle 3"/>
+          <p:cNvSpPr/>
+          <p:nvPr/>
+        </p:nvSpPr>
+        <p:spPr>
+          <a:xfrm>
+            <a:off x="495993" y="2465680"/>
+            <a:ext cx="9229898" cy="4043864"/>
+          </a:xfrm>
+          <a:prstGeom prst="rect">
+            <a:avLst/>
+          </a:prstGeom>
+        </p:spPr>
+        <p:txBody>
+          <a:bodyPr wrap="square">
+            <a:spAutoFit/>
+          </a:bodyPr>
+          <a:lstStyle/>
+          <a:p>
+            <a:pPr>
+              <a:lnSpc>
+                <a:spcPct val="107000"/>
+              </a:lnSpc>
+              <a:tabLst>
+                <a:tab pos="581660" algn="l"/>
+                <a:tab pos="1163320" algn="l"/>
+                <a:tab pos="1744980" algn="l"/>
+                <a:tab pos="2326640" algn="l"/>
+                <a:tab pos="2908300" algn="l"/>
+                <a:tab pos="3489960" algn="l"/>
+                <a:tab pos="4071620" algn="l"/>
+                <a:tab pos="4653280" algn="l"/>
+                <a:tab pos="5234940" algn="l"/>
+                <a:tab pos="5816600" algn="l"/>
+                <a:tab pos="6398260" algn="l"/>
+                <a:tab pos="6979920" algn="l"/>
+                <a:tab pos="7561580" algn="l"/>
+                <a:tab pos="8143240" algn="l"/>
+                <a:tab pos="8724900" algn="l"/>
+                <a:tab pos="9306560" algn="l"/>
+              </a:tabLst>
+            </a:pPr>
+            <a:r>
+              <a:rPr lang="en-US" dirty="0" err="1">
+                <a:solidFill>
+                  <a:srgbClr val="0000FF"/>
+                </a:solidFill>
+                <a:latin typeface="Consolas" panose="020B0609020204030204" pitchFamily="49" charset="0"/>
+                <a:ea typeface="Times New Roman" panose="02020603050405020304" pitchFamily="18" charset="0"/>
+                <a:cs typeface="Times New Roman" panose="02020603050405020304" pitchFamily="18" charset="0"/>
+              </a:rPr>
+              <a:t>var</a:t>
+            </a:r>
+            <a:r>
+              <a:rPr lang="en-US" dirty="0">
+                <a:solidFill>
+                  <a:srgbClr val="000000"/>
+                </a:solidFill>
+                <a:latin typeface="Consolas" panose="020B0609020204030204" pitchFamily="49" charset="0"/>
+                <a:ea typeface="Times New Roman" panose="02020603050405020304" pitchFamily="18" charset="0"/>
+                <a:cs typeface="Times New Roman" panose="02020603050405020304" pitchFamily="18" charset="0"/>
+              </a:rPr>
+              <a:t> </a:t>
+            </a:r>
+            <a:r>
+              <a:rPr lang="en-US" dirty="0" err="1">
+                <a:solidFill>
+                  <a:srgbClr val="000000"/>
+                </a:solidFill>
+                <a:latin typeface="Consolas" panose="020B0609020204030204" pitchFamily="49" charset="0"/>
+                <a:ea typeface="Times New Roman" panose="02020603050405020304" pitchFamily="18" charset="0"/>
+                <a:cs typeface="Times New Roman" panose="02020603050405020304" pitchFamily="18" charset="0"/>
+              </a:rPr>
+              <a:t>MyClass</a:t>
+            </a:r>
+            <a:r>
+              <a:rPr lang="en-US" dirty="0">
+                <a:solidFill>
+                  <a:srgbClr val="000000"/>
+                </a:solidFill>
+                <a:latin typeface="Consolas" panose="020B0609020204030204" pitchFamily="49" charset="0"/>
+                <a:ea typeface="Times New Roman" panose="02020603050405020304" pitchFamily="18" charset="0"/>
+                <a:cs typeface="Times New Roman" panose="02020603050405020304" pitchFamily="18" charset="0"/>
+              </a:rPr>
+              <a:t> = (</a:t>
+            </a:r>
+            <a:r>
+              <a:rPr lang="en-US" dirty="0">
+                <a:solidFill>
+                  <a:srgbClr val="0000FF"/>
+                </a:solidFill>
+                <a:latin typeface="Consolas" panose="020B0609020204030204" pitchFamily="49" charset="0"/>
+                <a:ea typeface="Times New Roman" panose="02020603050405020304" pitchFamily="18" charset="0"/>
+                <a:cs typeface="Times New Roman" panose="02020603050405020304" pitchFamily="18" charset="0"/>
+              </a:rPr>
+              <a:t>function</a:t>
+            </a:r>
+            <a:r>
+              <a:rPr lang="en-US" dirty="0">
+                <a:solidFill>
+                  <a:srgbClr val="000000"/>
+                </a:solidFill>
+                <a:latin typeface="Consolas" panose="020B0609020204030204" pitchFamily="49" charset="0"/>
+                <a:ea typeface="Times New Roman" panose="02020603050405020304" pitchFamily="18" charset="0"/>
+                <a:cs typeface="Times New Roman" panose="02020603050405020304" pitchFamily="18" charset="0"/>
+              </a:rPr>
+              <a:t> () {</a:t>
+            </a:r>
+            <a:endParaRPr lang="en-US" sz="2400" dirty="0">
+              <a:latin typeface="Calibri" panose="020F0502020204030204" pitchFamily="34" charset="0"/>
+              <a:ea typeface="Calibri" panose="020F0502020204030204" pitchFamily="34" charset="0"/>
+              <a:cs typeface="Times New Roman" panose="02020603050405020304" pitchFamily="18" charset="0"/>
+            </a:endParaRPr>
+          </a:p>
+          <a:p>
+            <a:pPr>
+              <a:lnSpc>
+                <a:spcPct val="107000"/>
+              </a:lnSpc>
+              <a:tabLst>
+                <a:tab pos="581660" algn="l"/>
+                <a:tab pos="1163320" algn="l"/>
+                <a:tab pos="1744980" algn="l"/>
+                <a:tab pos="2326640" algn="l"/>
+                <a:tab pos="2908300" algn="l"/>
+                <a:tab pos="3489960" algn="l"/>
+                <a:tab pos="4071620" algn="l"/>
+                <a:tab pos="4653280" algn="l"/>
+                <a:tab pos="5234940" algn="l"/>
+                <a:tab pos="5816600" algn="l"/>
+                <a:tab pos="6398260" algn="l"/>
+                <a:tab pos="6979920" algn="l"/>
+                <a:tab pos="7561580" algn="l"/>
+                <a:tab pos="8143240" algn="l"/>
+                <a:tab pos="8724900" algn="l"/>
+                <a:tab pos="9306560" algn="l"/>
+              </a:tabLst>
+            </a:pPr>
+            <a:r>
+              <a:rPr lang="en-US" dirty="0">
+                <a:solidFill>
+                  <a:srgbClr val="000000"/>
+                </a:solidFill>
+                <a:latin typeface="Consolas" panose="020B0609020204030204" pitchFamily="49" charset="0"/>
+                <a:ea typeface="Times New Roman" panose="02020603050405020304" pitchFamily="18" charset="0"/>
+                <a:cs typeface="Times New Roman" panose="02020603050405020304" pitchFamily="18" charset="0"/>
+              </a:rPr>
+              <a:t>    </a:t>
+            </a:r>
+            <a:r>
+              <a:rPr lang="en-US" dirty="0">
+                <a:solidFill>
+                  <a:srgbClr val="0000FF"/>
+                </a:solidFill>
+                <a:latin typeface="Consolas" panose="020B0609020204030204" pitchFamily="49" charset="0"/>
+                <a:ea typeface="Times New Roman" panose="02020603050405020304" pitchFamily="18" charset="0"/>
+                <a:cs typeface="Times New Roman" panose="02020603050405020304" pitchFamily="18" charset="0"/>
+              </a:rPr>
+              <a:t>function</a:t>
+            </a:r>
+            <a:r>
+              <a:rPr lang="en-US" dirty="0">
+                <a:solidFill>
+                  <a:srgbClr val="000000"/>
+                </a:solidFill>
+                <a:latin typeface="Consolas" panose="020B0609020204030204" pitchFamily="49" charset="0"/>
+                <a:ea typeface="Times New Roman" panose="02020603050405020304" pitchFamily="18" charset="0"/>
+                <a:cs typeface="Times New Roman" panose="02020603050405020304" pitchFamily="18" charset="0"/>
+              </a:rPr>
+              <a:t> </a:t>
+            </a:r>
+            <a:r>
+              <a:rPr lang="en-US" dirty="0" err="1">
+                <a:solidFill>
+                  <a:srgbClr val="000000"/>
+                </a:solidFill>
+                <a:latin typeface="Consolas" panose="020B0609020204030204" pitchFamily="49" charset="0"/>
+                <a:ea typeface="Times New Roman" panose="02020603050405020304" pitchFamily="18" charset="0"/>
+                <a:cs typeface="Times New Roman" panose="02020603050405020304" pitchFamily="18" charset="0"/>
+              </a:rPr>
+              <a:t>MyClass</a:t>
+            </a:r>
+            <a:r>
+              <a:rPr lang="en-US" dirty="0">
+                <a:solidFill>
+                  <a:srgbClr val="000000"/>
+                </a:solidFill>
+                <a:latin typeface="Consolas" panose="020B0609020204030204" pitchFamily="49" charset="0"/>
+                <a:ea typeface="Times New Roman" panose="02020603050405020304" pitchFamily="18" charset="0"/>
+                <a:cs typeface="Times New Roman" panose="02020603050405020304" pitchFamily="18" charset="0"/>
+              </a:rPr>
+              <a:t>() {</a:t>
+            </a:r>
+            <a:endParaRPr lang="en-US" sz="2400" dirty="0">
+              <a:latin typeface="Calibri" panose="020F0502020204030204" pitchFamily="34" charset="0"/>
+              <a:ea typeface="Calibri" panose="020F0502020204030204" pitchFamily="34" charset="0"/>
+              <a:cs typeface="Times New Roman" panose="02020603050405020304" pitchFamily="18" charset="0"/>
+            </a:endParaRPr>
+          </a:p>
+          <a:p>
+            <a:pPr>
+              <a:lnSpc>
+                <a:spcPct val="107000"/>
+              </a:lnSpc>
+              <a:tabLst>
+                <a:tab pos="581660" algn="l"/>
+                <a:tab pos="1163320" algn="l"/>
+                <a:tab pos="1744980" algn="l"/>
+                <a:tab pos="2326640" algn="l"/>
+                <a:tab pos="2908300" algn="l"/>
+                <a:tab pos="3489960" algn="l"/>
+                <a:tab pos="4071620" algn="l"/>
+                <a:tab pos="4653280" algn="l"/>
+                <a:tab pos="5234940" algn="l"/>
+                <a:tab pos="5816600" algn="l"/>
+                <a:tab pos="6398260" algn="l"/>
+                <a:tab pos="6979920" algn="l"/>
+                <a:tab pos="7561580" algn="l"/>
+                <a:tab pos="8143240" algn="l"/>
+                <a:tab pos="8724900" algn="l"/>
+                <a:tab pos="9306560" algn="l"/>
+              </a:tabLst>
+            </a:pPr>
+            <a:r>
+              <a:rPr lang="en-US" dirty="0">
+                <a:solidFill>
+                  <a:srgbClr val="000000"/>
+                </a:solidFill>
+                <a:latin typeface="Consolas" panose="020B0609020204030204" pitchFamily="49" charset="0"/>
+                <a:ea typeface="Times New Roman" panose="02020603050405020304" pitchFamily="18" charset="0"/>
+                <a:cs typeface="Times New Roman" panose="02020603050405020304" pitchFamily="18" charset="0"/>
+              </a:rPr>
+              <a:t>        </a:t>
+            </a:r>
+            <a:r>
+              <a:rPr lang="en-US" dirty="0" err="1">
+                <a:solidFill>
+                  <a:srgbClr val="0000FF"/>
+                </a:solidFill>
+                <a:latin typeface="Consolas" panose="020B0609020204030204" pitchFamily="49" charset="0"/>
+                <a:ea typeface="Times New Roman" panose="02020603050405020304" pitchFamily="18" charset="0"/>
+                <a:cs typeface="Times New Roman" panose="02020603050405020304" pitchFamily="18" charset="0"/>
+              </a:rPr>
+              <a:t>this</a:t>
+            </a:r>
+            <a:r>
+              <a:rPr lang="en-US" dirty="0" err="1">
+                <a:solidFill>
+                  <a:srgbClr val="000000"/>
+                </a:solidFill>
+                <a:latin typeface="Consolas" panose="020B0609020204030204" pitchFamily="49" charset="0"/>
+                <a:ea typeface="Times New Roman" panose="02020603050405020304" pitchFamily="18" charset="0"/>
+                <a:cs typeface="Times New Roman" panose="02020603050405020304" pitchFamily="18" charset="0"/>
+              </a:rPr>
+              <a:t>.myData</a:t>
+            </a:r>
+            <a:r>
+              <a:rPr lang="en-US" dirty="0">
+                <a:solidFill>
+                  <a:srgbClr val="000000"/>
+                </a:solidFill>
+                <a:latin typeface="Consolas" panose="020B0609020204030204" pitchFamily="49" charset="0"/>
+                <a:ea typeface="Times New Roman" panose="02020603050405020304" pitchFamily="18" charset="0"/>
+                <a:cs typeface="Times New Roman" panose="02020603050405020304" pitchFamily="18" charset="0"/>
+              </a:rPr>
+              <a:t> = </a:t>
+            </a:r>
+            <a:r>
+              <a:rPr lang="en-US" dirty="0">
+                <a:solidFill>
+                  <a:srgbClr val="0000FF"/>
+                </a:solidFill>
+                <a:latin typeface="Consolas" panose="020B0609020204030204" pitchFamily="49" charset="0"/>
+                <a:ea typeface="Times New Roman" panose="02020603050405020304" pitchFamily="18" charset="0"/>
+                <a:cs typeface="Times New Roman" panose="02020603050405020304" pitchFamily="18" charset="0"/>
+              </a:rPr>
+              <a:t>null</a:t>
+            </a:r>
+            <a:r>
+              <a:rPr lang="en-US" dirty="0">
+                <a:solidFill>
+                  <a:srgbClr val="000000"/>
+                </a:solidFill>
+                <a:latin typeface="Consolas" panose="020B0609020204030204" pitchFamily="49" charset="0"/>
+                <a:ea typeface="Times New Roman" panose="02020603050405020304" pitchFamily="18" charset="0"/>
+                <a:cs typeface="Times New Roman" panose="02020603050405020304" pitchFamily="18" charset="0"/>
+              </a:rPr>
+              <a:t>;</a:t>
+            </a:r>
+            <a:endParaRPr lang="en-US" sz="2400" dirty="0">
+              <a:latin typeface="Calibri" panose="020F0502020204030204" pitchFamily="34" charset="0"/>
+              <a:ea typeface="Calibri" panose="020F0502020204030204" pitchFamily="34" charset="0"/>
+              <a:cs typeface="Times New Roman" panose="02020603050405020304" pitchFamily="18" charset="0"/>
+            </a:endParaRPr>
+          </a:p>
+          <a:p>
+            <a:pPr>
+              <a:lnSpc>
+                <a:spcPct val="107000"/>
+              </a:lnSpc>
+              <a:tabLst>
+                <a:tab pos="581660" algn="l"/>
+                <a:tab pos="1163320" algn="l"/>
+                <a:tab pos="1744980" algn="l"/>
+                <a:tab pos="2326640" algn="l"/>
+                <a:tab pos="2908300" algn="l"/>
+                <a:tab pos="3489960" algn="l"/>
+                <a:tab pos="4071620" algn="l"/>
+                <a:tab pos="4653280" algn="l"/>
+                <a:tab pos="5234940" algn="l"/>
+                <a:tab pos="5816600" algn="l"/>
+                <a:tab pos="6398260" algn="l"/>
+                <a:tab pos="6979920" algn="l"/>
+                <a:tab pos="7561580" algn="l"/>
+                <a:tab pos="8143240" algn="l"/>
+                <a:tab pos="8724900" algn="l"/>
+                <a:tab pos="9306560" algn="l"/>
+              </a:tabLst>
+            </a:pPr>
+            <a:r>
+              <a:rPr lang="en-US" dirty="0">
+                <a:solidFill>
+                  <a:srgbClr val="000000"/>
+                </a:solidFill>
+                <a:latin typeface="Consolas" panose="020B0609020204030204" pitchFamily="49" charset="0"/>
+                <a:ea typeface="Times New Roman" panose="02020603050405020304" pitchFamily="18" charset="0"/>
+                <a:cs typeface="Times New Roman" panose="02020603050405020304" pitchFamily="18" charset="0"/>
+              </a:rPr>
+              <a:t>    }</a:t>
+            </a:r>
+            <a:endParaRPr lang="en-US" sz="2400" dirty="0">
+              <a:latin typeface="Calibri" panose="020F0502020204030204" pitchFamily="34" charset="0"/>
+              <a:ea typeface="Calibri" panose="020F0502020204030204" pitchFamily="34" charset="0"/>
+              <a:cs typeface="Times New Roman" panose="02020603050405020304" pitchFamily="18" charset="0"/>
+            </a:endParaRPr>
+          </a:p>
+          <a:p>
+            <a:pPr>
+              <a:lnSpc>
+                <a:spcPct val="107000"/>
+              </a:lnSpc>
+              <a:tabLst>
+                <a:tab pos="581660" algn="l"/>
+                <a:tab pos="1163320" algn="l"/>
+                <a:tab pos="1744980" algn="l"/>
+                <a:tab pos="2326640" algn="l"/>
+                <a:tab pos="2908300" algn="l"/>
+                <a:tab pos="3489960" algn="l"/>
+                <a:tab pos="4071620" algn="l"/>
+                <a:tab pos="4653280" algn="l"/>
+                <a:tab pos="5234940" algn="l"/>
+                <a:tab pos="5816600" algn="l"/>
+                <a:tab pos="6398260" algn="l"/>
+                <a:tab pos="6979920" algn="l"/>
+                <a:tab pos="7561580" algn="l"/>
+                <a:tab pos="8143240" algn="l"/>
+                <a:tab pos="8724900" algn="l"/>
+                <a:tab pos="9306560" algn="l"/>
+              </a:tabLst>
+            </a:pPr>
+            <a:r>
+              <a:rPr lang="en-US" dirty="0">
+                <a:solidFill>
+                  <a:srgbClr val="000000"/>
+                </a:solidFill>
+                <a:latin typeface="Consolas" panose="020B0609020204030204" pitchFamily="49" charset="0"/>
+                <a:ea typeface="Times New Roman" panose="02020603050405020304" pitchFamily="18" charset="0"/>
+                <a:cs typeface="Times New Roman" panose="02020603050405020304" pitchFamily="18" charset="0"/>
+              </a:rPr>
+              <a:t>    </a:t>
+            </a:r>
+            <a:r>
+              <a:rPr lang="en-US" dirty="0" err="1">
+                <a:solidFill>
+                  <a:srgbClr val="000000"/>
+                </a:solidFill>
+                <a:latin typeface="Consolas" panose="020B0609020204030204" pitchFamily="49" charset="0"/>
+                <a:ea typeface="Times New Roman" panose="02020603050405020304" pitchFamily="18" charset="0"/>
+                <a:cs typeface="Times New Roman" panose="02020603050405020304" pitchFamily="18" charset="0"/>
+              </a:rPr>
+              <a:t>MyClass.prototype.makeRequest</a:t>
+            </a:r>
+            <a:r>
+              <a:rPr lang="en-US" dirty="0">
+                <a:solidFill>
+                  <a:srgbClr val="000000"/>
+                </a:solidFill>
+                <a:latin typeface="Consolas" panose="020B0609020204030204" pitchFamily="49" charset="0"/>
+                <a:ea typeface="Times New Roman" panose="02020603050405020304" pitchFamily="18" charset="0"/>
+                <a:cs typeface="Times New Roman" panose="02020603050405020304" pitchFamily="18" charset="0"/>
+              </a:rPr>
+              <a:t> = </a:t>
+            </a:r>
+            <a:r>
+              <a:rPr lang="en-US" dirty="0">
+                <a:solidFill>
+                  <a:srgbClr val="0000FF"/>
+                </a:solidFill>
+                <a:latin typeface="Consolas" panose="020B0609020204030204" pitchFamily="49" charset="0"/>
+                <a:ea typeface="Times New Roman" panose="02020603050405020304" pitchFamily="18" charset="0"/>
+                <a:cs typeface="Times New Roman" panose="02020603050405020304" pitchFamily="18" charset="0"/>
+              </a:rPr>
+              <a:t>function</a:t>
+            </a:r>
+            <a:r>
+              <a:rPr lang="en-US" dirty="0">
+                <a:solidFill>
+                  <a:srgbClr val="000000"/>
+                </a:solidFill>
+                <a:latin typeface="Consolas" panose="020B0609020204030204" pitchFamily="49" charset="0"/>
+                <a:ea typeface="Times New Roman" panose="02020603050405020304" pitchFamily="18" charset="0"/>
+                <a:cs typeface="Times New Roman" panose="02020603050405020304" pitchFamily="18" charset="0"/>
+              </a:rPr>
+              <a:t> () {</a:t>
+            </a:r>
+            <a:endParaRPr lang="en-US" sz="2400" dirty="0">
+              <a:latin typeface="Calibri" panose="020F0502020204030204" pitchFamily="34" charset="0"/>
+              <a:ea typeface="Calibri" panose="020F0502020204030204" pitchFamily="34" charset="0"/>
+              <a:cs typeface="Times New Roman" panose="02020603050405020304" pitchFamily="18" charset="0"/>
+            </a:endParaRPr>
+          </a:p>
+          <a:p>
+            <a:pPr>
+              <a:lnSpc>
+                <a:spcPct val="107000"/>
+              </a:lnSpc>
+              <a:tabLst>
+                <a:tab pos="581660" algn="l"/>
+                <a:tab pos="1163320" algn="l"/>
+                <a:tab pos="1744980" algn="l"/>
+                <a:tab pos="2326640" algn="l"/>
+                <a:tab pos="2908300" algn="l"/>
+                <a:tab pos="3489960" algn="l"/>
+                <a:tab pos="4071620" algn="l"/>
+                <a:tab pos="4653280" algn="l"/>
+                <a:tab pos="5234940" algn="l"/>
+                <a:tab pos="5816600" algn="l"/>
+                <a:tab pos="6398260" algn="l"/>
+                <a:tab pos="6979920" algn="l"/>
+                <a:tab pos="7561580" algn="l"/>
+                <a:tab pos="8143240" algn="l"/>
+                <a:tab pos="8724900" algn="l"/>
+                <a:tab pos="9306560" algn="l"/>
+              </a:tabLst>
+            </a:pPr>
+            <a:r>
+              <a:rPr lang="en-US" dirty="0">
+                <a:solidFill>
+                  <a:srgbClr val="000000"/>
+                </a:solidFill>
+                <a:latin typeface="Consolas" panose="020B0609020204030204" pitchFamily="49" charset="0"/>
+                <a:ea typeface="Times New Roman" panose="02020603050405020304" pitchFamily="18" charset="0"/>
+                <a:cs typeface="Times New Roman" panose="02020603050405020304" pitchFamily="18" charset="0"/>
+              </a:rPr>
+              <a:t>        </a:t>
+            </a:r>
+            <a:r>
+              <a:rPr lang="en-US" dirty="0" err="1">
+                <a:solidFill>
+                  <a:srgbClr val="0000FF"/>
+                </a:solidFill>
+                <a:latin typeface="Consolas" panose="020B0609020204030204" pitchFamily="49" charset="0"/>
+                <a:ea typeface="Times New Roman" panose="02020603050405020304" pitchFamily="18" charset="0"/>
+                <a:cs typeface="Times New Roman" panose="02020603050405020304" pitchFamily="18" charset="0"/>
+              </a:rPr>
+              <a:t>var</a:t>
+            </a:r>
+            <a:r>
+              <a:rPr lang="en-US" dirty="0">
+                <a:solidFill>
+                  <a:srgbClr val="000000"/>
+                </a:solidFill>
+                <a:latin typeface="Consolas" panose="020B0609020204030204" pitchFamily="49" charset="0"/>
+                <a:ea typeface="Times New Roman" panose="02020603050405020304" pitchFamily="18" charset="0"/>
+                <a:cs typeface="Times New Roman" panose="02020603050405020304" pitchFamily="18" charset="0"/>
+              </a:rPr>
+              <a:t> _this = </a:t>
+            </a:r>
+            <a:r>
+              <a:rPr lang="en-US" dirty="0">
+                <a:solidFill>
+                  <a:srgbClr val="0000FF"/>
+                </a:solidFill>
+                <a:latin typeface="Consolas" panose="020B0609020204030204" pitchFamily="49" charset="0"/>
+                <a:ea typeface="Times New Roman" panose="02020603050405020304" pitchFamily="18" charset="0"/>
+                <a:cs typeface="Times New Roman" panose="02020603050405020304" pitchFamily="18" charset="0"/>
+              </a:rPr>
+              <a:t>this</a:t>
+            </a:r>
+            <a:r>
+              <a:rPr lang="en-US" dirty="0">
+                <a:solidFill>
+                  <a:srgbClr val="000000"/>
+                </a:solidFill>
+                <a:latin typeface="Consolas" panose="020B0609020204030204" pitchFamily="49" charset="0"/>
+                <a:ea typeface="Times New Roman" panose="02020603050405020304" pitchFamily="18" charset="0"/>
+                <a:cs typeface="Times New Roman" panose="02020603050405020304" pitchFamily="18" charset="0"/>
+              </a:rPr>
+              <a:t>;</a:t>
+            </a:r>
+            <a:endParaRPr lang="en-US" sz="2400" dirty="0">
+              <a:latin typeface="Calibri" panose="020F0502020204030204" pitchFamily="34" charset="0"/>
+              <a:ea typeface="Calibri" panose="020F0502020204030204" pitchFamily="34" charset="0"/>
+              <a:cs typeface="Times New Roman" panose="02020603050405020304" pitchFamily="18" charset="0"/>
+            </a:endParaRPr>
+          </a:p>
+          <a:p>
+            <a:pPr>
+              <a:lnSpc>
+                <a:spcPct val="107000"/>
+              </a:lnSpc>
+              <a:tabLst>
+                <a:tab pos="581660" algn="l"/>
+                <a:tab pos="1163320" algn="l"/>
+                <a:tab pos="1744980" algn="l"/>
+                <a:tab pos="2326640" algn="l"/>
+                <a:tab pos="2908300" algn="l"/>
+                <a:tab pos="3489960" algn="l"/>
+                <a:tab pos="4071620" algn="l"/>
+                <a:tab pos="4653280" algn="l"/>
+                <a:tab pos="5234940" algn="l"/>
+                <a:tab pos="5816600" algn="l"/>
+                <a:tab pos="6398260" algn="l"/>
+                <a:tab pos="6979920" algn="l"/>
+                <a:tab pos="7561580" algn="l"/>
+                <a:tab pos="8143240" algn="l"/>
+                <a:tab pos="8724900" algn="l"/>
+                <a:tab pos="9306560" algn="l"/>
+              </a:tabLst>
+            </a:pPr>
+            <a:r>
+              <a:rPr lang="en-US" dirty="0">
+                <a:solidFill>
+                  <a:srgbClr val="000000"/>
+                </a:solidFill>
+                <a:latin typeface="Consolas" panose="020B0609020204030204" pitchFamily="49" charset="0"/>
+                <a:ea typeface="Times New Roman" panose="02020603050405020304" pitchFamily="18" charset="0"/>
+                <a:cs typeface="Times New Roman" panose="02020603050405020304" pitchFamily="18" charset="0"/>
+              </a:rPr>
+              <a:t>        </a:t>
+            </a:r>
+            <a:r>
+              <a:rPr lang="en-US" dirty="0">
+                <a:solidFill>
+                  <a:srgbClr val="0000FF"/>
+                </a:solidFill>
+                <a:latin typeface="Consolas" panose="020B0609020204030204" pitchFamily="49" charset="0"/>
+                <a:ea typeface="Times New Roman" panose="02020603050405020304" pitchFamily="18" charset="0"/>
+                <a:cs typeface="Times New Roman" panose="02020603050405020304" pitchFamily="18" charset="0"/>
+              </a:rPr>
+              <a:t>return</a:t>
+            </a:r>
+            <a:r>
+              <a:rPr lang="en-US" dirty="0">
+                <a:solidFill>
+                  <a:srgbClr val="000000"/>
+                </a:solidFill>
+                <a:latin typeface="Consolas" panose="020B0609020204030204" pitchFamily="49" charset="0"/>
+                <a:ea typeface="Times New Roman" panose="02020603050405020304" pitchFamily="18" charset="0"/>
+                <a:cs typeface="Times New Roman" panose="02020603050405020304" pitchFamily="18" charset="0"/>
+              </a:rPr>
+              <a:t> $.get(</a:t>
+            </a:r>
+            <a:r>
+              <a:rPr lang="en-US" dirty="0">
+                <a:solidFill>
+                  <a:srgbClr val="A31515"/>
+                </a:solidFill>
+                <a:latin typeface="Consolas" panose="020B0609020204030204" pitchFamily="49" charset="0"/>
+                <a:ea typeface="Times New Roman" panose="02020603050405020304" pitchFamily="18" charset="0"/>
+                <a:cs typeface="Times New Roman" panose="02020603050405020304" pitchFamily="18" charset="0"/>
+              </a:rPr>
+              <a:t>'~/</a:t>
+            </a:r>
+            <a:r>
+              <a:rPr lang="en-US" dirty="0" err="1">
+                <a:solidFill>
+                  <a:srgbClr val="A31515"/>
+                </a:solidFill>
+                <a:latin typeface="Consolas" panose="020B0609020204030204" pitchFamily="49" charset="0"/>
+                <a:ea typeface="Times New Roman" panose="02020603050405020304" pitchFamily="18" charset="0"/>
+                <a:cs typeface="Times New Roman" panose="02020603050405020304" pitchFamily="18" charset="0"/>
+              </a:rPr>
+              <a:t>api</a:t>
+            </a:r>
+            <a:r>
+              <a:rPr lang="en-US" dirty="0">
+                <a:solidFill>
+                  <a:srgbClr val="A31515"/>
+                </a:solidFill>
+                <a:latin typeface="Consolas" panose="020B0609020204030204" pitchFamily="49" charset="0"/>
+                <a:ea typeface="Times New Roman" panose="02020603050405020304" pitchFamily="18" charset="0"/>
+                <a:cs typeface="Times New Roman" panose="02020603050405020304" pitchFamily="18" charset="0"/>
+              </a:rPr>
+              <a:t>/stuff'</a:t>
+            </a:r>
+            <a:r>
+              <a:rPr lang="en-US" dirty="0">
+                <a:solidFill>
+                  <a:srgbClr val="000000"/>
+                </a:solidFill>
+                <a:latin typeface="Consolas" panose="020B0609020204030204" pitchFamily="49" charset="0"/>
+                <a:ea typeface="Times New Roman" panose="02020603050405020304" pitchFamily="18" charset="0"/>
+                <a:cs typeface="Times New Roman" panose="02020603050405020304" pitchFamily="18" charset="0"/>
+              </a:rPr>
+              <a:t>).done(</a:t>
+            </a:r>
+            <a:r>
+              <a:rPr lang="en-US" dirty="0">
+                <a:solidFill>
+                  <a:srgbClr val="0000FF"/>
+                </a:solidFill>
+                <a:latin typeface="Consolas" panose="020B0609020204030204" pitchFamily="49" charset="0"/>
+                <a:ea typeface="Times New Roman" panose="02020603050405020304" pitchFamily="18" charset="0"/>
+                <a:cs typeface="Times New Roman" panose="02020603050405020304" pitchFamily="18" charset="0"/>
+              </a:rPr>
+              <a:t>function</a:t>
+            </a:r>
+            <a:r>
+              <a:rPr lang="en-US" dirty="0">
+                <a:solidFill>
+                  <a:srgbClr val="000000"/>
+                </a:solidFill>
+                <a:latin typeface="Consolas" panose="020B0609020204030204" pitchFamily="49" charset="0"/>
+                <a:ea typeface="Times New Roman" panose="02020603050405020304" pitchFamily="18" charset="0"/>
+                <a:cs typeface="Times New Roman" panose="02020603050405020304" pitchFamily="18" charset="0"/>
+              </a:rPr>
+              <a:t> (response) {</a:t>
+            </a:r>
+            <a:endParaRPr lang="en-US" sz="2400" dirty="0">
+              <a:latin typeface="Calibri" panose="020F0502020204030204" pitchFamily="34" charset="0"/>
+              <a:ea typeface="Calibri" panose="020F0502020204030204" pitchFamily="34" charset="0"/>
+              <a:cs typeface="Times New Roman" panose="02020603050405020304" pitchFamily="18" charset="0"/>
+            </a:endParaRPr>
+          </a:p>
+          <a:p>
+            <a:pPr>
+              <a:lnSpc>
+                <a:spcPct val="107000"/>
+              </a:lnSpc>
+              <a:tabLst>
+                <a:tab pos="581660" algn="l"/>
+                <a:tab pos="1163320" algn="l"/>
+                <a:tab pos="1744980" algn="l"/>
+                <a:tab pos="2326640" algn="l"/>
+                <a:tab pos="2908300" algn="l"/>
+                <a:tab pos="3489960" algn="l"/>
+                <a:tab pos="4071620" algn="l"/>
+                <a:tab pos="4653280" algn="l"/>
+                <a:tab pos="5234940" algn="l"/>
+                <a:tab pos="5816600" algn="l"/>
+                <a:tab pos="6398260" algn="l"/>
+                <a:tab pos="6979920" algn="l"/>
+                <a:tab pos="7561580" algn="l"/>
+                <a:tab pos="8143240" algn="l"/>
+                <a:tab pos="8724900" algn="l"/>
+                <a:tab pos="9306560" algn="l"/>
+              </a:tabLst>
+            </a:pPr>
+            <a:r>
+              <a:rPr lang="en-US" dirty="0">
+                <a:solidFill>
+                  <a:srgbClr val="000000"/>
+                </a:solidFill>
+                <a:latin typeface="Consolas" panose="020B0609020204030204" pitchFamily="49" charset="0"/>
+                <a:ea typeface="Times New Roman" panose="02020603050405020304" pitchFamily="18" charset="0"/>
+                <a:cs typeface="Times New Roman" panose="02020603050405020304" pitchFamily="18" charset="0"/>
+              </a:rPr>
+              <a:t>            </a:t>
+            </a:r>
+            <a:r>
+              <a:rPr lang="en-US" dirty="0">
+                <a:solidFill>
+                  <a:srgbClr val="0000FF"/>
+                </a:solidFill>
+                <a:latin typeface="Consolas" panose="020B0609020204030204" pitchFamily="49" charset="0"/>
+                <a:ea typeface="Times New Roman" panose="02020603050405020304" pitchFamily="18" charset="0"/>
+                <a:cs typeface="Times New Roman" panose="02020603050405020304" pitchFamily="18" charset="0"/>
+              </a:rPr>
+              <a:t>return</a:t>
+            </a:r>
+            <a:r>
+              <a:rPr lang="en-US" dirty="0">
+                <a:solidFill>
+                  <a:srgbClr val="000000"/>
+                </a:solidFill>
+                <a:latin typeface="Consolas" panose="020B0609020204030204" pitchFamily="49" charset="0"/>
+                <a:ea typeface="Times New Roman" panose="02020603050405020304" pitchFamily="18" charset="0"/>
+                <a:cs typeface="Times New Roman" panose="02020603050405020304" pitchFamily="18" charset="0"/>
+              </a:rPr>
+              <a:t> _</a:t>
+            </a:r>
+            <a:r>
+              <a:rPr lang="en-US" dirty="0" err="1">
+                <a:solidFill>
+                  <a:srgbClr val="000000"/>
+                </a:solidFill>
+                <a:latin typeface="Consolas" panose="020B0609020204030204" pitchFamily="49" charset="0"/>
+                <a:ea typeface="Times New Roman" panose="02020603050405020304" pitchFamily="18" charset="0"/>
+                <a:cs typeface="Times New Roman" panose="02020603050405020304" pitchFamily="18" charset="0"/>
+              </a:rPr>
+              <a:t>this.myData</a:t>
+            </a:r>
+            <a:r>
+              <a:rPr lang="en-US" dirty="0">
+                <a:solidFill>
+                  <a:srgbClr val="000000"/>
+                </a:solidFill>
+                <a:latin typeface="Consolas" panose="020B0609020204030204" pitchFamily="49" charset="0"/>
+                <a:ea typeface="Times New Roman" panose="02020603050405020304" pitchFamily="18" charset="0"/>
+                <a:cs typeface="Times New Roman" panose="02020603050405020304" pitchFamily="18" charset="0"/>
+              </a:rPr>
+              <a:t> = response;</a:t>
+            </a:r>
+            <a:endParaRPr lang="en-US" sz="2400" dirty="0">
+              <a:latin typeface="Calibri" panose="020F0502020204030204" pitchFamily="34" charset="0"/>
+              <a:ea typeface="Calibri" panose="020F0502020204030204" pitchFamily="34" charset="0"/>
+              <a:cs typeface="Times New Roman" panose="02020603050405020304" pitchFamily="18" charset="0"/>
+            </a:endParaRPr>
+          </a:p>
+          <a:p>
+            <a:pPr>
+              <a:lnSpc>
+                <a:spcPct val="107000"/>
+              </a:lnSpc>
+              <a:tabLst>
+                <a:tab pos="581660" algn="l"/>
+                <a:tab pos="1163320" algn="l"/>
+                <a:tab pos="1744980" algn="l"/>
+                <a:tab pos="2326640" algn="l"/>
+                <a:tab pos="2908300" algn="l"/>
+                <a:tab pos="3489960" algn="l"/>
+                <a:tab pos="4071620" algn="l"/>
+                <a:tab pos="4653280" algn="l"/>
+                <a:tab pos="5234940" algn="l"/>
+                <a:tab pos="5816600" algn="l"/>
+                <a:tab pos="6398260" algn="l"/>
+                <a:tab pos="6979920" algn="l"/>
+                <a:tab pos="7561580" algn="l"/>
+                <a:tab pos="8143240" algn="l"/>
+                <a:tab pos="8724900" algn="l"/>
+                <a:tab pos="9306560" algn="l"/>
+              </a:tabLst>
+            </a:pPr>
+            <a:r>
+              <a:rPr lang="en-US" dirty="0">
+                <a:solidFill>
+                  <a:srgbClr val="000000"/>
+                </a:solidFill>
+                <a:latin typeface="Consolas" panose="020B0609020204030204" pitchFamily="49" charset="0"/>
+                <a:ea typeface="Times New Roman" panose="02020603050405020304" pitchFamily="18" charset="0"/>
+                <a:cs typeface="Times New Roman" panose="02020603050405020304" pitchFamily="18" charset="0"/>
+              </a:rPr>
+              <a:t>        });</a:t>
+            </a:r>
+            <a:endParaRPr lang="en-US" sz="2400" dirty="0">
+              <a:latin typeface="Calibri" panose="020F0502020204030204" pitchFamily="34" charset="0"/>
+              <a:ea typeface="Calibri" panose="020F0502020204030204" pitchFamily="34" charset="0"/>
+              <a:cs typeface="Times New Roman" panose="02020603050405020304" pitchFamily="18" charset="0"/>
+            </a:endParaRPr>
+          </a:p>
+          <a:p>
+            <a:pPr>
+              <a:lnSpc>
+                <a:spcPct val="107000"/>
+              </a:lnSpc>
+              <a:tabLst>
+                <a:tab pos="581660" algn="l"/>
+                <a:tab pos="1163320" algn="l"/>
+                <a:tab pos="1744980" algn="l"/>
+                <a:tab pos="2326640" algn="l"/>
+                <a:tab pos="2908300" algn="l"/>
+                <a:tab pos="3489960" algn="l"/>
+                <a:tab pos="4071620" algn="l"/>
+                <a:tab pos="4653280" algn="l"/>
+                <a:tab pos="5234940" algn="l"/>
+                <a:tab pos="5816600" algn="l"/>
+                <a:tab pos="6398260" algn="l"/>
+                <a:tab pos="6979920" algn="l"/>
+                <a:tab pos="7561580" algn="l"/>
+                <a:tab pos="8143240" algn="l"/>
+                <a:tab pos="8724900" algn="l"/>
+                <a:tab pos="9306560" algn="l"/>
+              </a:tabLst>
+            </a:pPr>
+            <a:r>
+              <a:rPr lang="en-US" dirty="0">
+                <a:solidFill>
+                  <a:srgbClr val="000000"/>
+                </a:solidFill>
+                <a:latin typeface="Consolas" panose="020B0609020204030204" pitchFamily="49" charset="0"/>
+                <a:ea typeface="Times New Roman" panose="02020603050405020304" pitchFamily="18" charset="0"/>
+                <a:cs typeface="Times New Roman" panose="02020603050405020304" pitchFamily="18" charset="0"/>
+              </a:rPr>
+              <a:t>    };</a:t>
+            </a:r>
+            <a:endParaRPr lang="en-US" sz="2400" dirty="0">
+              <a:latin typeface="Calibri" panose="020F0502020204030204" pitchFamily="34" charset="0"/>
+              <a:ea typeface="Calibri" panose="020F0502020204030204" pitchFamily="34" charset="0"/>
+              <a:cs typeface="Times New Roman" panose="02020603050405020304" pitchFamily="18" charset="0"/>
+            </a:endParaRPr>
+          </a:p>
+          <a:p>
+            <a:pPr>
+              <a:lnSpc>
+                <a:spcPct val="107000"/>
+              </a:lnSpc>
+              <a:tabLst>
+                <a:tab pos="581660" algn="l"/>
+                <a:tab pos="1163320" algn="l"/>
+                <a:tab pos="1744980" algn="l"/>
+                <a:tab pos="2326640" algn="l"/>
+                <a:tab pos="2908300" algn="l"/>
+                <a:tab pos="3489960" algn="l"/>
+                <a:tab pos="4071620" algn="l"/>
+                <a:tab pos="4653280" algn="l"/>
+                <a:tab pos="5234940" algn="l"/>
+                <a:tab pos="5816600" algn="l"/>
+                <a:tab pos="6398260" algn="l"/>
+                <a:tab pos="6979920" algn="l"/>
+                <a:tab pos="7561580" algn="l"/>
+                <a:tab pos="8143240" algn="l"/>
+                <a:tab pos="8724900" algn="l"/>
+                <a:tab pos="9306560" algn="l"/>
+              </a:tabLst>
+            </a:pPr>
+            <a:r>
+              <a:rPr lang="en-US" dirty="0">
+                <a:solidFill>
+                  <a:srgbClr val="000000"/>
+                </a:solidFill>
+                <a:latin typeface="Consolas" panose="020B0609020204030204" pitchFamily="49" charset="0"/>
+                <a:ea typeface="Times New Roman" panose="02020603050405020304" pitchFamily="18" charset="0"/>
+                <a:cs typeface="Times New Roman" panose="02020603050405020304" pitchFamily="18" charset="0"/>
+              </a:rPr>
+              <a:t>    </a:t>
+            </a:r>
+            <a:r>
+              <a:rPr lang="en-US" dirty="0">
+                <a:solidFill>
+                  <a:srgbClr val="0000FF"/>
+                </a:solidFill>
+                <a:latin typeface="Consolas" panose="020B0609020204030204" pitchFamily="49" charset="0"/>
+                <a:ea typeface="Times New Roman" panose="02020603050405020304" pitchFamily="18" charset="0"/>
+                <a:cs typeface="Times New Roman" panose="02020603050405020304" pitchFamily="18" charset="0"/>
+              </a:rPr>
+              <a:t>return</a:t>
+            </a:r>
+            <a:r>
+              <a:rPr lang="en-US" dirty="0">
+                <a:solidFill>
+                  <a:srgbClr val="000000"/>
+                </a:solidFill>
+                <a:latin typeface="Consolas" panose="020B0609020204030204" pitchFamily="49" charset="0"/>
+                <a:ea typeface="Times New Roman" panose="02020603050405020304" pitchFamily="18" charset="0"/>
+                <a:cs typeface="Times New Roman" panose="02020603050405020304" pitchFamily="18" charset="0"/>
+              </a:rPr>
+              <a:t> </a:t>
+            </a:r>
+            <a:r>
+              <a:rPr lang="en-US" dirty="0" err="1">
+                <a:solidFill>
+                  <a:srgbClr val="000000"/>
+                </a:solidFill>
+                <a:latin typeface="Consolas" panose="020B0609020204030204" pitchFamily="49" charset="0"/>
+                <a:ea typeface="Times New Roman" panose="02020603050405020304" pitchFamily="18" charset="0"/>
+                <a:cs typeface="Times New Roman" panose="02020603050405020304" pitchFamily="18" charset="0"/>
+              </a:rPr>
+              <a:t>MyClass</a:t>
+            </a:r>
+            <a:r>
+              <a:rPr lang="en-US" dirty="0">
+                <a:solidFill>
+                  <a:srgbClr val="000000"/>
+                </a:solidFill>
+                <a:latin typeface="Consolas" panose="020B0609020204030204" pitchFamily="49" charset="0"/>
+                <a:ea typeface="Times New Roman" panose="02020603050405020304" pitchFamily="18" charset="0"/>
+                <a:cs typeface="Times New Roman" panose="02020603050405020304" pitchFamily="18" charset="0"/>
+              </a:rPr>
+              <a:t>;</a:t>
+            </a:r>
+            <a:endParaRPr lang="en-US" sz="2400" dirty="0">
+              <a:latin typeface="Calibri" panose="020F0502020204030204" pitchFamily="34" charset="0"/>
+              <a:ea typeface="Calibri" panose="020F0502020204030204" pitchFamily="34" charset="0"/>
+              <a:cs typeface="Times New Roman" panose="02020603050405020304" pitchFamily="18" charset="0"/>
+            </a:endParaRPr>
+          </a:p>
+          <a:p>
+            <a:pPr>
+              <a:lnSpc>
+                <a:spcPct val="107000"/>
+              </a:lnSpc>
+              <a:tabLst>
+                <a:tab pos="581660" algn="l"/>
+                <a:tab pos="1163320" algn="l"/>
+                <a:tab pos="1744980" algn="l"/>
+                <a:tab pos="2326640" algn="l"/>
+                <a:tab pos="2908300" algn="l"/>
+                <a:tab pos="3489960" algn="l"/>
+                <a:tab pos="4071620" algn="l"/>
+                <a:tab pos="4653280" algn="l"/>
+                <a:tab pos="5234940" algn="l"/>
+                <a:tab pos="5816600" algn="l"/>
+                <a:tab pos="6398260" algn="l"/>
+                <a:tab pos="6979920" algn="l"/>
+                <a:tab pos="7561580" algn="l"/>
+                <a:tab pos="8143240" algn="l"/>
+                <a:tab pos="8724900" algn="l"/>
+                <a:tab pos="9306560" algn="l"/>
+              </a:tabLst>
+            </a:pPr>
+            <a:r>
+              <a:rPr lang="en-US" dirty="0">
+                <a:solidFill>
+                  <a:srgbClr val="000000"/>
+                </a:solidFill>
+                <a:latin typeface="Consolas" panose="020B0609020204030204" pitchFamily="49" charset="0"/>
+                <a:ea typeface="Times New Roman" panose="02020603050405020304" pitchFamily="18" charset="0"/>
+                <a:cs typeface="Times New Roman" panose="02020603050405020304" pitchFamily="18" charset="0"/>
+              </a:rPr>
+              <a:t>})();</a:t>
+            </a:r>
+            <a:endParaRPr lang="en-US" sz="2400" dirty="0">
+              <a:latin typeface="Calibri" panose="020F0502020204030204" pitchFamily="34" charset="0"/>
+              <a:ea typeface="Calibri" panose="020F0502020204030204" pitchFamily="34" charset="0"/>
+              <a:cs typeface="Times New Roman" panose="02020603050405020304" pitchFamily="18" charset="0"/>
+            </a:endParaRPr>
+          </a:p>
+          <a:p>
+            <a:pPr>
+              <a:lnSpc>
+                <a:spcPct val="107000"/>
+              </a:lnSpc>
+              <a:spcAft>
+                <a:spcPts val="800"/>
+              </a:spcAft>
+            </a:pPr>
+            <a:r>
+              <a:rPr lang="en-US" sz="2400" dirty="0">
+                <a:latin typeface="Calibri" panose="020F0502020204030204" pitchFamily="34" charset="0"/>
+                <a:ea typeface="Calibri" panose="020F0502020204030204" pitchFamily="34" charset="0"/>
+                <a:cs typeface="Times New Roman" panose="02020603050405020304" pitchFamily="18" charset="0"/>
+              </a:rPr>
+              <a:t> </a:t>
+            </a:r>
+            <a:endParaRPr lang="en-US" sz="2400" dirty="0">
+              <a:effectLst/>
+              <a:latin typeface="Calibri" panose="020F0502020204030204" pitchFamily="34" charset="0"/>
+              <a:ea typeface="Calibri" panose="020F0502020204030204" pitchFamily="34" charset="0"/>
+              <a:cs typeface="Times New Roman" panose="02020603050405020304" pitchFamily="18" charset="0"/>
+            </a:endParaRPr>
+          </a:p>
+        </p:txBody>
+      </p:sp>
+    </p:spTree>
+    <p:extLst>
+      <p:ext uri="{BB962C8B-B14F-4D97-AF65-F5344CB8AC3E}">
+        <p14:creationId xmlns:p14="http://schemas.microsoft.com/office/powerpoint/2010/main" val="3232192227"/>
+      </p:ext>
+    </p:extLst>
+  </p:cSld>
+  <p:clrMapOvr>
+    <a:masterClrMapping/>
+  </p:clrMapOvr>
+</p:sld>
+</file>
+
+<file path=ppt/slides/slide37.xml><?xml version="1.0" encoding="utf-8"?>
+<p:sld xmlns:a="http://schemas.openxmlformats.org/drawingml/2006/main" xmlns:r="http://schemas.openxmlformats.org/officeDocument/2006/relationships" xmlns:p="http://schemas.openxmlformats.org/presentationml/2006/main">
+  <p:cSld>
+    <p:spTree>
+      <p:nvGrpSpPr>
+        <p:cNvPr id="1" name=""/>
+        <p:cNvGrpSpPr/>
+        <p:nvPr/>
+      </p:nvGrpSpPr>
+      <p:grpSpPr>
+        <a:xfrm>
+          <a:off x="0" y="0"/>
+          <a:ext cx="0" cy="0"/>
+          <a:chOff x="0" y="0"/>
+          <a:chExt cx="0" cy="0"/>
+        </a:xfrm>
+      </p:grpSpPr>
+      <p:sp>
+        <p:nvSpPr>
+          <p:cNvPr id="2" name="Title 1"/>
+          <p:cNvSpPr>
+            <a:spLocks noGrp="1"/>
+          </p:cNvSpPr>
+          <p:nvPr>
+            <p:ph type="title"/>
+          </p:nvPr>
+        </p:nvSpPr>
+        <p:spPr/>
+        <p:txBody>
+          <a:bodyPr/>
+          <a:lstStyle/>
+          <a:p>
+            <a:r>
+              <a:rPr lang="en-US" dirty="0" smtClean="0"/>
+              <a:t>Functions – Demo</a:t>
+            </a:r>
+            <a:endParaRPr lang="en-US" dirty="0"/>
+          </a:p>
+        </p:txBody>
+      </p:sp>
+      <p:sp>
+        <p:nvSpPr>
+          <p:cNvPr id="3" name="Content Placeholder 2"/>
+          <p:cNvSpPr>
+            <a:spLocks noGrp="1"/>
+          </p:cNvSpPr>
+          <p:nvPr>
+            <p:ph idx="1"/>
+          </p:nvPr>
+        </p:nvSpPr>
+        <p:spPr/>
+        <p:txBody>
+          <a:bodyPr/>
+          <a:lstStyle/>
+          <a:p>
+            <a:r>
+              <a:rPr lang="en-US" dirty="0" smtClean="0"/>
+              <a:t>Section 2 / 5-lambdas.ts</a:t>
+            </a:r>
+            <a:endParaRPr lang="en-US" dirty="0"/>
+          </a:p>
+        </p:txBody>
+      </p:sp>
+    </p:spTree>
+    <p:extLst>
+      <p:ext uri="{BB962C8B-B14F-4D97-AF65-F5344CB8AC3E}">
+        <p14:creationId xmlns:p14="http://schemas.microsoft.com/office/powerpoint/2010/main" val="3391733156"/>
+      </p:ext>
+    </p:extLst>
+  </p:cSld>
+  <p:clrMapOvr>
+    <a:masterClrMapping/>
+  </p:clrMapOvr>
+</p:sld>
+</file>
+
+<file path=ppt/slides/slide38.xml><?xml version="1.0" encoding="utf-8"?>
+<p:sld xmlns:a="http://schemas.openxmlformats.org/drawingml/2006/main" xmlns:r="http://schemas.openxmlformats.org/officeDocument/2006/relationships" xmlns:p="http://schemas.openxmlformats.org/presentationml/2006/main">
+  <p:cSld>
+    <p:spTree>
+      <p:nvGrpSpPr>
+        <p:cNvPr id="1" name=""/>
+        <p:cNvGrpSpPr/>
+        <p:nvPr/>
+      </p:nvGrpSpPr>
+      <p:grpSpPr>
+        <a:xfrm>
+          <a:off x="0" y="0"/>
+          <a:ext cx="0" cy="0"/>
+          <a:chOff x="0" y="0"/>
+          <a:chExt cx="0" cy="0"/>
+        </a:xfrm>
+      </p:grpSpPr>
+      <p:sp>
+        <p:nvSpPr>
+          <p:cNvPr id="2" name="Title 1"/>
+          <p:cNvSpPr>
+            <a:spLocks noGrp="1"/>
+          </p:cNvSpPr>
+          <p:nvPr>
+            <p:ph type="title"/>
+          </p:nvPr>
+        </p:nvSpPr>
+        <p:spPr/>
+        <p:txBody>
+          <a:bodyPr/>
+          <a:lstStyle/>
+          <a:p>
+            <a:r>
+              <a:rPr lang="en-US" dirty="0" smtClean="0"/>
+              <a:t>Generics</a:t>
+            </a:r>
+            <a:endParaRPr lang="en-US" dirty="0"/>
+          </a:p>
+        </p:txBody>
+      </p:sp>
+      <p:sp>
+        <p:nvSpPr>
+          <p:cNvPr id="3" name="Content Placeholder 2"/>
+          <p:cNvSpPr>
+            <a:spLocks noGrp="1"/>
+          </p:cNvSpPr>
+          <p:nvPr>
+            <p:ph idx="1"/>
+          </p:nvPr>
+        </p:nvSpPr>
+        <p:spPr/>
+        <p:txBody>
+          <a:bodyPr>
+            <a:normAutofit/>
+          </a:bodyPr>
+          <a:lstStyle/>
+          <a:p>
+            <a:r>
+              <a:rPr lang="en-US" dirty="0" smtClean="0"/>
+              <a:t>Full support for generics</a:t>
+            </a:r>
+          </a:p>
+          <a:p>
+            <a:endParaRPr lang="en-US" dirty="0"/>
+          </a:p>
+          <a:p>
+            <a:r>
+              <a:rPr lang="en-US" dirty="0" smtClean="0"/>
+              <a:t>Simple type constraint syntax</a:t>
+            </a:r>
+          </a:p>
+          <a:p>
+            <a:endParaRPr lang="en-US" dirty="0"/>
+          </a:p>
+          <a:p>
+            <a:r>
+              <a:rPr lang="en-US" dirty="0" smtClean="0"/>
+              <a:t>Works well with type inference</a:t>
+            </a:r>
+          </a:p>
+          <a:p>
+            <a:endParaRPr lang="en-US" dirty="0"/>
+          </a:p>
+          <a:p>
+            <a:r>
+              <a:rPr lang="en-US" dirty="0" smtClean="0"/>
+              <a:t>Syntax similar to Java generics</a:t>
+            </a:r>
+          </a:p>
+          <a:p>
+            <a:endParaRPr lang="en-US" dirty="0"/>
+          </a:p>
+          <a:p>
+            <a:r>
+              <a:rPr lang="en-US" dirty="0" smtClean="0"/>
+              <a:t>Supported on: class, interface, function</a:t>
+            </a:r>
+          </a:p>
+        </p:txBody>
+      </p:sp>
+    </p:spTree>
+    <p:extLst>
+      <p:ext uri="{BB962C8B-B14F-4D97-AF65-F5344CB8AC3E}">
+        <p14:creationId xmlns:p14="http://schemas.microsoft.com/office/powerpoint/2010/main" val="2142430396"/>
+      </p:ext>
+    </p:extLst>
+  </p:cSld>
+  <p:clrMapOvr>
+    <a:masterClrMapping/>
+  </p:clrMapOvr>
+</p:sld>
+</file>
+
+<file path=ppt/slides/slide39.xml><?xml version="1.0" encoding="utf-8"?>
+<p:sld xmlns:a="http://schemas.openxmlformats.org/drawingml/2006/main" xmlns:r="http://schemas.openxmlformats.org/officeDocument/2006/relationships" xmlns:p="http://schemas.openxmlformats.org/presentationml/2006/main">
+  <p:cSld>
+    <p:spTree>
+      <p:nvGrpSpPr>
+        <p:cNvPr id="1" name=""/>
+        <p:cNvGrpSpPr/>
+        <p:nvPr/>
+      </p:nvGrpSpPr>
+      <p:grpSpPr>
+        <a:xfrm>
+          <a:off x="0" y="0"/>
+          <a:ext cx="0" cy="0"/>
+          <a:chOff x="0" y="0"/>
+          <a:chExt cx="0" cy="0"/>
+        </a:xfrm>
+      </p:grpSpPr>
+      <p:sp>
+        <p:nvSpPr>
+          <p:cNvPr id="2" name="Title 1"/>
+          <p:cNvSpPr>
+            <a:spLocks noGrp="1"/>
+          </p:cNvSpPr>
+          <p:nvPr>
+            <p:ph type="title"/>
+          </p:nvPr>
+        </p:nvSpPr>
+        <p:spPr/>
+        <p:txBody>
+          <a:bodyPr/>
+          <a:lstStyle/>
+          <a:p>
+            <a:r>
+              <a:rPr lang="en-US" dirty="0" smtClean="0"/>
+              <a:t>Generics</a:t>
+            </a:r>
+            <a:endParaRPr lang="en-US" dirty="0"/>
+          </a:p>
+        </p:txBody>
+      </p:sp>
+      <p:sp>
+        <p:nvSpPr>
+          <p:cNvPr id="3" name="Content Placeholder 2"/>
+          <p:cNvSpPr>
+            <a:spLocks noGrp="1"/>
+          </p:cNvSpPr>
+          <p:nvPr>
+            <p:ph idx="1"/>
+          </p:nvPr>
+        </p:nvSpPr>
+        <p:spPr/>
+        <p:txBody>
+          <a:bodyPr/>
+          <a:lstStyle/>
+          <a:p>
+            <a:r>
+              <a:rPr lang="en-US" dirty="0" smtClean="0"/>
+              <a:t>Declared as follows:</a:t>
+            </a:r>
+            <a:endParaRPr lang="en-US" dirty="0"/>
+          </a:p>
+        </p:txBody>
+      </p:sp>
+      <p:sp>
+        <p:nvSpPr>
+          <p:cNvPr id="4" name="Rectangle 3"/>
+          <p:cNvSpPr/>
+          <p:nvPr/>
+        </p:nvSpPr>
+        <p:spPr>
+          <a:xfrm>
+            <a:off x="253384" y="2866840"/>
+            <a:ext cx="10561473" cy="1376595"/>
+          </a:xfrm>
+          <a:prstGeom prst="rect">
+            <a:avLst/>
+          </a:prstGeom>
+        </p:spPr>
+        <p:txBody>
+          <a:bodyPr wrap="square">
+            <a:spAutoFit/>
+          </a:bodyPr>
+          <a:lstStyle/>
+          <a:p>
+            <a:pPr>
+              <a:lnSpc>
+                <a:spcPct val="107000"/>
+              </a:lnSpc>
+              <a:tabLst>
+                <a:tab pos="581660" algn="l"/>
+                <a:tab pos="1163320" algn="l"/>
+                <a:tab pos="1744980" algn="l"/>
+                <a:tab pos="2326640" algn="l"/>
+                <a:tab pos="2908300" algn="l"/>
+                <a:tab pos="3489960" algn="l"/>
+                <a:tab pos="4071620" algn="l"/>
+                <a:tab pos="4653280" algn="l"/>
+                <a:tab pos="5234940" algn="l"/>
+                <a:tab pos="5816600" algn="l"/>
+                <a:tab pos="6398260" algn="l"/>
+                <a:tab pos="6979920" algn="l"/>
+                <a:tab pos="7561580" algn="l"/>
+                <a:tab pos="8143240" algn="l"/>
+                <a:tab pos="8724900" algn="l"/>
+                <a:tab pos="9306560" algn="l"/>
+              </a:tabLst>
+            </a:pPr>
+            <a:r>
+              <a:rPr lang="en-US" dirty="0">
+                <a:solidFill>
+                  <a:srgbClr val="0000FF"/>
+                </a:solidFill>
+                <a:latin typeface="Consolas" panose="020B0609020204030204" pitchFamily="49" charset="0"/>
+                <a:ea typeface="Times New Roman" panose="02020603050405020304" pitchFamily="18" charset="0"/>
+                <a:cs typeface="Times New Roman" panose="02020603050405020304" pitchFamily="18" charset="0"/>
+              </a:rPr>
+              <a:t>function</a:t>
+            </a:r>
+            <a:r>
+              <a:rPr lang="en-US" dirty="0">
+                <a:solidFill>
+                  <a:srgbClr val="000000"/>
+                </a:solidFill>
+                <a:latin typeface="Consolas" panose="020B0609020204030204" pitchFamily="49" charset="0"/>
+                <a:ea typeface="Times New Roman" panose="02020603050405020304" pitchFamily="18" charset="0"/>
+                <a:cs typeface="Times New Roman" panose="02020603050405020304" pitchFamily="18" charset="0"/>
+              </a:rPr>
+              <a:t> </a:t>
+            </a:r>
+            <a:r>
+              <a:rPr lang="en-US" dirty="0" err="1">
+                <a:solidFill>
+                  <a:srgbClr val="000000"/>
+                </a:solidFill>
+                <a:latin typeface="Consolas" panose="020B0609020204030204" pitchFamily="49" charset="0"/>
+                <a:ea typeface="Times New Roman" panose="02020603050405020304" pitchFamily="18" charset="0"/>
+                <a:cs typeface="Times New Roman" panose="02020603050405020304" pitchFamily="18" charset="0"/>
+              </a:rPr>
+              <a:t>doStuffToSomething</a:t>
+            </a:r>
+            <a:r>
+              <a:rPr lang="en-US" dirty="0">
+                <a:solidFill>
+                  <a:srgbClr val="000000"/>
+                </a:solidFill>
+                <a:latin typeface="Consolas" panose="020B0609020204030204" pitchFamily="49" charset="0"/>
+                <a:ea typeface="Times New Roman" panose="02020603050405020304" pitchFamily="18" charset="0"/>
+                <a:cs typeface="Times New Roman" panose="02020603050405020304" pitchFamily="18" charset="0"/>
+              </a:rPr>
+              <a:t>&lt;</a:t>
+            </a:r>
+            <a:r>
+              <a:rPr lang="en-US" dirty="0" err="1">
+                <a:solidFill>
+                  <a:srgbClr val="000000"/>
+                </a:solidFill>
+                <a:latin typeface="Consolas" panose="020B0609020204030204" pitchFamily="49" charset="0"/>
+                <a:ea typeface="Times New Roman" panose="02020603050405020304" pitchFamily="18" charset="0"/>
+                <a:cs typeface="Times New Roman" panose="02020603050405020304" pitchFamily="18" charset="0"/>
+              </a:rPr>
+              <a:t>TSomething</a:t>
+            </a:r>
+            <a:r>
+              <a:rPr lang="en-US" dirty="0">
+                <a:solidFill>
+                  <a:srgbClr val="000000"/>
+                </a:solidFill>
+                <a:latin typeface="Consolas" panose="020B0609020204030204" pitchFamily="49" charset="0"/>
+                <a:ea typeface="Times New Roman" panose="02020603050405020304" pitchFamily="18" charset="0"/>
+                <a:cs typeface="Times New Roman" panose="02020603050405020304" pitchFamily="18" charset="0"/>
+              </a:rPr>
+              <a:t>&gt;(something: </a:t>
+            </a:r>
+            <a:r>
+              <a:rPr lang="en-US" dirty="0" err="1">
+                <a:solidFill>
+                  <a:srgbClr val="000000"/>
+                </a:solidFill>
+                <a:latin typeface="Consolas" panose="020B0609020204030204" pitchFamily="49" charset="0"/>
+                <a:ea typeface="Times New Roman" panose="02020603050405020304" pitchFamily="18" charset="0"/>
+                <a:cs typeface="Times New Roman" panose="02020603050405020304" pitchFamily="18" charset="0"/>
+              </a:rPr>
+              <a:t>TSomething</a:t>
+            </a:r>
+            <a:r>
+              <a:rPr lang="en-US" dirty="0">
+                <a:solidFill>
+                  <a:srgbClr val="000000"/>
+                </a:solidFill>
+                <a:latin typeface="Consolas" panose="020B0609020204030204" pitchFamily="49" charset="0"/>
+                <a:ea typeface="Times New Roman" panose="02020603050405020304" pitchFamily="18" charset="0"/>
+                <a:cs typeface="Times New Roman" panose="02020603050405020304" pitchFamily="18" charset="0"/>
+              </a:rPr>
+              <a:t>): </a:t>
+            </a:r>
+            <a:r>
+              <a:rPr lang="en-US" dirty="0" err="1">
+                <a:solidFill>
+                  <a:srgbClr val="000000"/>
+                </a:solidFill>
+                <a:latin typeface="Consolas" panose="020B0609020204030204" pitchFamily="49" charset="0"/>
+                <a:ea typeface="Times New Roman" panose="02020603050405020304" pitchFamily="18" charset="0"/>
+                <a:cs typeface="Times New Roman" panose="02020603050405020304" pitchFamily="18" charset="0"/>
+              </a:rPr>
+              <a:t>TSomething</a:t>
+            </a:r>
+            <a:r>
+              <a:rPr lang="en-US" dirty="0">
+                <a:solidFill>
+                  <a:srgbClr val="000000"/>
+                </a:solidFill>
+                <a:latin typeface="Consolas" panose="020B0609020204030204" pitchFamily="49" charset="0"/>
+                <a:ea typeface="Times New Roman" panose="02020603050405020304" pitchFamily="18" charset="0"/>
+                <a:cs typeface="Times New Roman" panose="02020603050405020304" pitchFamily="18" charset="0"/>
+              </a:rPr>
+              <a:t> {</a:t>
+            </a:r>
+            <a:endParaRPr lang="en-US" sz="2400" dirty="0">
+              <a:latin typeface="Calibri" panose="020F0502020204030204" pitchFamily="34" charset="0"/>
+              <a:ea typeface="Calibri" panose="020F0502020204030204" pitchFamily="34" charset="0"/>
+              <a:cs typeface="Times New Roman" panose="02020603050405020304" pitchFamily="18" charset="0"/>
+            </a:endParaRPr>
+          </a:p>
+          <a:p>
+            <a:pPr>
+              <a:lnSpc>
+                <a:spcPct val="107000"/>
+              </a:lnSpc>
+              <a:tabLst>
+                <a:tab pos="581660" algn="l"/>
+                <a:tab pos="1163320" algn="l"/>
+                <a:tab pos="1744980" algn="l"/>
+                <a:tab pos="2326640" algn="l"/>
+                <a:tab pos="2908300" algn="l"/>
+                <a:tab pos="3489960" algn="l"/>
+                <a:tab pos="4071620" algn="l"/>
+                <a:tab pos="4653280" algn="l"/>
+                <a:tab pos="5234940" algn="l"/>
+                <a:tab pos="5816600" algn="l"/>
+                <a:tab pos="6398260" algn="l"/>
+                <a:tab pos="6979920" algn="l"/>
+                <a:tab pos="7561580" algn="l"/>
+                <a:tab pos="8143240" algn="l"/>
+                <a:tab pos="8724900" algn="l"/>
+                <a:tab pos="9306560" algn="l"/>
+              </a:tabLst>
+            </a:pPr>
+            <a:r>
+              <a:rPr lang="en-US" dirty="0" smtClean="0">
+                <a:solidFill>
+                  <a:srgbClr val="008000"/>
+                </a:solidFill>
+                <a:latin typeface="Consolas" panose="020B0609020204030204" pitchFamily="49" charset="0"/>
+                <a:ea typeface="Times New Roman" panose="02020603050405020304" pitchFamily="18" charset="0"/>
+                <a:cs typeface="Times New Roman" panose="02020603050405020304" pitchFamily="18" charset="0"/>
+              </a:rPr>
+              <a:t>    //</a:t>
+            </a:r>
+            <a:r>
+              <a:rPr lang="en-US" dirty="0">
+                <a:solidFill>
+                  <a:srgbClr val="008000"/>
+                </a:solidFill>
+                <a:latin typeface="Consolas" panose="020B0609020204030204" pitchFamily="49" charset="0"/>
+                <a:ea typeface="Times New Roman" panose="02020603050405020304" pitchFamily="18" charset="0"/>
+                <a:cs typeface="Times New Roman" panose="02020603050405020304" pitchFamily="18" charset="0"/>
+              </a:rPr>
+              <a:t> Stuff</a:t>
+            </a:r>
+            <a:endParaRPr lang="en-US" sz="2400" dirty="0">
+              <a:latin typeface="Calibri" panose="020F0502020204030204" pitchFamily="34" charset="0"/>
+              <a:ea typeface="Calibri" panose="020F0502020204030204" pitchFamily="34" charset="0"/>
+              <a:cs typeface="Times New Roman" panose="02020603050405020304" pitchFamily="18" charset="0"/>
+            </a:endParaRPr>
+          </a:p>
+          <a:p>
+            <a:pPr>
+              <a:lnSpc>
+                <a:spcPct val="107000"/>
+              </a:lnSpc>
+              <a:tabLst>
+                <a:tab pos="581660" algn="l"/>
+                <a:tab pos="1163320" algn="l"/>
+                <a:tab pos="1744980" algn="l"/>
+                <a:tab pos="2326640" algn="l"/>
+                <a:tab pos="2908300" algn="l"/>
+                <a:tab pos="3489960" algn="l"/>
+                <a:tab pos="4071620" algn="l"/>
+                <a:tab pos="4653280" algn="l"/>
+                <a:tab pos="5234940" algn="l"/>
+                <a:tab pos="5816600" algn="l"/>
+                <a:tab pos="6398260" algn="l"/>
+                <a:tab pos="6979920" algn="l"/>
+                <a:tab pos="7561580" algn="l"/>
+                <a:tab pos="8143240" algn="l"/>
+                <a:tab pos="8724900" algn="l"/>
+                <a:tab pos="9306560" algn="l"/>
+              </a:tabLst>
+            </a:pPr>
+            <a:r>
+              <a:rPr lang="en-US" dirty="0" smtClean="0">
+                <a:solidFill>
+                  <a:srgbClr val="000000"/>
+                </a:solidFill>
+                <a:latin typeface="Consolas" panose="020B0609020204030204" pitchFamily="49" charset="0"/>
+                <a:ea typeface="Times New Roman" panose="02020603050405020304" pitchFamily="18" charset="0"/>
+                <a:cs typeface="Times New Roman" panose="02020603050405020304" pitchFamily="18" charset="0"/>
+              </a:rPr>
+              <a:t>}</a:t>
+            </a:r>
+            <a:endParaRPr lang="en-US" sz="2400" dirty="0">
+              <a:latin typeface="Calibri" panose="020F0502020204030204" pitchFamily="34" charset="0"/>
+              <a:ea typeface="Calibri" panose="020F0502020204030204" pitchFamily="34" charset="0"/>
+              <a:cs typeface="Times New Roman" panose="02020603050405020304" pitchFamily="18" charset="0"/>
+            </a:endParaRPr>
+          </a:p>
+          <a:p>
+            <a:pPr>
+              <a:lnSpc>
+                <a:spcPct val="107000"/>
+              </a:lnSpc>
+              <a:spcAft>
+                <a:spcPts val="800"/>
+              </a:spcAft>
+            </a:pPr>
+            <a:r>
+              <a:rPr lang="en-US" sz="2400" dirty="0">
+                <a:latin typeface="Calibri" panose="020F0502020204030204" pitchFamily="34" charset="0"/>
+                <a:ea typeface="Calibri" panose="020F0502020204030204" pitchFamily="34" charset="0"/>
+                <a:cs typeface="Times New Roman" panose="02020603050405020304" pitchFamily="18" charset="0"/>
+              </a:rPr>
+              <a:t> </a:t>
+            </a:r>
+            <a:endParaRPr lang="en-US" sz="2400" dirty="0">
+              <a:effectLst/>
+              <a:latin typeface="Calibri" panose="020F0502020204030204" pitchFamily="34" charset="0"/>
+              <a:ea typeface="Calibri" panose="020F0502020204030204" pitchFamily="34" charset="0"/>
+              <a:cs typeface="Times New Roman" panose="02020603050405020304" pitchFamily="18" charset="0"/>
+            </a:endParaRPr>
+          </a:p>
+        </p:txBody>
+      </p:sp>
+    </p:spTree>
+    <p:extLst>
+      <p:ext uri="{BB962C8B-B14F-4D97-AF65-F5344CB8AC3E}">
+        <p14:creationId xmlns:p14="http://schemas.microsoft.com/office/powerpoint/2010/main" val="987762087"/>
+      </p:ext>
+    </p:extLst>
+  </p:cSld>
+  <p:clrMapOvr>
+    <a:masterClrMapping/>
+  </p:clrMapOvr>
+</p:sld>
+</file>
+
 <file path=ppt/slides/slide4.xml><?xml version="1.0" encoding="utf-8"?>
 <p:sld xmlns:a="http://schemas.openxmlformats.org/drawingml/2006/main" xmlns:r="http://schemas.openxmlformats.org/officeDocument/2006/relationships" xmlns:p="http://schemas.openxmlformats.org/presentationml/2006/main">
   <p:cSld>
@@ -17032,6 +20154,928 @@
     <p:extLst>
       <p:ext uri="{BB962C8B-B14F-4D97-AF65-F5344CB8AC3E}">
         <p14:creationId xmlns:p14="http://schemas.microsoft.com/office/powerpoint/2010/main" val="2041213752"/>
+      </p:ext>
+    </p:extLst>
+  </p:cSld>
+  <p:clrMapOvr>
+    <a:masterClrMapping/>
+  </p:clrMapOvr>
+</p:sld>
+</file>
+
+<file path=ppt/slides/slide40.xml><?xml version="1.0" encoding="utf-8"?>
+<p:sld xmlns:a="http://schemas.openxmlformats.org/drawingml/2006/main" xmlns:r="http://schemas.openxmlformats.org/officeDocument/2006/relationships" xmlns:p="http://schemas.openxmlformats.org/presentationml/2006/main">
+  <p:cSld>
+    <p:spTree>
+      <p:nvGrpSpPr>
+        <p:cNvPr id="1" name=""/>
+        <p:cNvGrpSpPr/>
+        <p:nvPr/>
+      </p:nvGrpSpPr>
+      <p:grpSpPr>
+        <a:xfrm>
+          <a:off x="0" y="0"/>
+          <a:ext cx="0" cy="0"/>
+          <a:chOff x="0" y="0"/>
+          <a:chExt cx="0" cy="0"/>
+        </a:xfrm>
+      </p:grpSpPr>
+      <p:sp>
+        <p:nvSpPr>
+          <p:cNvPr id="2" name="Title 1"/>
+          <p:cNvSpPr>
+            <a:spLocks noGrp="1"/>
+          </p:cNvSpPr>
+          <p:nvPr>
+            <p:ph type="title"/>
+          </p:nvPr>
+        </p:nvSpPr>
+        <p:spPr/>
+        <p:txBody>
+          <a:bodyPr/>
+          <a:lstStyle/>
+          <a:p>
+            <a:r>
+              <a:rPr lang="en-US" dirty="0" smtClean="0"/>
+              <a:t>Generics – Demo </a:t>
+            </a:r>
+            <a:endParaRPr lang="en-US" dirty="0"/>
+          </a:p>
+        </p:txBody>
+      </p:sp>
+      <p:sp>
+        <p:nvSpPr>
+          <p:cNvPr id="3" name="Content Placeholder 2"/>
+          <p:cNvSpPr>
+            <a:spLocks noGrp="1"/>
+          </p:cNvSpPr>
+          <p:nvPr>
+            <p:ph idx="1"/>
+          </p:nvPr>
+        </p:nvSpPr>
+        <p:spPr/>
+        <p:txBody>
+          <a:bodyPr/>
+          <a:lstStyle/>
+          <a:p>
+            <a:r>
+              <a:rPr lang="en-US" dirty="0" smtClean="0"/>
+              <a:t>Section 2 / 6-generics.ts</a:t>
+            </a:r>
+            <a:endParaRPr lang="en-US" dirty="0"/>
+          </a:p>
+        </p:txBody>
+      </p:sp>
+    </p:spTree>
+    <p:extLst>
+      <p:ext uri="{BB962C8B-B14F-4D97-AF65-F5344CB8AC3E}">
+        <p14:creationId xmlns:p14="http://schemas.microsoft.com/office/powerpoint/2010/main" val="3206280047"/>
+      </p:ext>
+    </p:extLst>
+  </p:cSld>
+  <p:clrMapOvr>
+    <a:masterClrMapping/>
+  </p:clrMapOvr>
+</p:sld>
+</file>
+
+<file path=ppt/slides/slide41.xml><?xml version="1.0" encoding="utf-8"?>
+<p:sld xmlns:a="http://schemas.openxmlformats.org/drawingml/2006/main" xmlns:r="http://schemas.openxmlformats.org/officeDocument/2006/relationships" xmlns:p="http://schemas.openxmlformats.org/presentationml/2006/main">
+  <p:cSld>
+    <p:spTree>
+      <p:nvGrpSpPr>
+        <p:cNvPr id="1" name=""/>
+        <p:cNvGrpSpPr/>
+        <p:nvPr/>
+      </p:nvGrpSpPr>
+      <p:grpSpPr>
+        <a:xfrm>
+          <a:off x="0" y="0"/>
+          <a:ext cx="0" cy="0"/>
+          <a:chOff x="0" y="0"/>
+          <a:chExt cx="0" cy="0"/>
+        </a:xfrm>
+      </p:grpSpPr>
+      <p:sp>
+        <p:nvSpPr>
+          <p:cNvPr id="4" name="Title 3"/>
+          <p:cNvSpPr>
+            <a:spLocks noGrp="1"/>
+          </p:cNvSpPr>
+          <p:nvPr>
+            <p:ph type="title"/>
+          </p:nvPr>
+        </p:nvSpPr>
+        <p:spPr/>
+        <p:txBody>
+          <a:bodyPr/>
+          <a:lstStyle/>
+          <a:p>
+            <a:r>
+              <a:rPr lang="en-US" dirty="0" smtClean="0"/>
+              <a:t>Library Definition Files</a:t>
+            </a:r>
+            <a:endParaRPr lang="en-US" dirty="0"/>
+          </a:p>
+        </p:txBody>
+      </p:sp>
+      <p:sp>
+        <p:nvSpPr>
+          <p:cNvPr id="5" name="Text Placeholder 4"/>
+          <p:cNvSpPr>
+            <a:spLocks noGrp="1"/>
+          </p:cNvSpPr>
+          <p:nvPr>
+            <p:ph type="body" idx="1"/>
+          </p:nvPr>
+        </p:nvSpPr>
+        <p:spPr/>
+        <p:txBody>
+          <a:bodyPr/>
+          <a:lstStyle/>
+          <a:p>
+            <a:endParaRPr lang="en-US"/>
+          </a:p>
+        </p:txBody>
+      </p:sp>
+    </p:spTree>
+    <p:extLst>
+      <p:ext uri="{BB962C8B-B14F-4D97-AF65-F5344CB8AC3E}">
+        <p14:creationId xmlns:p14="http://schemas.microsoft.com/office/powerpoint/2010/main" val="3651755122"/>
+      </p:ext>
+    </p:extLst>
+  </p:cSld>
+  <p:clrMapOvr>
+    <a:masterClrMapping/>
+  </p:clrMapOvr>
+</p:sld>
+</file>
+
+<file path=ppt/slides/slide42.xml><?xml version="1.0" encoding="utf-8"?>
+<p:sld xmlns:a="http://schemas.openxmlformats.org/drawingml/2006/main" xmlns:r="http://schemas.openxmlformats.org/officeDocument/2006/relationships" xmlns:p="http://schemas.openxmlformats.org/presentationml/2006/main">
+  <p:cSld>
+    <p:spTree>
+      <p:nvGrpSpPr>
+        <p:cNvPr id="1" name=""/>
+        <p:cNvGrpSpPr/>
+        <p:nvPr/>
+      </p:nvGrpSpPr>
+      <p:grpSpPr>
+        <a:xfrm>
+          <a:off x="0" y="0"/>
+          <a:ext cx="0" cy="0"/>
+          <a:chOff x="0" y="0"/>
+          <a:chExt cx="0" cy="0"/>
+        </a:xfrm>
+      </p:grpSpPr>
+      <p:sp>
+        <p:nvSpPr>
+          <p:cNvPr id="4" name="Title 3"/>
+          <p:cNvSpPr>
+            <a:spLocks noGrp="1"/>
+          </p:cNvSpPr>
+          <p:nvPr>
+            <p:ph type="title"/>
+          </p:nvPr>
+        </p:nvSpPr>
+        <p:spPr/>
+        <p:txBody>
+          <a:bodyPr/>
+          <a:lstStyle/>
+          <a:p>
+            <a:r>
+              <a:rPr lang="en-US" dirty="0" smtClean="0"/>
+              <a:t>Definition Files</a:t>
+            </a:r>
+            <a:endParaRPr lang="en-US" dirty="0"/>
+          </a:p>
+        </p:txBody>
+      </p:sp>
+      <p:sp>
+        <p:nvSpPr>
+          <p:cNvPr id="5" name="Content Placeholder 4"/>
+          <p:cNvSpPr>
+            <a:spLocks noGrp="1"/>
+          </p:cNvSpPr>
+          <p:nvPr>
+            <p:ph idx="1"/>
+          </p:nvPr>
+        </p:nvSpPr>
+        <p:spPr/>
+        <p:txBody>
+          <a:bodyPr>
+            <a:normAutofit/>
+          </a:bodyPr>
+          <a:lstStyle/>
+          <a:p>
+            <a:r>
+              <a:rPr lang="en-US" dirty="0" smtClean="0"/>
+              <a:t>“Header files” for 3</a:t>
+            </a:r>
+            <a:r>
+              <a:rPr lang="en-US" baseline="30000" dirty="0" smtClean="0"/>
+              <a:t>rd</a:t>
+            </a:r>
+            <a:r>
+              <a:rPr lang="en-US" dirty="0" smtClean="0"/>
+              <a:t> party libraries</a:t>
+            </a:r>
+          </a:p>
+          <a:p>
+            <a:pPr lvl="1"/>
+            <a:r>
+              <a:rPr lang="en-US" dirty="0" smtClean="0"/>
+              <a:t>Provides static typing support</a:t>
+            </a:r>
+          </a:p>
+          <a:p>
+            <a:endParaRPr lang="en-US" dirty="0"/>
+          </a:p>
+          <a:p>
+            <a:r>
+              <a:rPr lang="en-US" dirty="0" smtClean="0"/>
+              <a:t>Definitely Typed repository:</a:t>
+            </a:r>
+          </a:p>
+          <a:p>
+            <a:pPr lvl="1"/>
+            <a:r>
+              <a:rPr lang="en-US" dirty="0">
+                <a:hlinkClick r:id="rId2"/>
+              </a:rPr>
+              <a:t>https://</a:t>
+            </a:r>
+            <a:r>
+              <a:rPr lang="en-US" dirty="0" smtClean="0">
+                <a:hlinkClick r:id="rId2"/>
+              </a:rPr>
+              <a:t>github.com/borisyankov/DefinitelyTyped</a:t>
+            </a:r>
+            <a:endParaRPr lang="en-US" dirty="0" smtClean="0"/>
+          </a:p>
+          <a:p>
+            <a:pPr lvl="1"/>
+            <a:endParaRPr lang="en-US" dirty="0"/>
+          </a:p>
+          <a:p>
+            <a:r>
+              <a:rPr lang="en-US" dirty="0" smtClean="0"/>
+              <a:t>Add to VS project via </a:t>
+            </a:r>
+            <a:r>
+              <a:rPr lang="en-US" dirty="0" err="1" smtClean="0"/>
+              <a:t>Nuget</a:t>
+            </a:r>
+            <a:endParaRPr lang="en-US" dirty="0" smtClean="0"/>
+          </a:p>
+          <a:p>
+            <a:endParaRPr lang="en-US" dirty="0" smtClean="0"/>
+          </a:p>
+          <a:p>
+            <a:r>
+              <a:rPr lang="en-US" dirty="0" smtClean="0"/>
+              <a:t>Add to Node project via </a:t>
+            </a:r>
+            <a:r>
+              <a:rPr lang="en-US" dirty="0" err="1" smtClean="0"/>
+              <a:t>tsd</a:t>
+            </a:r>
+            <a:endParaRPr lang="en-US" dirty="0" smtClean="0"/>
+          </a:p>
+          <a:p>
+            <a:pPr lvl="1"/>
+            <a:r>
+              <a:rPr lang="en-US" altLang="en-US" dirty="0">
+                <a:solidFill>
+                  <a:srgbClr val="666666"/>
+                </a:solidFill>
+                <a:latin typeface="Courier New" panose="02070309020205020404" pitchFamily="49" charset="0"/>
+                <a:cs typeface="Courier New" panose="02070309020205020404" pitchFamily="49" charset="0"/>
+              </a:rPr>
+              <a:t>$ </a:t>
+            </a:r>
+            <a:r>
+              <a:rPr lang="en-US" altLang="en-US" dirty="0" err="1">
+                <a:solidFill>
+                  <a:srgbClr val="666666"/>
+                </a:solidFill>
+                <a:latin typeface="Courier New" panose="02070309020205020404" pitchFamily="49" charset="0"/>
+                <a:cs typeface="Courier New" panose="02070309020205020404" pitchFamily="49" charset="0"/>
+              </a:rPr>
+              <a:t>npm</a:t>
+            </a:r>
+            <a:r>
+              <a:rPr lang="en-US" altLang="en-US" dirty="0">
+                <a:solidFill>
+                  <a:srgbClr val="666666"/>
+                </a:solidFill>
+                <a:latin typeface="Courier New" panose="02070309020205020404" pitchFamily="49" charset="0"/>
+                <a:cs typeface="Courier New" panose="02070309020205020404" pitchFamily="49" charset="0"/>
+              </a:rPr>
+              <a:t> install </a:t>
+            </a:r>
+            <a:r>
+              <a:rPr lang="en-US" altLang="en-US" dirty="0" err="1">
+                <a:solidFill>
+                  <a:srgbClr val="666666"/>
+                </a:solidFill>
+                <a:latin typeface="Courier New" panose="02070309020205020404" pitchFamily="49" charset="0"/>
+                <a:cs typeface="Courier New" panose="02070309020205020404" pitchFamily="49" charset="0"/>
+              </a:rPr>
+              <a:t>tsd</a:t>
+            </a:r>
+            <a:r>
+              <a:rPr lang="en-US" altLang="en-US" dirty="0">
+                <a:solidFill>
+                  <a:srgbClr val="666666"/>
+                </a:solidFill>
+                <a:latin typeface="Courier New" panose="02070309020205020404" pitchFamily="49" charset="0"/>
+                <a:cs typeface="Courier New" panose="02070309020205020404" pitchFamily="49" charset="0"/>
+              </a:rPr>
+              <a:t> </a:t>
+            </a:r>
+            <a:r>
+              <a:rPr lang="en-US" altLang="en-US" dirty="0">
+                <a:solidFill>
+                  <a:srgbClr val="333333"/>
+                </a:solidFill>
+                <a:latin typeface="Courier New" panose="02070309020205020404" pitchFamily="49" charset="0"/>
+                <a:cs typeface="Courier New" panose="02070309020205020404" pitchFamily="49" charset="0"/>
+              </a:rPr>
+              <a:t>-</a:t>
+            </a:r>
+            <a:r>
+              <a:rPr lang="en-US" altLang="en-US" dirty="0">
+                <a:solidFill>
+                  <a:srgbClr val="666666"/>
+                </a:solidFill>
+                <a:latin typeface="Courier New" panose="02070309020205020404" pitchFamily="49" charset="0"/>
+                <a:cs typeface="Courier New" panose="02070309020205020404" pitchFamily="49" charset="0"/>
+              </a:rPr>
+              <a:t>g</a:t>
+            </a:r>
+            <a:r>
+              <a:rPr lang="en-US" altLang="en-US" sz="1200" dirty="0">
+                <a:solidFill>
+                  <a:schemeClr val="tx1"/>
+                </a:solidFill>
+              </a:rPr>
+              <a:t> </a:t>
+            </a:r>
+            <a:endParaRPr lang="en-US" altLang="en-US" sz="3600" dirty="0">
+              <a:solidFill>
+                <a:schemeClr val="tx1"/>
+              </a:solidFill>
+              <a:latin typeface="Arial" panose="020B0604020202020204" pitchFamily="34" charset="0"/>
+            </a:endParaRPr>
+          </a:p>
+          <a:p>
+            <a:pPr lvl="1"/>
+            <a:endParaRPr lang="en-US" dirty="0" smtClean="0"/>
+          </a:p>
+          <a:p>
+            <a:endParaRPr lang="en-US" dirty="0"/>
+          </a:p>
+        </p:txBody>
+      </p:sp>
+      <p:sp>
+        <p:nvSpPr>
+          <p:cNvPr id="6" name="Rectangle 1"/>
+          <p:cNvSpPr>
+            <a:spLocks noChangeArrowheads="1"/>
+          </p:cNvSpPr>
+          <p:nvPr/>
+        </p:nvSpPr>
+        <p:spPr bwMode="auto">
+          <a:xfrm>
+            <a:off x="0" y="-70149"/>
+            <a:ext cx="65" cy="597499"/>
+          </a:xfrm>
+          <a:prstGeom prst="rect">
+            <a:avLst/>
+          </a:prstGeom>
+          <a:solidFill>
+            <a:srgbClr val="F9F9F8"/>
+          </a:solidFill>
+          <a:ln>
+            <a:noFill/>
+          </a:ln>
+          <a:effectLst/>
+          <a:extLst>
+            <a:ext uri="{91240B29-F687-4F45-9708-019B960494DF}">
+              <a14:hiddenLine xmlns:a14="http://schemas.microsoft.com/office/drawing/2010/main" w="9525">
+                <a:solidFill>
+                  <a:schemeClr val="tx1"/>
+                </a:solidFill>
+                <a:miter lim="800000"/>
+                <a:headEnd/>
+                <a:tailEnd/>
+              </a14:hiddenLine>
+            </a:ext>
+            <a:ext uri="{AF507438-7753-43E0-B8FC-AC1667EBCBE1}">
+              <a14:hiddenEffects xmlns:a14="http://schemas.microsoft.com/office/drawing/2010/main">
+                <a:effectLst>
+                  <a:outerShdw dist="35921" dir="2700000" algn="ctr" rotWithShape="0">
+                    <a:schemeClr val="bg2"/>
+                  </a:outerShdw>
+                </a:effectLst>
+              </a14:hiddenEffects>
+            </a:ext>
+          </a:extLst>
+        </p:spPr>
+        <p:txBody>
+          <a:bodyPr vert="horz" wrap="none" lIns="0" tIns="158700" rIns="0" bIns="158700" numCol="1" anchor="ctr" anchorCtr="0" compatLnSpc="1">
+            <a:prstTxWarp prst="textNoShape">
+              <a:avLst/>
+            </a:prstTxWarp>
+            <a:spAutoFit/>
+          </a:bodyPr>
+          <a:lstStyle/>
+          <a:p>
+            <a:pPr marL="0" marR="0" lvl="0" indent="0" algn="l" defTabSz="914400" rtl="0" eaLnBrk="0" fontAlgn="base" latinLnBrk="0" hangingPunct="0">
+              <a:lnSpc>
+                <a:spcPct val="100000"/>
+              </a:lnSpc>
+              <a:spcBef>
+                <a:spcPct val="0"/>
+              </a:spcBef>
+              <a:spcAft>
+                <a:spcPct val="0"/>
+              </a:spcAft>
+              <a:buClrTx/>
+              <a:buSzTx/>
+              <a:buFontTx/>
+              <a:buNone/>
+              <a:tabLst/>
+            </a:pPr>
+            <a:endParaRPr kumimoji="0" lang="en-US" altLang="en-US" sz="1800" b="0" i="0" u="none" strike="noStrike" cap="none" normalizeH="0" baseline="0" dirty="0" smtClean="0">
+              <a:ln>
+                <a:noFill/>
+              </a:ln>
+              <a:solidFill>
+                <a:schemeClr val="tx1"/>
+              </a:solidFill>
+              <a:effectLst/>
+              <a:latin typeface="Arial" panose="020B0604020202020204" pitchFamily="34" charset="0"/>
+            </a:endParaRPr>
+          </a:p>
+        </p:txBody>
+      </p:sp>
+    </p:spTree>
+    <p:extLst>
+      <p:ext uri="{BB962C8B-B14F-4D97-AF65-F5344CB8AC3E}">
+        <p14:creationId xmlns:p14="http://schemas.microsoft.com/office/powerpoint/2010/main" val="1710356774"/>
+      </p:ext>
+    </p:extLst>
+  </p:cSld>
+  <p:clrMapOvr>
+    <a:masterClrMapping/>
+  </p:clrMapOvr>
+</p:sld>
+</file>
+
+<file path=ppt/slides/slide43.xml><?xml version="1.0" encoding="utf-8"?>
+<p:sld xmlns:a="http://schemas.openxmlformats.org/drawingml/2006/main" xmlns:r="http://schemas.openxmlformats.org/officeDocument/2006/relationships" xmlns:p="http://schemas.openxmlformats.org/presentationml/2006/main">
+  <p:cSld>
+    <p:spTree>
+      <p:nvGrpSpPr>
+        <p:cNvPr id="1" name=""/>
+        <p:cNvGrpSpPr/>
+        <p:nvPr/>
+      </p:nvGrpSpPr>
+      <p:grpSpPr>
+        <a:xfrm>
+          <a:off x="0" y="0"/>
+          <a:ext cx="0" cy="0"/>
+          <a:chOff x="0" y="0"/>
+          <a:chExt cx="0" cy="0"/>
+        </a:xfrm>
+      </p:grpSpPr>
+      <p:sp>
+        <p:nvSpPr>
+          <p:cNvPr id="2" name="Title 1"/>
+          <p:cNvSpPr>
+            <a:spLocks noGrp="1"/>
+          </p:cNvSpPr>
+          <p:nvPr>
+            <p:ph type="title"/>
+          </p:nvPr>
+        </p:nvSpPr>
+        <p:spPr/>
+        <p:txBody>
+          <a:bodyPr/>
+          <a:lstStyle/>
+          <a:p>
+            <a:r>
+              <a:rPr lang="en-US" dirty="0"/>
+              <a:t>Definition Files</a:t>
+            </a:r>
+          </a:p>
+        </p:txBody>
+      </p:sp>
+      <p:sp>
+        <p:nvSpPr>
+          <p:cNvPr id="3" name="Content Placeholder 2"/>
+          <p:cNvSpPr>
+            <a:spLocks noGrp="1"/>
+          </p:cNvSpPr>
+          <p:nvPr>
+            <p:ph idx="1"/>
+          </p:nvPr>
+        </p:nvSpPr>
+        <p:spPr/>
+        <p:txBody>
+          <a:bodyPr/>
+          <a:lstStyle/>
+          <a:p>
+            <a:r>
+              <a:rPr lang="en-US" dirty="0" smtClean="0"/>
+              <a:t>Include as references via comment</a:t>
+            </a:r>
+          </a:p>
+          <a:p>
+            <a:pPr lvl="1"/>
+            <a:r>
+              <a:rPr lang="en-US" altLang="en-US" dirty="0">
+                <a:solidFill>
+                  <a:srgbClr val="808080"/>
+                </a:solidFill>
+                <a:latin typeface="Consolas" panose="020B0609020204030204" pitchFamily="49" charset="0"/>
+                <a:cs typeface="Consolas" panose="020B0609020204030204" pitchFamily="49" charset="0"/>
+              </a:rPr>
+              <a:t>///</a:t>
+            </a:r>
+            <a:r>
+              <a:rPr lang="en-US" altLang="en-US" dirty="0">
+                <a:solidFill>
+                  <a:srgbClr val="008000"/>
+                </a:solidFill>
+                <a:latin typeface="Consolas" panose="020B0609020204030204" pitchFamily="49" charset="0"/>
+                <a:cs typeface="Consolas" panose="020B0609020204030204" pitchFamily="49" charset="0"/>
+              </a:rPr>
+              <a:t> </a:t>
+            </a:r>
+            <a:r>
+              <a:rPr lang="en-US" altLang="en-US" dirty="0">
+                <a:solidFill>
+                  <a:srgbClr val="808080"/>
+                </a:solidFill>
+                <a:latin typeface="Consolas" panose="020B0609020204030204" pitchFamily="49" charset="0"/>
+                <a:cs typeface="Consolas" panose="020B0609020204030204" pitchFamily="49" charset="0"/>
+              </a:rPr>
+              <a:t>&lt;reference path="/scripts/</a:t>
+            </a:r>
+            <a:r>
+              <a:rPr lang="en-US" altLang="en-US" dirty="0" err="1">
+                <a:solidFill>
+                  <a:srgbClr val="808080"/>
+                </a:solidFill>
+                <a:latin typeface="Consolas" panose="020B0609020204030204" pitchFamily="49" charset="0"/>
+                <a:cs typeface="Consolas" panose="020B0609020204030204" pitchFamily="49" charset="0"/>
+              </a:rPr>
+              <a:t>typings</a:t>
+            </a:r>
+            <a:r>
+              <a:rPr lang="en-US" altLang="en-US" dirty="0">
+                <a:solidFill>
+                  <a:srgbClr val="808080"/>
+                </a:solidFill>
+                <a:latin typeface="Consolas" panose="020B0609020204030204" pitchFamily="49" charset="0"/>
+                <a:cs typeface="Consolas" panose="020B0609020204030204" pitchFamily="49" charset="0"/>
+              </a:rPr>
+              <a:t>/some-lib/some-</a:t>
+            </a:r>
+            <a:r>
+              <a:rPr lang="en-US" altLang="en-US" dirty="0" err="1">
+                <a:solidFill>
+                  <a:srgbClr val="808080"/>
+                </a:solidFill>
+                <a:latin typeface="Consolas" panose="020B0609020204030204" pitchFamily="49" charset="0"/>
+                <a:cs typeface="Consolas" panose="020B0609020204030204" pitchFamily="49" charset="0"/>
+              </a:rPr>
+              <a:t>lib.d.ts</a:t>
+            </a:r>
+            <a:r>
+              <a:rPr lang="en-US" altLang="en-US" dirty="0">
+                <a:solidFill>
+                  <a:srgbClr val="808080"/>
+                </a:solidFill>
+                <a:latin typeface="Consolas" panose="020B0609020204030204" pitchFamily="49" charset="0"/>
+                <a:cs typeface="Consolas" panose="020B0609020204030204" pitchFamily="49" charset="0"/>
+              </a:rPr>
+              <a:t>"/&gt;</a:t>
+            </a:r>
+            <a:r>
+              <a:rPr lang="en-US" altLang="en-US" dirty="0">
+                <a:solidFill>
+                  <a:srgbClr val="000000"/>
+                </a:solidFill>
+                <a:latin typeface="Consolas" panose="020B0609020204030204" pitchFamily="49" charset="0"/>
+                <a:cs typeface="Consolas" panose="020B0609020204030204" pitchFamily="49" charset="0"/>
+              </a:rPr>
+              <a:t> </a:t>
+            </a:r>
+            <a:endParaRPr lang="en-US" dirty="0" smtClean="0"/>
+          </a:p>
+          <a:p>
+            <a:endParaRPr lang="en-US" dirty="0"/>
+          </a:p>
+          <a:p>
+            <a:r>
+              <a:rPr lang="en-US" dirty="0" smtClean="0"/>
+              <a:t>Include batch of references via _</a:t>
+            </a:r>
+            <a:r>
+              <a:rPr lang="en-US" dirty="0" err="1" smtClean="0"/>
+              <a:t>reference.ts</a:t>
+            </a:r>
+            <a:r>
+              <a:rPr lang="en-US" dirty="0" smtClean="0"/>
+              <a:t> file</a:t>
+            </a:r>
+          </a:p>
+          <a:p>
+            <a:endParaRPr lang="en-US" dirty="0"/>
+          </a:p>
+          <a:p>
+            <a:r>
+              <a:rPr lang="en-US" dirty="0" smtClean="0"/>
+              <a:t>Can drag .</a:t>
+            </a:r>
+            <a:r>
+              <a:rPr lang="en-US" dirty="0" err="1" smtClean="0"/>
+              <a:t>ts</a:t>
+            </a:r>
+            <a:r>
+              <a:rPr lang="en-US" dirty="0" smtClean="0"/>
+              <a:t> OR .</a:t>
+            </a:r>
+            <a:r>
+              <a:rPr lang="en-US" dirty="0" err="1" smtClean="0"/>
+              <a:t>d.ts</a:t>
+            </a:r>
+            <a:r>
+              <a:rPr lang="en-US" dirty="0" smtClean="0"/>
+              <a:t> file into TS file to auto-add reference</a:t>
+            </a:r>
+          </a:p>
+          <a:p>
+            <a:pPr lvl="1"/>
+            <a:r>
+              <a:rPr lang="en-US" dirty="0" smtClean="0"/>
+              <a:t>Paths are relative</a:t>
+            </a:r>
+          </a:p>
+        </p:txBody>
+      </p:sp>
+    </p:spTree>
+    <p:extLst>
+      <p:ext uri="{BB962C8B-B14F-4D97-AF65-F5344CB8AC3E}">
+        <p14:creationId xmlns:p14="http://schemas.microsoft.com/office/powerpoint/2010/main" val="1625565308"/>
+      </p:ext>
+    </p:extLst>
+  </p:cSld>
+  <p:clrMapOvr>
+    <a:masterClrMapping/>
+  </p:clrMapOvr>
+</p:sld>
+</file>
+
+<file path=ppt/slides/slide44.xml><?xml version="1.0" encoding="utf-8"?>
+<p:sld xmlns:a="http://schemas.openxmlformats.org/drawingml/2006/main" xmlns:r="http://schemas.openxmlformats.org/officeDocument/2006/relationships" xmlns:p="http://schemas.openxmlformats.org/presentationml/2006/main">
+  <p:cSld>
+    <p:spTree>
+      <p:nvGrpSpPr>
+        <p:cNvPr id="1" name=""/>
+        <p:cNvGrpSpPr/>
+        <p:nvPr/>
+      </p:nvGrpSpPr>
+      <p:grpSpPr>
+        <a:xfrm>
+          <a:off x="0" y="0"/>
+          <a:ext cx="0" cy="0"/>
+          <a:chOff x="0" y="0"/>
+          <a:chExt cx="0" cy="0"/>
+        </a:xfrm>
+      </p:grpSpPr>
+      <p:sp>
+        <p:nvSpPr>
+          <p:cNvPr id="2" name="Title 1"/>
+          <p:cNvSpPr>
+            <a:spLocks noGrp="1"/>
+          </p:cNvSpPr>
+          <p:nvPr>
+            <p:ph type="title"/>
+          </p:nvPr>
+        </p:nvSpPr>
+        <p:spPr/>
+        <p:txBody>
+          <a:bodyPr/>
+          <a:lstStyle/>
+          <a:p>
+            <a:r>
+              <a:rPr lang="en-US" dirty="0" smtClean="0"/>
+              <a:t>Definition Files</a:t>
+            </a:r>
+            <a:endParaRPr lang="en-US" dirty="0"/>
+          </a:p>
+        </p:txBody>
+      </p:sp>
+      <p:sp>
+        <p:nvSpPr>
+          <p:cNvPr id="3" name="Content Placeholder 2"/>
+          <p:cNvSpPr>
+            <a:spLocks noGrp="1"/>
+          </p:cNvSpPr>
+          <p:nvPr>
+            <p:ph idx="1"/>
+          </p:nvPr>
+        </p:nvSpPr>
+        <p:spPr/>
+        <p:txBody>
+          <a:bodyPr/>
+          <a:lstStyle/>
+          <a:p>
+            <a:r>
+              <a:rPr lang="en-US" dirty="0" smtClean="0"/>
+              <a:t>When no </a:t>
+            </a:r>
+            <a:r>
+              <a:rPr lang="en-US" dirty="0" err="1" smtClean="0"/>
+              <a:t>typings</a:t>
+            </a:r>
+            <a:r>
+              <a:rPr lang="en-US" dirty="0" smtClean="0"/>
+              <a:t> available, build your own!</a:t>
+            </a:r>
+          </a:p>
+          <a:p>
+            <a:endParaRPr lang="en-US" dirty="0"/>
+          </a:p>
+          <a:p>
+            <a:r>
+              <a:rPr lang="en-US" dirty="0" smtClean="0"/>
+              <a:t>Use declare keyword</a:t>
+            </a:r>
+          </a:p>
+          <a:p>
+            <a:endParaRPr lang="en-US" dirty="0"/>
+          </a:p>
+          <a:p>
+            <a:r>
+              <a:rPr lang="en-US" dirty="0" smtClean="0"/>
+              <a:t>Model </a:t>
+            </a:r>
+            <a:r>
+              <a:rPr lang="en-US" dirty="0" err="1" smtClean="0"/>
+              <a:t>api</a:t>
+            </a:r>
+            <a:r>
+              <a:rPr lang="en-US" dirty="0" smtClean="0"/>
+              <a:t> with interfaces</a:t>
+            </a:r>
+          </a:p>
+          <a:p>
+            <a:endParaRPr lang="en-US" dirty="0"/>
+          </a:p>
+          <a:p>
+            <a:r>
+              <a:rPr lang="en-US" dirty="0" smtClean="0"/>
+              <a:t>Follow guidelines at:</a:t>
+            </a:r>
+          </a:p>
+          <a:p>
+            <a:pPr lvl="1"/>
+            <a:r>
+              <a:rPr lang="en-US" dirty="0">
+                <a:hlinkClick r:id="rId2"/>
+              </a:rPr>
+              <a:t>http://</a:t>
+            </a:r>
+            <a:r>
+              <a:rPr lang="en-US" dirty="0" smtClean="0">
+                <a:hlinkClick r:id="rId2"/>
+              </a:rPr>
+              <a:t>definitelytyped.org/guides/contributing.html</a:t>
+            </a:r>
+            <a:endParaRPr lang="en-US" dirty="0" smtClean="0"/>
+          </a:p>
+          <a:p>
+            <a:pPr lvl="1"/>
+            <a:endParaRPr lang="en-US" dirty="0"/>
+          </a:p>
+        </p:txBody>
+      </p:sp>
+    </p:spTree>
+    <p:extLst>
+      <p:ext uri="{BB962C8B-B14F-4D97-AF65-F5344CB8AC3E}">
+        <p14:creationId xmlns:p14="http://schemas.microsoft.com/office/powerpoint/2010/main" val="3096779517"/>
+      </p:ext>
+    </p:extLst>
+  </p:cSld>
+  <p:clrMapOvr>
+    <a:masterClrMapping/>
+  </p:clrMapOvr>
+</p:sld>
+</file>
+
+<file path=ppt/slides/slide45.xml><?xml version="1.0" encoding="utf-8"?>
+<p:sld xmlns:a="http://schemas.openxmlformats.org/drawingml/2006/main" xmlns:r="http://schemas.openxmlformats.org/officeDocument/2006/relationships" xmlns:p="http://schemas.openxmlformats.org/presentationml/2006/main">
+  <p:cSld>
+    <p:spTree>
+      <p:nvGrpSpPr>
+        <p:cNvPr id="1" name=""/>
+        <p:cNvGrpSpPr/>
+        <p:nvPr/>
+      </p:nvGrpSpPr>
+      <p:grpSpPr>
+        <a:xfrm>
+          <a:off x="0" y="0"/>
+          <a:ext cx="0" cy="0"/>
+          <a:chOff x="0" y="0"/>
+          <a:chExt cx="0" cy="0"/>
+        </a:xfrm>
+      </p:grpSpPr>
+      <p:sp>
+        <p:nvSpPr>
+          <p:cNvPr id="2" name="Title 1"/>
+          <p:cNvSpPr>
+            <a:spLocks noGrp="1"/>
+          </p:cNvSpPr>
+          <p:nvPr>
+            <p:ph type="title"/>
+          </p:nvPr>
+        </p:nvSpPr>
+        <p:spPr/>
+        <p:txBody>
+          <a:bodyPr/>
+          <a:lstStyle/>
+          <a:p>
+            <a:r>
+              <a:rPr lang="en-US" dirty="0" smtClean="0"/>
+              <a:t>Definition Files – Demo</a:t>
+            </a:r>
+            <a:endParaRPr lang="en-US" dirty="0"/>
+          </a:p>
+        </p:txBody>
+      </p:sp>
+      <p:sp>
+        <p:nvSpPr>
+          <p:cNvPr id="3" name="Content Placeholder 2"/>
+          <p:cNvSpPr>
+            <a:spLocks noGrp="1"/>
+          </p:cNvSpPr>
+          <p:nvPr>
+            <p:ph idx="1"/>
+          </p:nvPr>
+        </p:nvSpPr>
+        <p:spPr/>
+        <p:txBody>
+          <a:bodyPr/>
+          <a:lstStyle/>
+          <a:p>
+            <a:r>
+              <a:rPr lang="en-US" dirty="0" smtClean="0"/>
+              <a:t>Let’s make a definition file</a:t>
+            </a:r>
+          </a:p>
+          <a:p>
+            <a:pPr lvl="1"/>
+            <a:r>
+              <a:rPr lang="en-US" dirty="0">
+                <a:hlinkClick r:id="rId2"/>
+              </a:rPr>
+              <a:t>http://www.jstorage.info/#</a:t>
+            </a:r>
+            <a:r>
+              <a:rPr lang="en-US" dirty="0" smtClean="0">
+                <a:hlinkClick r:id="rId2"/>
+              </a:rPr>
+              <a:t>reference</a:t>
+            </a:r>
+            <a:endParaRPr lang="en-US" dirty="0" smtClean="0"/>
+          </a:p>
+          <a:p>
+            <a:pPr lvl="1"/>
+            <a:endParaRPr lang="en-US" dirty="0"/>
+          </a:p>
+          <a:p>
+            <a:r>
+              <a:rPr lang="en-US" dirty="0" smtClean="0"/>
+              <a:t>Section 3 / </a:t>
+            </a:r>
+            <a:r>
+              <a:rPr lang="en-US" dirty="0" err="1" smtClean="0"/>
+              <a:t>jstorage.d.ts</a:t>
+            </a:r>
+            <a:endParaRPr lang="en-US" dirty="0"/>
+          </a:p>
+        </p:txBody>
+      </p:sp>
+    </p:spTree>
+    <p:extLst>
+      <p:ext uri="{BB962C8B-B14F-4D97-AF65-F5344CB8AC3E}">
+        <p14:creationId xmlns:p14="http://schemas.microsoft.com/office/powerpoint/2010/main" val="3204082864"/>
       </p:ext>
     </p:extLst>
   </p:cSld>

--- a/Presentation/TypeScriptFundamentals.pptx
+++ b/Presentation/TypeScriptFundamentals.pptx
@@ -50,6 +50,10 @@
     <p:sldId id="299" r:id="rId44"/>
     <p:sldId id="300" r:id="rId45"/>
     <p:sldId id="301" r:id="rId46"/>
+    <p:sldId id="302" r:id="rId47"/>
+    <p:sldId id="303" r:id="rId48"/>
+    <p:sldId id="304" r:id="rId49"/>
+    <p:sldId id="305" r:id="rId50"/>
   </p:sldIdLst>
   <p:sldSz cx="12192000" cy="6858000"/>
   <p:notesSz cx="6858000" cy="9144000"/>
@@ -210,6 +214,14 @@
             <p14:sldId id="299"/>
             <p14:sldId id="300"/>
             <p14:sldId id="301"/>
+          </p14:sldIdLst>
+        </p14:section>
+        <p14:section name="Advanced Concepts" id="{599BE12E-E5D1-4E45-A2BA-DEE43F16887E}">
+          <p14:sldIdLst>
+            <p14:sldId id="302"/>
+            <p14:sldId id="303"/>
+            <p14:sldId id="304"/>
+            <p14:sldId id="305"/>
           </p14:sldIdLst>
         </p14:section>
       </p14:sectionLst>
@@ -21085,6 +21097,525 @@
 </p:sld>
 </file>
 
+<file path=ppt/slides/slide46.xml><?xml version="1.0" encoding="utf-8"?>
+<p:sld xmlns:a="http://schemas.openxmlformats.org/drawingml/2006/main" xmlns:r="http://schemas.openxmlformats.org/officeDocument/2006/relationships" xmlns:p="http://schemas.openxmlformats.org/presentationml/2006/main">
+  <p:cSld>
+    <p:spTree>
+      <p:nvGrpSpPr>
+        <p:cNvPr id="1" name=""/>
+        <p:cNvGrpSpPr/>
+        <p:nvPr/>
+      </p:nvGrpSpPr>
+      <p:grpSpPr>
+        <a:xfrm>
+          <a:off x="0" y="0"/>
+          <a:ext cx="0" cy="0"/>
+          <a:chOff x="0" y="0"/>
+          <a:chExt cx="0" cy="0"/>
+        </a:xfrm>
+      </p:grpSpPr>
+      <p:sp>
+        <p:nvSpPr>
+          <p:cNvPr id="2" name="Title 1"/>
+          <p:cNvSpPr>
+            <a:spLocks noGrp="1"/>
+          </p:cNvSpPr>
+          <p:nvPr>
+            <p:ph type="title"/>
+          </p:nvPr>
+        </p:nvSpPr>
+        <p:spPr/>
+        <p:txBody>
+          <a:bodyPr/>
+          <a:lstStyle/>
+          <a:p>
+            <a:r>
+              <a:rPr lang="en-US" dirty="0" smtClean="0"/>
+              <a:t>Advanced Concepts</a:t>
+            </a:r>
+            <a:endParaRPr lang="en-US" dirty="0"/>
+          </a:p>
+        </p:txBody>
+      </p:sp>
+      <p:sp>
+        <p:nvSpPr>
+          <p:cNvPr id="4" name="Text Placeholder 3"/>
+          <p:cNvSpPr>
+            <a:spLocks noGrp="1"/>
+          </p:cNvSpPr>
+          <p:nvPr>
+            <p:ph type="body" idx="1"/>
+          </p:nvPr>
+        </p:nvSpPr>
+        <p:spPr/>
+        <p:txBody>
+          <a:bodyPr/>
+          <a:lstStyle/>
+          <a:p>
+            <a:endParaRPr lang="en-US"/>
+          </a:p>
+        </p:txBody>
+      </p:sp>
+    </p:spTree>
+    <p:extLst>
+      <p:ext uri="{BB962C8B-B14F-4D97-AF65-F5344CB8AC3E}">
+        <p14:creationId xmlns:p14="http://schemas.microsoft.com/office/powerpoint/2010/main" val="2300722377"/>
+      </p:ext>
+    </p:extLst>
+  </p:cSld>
+  <p:clrMapOvr>
+    <a:masterClrMapping/>
+  </p:clrMapOvr>
+</p:sld>
+</file>
+
+<file path=ppt/slides/slide47.xml><?xml version="1.0" encoding="utf-8"?>
+<p:sld xmlns:a="http://schemas.openxmlformats.org/drawingml/2006/main" xmlns:r="http://schemas.openxmlformats.org/officeDocument/2006/relationships" xmlns:p="http://schemas.openxmlformats.org/presentationml/2006/main">
+  <p:cSld>
+    <p:spTree>
+      <p:nvGrpSpPr>
+        <p:cNvPr id="1" name=""/>
+        <p:cNvGrpSpPr/>
+        <p:nvPr/>
+      </p:nvGrpSpPr>
+      <p:grpSpPr>
+        <a:xfrm>
+          <a:off x="0" y="0"/>
+          <a:ext cx="0" cy="0"/>
+          <a:chOff x="0" y="0"/>
+          <a:chExt cx="0" cy="0"/>
+        </a:xfrm>
+      </p:grpSpPr>
+      <p:sp>
+        <p:nvSpPr>
+          <p:cNvPr id="4" name="Title 3"/>
+          <p:cNvSpPr>
+            <a:spLocks noGrp="1"/>
+          </p:cNvSpPr>
+          <p:nvPr>
+            <p:ph type="title"/>
+          </p:nvPr>
+        </p:nvSpPr>
+        <p:spPr/>
+        <p:txBody>
+          <a:bodyPr/>
+          <a:lstStyle/>
+          <a:p>
+            <a:r>
+              <a:rPr lang="en-US" dirty="0" smtClean="0"/>
+              <a:t>Best Practices</a:t>
+            </a:r>
+            <a:endParaRPr lang="en-US" dirty="0"/>
+          </a:p>
+        </p:txBody>
+      </p:sp>
+      <p:sp>
+        <p:nvSpPr>
+          <p:cNvPr id="5" name="Content Placeholder 4"/>
+          <p:cNvSpPr>
+            <a:spLocks noGrp="1"/>
+          </p:cNvSpPr>
+          <p:nvPr>
+            <p:ph idx="1"/>
+          </p:nvPr>
+        </p:nvSpPr>
+        <p:spPr/>
+        <p:txBody>
+          <a:bodyPr/>
+          <a:lstStyle/>
+          <a:p>
+            <a:r>
+              <a:rPr lang="en-US" dirty="0" smtClean="0"/>
+              <a:t>Do: Use namespace imports to avoid having to fully qualify paths</a:t>
+            </a:r>
+          </a:p>
+          <a:p>
+            <a:pPr lvl="1"/>
+            <a:r>
+              <a:rPr lang="en-US" dirty="0" smtClean="0"/>
+              <a:t>Make sure files are declared in dependency order</a:t>
+            </a:r>
+          </a:p>
+          <a:p>
+            <a:pPr lvl="1"/>
+            <a:endParaRPr lang="en-US" dirty="0" smtClean="0"/>
+          </a:p>
+          <a:p>
+            <a:r>
+              <a:rPr lang="en-US" dirty="0" smtClean="0"/>
+              <a:t>Do: Separate classes into multiple file</a:t>
+            </a:r>
+          </a:p>
+          <a:p>
+            <a:pPr lvl="1"/>
+            <a:r>
+              <a:rPr lang="en-US" dirty="0" smtClean="0"/>
+              <a:t>1 class per file</a:t>
+            </a:r>
+          </a:p>
+          <a:p>
+            <a:pPr lvl="1"/>
+            <a:r>
+              <a:rPr lang="en-US" dirty="0" smtClean="0"/>
+              <a:t>Use logical folder structure</a:t>
+            </a:r>
+          </a:p>
+          <a:p>
+            <a:pPr lvl="1"/>
+            <a:endParaRPr lang="en-US" dirty="0"/>
+          </a:p>
+          <a:p>
+            <a:r>
+              <a:rPr lang="en-US" dirty="0" smtClean="0"/>
+              <a:t>Do: Include _</a:t>
+            </a:r>
+            <a:r>
+              <a:rPr lang="en-US" dirty="0" err="1" smtClean="0"/>
+              <a:t>references.ts</a:t>
+            </a:r>
+            <a:r>
+              <a:rPr lang="en-US" dirty="0" smtClean="0"/>
+              <a:t> file with references to all libraries</a:t>
+            </a:r>
+          </a:p>
+          <a:p>
+            <a:pPr lvl="1"/>
+            <a:r>
+              <a:rPr lang="en-US" dirty="0" smtClean="0"/>
+              <a:t>Don’t manually specify &lt;reference&gt; tags</a:t>
+            </a:r>
+            <a:endParaRPr lang="en-US" dirty="0"/>
+          </a:p>
+          <a:p>
+            <a:endParaRPr lang="en-US" dirty="0" smtClean="0"/>
+          </a:p>
+        </p:txBody>
+      </p:sp>
+    </p:spTree>
+    <p:extLst>
+      <p:ext uri="{BB962C8B-B14F-4D97-AF65-F5344CB8AC3E}">
+        <p14:creationId xmlns:p14="http://schemas.microsoft.com/office/powerpoint/2010/main" val="533197008"/>
+      </p:ext>
+    </p:extLst>
+  </p:cSld>
+  <p:clrMapOvr>
+    <a:masterClrMapping/>
+  </p:clrMapOvr>
+</p:sld>
+</file>
+
+<file path=ppt/slides/slide48.xml><?xml version="1.0" encoding="utf-8"?>
+<p:sld xmlns:a="http://schemas.openxmlformats.org/drawingml/2006/main" xmlns:r="http://schemas.openxmlformats.org/officeDocument/2006/relationships" xmlns:p="http://schemas.openxmlformats.org/presentationml/2006/main">
+  <p:cSld>
+    <p:spTree>
+      <p:nvGrpSpPr>
+        <p:cNvPr id="1" name=""/>
+        <p:cNvGrpSpPr/>
+        <p:nvPr/>
+      </p:nvGrpSpPr>
+      <p:grpSpPr>
+        <a:xfrm>
+          <a:off x="0" y="0"/>
+          <a:ext cx="0" cy="0"/>
+          <a:chOff x="0" y="0"/>
+          <a:chExt cx="0" cy="0"/>
+        </a:xfrm>
+      </p:grpSpPr>
+      <p:sp>
+        <p:nvSpPr>
+          <p:cNvPr id="2" name="Title 1"/>
+          <p:cNvSpPr>
+            <a:spLocks noGrp="1"/>
+          </p:cNvSpPr>
+          <p:nvPr>
+            <p:ph type="title"/>
+          </p:nvPr>
+        </p:nvSpPr>
+        <p:spPr/>
+        <p:txBody>
+          <a:bodyPr/>
+          <a:lstStyle/>
+          <a:p>
+            <a:r>
+              <a:rPr lang="en-US" dirty="0" smtClean="0"/>
+              <a:t>Best Practices</a:t>
+            </a:r>
+            <a:endParaRPr lang="en-US" dirty="0"/>
+          </a:p>
+        </p:txBody>
+      </p:sp>
+      <p:sp>
+        <p:nvSpPr>
+          <p:cNvPr id="3" name="Content Placeholder 2"/>
+          <p:cNvSpPr>
+            <a:spLocks noGrp="1"/>
+          </p:cNvSpPr>
+          <p:nvPr>
+            <p:ph idx="1"/>
+          </p:nvPr>
+        </p:nvSpPr>
+        <p:spPr/>
+        <p:txBody>
+          <a:bodyPr>
+            <a:normAutofit fontScale="92500" lnSpcReduction="10000"/>
+          </a:bodyPr>
+          <a:lstStyle/>
+          <a:p>
+            <a:pPr lvl="0"/>
+            <a:r>
+              <a:rPr lang="en-US" dirty="0" smtClean="0"/>
+              <a:t>Don’t: Use </a:t>
+            </a:r>
+            <a:r>
+              <a:rPr lang="en-US" altLang="en-US" dirty="0" smtClean="0">
+                <a:solidFill>
+                  <a:srgbClr val="0000FF"/>
+                </a:solidFill>
+                <a:latin typeface="Consolas" panose="020B0609020204030204" pitchFamily="49" charset="0"/>
+                <a:cs typeface="Consolas" panose="020B0609020204030204" pitchFamily="49" charset="0"/>
+              </a:rPr>
+              <a:t>any</a:t>
+            </a:r>
+            <a:r>
+              <a:rPr lang="en-US" dirty="0" smtClean="0"/>
+              <a:t> type too much</a:t>
+            </a:r>
+          </a:p>
+          <a:p>
+            <a:pPr lvl="0"/>
+            <a:endParaRPr lang="en-US" dirty="0"/>
+          </a:p>
+          <a:p>
+            <a:pPr lvl="0"/>
+            <a:r>
+              <a:rPr lang="en-US" dirty="0" smtClean="0"/>
+              <a:t>Do: Use modules for logical namespace groupings</a:t>
+            </a:r>
+          </a:p>
+          <a:p>
+            <a:pPr lvl="1"/>
+            <a:r>
+              <a:rPr lang="en-US" dirty="0" smtClean="0"/>
+              <a:t>Match folder structure</a:t>
+            </a:r>
+          </a:p>
+          <a:p>
+            <a:pPr lvl="1"/>
+            <a:endParaRPr lang="en-US" dirty="0"/>
+          </a:p>
+          <a:p>
+            <a:r>
+              <a:rPr lang="en-US" dirty="0" smtClean="0"/>
+              <a:t>Do: Follow JS style guidelines</a:t>
+            </a:r>
+          </a:p>
+          <a:p>
+            <a:pPr lvl="1"/>
+            <a:r>
+              <a:rPr lang="en-US" dirty="0">
+                <a:hlinkClick r:id="rId2"/>
+              </a:rPr>
+              <a:t>https://</a:t>
+            </a:r>
+            <a:r>
+              <a:rPr lang="en-US" dirty="0" smtClean="0">
+                <a:hlinkClick r:id="rId2"/>
+              </a:rPr>
+              <a:t>github.com/airbnb/javascript</a:t>
+            </a:r>
+            <a:endParaRPr lang="en-US" dirty="0" smtClean="0"/>
+          </a:p>
+          <a:p>
+            <a:pPr lvl="1"/>
+            <a:endParaRPr lang="en-US" dirty="0"/>
+          </a:p>
+          <a:p>
+            <a:r>
+              <a:rPr lang="en-US" dirty="0" smtClean="0"/>
+              <a:t>Do: Use </a:t>
+            </a:r>
+            <a:r>
+              <a:rPr lang="en-US" dirty="0" err="1" smtClean="0"/>
+              <a:t>TSLint</a:t>
+            </a:r>
+            <a:endParaRPr lang="en-US" dirty="0" smtClean="0"/>
+          </a:p>
+          <a:p>
+            <a:pPr lvl="1"/>
+            <a:r>
+              <a:rPr lang="en-US" dirty="0">
+                <a:hlinkClick r:id="rId3"/>
+              </a:rPr>
+              <a:t>http://</a:t>
+            </a:r>
+            <a:r>
+              <a:rPr lang="en-US" dirty="0" smtClean="0">
+                <a:hlinkClick r:id="rId3"/>
+              </a:rPr>
+              <a:t>vswebessentials.com/features/typescript</a:t>
+            </a:r>
+            <a:endParaRPr lang="en-US" dirty="0" smtClean="0"/>
+          </a:p>
+          <a:p>
+            <a:pPr lvl="1"/>
+            <a:r>
+              <a:rPr lang="en-US" dirty="0" smtClean="0"/>
+              <a:t>Note: Do not lint </a:t>
+            </a:r>
+            <a:r>
+              <a:rPr lang="en-US" dirty="0" err="1" smtClean="0"/>
+              <a:t>typings</a:t>
+            </a:r>
+            <a:endParaRPr lang="en-US" dirty="0"/>
+          </a:p>
+        </p:txBody>
+      </p:sp>
+    </p:spTree>
+    <p:extLst>
+      <p:ext uri="{BB962C8B-B14F-4D97-AF65-F5344CB8AC3E}">
+        <p14:creationId xmlns:p14="http://schemas.microsoft.com/office/powerpoint/2010/main" val="439267084"/>
+      </p:ext>
+    </p:extLst>
+  </p:cSld>
+  <p:clrMapOvr>
+    <a:masterClrMapping/>
+  </p:clrMapOvr>
+</p:sld>
+</file>
+
+<file path=ppt/slides/slide49.xml><?xml version="1.0" encoding="utf-8"?>
+<p:sld xmlns:a="http://schemas.openxmlformats.org/drawingml/2006/main" xmlns:r="http://schemas.openxmlformats.org/officeDocument/2006/relationships" xmlns:p="http://schemas.openxmlformats.org/presentationml/2006/main">
+  <p:cSld>
+    <p:spTree>
+      <p:nvGrpSpPr>
+        <p:cNvPr id="1" name=""/>
+        <p:cNvGrpSpPr/>
+        <p:nvPr/>
+      </p:nvGrpSpPr>
+      <p:grpSpPr>
+        <a:xfrm>
+          <a:off x="0" y="0"/>
+          <a:ext cx="0" cy="0"/>
+          <a:chOff x="0" y="0"/>
+          <a:chExt cx="0" cy="0"/>
+        </a:xfrm>
+      </p:grpSpPr>
+      <p:sp>
+        <p:nvSpPr>
+          <p:cNvPr id="2" name="Title 1"/>
+          <p:cNvSpPr>
+            <a:spLocks noGrp="1"/>
+          </p:cNvSpPr>
+          <p:nvPr>
+            <p:ph type="title"/>
+          </p:nvPr>
+        </p:nvSpPr>
+        <p:spPr/>
+        <p:txBody>
+          <a:bodyPr/>
+          <a:lstStyle/>
+          <a:p>
+            <a:r>
+              <a:rPr lang="en-US" dirty="0" smtClean="0"/>
+              <a:t>Best Practices</a:t>
+            </a:r>
+            <a:endParaRPr lang="en-US" dirty="0"/>
+          </a:p>
+        </p:txBody>
+      </p:sp>
+      <p:sp>
+        <p:nvSpPr>
+          <p:cNvPr id="3" name="Content Placeholder 2"/>
+          <p:cNvSpPr>
+            <a:spLocks noGrp="1"/>
+          </p:cNvSpPr>
+          <p:nvPr>
+            <p:ph idx="1"/>
+          </p:nvPr>
+        </p:nvSpPr>
+        <p:spPr/>
+        <p:txBody>
+          <a:bodyPr/>
+          <a:lstStyle/>
+          <a:p>
+            <a:r>
+              <a:rPr lang="en-US" dirty="0" smtClean="0"/>
+              <a:t>Do: Check in typing files into source control</a:t>
+            </a:r>
+          </a:p>
+          <a:p>
+            <a:pPr lvl="1"/>
+            <a:r>
+              <a:rPr lang="en-US" dirty="0" smtClean="0"/>
+              <a:t>Not restored on </a:t>
+            </a:r>
+            <a:r>
+              <a:rPr lang="en-US" dirty="0" err="1" smtClean="0"/>
+              <a:t>Nuget</a:t>
+            </a:r>
+            <a:r>
+              <a:rPr lang="en-US" dirty="0" smtClean="0"/>
+              <a:t> package restore</a:t>
+            </a:r>
+          </a:p>
+          <a:p>
+            <a:pPr lvl="1"/>
+            <a:endParaRPr lang="en-US" dirty="0"/>
+          </a:p>
+          <a:p>
+            <a:r>
+              <a:rPr lang="en-US" dirty="0" smtClean="0"/>
+              <a:t>Do: Submit pull requests for new/fixed </a:t>
+            </a:r>
+            <a:r>
+              <a:rPr lang="en-US" dirty="0" err="1" smtClean="0"/>
+              <a:t>typings</a:t>
+            </a:r>
+            <a:r>
+              <a:rPr lang="en-US" dirty="0" smtClean="0"/>
+              <a:t> to </a:t>
+            </a:r>
+            <a:r>
+              <a:rPr lang="en-US" dirty="0" err="1" smtClean="0"/>
+              <a:t>DefinitelyTyped</a:t>
+            </a:r>
+            <a:endParaRPr lang="en-US" dirty="0" smtClean="0"/>
+          </a:p>
+          <a:p>
+            <a:endParaRPr lang="en-US" dirty="0"/>
+          </a:p>
+          <a:p>
+            <a:r>
+              <a:rPr lang="en-US" dirty="0" smtClean="0"/>
+              <a:t>Don’t: Check in files that </a:t>
+            </a:r>
+            <a:r>
+              <a:rPr lang="en-US" smtClean="0"/>
+              <a:t>don’t compile</a:t>
+            </a:r>
+            <a:endParaRPr lang="en-US" dirty="0" smtClean="0"/>
+          </a:p>
+          <a:p>
+            <a:endParaRPr lang="en-US" dirty="0"/>
+          </a:p>
+          <a:p>
+            <a:endParaRPr lang="en-US" dirty="0"/>
+          </a:p>
+        </p:txBody>
+      </p:sp>
+    </p:spTree>
+    <p:extLst>
+      <p:ext uri="{BB962C8B-B14F-4D97-AF65-F5344CB8AC3E}">
+        <p14:creationId xmlns:p14="http://schemas.microsoft.com/office/powerpoint/2010/main" val="2375747027"/>
+      </p:ext>
+    </p:extLst>
+  </p:cSld>
+  <p:clrMapOvr>
+    <a:masterClrMapping/>
+  </p:clrMapOvr>
+</p:sld>
+</file>
+
 <file path=ppt/slides/slide5.xml><?xml version="1.0" encoding="utf-8"?>
 <p:sld xmlns:a="http://schemas.openxmlformats.org/drawingml/2006/main" xmlns:r="http://schemas.openxmlformats.org/officeDocument/2006/relationships" xmlns:p="http://schemas.openxmlformats.org/presentationml/2006/main">
   <p:cSld>

--- a/Presentation/TypeScriptFundamentals.pptx
+++ b/Presentation/TypeScriptFundamentals.pptx
@@ -51,9 +51,18 @@
     <p:sldId id="300" r:id="rId45"/>
     <p:sldId id="301" r:id="rId46"/>
     <p:sldId id="302" r:id="rId47"/>
-    <p:sldId id="303" r:id="rId48"/>
-    <p:sldId id="304" r:id="rId49"/>
-    <p:sldId id="305" r:id="rId50"/>
+    <p:sldId id="306" r:id="rId48"/>
+    <p:sldId id="307" r:id="rId49"/>
+    <p:sldId id="308" r:id="rId50"/>
+    <p:sldId id="309" r:id="rId51"/>
+    <p:sldId id="310" r:id="rId52"/>
+    <p:sldId id="312" r:id="rId53"/>
+    <p:sldId id="313" r:id="rId54"/>
+    <p:sldId id="311" r:id="rId55"/>
+    <p:sldId id="303" r:id="rId56"/>
+    <p:sldId id="304" r:id="rId57"/>
+    <p:sldId id="305" r:id="rId58"/>
+    <p:sldId id="314" r:id="rId59"/>
   </p:sldIdLst>
   <p:sldSz cx="12192000" cy="6858000"/>
   <p:notesSz cx="6858000" cy="9144000"/>
@@ -219,9 +228,30 @@
         <p14:section name="Advanced Concepts" id="{599BE12E-E5D1-4E45-A2BA-DEE43F16887E}">
           <p14:sldIdLst>
             <p14:sldId id="302"/>
+            <p14:sldId id="306"/>
+            <p14:sldId id="307"/>
+            <p14:sldId id="308"/>
+            <p14:sldId id="309"/>
+            <p14:sldId id="310"/>
+          </p14:sldIdLst>
+        </p14:section>
+        <p14:section name="Todo Demos" id="{9E0C56E7-4A72-40D5-942C-56BE39007C31}">
+          <p14:sldIdLst>
+            <p14:sldId id="312"/>
+            <p14:sldId id="313"/>
+          </p14:sldIdLst>
+        </p14:section>
+        <p14:section name="Best Practices" id="{D655AA8A-73FF-4BC3-B24C-2A42728AAA8C}">
+          <p14:sldIdLst>
+            <p14:sldId id="311"/>
             <p14:sldId id="303"/>
             <p14:sldId id="304"/>
             <p14:sldId id="305"/>
+          </p14:sldIdLst>
+        </p14:section>
+        <p14:section name="Conclusion" id="{E240FE6F-BAA6-4501-BD73-66D409C9AB59}">
+          <p14:sldIdLst>
+            <p14:sldId id="314"/>
           </p14:sldIdLst>
         </p14:section>
       </p14:sectionLst>
@@ -966,7 +996,7 @@
           <a:p>
             <a:fld id="{974B815D-6AFA-4040-8EC9-7F4094DEB064}" type="datetimeFigureOut">
               <a:rPr lang="en-US" smtClean="0"/>
-              <a:t>10/8/2014</a:t>
+              <a:t>10/9/2014</a:t>
             </a:fld>
             <a:endParaRPr lang="en-US"/>
           </a:p>
@@ -1217,7 +1247,7 @@
           <a:p>
             <a:fld id="{974B815D-6AFA-4040-8EC9-7F4094DEB064}" type="datetimeFigureOut">
               <a:rPr lang="en-US" smtClean="0"/>
-              <a:t>10/8/2014</a:t>
+              <a:t>10/9/2014</a:t>
             </a:fld>
             <a:endParaRPr lang="en-US"/>
           </a:p>
@@ -1531,7 +1561,7 @@
           <a:p>
             <a:fld id="{974B815D-6AFA-4040-8EC9-7F4094DEB064}" type="datetimeFigureOut">
               <a:rPr lang="en-US" smtClean="0"/>
-              <a:t>10/8/2014</a:t>
+              <a:t>10/9/2014</a:t>
             </a:fld>
             <a:endParaRPr lang="en-US"/>
           </a:p>
@@ -1872,7 +1902,7 @@
           <a:p>
             <a:fld id="{974B815D-6AFA-4040-8EC9-7F4094DEB064}" type="datetimeFigureOut">
               <a:rPr lang="en-US" smtClean="0"/>
-              <a:t>10/8/2014</a:t>
+              <a:t>10/9/2014</a:t>
             </a:fld>
             <a:endParaRPr lang="en-US"/>
           </a:p>
@@ -2186,7 +2216,7 @@
           <a:p>
             <a:fld id="{974B815D-6AFA-4040-8EC9-7F4094DEB064}" type="datetimeFigureOut">
               <a:rPr lang="en-US" smtClean="0"/>
-              <a:t>10/8/2014</a:t>
+              <a:t>10/9/2014</a:t>
             </a:fld>
             <a:endParaRPr lang="en-US"/>
           </a:p>
@@ -2579,7 +2609,7 @@
           <a:p>
             <a:fld id="{974B815D-6AFA-4040-8EC9-7F4094DEB064}" type="datetimeFigureOut">
               <a:rPr lang="en-US" smtClean="0"/>
-              <a:t>10/8/2014</a:t>
+              <a:t>10/9/2014</a:t>
             </a:fld>
             <a:endParaRPr lang="en-US"/>
           </a:p>
@@ -2749,7 +2779,7 @@
           <a:p>
             <a:fld id="{974B815D-6AFA-4040-8EC9-7F4094DEB064}" type="datetimeFigureOut">
               <a:rPr lang="en-US" smtClean="0"/>
-              <a:t>10/8/2014</a:t>
+              <a:t>10/9/2014</a:t>
             </a:fld>
             <a:endParaRPr lang="en-US"/>
           </a:p>
@@ -2929,7 +2959,7 @@
           <a:p>
             <a:fld id="{974B815D-6AFA-4040-8EC9-7F4094DEB064}" type="datetimeFigureOut">
               <a:rPr lang="en-US" smtClean="0"/>
-              <a:t>10/8/2014</a:t>
+              <a:t>10/9/2014</a:t>
             </a:fld>
             <a:endParaRPr lang="en-US"/>
           </a:p>
@@ -3105,7 +3135,7 @@
           <a:p>
             <a:fld id="{974B815D-6AFA-4040-8EC9-7F4094DEB064}" type="datetimeFigureOut">
               <a:rPr lang="en-US" smtClean="0"/>
-              <a:t>10/8/2014</a:t>
+              <a:t>10/9/2014</a:t>
             </a:fld>
             <a:endParaRPr lang="en-US"/>
           </a:p>
@@ -3352,7 +3382,7 @@
           <a:p>
             <a:fld id="{974B815D-6AFA-4040-8EC9-7F4094DEB064}" type="datetimeFigureOut">
               <a:rPr lang="en-US" smtClean="0"/>
-              <a:t>10/8/2014</a:t>
+              <a:t>10/9/2014</a:t>
             </a:fld>
             <a:endParaRPr lang="en-US"/>
           </a:p>
@@ -3584,7 +3614,7 @@
           <a:p>
             <a:fld id="{974B815D-6AFA-4040-8EC9-7F4094DEB064}" type="datetimeFigureOut">
               <a:rPr lang="en-US" smtClean="0"/>
-              <a:t>10/8/2014</a:t>
+              <a:t>10/9/2014</a:t>
             </a:fld>
             <a:endParaRPr lang="en-US"/>
           </a:p>
@@ -3958,7 +3988,7 @@
           <a:p>
             <a:fld id="{974B815D-6AFA-4040-8EC9-7F4094DEB064}" type="datetimeFigureOut">
               <a:rPr lang="en-US" smtClean="0"/>
-              <a:t>10/8/2014</a:t>
+              <a:t>10/9/2014</a:t>
             </a:fld>
             <a:endParaRPr lang="en-US"/>
           </a:p>
@@ -4081,7 +4111,7 @@
           <a:p>
             <a:fld id="{974B815D-6AFA-4040-8EC9-7F4094DEB064}" type="datetimeFigureOut">
               <a:rPr lang="en-US" smtClean="0"/>
-              <a:t>10/8/2014</a:t>
+              <a:t>10/9/2014</a:t>
             </a:fld>
             <a:endParaRPr lang="en-US"/>
           </a:p>
@@ -4176,7 +4206,7 @@
           <a:p>
             <a:fld id="{974B815D-6AFA-4040-8EC9-7F4094DEB064}" type="datetimeFigureOut">
               <a:rPr lang="en-US" smtClean="0"/>
-              <a:t>10/8/2014</a:t>
+              <a:t>10/9/2014</a:t>
             </a:fld>
             <a:endParaRPr lang="en-US"/>
           </a:p>
@@ -4431,7 +4461,7 @@
           <a:p>
             <a:fld id="{974B815D-6AFA-4040-8EC9-7F4094DEB064}" type="datetimeFigureOut">
               <a:rPr lang="en-US" smtClean="0"/>
-              <a:t>10/8/2014</a:t>
+              <a:t>10/9/2014</a:t>
             </a:fld>
             <a:endParaRPr lang="en-US"/>
           </a:p>
@@ -4694,7 +4724,7 @@
           <a:p>
             <a:fld id="{974B815D-6AFA-4040-8EC9-7F4094DEB064}" type="datetimeFigureOut">
               <a:rPr lang="en-US" smtClean="0"/>
-              <a:t>10/8/2014</a:t>
+              <a:t>10/9/2014</a:t>
             </a:fld>
             <a:endParaRPr lang="en-US"/>
           </a:p>
@@ -5437,7 +5467,7 @@
           <a:p>
             <a:fld id="{974B815D-6AFA-4040-8EC9-7F4094DEB064}" type="datetimeFigureOut">
               <a:rPr lang="en-US" smtClean="0"/>
-              <a:t>10/8/2014</a:t>
+              <a:t>10/9/2014</a:t>
             </a:fld>
             <a:endParaRPr lang="en-US"/>
           </a:p>
@@ -21203,7 +21233,7 @@
           <a:p>
             <a:r>
               <a:rPr lang="en-US" dirty="0" smtClean="0"/>
-              <a:t>Best Practices</a:t>
+              <a:t>ECMAScript 5 Properties</a:t>
             </a:r>
             <a:endParaRPr lang="en-US" dirty="0"/>
           </a:p>
@@ -21226,75 +21256,780 @@
           <a:p>
             <a:r>
               <a:rPr lang="en-US" dirty="0" smtClean="0"/>
-              <a:t>Do: Use namespace imports to avoid having to fully qualify paths</a:t>
-            </a:r>
-          </a:p>
-          <a:p>
-            <a:pPr lvl="1"/>
+              <a:t>ECMAScript 5 introduced concept of “properties”</a:t>
+            </a:r>
+          </a:p>
+          <a:p>
+            <a:endParaRPr lang="en-US" dirty="0"/>
+          </a:p>
+          <a:p>
             <a:r>
               <a:rPr lang="en-US" dirty="0" smtClean="0"/>
-              <a:t>Make sure files are declared in dependency order</a:t>
-            </a:r>
-          </a:p>
-          <a:p>
-            <a:pPr lvl="1"/>
-            <a:endParaRPr lang="en-US" dirty="0" smtClean="0"/>
-          </a:p>
-          <a:p>
-            <a:r>
-              <a:rPr lang="en-US" dirty="0" smtClean="0"/>
-              <a:t>Do: Separate classes into multiple file</a:t>
-            </a:r>
-          </a:p>
-          <a:p>
-            <a:pPr lvl="1"/>
-            <a:r>
-              <a:rPr lang="en-US" dirty="0" smtClean="0"/>
-              <a:t>1 class per file</a:t>
-            </a:r>
-          </a:p>
-          <a:p>
-            <a:pPr lvl="1"/>
-            <a:r>
-              <a:rPr lang="en-US" dirty="0" smtClean="0"/>
-              <a:t>Use logical folder structure</a:t>
-            </a:r>
-          </a:p>
-          <a:p>
-            <a:pPr lvl="1"/>
+              <a:t>JS Syntax:</a:t>
+            </a:r>
+          </a:p>
+          <a:p>
             <a:endParaRPr lang="en-US" dirty="0"/>
           </a:p>
-          <a:p>
-            <a:r>
-              <a:rPr lang="en-US" dirty="0" smtClean="0"/>
-              <a:t>Do: Include _</a:t>
-            </a:r>
-            <a:r>
-              <a:rPr lang="en-US" dirty="0" err="1" smtClean="0"/>
-              <a:t>references.ts</a:t>
-            </a:r>
-            <a:r>
-              <a:rPr lang="en-US" dirty="0" smtClean="0"/>
-              <a:t> file with references to all libraries</a:t>
-            </a:r>
-          </a:p>
-          <a:p>
-            <a:pPr lvl="1"/>
-            <a:r>
-              <a:rPr lang="en-US" dirty="0" smtClean="0"/>
-              <a:t>Don’t manually specify &lt;reference&gt; tags</a:t>
-            </a:r>
-            <a:endParaRPr lang="en-US" dirty="0"/>
-          </a:p>
-          <a:p>
-            <a:endParaRPr lang="en-US" dirty="0" smtClean="0"/>
+        </p:txBody>
+      </p:sp>
+      <p:sp>
+        <p:nvSpPr>
+          <p:cNvPr id="8" name="Rectangle 7"/>
+          <p:cNvSpPr/>
+          <p:nvPr/>
+        </p:nvSpPr>
+        <p:spPr>
+          <a:xfrm>
+            <a:off x="880680" y="3510188"/>
+            <a:ext cx="8189976" cy="3451138"/>
+          </a:xfrm>
+          <a:prstGeom prst="rect">
+            <a:avLst/>
+          </a:prstGeom>
+        </p:spPr>
+        <p:txBody>
+          <a:bodyPr wrap="square">
+            <a:spAutoFit/>
+          </a:bodyPr>
+          <a:lstStyle/>
+          <a:p>
+            <a:pPr>
+              <a:lnSpc>
+                <a:spcPct val="107000"/>
+              </a:lnSpc>
+              <a:tabLst>
+                <a:tab pos="581660" algn="l"/>
+                <a:tab pos="1163320" algn="l"/>
+                <a:tab pos="1744980" algn="l"/>
+                <a:tab pos="2326640" algn="l"/>
+                <a:tab pos="2908300" algn="l"/>
+                <a:tab pos="3489960" algn="l"/>
+                <a:tab pos="4071620" algn="l"/>
+                <a:tab pos="4653280" algn="l"/>
+                <a:tab pos="5234940" algn="l"/>
+                <a:tab pos="5816600" algn="l"/>
+                <a:tab pos="6398260" algn="l"/>
+                <a:tab pos="6979920" algn="l"/>
+                <a:tab pos="7561580" algn="l"/>
+                <a:tab pos="8143240" algn="l"/>
+                <a:tab pos="8724900" algn="l"/>
+                <a:tab pos="9306560" algn="l"/>
+              </a:tabLst>
+            </a:pPr>
+            <a:r>
+              <a:rPr lang="en-US" dirty="0" err="1">
+                <a:solidFill>
+                  <a:srgbClr val="000000"/>
+                </a:solidFill>
+                <a:latin typeface="Consolas" panose="020B0609020204030204" pitchFamily="49" charset="0"/>
+                <a:ea typeface="Times New Roman" panose="02020603050405020304" pitchFamily="18" charset="0"/>
+                <a:cs typeface="Times New Roman" panose="02020603050405020304" pitchFamily="18" charset="0"/>
+              </a:rPr>
+              <a:t>Object.defineProperty</a:t>
+            </a:r>
+            <a:r>
+              <a:rPr lang="en-US" dirty="0">
+                <a:solidFill>
+                  <a:srgbClr val="000000"/>
+                </a:solidFill>
+                <a:latin typeface="Consolas" panose="020B0609020204030204" pitchFamily="49" charset="0"/>
+                <a:ea typeface="Times New Roman" panose="02020603050405020304" pitchFamily="18" charset="0"/>
+                <a:cs typeface="Times New Roman" panose="02020603050405020304" pitchFamily="18" charset="0"/>
+              </a:rPr>
+              <a:t>(</a:t>
+            </a:r>
+            <a:r>
+              <a:rPr lang="en-US" dirty="0" err="1">
+                <a:solidFill>
+                  <a:srgbClr val="000000"/>
+                </a:solidFill>
+                <a:latin typeface="Consolas" panose="020B0609020204030204" pitchFamily="49" charset="0"/>
+                <a:ea typeface="Times New Roman" panose="02020603050405020304" pitchFamily="18" charset="0"/>
+                <a:cs typeface="Times New Roman" panose="02020603050405020304" pitchFamily="18" charset="0"/>
+              </a:rPr>
+              <a:t>MyClass.prototype</a:t>
+            </a:r>
+            <a:r>
+              <a:rPr lang="en-US" dirty="0">
+                <a:solidFill>
+                  <a:srgbClr val="000000"/>
+                </a:solidFill>
+                <a:latin typeface="Consolas" panose="020B0609020204030204" pitchFamily="49" charset="0"/>
+                <a:ea typeface="Times New Roman" panose="02020603050405020304" pitchFamily="18" charset="0"/>
+                <a:cs typeface="Times New Roman" panose="02020603050405020304" pitchFamily="18" charset="0"/>
+              </a:rPr>
+              <a:t>, </a:t>
+            </a:r>
+            <a:r>
+              <a:rPr lang="en-US" dirty="0">
+                <a:solidFill>
+                  <a:srgbClr val="A31515"/>
+                </a:solidFill>
+                <a:latin typeface="Consolas" panose="020B0609020204030204" pitchFamily="49" charset="0"/>
+                <a:ea typeface="Times New Roman" panose="02020603050405020304" pitchFamily="18" charset="0"/>
+                <a:cs typeface="Times New Roman" panose="02020603050405020304" pitchFamily="18" charset="0"/>
+              </a:rPr>
+              <a:t>"value"</a:t>
+            </a:r>
+            <a:r>
+              <a:rPr lang="en-US" dirty="0">
+                <a:solidFill>
+                  <a:srgbClr val="000000"/>
+                </a:solidFill>
+                <a:latin typeface="Consolas" panose="020B0609020204030204" pitchFamily="49" charset="0"/>
+                <a:ea typeface="Times New Roman" panose="02020603050405020304" pitchFamily="18" charset="0"/>
+                <a:cs typeface="Times New Roman" panose="02020603050405020304" pitchFamily="18" charset="0"/>
+              </a:rPr>
+              <a:t>, {</a:t>
+            </a:r>
+            <a:endParaRPr lang="en-US" sz="2400" dirty="0">
+              <a:latin typeface="Calibri" panose="020F0502020204030204" pitchFamily="34" charset="0"/>
+              <a:ea typeface="Calibri" panose="020F0502020204030204" pitchFamily="34" charset="0"/>
+              <a:cs typeface="Times New Roman" panose="02020603050405020304" pitchFamily="18" charset="0"/>
+            </a:endParaRPr>
+          </a:p>
+          <a:p>
+            <a:pPr>
+              <a:lnSpc>
+                <a:spcPct val="107000"/>
+              </a:lnSpc>
+              <a:tabLst>
+                <a:tab pos="581660" algn="l"/>
+                <a:tab pos="1163320" algn="l"/>
+                <a:tab pos="1744980" algn="l"/>
+                <a:tab pos="2326640" algn="l"/>
+                <a:tab pos="2908300" algn="l"/>
+                <a:tab pos="3489960" algn="l"/>
+                <a:tab pos="4071620" algn="l"/>
+                <a:tab pos="4653280" algn="l"/>
+                <a:tab pos="5234940" algn="l"/>
+                <a:tab pos="5816600" algn="l"/>
+                <a:tab pos="6398260" algn="l"/>
+                <a:tab pos="6979920" algn="l"/>
+                <a:tab pos="7561580" algn="l"/>
+                <a:tab pos="8143240" algn="l"/>
+                <a:tab pos="8724900" algn="l"/>
+                <a:tab pos="9306560" algn="l"/>
+              </a:tabLst>
+            </a:pPr>
+            <a:r>
+              <a:rPr lang="en-US" dirty="0">
+                <a:solidFill>
+                  <a:srgbClr val="000000"/>
+                </a:solidFill>
+                <a:latin typeface="Consolas" panose="020B0609020204030204" pitchFamily="49" charset="0"/>
+                <a:ea typeface="Times New Roman" panose="02020603050405020304" pitchFamily="18" charset="0"/>
+                <a:cs typeface="Times New Roman" panose="02020603050405020304" pitchFamily="18" charset="0"/>
+              </a:rPr>
+              <a:t>    get: </a:t>
+            </a:r>
+            <a:r>
+              <a:rPr lang="en-US" dirty="0">
+                <a:solidFill>
+                  <a:srgbClr val="0000FF"/>
+                </a:solidFill>
+                <a:latin typeface="Consolas" panose="020B0609020204030204" pitchFamily="49" charset="0"/>
+                <a:ea typeface="Times New Roman" panose="02020603050405020304" pitchFamily="18" charset="0"/>
+                <a:cs typeface="Times New Roman" panose="02020603050405020304" pitchFamily="18" charset="0"/>
+              </a:rPr>
+              <a:t>function</a:t>
+            </a:r>
+            <a:r>
+              <a:rPr lang="en-US" dirty="0">
+                <a:solidFill>
+                  <a:srgbClr val="000000"/>
+                </a:solidFill>
+                <a:latin typeface="Consolas" panose="020B0609020204030204" pitchFamily="49" charset="0"/>
+                <a:ea typeface="Times New Roman" panose="02020603050405020304" pitchFamily="18" charset="0"/>
+                <a:cs typeface="Times New Roman" panose="02020603050405020304" pitchFamily="18" charset="0"/>
+              </a:rPr>
+              <a:t> () {</a:t>
+            </a:r>
+            <a:endParaRPr lang="en-US" sz="2400" dirty="0">
+              <a:latin typeface="Calibri" panose="020F0502020204030204" pitchFamily="34" charset="0"/>
+              <a:ea typeface="Calibri" panose="020F0502020204030204" pitchFamily="34" charset="0"/>
+              <a:cs typeface="Times New Roman" panose="02020603050405020304" pitchFamily="18" charset="0"/>
+            </a:endParaRPr>
+          </a:p>
+          <a:p>
+            <a:pPr>
+              <a:lnSpc>
+                <a:spcPct val="107000"/>
+              </a:lnSpc>
+              <a:tabLst>
+                <a:tab pos="581660" algn="l"/>
+                <a:tab pos="1163320" algn="l"/>
+                <a:tab pos="1744980" algn="l"/>
+                <a:tab pos="2326640" algn="l"/>
+                <a:tab pos="2908300" algn="l"/>
+                <a:tab pos="3489960" algn="l"/>
+                <a:tab pos="4071620" algn="l"/>
+                <a:tab pos="4653280" algn="l"/>
+                <a:tab pos="5234940" algn="l"/>
+                <a:tab pos="5816600" algn="l"/>
+                <a:tab pos="6398260" algn="l"/>
+                <a:tab pos="6979920" algn="l"/>
+                <a:tab pos="7561580" algn="l"/>
+                <a:tab pos="8143240" algn="l"/>
+                <a:tab pos="8724900" algn="l"/>
+                <a:tab pos="9306560" algn="l"/>
+              </a:tabLst>
+            </a:pPr>
+            <a:r>
+              <a:rPr lang="en-US" dirty="0">
+                <a:solidFill>
+                  <a:srgbClr val="000000"/>
+                </a:solidFill>
+                <a:latin typeface="Consolas" panose="020B0609020204030204" pitchFamily="49" charset="0"/>
+                <a:ea typeface="Times New Roman" panose="02020603050405020304" pitchFamily="18" charset="0"/>
+                <a:cs typeface="Times New Roman" panose="02020603050405020304" pitchFamily="18" charset="0"/>
+              </a:rPr>
+              <a:t>        </a:t>
+            </a:r>
+            <a:r>
+              <a:rPr lang="en-US" dirty="0">
+                <a:solidFill>
+                  <a:srgbClr val="0000FF"/>
+                </a:solidFill>
+                <a:latin typeface="Consolas" panose="020B0609020204030204" pitchFamily="49" charset="0"/>
+                <a:ea typeface="Times New Roman" panose="02020603050405020304" pitchFamily="18" charset="0"/>
+                <a:cs typeface="Times New Roman" panose="02020603050405020304" pitchFamily="18" charset="0"/>
+              </a:rPr>
+              <a:t>return</a:t>
+            </a:r>
+            <a:r>
+              <a:rPr lang="en-US" dirty="0">
+                <a:solidFill>
+                  <a:srgbClr val="000000"/>
+                </a:solidFill>
+                <a:latin typeface="Consolas" panose="020B0609020204030204" pitchFamily="49" charset="0"/>
+                <a:ea typeface="Times New Roman" panose="02020603050405020304" pitchFamily="18" charset="0"/>
+                <a:cs typeface="Times New Roman" panose="02020603050405020304" pitchFamily="18" charset="0"/>
+              </a:rPr>
+              <a:t> </a:t>
+            </a:r>
+            <a:r>
+              <a:rPr lang="en-US" dirty="0" err="1">
+                <a:solidFill>
+                  <a:srgbClr val="0000FF"/>
+                </a:solidFill>
+                <a:latin typeface="Consolas" panose="020B0609020204030204" pitchFamily="49" charset="0"/>
+                <a:ea typeface="Times New Roman" panose="02020603050405020304" pitchFamily="18" charset="0"/>
+                <a:cs typeface="Times New Roman" panose="02020603050405020304" pitchFamily="18" charset="0"/>
+              </a:rPr>
+              <a:t>this</a:t>
+            </a:r>
+            <a:r>
+              <a:rPr lang="en-US" dirty="0" err="1">
+                <a:solidFill>
+                  <a:srgbClr val="000000"/>
+                </a:solidFill>
+                <a:latin typeface="Consolas" panose="020B0609020204030204" pitchFamily="49" charset="0"/>
+                <a:ea typeface="Times New Roman" panose="02020603050405020304" pitchFamily="18" charset="0"/>
+                <a:cs typeface="Times New Roman" panose="02020603050405020304" pitchFamily="18" charset="0"/>
+              </a:rPr>
+              <a:t>.val</a:t>
+            </a:r>
+            <a:r>
+              <a:rPr lang="en-US" dirty="0">
+                <a:solidFill>
+                  <a:srgbClr val="000000"/>
+                </a:solidFill>
+                <a:latin typeface="Consolas" panose="020B0609020204030204" pitchFamily="49" charset="0"/>
+                <a:ea typeface="Times New Roman" panose="02020603050405020304" pitchFamily="18" charset="0"/>
+                <a:cs typeface="Times New Roman" panose="02020603050405020304" pitchFamily="18" charset="0"/>
+              </a:rPr>
+              <a:t>; </a:t>
+            </a:r>
+            <a:r>
+              <a:rPr lang="en-US" dirty="0">
+                <a:solidFill>
+                  <a:srgbClr val="008000"/>
+                </a:solidFill>
+                <a:latin typeface="Consolas" panose="020B0609020204030204" pitchFamily="49" charset="0"/>
+                <a:ea typeface="Times New Roman" panose="02020603050405020304" pitchFamily="18" charset="0"/>
+                <a:cs typeface="Times New Roman" panose="02020603050405020304" pitchFamily="18" charset="0"/>
+              </a:rPr>
+              <a:t>// Getter</a:t>
+            </a:r>
+            <a:endParaRPr lang="en-US" sz="2400" dirty="0">
+              <a:latin typeface="Calibri" panose="020F0502020204030204" pitchFamily="34" charset="0"/>
+              <a:ea typeface="Calibri" panose="020F0502020204030204" pitchFamily="34" charset="0"/>
+              <a:cs typeface="Times New Roman" panose="02020603050405020304" pitchFamily="18" charset="0"/>
+            </a:endParaRPr>
+          </a:p>
+          <a:p>
+            <a:pPr>
+              <a:lnSpc>
+                <a:spcPct val="107000"/>
+              </a:lnSpc>
+              <a:tabLst>
+                <a:tab pos="581660" algn="l"/>
+                <a:tab pos="1163320" algn="l"/>
+                <a:tab pos="1744980" algn="l"/>
+                <a:tab pos="2326640" algn="l"/>
+                <a:tab pos="2908300" algn="l"/>
+                <a:tab pos="3489960" algn="l"/>
+                <a:tab pos="4071620" algn="l"/>
+                <a:tab pos="4653280" algn="l"/>
+                <a:tab pos="5234940" algn="l"/>
+                <a:tab pos="5816600" algn="l"/>
+                <a:tab pos="6398260" algn="l"/>
+                <a:tab pos="6979920" algn="l"/>
+                <a:tab pos="7561580" algn="l"/>
+                <a:tab pos="8143240" algn="l"/>
+                <a:tab pos="8724900" algn="l"/>
+                <a:tab pos="9306560" algn="l"/>
+              </a:tabLst>
+            </a:pPr>
+            <a:r>
+              <a:rPr lang="en-US" dirty="0">
+                <a:solidFill>
+                  <a:srgbClr val="000000"/>
+                </a:solidFill>
+                <a:latin typeface="Consolas" panose="020B0609020204030204" pitchFamily="49" charset="0"/>
+                <a:ea typeface="Times New Roman" panose="02020603050405020304" pitchFamily="18" charset="0"/>
+                <a:cs typeface="Times New Roman" panose="02020603050405020304" pitchFamily="18" charset="0"/>
+              </a:rPr>
+              <a:t>    },</a:t>
+            </a:r>
+            <a:endParaRPr lang="en-US" sz="2400" dirty="0">
+              <a:latin typeface="Calibri" panose="020F0502020204030204" pitchFamily="34" charset="0"/>
+              <a:ea typeface="Calibri" panose="020F0502020204030204" pitchFamily="34" charset="0"/>
+              <a:cs typeface="Times New Roman" panose="02020603050405020304" pitchFamily="18" charset="0"/>
+            </a:endParaRPr>
+          </a:p>
+          <a:p>
+            <a:pPr>
+              <a:lnSpc>
+                <a:spcPct val="107000"/>
+              </a:lnSpc>
+              <a:tabLst>
+                <a:tab pos="581660" algn="l"/>
+                <a:tab pos="1163320" algn="l"/>
+                <a:tab pos="1744980" algn="l"/>
+                <a:tab pos="2326640" algn="l"/>
+                <a:tab pos="2908300" algn="l"/>
+                <a:tab pos="3489960" algn="l"/>
+                <a:tab pos="4071620" algn="l"/>
+                <a:tab pos="4653280" algn="l"/>
+                <a:tab pos="5234940" algn="l"/>
+                <a:tab pos="5816600" algn="l"/>
+                <a:tab pos="6398260" algn="l"/>
+                <a:tab pos="6979920" algn="l"/>
+                <a:tab pos="7561580" algn="l"/>
+                <a:tab pos="8143240" algn="l"/>
+                <a:tab pos="8724900" algn="l"/>
+                <a:tab pos="9306560" algn="l"/>
+              </a:tabLst>
+            </a:pPr>
+            <a:r>
+              <a:rPr lang="en-US" dirty="0">
+                <a:solidFill>
+                  <a:srgbClr val="000000"/>
+                </a:solidFill>
+                <a:latin typeface="Consolas" panose="020B0609020204030204" pitchFamily="49" charset="0"/>
+                <a:ea typeface="Times New Roman" panose="02020603050405020304" pitchFamily="18" charset="0"/>
+                <a:cs typeface="Times New Roman" panose="02020603050405020304" pitchFamily="18" charset="0"/>
+              </a:rPr>
+              <a:t>    set: </a:t>
+            </a:r>
+            <a:r>
+              <a:rPr lang="en-US" dirty="0">
+                <a:solidFill>
+                  <a:srgbClr val="0000FF"/>
+                </a:solidFill>
+                <a:latin typeface="Consolas" panose="020B0609020204030204" pitchFamily="49" charset="0"/>
+                <a:ea typeface="Times New Roman" panose="02020603050405020304" pitchFamily="18" charset="0"/>
+                <a:cs typeface="Times New Roman" panose="02020603050405020304" pitchFamily="18" charset="0"/>
+              </a:rPr>
+              <a:t>function</a:t>
+            </a:r>
+            <a:r>
+              <a:rPr lang="en-US" dirty="0">
+                <a:solidFill>
+                  <a:srgbClr val="000000"/>
+                </a:solidFill>
+                <a:latin typeface="Consolas" panose="020B0609020204030204" pitchFamily="49" charset="0"/>
+                <a:ea typeface="Times New Roman" panose="02020603050405020304" pitchFamily="18" charset="0"/>
+                <a:cs typeface="Times New Roman" panose="02020603050405020304" pitchFamily="18" charset="0"/>
+              </a:rPr>
+              <a:t> (</a:t>
+            </a:r>
+            <a:r>
+              <a:rPr lang="en-US" dirty="0" err="1">
+                <a:solidFill>
+                  <a:srgbClr val="000000"/>
+                </a:solidFill>
+                <a:latin typeface="Consolas" panose="020B0609020204030204" pitchFamily="49" charset="0"/>
+                <a:ea typeface="Times New Roman" panose="02020603050405020304" pitchFamily="18" charset="0"/>
+                <a:cs typeface="Times New Roman" panose="02020603050405020304" pitchFamily="18" charset="0"/>
+              </a:rPr>
+              <a:t>newVal</a:t>
+            </a:r>
+            <a:r>
+              <a:rPr lang="en-US" dirty="0">
+                <a:solidFill>
+                  <a:srgbClr val="000000"/>
+                </a:solidFill>
+                <a:latin typeface="Consolas" panose="020B0609020204030204" pitchFamily="49" charset="0"/>
+                <a:ea typeface="Times New Roman" panose="02020603050405020304" pitchFamily="18" charset="0"/>
+                <a:cs typeface="Times New Roman" panose="02020603050405020304" pitchFamily="18" charset="0"/>
+              </a:rPr>
+              <a:t>) {</a:t>
+            </a:r>
+            <a:endParaRPr lang="en-US" sz="2400" dirty="0">
+              <a:latin typeface="Calibri" panose="020F0502020204030204" pitchFamily="34" charset="0"/>
+              <a:ea typeface="Calibri" panose="020F0502020204030204" pitchFamily="34" charset="0"/>
+              <a:cs typeface="Times New Roman" panose="02020603050405020304" pitchFamily="18" charset="0"/>
+            </a:endParaRPr>
+          </a:p>
+          <a:p>
+            <a:pPr>
+              <a:lnSpc>
+                <a:spcPct val="107000"/>
+              </a:lnSpc>
+              <a:tabLst>
+                <a:tab pos="581660" algn="l"/>
+                <a:tab pos="1163320" algn="l"/>
+                <a:tab pos="1744980" algn="l"/>
+                <a:tab pos="2326640" algn="l"/>
+                <a:tab pos="2908300" algn="l"/>
+                <a:tab pos="3489960" algn="l"/>
+                <a:tab pos="4071620" algn="l"/>
+                <a:tab pos="4653280" algn="l"/>
+                <a:tab pos="5234940" algn="l"/>
+                <a:tab pos="5816600" algn="l"/>
+                <a:tab pos="6398260" algn="l"/>
+                <a:tab pos="6979920" algn="l"/>
+                <a:tab pos="7561580" algn="l"/>
+                <a:tab pos="8143240" algn="l"/>
+                <a:tab pos="8724900" algn="l"/>
+                <a:tab pos="9306560" algn="l"/>
+              </a:tabLst>
+            </a:pPr>
+            <a:r>
+              <a:rPr lang="en-US" dirty="0">
+                <a:solidFill>
+                  <a:srgbClr val="000000"/>
+                </a:solidFill>
+                <a:latin typeface="Consolas" panose="020B0609020204030204" pitchFamily="49" charset="0"/>
+                <a:ea typeface="Times New Roman" panose="02020603050405020304" pitchFamily="18" charset="0"/>
+                <a:cs typeface="Times New Roman" panose="02020603050405020304" pitchFamily="18" charset="0"/>
+              </a:rPr>
+              <a:t>        </a:t>
+            </a:r>
+            <a:r>
+              <a:rPr lang="en-US" dirty="0" err="1">
+                <a:solidFill>
+                  <a:srgbClr val="0000FF"/>
+                </a:solidFill>
+                <a:latin typeface="Consolas" panose="020B0609020204030204" pitchFamily="49" charset="0"/>
+                <a:ea typeface="Times New Roman" panose="02020603050405020304" pitchFamily="18" charset="0"/>
+                <a:cs typeface="Times New Roman" panose="02020603050405020304" pitchFamily="18" charset="0"/>
+              </a:rPr>
+              <a:t>this</a:t>
+            </a:r>
+            <a:r>
+              <a:rPr lang="en-US" dirty="0" err="1">
+                <a:solidFill>
+                  <a:srgbClr val="000000"/>
+                </a:solidFill>
+                <a:latin typeface="Consolas" panose="020B0609020204030204" pitchFamily="49" charset="0"/>
+                <a:ea typeface="Times New Roman" panose="02020603050405020304" pitchFamily="18" charset="0"/>
+                <a:cs typeface="Times New Roman" panose="02020603050405020304" pitchFamily="18" charset="0"/>
+              </a:rPr>
+              <a:t>.val</a:t>
+            </a:r>
+            <a:r>
+              <a:rPr lang="en-US" dirty="0">
+                <a:solidFill>
+                  <a:srgbClr val="000000"/>
+                </a:solidFill>
+                <a:latin typeface="Consolas" panose="020B0609020204030204" pitchFamily="49" charset="0"/>
+                <a:ea typeface="Times New Roman" panose="02020603050405020304" pitchFamily="18" charset="0"/>
+                <a:cs typeface="Times New Roman" panose="02020603050405020304" pitchFamily="18" charset="0"/>
+              </a:rPr>
+              <a:t> = </a:t>
+            </a:r>
+            <a:r>
+              <a:rPr lang="en-US" dirty="0" err="1">
+                <a:solidFill>
+                  <a:srgbClr val="000000"/>
+                </a:solidFill>
+                <a:latin typeface="Consolas" panose="020B0609020204030204" pitchFamily="49" charset="0"/>
+                <a:ea typeface="Times New Roman" panose="02020603050405020304" pitchFamily="18" charset="0"/>
+                <a:cs typeface="Times New Roman" panose="02020603050405020304" pitchFamily="18" charset="0"/>
+              </a:rPr>
+              <a:t>newVal</a:t>
+            </a:r>
+            <a:r>
+              <a:rPr lang="en-US" dirty="0">
+                <a:solidFill>
+                  <a:srgbClr val="000000"/>
+                </a:solidFill>
+                <a:latin typeface="Consolas" panose="020B0609020204030204" pitchFamily="49" charset="0"/>
+                <a:ea typeface="Times New Roman" panose="02020603050405020304" pitchFamily="18" charset="0"/>
+                <a:cs typeface="Times New Roman" panose="02020603050405020304" pitchFamily="18" charset="0"/>
+              </a:rPr>
+              <a:t>; </a:t>
+            </a:r>
+            <a:r>
+              <a:rPr lang="en-US" dirty="0">
+                <a:solidFill>
+                  <a:srgbClr val="008000"/>
+                </a:solidFill>
+                <a:latin typeface="Consolas" panose="020B0609020204030204" pitchFamily="49" charset="0"/>
+                <a:ea typeface="Times New Roman" panose="02020603050405020304" pitchFamily="18" charset="0"/>
+                <a:cs typeface="Times New Roman" panose="02020603050405020304" pitchFamily="18" charset="0"/>
+              </a:rPr>
+              <a:t>// Setter</a:t>
+            </a:r>
+            <a:endParaRPr lang="en-US" sz="2400" dirty="0">
+              <a:latin typeface="Calibri" panose="020F0502020204030204" pitchFamily="34" charset="0"/>
+              <a:ea typeface="Calibri" panose="020F0502020204030204" pitchFamily="34" charset="0"/>
+              <a:cs typeface="Times New Roman" panose="02020603050405020304" pitchFamily="18" charset="0"/>
+            </a:endParaRPr>
+          </a:p>
+          <a:p>
+            <a:pPr>
+              <a:lnSpc>
+                <a:spcPct val="107000"/>
+              </a:lnSpc>
+              <a:tabLst>
+                <a:tab pos="581660" algn="l"/>
+                <a:tab pos="1163320" algn="l"/>
+                <a:tab pos="1744980" algn="l"/>
+                <a:tab pos="2326640" algn="l"/>
+                <a:tab pos="2908300" algn="l"/>
+                <a:tab pos="3489960" algn="l"/>
+                <a:tab pos="4071620" algn="l"/>
+                <a:tab pos="4653280" algn="l"/>
+                <a:tab pos="5234940" algn="l"/>
+                <a:tab pos="5816600" algn="l"/>
+                <a:tab pos="6398260" algn="l"/>
+                <a:tab pos="6979920" algn="l"/>
+                <a:tab pos="7561580" algn="l"/>
+                <a:tab pos="8143240" algn="l"/>
+                <a:tab pos="8724900" algn="l"/>
+                <a:tab pos="9306560" algn="l"/>
+              </a:tabLst>
+            </a:pPr>
+            <a:r>
+              <a:rPr lang="en-US" dirty="0">
+                <a:solidFill>
+                  <a:srgbClr val="000000"/>
+                </a:solidFill>
+                <a:latin typeface="Consolas" panose="020B0609020204030204" pitchFamily="49" charset="0"/>
+                <a:ea typeface="Times New Roman" panose="02020603050405020304" pitchFamily="18" charset="0"/>
+                <a:cs typeface="Times New Roman" panose="02020603050405020304" pitchFamily="18" charset="0"/>
+              </a:rPr>
+              <a:t>    },</a:t>
+            </a:r>
+            <a:endParaRPr lang="en-US" sz="2400" dirty="0">
+              <a:latin typeface="Calibri" panose="020F0502020204030204" pitchFamily="34" charset="0"/>
+              <a:ea typeface="Calibri" panose="020F0502020204030204" pitchFamily="34" charset="0"/>
+              <a:cs typeface="Times New Roman" panose="02020603050405020304" pitchFamily="18" charset="0"/>
+            </a:endParaRPr>
+          </a:p>
+          <a:p>
+            <a:pPr>
+              <a:lnSpc>
+                <a:spcPct val="107000"/>
+              </a:lnSpc>
+              <a:tabLst>
+                <a:tab pos="581660" algn="l"/>
+                <a:tab pos="1163320" algn="l"/>
+                <a:tab pos="1744980" algn="l"/>
+                <a:tab pos="2326640" algn="l"/>
+                <a:tab pos="2908300" algn="l"/>
+                <a:tab pos="3489960" algn="l"/>
+                <a:tab pos="4071620" algn="l"/>
+                <a:tab pos="4653280" algn="l"/>
+                <a:tab pos="5234940" algn="l"/>
+                <a:tab pos="5816600" algn="l"/>
+                <a:tab pos="6398260" algn="l"/>
+                <a:tab pos="6979920" algn="l"/>
+                <a:tab pos="7561580" algn="l"/>
+                <a:tab pos="8143240" algn="l"/>
+                <a:tab pos="8724900" algn="l"/>
+                <a:tab pos="9306560" algn="l"/>
+              </a:tabLst>
+            </a:pPr>
+            <a:r>
+              <a:rPr lang="en-US" dirty="0">
+                <a:solidFill>
+                  <a:srgbClr val="000000"/>
+                </a:solidFill>
+                <a:latin typeface="Consolas" panose="020B0609020204030204" pitchFamily="49" charset="0"/>
+                <a:ea typeface="Times New Roman" panose="02020603050405020304" pitchFamily="18" charset="0"/>
+                <a:cs typeface="Times New Roman" panose="02020603050405020304" pitchFamily="18" charset="0"/>
+              </a:rPr>
+              <a:t>    enumerable: </a:t>
+            </a:r>
+            <a:r>
+              <a:rPr lang="en-US" dirty="0">
+                <a:solidFill>
+                  <a:srgbClr val="0000FF"/>
+                </a:solidFill>
+                <a:latin typeface="Consolas" panose="020B0609020204030204" pitchFamily="49" charset="0"/>
+                <a:ea typeface="Times New Roman" panose="02020603050405020304" pitchFamily="18" charset="0"/>
+                <a:cs typeface="Times New Roman" panose="02020603050405020304" pitchFamily="18" charset="0"/>
+              </a:rPr>
+              <a:t>true</a:t>
+            </a:r>
+            <a:r>
+              <a:rPr lang="en-US" dirty="0">
+                <a:solidFill>
+                  <a:srgbClr val="000000"/>
+                </a:solidFill>
+                <a:latin typeface="Consolas" panose="020B0609020204030204" pitchFamily="49" charset="0"/>
+                <a:ea typeface="Times New Roman" panose="02020603050405020304" pitchFamily="18" charset="0"/>
+                <a:cs typeface="Times New Roman" panose="02020603050405020304" pitchFamily="18" charset="0"/>
+              </a:rPr>
+              <a:t>, </a:t>
+            </a:r>
+            <a:r>
+              <a:rPr lang="en-US" dirty="0">
+                <a:solidFill>
+                  <a:srgbClr val="008000"/>
+                </a:solidFill>
+                <a:latin typeface="Consolas" panose="020B0609020204030204" pitchFamily="49" charset="0"/>
+                <a:ea typeface="Times New Roman" panose="02020603050405020304" pitchFamily="18" charset="0"/>
+                <a:cs typeface="Times New Roman" panose="02020603050405020304" pitchFamily="18" charset="0"/>
+              </a:rPr>
+              <a:t>// Various options available</a:t>
+            </a:r>
+            <a:endParaRPr lang="en-US" sz="2400" dirty="0">
+              <a:latin typeface="Calibri" panose="020F0502020204030204" pitchFamily="34" charset="0"/>
+              <a:ea typeface="Calibri" panose="020F0502020204030204" pitchFamily="34" charset="0"/>
+              <a:cs typeface="Times New Roman" panose="02020603050405020304" pitchFamily="18" charset="0"/>
+            </a:endParaRPr>
+          </a:p>
+          <a:p>
+            <a:pPr>
+              <a:lnSpc>
+                <a:spcPct val="107000"/>
+              </a:lnSpc>
+              <a:tabLst>
+                <a:tab pos="581660" algn="l"/>
+                <a:tab pos="1163320" algn="l"/>
+                <a:tab pos="1744980" algn="l"/>
+                <a:tab pos="2326640" algn="l"/>
+                <a:tab pos="2908300" algn="l"/>
+                <a:tab pos="3489960" algn="l"/>
+                <a:tab pos="4071620" algn="l"/>
+                <a:tab pos="4653280" algn="l"/>
+                <a:tab pos="5234940" algn="l"/>
+                <a:tab pos="5816600" algn="l"/>
+                <a:tab pos="6398260" algn="l"/>
+                <a:tab pos="6979920" algn="l"/>
+                <a:tab pos="7561580" algn="l"/>
+                <a:tab pos="8143240" algn="l"/>
+                <a:tab pos="8724900" algn="l"/>
+                <a:tab pos="9306560" algn="l"/>
+              </a:tabLst>
+            </a:pPr>
+            <a:r>
+              <a:rPr lang="en-US" dirty="0">
+                <a:solidFill>
+                  <a:srgbClr val="000000"/>
+                </a:solidFill>
+                <a:latin typeface="Consolas" panose="020B0609020204030204" pitchFamily="49" charset="0"/>
+                <a:ea typeface="Times New Roman" panose="02020603050405020304" pitchFamily="18" charset="0"/>
+                <a:cs typeface="Times New Roman" panose="02020603050405020304" pitchFamily="18" charset="0"/>
+              </a:rPr>
+              <a:t>    configurable: </a:t>
+            </a:r>
+            <a:r>
+              <a:rPr lang="en-US" dirty="0">
+                <a:solidFill>
+                  <a:srgbClr val="0000FF"/>
+                </a:solidFill>
+                <a:latin typeface="Consolas" panose="020B0609020204030204" pitchFamily="49" charset="0"/>
+                <a:ea typeface="Times New Roman" panose="02020603050405020304" pitchFamily="18" charset="0"/>
+                <a:cs typeface="Times New Roman" panose="02020603050405020304" pitchFamily="18" charset="0"/>
+              </a:rPr>
+              <a:t>true</a:t>
+            </a:r>
+            <a:endParaRPr lang="en-US" sz="2400" dirty="0">
+              <a:latin typeface="Calibri" panose="020F0502020204030204" pitchFamily="34" charset="0"/>
+              <a:ea typeface="Calibri" panose="020F0502020204030204" pitchFamily="34" charset="0"/>
+              <a:cs typeface="Times New Roman" panose="02020603050405020304" pitchFamily="18" charset="0"/>
+            </a:endParaRPr>
+          </a:p>
+          <a:p>
+            <a:pPr>
+              <a:lnSpc>
+                <a:spcPct val="107000"/>
+              </a:lnSpc>
+              <a:tabLst>
+                <a:tab pos="581660" algn="l"/>
+                <a:tab pos="1163320" algn="l"/>
+                <a:tab pos="1744980" algn="l"/>
+                <a:tab pos="2326640" algn="l"/>
+                <a:tab pos="2908300" algn="l"/>
+                <a:tab pos="3489960" algn="l"/>
+                <a:tab pos="4071620" algn="l"/>
+                <a:tab pos="4653280" algn="l"/>
+                <a:tab pos="5234940" algn="l"/>
+                <a:tab pos="5816600" algn="l"/>
+                <a:tab pos="6398260" algn="l"/>
+                <a:tab pos="6979920" algn="l"/>
+                <a:tab pos="7561580" algn="l"/>
+                <a:tab pos="8143240" algn="l"/>
+                <a:tab pos="8724900" algn="l"/>
+                <a:tab pos="9306560" algn="l"/>
+              </a:tabLst>
+            </a:pPr>
+            <a:r>
+              <a:rPr lang="en-US" dirty="0">
+                <a:solidFill>
+                  <a:srgbClr val="000000"/>
+                </a:solidFill>
+                <a:latin typeface="Consolas" panose="020B0609020204030204" pitchFamily="49" charset="0"/>
+                <a:ea typeface="Times New Roman" panose="02020603050405020304" pitchFamily="18" charset="0"/>
+                <a:cs typeface="Times New Roman" panose="02020603050405020304" pitchFamily="18" charset="0"/>
+              </a:rPr>
+              <a:t>});</a:t>
+            </a:r>
+            <a:endParaRPr lang="en-US" sz="2400" dirty="0">
+              <a:latin typeface="Calibri" panose="020F0502020204030204" pitchFamily="34" charset="0"/>
+              <a:ea typeface="Calibri" panose="020F0502020204030204" pitchFamily="34" charset="0"/>
+              <a:cs typeface="Times New Roman" panose="02020603050405020304" pitchFamily="18" charset="0"/>
+            </a:endParaRPr>
+          </a:p>
+          <a:p>
+            <a:pPr>
+              <a:lnSpc>
+                <a:spcPct val="107000"/>
+              </a:lnSpc>
+              <a:spcAft>
+                <a:spcPts val="800"/>
+              </a:spcAft>
+            </a:pPr>
+            <a:r>
+              <a:rPr lang="en-US" sz="2400" dirty="0">
+                <a:latin typeface="Calibri" panose="020F0502020204030204" pitchFamily="34" charset="0"/>
+                <a:ea typeface="Calibri" panose="020F0502020204030204" pitchFamily="34" charset="0"/>
+                <a:cs typeface="Times New Roman" panose="02020603050405020304" pitchFamily="18" charset="0"/>
+              </a:rPr>
+              <a:t> </a:t>
+            </a:r>
+            <a:endParaRPr lang="en-US" sz="2400" dirty="0">
+              <a:effectLst/>
+              <a:latin typeface="Calibri" panose="020F0502020204030204" pitchFamily="34" charset="0"/>
+              <a:ea typeface="Calibri" panose="020F0502020204030204" pitchFamily="34" charset="0"/>
+              <a:cs typeface="Times New Roman" panose="02020603050405020304" pitchFamily="18" charset="0"/>
+            </a:endParaRPr>
           </a:p>
         </p:txBody>
       </p:sp>
     </p:spTree>
     <p:extLst>
       <p:ext uri="{BB962C8B-B14F-4D97-AF65-F5344CB8AC3E}">
-        <p14:creationId xmlns:p14="http://schemas.microsoft.com/office/powerpoint/2010/main" val="533197008"/>
+        <p14:creationId xmlns:p14="http://schemas.microsoft.com/office/powerpoint/2010/main" val="2343504363"/>
       </p:ext>
     </p:extLst>
   </p:cSld>
@@ -21337,10 +22072,9 @@
           <a:lstStyle/>
           <a:p>
             <a:r>
-              <a:rPr lang="en-US" dirty="0" smtClean="0"/>
-              <a:t>Best Practices</a:t>
-            </a:r>
-            <a:endParaRPr lang="en-US" dirty="0"/>
+              <a:rPr lang="en-US" dirty="0"/>
+              <a:t>ECMAScript 5 Properties</a:t>
+            </a:r>
           </a:p>
         </p:txBody>
       </p:sp>
@@ -21356,124 +22090,108 @@
         </p:nvSpPr>
         <p:spPr/>
         <p:txBody>
-          <a:bodyPr>
-            <a:normAutofit fontScale="92500" lnSpcReduction="10000"/>
-          </a:bodyPr>
+          <a:bodyPr/>
           <a:lstStyle/>
           <a:p>
-            <a:pPr lvl="0"/>
             <a:r>
               <a:rPr lang="en-US" dirty="0" smtClean="0"/>
-              <a:t>Don’t: Use </a:t>
-            </a:r>
-            <a:r>
-              <a:rPr lang="en-US" altLang="en-US" dirty="0" smtClean="0">
+              <a:t>Typescript provides better syntax for getters/setters</a:t>
+            </a:r>
+          </a:p>
+          <a:p>
+            <a:pPr lvl="1"/>
+            <a:r>
+              <a:rPr lang="en-US" dirty="0" smtClean="0"/>
+              <a:t>Requires targeting ECMAScript 5 in generation</a:t>
+            </a:r>
+          </a:p>
+          <a:p>
+            <a:endParaRPr lang="en-US" dirty="0"/>
+          </a:p>
+          <a:p>
+            <a:r>
+              <a:rPr lang="en-US" dirty="0" smtClean="0"/>
+              <a:t>Similar to method prefixed with</a:t>
+            </a:r>
+            <a:r>
+              <a:rPr lang="en-US" altLang="en-US" dirty="0">
                 <a:solidFill>
                   <a:srgbClr val="0000FF"/>
                 </a:solidFill>
                 <a:latin typeface="Consolas" panose="020B0609020204030204" pitchFamily="49" charset="0"/>
                 <a:cs typeface="Consolas" panose="020B0609020204030204" pitchFamily="49" charset="0"/>
               </a:rPr>
-              <a:t>any</a:t>
+              <a:t> get</a:t>
             </a:r>
             <a:r>
               <a:rPr lang="en-US" dirty="0" smtClean="0"/>
-              <a:t> type too much</a:t>
-            </a:r>
-          </a:p>
-          <a:p>
-            <a:pPr lvl="0"/>
-            <a:endParaRPr lang="en-US" dirty="0"/>
-          </a:p>
-          <a:p>
-            <a:pPr lvl="0"/>
+              <a:t> or </a:t>
+            </a:r>
+            <a:r>
+              <a:rPr lang="en-US" altLang="en-US" dirty="0">
+                <a:solidFill>
+                  <a:srgbClr val="0000FF"/>
+                </a:solidFill>
+                <a:latin typeface="Consolas" panose="020B0609020204030204" pitchFamily="49" charset="0"/>
+                <a:cs typeface="Consolas" panose="020B0609020204030204" pitchFamily="49" charset="0"/>
+              </a:rPr>
+              <a:t>set</a:t>
+            </a:r>
+            <a:r>
+              <a:rPr lang="en-US" altLang="en-US" dirty="0">
+                <a:solidFill>
+                  <a:srgbClr val="000000"/>
+                </a:solidFill>
+                <a:latin typeface="Consolas" panose="020B0609020204030204" pitchFamily="49" charset="0"/>
+                <a:cs typeface="Consolas" panose="020B0609020204030204" pitchFamily="49" charset="0"/>
+              </a:rPr>
+              <a:t> </a:t>
+            </a:r>
+            <a:endParaRPr lang="en-US" altLang="en-US" dirty="0" smtClean="0">
+              <a:solidFill>
+                <a:srgbClr val="000000"/>
+              </a:solidFill>
+              <a:latin typeface="Consolas" panose="020B0609020204030204" pitchFamily="49" charset="0"/>
+              <a:cs typeface="Consolas" panose="020B0609020204030204" pitchFamily="49" charset="0"/>
+            </a:endParaRPr>
+          </a:p>
+          <a:p>
+            <a:endParaRPr lang="en-US" dirty="0">
+              <a:solidFill>
+                <a:srgbClr val="000000"/>
+              </a:solidFill>
+              <a:latin typeface="Consolas" panose="020B0609020204030204" pitchFamily="49" charset="0"/>
+              <a:cs typeface="Consolas" panose="020B0609020204030204" pitchFamily="49" charset="0"/>
+            </a:endParaRPr>
+          </a:p>
+          <a:p>
             <a:r>
               <a:rPr lang="en-US" dirty="0" smtClean="0"/>
-              <a:t>Do: Use modules for logical namespace groupings</a:t>
+              <a:t>Bad news:</a:t>
             </a:r>
           </a:p>
           <a:p>
             <a:pPr lvl="1"/>
             <a:r>
               <a:rPr lang="en-US" dirty="0" smtClean="0"/>
-              <a:t>Match folder structure</a:t>
-            </a:r>
-          </a:p>
-          <a:p>
-            <a:pPr lvl="1"/>
-            <a:endParaRPr lang="en-US" dirty="0"/>
+              <a:t>IE only supports it in IE9+</a:t>
+            </a:r>
+          </a:p>
+          <a:p>
+            <a:endParaRPr lang="en-US" dirty="0" smtClean="0"/>
           </a:p>
           <a:p>
             <a:r>
               <a:rPr lang="en-US" dirty="0" smtClean="0"/>
-              <a:t>Do: Follow JS style guidelines</a:t>
-            </a:r>
-          </a:p>
-          <a:p>
-            <a:pPr lvl="1"/>
-            <a:r>
-              <a:rPr lang="en-US" dirty="0">
-                <a:hlinkClick r:id="rId2"/>
-              </a:rPr>
-              <a:t>https://</a:t>
-            </a:r>
-            <a:r>
-              <a:rPr lang="en-US" dirty="0" smtClean="0">
-                <a:hlinkClick r:id="rId2"/>
-              </a:rPr>
-              <a:t>github.com/airbnb/javascript</a:t>
-            </a:r>
-            <a:endParaRPr lang="en-US" dirty="0" smtClean="0"/>
-          </a:p>
-          <a:p>
-            <a:pPr lvl="1"/>
-            <a:endParaRPr lang="en-US" dirty="0"/>
-          </a:p>
-          <a:p>
-            <a:r>
-              <a:rPr lang="en-US" dirty="0" smtClean="0"/>
-              <a:t>Do: Use </a:t>
-            </a:r>
-            <a:r>
-              <a:rPr lang="en-US" dirty="0" err="1" smtClean="0"/>
-              <a:t>TSLint</a:t>
-            </a:r>
-            <a:endParaRPr lang="en-US" dirty="0" smtClean="0"/>
-          </a:p>
-          <a:p>
-            <a:pPr lvl="1"/>
-            <a:r>
-              <a:rPr lang="en-US" dirty="0">
-                <a:hlinkClick r:id="rId3"/>
-              </a:rPr>
-              <a:t>http://</a:t>
-            </a:r>
-            <a:r>
-              <a:rPr lang="en-US" dirty="0" smtClean="0">
-                <a:hlinkClick r:id="rId3"/>
-              </a:rPr>
-              <a:t>vswebessentials.com/features/typescript</a:t>
-            </a:r>
-            <a:endParaRPr lang="en-US" dirty="0" smtClean="0"/>
-          </a:p>
-          <a:p>
-            <a:pPr lvl="1"/>
-            <a:r>
-              <a:rPr lang="en-US" dirty="0" smtClean="0"/>
-              <a:t>Note: Do not lint </a:t>
-            </a:r>
-            <a:r>
-              <a:rPr lang="en-US" dirty="0" err="1" smtClean="0"/>
-              <a:t>typings</a:t>
-            </a:r>
-            <a:endParaRPr lang="en-US" dirty="0"/>
+              <a:t>Supported well in Chrome, FF, etc.</a:t>
+            </a:r>
           </a:p>
         </p:txBody>
       </p:sp>
     </p:spTree>
     <p:extLst>
       <p:ext uri="{BB962C8B-B14F-4D97-AF65-F5344CB8AC3E}">
-        <p14:creationId xmlns:p14="http://schemas.microsoft.com/office/powerpoint/2010/main" val="439267084"/>
+        <p14:creationId xmlns:p14="http://schemas.microsoft.com/office/powerpoint/2010/main" val="1992463592"/>
       </p:ext>
     </p:extLst>
   </p:cSld>
@@ -21516,8 +22234,12 @@
           <a:lstStyle/>
           <a:p>
             <a:r>
+              <a:rPr lang="en-US" dirty="0"/>
+              <a:t>ECMAScript 5 </a:t>
+            </a:r>
+            <a:r>
               <a:rPr lang="en-US" dirty="0" smtClean="0"/>
-              <a:t>Best Practices</a:t>
+              <a:t>Properties – Demo</a:t>
             </a:r>
             <a:endParaRPr lang="en-US" dirty="0"/>
           </a:p>
@@ -21540,65 +22262,8 @@
           <a:p>
             <a:r>
               <a:rPr lang="en-US" dirty="0" smtClean="0"/>
-              <a:t>Do: Check in typing files into source control</a:t>
-            </a:r>
-          </a:p>
-          <a:p>
-            <a:pPr lvl="1"/>
-            <a:r>
-              <a:rPr lang="en-US" dirty="0" smtClean="0"/>
-              <a:t>Not restored on </a:t>
-            </a:r>
-            <a:r>
-              <a:rPr lang="en-US" dirty="0" err="1" smtClean="0"/>
-              <a:t>Nuget</a:t>
-            </a:r>
-            <a:r>
-              <a:rPr lang="en-US" dirty="0" smtClean="0"/>
-              <a:t> package restore</a:t>
-            </a:r>
-          </a:p>
-          <a:p>
-            <a:pPr lvl="1"/>
-            <a:endParaRPr lang="en-US" dirty="0"/>
-          </a:p>
-          <a:p>
-            <a:r>
-              <a:rPr lang="en-US" dirty="0" smtClean="0"/>
-              <a:t>Do: Submit pull requests for new/fixed </a:t>
-            </a:r>
-            <a:r>
-              <a:rPr lang="en-US" dirty="0" err="1" smtClean="0"/>
-              <a:t>typings</a:t>
-            </a:r>
-            <a:r>
-              <a:rPr lang="en-US" dirty="0" smtClean="0"/>
-              <a:t> to </a:t>
-            </a:r>
-            <a:r>
-              <a:rPr lang="en-US" dirty="0" err="1" smtClean="0"/>
-              <a:t>DefinitelyTyped</a:t>
-            </a:r>
-            <a:endParaRPr lang="en-US" dirty="0" smtClean="0"/>
-          </a:p>
-          <a:p>
-            <a:endParaRPr lang="en-US" dirty="0"/>
-          </a:p>
-          <a:p>
-            <a:r>
-              <a:rPr lang="en-US" dirty="0" smtClean="0"/>
-              <a:t>Don’t: Check in files that </a:t>
-            </a:r>
-            <a:r>
-              <a:rPr lang="en-US" smtClean="0"/>
-              <a:t>don’t compile</a:t>
-            </a:r>
-            <a:endParaRPr lang="en-US" dirty="0" smtClean="0"/>
-          </a:p>
-          <a:p>
-            <a:endParaRPr lang="en-US" dirty="0"/>
-          </a:p>
-          <a:p>
+              <a:t>Section 4 / 1-properties.ts</a:t>
+            </a:r>
             <a:endParaRPr lang="en-US" dirty="0"/>
           </a:p>
         </p:txBody>
@@ -21606,7 +22271,7 @@
     </p:spTree>
     <p:extLst>
       <p:ext uri="{BB962C8B-B14F-4D97-AF65-F5344CB8AC3E}">
-        <p14:creationId xmlns:p14="http://schemas.microsoft.com/office/powerpoint/2010/main" val="2375747027"/>
+        <p14:creationId xmlns:p14="http://schemas.microsoft.com/office/powerpoint/2010/main" val="780732758"/>
       </p:ext>
     </p:extLst>
   </p:cSld>
@@ -21896,6 +22561,1042 @@
     <p:extLst>
       <p:ext uri="{BB962C8B-B14F-4D97-AF65-F5344CB8AC3E}">
         <p14:creationId xmlns:p14="http://schemas.microsoft.com/office/powerpoint/2010/main" val="2600042839"/>
+      </p:ext>
+    </p:extLst>
+  </p:cSld>
+  <p:clrMapOvr>
+    <a:masterClrMapping/>
+  </p:clrMapOvr>
+</p:sld>
+</file>
+
+<file path=ppt/slides/slide50.xml><?xml version="1.0" encoding="utf-8"?>
+<p:sld xmlns:a="http://schemas.openxmlformats.org/drawingml/2006/main" xmlns:r="http://schemas.openxmlformats.org/officeDocument/2006/relationships" xmlns:p="http://schemas.openxmlformats.org/presentationml/2006/main">
+  <p:cSld>
+    <p:spTree>
+      <p:nvGrpSpPr>
+        <p:cNvPr id="1" name=""/>
+        <p:cNvGrpSpPr/>
+        <p:nvPr/>
+      </p:nvGrpSpPr>
+      <p:grpSpPr>
+        <a:xfrm>
+          <a:off x="0" y="0"/>
+          <a:ext cx="0" cy="0"/>
+          <a:chOff x="0" y="0"/>
+          <a:chExt cx="0" cy="0"/>
+        </a:xfrm>
+      </p:grpSpPr>
+      <p:sp>
+        <p:nvSpPr>
+          <p:cNvPr id="2" name="Title 1"/>
+          <p:cNvSpPr>
+            <a:spLocks noGrp="1"/>
+          </p:cNvSpPr>
+          <p:nvPr>
+            <p:ph type="title"/>
+          </p:nvPr>
+        </p:nvSpPr>
+        <p:spPr/>
+        <p:txBody>
+          <a:bodyPr/>
+          <a:lstStyle/>
+          <a:p>
+            <a:r>
+              <a:rPr lang="en-US" dirty="0" smtClean="0"/>
+              <a:t>Extending Libraries</a:t>
+            </a:r>
+            <a:endParaRPr lang="en-US" dirty="0"/>
+          </a:p>
+        </p:txBody>
+      </p:sp>
+      <p:sp>
+        <p:nvSpPr>
+          <p:cNvPr id="3" name="Content Placeholder 2"/>
+          <p:cNvSpPr>
+            <a:spLocks noGrp="1"/>
+          </p:cNvSpPr>
+          <p:nvPr>
+            <p:ph idx="1"/>
+          </p:nvPr>
+        </p:nvSpPr>
+        <p:spPr/>
+        <p:txBody>
+          <a:bodyPr/>
+          <a:lstStyle/>
+          <a:p>
+            <a:r>
+              <a:rPr lang="en-US" dirty="0" smtClean="0"/>
+              <a:t>Simple to extend native/3</a:t>
+            </a:r>
+            <a:r>
+              <a:rPr lang="en-US" baseline="30000" dirty="0" smtClean="0"/>
+              <a:t>rd</a:t>
+            </a:r>
+            <a:r>
+              <a:rPr lang="en-US" dirty="0" smtClean="0"/>
+              <a:t> party libraries in TS</a:t>
+            </a:r>
+          </a:p>
+          <a:p>
+            <a:endParaRPr lang="en-US" dirty="0" smtClean="0"/>
+          </a:p>
+          <a:p>
+            <a:r>
+              <a:rPr lang="en-US" dirty="0" smtClean="0"/>
+              <a:t>Create your own .</a:t>
+            </a:r>
+            <a:r>
+              <a:rPr lang="en-US" dirty="0" err="1" smtClean="0"/>
+              <a:t>d.ts</a:t>
+            </a:r>
+            <a:r>
+              <a:rPr lang="en-US" dirty="0" smtClean="0"/>
+              <a:t> file with extensions</a:t>
+            </a:r>
+          </a:p>
+          <a:p>
+            <a:pPr lvl="1"/>
+            <a:r>
+              <a:rPr lang="en-US" dirty="0" smtClean="0"/>
+              <a:t>Useful when large amount of augmentation</a:t>
+            </a:r>
+          </a:p>
+          <a:p>
+            <a:endParaRPr lang="en-US" dirty="0" smtClean="0"/>
+          </a:p>
+          <a:p>
+            <a:r>
+              <a:rPr lang="en-US" dirty="0" smtClean="0"/>
+              <a:t>Embed interface extensions directly into your </a:t>
+            </a:r>
+            <a:r>
+              <a:rPr lang="en-US" dirty="0" err="1" smtClean="0"/>
+              <a:t>ts</a:t>
+            </a:r>
+            <a:r>
+              <a:rPr lang="en-US" dirty="0" smtClean="0"/>
+              <a:t> file</a:t>
+            </a:r>
+          </a:p>
+          <a:p>
+            <a:pPr lvl="1"/>
+            <a:r>
+              <a:rPr lang="en-US" dirty="0" smtClean="0"/>
+              <a:t>Useful for minor extensions (i.e. Window)</a:t>
+            </a:r>
+          </a:p>
+          <a:p>
+            <a:pPr lvl="1"/>
+            <a:endParaRPr lang="en-US" dirty="0"/>
+          </a:p>
+          <a:p>
+            <a:endParaRPr lang="en-US" dirty="0"/>
+          </a:p>
+        </p:txBody>
+      </p:sp>
+    </p:spTree>
+    <p:extLst>
+      <p:ext uri="{BB962C8B-B14F-4D97-AF65-F5344CB8AC3E}">
+        <p14:creationId xmlns:p14="http://schemas.microsoft.com/office/powerpoint/2010/main" val="1019909126"/>
+      </p:ext>
+    </p:extLst>
+  </p:cSld>
+  <p:clrMapOvr>
+    <a:masterClrMapping/>
+  </p:clrMapOvr>
+</p:sld>
+</file>
+
+<file path=ppt/slides/slide51.xml><?xml version="1.0" encoding="utf-8"?>
+<p:sld xmlns:a="http://schemas.openxmlformats.org/drawingml/2006/main" xmlns:r="http://schemas.openxmlformats.org/officeDocument/2006/relationships" xmlns:p="http://schemas.openxmlformats.org/presentationml/2006/main">
+  <p:cSld>
+    <p:spTree>
+      <p:nvGrpSpPr>
+        <p:cNvPr id="1" name=""/>
+        <p:cNvGrpSpPr/>
+        <p:nvPr/>
+      </p:nvGrpSpPr>
+      <p:grpSpPr>
+        <a:xfrm>
+          <a:off x="0" y="0"/>
+          <a:ext cx="0" cy="0"/>
+          <a:chOff x="0" y="0"/>
+          <a:chExt cx="0" cy="0"/>
+        </a:xfrm>
+      </p:grpSpPr>
+      <p:sp>
+        <p:nvSpPr>
+          <p:cNvPr id="2" name="Title 1"/>
+          <p:cNvSpPr>
+            <a:spLocks noGrp="1"/>
+          </p:cNvSpPr>
+          <p:nvPr>
+            <p:ph type="title"/>
+          </p:nvPr>
+        </p:nvSpPr>
+        <p:spPr/>
+        <p:txBody>
+          <a:bodyPr/>
+          <a:lstStyle/>
+          <a:p>
+            <a:r>
+              <a:rPr lang="en-US" dirty="0"/>
+              <a:t>Extending </a:t>
+            </a:r>
+            <a:r>
+              <a:rPr lang="en-US" dirty="0" smtClean="0"/>
+              <a:t>Libraries – Demo</a:t>
+            </a:r>
+            <a:endParaRPr lang="en-US" dirty="0"/>
+          </a:p>
+        </p:txBody>
+      </p:sp>
+      <p:sp>
+        <p:nvSpPr>
+          <p:cNvPr id="3" name="Content Placeholder 2"/>
+          <p:cNvSpPr>
+            <a:spLocks noGrp="1"/>
+          </p:cNvSpPr>
+          <p:nvPr>
+            <p:ph idx="1"/>
+          </p:nvPr>
+        </p:nvSpPr>
+        <p:spPr/>
+        <p:txBody>
+          <a:bodyPr/>
+          <a:lstStyle/>
+          <a:p>
+            <a:r>
+              <a:rPr lang="en-US" dirty="0" smtClean="0"/>
+              <a:t>Section 4 / 2-extensions.ts</a:t>
+            </a:r>
+            <a:endParaRPr lang="en-US" dirty="0"/>
+          </a:p>
+        </p:txBody>
+      </p:sp>
+    </p:spTree>
+    <p:extLst>
+      <p:ext uri="{BB962C8B-B14F-4D97-AF65-F5344CB8AC3E}">
+        <p14:creationId xmlns:p14="http://schemas.microsoft.com/office/powerpoint/2010/main" val="3384812828"/>
+      </p:ext>
+    </p:extLst>
+  </p:cSld>
+  <p:clrMapOvr>
+    <a:masterClrMapping/>
+  </p:clrMapOvr>
+</p:sld>
+</file>
+
+<file path=ppt/slides/slide52.xml><?xml version="1.0" encoding="utf-8"?>
+<p:sld xmlns:a="http://schemas.openxmlformats.org/drawingml/2006/main" xmlns:r="http://schemas.openxmlformats.org/officeDocument/2006/relationships" xmlns:p="http://schemas.openxmlformats.org/presentationml/2006/main">
+  <p:cSld>
+    <p:spTree>
+      <p:nvGrpSpPr>
+        <p:cNvPr id="1" name=""/>
+        <p:cNvGrpSpPr/>
+        <p:nvPr/>
+      </p:nvGrpSpPr>
+      <p:grpSpPr>
+        <a:xfrm>
+          <a:off x="0" y="0"/>
+          <a:ext cx="0" cy="0"/>
+          <a:chOff x="0" y="0"/>
+          <a:chExt cx="0" cy="0"/>
+        </a:xfrm>
+      </p:grpSpPr>
+      <p:sp>
+        <p:nvSpPr>
+          <p:cNvPr id="4" name="Title 3"/>
+          <p:cNvSpPr>
+            <a:spLocks noGrp="1"/>
+          </p:cNvSpPr>
+          <p:nvPr>
+            <p:ph type="title"/>
+          </p:nvPr>
+        </p:nvSpPr>
+        <p:spPr/>
+        <p:txBody>
+          <a:bodyPr/>
+          <a:lstStyle/>
+          <a:p>
+            <a:r>
+              <a:rPr lang="en-US" dirty="0" smtClean="0"/>
+              <a:t>Putting it all together</a:t>
+            </a:r>
+            <a:endParaRPr lang="en-US" dirty="0"/>
+          </a:p>
+        </p:txBody>
+      </p:sp>
+      <p:sp>
+        <p:nvSpPr>
+          <p:cNvPr id="5" name="Text Placeholder 4"/>
+          <p:cNvSpPr>
+            <a:spLocks noGrp="1"/>
+          </p:cNvSpPr>
+          <p:nvPr>
+            <p:ph type="body" idx="1"/>
+          </p:nvPr>
+        </p:nvSpPr>
+        <p:spPr/>
+        <p:txBody>
+          <a:bodyPr/>
+          <a:lstStyle/>
+          <a:p>
+            <a:endParaRPr lang="en-US"/>
+          </a:p>
+        </p:txBody>
+      </p:sp>
+    </p:spTree>
+    <p:extLst>
+      <p:ext uri="{BB962C8B-B14F-4D97-AF65-F5344CB8AC3E}">
+        <p14:creationId xmlns:p14="http://schemas.microsoft.com/office/powerpoint/2010/main" val="1327164103"/>
+      </p:ext>
+    </p:extLst>
+  </p:cSld>
+  <p:clrMapOvr>
+    <a:masterClrMapping/>
+  </p:clrMapOvr>
+</p:sld>
+</file>
+
+<file path=ppt/slides/slide53.xml><?xml version="1.0" encoding="utf-8"?>
+<p:sld xmlns:a="http://schemas.openxmlformats.org/drawingml/2006/main" xmlns:r="http://schemas.openxmlformats.org/officeDocument/2006/relationships" xmlns:p="http://schemas.openxmlformats.org/presentationml/2006/main">
+  <p:cSld>
+    <p:spTree>
+      <p:nvGrpSpPr>
+        <p:cNvPr id="1" name=""/>
+        <p:cNvGrpSpPr/>
+        <p:nvPr/>
+      </p:nvGrpSpPr>
+      <p:grpSpPr>
+        <a:xfrm>
+          <a:off x="0" y="0"/>
+          <a:ext cx="0" cy="0"/>
+          <a:chOff x="0" y="0"/>
+          <a:chExt cx="0" cy="0"/>
+        </a:xfrm>
+      </p:grpSpPr>
+      <p:sp>
+        <p:nvSpPr>
+          <p:cNvPr id="4" name="Title 3"/>
+          <p:cNvSpPr>
+            <a:spLocks noGrp="1"/>
+          </p:cNvSpPr>
+          <p:nvPr>
+            <p:ph type="title"/>
+          </p:nvPr>
+        </p:nvSpPr>
+        <p:spPr/>
+        <p:txBody>
+          <a:bodyPr/>
+          <a:lstStyle/>
+          <a:p>
+            <a:r>
+              <a:rPr lang="en-US" dirty="0" err="1" smtClean="0"/>
+              <a:t>Todo</a:t>
+            </a:r>
+            <a:r>
+              <a:rPr lang="en-US" dirty="0" smtClean="0"/>
+              <a:t> Demo App</a:t>
+            </a:r>
+            <a:endParaRPr lang="en-US" dirty="0"/>
+          </a:p>
+        </p:txBody>
+      </p:sp>
+      <p:sp>
+        <p:nvSpPr>
+          <p:cNvPr id="5" name="Content Placeholder 4"/>
+          <p:cNvSpPr>
+            <a:spLocks noGrp="1"/>
+          </p:cNvSpPr>
+          <p:nvPr>
+            <p:ph idx="1"/>
+          </p:nvPr>
+        </p:nvSpPr>
+        <p:spPr/>
+        <p:txBody>
+          <a:bodyPr/>
+          <a:lstStyle/>
+          <a:p>
+            <a:r>
+              <a:rPr lang="en-US" dirty="0" smtClean="0"/>
+              <a:t>Simple Knockout-based “</a:t>
+            </a:r>
+            <a:r>
+              <a:rPr lang="en-US" dirty="0" err="1" smtClean="0"/>
+              <a:t>Todo</a:t>
+            </a:r>
+            <a:r>
+              <a:rPr lang="en-US" dirty="0" smtClean="0"/>
+              <a:t>” App</a:t>
+            </a:r>
+          </a:p>
+          <a:p>
+            <a:endParaRPr lang="en-US" dirty="0"/>
+          </a:p>
+          <a:p>
+            <a:r>
+              <a:rPr lang="en-US" dirty="0" smtClean="0"/>
+              <a:t>Illustrates how </a:t>
+            </a:r>
+            <a:r>
+              <a:rPr lang="en-US" dirty="0" err="1" smtClean="0"/>
+              <a:t>TypeScript</a:t>
+            </a:r>
+            <a:r>
+              <a:rPr lang="en-US" dirty="0" smtClean="0"/>
+              <a:t> can be quickly used to build a quick app</a:t>
+            </a:r>
+          </a:p>
+          <a:p>
+            <a:endParaRPr lang="en-US" dirty="0"/>
+          </a:p>
+          <a:p>
+            <a:r>
+              <a:rPr lang="en-US" dirty="0" smtClean="0"/>
+              <a:t>Puts together common </a:t>
+            </a:r>
+            <a:r>
+              <a:rPr lang="en-US" dirty="0" err="1" smtClean="0"/>
+              <a:t>TypeScript</a:t>
+            </a:r>
+            <a:r>
+              <a:rPr lang="en-US" dirty="0" smtClean="0"/>
+              <a:t> usage patterns</a:t>
+            </a:r>
+          </a:p>
+          <a:p>
+            <a:endParaRPr lang="en-US" dirty="0"/>
+          </a:p>
+          <a:p>
+            <a:endParaRPr lang="en-US" dirty="0"/>
+          </a:p>
+        </p:txBody>
+      </p:sp>
+    </p:spTree>
+    <p:extLst>
+      <p:ext uri="{BB962C8B-B14F-4D97-AF65-F5344CB8AC3E}">
+        <p14:creationId xmlns:p14="http://schemas.microsoft.com/office/powerpoint/2010/main" val="1529558165"/>
+      </p:ext>
+    </p:extLst>
+  </p:cSld>
+  <p:clrMapOvr>
+    <a:masterClrMapping/>
+  </p:clrMapOvr>
+</p:sld>
+</file>
+
+<file path=ppt/slides/slide54.xml><?xml version="1.0" encoding="utf-8"?>
+<p:sld xmlns:a="http://schemas.openxmlformats.org/drawingml/2006/main" xmlns:r="http://schemas.openxmlformats.org/officeDocument/2006/relationships" xmlns:p="http://schemas.openxmlformats.org/presentationml/2006/main">
+  <p:cSld>
+    <p:spTree>
+      <p:nvGrpSpPr>
+        <p:cNvPr id="1" name=""/>
+        <p:cNvGrpSpPr/>
+        <p:nvPr/>
+      </p:nvGrpSpPr>
+      <p:grpSpPr>
+        <a:xfrm>
+          <a:off x="0" y="0"/>
+          <a:ext cx="0" cy="0"/>
+          <a:chOff x="0" y="0"/>
+          <a:chExt cx="0" cy="0"/>
+        </a:xfrm>
+      </p:grpSpPr>
+      <p:sp>
+        <p:nvSpPr>
+          <p:cNvPr id="4" name="Title 3"/>
+          <p:cNvSpPr>
+            <a:spLocks noGrp="1"/>
+          </p:cNvSpPr>
+          <p:nvPr>
+            <p:ph type="title"/>
+          </p:nvPr>
+        </p:nvSpPr>
+        <p:spPr/>
+        <p:txBody>
+          <a:bodyPr/>
+          <a:lstStyle/>
+          <a:p>
+            <a:r>
+              <a:rPr lang="en-US" dirty="0" err="1" smtClean="0"/>
+              <a:t>TypeScript</a:t>
+            </a:r>
+            <a:r>
+              <a:rPr lang="en-US" dirty="0" smtClean="0"/>
+              <a:t> Best Practices</a:t>
+            </a:r>
+            <a:endParaRPr lang="en-US" dirty="0"/>
+          </a:p>
+        </p:txBody>
+      </p:sp>
+      <p:sp>
+        <p:nvSpPr>
+          <p:cNvPr id="5" name="Text Placeholder 4"/>
+          <p:cNvSpPr>
+            <a:spLocks noGrp="1"/>
+          </p:cNvSpPr>
+          <p:nvPr>
+            <p:ph type="body" idx="1"/>
+          </p:nvPr>
+        </p:nvSpPr>
+        <p:spPr/>
+        <p:txBody>
+          <a:bodyPr/>
+          <a:lstStyle/>
+          <a:p>
+            <a:endParaRPr lang="en-US"/>
+          </a:p>
+        </p:txBody>
+      </p:sp>
+    </p:spTree>
+    <p:extLst>
+      <p:ext uri="{BB962C8B-B14F-4D97-AF65-F5344CB8AC3E}">
+        <p14:creationId xmlns:p14="http://schemas.microsoft.com/office/powerpoint/2010/main" val="1653242581"/>
+      </p:ext>
+    </p:extLst>
+  </p:cSld>
+  <p:clrMapOvr>
+    <a:masterClrMapping/>
+  </p:clrMapOvr>
+</p:sld>
+</file>
+
+<file path=ppt/slides/slide55.xml><?xml version="1.0" encoding="utf-8"?>
+<p:sld xmlns:a="http://schemas.openxmlformats.org/drawingml/2006/main" xmlns:r="http://schemas.openxmlformats.org/officeDocument/2006/relationships" xmlns:p="http://schemas.openxmlformats.org/presentationml/2006/main">
+  <p:cSld>
+    <p:spTree>
+      <p:nvGrpSpPr>
+        <p:cNvPr id="1" name=""/>
+        <p:cNvGrpSpPr/>
+        <p:nvPr/>
+      </p:nvGrpSpPr>
+      <p:grpSpPr>
+        <a:xfrm>
+          <a:off x="0" y="0"/>
+          <a:ext cx="0" cy="0"/>
+          <a:chOff x="0" y="0"/>
+          <a:chExt cx="0" cy="0"/>
+        </a:xfrm>
+      </p:grpSpPr>
+      <p:sp>
+        <p:nvSpPr>
+          <p:cNvPr id="4" name="Title 3"/>
+          <p:cNvSpPr>
+            <a:spLocks noGrp="1"/>
+          </p:cNvSpPr>
+          <p:nvPr>
+            <p:ph type="title"/>
+          </p:nvPr>
+        </p:nvSpPr>
+        <p:spPr/>
+        <p:txBody>
+          <a:bodyPr/>
+          <a:lstStyle/>
+          <a:p>
+            <a:r>
+              <a:rPr lang="en-US" dirty="0" smtClean="0"/>
+              <a:t>Best Practices</a:t>
+            </a:r>
+            <a:endParaRPr lang="en-US" dirty="0"/>
+          </a:p>
+        </p:txBody>
+      </p:sp>
+      <p:sp>
+        <p:nvSpPr>
+          <p:cNvPr id="5" name="Content Placeholder 4"/>
+          <p:cNvSpPr>
+            <a:spLocks noGrp="1"/>
+          </p:cNvSpPr>
+          <p:nvPr>
+            <p:ph idx="1"/>
+          </p:nvPr>
+        </p:nvSpPr>
+        <p:spPr/>
+        <p:txBody>
+          <a:bodyPr/>
+          <a:lstStyle/>
+          <a:p>
+            <a:r>
+              <a:rPr lang="en-US" dirty="0" smtClean="0"/>
+              <a:t>Do: Use namespace imports to avoid having to fully qualify paths</a:t>
+            </a:r>
+          </a:p>
+          <a:p>
+            <a:pPr lvl="1"/>
+            <a:r>
+              <a:rPr lang="en-US" dirty="0" smtClean="0"/>
+              <a:t>Make sure files are declared in dependency order</a:t>
+            </a:r>
+          </a:p>
+          <a:p>
+            <a:pPr lvl="1"/>
+            <a:endParaRPr lang="en-US" dirty="0" smtClean="0"/>
+          </a:p>
+          <a:p>
+            <a:r>
+              <a:rPr lang="en-US" dirty="0" smtClean="0"/>
+              <a:t>Do: Separate classes into multiple file</a:t>
+            </a:r>
+          </a:p>
+          <a:p>
+            <a:pPr lvl="1"/>
+            <a:r>
+              <a:rPr lang="en-US" dirty="0" smtClean="0"/>
+              <a:t>1 class per file</a:t>
+            </a:r>
+          </a:p>
+          <a:p>
+            <a:pPr lvl="1"/>
+            <a:r>
+              <a:rPr lang="en-US" dirty="0" smtClean="0"/>
+              <a:t>Use logical folder structure</a:t>
+            </a:r>
+          </a:p>
+          <a:p>
+            <a:pPr lvl="1"/>
+            <a:endParaRPr lang="en-US" dirty="0"/>
+          </a:p>
+          <a:p>
+            <a:r>
+              <a:rPr lang="en-US" dirty="0" smtClean="0"/>
+              <a:t>Do: Include _</a:t>
+            </a:r>
+            <a:r>
+              <a:rPr lang="en-US" dirty="0" err="1" smtClean="0"/>
+              <a:t>references.ts</a:t>
+            </a:r>
+            <a:r>
+              <a:rPr lang="en-US" dirty="0" smtClean="0"/>
+              <a:t> file with references to all libraries</a:t>
+            </a:r>
+          </a:p>
+          <a:p>
+            <a:pPr lvl="1"/>
+            <a:r>
+              <a:rPr lang="en-US" dirty="0" smtClean="0"/>
+              <a:t>Don’t manually specify &lt;reference&gt; tags</a:t>
+            </a:r>
+            <a:endParaRPr lang="en-US" dirty="0"/>
+          </a:p>
+          <a:p>
+            <a:endParaRPr lang="en-US" dirty="0" smtClean="0"/>
+          </a:p>
+        </p:txBody>
+      </p:sp>
+    </p:spTree>
+    <p:extLst>
+      <p:ext uri="{BB962C8B-B14F-4D97-AF65-F5344CB8AC3E}">
+        <p14:creationId xmlns:p14="http://schemas.microsoft.com/office/powerpoint/2010/main" val="533197008"/>
+      </p:ext>
+    </p:extLst>
+  </p:cSld>
+  <p:clrMapOvr>
+    <a:masterClrMapping/>
+  </p:clrMapOvr>
+</p:sld>
+</file>
+
+<file path=ppt/slides/slide56.xml><?xml version="1.0" encoding="utf-8"?>
+<p:sld xmlns:a="http://schemas.openxmlformats.org/drawingml/2006/main" xmlns:r="http://schemas.openxmlformats.org/officeDocument/2006/relationships" xmlns:p="http://schemas.openxmlformats.org/presentationml/2006/main">
+  <p:cSld>
+    <p:spTree>
+      <p:nvGrpSpPr>
+        <p:cNvPr id="1" name=""/>
+        <p:cNvGrpSpPr/>
+        <p:nvPr/>
+      </p:nvGrpSpPr>
+      <p:grpSpPr>
+        <a:xfrm>
+          <a:off x="0" y="0"/>
+          <a:ext cx="0" cy="0"/>
+          <a:chOff x="0" y="0"/>
+          <a:chExt cx="0" cy="0"/>
+        </a:xfrm>
+      </p:grpSpPr>
+      <p:sp>
+        <p:nvSpPr>
+          <p:cNvPr id="2" name="Title 1"/>
+          <p:cNvSpPr>
+            <a:spLocks noGrp="1"/>
+          </p:cNvSpPr>
+          <p:nvPr>
+            <p:ph type="title"/>
+          </p:nvPr>
+        </p:nvSpPr>
+        <p:spPr/>
+        <p:txBody>
+          <a:bodyPr/>
+          <a:lstStyle/>
+          <a:p>
+            <a:r>
+              <a:rPr lang="en-US" dirty="0" smtClean="0"/>
+              <a:t>Best Practices</a:t>
+            </a:r>
+            <a:endParaRPr lang="en-US" dirty="0"/>
+          </a:p>
+        </p:txBody>
+      </p:sp>
+      <p:sp>
+        <p:nvSpPr>
+          <p:cNvPr id="3" name="Content Placeholder 2"/>
+          <p:cNvSpPr>
+            <a:spLocks noGrp="1"/>
+          </p:cNvSpPr>
+          <p:nvPr>
+            <p:ph idx="1"/>
+          </p:nvPr>
+        </p:nvSpPr>
+        <p:spPr/>
+        <p:txBody>
+          <a:bodyPr>
+            <a:normAutofit fontScale="92500" lnSpcReduction="10000"/>
+          </a:bodyPr>
+          <a:lstStyle/>
+          <a:p>
+            <a:pPr lvl="0"/>
+            <a:r>
+              <a:rPr lang="en-US" dirty="0" smtClean="0"/>
+              <a:t>Don’t: Use </a:t>
+            </a:r>
+            <a:r>
+              <a:rPr lang="en-US" altLang="en-US" dirty="0" smtClean="0">
+                <a:solidFill>
+                  <a:srgbClr val="0000FF"/>
+                </a:solidFill>
+                <a:latin typeface="Consolas" panose="020B0609020204030204" pitchFamily="49" charset="0"/>
+                <a:cs typeface="Consolas" panose="020B0609020204030204" pitchFamily="49" charset="0"/>
+              </a:rPr>
+              <a:t>any</a:t>
+            </a:r>
+            <a:r>
+              <a:rPr lang="en-US" dirty="0" smtClean="0"/>
+              <a:t> type too much</a:t>
+            </a:r>
+          </a:p>
+          <a:p>
+            <a:pPr lvl="0"/>
+            <a:endParaRPr lang="en-US" dirty="0"/>
+          </a:p>
+          <a:p>
+            <a:pPr lvl="0"/>
+            <a:r>
+              <a:rPr lang="en-US" dirty="0" smtClean="0"/>
+              <a:t>Do: Use modules for logical namespace groupings</a:t>
+            </a:r>
+          </a:p>
+          <a:p>
+            <a:pPr lvl="1"/>
+            <a:r>
+              <a:rPr lang="en-US" dirty="0" smtClean="0"/>
+              <a:t>Match folder structure</a:t>
+            </a:r>
+          </a:p>
+          <a:p>
+            <a:pPr lvl="1"/>
+            <a:endParaRPr lang="en-US" dirty="0"/>
+          </a:p>
+          <a:p>
+            <a:r>
+              <a:rPr lang="en-US" dirty="0" smtClean="0"/>
+              <a:t>Do: Follow JS style guidelines</a:t>
+            </a:r>
+          </a:p>
+          <a:p>
+            <a:pPr lvl="1"/>
+            <a:r>
+              <a:rPr lang="en-US" dirty="0">
+                <a:hlinkClick r:id="rId2"/>
+              </a:rPr>
+              <a:t>https://</a:t>
+            </a:r>
+            <a:r>
+              <a:rPr lang="en-US" dirty="0" smtClean="0">
+                <a:hlinkClick r:id="rId2"/>
+              </a:rPr>
+              <a:t>github.com/airbnb/javascript</a:t>
+            </a:r>
+            <a:endParaRPr lang="en-US" dirty="0" smtClean="0"/>
+          </a:p>
+          <a:p>
+            <a:pPr lvl="1"/>
+            <a:endParaRPr lang="en-US" dirty="0"/>
+          </a:p>
+          <a:p>
+            <a:r>
+              <a:rPr lang="en-US" dirty="0" smtClean="0"/>
+              <a:t>Do: Use </a:t>
+            </a:r>
+            <a:r>
+              <a:rPr lang="en-US" dirty="0" err="1" smtClean="0"/>
+              <a:t>TSLint</a:t>
+            </a:r>
+            <a:endParaRPr lang="en-US" dirty="0" smtClean="0"/>
+          </a:p>
+          <a:p>
+            <a:pPr lvl="1"/>
+            <a:r>
+              <a:rPr lang="en-US" dirty="0">
+                <a:hlinkClick r:id="rId3"/>
+              </a:rPr>
+              <a:t>http://</a:t>
+            </a:r>
+            <a:r>
+              <a:rPr lang="en-US" dirty="0" smtClean="0">
+                <a:hlinkClick r:id="rId3"/>
+              </a:rPr>
+              <a:t>vswebessentials.com/features/typescript</a:t>
+            </a:r>
+            <a:endParaRPr lang="en-US" dirty="0" smtClean="0"/>
+          </a:p>
+          <a:p>
+            <a:pPr lvl="1"/>
+            <a:r>
+              <a:rPr lang="en-US" dirty="0" smtClean="0"/>
+              <a:t>Note: Do not lint </a:t>
+            </a:r>
+            <a:r>
+              <a:rPr lang="en-US" dirty="0" err="1" smtClean="0"/>
+              <a:t>typings</a:t>
+            </a:r>
+            <a:endParaRPr lang="en-US" dirty="0"/>
+          </a:p>
+        </p:txBody>
+      </p:sp>
+    </p:spTree>
+    <p:extLst>
+      <p:ext uri="{BB962C8B-B14F-4D97-AF65-F5344CB8AC3E}">
+        <p14:creationId xmlns:p14="http://schemas.microsoft.com/office/powerpoint/2010/main" val="439267084"/>
+      </p:ext>
+    </p:extLst>
+  </p:cSld>
+  <p:clrMapOvr>
+    <a:masterClrMapping/>
+  </p:clrMapOvr>
+</p:sld>
+</file>
+
+<file path=ppt/slides/slide57.xml><?xml version="1.0" encoding="utf-8"?>
+<p:sld xmlns:a="http://schemas.openxmlformats.org/drawingml/2006/main" xmlns:r="http://schemas.openxmlformats.org/officeDocument/2006/relationships" xmlns:p="http://schemas.openxmlformats.org/presentationml/2006/main">
+  <p:cSld>
+    <p:spTree>
+      <p:nvGrpSpPr>
+        <p:cNvPr id="1" name=""/>
+        <p:cNvGrpSpPr/>
+        <p:nvPr/>
+      </p:nvGrpSpPr>
+      <p:grpSpPr>
+        <a:xfrm>
+          <a:off x="0" y="0"/>
+          <a:ext cx="0" cy="0"/>
+          <a:chOff x="0" y="0"/>
+          <a:chExt cx="0" cy="0"/>
+        </a:xfrm>
+      </p:grpSpPr>
+      <p:sp>
+        <p:nvSpPr>
+          <p:cNvPr id="2" name="Title 1"/>
+          <p:cNvSpPr>
+            <a:spLocks noGrp="1"/>
+          </p:cNvSpPr>
+          <p:nvPr>
+            <p:ph type="title"/>
+          </p:nvPr>
+        </p:nvSpPr>
+        <p:spPr/>
+        <p:txBody>
+          <a:bodyPr/>
+          <a:lstStyle/>
+          <a:p>
+            <a:r>
+              <a:rPr lang="en-US" dirty="0" smtClean="0"/>
+              <a:t>Best Practices</a:t>
+            </a:r>
+            <a:endParaRPr lang="en-US" dirty="0"/>
+          </a:p>
+        </p:txBody>
+      </p:sp>
+      <p:sp>
+        <p:nvSpPr>
+          <p:cNvPr id="3" name="Content Placeholder 2"/>
+          <p:cNvSpPr>
+            <a:spLocks noGrp="1"/>
+          </p:cNvSpPr>
+          <p:nvPr>
+            <p:ph idx="1"/>
+          </p:nvPr>
+        </p:nvSpPr>
+        <p:spPr/>
+        <p:txBody>
+          <a:bodyPr/>
+          <a:lstStyle/>
+          <a:p>
+            <a:r>
+              <a:rPr lang="en-US" dirty="0" smtClean="0"/>
+              <a:t>Do: Check in typing files into source control</a:t>
+            </a:r>
+          </a:p>
+          <a:p>
+            <a:pPr lvl="1"/>
+            <a:r>
+              <a:rPr lang="en-US" dirty="0" smtClean="0"/>
+              <a:t>Not restored on </a:t>
+            </a:r>
+            <a:r>
+              <a:rPr lang="en-US" dirty="0" err="1" smtClean="0"/>
+              <a:t>Nuget</a:t>
+            </a:r>
+            <a:r>
+              <a:rPr lang="en-US" dirty="0" smtClean="0"/>
+              <a:t> package restore</a:t>
+            </a:r>
+          </a:p>
+          <a:p>
+            <a:pPr lvl="1"/>
+            <a:endParaRPr lang="en-US" dirty="0"/>
+          </a:p>
+          <a:p>
+            <a:r>
+              <a:rPr lang="en-US" dirty="0" smtClean="0"/>
+              <a:t>Do: Submit pull requests for new/fixed </a:t>
+            </a:r>
+            <a:r>
+              <a:rPr lang="en-US" dirty="0" err="1" smtClean="0"/>
+              <a:t>typings</a:t>
+            </a:r>
+            <a:r>
+              <a:rPr lang="en-US" dirty="0" smtClean="0"/>
+              <a:t> to </a:t>
+            </a:r>
+            <a:r>
+              <a:rPr lang="en-US" dirty="0" err="1" smtClean="0"/>
+              <a:t>DefinitelyTyped</a:t>
+            </a:r>
+            <a:endParaRPr lang="en-US" dirty="0" smtClean="0"/>
+          </a:p>
+          <a:p>
+            <a:endParaRPr lang="en-US" dirty="0"/>
+          </a:p>
+          <a:p>
+            <a:r>
+              <a:rPr lang="en-US" dirty="0" smtClean="0"/>
+              <a:t>Don’t: Check in files that </a:t>
+            </a:r>
+            <a:r>
+              <a:rPr lang="en-US" smtClean="0"/>
+              <a:t>don’t compile</a:t>
+            </a:r>
+            <a:endParaRPr lang="en-US" dirty="0" smtClean="0"/>
+          </a:p>
+          <a:p>
+            <a:endParaRPr lang="en-US" dirty="0"/>
+          </a:p>
+          <a:p>
+            <a:endParaRPr lang="en-US" dirty="0"/>
+          </a:p>
+        </p:txBody>
+      </p:sp>
+    </p:spTree>
+    <p:extLst>
+      <p:ext uri="{BB962C8B-B14F-4D97-AF65-F5344CB8AC3E}">
+        <p14:creationId xmlns:p14="http://schemas.microsoft.com/office/powerpoint/2010/main" val="2375747027"/>
+      </p:ext>
+    </p:extLst>
+  </p:cSld>
+  <p:clrMapOvr>
+    <a:masterClrMapping/>
+  </p:clrMapOvr>
+</p:sld>
+</file>
+
+<file path=ppt/slides/slide58.xml><?xml version="1.0" encoding="utf-8"?>
+<p:sld xmlns:a="http://schemas.openxmlformats.org/drawingml/2006/main" xmlns:r="http://schemas.openxmlformats.org/officeDocument/2006/relationships" xmlns:p="http://schemas.openxmlformats.org/presentationml/2006/main">
+  <p:cSld>
+    <p:spTree>
+      <p:nvGrpSpPr>
+        <p:cNvPr id="1" name=""/>
+        <p:cNvGrpSpPr/>
+        <p:nvPr/>
+      </p:nvGrpSpPr>
+      <p:grpSpPr>
+        <a:xfrm>
+          <a:off x="0" y="0"/>
+          <a:ext cx="0" cy="0"/>
+          <a:chOff x="0" y="0"/>
+          <a:chExt cx="0" cy="0"/>
+        </a:xfrm>
+      </p:grpSpPr>
+      <p:sp>
+        <p:nvSpPr>
+          <p:cNvPr id="2" name="Title 1"/>
+          <p:cNvSpPr>
+            <a:spLocks noGrp="1"/>
+          </p:cNvSpPr>
+          <p:nvPr>
+            <p:ph type="title"/>
+          </p:nvPr>
+        </p:nvSpPr>
+        <p:spPr/>
+        <p:txBody>
+          <a:bodyPr/>
+          <a:lstStyle/>
+          <a:p>
+            <a:r>
+              <a:rPr lang="en-US" dirty="0" smtClean="0"/>
+              <a:t>Questions</a:t>
+            </a:r>
+            <a:endParaRPr lang="en-US" dirty="0"/>
+          </a:p>
+        </p:txBody>
+      </p:sp>
+      <p:pic>
+        <p:nvPicPr>
+          <p:cNvPr id="2050" name="Picture 2" descr="http://alangregerman.typepad.com/.a/6a00d83516c0ad53ef017c3329aba8970b-800wi"/>
+          <p:cNvPicPr>
+            <a:picLocks noGrp="1" noChangeAspect="1" noChangeArrowheads="1"/>
+          </p:cNvPicPr>
+          <p:nvPr>
+            <p:ph idx="1"/>
+          </p:nvPr>
+        </p:nvPicPr>
+        <p:blipFill>
+          <a:blip r:embed="rId2">
+            <a:extLst>
+              <a:ext uri="{28A0092B-C50C-407E-A947-70E740481C1C}">
+                <a14:useLocalDpi xmlns:a14="http://schemas.microsoft.com/office/drawing/2010/main" val="0"/>
+              </a:ext>
+            </a:extLst>
+          </a:blip>
+          <a:srcRect/>
+          <a:stretch>
+            <a:fillRect/>
+          </a:stretch>
+        </p:blipFill>
+        <p:spPr bwMode="auto">
+          <a:xfrm>
+            <a:off x="3423444" y="2160588"/>
+            <a:ext cx="3105149" cy="3881437"/>
+          </a:xfrm>
+          <a:prstGeom prst="rect">
+            <a:avLst/>
+          </a:prstGeom>
+          <a:noFill/>
+          <a:extLst>
+            <a:ext uri="{909E8E84-426E-40DD-AFC4-6F175D3DCCD1}">
+              <a14:hiddenFill xmlns:a14="http://schemas.microsoft.com/office/drawing/2010/main">
+                <a:solidFill>
+                  <a:srgbClr val="FFFFFF"/>
+                </a:solidFill>
+              </a14:hiddenFill>
+            </a:ext>
+          </a:extLst>
+        </p:spPr>
+      </p:pic>
+    </p:spTree>
+    <p:extLst>
+      <p:ext uri="{BB962C8B-B14F-4D97-AF65-F5344CB8AC3E}">
+        <p14:creationId xmlns:p14="http://schemas.microsoft.com/office/powerpoint/2010/main" val="4174572319"/>
       </p:ext>
     </p:extLst>
   </p:cSld>

--- a/Presentation/TypeScriptFundamentals.pptx
+++ b/Presentation/TypeScriptFundamentals.pptx
@@ -62,7 +62,8 @@
     <p:sldId id="303" r:id="rId56"/>
     <p:sldId id="304" r:id="rId57"/>
     <p:sldId id="305" r:id="rId58"/>
-    <p:sldId id="314" r:id="rId59"/>
+    <p:sldId id="315" r:id="rId59"/>
+    <p:sldId id="314" r:id="rId60"/>
   </p:sldIdLst>
   <p:sldSz cx="12192000" cy="6858000"/>
   <p:notesSz cx="6858000" cy="9144000"/>
@@ -251,6 +252,7 @@
         </p14:section>
         <p14:section name="Conclusion" id="{E240FE6F-BAA6-4501-BD73-66D409C9AB59}">
           <p14:sldIdLst>
+            <p14:sldId id="315"/>
             <p14:sldId id="314"/>
           </p14:sldIdLst>
         </p14:section>
@@ -23544,6 +23546,195 @@
           <a:p>
             <a:r>
               <a:rPr lang="en-US" dirty="0" smtClean="0"/>
+              <a:t>That’s it!</a:t>
+            </a:r>
+            <a:endParaRPr lang="en-US" dirty="0"/>
+          </a:p>
+        </p:txBody>
+      </p:sp>
+      <p:sp>
+        <p:nvSpPr>
+          <p:cNvPr id="3" name="Content Placeholder 2"/>
+          <p:cNvSpPr>
+            <a:spLocks noGrp="1"/>
+          </p:cNvSpPr>
+          <p:nvPr>
+            <p:ph idx="1"/>
+          </p:nvPr>
+        </p:nvSpPr>
+        <p:spPr/>
+        <p:txBody>
+          <a:bodyPr/>
+          <a:lstStyle/>
+          <a:p>
+            <a:r>
+              <a:rPr lang="en-US" dirty="0" smtClean="0"/>
+              <a:t>Presentation slides and code available on </a:t>
+            </a:r>
+            <a:r>
+              <a:rPr lang="en-US" dirty="0" err="1" smtClean="0"/>
+              <a:t>github</a:t>
+            </a:r>
+            <a:r>
+              <a:rPr lang="en-US" dirty="0" smtClean="0"/>
+              <a:t>:</a:t>
+            </a:r>
+          </a:p>
+          <a:p>
+            <a:pPr lvl="1"/>
+            <a:r>
+              <a:rPr lang="en-US" dirty="0">
+                <a:hlinkClick r:id="rId2"/>
+              </a:rPr>
+              <a:t>https://</a:t>
+            </a:r>
+            <a:r>
+              <a:rPr lang="en-US" dirty="0" smtClean="0">
+                <a:hlinkClick r:id="rId2"/>
+              </a:rPr>
+              <a:t>github.com/dflor003/typescript-fundamentals</a:t>
+            </a:r>
+            <a:endParaRPr lang="en-US" dirty="0" smtClean="0"/>
+          </a:p>
+          <a:p>
+            <a:pPr lvl="1"/>
+            <a:endParaRPr lang="en-US" dirty="0"/>
+          </a:p>
+          <a:p>
+            <a:r>
+              <a:rPr lang="en-US" dirty="0" smtClean="0"/>
+              <a:t>Resources:</a:t>
+            </a:r>
+          </a:p>
+          <a:p>
+            <a:pPr lvl="1"/>
+            <a:r>
+              <a:rPr lang="en-US" dirty="0" err="1" smtClean="0"/>
+              <a:t>TypeScript</a:t>
+            </a:r>
+            <a:r>
+              <a:rPr lang="en-US" dirty="0"/>
+              <a:t> tutorial: </a:t>
+            </a:r>
+            <a:r>
+              <a:rPr lang="en-US" dirty="0">
+                <a:hlinkClick r:id="rId3"/>
+              </a:rPr>
+              <a:t>http://</a:t>
+            </a:r>
+            <a:r>
+              <a:rPr lang="en-US" dirty="0" smtClean="0">
+                <a:hlinkClick r:id="rId3"/>
+              </a:rPr>
+              <a:t>www.typescriptlang.org/Tutorial</a:t>
+            </a:r>
+            <a:endParaRPr lang="en-US" dirty="0"/>
+          </a:p>
+          <a:p>
+            <a:pPr lvl="1"/>
+            <a:r>
+              <a:rPr lang="en-US" dirty="0" err="1" smtClean="0"/>
+              <a:t>TypeScript</a:t>
+            </a:r>
+            <a:r>
+              <a:rPr lang="en-US" dirty="0" smtClean="0"/>
+              <a:t> </a:t>
+            </a:r>
+            <a:r>
+              <a:rPr lang="en-US" dirty="0"/>
+              <a:t>playground: </a:t>
+            </a:r>
+            <a:r>
+              <a:rPr lang="en-US" dirty="0">
+                <a:hlinkClick r:id="rId4"/>
+              </a:rPr>
+              <a:t>http://</a:t>
+            </a:r>
+            <a:r>
+              <a:rPr lang="en-US" dirty="0" smtClean="0">
+                <a:hlinkClick r:id="rId4"/>
+              </a:rPr>
+              <a:t>www.typescriptlang.org/Playground</a:t>
+            </a:r>
+            <a:endParaRPr lang="en-US" dirty="0" smtClean="0"/>
+          </a:p>
+          <a:p>
+            <a:pPr lvl="1"/>
+            <a:r>
+              <a:rPr lang="en-US" dirty="0" err="1" smtClean="0"/>
+              <a:t>PluralSight</a:t>
+            </a:r>
+            <a:r>
+              <a:rPr lang="en-US" dirty="0"/>
+              <a:t>: </a:t>
+            </a:r>
+            <a:r>
+              <a:rPr lang="en-US" dirty="0">
+                <a:hlinkClick r:id="rId5"/>
+              </a:rPr>
+              <a:t>http://</a:t>
+            </a:r>
+            <a:r>
+              <a:rPr lang="en-US" dirty="0" smtClean="0">
+                <a:hlinkClick r:id="rId5"/>
+              </a:rPr>
+              <a:t>pluralsight.com/courses/typescript</a:t>
+            </a:r>
+            <a:endParaRPr lang="en-US" dirty="0" smtClean="0"/>
+          </a:p>
+          <a:p>
+            <a:pPr lvl="1"/>
+            <a:endParaRPr lang="en-US" dirty="0"/>
+          </a:p>
+        </p:txBody>
+      </p:sp>
+    </p:spTree>
+    <p:extLst>
+      <p:ext uri="{BB962C8B-B14F-4D97-AF65-F5344CB8AC3E}">
+        <p14:creationId xmlns:p14="http://schemas.microsoft.com/office/powerpoint/2010/main" val="2502509381"/>
+      </p:ext>
+    </p:extLst>
+  </p:cSld>
+  <p:clrMapOvr>
+    <a:masterClrMapping/>
+  </p:clrMapOvr>
+</p:sld>
+</file>
+
+<file path=ppt/slides/slide59.xml><?xml version="1.0" encoding="utf-8"?>
+<p:sld xmlns:a="http://schemas.openxmlformats.org/drawingml/2006/main" xmlns:r="http://schemas.openxmlformats.org/officeDocument/2006/relationships" xmlns:p="http://schemas.openxmlformats.org/presentationml/2006/main">
+  <p:cSld>
+    <p:spTree>
+      <p:nvGrpSpPr>
+        <p:cNvPr id="1" name=""/>
+        <p:cNvGrpSpPr/>
+        <p:nvPr/>
+      </p:nvGrpSpPr>
+      <p:grpSpPr>
+        <a:xfrm>
+          <a:off x="0" y="0"/>
+          <a:ext cx="0" cy="0"/>
+          <a:chOff x="0" y="0"/>
+          <a:chExt cx="0" cy="0"/>
+        </a:xfrm>
+      </p:grpSpPr>
+      <p:sp>
+        <p:nvSpPr>
+          <p:cNvPr id="2" name="Title 1"/>
+          <p:cNvSpPr>
+            <a:spLocks noGrp="1"/>
+          </p:cNvSpPr>
+          <p:nvPr>
+            <p:ph type="title"/>
+          </p:nvPr>
+        </p:nvSpPr>
+        <p:spPr/>
+        <p:txBody>
+          <a:bodyPr/>
+          <a:lstStyle/>
+          <a:p>
+            <a:r>
+              <a:rPr lang="en-US" dirty="0" smtClean="0"/>
               <a:t>Questions</a:t>
             </a:r>
             <a:endParaRPr lang="en-US" dirty="0"/>
